--- a/Killer Fish/Killer Robot.pptx
+++ b/Killer Fish/Killer Robot.pptx
@@ -222,7 +222,7 @@
           <a:p>
             <a:fld id="{C8D18E60-4300-4729-A0D7-6AB984C3922D}" type="datetimeFigureOut">
               <a:rPr lang="en-US" smtClean="0"/>
-              <a:t>11/25/2022</a:t>
+              <a:t>11/26/2022</a:t>
             </a:fld>
             <a:endParaRPr lang="en-US"/>
           </a:p>
@@ -1131,7 +1131,7 @@
             <a:fld id="{53074F12-AA26-4AC8-9962-C36BB8F32554}" type="datetimeFigureOut">
               <a:rPr lang="en-US" smtClean="0"/>
               <a:pPr/>
-              <a:t>11/25/2022</a:t>
+              <a:t>11/26/2022</a:t>
             </a:fld>
             <a:endParaRPr lang="en-US"/>
           </a:p>
@@ -1385,7 +1385,7 @@
             <a:fld id="{53074F12-AA26-4AC8-9962-C36BB8F32554}" type="datetimeFigureOut">
               <a:rPr lang="en-US" smtClean="0"/>
               <a:pPr/>
-              <a:t>11/25/2022</a:t>
+              <a:t>11/26/2022</a:t>
             </a:fld>
             <a:endParaRPr lang="en-US"/>
           </a:p>
@@ -1555,7 +1555,7 @@
             <a:fld id="{53074F12-AA26-4AC8-9962-C36BB8F32554}" type="datetimeFigureOut">
               <a:rPr lang="en-US" smtClean="0"/>
               <a:pPr/>
-              <a:t>11/25/2022</a:t>
+              <a:t>11/26/2022</a:t>
             </a:fld>
             <a:endParaRPr lang="en-US"/>
           </a:p>
@@ -1735,7 +1735,7 @@
             <a:fld id="{53074F12-AA26-4AC8-9962-C36BB8F32554}" type="datetimeFigureOut">
               <a:rPr lang="en-US" smtClean="0"/>
               <a:pPr/>
-              <a:t>11/25/2022</a:t>
+              <a:t>11/26/2022</a:t>
             </a:fld>
             <a:endParaRPr lang="en-US"/>
           </a:p>
@@ -2027,7 +2027,7 @@
             <a:fld id="{53074F12-AA26-4AC8-9962-C36BB8F32554}" type="datetimeFigureOut">
               <a:rPr lang="en-US" smtClean="0"/>
               <a:pPr/>
-              <a:t>11/25/2022</a:t>
+              <a:t>11/26/2022</a:t>
             </a:fld>
             <a:endParaRPr lang="en-US"/>
           </a:p>
@@ -2290,7 +2290,7 @@
             <a:fld id="{53074F12-AA26-4AC8-9962-C36BB8F32554}" type="datetimeFigureOut">
               <a:rPr lang="en-US" smtClean="0"/>
               <a:pPr/>
-              <a:t>11/25/2022</a:t>
+              <a:t>11/26/2022</a:t>
             </a:fld>
             <a:endParaRPr lang="en-US"/>
           </a:p>
@@ -2537,7 +2537,7 @@
             <a:fld id="{53074F12-AA26-4AC8-9962-C36BB8F32554}" type="datetimeFigureOut">
               <a:rPr lang="en-US" smtClean="0"/>
               <a:pPr/>
-              <a:t>11/25/2022</a:t>
+              <a:t>11/26/2022</a:t>
             </a:fld>
             <a:endParaRPr lang="en-US"/>
           </a:p>
@@ -2824,7 +2824,7 @@
             <a:fld id="{53074F12-AA26-4AC8-9962-C36BB8F32554}" type="datetimeFigureOut">
               <a:rPr lang="en-US" smtClean="0"/>
               <a:pPr/>
-              <a:t>11/25/2022</a:t>
+              <a:t>11/26/2022</a:t>
             </a:fld>
             <a:endParaRPr lang="en-US"/>
           </a:p>
@@ -3335,7 +3335,7 @@
             <a:fld id="{53074F12-AA26-4AC8-9962-C36BB8F32554}" type="datetimeFigureOut">
               <a:rPr lang="en-US" smtClean="0"/>
               <a:pPr/>
-              <a:t>11/25/2022</a:t>
+              <a:t>11/26/2022</a:t>
             </a:fld>
             <a:endParaRPr lang="en-US"/>
           </a:p>
@@ -3454,7 +3454,7 @@
             <a:fld id="{53074F12-AA26-4AC8-9962-C36BB8F32554}" type="datetimeFigureOut">
               <a:rPr lang="en-US" smtClean="0"/>
               <a:pPr/>
-              <a:t>11/25/2022</a:t>
+              <a:t>11/26/2022</a:t>
             </a:fld>
             <a:endParaRPr lang="en-US"/>
           </a:p>
@@ -3551,7 +3551,7 @@
             <a:fld id="{53074F12-AA26-4AC8-9962-C36BB8F32554}" type="datetimeFigureOut">
               <a:rPr lang="en-US" smtClean="0"/>
               <a:pPr/>
-              <a:t>11/25/2022</a:t>
+              <a:t>11/26/2022</a:t>
             </a:fld>
             <a:endParaRPr lang="en-US"/>
           </a:p>
@@ -3828,7 +3828,7 @@
             <a:fld id="{53074F12-AA26-4AC8-9962-C36BB8F32554}" type="datetimeFigureOut">
               <a:rPr lang="en-US" smtClean="0"/>
               <a:pPr/>
-              <a:t>11/25/2022</a:t>
+              <a:t>11/26/2022</a:t>
             </a:fld>
             <a:endParaRPr lang="en-US"/>
           </a:p>
@@ -4050,7 +4050,7 @@
             <a:fld id="{53074F12-AA26-4AC8-9962-C36BB8F32554}" type="datetimeFigureOut">
               <a:rPr lang="en-US" smtClean="0"/>
               <a:pPr/>
-              <a:t>11/25/2022</a:t>
+              <a:t>11/26/2022</a:t>
             </a:fld>
             <a:endParaRPr lang="en-US"/>
           </a:p>
@@ -4583,15 +4583,7 @@
                   <a:schemeClr val="bg1"/>
                 </a:solidFill>
               </a:rPr>
-              <a:t>  </a:t>
-            </a:r>
-            <a:r>
-              <a:rPr lang="en-US" dirty="0" smtClean="0">
-                <a:solidFill>
-                  <a:schemeClr val="bg1"/>
-                </a:solidFill>
-              </a:rPr>
-              <a:t>- Roshan </a:t>
+              <a:t>  - Roshan </a:t>
             </a:r>
             <a:r>
               <a:rPr lang="en-US" dirty="0" err="1">
@@ -4694,13 +4686,6 @@
   <p:clrMapOvr>
     <a:masterClrMapping/>
   </p:clrMapOvr>
-  <p:timing>
-    <p:tnLst>
-      <p:par>
-        <p:cTn id="1" dur="indefinite" restart="never" nodeType="tmRoot"/>
-      </p:par>
-    </p:tnLst>
-  </p:timing>
 </p:sld>
 </file>
 
@@ -4744,18 +4729,13 @@
           <a:lstStyle/>
           <a:p>
             <a:r>
-              <a:rPr lang="en-US" sz="4400" cap="none" dirty="0" smtClean="0">
+              <a:rPr lang="en-US" sz="4400" cap="none" dirty="0">
                 <a:solidFill>
                   <a:srgbClr val="4BACC6"/>
                 </a:solidFill>
               </a:rPr>
               <a:t>Main Culprit</a:t>
             </a:r>
-            <a:endParaRPr lang="en-US" sz="4400" cap="none" dirty="0">
-              <a:solidFill>
-                <a:srgbClr val="4BACC6"/>
-              </a:solidFill>
-            </a:endParaRPr>
           </a:p>
         </p:txBody>
       </p:sp>
@@ -4783,7 +4763,7 @@
           <a:p>
             <a:pPr algn="ctr"/>
             <a:r>
-              <a:rPr lang="en-US" sz="3200" b="1" dirty="0" smtClean="0">
+              <a:rPr lang="en-US" sz="3200" b="1" dirty="0">
                 <a:solidFill>
                   <a:schemeClr val="tx1"/>
                 </a:solidFill>
@@ -4795,7 +4775,7 @@
           <a:p>
             <a:pPr algn="ctr"/>
             <a:r>
-              <a:rPr lang="en-US" sz="3200" b="1" dirty="0" smtClean="0">
+              <a:rPr lang="en-US" sz="3200" b="1" dirty="0">
                 <a:solidFill>
                   <a:schemeClr val="tx1"/>
                 </a:solidFill>
@@ -4803,12 +4783,6 @@
               </a:rPr>
               <a:t>Ray Johnson</a:t>
             </a:r>
-            <a:endParaRPr lang="en-US" sz="3200" b="1" dirty="0">
-              <a:solidFill>
-                <a:schemeClr val="tx1"/>
-              </a:solidFill>
-              <a:latin typeface="+mj-lt"/>
-            </a:endParaRPr>
           </a:p>
         </p:txBody>
       </p:sp>
@@ -4852,13 +4826,6 @@
   <p:clrMapOvr>
     <a:masterClrMapping/>
   </p:clrMapOvr>
-  <p:timing>
-    <p:tnLst>
-      <p:par>
-        <p:cTn id="1" dur="indefinite" restart="never" nodeType="tmRoot"/>
-      </p:par>
-    </p:tnLst>
-  </p:timing>
 </p:sld>
 </file>
 
@@ -5045,18 +5012,13 @@
               <a:buNone/>
             </a:pPr>
             <a:r>
-              <a:rPr lang="en-US" sz="2400" dirty="0" smtClean="0">
+              <a:rPr lang="en-US" sz="2400" dirty="0">
                 <a:solidFill>
                   <a:srgbClr val="232D48"/>
                 </a:solidFill>
               </a:rPr>
               <a:t>ACM Code of Conduct</a:t>
             </a:r>
-            <a:endParaRPr lang="en-US" sz="2400" dirty="0">
-              <a:solidFill>
-                <a:srgbClr val="232D48"/>
-              </a:solidFill>
-            </a:endParaRPr>
           </a:p>
         </p:txBody>
       </p:sp>
@@ -5228,18 +5190,13 @@
               <a:buNone/>
             </a:pPr>
             <a:r>
-              <a:rPr lang="en-US" sz="2400" dirty="0" smtClean="0">
+              <a:rPr lang="en-US" sz="2400" dirty="0">
                 <a:solidFill>
                   <a:srgbClr val="232D48"/>
                 </a:solidFill>
               </a:rPr>
               <a:t>BCS Code of Conduct</a:t>
             </a:r>
-            <a:endParaRPr lang="en-US" sz="2400" dirty="0">
-              <a:solidFill>
-                <a:srgbClr val="232D48"/>
-              </a:solidFill>
-            </a:endParaRPr>
           </a:p>
         </p:txBody>
       </p:sp>
@@ -5419,15 +5376,7 @@
                   <a:schemeClr val="bg1"/>
                 </a:solidFill>
               </a:rPr>
-              <a:t>4. Duty to the </a:t>
-            </a:r>
-            <a:r>
-              <a:rPr lang="en-US" sz="2200" dirty="0" smtClean="0">
-                <a:solidFill>
-                  <a:schemeClr val="bg1"/>
-                </a:solidFill>
-              </a:rPr>
-              <a:t>Profession</a:t>
+              <a:t>4. Duty to the Profession</a:t>
             </a:r>
           </a:p>
           <a:p>
@@ -5435,20 +5384,12 @@
               <a:buNone/>
             </a:pPr>
             <a:r>
-              <a:rPr lang="en-US" sz="2200" dirty="0" smtClean="0">
+              <a:rPr lang="en-US" sz="2200" dirty="0">
                 <a:solidFill>
                   <a:schemeClr val="bg1"/>
                 </a:solidFill>
               </a:rPr>
-              <a:t>d) Act </a:t>
-            </a:r>
-            <a:r>
-              <a:rPr lang="en-US" sz="2200" dirty="0">
-                <a:solidFill>
-                  <a:schemeClr val="bg1"/>
-                </a:solidFill>
-              </a:rPr>
-              <a:t>with integrity and respect in your professional relationships with all members </a:t>
+              <a:t>d) Act with integrity and respect in your professional relationships with all members </a:t>
             </a:r>
           </a:p>
         </p:txBody>
@@ -5629,21 +5570,8 @@
                   <a:schemeClr val="bg1"/>
                 </a:solidFill>
               </a:rPr>
-              <a:t>3.6 Create opportunities for members of the organization and group to learn, respect, and be </a:t>
-            </a:r>
-            <a:r>
-              <a:rPr lang="en-US" sz="2200" dirty="0" smtClean="0">
-                <a:solidFill>
-                  <a:schemeClr val="bg1"/>
-                </a:solidFill>
-              </a:rPr>
-              <a:t>accountable.</a:t>
-            </a:r>
-            <a:endParaRPr lang="en-US" sz="2200" dirty="0" smtClean="0">
-              <a:solidFill>
-                <a:schemeClr val="bg1"/>
-              </a:solidFill>
-            </a:endParaRPr>
+              <a:t>3.6 Create opportunities for members of the organization and group to learn, respect, and be accountable.</a:t>
+            </a:r>
           </a:p>
         </p:txBody>
       </p:sp>
@@ -5811,7 +5739,7 @@
               <a:buNone/>
             </a:pPr>
             <a:r>
-              <a:rPr lang="en-US" sz="4000" b="1" dirty="0" smtClean="0"/>
+              <a:rPr lang="en-US" sz="4000" b="1" dirty="0"/>
               <a:t>Crime</a:t>
             </a:r>
           </a:p>
@@ -5820,22 +5748,13 @@
               <a:buNone/>
             </a:pPr>
             <a:r>
-              <a:rPr lang="en-US" sz="1800" dirty="0" smtClean="0"/>
+              <a:rPr lang="en-US" sz="1800" dirty="0"/>
               <a:t>	</a:t>
             </a:r>
             <a:r>
-              <a:rPr lang="en-US" sz="2400" dirty="0" smtClean="0"/>
-              <a:t>Bringing </a:t>
-            </a:r>
-            <a:r>
               <a:rPr lang="en-US" sz="2400" dirty="0"/>
-              <a:t>emotional and personal feud into a professional </a:t>
-            </a:r>
-            <a:r>
-              <a:rPr lang="en-US" sz="2400" dirty="0" smtClean="0"/>
-              <a:t>environment.</a:t>
-            </a:r>
-            <a:endParaRPr lang="en-US" sz="2400" dirty="0"/>
+              <a:t>Bringing emotional and personal feud into a professional environment.</a:t>
+            </a:r>
           </a:p>
           <a:p>
             <a:pPr marL="0" indent="0">
@@ -5901,18 +5820,13 @@
           <a:lstStyle/>
           <a:p>
             <a:r>
-              <a:rPr lang="en-US" b="0" dirty="0" smtClean="0">
+              <a:rPr lang="en-US" b="0" dirty="0">
                 <a:solidFill>
                   <a:srgbClr val="232D48"/>
                 </a:solidFill>
               </a:rPr>
               <a:t>ACM Code of Conduct</a:t>
             </a:r>
-            <a:endParaRPr lang="en-US" b="0" dirty="0">
-              <a:solidFill>
-                <a:srgbClr val="232D48"/>
-              </a:solidFill>
-            </a:endParaRPr>
           </a:p>
         </p:txBody>
       </p:sp>
@@ -5957,11 +5871,6 @@
               </a:rPr>
               <a:t>1.1 Contribute to society and to human well-being, acknowledging that all people are stakeholders in computing.</a:t>
             </a:r>
-            <a:endParaRPr lang="en-US" dirty="0" smtClean="0">
-              <a:solidFill>
-                <a:schemeClr val="bg1"/>
-              </a:solidFill>
-            </a:endParaRPr>
           </a:p>
         </p:txBody>
       </p:sp>
@@ -5993,18 +5902,13 @@
           <a:lstStyle/>
           <a:p>
             <a:r>
-              <a:rPr lang="en-US" b="0" dirty="0" smtClean="0">
+              <a:rPr lang="en-US" b="0" dirty="0">
                 <a:solidFill>
                   <a:srgbClr val="232D48"/>
                 </a:solidFill>
               </a:rPr>
               <a:t>BCS Code of Conduct</a:t>
             </a:r>
-            <a:endParaRPr lang="en-US" b="0" dirty="0">
-              <a:solidFill>
-                <a:srgbClr val="232D48"/>
-              </a:solidFill>
-            </a:endParaRPr>
           </a:p>
         </p:txBody>
       </p:sp>
@@ -6042,52 +5946,26 @@
               <a:buNone/>
             </a:pPr>
             <a:r>
-              <a:rPr lang="en-US" dirty="0" smtClean="0">
+              <a:rPr lang="en-US" dirty="0">
                 <a:solidFill>
                   <a:schemeClr val="bg1"/>
                 </a:solidFill>
               </a:rPr>
-              <a:t>4. Duty </a:t>
-            </a:r>
-            <a:r>
-              <a:rPr lang="en-US" dirty="0">
-                <a:solidFill>
-                  <a:schemeClr val="bg1"/>
-                </a:solidFill>
-              </a:rPr>
-              <a:t>to the Profession</a:t>
-            </a:r>
-            <a:endParaRPr lang="en-US" dirty="0" smtClean="0">
-              <a:solidFill>
-                <a:schemeClr val="bg1"/>
-              </a:solidFill>
-            </a:endParaRPr>
+              <a:t>4. Duty to the Profession</a:t>
+            </a:r>
           </a:p>
           <a:p>
             <a:pPr marL="0" indent="0">
               <a:buNone/>
             </a:pPr>
             <a:r>
-              <a:rPr lang="en-US" dirty="0" smtClean="0">
+              <a:rPr lang="en-US" dirty="0">
                 <a:solidFill>
                   <a:schemeClr val="bg1"/>
                 </a:solidFill>
               </a:rPr>
-              <a:t>f) Encourage </a:t>
-            </a:r>
-            <a:r>
-              <a:rPr lang="en-US" dirty="0">
-                <a:solidFill>
-                  <a:schemeClr val="bg1"/>
-                </a:solidFill>
-              </a:rPr>
-              <a:t>and support fellow members in their professional development.</a:t>
-            </a:r>
-            <a:endParaRPr lang="en-US" dirty="0">
-              <a:solidFill>
-                <a:schemeClr val="bg1"/>
-              </a:solidFill>
-            </a:endParaRPr>
+              <a:t>f) Encourage and support fellow members in their professional development.</a:t>
+            </a:r>
           </a:p>
         </p:txBody>
       </p:sp>
@@ -6255,7 +6133,7 @@
               <a:buNone/>
             </a:pPr>
             <a:r>
-              <a:rPr lang="en-US" sz="4000" b="1" dirty="0" smtClean="0"/>
+              <a:rPr lang="en-US" sz="4000" b="1" dirty="0"/>
               <a:t>Crime</a:t>
             </a:r>
           </a:p>
@@ -6264,14 +6142,13 @@
               <a:buNone/>
             </a:pPr>
             <a:r>
-              <a:rPr lang="en-US" sz="1800" dirty="0" smtClean="0"/>
+              <a:rPr lang="en-US" sz="1800" dirty="0"/>
               <a:t>	</a:t>
             </a:r>
             <a:r>
-              <a:rPr lang="en-US" sz="2400" dirty="0" smtClean="0"/>
+              <a:rPr lang="en-US" sz="2400" dirty="0"/>
               <a:t>Placing a lot of pressure on team members.</a:t>
             </a:r>
-            <a:endParaRPr lang="en-US" sz="2400" dirty="0"/>
           </a:p>
           <a:p>
             <a:pPr marL="0" indent="0">
@@ -6291,13 +6168,6 @@
   <p:clrMapOvr>
     <a:masterClrMapping/>
   </p:clrMapOvr>
-  <p:timing>
-    <p:tnLst>
-      <p:par>
-        <p:cTn id="1" dur="indefinite" restart="never" nodeType="tmRoot"/>
-      </p:par>
-    </p:tnLst>
-  </p:timing>
 </p:sld>
 </file>
 
@@ -6484,18 +6354,13 @@
               <a:buNone/>
             </a:pPr>
             <a:r>
-              <a:rPr lang="en-US" sz="2400" dirty="0" smtClean="0">
+              <a:rPr lang="en-US" sz="2400" dirty="0">
                 <a:solidFill>
                   <a:srgbClr val="232D48"/>
                 </a:solidFill>
               </a:rPr>
               <a:t>ACM Code of Conduct</a:t>
             </a:r>
-            <a:endParaRPr lang="en-US" sz="2400" dirty="0">
-              <a:solidFill>
-                <a:srgbClr val="232D48"/>
-              </a:solidFill>
-            </a:endParaRPr>
           </a:p>
         </p:txBody>
       </p:sp>
@@ -6677,11 +6542,6 @@
               </a:rPr>
               <a:t>2.2 Maintain high standards of professional competence, conduct, and ethical practice.</a:t>
             </a:r>
-            <a:endParaRPr lang="en-US" sz="2400" dirty="0" smtClean="0">
-              <a:solidFill>
-                <a:schemeClr val="bg1"/>
-              </a:solidFill>
-            </a:endParaRPr>
           </a:p>
         </p:txBody>
       </p:sp>
@@ -6853,18 +6713,13 @@
               <a:buNone/>
             </a:pPr>
             <a:r>
-              <a:rPr lang="en-US" sz="2400" dirty="0" smtClean="0">
+              <a:rPr lang="en-US" sz="2400" dirty="0">
                 <a:solidFill>
                   <a:srgbClr val="232D48"/>
                 </a:solidFill>
               </a:rPr>
               <a:t>BCS Code of Conduct</a:t>
             </a:r>
-            <a:endParaRPr lang="en-US" sz="2400" dirty="0">
-              <a:solidFill>
-                <a:srgbClr val="232D48"/>
-              </a:solidFill>
-            </a:endParaRPr>
           </a:p>
         </p:txBody>
       </p:sp>
@@ -7210,7 +7065,7 @@
               <a:buNone/>
             </a:pPr>
             <a:r>
-              <a:rPr lang="en-US" sz="4000" b="1" dirty="0" smtClean="0"/>
+              <a:rPr lang="en-US" sz="4000" b="1" dirty="0"/>
               <a:t>Crime</a:t>
             </a:r>
           </a:p>
@@ -7219,25 +7074,20 @@
               <a:buNone/>
             </a:pPr>
             <a:r>
-              <a:rPr lang="en-US" sz="1800" dirty="0" smtClean="0"/>
+              <a:rPr lang="en-US" sz="1800" dirty="0"/>
               <a:t>	</a:t>
             </a:r>
             <a:r>
               <a:rPr lang="en-US" sz="2400" dirty="0"/>
-              <a:t>Wanted his subordinates to cut </a:t>
-            </a:r>
-            <a:r>
-              <a:rPr lang="en-US" sz="2400" dirty="0" smtClean="0"/>
-              <a:t>corners.</a:t>
-            </a:r>
-            <a:endParaRPr lang="en-US" sz="2400" dirty="0"/>
+              <a:t>Wanted his subordinates to cut corners.</a:t>
+            </a:r>
           </a:p>
           <a:p>
             <a:pPr marL="0" indent="0">
               <a:buNone/>
             </a:pPr>
             <a:r>
-              <a:rPr lang="en-GB" sz="2400" dirty="0" smtClean="0"/>
+              <a:rPr lang="en-GB" sz="2400" dirty="0"/>
               <a:t>.</a:t>
             </a:r>
             <a:endParaRPr lang="en-US" sz="2400" dirty="0"/>
@@ -7440,18 +7290,13 @@
               <a:buNone/>
             </a:pPr>
             <a:r>
-              <a:rPr lang="en-US" sz="2400" dirty="0" smtClean="0">
+              <a:rPr lang="en-US" sz="2400" dirty="0">
                 <a:solidFill>
                   <a:srgbClr val="232D48"/>
                 </a:solidFill>
               </a:rPr>
               <a:t>ACM Code of Conduct</a:t>
             </a:r>
-            <a:endParaRPr lang="en-US" sz="2400" dirty="0">
-              <a:solidFill>
-                <a:srgbClr val="232D48"/>
-              </a:solidFill>
-            </a:endParaRPr>
           </a:p>
         </p:txBody>
       </p:sp>
@@ -7626,26 +7471,13 @@
               <a:buNone/>
             </a:pPr>
             <a:r>
-              <a:rPr lang="en-US" sz="2400" dirty="0" smtClean="0">
+              <a:rPr lang="en-US" sz="2400" dirty="0">
                 <a:solidFill>
                   <a:schemeClr val="bg1"/>
                 </a:solidFill>
               </a:rPr>
-              <a:t>2.4 </a:t>
-            </a:r>
-            <a:r>
-              <a:rPr lang="en-US" sz="2400" dirty="0">
-                <a:solidFill>
-                  <a:schemeClr val="bg1"/>
-                </a:solidFill>
-              </a:rPr>
-              <a:t>Accept and provide appropriate professional review.</a:t>
-            </a:r>
-            <a:endParaRPr lang="en-US" sz="2400" dirty="0" smtClean="0">
-              <a:solidFill>
-                <a:schemeClr val="bg1"/>
-              </a:solidFill>
-            </a:endParaRPr>
+              <a:t>2.4 Accept and provide appropriate professional review.</a:t>
+            </a:r>
           </a:p>
         </p:txBody>
       </p:sp>
@@ -7817,18 +7649,13 @@
               <a:buNone/>
             </a:pPr>
             <a:r>
-              <a:rPr lang="en-US" sz="2400" dirty="0" smtClean="0">
+              <a:rPr lang="en-US" sz="2400" dirty="0">
                 <a:solidFill>
                   <a:srgbClr val="232D48"/>
                 </a:solidFill>
               </a:rPr>
               <a:t>BCS Code of Conduct</a:t>
             </a:r>
-            <a:endParaRPr lang="en-US" sz="2400" dirty="0">
-              <a:solidFill>
-                <a:srgbClr val="232D48"/>
-              </a:solidFill>
-            </a:endParaRPr>
           </a:p>
         </p:txBody>
       </p:sp>
@@ -8010,47 +7837,18 @@
               </a:rPr>
               <a:t>2. Professional Competence and Integrity</a:t>
             </a:r>
-            <a:endParaRPr lang="en-US" sz="2400" dirty="0" smtClean="0">
-              <a:solidFill>
-                <a:schemeClr val="bg1"/>
-              </a:solidFill>
-            </a:endParaRPr>
           </a:p>
           <a:p>
             <a:pPr marL="0" indent="0" algn="ctr">
               <a:buNone/>
             </a:pPr>
             <a:r>
-              <a:rPr lang="en-US" sz="2400" dirty="0" smtClean="0">
+              <a:rPr lang="en-US" sz="2400" dirty="0">
                 <a:solidFill>
                   <a:schemeClr val="bg1"/>
                 </a:solidFill>
               </a:rPr>
-              <a:t>g) </a:t>
-            </a:r>
-            <a:r>
-              <a:rPr lang="en-US" sz="2400" dirty="0">
-                <a:solidFill>
-                  <a:schemeClr val="bg1"/>
-                </a:solidFill>
-              </a:rPr>
-              <a:t>R</a:t>
-            </a:r>
-            <a:r>
-              <a:rPr lang="en-US" sz="2400" dirty="0" smtClean="0">
-                <a:solidFill>
-                  <a:schemeClr val="bg1"/>
-                </a:solidFill>
-              </a:rPr>
-              <a:t>eject </a:t>
-            </a:r>
-            <a:r>
-              <a:rPr lang="en-US" sz="2400" dirty="0">
-                <a:solidFill>
-                  <a:schemeClr val="bg1"/>
-                </a:solidFill>
-              </a:rPr>
-              <a:t>and will not make any offer of bribery or unethical inducement. </a:t>
+              <a:t>g) Reject and will not make any offer of bribery or unethical inducement. </a:t>
             </a:r>
           </a:p>
         </p:txBody>
@@ -8219,7 +8017,7 @@
               <a:buNone/>
             </a:pPr>
             <a:r>
-              <a:rPr lang="en-US" sz="4000" b="1" dirty="0" smtClean="0"/>
+              <a:rPr lang="en-US" sz="4000" b="1" dirty="0"/>
               <a:t>Crime</a:t>
             </a:r>
           </a:p>
@@ -8228,14 +8026,13 @@
               <a:buNone/>
             </a:pPr>
             <a:r>
-              <a:rPr lang="en-US" sz="1800" dirty="0" smtClean="0"/>
+              <a:rPr lang="en-US" sz="1800" dirty="0"/>
               <a:t>	</a:t>
             </a:r>
             <a:r>
-              <a:rPr lang="en-US" sz="2400" dirty="0" smtClean="0"/>
+              <a:rPr lang="en-US" sz="2400" dirty="0"/>
               <a:t>Manipulated Cindy to perform fake test on Samuel’s software.</a:t>
             </a:r>
-            <a:endParaRPr lang="en-US" sz="2400" dirty="0"/>
           </a:p>
           <a:p>
             <a:pPr marL="0" indent="0">
@@ -8441,18 +8238,13 @@
               <a:buNone/>
             </a:pPr>
             <a:r>
-              <a:rPr lang="en-US" sz="2400" dirty="0" smtClean="0">
+              <a:rPr lang="en-US" sz="2400" dirty="0">
                 <a:solidFill>
                   <a:srgbClr val="232D48"/>
                 </a:solidFill>
               </a:rPr>
               <a:t>ACM Code of Conduct</a:t>
             </a:r>
-            <a:endParaRPr lang="en-US" sz="2400" dirty="0">
-              <a:solidFill>
-                <a:srgbClr val="232D48"/>
-              </a:solidFill>
-            </a:endParaRPr>
           </a:p>
         </p:txBody>
       </p:sp>
@@ -8632,29 +8424,8 @@
                   <a:schemeClr val="bg1"/>
                 </a:solidFill>
               </a:rPr>
-              <a:t>2.1 Strive to achieve the highest quality in </a:t>
-            </a:r>
-            <a:r>
-              <a:rPr lang="en-US" sz="2400" dirty="0" smtClean="0">
-                <a:solidFill>
-                  <a:schemeClr val="bg1"/>
-                </a:solidFill>
-              </a:rPr>
-              <a:t>professional </a:t>
-            </a:r>
-            <a:r>
-              <a:rPr lang="en-US" sz="2400" dirty="0">
-                <a:solidFill>
-                  <a:schemeClr val="bg1"/>
-                </a:solidFill>
-              </a:rPr>
-              <a:t>work.</a:t>
-            </a:r>
-            <a:endParaRPr lang="en-US" sz="2400" dirty="0" smtClean="0">
-              <a:solidFill>
-                <a:schemeClr val="bg1"/>
-              </a:solidFill>
-            </a:endParaRPr>
+              <a:t>2.1 Strive to achieve the highest quality in professional work.</a:t>
+            </a:r>
           </a:p>
         </p:txBody>
       </p:sp>
@@ -8826,18 +8597,13 @@
               <a:buNone/>
             </a:pPr>
             <a:r>
-              <a:rPr lang="en-US" sz="2400" dirty="0" smtClean="0">
+              <a:rPr lang="en-US" sz="2400" dirty="0">
                 <a:solidFill>
                   <a:srgbClr val="232D48"/>
                 </a:solidFill>
               </a:rPr>
               <a:t>BCS Code of Conduct</a:t>
             </a:r>
-            <a:endParaRPr lang="en-US" sz="2400" dirty="0">
-              <a:solidFill>
-                <a:srgbClr val="232D48"/>
-              </a:solidFill>
-            </a:endParaRPr>
           </a:p>
         </p:txBody>
       </p:sp>
@@ -9019,45 +8785,19 @@
               </a:rPr>
               <a:t>3. Duty to Relevant Authority </a:t>
             </a:r>
-            <a:endParaRPr lang="en-US" sz="2400" dirty="0" smtClean="0">
-              <a:solidFill>
-                <a:schemeClr val="bg1"/>
-              </a:solidFill>
-            </a:endParaRPr>
           </a:p>
           <a:p>
             <a:pPr marL="0" indent="0" algn="ctr">
               <a:buNone/>
             </a:pPr>
             <a:r>
-              <a:rPr lang="en-US" sz="2400" dirty="0" smtClean="0">
+              <a:rPr lang="en-US" sz="2400" dirty="0">
                 <a:solidFill>
                   <a:schemeClr val="bg1"/>
                 </a:solidFill>
               </a:rPr>
-              <a:t>g) Carry </a:t>
-            </a:r>
-            <a:r>
-              <a:rPr lang="en-US" sz="2400" dirty="0">
-                <a:solidFill>
-                  <a:schemeClr val="bg1"/>
-                </a:solidFill>
-              </a:rPr>
-              <a:t>out your professional responsibilities with due care and </a:t>
-            </a:r>
-            <a:r>
-              <a:rPr lang="en-US" sz="2400" dirty="0" smtClean="0">
-                <a:solidFill>
-                  <a:schemeClr val="bg1"/>
-                </a:solidFill>
-              </a:rPr>
-              <a:t>diligence.</a:t>
-            </a:r>
-            <a:endParaRPr lang="en-US" sz="2400" dirty="0">
-              <a:solidFill>
-                <a:schemeClr val="bg1"/>
-              </a:solidFill>
-            </a:endParaRPr>
+              <a:t>g) Carry out your professional responsibilities with due care and diligence.</a:t>
+            </a:r>
           </a:p>
         </p:txBody>
       </p:sp>
@@ -9225,7 +8965,7 @@
               <a:buNone/>
             </a:pPr>
             <a:r>
-              <a:rPr lang="en-US" sz="4000" b="1" dirty="0" smtClean="0"/>
+              <a:rPr lang="en-US" sz="4000" b="1" dirty="0"/>
               <a:t>Crime</a:t>
             </a:r>
           </a:p>
@@ -9234,24 +8974,12 @@
               <a:buNone/>
             </a:pPr>
             <a:r>
-              <a:rPr lang="en-US" sz="1800" dirty="0" smtClean="0"/>
+              <a:rPr lang="en-US" sz="1800" dirty="0"/>
               <a:t>	</a:t>
             </a:r>
             <a:r>
               <a:rPr lang="en-GB" sz="2400" dirty="0"/>
-              <a:t>G</a:t>
-            </a:r>
-            <a:r>
-              <a:rPr lang="en-GB" sz="2400" dirty="0" smtClean="0"/>
-              <a:t>etting </a:t>
-            </a:r>
-            <a:r>
-              <a:rPr lang="en-GB" sz="2400" dirty="0"/>
-              <a:t>flawed software out the door to customers on </a:t>
-            </a:r>
-            <a:r>
-              <a:rPr lang="en-GB" sz="2400" dirty="0" smtClean="0"/>
-              <a:t>time.</a:t>
+              <a:t>Getting flawed software out the door to customers on time.</a:t>
             </a:r>
             <a:endParaRPr lang="en-US" sz="2400" dirty="0"/>
           </a:p>
@@ -9299,10 +9027,16 @@
         </p:nvSpPr>
         <p:spPr/>
         <p:txBody>
-          <a:bodyPr/>
+          <a:bodyPr>
+            <a:noAutofit/>
+          </a:bodyPr>
           <a:lstStyle/>
           <a:p>
-            <a:endParaRPr lang="en-US"/>
+            <a:r>
+              <a:rPr lang="en-GB" sz="4400" dirty="0"/>
+              <a:t>Outline</a:t>
+            </a:r>
+            <a:endParaRPr lang="en-US" sz="4400" dirty="0"/>
           </a:p>
         </p:txBody>
       </p:sp>
@@ -9316,12 +9050,81 @@
             <p:ph idx="1"/>
           </p:nvPr>
         </p:nvSpPr>
-        <p:spPr/>
-        <p:txBody>
-          <a:bodyPr/>
+        <p:spPr>
+          <a:xfrm>
+            <a:off x="296260" y="1197405"/>
+            <a:ext cx="6108200" cy="3817625"/>
+          </a:xfrm>
+        </p:spPr>
+        <p:txBody>
+          <a:bodyPr>
+            <a:normAutofit/>
+          </a:bodyPr>
           <a:lstStyle/>
           <a:p>
-            <a:endParaRPr lang="en-US"/>
+            <a:pPr>
+              <a:spcBef>
+                <a:spcPts val="125"/>
+              </a:spcBef>
+            </a:pPr>
+            <a:r>
+              <a:rPr lang="en-GB" sz="2400" dirty="0">
+                <a:solidFill>
+                  <a:schemeClr val="bg1"/>
+                </a:solidFill>
+              </a:rPr>
+              <a:t>Fictitious case written by Richard Epstein.</a:t>
+            </a:r>
+          </a:p>
+          <a:p>
+            <a:pPr>
+              <a:spcBef>
+                <a:spcPts val="125"/>
+              </a:spcBef>
+            </a:pPr>
+            <a:r>
+              <a:rPr lang="en-GB" sz="2400" dirty="0">
+                <a:solidFill>
+                  <a:schemeClr val="bg1"/>
+                </a:solidFill>
+              </a:rPr>
+              <a:t>Presented as collection of news stories, reports, and interviews.</a:t>
+            </a:r>
+          </a:p>
+          <a:p>
+            <a:pPr>
+              <a:spcBef>
+                <a:spcPts val="125"/>
+              </a:spcBef>
+            </a:pPr>
+            <a:r>
+              <a:rPr lang="en-GB" sz="2400" dirty="0">
+                <a:solidFill>
+                  <a:schemeClr val="bg1"/>
+                </a:solidFill>
+              </a:rPr>
+              <a:t>Case includes aspects of computer ethics and software engineering.</a:t>
+            </a:r>
+          </a:p>
+          <a:p>
+            <a:pPr>
+              <a:spcBef>
+                <a:spcPts val="125"/>
+              </a:spcBef>
+            </a:pPr>
+            <a:r>
+              <a:rPr lang="en-GB" sz="2400" dirty="0">
+                <a:solidFill>
+                  <a:schemeClr val="bg1"/>
+                </a:solidFill>
+              </a:rPr>
+              <a:t>Talk about programmer psychology, teamwork, interfaces, software process models, and software testing.</a:t>
+            </a:r>
+            <a:endParaRPr lang="en-US" sz="2400" dirty="0">
+              <a:solidFill>
+                <a:schemeClr val="bg1"/>
+              </a:solidFill>
+            </a:endParaRPr>
           </a:p>
         </p:txBody>
       </p:sp>
@@ -9335,13 +9138,6 @@
   <p:clrMapOvr>
     <a:masterClrMapping/>
   </p:clrMapOvr>
-  <p:timing>
-    <p:tnLst>
-      <p:par>
-        <p:cTn id="1" dur="indefinite" restart="never" nodeType="tmRoot"/>
-      </p:par>
-    </p:tnLst>
-  </p:timing>
 </p:sld>
 </file>
 
@@ -10689,13 +10485,6 @@
   <p:clrMapOvr>
     <a:masterClrMapping/>
   </p:clrMapOvr>
-  <p:timing>
-    <p:tnLst>
-      <p:par>
-        <p:cTn id="1" dur="indefinite" restart="never" nodeType="tmRoot"/>
-      </p:par>
-    </p:tnLst>
-  </p:timing>
 </p:sld>
 </file>
 
@@ -10740,7 +10529,7 @@
           <a:p>
             <a:r>
               <a:rPr lang="en-US" sz="4400" dirty="0"/>
-              <a:t>Outline</a:t>
+              <a:t>Summary</a:t>
             </a:r>
           </a:p>
         </p:txBody>
@@ -10768,23 +10557,7 @@
                   <a:schemeClr val="bg1"/>
                 </a:solidFill>
               </a:rPr>
-              <a:t>Robbie CX30 malfunction </a:t>
-            </a:r>
-            <a:r>
-              <a:rPr lang="en-GB" sz="2400" dirty="0" smtClean="0">
-                <a:solidFill>
-                  <a:schemeClr val="bg1"/>
-                </a:solidFill>
-              </a:rPr>
-              <a:t>and killed </a:t>
-            </a:r>
-            <a:r>
-              <a:rPr lang="en-GB" sz="2400" dirty="0">
-                <a:solidFill>
-                  <a:schemeClr val="bg1"/>
-                </a:solidFill>
-              </a:rPr>
-              <a:t>B</a:t>
+              <a:t>Robbie CX30 malfunction and killed B</a:t>
             </a:r>
             <a:r>
               <a:rPr lang="en-US" sz="2400" dirty="0">
@@ -10857,13 +10630,6 @@
   <p:clrMapOvr>
     <a:masterClrMapping/>
   </p:clrMapOvr>
-  <p:timing>
-    <p:tnLst>
-      <p:par>
-        <p:cTn id="1" dur="indefinite" restart="never" nodeType="tmRoot"/>
-      </p:par>
-    </p:tnLst>
-  </p:timing>
 </p:sld>
 </file>
 
@@ -11227,13 +10993,6 @@
   <p:clrMapOvr>
     <a:masterClrMapping/>
   </p:clrMapOvr>
-  <p:timing>
-    <p:tnLst>
-      <p:par>
-        <p:cTn id="1" dur="indefinite" restart="never" nodeType="tmRoot"/>
-      </p:par>
-    </p:tnLst>
-  </p:timing>
 </p:sld>
 </file>
 
@@ -11294,18 +11053,13 @@
           <a:p>
             <a:pPr algn="r"/>
             <a:r>
-              <a:rPr lang="en-US" dirty="0" smtClean="0">
+              <a:rPr lang="en-US" dirty="0">
                 <a:solidFill>
                   <a:srgbClr val="4BACC6"/>
                 </a:solidFill>
               </a:rPr>
               <a:t>Culprits</a:t>
             </a:r>
-            <a:endParaRPr lang="en-US" dirty="0">
-              <a:solidFill>
-                <a:srgbClr val="4BACC6"/>
-              </a:solidFill>
-            </a:endParaRPr>
           </a:p>
         </p:txBody>
       </p:sp>
@@ -11430,20 +11184,12 @@
           <a:p>
             <a:pPr algn="ctr"/>
             <a:r>
-              <a:rPr lang="en-US" sz="1400" dirty="0" smtClean="0">
+              <a:rPr lang="en-US" sz="1400" dirty="0">
                 <a:solidFill>
                   <a:schemeClr val="bg1"/>
                 </a:solidFill>
               </a:rPr>
-              <a:t>1) Michael </a:t>
-            </a:r>
-            <a:r>
-              <a:rPr lang="en-US" sz="1400" dirty="0">
-                <a:solidFill>
-                  <a:schemeClr val="bg1"/>
-                </a:solidFill>
-              </a:rPr>
-              <a:t>Waterson</a:t>
+              <a:t>1) Michael Waterson</a:t>
             </a:r>
           </a:p>
           <a:p>
@@ -11490,20 +11236,12 @@
           <a:p>
             <a:pPr algn="ctr"/>
             <a:r>
-              <a:rPr lang="en-US" sz="1400" dirty="0" smtClean="0">
+              <a:rPr lang="en-US" sz="1400" dirty="0">
                 <a:solidFill>
                   <a:schemeClr val="bg1"/>
                 </a:solidFill>
               </a:rPr>
-              <a:t>3) Sam </a:t>
-            </a:r>
-            <a:r>
-              <a:rPr lang="en-US" sz="1400" dirty="0">
-                <a:solidFill>
-                  <a:schemeClr val="bg1"/>
-                </a:solidFill>
-              </a:rPr>
-              <a:t>Reynolds</a:t>
+              <a:t>3) Sam Reynolds</a:t>
             </a:r>
           </a:p>
           <a:p>
@@ -11517,7 +11255,7 @@
               <a:t>(CX30 </a:t>
             </a:r>
             <a:r>
-              <a:rPr lang="en-US" sz="1400" dirty="0" err="1" smtClean="0">
+              <a:rPr lang="en-US" sz="1400" dirty="0" err="1">
                 <a:solidFill>
                   <a:schemeClr val="bg1"/>
                 </a:solidFill>
@@ -11571,23 +11309,7 @@
                   <a:schemeClr val="bg1"/>
                 </a:solidFill>
               </a:rPr>
-              <a:t>5</a:t>
-            </a:r>
-            <a:r>
-              <a:rPr lang="en-US" sz="1400" dirty="0" smtClean="0">
-                <a:solidFill>
-                  <a:schemeClr val="bg1"/>
-                </a:solidFill>
-              </a:rPr>
-              <a:t>) Cindy </a:t>
-            </a:r>
-            <a:r>
-              <a:rPr lang="en-US" sz="1400" dirty="0">
-                <a:solidFill>
-                  <a:schemeClr val="bg1"/>
-                </a:solidFill>
-              </a:rPr>
-              <a:t>Yardley</a:t>
+              <a:t>5) Cindy Yardley</a:t>
             </a:r>
           </a:p>
           <a:p>
@@ -11634,20 +11356,12 @@
           <a:p>
             <a:pPr algn="ctr"/>
             <a:r>
-              <a:rPr lang="en-US" sz="1400" dirty="0" smtClean="0">
+              <a:rPr lang="en-US" sz="1400" dirty="0">
                 <a:solidFill>
                   <a:schemeClr val="bg1"/>
                 </a:solidFill>
               </a:rPr>
-              <a:t>2) Ray </a:t>
-            </a:r>
-            <a:r>
-              <a:rPr lang="en-US" sz="1400" dirty="0">
-                <a:solidFill>
-                  <a:schemeClr val="bg1"/>
-                </a:solidFill>
-              </a:rPr>
-              <a:t>Johnson</a:t>
+              <a:t>2) Ray Johnson</a:t>
             </a:r>
           </a:p>
           <a:p>
@@ -11694,20 +11408,12 @@
           <a:p>
             <a:pPr algn="ctr"/>
             <a:r>
-              <a:rPr lang="en-US" sz="1400" dirty="0" smtClean="0">
+              <a:rPr lang="en-US" sz="1400" dirty="0">
                 <a:solidFill>
                   <a:schemeClr val="bg1"/>
                 </a:solidFill>
               </a:rPr>
-              <a:t>4) Randy </a:t>
-            </a:r>
-            <a:r>
-              <a:rPr lang="en-US" sz="1400" dirty="0">
-                <a:solidFill>
-                  <a:schemeClr val="bg1"/>
-                </a:solidFill>
-              </a:rPr>
-              <a:t>Samuels</a:t>
+              <a:t>4) Randy Samuels</a:t>
             </a:r>
           </a:p>
           <a:p>
@@ -11760,20 +11466,12 @@
           <a:p>
             <a:pPr algn="ctr"/>
             <a:r>
-              <a:rPr lang="en-US" sz="1400" dirty="0" smtClean="0">
+              <a:rPr lang="en-US" sz="1400" dirty="0">
                 <a:solidFill>
                   <a:schemeClr val="bg1"/>
                 </a:solidFill>
               </a:rPr>
-              <a:t>6) Interface </a:t>
-            </a:r>
-            <a:r>
-              <a:rPr lang="en-US" sz="1400" dirty="0">
-                <a:solidFill>
-                  <a:schemeClr val="bg1"/>
-                </a:solidFill>
-              </a:rPr>
-              <a:t>designer</a:t>
+              <a:t>6) Interface designer</a:t>
             </a:r>
           </a:p>
           <a:p>
@@ -11916,13 +11614,6 @@
   <p:clrMapOvr>
     <a:masterClrMapping/>
   </p:clrMapOvr>
-  <p:timing>
-    <p:tnLst>
-      <p:par>
-        <p:cTn id="1" dur="indefinite" restart="never" nodeType="tmRoot"/>
-      </p:par>
-    </p:tnLst>
-  </p:timing>
 </p:sld>
 </file>
 
@@ -12018,18 +11709,13 @@
           <a:p>
             <a:pPr algn="just"/>
             <a:r>
-              <a:rPr lang="en-US" sz="2400" dirty="0" smtClean="0">
+              <a:rPr lang="en-US" sz="2400" dirty="0">
                 <a:solidFill>
                   <a:schemeClr val="bg1"/>
                 </a:solidFill>
               </a:rPr>
               <a:t>Randy programmed the Robbie CX30.</a:t>
             </a:r>
-            <a:endParaRPr lang="en-US" sz="2400" dirty="0">
-              <a:solidFill>
-                <a:schemeClr val="bg1"/>
-              </a:solidFill>
-            </a:endParaRPr>
           </a:p>
           <a:p>
             <a:pPr algn="just"/>
@@ -12039,61 +11725,19 @@
                   <a:schemeClr val="bg1"/>
                 </a:solidFill>
               </a:rPr>
-              <a:t>M</a:t>
-            </a:r>
-            <a:r>
-              <a:rPr lang="en-US" sz="2400" dirty="0" smtClean="0">
+              <a:t>Misread a handwritten formula for a robot's dynamic behavior</a:t>
+            </a:r>
+          </a:p>
+          <a:p>
+            <a:pPr algn="just"/>
+            <a:r>
+              <a:rPr lang="en-US" sz="2400" dirty="0">
                 <a:solidFill>
                   <a:schemeClr val="bg1"/>
                 </a:solidFill>
               </a:rPr>
-              <a:t>isread </a:t>
-            </a:r>
-            <a:r>
-              <a:rPr lang="en-US" sz="2400" dirty="0">
-                <a:solidFill>
-                  <a:schemeClr val="bg1"/>
-                </a:solidFill>
-              </a:rPr>
-              <a:t>a handwritten formula for a robot's dynamic </a:t>
-            </a:r>
-            <a:r>
-              <a:rPr lang="en-US" sz="2400" dirty="0" smtClean="0">
-                <a:solidFill>
-                  <a:schemeClr val="bg1"/>
-                </a:solidFill>
-              </a:rPr>
-              <a:t>behavior</a:t>
-            </a:r>
-            <a:endParaRPr lang="en-US" sz="2400" dirty="0">
-              <a:solidFill>
-                <a:schemeClr val="bg1"/>
-              </a:solidFill>
-            </a:endParaRPr>
-          </a:p>
-          <a:p>
-            <a:pPr algn="just"/>
-            <a:r>
-              <a:rPr lang="en-US" sz="2400" dirty="0">
-                <a:solidFill>
-                  <a:schemeClr val="bg1"/>
-                </a:solidFill>
-              </a:rPr>
-              <a:t>C</a:t>
-            </a:r>
-            <a:r>
-              <a:rPr lang="en-US" sz="2400" dirty="0" smtClean="0">
-                <a:solidFill>
-                  <a:schemeClr val="bg1"/>
-                </a:solidFill>
-              </a:rPr>
-              <a:t>ould not cooperate with teammates</a:t>
-            </a:r>
-            <a:endParaRPr lang="en-US" sz="2400" dirty="0">
-              <a:solidFill>
-                <a:schemeClr val="bg1"/>
-              </a:solidFill>
-            </a:endParaRPr>
+              <a:t>Could not cooperate with teammates</a:t>
+            </a:r>
           </a:p>
         </p:txBody>
       </p:sp>
@@ -12181,10 +11825,9 @@
           </a:lstStyle>
           <a:p>
             <a:r>
-              <a:rPr lang="en-US" dirty="0" smtClean="0"/>
+              <a:rPr lang="en-US" dirty="0"/>
               <a:t>Randy Samuels</a:t>
             </a:r>
-            <a:endParaRPr lang="en-US" dirty="0"/>
           </a:p>
         </p:txBody>
       </p:sp>
@@ -12421,7 +12064,7 @@
               <a:buNone/>
             </a:pPr>
             <a:r>
-              <a:rPr lang="en-US" sz="2400" dirty="0" smtClean="0">
+              <a:rPr lang="en-US" sz="2400" dirty="0">
                 <a:solidFill>
                   <a:schemeClr val="bg1"/>
                 </a:solidFill>
@@ -12431,7 +12074,7 @@
           </a:p>
           <a:p>
             <a:r>
-              <a:rPr lang="en-US" sz="2400" dirty="0" smtClean="0">
+              <a:rPr lang="en-US" sz="2400" dirty="0">
                 <a:solidFill>
                   <a:schemeClr val="bg1"/>
                 </a:solidFill>
@@ -12446,31 +12089,7 @@
                   <a:schemeClr val="bg1"/>
                 </a:solidFill>
               </a:rPr>
-              <a:t>2.4 </a:t>
-            </a:r>
-            <a:r>
-              <a:rPr lang="en-US" sz="2400" dirty="0" smtClean="0">
-                <a:solidFill>
-                  <a:schemeClr val="bg1"/>
-                </a:solidFill>
-              </a:rPr>
-              <a:t>Did </a:t>
-            </a:r>
-            <a:r>
-              <a:rPr lang="en-US" sz="2400" dirty="0">
-                <a:solidFill>
-                  <a:schemeClr val="bg1"/>
-                </a:solidFill>
-              </a:rPr>
-              <a:t>not respond well to </a:t>
-            </a:r>
-            <a:r>
-              <a:rPr lang="en-US" sz="2400" dirty="0" smtClean="0">
-                <a:solidFill>
-                  <a:schemeClr val="bg1"/>
-                </a:solidFill>
-              </a:rPr>
-              <a:t>      feedback</a:t>
+              <a:t>2.4 Did not respond well to       feedback</a:t>
             </a:r>
           </a:p>
         </p:txBody>
@@ -12711,7 +12330,7 @@
               <a:buNone/>
             </a:pPr>
             <a:r>
-              <a:rPr lang="en-US" sz="2400" dirty="0" smtClean="0">
+              <a:rPr lang="en-US" sz="2400" dirty="0">
                 <a:solidFill>
                   <a:schemeClr val="bg1"/>
                 </a:solidFill>
@@ -12731,48 +12350,16 @@
           </a:p>
           <a:p>
             <a:r>
-              <a:rPr lang="en-US" sz="2400" dirty="0" smtClean="0">
+              <a:rPr lang="en-US" sz="2400" dirty="0">
                 <a:solidFill>
                   <a:schemeClr val="bg1"/>
                 </a:solidFill>
               </a:rPr>
-              <a:t>2.e Did </a:t>
-            </a:r>
-            <a:r>
-              <a:rPr lang="en-US" sz="2400" dirty="0">
-                <a:solidFill>
-                  <a:schemeClr val="bg1"/>
-                </a:solidFill>
-              </a:rPr>
-              <a:t>not respond well to </a:t>
-            </a:r>
-            <a:r>
-              <a:rPr lang="en-US" sz="2400" dirty="0" smtClean="0">
-                <a:solidFill>
-                  <a:schemeClr val="bg1"/>
-                </a:solidFill>
-              </a:rPr>
-              <a:t> feedback </a:t>
-            </a:r>
-            <a:r>
-              <a:rPr lang="en-US" sz="2400" dirty="0">
-                <a:solidFill>
-                  <a:schemeClr val="bg1"/>
-                </a:solidFill>
-              </a:rPr>
-              <a:t>from </a:t>
-            </a:r>
-            <a:r>
-              <a:rPr lang="en-US" sz="2400" dirty="0" smtClean="0">
-                <a:solidFill>
-                  <a:schemeClr val="bg1"/>
-                </a:solidFill>
-              </a:rPr>
-              <a:t>peers</a:t>
-            </a:r>
-          </a:p>
-          <a:p>
-            <a:endParaRPr lang="en-US" sz="2400" dirty="0" smtClean="0">
+              <a:t>2.e Did not respond well to  feedback from peers</a:t>
+            </a:r>
+          </a:p>
+          <a:p>
+            <a:endParaRPr lang="en-US" sz="2400" dirty="0">
               <a:solidFill>
                 <a:schemeClr val="bg1"/>
               </a:solidFill>
@@ -12790,13 +12377,6 @@
   <p:clrMapOvr>
     <a:masterClrMapping/>
   </p:clrMapOvr>
-  <p:timing>
-    <p:tnLst>
-      <p:par>
-        <p:cTn id="1" dur="indefinite" restart="never" nodeType="tmRoot"/>
-      </p:par>
-    </p:tnLst>
-  </p:timing>
 </p:sld>
 </file>
 
@@ -13028,36 +12608,34 @@
                   <a:schemeClr val="bg1"/>
                 </a:solidFill>
               </a:rPr>
-              <a:t>Robotics Division chief at Silicon </a:t>
-            </a:r>
-            <a:r>
-              <a:rPr lang="en-US" sz="2400" dirty="0" smtClean="0">
+              <a:t>Robotics Division chief at Silicon Techtronic</a:t>
+            </a:r>
+          </a:p>
+          <a:p>
+            <a:pPr algn="just"/>
+            <a:r>
+              <a:rPr lang="en-US" sz="2400" dirty="0">
                 <a:solidFill>
                   <a:schemeClr val="bg1"/>
                 </a:solidFill>
               </a:rPr>
-              <a:t>Techtronic</a:t>
+              <a:t>Bringing an emotional or personal conflict into a work setting (Sam Reynolds)</a:t>
             </a:r>
           </a:p>
           <a:p>
             <a:pPr algn="just"/>
             <a:r>
-              <a:rPr lang="en-US" sz="2400" dirty="0" smtClean="0">
+              <a:rPr lang="en-US" sz="2400" dirty="0">
                 <a:solidFill>
                   <a:schemeClr val="bg1"/>
                 </a:solidFill>
               </a:rPr>
-              <a:t>Bringing </a:t>
-            </a:r>
-            <a:r>
-              <a:rPr lang="en-US" sz="2400" dirty="0">
-                <a:solidFill>
-                  <a:schemeClr val="bg1"/>
-                </a:solidFill>
-              </a:rPr>
-              <a:t>an emotional or personal conflict into a work setting (Sam Reynolds)</a:t>
-            </a:r>
-            <a:endParaRPr lang="en-US" sz="2400" dirty="0" smtClean="0">
+              <a:t>Placing a lot of pressure on the team</a:t>
+            </a:r>
+          </a:p>
+          <a:p>
+            <a:pPr algn="just"/>
+            <a:endParaRPr lang="en-US" sz="2400" dirty="0">
               <a:solidFill>
                 <a:schemeClr val="bg1"/>
               </a:solidFill>
@@ -13065,26 +12643,7 @@
           </a:p>
           <a:p>
             <a:pPr algn="just"/>
-            <a:r>
-              <a:rPr lang="en-US" sz="2400" dirty="0">
-                <a:solidFill>
-                  <a:schemeClr val="bg1"/>
-                </a:solidFill>
-              </a:rPr>
-              <a:t>Placing a lot of pressure on the </a:t>
-            </a:r>
-            <a:r>
-              <a:rPr lang="en-US" sz="2400" dirty="0" smtClean="0">
-                <a:solidFill>
-                  <a:schemeClr val="bg1"/>
-                </a:solidFill>
-              </a:rPr>
-              <a:t>team</a:t>
-            </a:r>
-          </a:p>
-          <a:p>
-            <a:pPr algn="just"/>
-            <a:endParaRPr lang="en-US" sz="2400" dirty="0" smtClean="0">
+            <a:endParaRPr lang="en-US" sz="2400" dirty="0">
               <a:solidFill>
                 <a:schemeClr val="bg1"/>
               </a:solidFill>
@@ -13092,15 +12651,7 @@
           </a:p>
           <a:p>
             <a:pPr algn="just"/>
-            <a:endParaRPr lang="en-US" sz="2400" dirty="0" smtClean="0">
-              <a:solidFill>
-                <a:schemeClr val="bg1"/>
-              </a:solidFill>
-            </a:endParaRPr>
-          </a:p>
-          <a:p>
-            <a:pPr algn="just"/>
-            <a:endParaRPr lang="en-US" sz="2400" dirty="0" smtClean="0">
+            <a:endParaRPr lang="en-US" sz="2400" dirty="0">
               <a:solidFill>
                 <a:schemeClr val="bg1"/>
               </a:solidFill>
@@ -13162,10 +12713,9 @@
           </a:lstStyle>
           <a:p>
             <a:r>
-              <a:rPr lang="en-US" dirty="0" smtClean="0"/>
+              <a:rPr lang="en-US" dirty="0"/>
               <a:t>Ray Johnson</a:t>
             </a:r>
-            <a:endParaRPr lang="en-US" dirty="0"/>
           </a:p>
         </p:txBody>
       </p:sp>
@@ -13448,7 +12998,7 @@
               <a:buNone/>
             </a:pPr>
             <a:r>
-              <a:rPr lang="en-US" sz="2400" dirty="0" smtClean="0">
+              <a:rPr lang="en-US" sz="2400" dirty="0">
                 <a:solidFill>
                   <a:schemeClr val="bg1"/>
                 </a:solidFill>
@@ -13463,55 +13013,18 @@
                   <a:schemeClr val="bg1"/>
                 </a:solidFill>
               </a:rPr>
-              <a:t>1.a </a:t>
-            </a:r>
-            <a:r>
-              <a:rPr lang="en-US" sz="2400" dirty="0" smtClean="0">
+              <a:t>1.a failed to consider public safety</a:t>
+            </a:r>
+          </a:p>
+          <a:p>
+            <a:r>
+              <a:rPr lang="en-US" sz="2400" dirty="0">
                 <a:solidFill>
                   <a:schemeClr val="bg1"/>
                 </a:solidFill>
               </a:rPr>
-              <a:t>failed </a:t>
-            </a:r>
-            <a:r>
-              <a:rPr lang="en-US" sz="2400" dirty="0">
-                <a:solidFill>
-                  <a:schemeClr val="bg1"/>
-                </a:solidFill>
-              </a:rPr>
-              <a:t>to consider public </a:t>
-            </a:r>
-            <a:r>
-              <a:rPr lang="en-US" sz="2400" dirty="0" smtClean="0">
-                <a:solidFill>
-                  <a:schemeClr val="bg1"/>
-                </a:solidFill>
-              </a:rPr>
-              <a:t>safety</a:t>
-            </a:r>
-          </a:p>
-          <a:p>
-            <a:r>
-              <a:rPr lang="en-US" sz="2400" dirty="0" smtClean="0">
-                <a:solidFill>
-                  <a:schemeClr val="bg1"/>
-                </a:solidFill>
-              </a:rPr>
-              <a:t>3.e </a:t>
-            </a:r>
-            <a:r>
-              <a:rPr lang="en-US" sz="2400" dirty="0">
-                <a:solidFill>
-                  <a:schemeClr val="bg1"/>
-                </a:solidFill>
-              </a:rPr>
-              <a:t>He falsely claimed that his product was error-free</a:t>
-            </a:r>
-            <a:endParaRPr lang="en-US" sz="2400" dirty="0" smtClean="0">
-              <a:solidFill>
-                <a:schemeClr val="bg1"/>
-              </a:solidFill>
-            </a:endParaRPr>
+              <a:t>3.e He falsely claimed that his product was error-free</a:t>
+            </a:r>
           </a:p>
         </p:txBody>
       </p:sp>
@@ -13751,7 +13264,7 @@
               <a:buNone/>
             </a:pPr>
             <a:r>
-              <a:rPr lang="en-US" sz="2400" dirty="0" smtClean="0">
+              <a:rPr lang="en-US" sz="2400" dirty="0">
                 <a:solidFill>
                   <a:schemeClr val="bg1"/>
                 </a:solidFill>
@@ -13761,63 +13274,26 @@
           </a:p>
           <a:p>
             <a:r>
-              <a:rPr lang="en-US" sz="2400" dirty="0" smtClean="0">
+              <a:rPr lang="en-US" sz="2400" dirty="0">
                 <a:solidFill>
                   <a:schemeClr val="bg1"/>
                 </a:solidFill>
               </a:rPr>
-              <a:t>2.1 Encouraged </a:t>
-            </a:r>
+              <a:t>2.1 Encouraged his subordinates to take shortcuts</a:t>
+            </a:r>
+          </a:p>
+          <a:p>
             <a:r>
               <a:rPr lang="en-US" sz="2400" dirty="0">
                 <a:solidFill>
                   <a:schemeClr val="bg1"/>
                 </a:solidFill>
               </a:rPr>
-              <a:t>his subordinates to take </a:t>
-            </a:r>
-            <a:r>
-              <a:rPr lang="en-US" sz="2400" dirty="0" smtClean="0">
-                <a:solidFill>
-                  <a:schemeClr val="bg1"/>
-                </a:solidFill>
-              </a:rPr>
-              <a:t>shortcuts</a:t>
-            </a:r>
+              <a:t>2.5 Used risky solutions</a:t>
+            </a:r>
+          </a:p>
+          <a:p>
             <a:endParaRPr lang="en-US" sz="2400" dirty="0">
-              <a:solidFill>
-                <a:schemeClr val="bg1"/>
-              </a:solidFill>
-            </a:endParaRPr>
-          </a:p>
-          <a:p>
-            <a:r>
-              <a:rPr lang="en-US" sz="2400" dirty="0" smtClean="0">
-                <a:solidFill>
-                  <a:schemeClr val="bg1"/>
-                </a:solidFill>
-              </a:rPr>
-              <a:t>2.5 Used </a:t>
-            </a:r>
-            <a:r>
-              <a:rPr lang="en-US" sz="2400" dirty="0">
-                <a:solidFill>
-                  <a:schemeClr val="bg1"/>
-                </a:solidFill>
-              </a:rPr>
-              <a:t>risky </a:t>
-            </a:r>
-            <a:r>
-              <a:rPr lang="en-US" sz="2400" dirty="0" smtClean="0">
-                <a:solidFill>
-                  <a:schemeClr val="bg1"/>
-                </a:solidFill>
-              </a:rPr>
-              <a:t>solutions</a:t>
-            </a:r>
-          </a:p>
-          <a:p>
-            <a:endParaRPr lang="en-US" sz="2400" dirty="0" smtClean="0">
               <a:solidFill>
                 <a:schemeClr val="bg1"/>
               </a:solidFill>
@@ -13835,13 +13311,6 @@
   <p:clrMapOvr>
     <a:masterClrMapping/>
   </p:clrMapOvr>
-  <p:timing>
-    <p:tnLst>
-      <p:par>
-        <p:cTn id="1" dur="indefinite" restart="never" nodeType="tmRoot"/>
-      </p:par>
-    </p:tnLst>
-  </p:timing>
 </p:sld>
 </file>
 
@@ -13908,10 +13377,9 @@
           </a:lstStyle>
           <a:p>
             <a:r>
-              <a:rPr lang="en-US" dirty="0" smtClean="0"/>
+              <a:rPr lang="en-US" dirty="0"/>
               <a:t>Sam Reynolds</a:t>
             </a:r>
-            <a:endParaRPr lang="en-US" dirty="0"/>
           </a:p>
         </p:txBody>
       </p:sp>
@@ -14007,7 +13475,7 @@
               <a:buFont typeface="Arial" panose="020B0604020202020204" pitchFamily="34" charset="0"/>
               <a:buChar char="•"/>
             </a:pPr>
-            <a:endParaRPr lang="en-US" sz="2400" dirty="0" smtClean="0">
+            <a:endParaRPr lang="en-US" sz="2400" dirty="0">
               <a:latin typeface="+mn-lt"/>
             </a:endParaRPr>
           </a:p>
@@ -14016,126 +13484,6 @@
               <a:buFont typeface="Arial" panose="020B0604020202020204" pitchFamily="34" charset="0"/>
               <a:buChar char="•"/>
             </a:pPr>
-            <a:endParaRPr lang="en-US" sz="2400" dirty="0" smtClean="0">
-              <a:solidFill>
-                <a:schemeClr val="bg1"/>
-              </a:solidFill>
-              <a:latin typeface="+mn-lt"/>
-            </a:endParaRPr>
-          </a:p>
-          <a:p>
-            <a:pPr marL="342900" indent="-342900" algn="l">
-              <a:lnSpc>
-                <a:spcPct val="120000"/>
-              </a:lnSpc>
-              <a:buFont typeface="Arial" panose="020B0604020202020204" pitchFamily="34" charset="0"/>
-              <a:buChar char="•"/>
-            </a:pPr>
-            <a:endParaRPr lang="en-US" sz="2400" dirty="0" smtClean="0">
-              <a:solidFill>
-                <a:schemeClr val="bg1"/>
-              </a:solidFill>
-              <a:latin typeface="+mn-lt"/>
-            </a:endParaRPr>
-          </a:p>
-          <a:p>
-            <a:pPr marL="342900" indent="-342900" algn="l">
-              <a:lnSpc>
-                <a:spcPct val="120000"/>
-              </a:lnSpc>
-              <a:buFont typeface="Arial" panose="020B0604020202020204" pitchFamily="34" charset="0"/>
-              <a:buChar char="•"/>
-            </a:pPr>
-            <a:r>
-              <a:rPr lang="en-US" sz="2400" dirty="0" smtClean="0">
-                <a:solidFill>
-                  <a:schemeClr val="bg1"/>
-                </a:solidFill>
-                <a:latin typeface="+mn-lt"/>
-              </a:rPr>
-              <a:t>CX30 </a:t>
-            </a:r>
-            <a:r>
-              <a:rPr lang="en-US" sz="2400" dirty="0">
-                <a:solidFill>
-                  <a:schemeClr val="bg1"/>
-                </a:solidFill>
-                <a:latin typeface="+mn-lt"/>
-              </a:rPr>
-              <a:t>project manager (made by CEO </a:t>
-            </a:r>
-            <a:r>
-              <a:rPr lang="en-US" sz="2400" dirty="0" smtClean="0">
-                <a:solidFill>
-                  <a:schemeClr val="bg1"/>
-                </a:solidFill>
-                <a:latin typeface="+mn-lt"/>
-              </a:rPr>
-              <a:t>Michael)</a:t>
-            </a:r>
-          </a:p>
-          <a:p>
-            <a:pPr marL="342900" indent="-342900" algn="l">
-              <a:lnSpc>
-                <a:spcPct val="120000"/>
-              </a:lnSpc>
-              <a:buFont typeface="Arial" panose="020B0604020202020204" pitchFamily="34" charset="0"/>
-              <a:buChar char="•"/>
-            </a:pPr>
-            <a:r>
-              <a:rPr lang="en-US" sz="2400" dirty="0">
-                <a:solidFill>
-                  <a:schemeClr val="bg1"/>
-                </a:solidFill>
-                <a:latin typeface="+mn-lt"/>
-              </a:rPr>
-              <a:t>F</a:t>
-            </a:r>
-            <a:r>
-              <a:rPr lang="en-US" sz="2400" dirty="0" smtClean="0">
-                <a:solidFill>
-                  <a:schemeClr val="bg1"/>
-                </a:solidFill>
-                <a:latin typeface="+mn-lt"/>
-              </a:rPr>
-              <a:t>orced the waterfall model to be used rather than the robot-friendly prototype model</a:t>
-            </a:r>
-          </a:p>
-          <a:p>
-            <a:pPr marL="342900" indent="-342900" algn="l">
-              <a:lnSpc>
-                <a:spcPct val="120000"/>
-              </a:lnSpc>
-              <a:buFont typeface="Arial" panose="020B0604020202020204" pitchFamily="34" charset="0"/>
-              <a:buChar char="•"/>
-            </a:pPr>
-            <a:r>
-              <a:rPr lang="en-US" sz="2400" dirty="0" smtClean="0">
-                <a:solidFill>
-                  <a:schemeClr val="bg1"/>
-                </a:solidFill>
-                <a:latin typeface="+mn-lt"/>
-              </a:rPr>
-              <a:t>Lack </a:t>
-            </a:r>
-            <a:r>
-              <a:rPr lang="en-US" sz="2400" dirty="0">
-                <a:solidFill>
-                  <a:schemeClr val="bg1"/>
-                </a:solidFill>
-                <a:latin typeface="+mn-lt"/>
-              </a:rPr>
-              <a:t>of communication with </a:t>
-            </a:r>
-            <a:r>
-              <a:rPr lang="en-US" sz="2400" dirty="0" smtClean="0">
-                <a:solidFill>
-                  <a:schemeClr val="bg1"/>
-                </a:solidFill>
-                <a:latin typeface="+mn-lt"/>
-              </a:rPr>
-              <a:t>Ray</a:t>
-            </a:r>
             <a:endParaRPr lang="en-US" sz="2400" dirty="0">
               <a:solidFill>
                 <a:schemeClr val="bg1"/>
@@ -14144,10 +13492,73 @@
             </a:endParaRPr>
           </a:p>
           <a:p>
-            <a:pPr algn="l"/>
-            <a:endParaRPr lang="en-US" sz="2400" dirty="0" smtClean="0">
+            <a:pPr marL="342900" indent="-342900" algn="l">
+              <a:lnSpc>
+                <a:spcPct val="120000"/>
+              </a:lnSpc>
+              <a:buFont typeface="Arial" panose="020B0604020202020204" pitchFamily="34" charset="0"/>
+              <a:buChar char="•"/>
+            </a:pPr>
+            <a:endParaRPr lang="en-US" sz="2400" dirty="0">
+              <a:solidFill>
+                <a:schemeClr val="bg1"/>
+              </a:solidFill>
               <a:latin typeface="+mn-lt"/>
             </a:endParaRPr>
+          </a:p>
+          <a:p>
+            <a:pPr marL="342900" indent="-342900" algn="l">
+              <a:lnSpc>
+                <a:spcPct val="120000"/>
+              </a:lnSpc>
+              <a:buFont typeface="Arial" panose="020B0604020202020204" pitchFamily="34" charset="0"/>
+              <a:buChar char="•"/>
+            </a:pPr>
+            <a:r>
+              <a:rPr lang="en-US" sz="2400" dirty="0">
+                <a:solidFill>
+                  <a:schemeClr val="bg1"/>
+                </a:solidFill>
+                <a:latin typeface="+mn-lt"/>
+              </a:rPr>
+              <a:t>CX30 project manager (made by CEO Michael)</a:t>
+            </a:r>
+          </a:p>
+          <a:p>
+            <a:pPr marL="342900" indent="-342900" algn="l">
+              <a:lnSpc>
+                <a:spcPct val="120000"/>
+              </a:lnSpc>
+              <a:buFont typeface="Arial" panose="020B0604020202020204" pitchFamily="34" charset="0"/>
+              <a:buChar char="•"/>
+            </a:pPr>
+            <a:r>
+              <a:rPr lang="en-US" sz="2400" dirty="0">
+                <a:solidFill>
+                  <a:schemeClr val="bg1"/>
+                </a:solidFill>
+                <a:latin typeface="+mn-lt"/>
+              </a:rPr>
+              <a:t>Forced the waterfall model to be used rather than the robot-friendly prototype model</a:t>
+            </a:r>
+          </a:p>
+          <a:p>
+            <a:pPr marL="342900" indent="-342900" algn="l">
+              <a:lnSpc>
+                <a:spcPct val="120000"/>
+              </a:lnSpc>
+              <a:buFont typeface="Arial" panose="020B0604020202020204" pitchFamily="34" charset="0"/>
+              <a:buChar char="•"/>
+            </a:pPr>
+            <a:r>
+              <a:rPr lang="en-US" sz="2400" dirty="0">
+                <a:solidFill>
+                  <a:schemeClr val="bg1"/>
+                </a:solidFill>
+                <a:latin typeface="+mn-lt"/>
+              </a:rPr>
+              <a:t>Lack of communication with Ray</a:t>
+            </a:r>
           </a:p>
           <a:p>
             <a:pPr algn="l"/>
@@ -14157,7 +13568,13 @@
           </a:p>
           <a:p>
             <a:pPr algn="l"/>
-            <a:endParaRPr lang="en-US" sz="2400" dirty="0" smtClean="0">
+            <a:endParaRPr lang="en-US" sz="2400" dirty="0">
+              <a:latin typeface="+mn-lt"/>
+            </a:endParaRPr>
+          </a:p>
+          <a:p>
+            <a:pPr algn="l"/>
+            <a:endParaRPr lang="en-US" sz="2400" dirty="0">
               <a:latin typeface="+mn-lt"/>
             </a:endParaRPr>
           </a:p>
@@ -14270,50 +13687,13 @@
               <a:buChar char="•"/>
             </a:pPr>
             <a:r>
-              <a:rPr lang="en-US" sz="2400" dirty="0" smtClean="0">
+              <a:rPr lang="en-US" sz="2400" dirty="0">
                 <a:solidFill>
                   <a:schemeClr val="bg1"/>
                 </a:solidFill>
               </a:rPr>
-              <a:t>2.6 accepted </a:t>
-            </a:r>
-            <a:r>
-              <a:rPr lang="en-US" sz="2400" dirty="0">
-                <a:solidFill>
-                  <a:schemeClr val="bg1"/>
-                </a:solidFill>
-              </a:rPr>
-              <a:t>a </a:t>
-            </a:r>
-            <a:r>
-              <a:rPr lang="en-US" sz="2400" dirty="0" smtClean="0">
-                <a:solidFill>
-                  <a:schemeClr val="bg1"/>
-                </a:solidFill>
-              </a:rPr>
-              <a:t>work </a:t>
-            </a:r>
-            <a:r>
-              <a:rPr lang="en-US" sz="2400" dirty="0">
-                <a:solidFill>
-                  <a:schemeClr val="bg1"/>
-                </a:solidFill>
-              </a:rPr>
-              <a:t>for which he was </a:t>
-            </a:r>
-            <a:r>
-              <a:rPr lang="en-US" sz="2400" dirty="0" smtClean="0">
-                <a:solidFill>
-                  <a:schemeClr val="bg1"/>
-                </a:solidFill>
-              </a:rPr>
-              <a:t>ineligible</a:t>
-            </a:r>
-            <a:endParaRPr lang="en-US" sz="2400" dirty="0">
-              <a:solidFill>
-                <a:schemeClr val="bg1"/>
-              </a:solidFill>
-            </a:endParaRPr>
+              <a:t>2.6 accepted a work for which he was ineligible</a:t>
+            </a:r>
           </a:p>
         </p:txBody>
       </p:sp>
@@ -14398,16 +13778,7 @@
                 </a:solidFill>
                 <a:latin typeface="+mn-lt"/>
               </a:rPr>
-              <a:t>Against BCS </a:t>
-            </a:r>
-            <a:r>
-              <a:rPr lang="en-US" sz="2400" dirty="0" smtClean="0">
-                <a:solidFill>
-                  <a:schemeClr val="bg1"/>
-                </a:solidFill>
-                <a:latin typeface="+mn-lt"/>
-              </a:rPr>
-              <a:t>Code</a:t>
+              <a:t>Against BCS Code</a:t>
             </a:r>
           </a:p>
           <a:p>
@@ -14422,34 +13793,7 @@
                 </a:solidFill>
                 <a:latin typeface="+mn-lt"/>
               </a:rPr>
-              <a:t>2.e </a:t>
-            </a:r>
-            <a:r>
-              <a:rPr lang="en-US" sz="2400" dirty="0" smtClean="0">
-                <a:solidFill>
-                  <a:schemeClr val="bg1"/>
-                </a:solidFill>
-                <a:latin typeface="+mn-lt"/>
-              </a:rPr>
-              <a:t>He </a:t>
-            </a:r>
-            <a:r>
-              <a:rPr lang="en-US" sz="2400" dirty="0">
-                <a:solidFill>
-                  <a:schemeClr val="bg1"/>
-                </a:solidFill>
-                <a:latin typeface="+mn-lt"/>
-              </a:rPr>
-              <a:t>rejected criticism and </a:t>
-            </a:r>
-            <a:r>
-              <a:rPr lang="en-US" sz="2400" dirty="0" smtClean="0">
-                <a:solidFill>
-                  <a:schemeClr val="bg1"/>
-                </a:solidFill>
-                <a:latin typeface="+mn-lt"/>
-              </a:rPr>
-              <a:t>opposing views </a:t>
+              <a:t>2.e He rejected criticism and opposing views </a:t>
             </a:r>
           </a:p>
           <a:p>
@@ -14464,23 +13808,8 @@
                 </a:solidFill>
                 <a:latin typeface="+mn-lt"/>
               </a:rPr>
-              <a:t>3.a Unauthorized usage of </a:t>
-            </a:r>
-            <a:r>
-              <a:rPr lang="en-US" sz="2400" dirty="0" smtClean="0">
-                <a:solidFill>
-                  <a:schemeClr val="bg1"/>
-                </a:solidFill>
-                <a:latin typeface="+mn-lt"/>
-              </a:rPr>
-              <a:t>power</a:t>
-            </a:r>
-            <a:endParaRPr lang="en-US" sz="2400" dirty="0">
-              <a:solidFill>
-                <a:schemeClr val="bg1"/>
-              </a:solidFill>
-              <a:latin typeface="+mn-lt"/>
-            </a:endParaRPr>
+              <a:t>3.a Unauthorized usage of power</a:t>
+            </a:r>
           </a:p>
         </p:txBody>
       </p:sp>
@@ -14532,13 +13861,6 @@
   <p:clrMapOvr>
     <a:masterClrMapping/>
   </p:clrMapOvr>
-  <p:timing>
-    <p:tnLst>
-      <p:par>
-        <p:cTn id="1" dur="indefinite" restart="never" nodeType="tmRoot"/>
-      </p:par>
-    </p:tnLst>
-  </p:timing>
 </p:sld>
 </file>
 

--- a/Killer Fish/Killer Robot.pptx
+++ b/Killer Fish/Killer Robot.pptx
@@ -9052,17 +9052,20 @@
         </p:nvSpPr>
         <p:spPr>
           <a:xfrm>
-            <a:off x="296260" y="1197405"/>
-            <a:ext cx="6108200" cy="3817625"/>
+            <a:off x="238596" y="891995"/>
+            <a:ext cx="6566315" cy="3817625"/>
           </a:xfrm>
         </p:spPr>
         <p:txBody>
           <a:bodyPr>
-            <a:normAutofit/>
+            <a:normAutofit fontScale="92500" lnSpcReduction="20000"/>
           </a:bodyPr>
           <a:lstStyle/>
           <a:p>
             <a:pPr>
+              <a:lnSpc>
+                <a:spcPct val="150000"/>
+              </a:lnSpc>
               <a:spcBef>
                 <a:spcPts val="125"/>
               </a:spcBef>
@@ -9078,6 +9081,9 @@
           </a:p>
           <a:p>
             <a:pPr>
+              <a:lnSpc>
+                <a:spcPct val="150000"/>
+              </a:lnSpc>
               <a:spcBef>
                 <a:spcPts val="125"/>
               </a:spcBef>
@@ -9093,6 +9099,9 @@
           </a:p>
           <a:p>
             <a:pPr>
+              <a:lnSpc>
+                <a:spcPct val="150000"/>
+              </a:lnSpc>
               <a:spcBef>
                 <a:spcPts val="125"/>
               </a:spcBef>
@@ -9108,6 +9117,9 @@
           </a:p>
           <a:p>
             <a:pPr>
+              <a:lnSpc>
+                <a:spcPct val="150000"/>
+              </a:lnSpc>
               <a:spcBef>
                 <a:spcPts val="125"/>
               </a:spcBef>

--- a/Killer Fish/Killer Robot.pptx
+++ b/Killer Fish/Killer Robot.pptx
@@ -5,24 +5,25 @@
     <p:sldMasterId id="2147483648" r:id="rId1"/>
   </p:sldMasterIdLst>
   <p:notesMasterIdLst>
-    <p:notesMasterId r:id="rId17"/>
+    <p:notesMasterId r:id="rId18"/>
   </p:notesMasterIdLst>
   <p:sldIdLst>
     <p:sldId id="256" r:id="rId2"/>
-    <p:sldId id="274" r:id="rId3"/>
-    <p:sldId id="257" r:id="rId4"/>
-    <p:sldId id="259" r:id="rId5"/>
-    <p:sldId id="258" r:id="rId6"/>
-    <p:sldId id="270" r:id="rId7"/>
-    <p:sldId id="262" r:id="rId8"/>
-    <p:sldId id="268" r:id="rId9"/>
-    <p:sldId id="269" r:id="rId10"/>
-    <p:sldId id="265" r:id="rId11"/>
-    <p:sldId id="271" r:id="rId12"/>
-    <p:sldId id="267" r:id="rId13"/>
-    <p:sldId id="275" r:id="rId14"/>
-    <p:sldId id="272" r:id="rId15"/>
-    <p:sldId id="273" r:id="rId16"/>
+    <p:sldId id="276" r:id="rId3"/>
+    <p:sldId id="274" r:id="rId4"/>
+    <p:sldId id="257" r:id="rId5"/>
+    <p:sldId id="259" r:id="rId6"/>
+    <p:sldId id="258" r:id="rId7"/>
+    <p:sldId id="270" r:id="rId8"/>
+    <p:sldId id="262" r:id="rId9"/>
+    <p:sldId id="268" r:id="rId10"/>
+    <p:sldId id="269" r:id="rId11"/>
+    <p:sldId id="265" r:id="rId12"/>
+    <p:sldId id="271" r:id="rId13"/>
+    <p:sldId id="267" r:id="rId14"/>
+    <p:sldId id="275" r:id="rId15"/>
+    <p:sldId id="272" r:id="rId16"/>
+    <p:sldId id="273" r:id="rId17"/>
   </p:sldIdLst>
   <p:sldSz cx="9144000" cy="5143500" type="screen16x9"/>
   <p:notesSz cx="6858000" cy="9144000"/>
@@ -554,7 +555,7 @@
           <a:p>
             <a:fld id="{AF533E96-F078-4B3D-A8F4-F1AF21EBC357}" type="slidenum">
               <a:rPr lang="en-US" smtClean="0"/>
-              <a:t>3</a:t>
+              <a:t>4</a:t>
             </a:fld>
             <a:endParaRPr lang="en-US"/>
           </a:p>
@@ -638,7 +639,7 @@
           <a:p>
             <a:fld id="{AF533E96-F078-4B3D-A8F4-F1AF21EBC357}" type="slidenum">
               <a:rPr lang="en-US" smtClean="0"/>
-              <a:t>6</a:t>
+              <a:t>7</a:t>
             </a:fld>
             <a:endParaRPr lang="en-US"/>
           </a:p>
@@ -722,7 +723,7 @@
           <a:p>
             <a:fld id="{AF533E96-F078-4B3D-A8F4-F1AF21EBC357}" type="slidenum">
               <a:rPr lang="en-US" smtClean="0"/>
-              <a:t>7</a:t>
+              <a:t>8</a:t>
             </a:fld>
             <a:endParaRPr lang="en-US"/>
           </a:p>
@@ -806,7 +807,7 @@
           <a:p>
             <a:fld id="{AF533E96-F078-4B3D-A8F4-F1AF21EBC357}" type="slidenum">
               <a:rPr lang="en-US" smtClean="0"/>
-              <a:t>8</a:t>
+              <a:t>9</a:t>
             </a:fld>
             <a:endParaRPr lang="en-US"/>
           </a:p>
@@ -890,7 +891,7 @@
           <a:p>
             <a:fld id="{AF533E96-F078-4B3D-A8F4-F1AF21EBC357}" type="slidenum">
               <a:rPr lang="en-US" smtClean="0"/>
-              <a:t>12</a:t>
+              <a:t>13</a:t>
             </a:fld>
             <a:endParaRPr lang="en-US"/>
           </a:p>
@@ -4708,6 +4709,544 @@
       </p:grpSpPr>
       <p:sp>
         <p:nvSpPr>
+          <p:cNvPr id="4" name="Title 1"/>
+          <p:cNvSpPr txBox="1">
+            <a:spLocks/>
+          </p:cNvSpPr>
+          <p:nvPr/>
+        </p:nvSpPr>
+        <p:spPr>
+          <a:xfrm>
+            <a:off x="0" y="1197406"/>
+            <a:ext cx="6228365" cy="2137869"/>
+          </a:xfrm>
+          <a:prstGeom prst="rect">
+            <a:avLst/>
+          </a:prstGeom>
+          <a:blipFill>
+            <a:blip r:embed="rId2">
+              <a:duotone>
+                <a:schemeClr val="accent4">
+                  <a:shade val="45000"/>
+                  <a:satMod val="135000"/>
+                </a:schemeClr>
+                <a:prstClr val="white"/>
+              </a:duotone>
+              <a:extLst>
+                <a:ext uri="{BEBA8EAE-BF5A-486C-A8C5-ECC9F3942E4B}">
+                  <a14:imgProps xmlns:a14="http://schemas.microsoft.com/office/drawing/2010/main">
+                    <a14:imgLayer r:embed="rId3">
+                      <a14:imgEffect>
+                        <a14:artisticPaintStrokes/>
+                      </a14:imgEffect>
+                      <a14:imgEffect>
+                        <a14:sharpenSoften amount="25000"/>
+                      </a14:imgEffect>
+                      <a14:imgEffect>
+                        <a14:saturation sat="400000"/>
+                      </a14:imgEffect>
+                    </a14:imgLayer>
+                  </a14:imgProps>
+                </a:ext>
+              </a:extLst>
+            </a:blip>
+            <a:tile tx="0" ty="0" sx="100000" sy="100000" flip="none" algn="tl"/>
+          </a:blipFill>
+          <a:effectLst>
+            <a:glow rad="228600">
+              <a:schemeClr val="accent6">
+                <a:satMod val="175000"/>
+                <a:alpha val="40000"/>
+              </a:schemeClr>
+            </a:glow>
+            <a:outerShdw blurRad="63500" sx="102000" sy="102000" algn="ctr" rotWithShape="0">
+              <a:prstClr val="black">
+                <a:alpha val="43000"/>
+              </a:prstClr>
+            </a:outerShdw>
+            <a:softEdge rad="12700"/>
+          </a:effectLst>
+        </p:spPr>
+        <p:txBody>
+          <a:bodyPr vert="horz" lIns="91440" tIns="45720" rIns="91440" bIns="45720" rtlCol="0" anchor="ctr">
+            <a:noAutofit/>
+          </a:bodyPr>
+          <a:lstStyle>
+            <a:lvl1pPr algn="r" defTabSz="914400" rtl="0" eaLnBrk="1" latinLnBrk="0" hangingPunct="1">
+              <a:spcBef>
+                <a:spcPct val="0"/>
+              </a:spcBef>
+              <a:buNone/>
+              <a:defRPr sz="3600" kern="1200" baseline="0">
+                <a:solidFill>
+                  <a:schemeClr val="accent5"/>
+                </a:solidFill>
+                <a:effectLst>
+                  <a:outerShdw blurRad="50800" dist="38100" dir="2700000" algn="tl" rotWithShape="0">
+                    <a:prstClr val="black">
+                      <a:alpha val="40000"/>
+                    </a:prstClr>
+                  </a:outerShdw>
+                </a:effectLst>
+                <a:latin typeface="+mj-lt"/>
+                <a:ea typeface="+mj-ea"/>
+                <a:cs typeface="+mj-cs"/>
+              </a:defRPr>
+            </a:lvl1pPr>
+          </a:lstStyle>
+          <a:p>
+            <a:pPr marL="342900" indent="-342900" algn="l">
+              <a:buFont typeface="Arial" panose="020B0604020202020204" pitchFamily="34" charset="0"/>
+              <a:buChar char="•"/>
+            </a:pPr>
+            <a:endParaRPr lang="en-US" sz="2400" dirty="0">
+              <a:latin typeface="+mn-lt"/>
+            </a:endParaRPr>
+          </a:p>
+          <a:p>
+            <a:pPr marL="342900" indent="-342900" algn="l">
+              <a:buFont typeface="Arial" panose="020B0604020202020204" pitchFamily="34" charset="0"/>
+              <a:buChar char="•"/>
+            </a:pPr>
+            <a:endParaRPr lang="en-US" sz="2400" dirty="0">
+              <a:solidFill>
+                <a:schemeClr val="bg1"/>
+              </a:solidFill>
+              <a:latin typeface="+mn-lt"/>
+            </a:endParaRPr>
+          </a:p>
+          <a:p>
+            <a:pPr marL="342900" indent="-342900" algn="l">
+              <a:lnSpc>
+                <a:spcPct val="120000"/>
+              </a:lnSpc>
+              <a:buFont typeface="Arial" panose="020B0604020202020204" pitchFamily="34" charset="0"/>
+              <a:buChar char="•"/>
+            </a:pPr>
+            <a:endParaRPr lang="en-US" sz="2400" dirty="0">
+              <a:solidFill>
+                <a:schemeClr val="bg1"/>
+              </a:solidFill>
+              <a:latin typeface="+mn-lt"/>
+            </a:endParaRPr>
+          </a:p>
+          <a:p>
+            <a:pPr marL="342900" indent="-342900" algn="l">
+              <a:lnSpc>
+                <a:spcPct val="120000"/>
+              </a:lnSpc>
+              <a:buFont typeface="Arial" panose="020B0604020202020204" pitchFamily="34" charset="0"/>
+              <a:buChar char="•"/>
+            </a:pPr>
+            <a:r>
+              <a:rPr lang="en-US" sz="2400" dirty="0">
+                <a:solidFill>
+                  <a:schemeClr val="bg1"/>
+                </a:solidFill>
+                <a:latin typeface="+mn-lt"/>
+              </a:rPr>
+              <a:t>CX30 project manager (made by CEO Michael)</a:t>
+            </a:r>
+          </a:p>
+          <a:p>
+            <a:pPr marL="342900" indent="-342900" algn="l">
+              <a:lnSpc>
+                <a:spcPct val="120000"/>
+              </a:lnSpc>
+              <a:buFont typeface="Arial" panose="020B0604020202020204" pitchFamily="34" charset="0"/>
+              <a:buChar char="•"/>
+            </a:pPr>
+            <a:r>
+              <a:rPr lang="en-US" sz="2400" dirty="0">
+                <a:solidFill>
+                  <a:schemeClr val="bg1"/>
+                </a:solidFill>
+                <a:latin typeface="+mn-lt"/>
+              </a:rPr>
+              <a:t>Forced the waterfall model to be used rather than the robot-friendly prototype model</a:t>
+            </a:r>
+          </a:p>
+          <a:p>
+            <a:pPr marL="342900" indent="-342900" algn="l">
+              <a:lnSpc>
+                <a:spcPct val="120000"/>
+              </a:lnSpc>
+              <a:buFont typeface="Arial" panose="020B0604020202020204" pitchFamily="34" charset="0"/>
+              <a:buChar char="•"/>
+            </a:pPr>
+            <a:r>
+              <a:rPr lang="en-US" sz="2400" dirty="0">
+                <a:solidFill>
+                  <a:schemeClr val="bg1"/>
+                </a:solidFill>
+                <a:latin typeface="+mn-lt"/>
+              </a:rPr>
+              <a:t>Lack of communication with Ray</a:t>
+            </a:r>
+          </a:p>
+          <a:p>
+            <a:pPr algn="l"/>
+            <a:endParaRPr lang="en-US" sz="2400" dirty="0">
+              <a:latin typeface="+mn-lt"/>
+            </a:endParaRPr>
+          </a:p>
+          <a:p>
+            <a:pPr algn="l"/>
+            <a:endParaRPr lang="en-US" sz="2400" dirty="0">
+              <a:latin typeface="+mn-lt"/>
+            </a:endParaRPr>
+          </a:p>
+          <a:p>
+            <a:pPr algn="l"/>
+            <a:endParaRPr lang="en-US" sz="2400" dirty="0">
+              <a:latin typeface="+mn-lt"/>
+            </a:endParaRPr>
+          </a:p>
+          <a:p>
+            <a:pPr algn="l"/>
+            <a:endParaRPr lang="en-US" sz="2400" dirty="0">
+              <a:latin typeface="+mn-lt"/>
+            </a:endParaRPr>
+          </a:p>
+        </p:txBody>
+      </p:sp>
+      <p:sp>
+        <p:nvSpPr>
+          <p:cNvPr id="7" name="Title 1"/>
+          <p:cNvSpPr txBox="1">
+            <a:spLocks/>
+          </p:cNvSpPr>
+          <p:nvPr/>
+        </p:nvSpPr>
+        <p:spPr>
+          <a:xfrm>
+            <a:off x="0" y="3335275"/>
+            <a:ext cx="4577091" cy="1808225"/>
+          </a:xfrm>
+          <a:prstGeom prst="rect">
+            <a:avLst/>
+          </a:prstGeom>
+          <a:blipFill>
+            <a:blip r:embed="rId4">
+              <a:extLst>
+                <a:ext uri="{BEBA8EAE-BF5A-486C-A8C5-ECC9F3942E4B}">
+                  <a14:imgProps xmlns:a14="http://schemas.microsoft.com/office/drawing/2010/main">
+                    <a14:imgLayer r:embed="rId3">
+                      <a14:imgEffect>
+                        <a14:artisticPastelsSmooth/>
+                      </a14:imgEffect>
+                    </a14:imgLayer>
+                  </a14:imgProps>
+                </a:ext>
+              </a:extLst>
+            </a:blip>
+            <a:tile tx="0" ty="0" sx="100000" sy="100000" flip="none" algn="tl"/>
+          </a:blipFill>
+          <a:ln>
+            <a:noFill/>
+          </a:ln>
+          <a:effectLst>
+            <a:glow rad="228600">
+              <a:srgbClr val="FFFF00">
+                <a:alpha val="40000"/>
+              </a:srgbClr>
+            </a:glow>
+          </a:effectLst>
+        </p:spPr>
+        <p:txBody>
+          <a:bodyPr vert="horz" lIns="91440" tIns="45720" rIns="91440" bIns="45720" rtlCol="0" anchor="ctr">
+            <a:normAutofit lnSpcReduction="10000"/>
+          </a:bodyPr>
+          <a:lstStyle>
+            <a:lvl1pPr algn="r" defTabSz="914400" rtl="0" eaLnBrk="1" latinLnBrk="0" hangingPunct="1">
+              <a:spcBef>
+                <a:spcPct val="0"/>
+              </a:spcBef>
+              <a:buNone/>
+              <a:defRPr sz="3600" kern="1200" baseline="0">
+                <a:solidFill>
+                  <a:schemeClr val="accent5"/>
+                </a:solidFill>
+                <a:effectLst>
+                  <a:outerShdw blurRad="50800" dist="38100" dir="2700000" algn="tl" rotWithShape="0">
+                    <a:prstClr val="black">
+                      <a:alpha val="40000"/>
+                    </a:prstClr>
+                  </a:outerShdw>
+                </a:effectLst>
+                <a:latin typeface="+mj-lt"/>
+                <a:ea typeface="+mj-ea"/>
+                <a:cs typeface="+mj-cs"/>
+              </a:defRPr>
+            </a:lvl1pPr>
+          </a:lstStyle>
+          <a:p>
+            <a:pPr algn="ctr"/>
+            <a:r>
+              <a:rPr lang="en-US" sz="2400" dirty="0">
+                <a:solidFill>
+                  <a:schemeClr val="bg1"/>
+                </a:solidFill>
+              </a:rPr>
+              <a:t>Against ACM Code</a:t>
+            </a:r>
+          </a:p>
+          <a:p>
+            <a:pPr marL="342900" indent="-342900" algn="l">
+              <a:buFont typeface="Arial" panose="020B0604020202020204" pitchFamily="34" charset="0"/>
+              <a:buChar char="•"/>
+            </a:pPr>
+            <a:r>
+              <a:rPr lang="en-US" sz="2400" dirty="0">
+                <a:solidFill>
+                  <a:schemeClr val="bg1"/>
+                </a:solidFill>
+              </a:rPr>
+              <a:t>2.4 Did not respond well to       feedback</a:t>
+            </a:r>
+          </a:p>
+          <a:p>
+            <a:pPr marL="342900" indent="-342900" algn="l">
+              <a:buFont typeface="Arial" panose="020B0604020202020204" pitchFamily="34" charset="0"/>
+              <a:buChar char="•"/>
+            </a:pPr>
+            <a:r>
+              <a:rPr lang="en-US" sz="2400" dirty="0">
+                <a:solidFill>
+                  <a:schemeClr val="bg1"/>
+                </a:solidFill>
+              </a:rPr>
+              <a:t>2.6 accepted a work for which he was ineligible</a:t>
+            </a:r>
+          </a:p>
+        </p:txBody>
+      </p:sp>
+      <p:sp>
+        <p:nvSpPr>
+          <p:cNvPr id="9" name="Title 1"/>
+          <p:cNvSpPr txBox="1">
+            <a:spLocks/>
+          </p:cNvSpPr>
+          <p:nvPr/>
+        </p:nvSpPr>
+        <p:spPr>
+          <a:xfrm>
+            <a:off x="4577091" y="3335275"/>
+            <a:ext cx="4566909" cy="1808225"/>
+          </a:xfrm>
+          <a:prstGeom prst="rect">
+            <a:avLst/>
+          </a:prstGeom>
+          <a:blipFill>
+            <a:blip r:embed="rId5">
+              <a:extLst>
+                <a:ext uri="{BEBA8EAE-BF5A-486C-A8C5-ECC9F3942E4B}">
+                  <a14:imgProps xmlns:a14="http://schemas.microsoft.com/office/drawing/2010/main">
+                    <a14:imgLayer r:embed="rId3">
+                      <a14:imgEffect>
+                        <a14:artisticCutout/>
+                      </a14:imgEffect>
+                    </a14:imgLayer>
+                  </a14:imgProps>
+                </a:ext>
+              </a:extLst>
+            </a:blip>
+            <a:tile tx="0" ty="0" sx="100000" sy="100000" flip="none" algn="tl"/>
+          </a:blipFill>
+          <a:effectLst>
+            <a:glow rad="228600">
+              <a:srgbClr val="FFFF00">
+                <a:alpha val="40000"/>
+              </a:srgbClr>
+            </a:glow>
+            <a:outerShdw blurRad="50800" dist="50800" dir="5400000" algn="ctr" rotWithShape="0">
+              <a:schemeClr val="accent3">
+                <a:lumMod val="50000"/>
+              </a:schemeClr>
+            </a:outerShdw>
+          </a:effectLst>
+        </p:spPr>
+        <p:txBody>
+          <a:bodyPr vert="horz" lIns="91440" tIns="45720" rIns="91440" bIns="45720" rtlCol="0" anchor="ctr">
+            <a:normAutofit lnSpcReduction="10000"/>
+          </a:bodyPr>
+          <a:lstStyle>
+            <a:lvl1pPr algn="r" defTabSz="914400" rtl="0" eaLnBrk="1" latinLnBrk="0" hangingPunct="1">
+              <a:spcBef>
+                <a:spcPct val="0"/>
+              </a:spcBef>
+              <a:buNone/>
+              <a:defRPr sz="3600" kern="1200" baseline="0">
+                <a:solidFill>
+                  <a:schemeClr val="accent5"/>
+                </a:solidFill>
+                <a:effectLst>
+                  <a:outerShdw blurRad="50800" dist="38100" dir="2700000" algn="tl" rotWithShape="0">
+                    <a:prstClr val="black">
+                      <a:alpha val="40000"/>
+                    </a:prstClr>
+                  </a:outerShdw>
+                </a:effectLst>
+                <a:latin typeface="+mj-lt"/>
+                <a:ea typeface="+mj-ea"/>
+                <a:cs typeface="+mj-cs"/>
+              </a:defRPr>
+            </a:lvl1pPr>
+          </a:lstStyle>
+          <a:p>
+            <a:pPr algn="ctr"/>
+            <a:r>
+              <a:rPr lang="en-US" sz="2400" dirty="0">
+                <a:solidFill>
+                  <a:schemeClr val="bg1"/>
+                </a:solidFill>
+                <a:latin typeface="+mn-lt"/>
+              </a:rPr>
+              <a:t>Against BCS Code</a:t>
+            </a:r>
+          </a:p>
+          <a:p>
+            <a:pPr marL="342900" indent="-342900" algn="l">
+              <a:buFont typeface="Arial" panose="020B0604020202020204" pitchFamily="34" charset="0"/>
+              <a:buChar char="•"/>
+            </a:pPr>
+            <a:r>
+              <a:rPr lang="en-US" sz="2400" dirty="0">
+                <a:solidFill>
+                  <a:schemeClr val="bg1"/>
+                </a:solidFill>
+                <a:latin typeface="+mn-lt"/>
+              </a:rPr>
+              <a:t>2.e He rejected criticism and opposing views </a:t>
+            </a:r>
+          </a:p>
+          <a:p>
+            <a:pPr marL="342900" indent="-342900" algn="l">
+              <a:buFont typeface="Arial" panose="020B0604020202020204" pitchFamily="34" charset="0"/>
+              <a:buChar char="•"/>
+            </a:pPr>
+            <a:r>
+              <a:rPr lang="en-US" sz="2400" dirty="0">
+                <a:solidFill>
+                  <a:schemeClr val="bg1"/>
+                </a:solidFill>
+                <a:latin typeface="+mn-lt"/>
+              </a:rPr>
+              <a:t>3.a Unauthorized usage of power</a:t>
+            </a:r>
+          </a:p>
+        </p:txBody>
+      </p:sp>
+      <p:pic>
+        <p:nvPicPr>
+          <p:cNvPr id="10" name="Picture 9"/>
+          <p:cNvPicPr>
+            <a:picLocks noChangeAspect="1"/>
+          </p:cNvPicPr>
+          <p:nvPr/>
+        </p:nvPicPr>
+        <p:blipFill>
+          <a:blip r:embed="rId6">
+            <a:extLst>
+              <a:ext uri="{28A0092B-C50C-407E-A947-70E740481C1C}">
+                <a14:useLocalDpi xmlns:a14="http://schemas.microsoft.com/office/drawing/2010/main" val="0"/>
+              </a:ext>
+            </a:extLst>
+          </a:blip>
+          <a:stretch>
+            <a:fillRect/>
+          </a:stretch>
+        </p:blipFill>
+        <p:spPr>
+          <a:xfrm>
+            <a:off x="6242663" y="1197406"/>
+            <a:ext cx="2887038" cy="2137869"/>
+          </a:xfrm>
+          <a:prstGeom prst="rect">
+            <a:avLst/>
+          </a:prstGeom>
+          <a:effectLst>
+            <a:glow rad="228600">
+              <a:schemeClr val="accent6">
+                <a:satMod val="175000"/>
+                <a:alpha val="40000"/>
+              </a:schemeClr>
+            </a:glow>
+          </a:effectLst>
+        </p:spPr>
+      </p:pic>
+      <p:sp>
+        <p:nvSpPr>
+          <p:cNvPr id="2" name="Title 1">
+            <a:extLst>
+              <a:ext uri="{FF2B5EF4-FFF2-40B4-BE49-F238E27FC236}">
+                <a16:creationId xmlns:a16="http://schemas.microsoft.com/office/drawing/2014/main" id="{43471755-19FC-5948-E543-29B17150413E}"/>
+              </a:ext>
+            </a:extLst>
+          </p:cNvPr>
+          <p:cNvSpPr>
+            <a:spLocks noGrp="1"/>
+          </p:cNvSpPr>
+          <p:nvPr>
+            <p:ph type="title" idx="4294967295"/>
+          </p:nvPr>
+        </p:nvSpPr>
+        <p:spPr>
+          <a:xfrm>
+            <a:off x="754375" y="128470"/>
+            <a:ext cx="8229600" cy="857250"/>
+          </a:xfrm>
+        </p:spPr>
+        <p:txBody>
+          <a:bodyPr>
+            <a:normAutofit/>
+          </a:bodyPr>
+          <a:lstStyle/>
+          <a:p>
+            <a:pPr algn="r"/>
+            <a:r>
+              <a:rPr lang="en-US" sz="3600" dirty="0">
+                <a:solidFill>
+                  <a:srgbClr val="4BACC6"/>
+                </a:solidFill>
+              </a:rPr>
+              <a:t>Sam Reynolds</a:t>
+            </a:r>
+          </a:p>
+        </p:txBody>
+      </p:sp>
+    </p:spTree>
+    <p:extLst>
+      <p:ext uri="{BB962C8B-B14F-4D97-AF65-F5344CB8AC3E}">
+        <p14:creationId xmlns:p14="http://schemas.microsoft.com/office/powerpoint/2010/main" val="308881422"/>
+      </p:ext>
+    </p:extLst>
+  </p:cSld>
+  <p:clrMapOvr>
+    <a:masterClrMapping/>
+  </p:clrMapOvr>
+</p:sld>
+</file>
+
+<file path=ppt/slides/slide11.xml><?xml version="1.0" encoding="utf-8"?>
+<p:sld xmlns:a="http://schemas.openxmlformats.org/drawingml/2006/main" xmlns:r="http://schemas.openxmlformats.org/officeDocument/2006/relationships" xmlns:p="http://schemas.openxmlformats.org/presentationml/2006/main">
+  <p:cSld>
+    <p:spTree>
+      <p:nvGrpSpPr>
+        <p:cNvPr id="1" name=""/>
+        <p:cNvGrpSpPr/>
+        <p:nvPr/>
+      </p:nvGrpSpPr>
+      <p:grpSpPr>
+        <a:xfrm>
+          <a:off x="0" y="0"/>
+          <a:ext cx="0" cy="0"/>
+          <a:chOff x="0" y="0"/>
+          <a:chExt cx="0" cy="0"/>
+        </a:xfrm>
+      </p:grpSpPr>
+      <p:sp>
+        <p:nvSpPr>
           <p:cNvPr id="5" name="Title 1"/>
           <p:cNvSpPr>
             <a:spLocks noGrp="1"/>
@@ -4829,7 +5368,7 @@
 </p:sld>
 </file>
 
-<file path=ppt/slides/slide11.xml><?xml version="1.0" encoding="utf-8"?>
+<file path=ppt/slides/slide12.xml><?xml version="1.0" encoding="utf-8"?>
 <p:sld xmlns:a="http://schemas.openxmlformats.org/drawingml/2006/main" xmlns:r="http://schemas.openxmlformats.org/officeDocument/2006/relationships" xmlns:p="http://schemas.openxmlformats.org/presentationml/2006/main">
   <p:cSld>
     <p:spTree>
@@ -5768,400 +6307,6 @@
     <p:extLst>
       <p:ext uri="{BB962C8B-B14F-4D97-AF65-F5344CB8AC3E}">
         <p14:creationId xmlns:p14="http://schemas.microsoft.com/office/powerpoint/2010/main" val="2015197701"/>
-      </p:ext>
-    </p:extLst>
-  </p:cSld>
-  <p:clrMapOvr>
-    <a:masterClrMapping/>
-  </p:clrMapOvr>
-</p:sld>
-</file>
-
-<file path=ppt/slides/slide12.xml><?xml version="1.0" encoding="utf-8"?>
-<p:sld xmlns:a="http://schemas.openxmlformats.org/drawingml/2006/main" xmlns:r="http://schemas.openxmlformats.org/officeDocument/2006/relationships" xmlns:p="http://schemas.openxmlformats.org/presentationml/2006/main">
-  <p:cSld>
-    <p:spTree>
-      <p:nvGrpSpPr>
-        <p:cNvPr id="1" name=""/>
-        <p:cNvGrpSpPr/>
-        <p:nvPr/>
-      </p:nvGrpSpPr>
-      <p:grpSpPr>
-        <a:xfrm>
-          <a:off x="0" y="0"/>
-          <a:ext cx="0" cy="0"/>
-          <a:chOff x="0" y="0"/>
-          <a:chExt cx="0" cy="0"/>
-        </a:xfrm>
-      </p:grpSpPr>
-      <p:sp>
-        <p:nvSpPr>
-          <p:cNvPr id="8" name="Text Placeholder 2"/>
-          <p:cNvSpPr>
-            <a:spLocks noGrp="1"/>
-          </p:cNvSpPr>
-          <p:nvPr>
-            <p:ph type="body" idx="1"/>
-          </p:nvPr>
-        </p:nvSpPr>
-        <p:spPr>
-          <a:xfrm>
-            <a:off x="296261" y="2702745"/>
-            <a:ext cx="4275738" cy="479822"/>
-          </a:xfrm>
-          <a:ln w="28575">
-            <a:solidFill>
-              <a:srgbClr val="E39A39"/>
-            </a:solidFill>
-          </a:ln>
-        </p:spPr>
-        <p:txBody>
-          <a:bodyPr/>
-          <a:lstStyle/>
-          <a:p>
-            <a:r>
-              <a:rPr lang="en-US" b="0" dirty="0">
-                <a:solidFill>
-                  <a:srgbClr val="232D48"/>
-                </a:solidFill>
-              </a:rPr>
-              <a:t>ACM Code of Conduct</a:t>
-            </a:r>
-          </a:p>
-        </p:txBody>
-      </p:sp>
-      <p:sp>
-        <p:nvSpPr>
-          <p:cNvPr id="9" name="Content Placeholder 3"/>
-          <p:cNvSpPr>
-            <a:spLocks noGrp="1"/>
-          </p:cNvSpPr>
-          <p:nvPr>
-            <p:ph sz="half" idx="2"/>
-          </p:nvPr>
-        </p:nvSpPr>
-        <p:spPr>
-          <a:xfrm>
-            <a:off x="296259" y="3182570"/>
-            <a:ext cx="4280806" cy="1957951"/>
-          </a:xfrm>
-          <a:solidFill>
-            <a:srgbClr val="232D48"/>
-          </a:solidFill>
-          <a:ln w="28575">
-            <a:solidFill>
-              <a:srgbClr val="E39A39"/>
-            </a:solidFill>
-          </a:ln>
-        </p:spPr>
-        <p:txBody>
-          <a:bodyPr>
-            <a:normAutofit/>
-          </a:bodyPr>
-          <a:lstStyle/>
-          <a:p>
-            <a:pPr marL="0" indent="0">
-              <a:buNone/>
-            </a:pPr>
-            <a:r>
-              <a:rPr lang="en-US" dirty="0">
-                <a:solidFill>
-                  <a:schemeClr val="bg1"/>
-                </a:solidFill>
-              </a:rPr>
-              <a:t>1.1 Contribute to society and to human well-being, acknowledging that all people are stakeholders in computing.</a:t>
-            </a:r>
-          </a:p>
-        </p:txBody>
-      </p:sp>
-      <p:sp>
-        <p:nvSpPr>
-          <p:cNvPr id="10" name="Text Placeholder 4"/>
-          <p:cNvSpPr>
-            <a:spLocks noGrp="1"/>
-          </p:cNvSpPr>
-          <p:nvPr>
-            <p:ph type="body" sz="quarter" idx="3"/>
-          </p:nvPr>
-        </p:nvSpPr>
-        <p:spPr>
-          <a:xfrm>
-            <a:off x="4572000" y="2702746"/>
-            <a:ext cx="4275740" cy="479822"/>
-          </a:xfrm>
-          <a:ln w="28575">
-            <a:solidFill>
-              <a:srgbClr val="E39A39"/>
-            </a:solidFill>
-          </a:ln>
-        </p:spPr>
-        <p:txBody>
-          <a:bodyPr>
-            <a:normAutofit/>
-          </a:bodyPr>
-          <a:lstStyle/>
-          <a:p>
-            <a:r>
-              <a:rPr lang="en-US" b="0" dirty="0">
-                <a:solidFill>
-                  <a:srgbClr val="232D48"/>
-                </a:solidFill>
-              </a:rPr>
-              <a:t>BCS Code of Conduct</a:t>
-            </a:r>
-          </a:p>
-        </p:txBody>
-      </p:sp>
-      <p:sp>
-        <p:nvSpPr>
-          <p:cNvPr id="11" name="Content Placeholder 5"/>
-          <p:cNvSpPr>
-            <a:spLocks noGrp="1"/>
-          </p:cNvSpPr>
-          <p:nvPr>
-            <p:ph sz="quarter" idx="4"/>
-          </p:nvPr>
-        </p:nvSpPr>
-        <p:spPr>
-          <a:xfrm>
-            <a:off x="4571999" y="3182569"/>
-            <a:ext cx="4275741" cy="1957951"/>
-          </a:xfrm>
-          <a:solidFill>
-            <a:srgbClr val="232D48"/>
-          </a:solidFill>
-          <a:ln w="28575">
-            <a:solidFill>
-              <a:srgbClr val="E39A39"/>
-            </a:solidFill>
-          </a:ln>
-        </p:spPr>
-        <p:txBody>
-          <a:bodyPr>
-            <a:normAutofit/>
-          </a:bodyPr>
-          <a:lstStyle/>
-          <a:p>
-            <a:pPr marL="0" indent="0">
-              <a:buNone/>
-            </a:pPr>
-            <a:r>
-              <a:rPr lang="en-US" dirty="0">
-                <a:solidFill>
-                  <a:schemeClr val="bg1"/>
-                </a:solidFill>
-              </a:rPr>
-              <a:t>4. Duty to the Profession</a:t>
-            </a:r>
-          </a:p>
-          <a:p>
-            <a:pPr marL="0" indent="0">
-              <a:buNone/>
-            </a:pPr>
-            <a:r>
-              <a:rPr lang="en-US" dirty="0">
-                <a:solidFill>
-                  <a:schemeClr val="bg1"/>
-                </a:solidFill>
-              </a:rPr>
-              <a:t>f) Encourage and support fellow members in their professional development.</a:t>
-            </a:r>
-          </a:p>
-        </p:txBody>
-      </p:sp>
-      <p:sp>
-        <p:nvSpPr>
-          <p:cNvPr id="13" name="Text Placeholder 2"/>
-          <p:cNvSpPr txBox="1">
-            <a:spLocks/>
-          </p:cNvSpPr>
-          <p:nvPr/>
-        </p:nvSpPr>
-        <p:spPr>
-          <a:xfrm>
-            <a:off x="296259" y="1197405"/>
-            <a:ext cx="8551481" cy="1374345"/>
-          </a:xfrm>
-          <a:prstGeom prst="rect">
-            <a:avLst/>
-          </a:prstGeom>
-          <a:ln w="28575">
-            <a:noFill/>
-          </a:ln>
-        </p:spPr>
-        <p:txBody>
-          <a:bodyPr/>
-          <a:lstStyle>
-            <a:lvl1pPr marL="342900" indent="-342900" algn="l" defTabSz="914400" rtl="0" eaLnBrk="1" latinLnBrk="0" hangingPunct="1">
-              <a:spcBef>
-                <a:spcPct val="20000"/>
-              </a:spcBef>
-              <a:buFont typeface="Arial" pitchFamily="34" charset="0"/>
-              <a:buChar char="•"/>
-              <a:defRPr sz="3200" kern="1200">
-                <a:solidFill>
-                  <a:schemeClr val="tx1"/>
-                </a:solidFill>
-                <a:latin typeface="+mn-lt"/>
-                <a:ea typeface="+mn-ea"/>
-                <a:cs typeface="+mn-cs"/>
-              </a:defRPr>
-            </a:lvl1pPr>
-            <a:lvl2pPr marL="742950" indent="-285750" algn="l" defTabSz="914400" rtl="0" eaLnBrk="1" latinLnBrk="0" hangingPunct="1">
-              <a:spcBef>
-                <a:spcPct val="20000"/>
-              </a:spcBef>
-              <a:buFont typeface="Arial" pitchFamily="34" charset="0"/>
-              <a:buChar char="–"/>
-              <a:defRPr sz="2800" kern="1200">
-                <a:solidFill>
-                  <a:schemeClr val="tx1"/>
-                </a:solidFill>
-                <a:latin typeface="+mn-lt"/>
-                <a:ea typeface="+mn-ea"/>
-                <a:cs typeface="+mn-cs"/>
-              </a:defRPr>
-            </a:lvl2pPr>
-            <a:lvl3pPr marL="1143000" indent="-228600" algn="l" defTabSz="914400" rtl="0" eaLnBrk="1" latinLnBrk="0" hangingPunct="1">
-              <a:spcBef>
-                <a:spcPct val="20000"/>
-              </a:spcBef>
-              <a:buFont typeface="Arial" pitchFamily="34" charset="0"/>
-              <a:buChar char="•"/>
-              <a:defRPr sz="2400" kern="1200">
-                <a:solidFill>
-                  <a:schemeClr val="tx1"/>
-                </a:solidFill>
-                <a:latin typeface="+mn-lt"/>
-                <a:ea typeface="+mn-ea"/>
-                <a:cs typeface="+mn-cs"/>
-              </a:defRPr>
-            </a:lvl3pPr>
-            <a:lvl4pPr marL="1600200" indent="-228600" algn="l" defTabSz="914400" rtl="0" eaLnBrk="1" latinLnBrk="0" hangingPunct="1">
-              <a:spcBef>
-                <a:spcPct val="20000"/>
-              </a:spcBef>
-              <a:buFont typeface="Arial" pitchFamily="34" charset="0"/>
-              <a:buChar char="–"/>
-              <a:defRPr sz="2000" kern="1200">
-                <a:solidFill>
-                  <a:schemeClr val="tx1"/>
-                </a:solidFill>
-                <a:latin typeface="+mn-lt"/>
-                <a:ea typeface="+mn-ea"/>
-                <a:cs typeface="+mn-cs"/>
-              </a:defRPr>
-            </a:lvl4pPr>
-            <a:lvl5pPr marL="2057400" indent="-228600" algn="l" defTabSz="914400" rtl="0" eaLnBrk="1" latinLnBrk="0" hangingPunct="1">
-              <a:spcBef>
-                <a:spcPct val="20000"/>
-              </a:spcBef>
-              <a:buFont typeface="Arial" pitchFamily="34" charset="0"/>
-              <a:buChar char="»"/>
-              <a:defRPr sz="2000" kern="1200">
-                <a:solidFill>
-                  <a:schemeClr val="tx1"/>
-                </a:solidFill>
-                <a:latin typeface="+mn-lt"/>
-                <a:ea typeface="+mn-ea"/>
-                <a:cs typeface="+mn-cs"/>
-              </a:defRPr>
-            </a:lvl5pPr>
-            <a:lvl6pPr marL="2514600" indent="-228600" algn="l" defTabSz="914400" rtl="0" eaLnBrk="1" latinLnBrk="0" hangingPunct="1">
-              <a:spcBef>
-                <a:spcPct val="20000"/>
-              </a:spcBef>
-              <a:buFont typeface="Arial" pitchFamily="34" charset="0"/>
-              <a:buChar char="•"/>
-              <a:defRPr sz="2000" kern="1200">
-                <a:solidFill>
-                  <a:schemeClr val="tx1"/>
-                </a:solidFill>
-                <a:latin typeface="+mn-lt"/>
-                <a:ea typeface="+mn-ea"/>
-                <a:cs typeface="+mn-cs"/>
-              </a:defRPr>
-            </a:lvl6pPr>
-            <a:lvl7pPr marL="2971800" indent="-228600" algn="l" defTabSz="914400" rtl="0" eaLnBrk="1" latinLnBrk="0" hangingPunct="1">
-              <a:spcBef>
-                <a:spcPct val="20000"/>
-              </a:spcBef>
-              <a:buFont typeface="Arial" pitchFamily="34" charset="0"/>
-              <a:buChar char="•"/>
-              <a:defRPr sz="2000" kern="1200">
-                <a:solidFill>
-                  <a:schemeClr val="tx1"/>
-                </a:solidFill>
-                <a:latin typeface="+mn-lt"/>
-                <a:ea typeface="+mn-ea"/>
-                <a:cs typeface="+mn-cs"/>
-              </a:defRPr>
-            </a:lvl7pPr>
-            <a:lvl8pPr marL="3429000" indent="-228600" algn="l" defTabSz="914400" rtl="0" eaLnBrk="1" latinLnBrk="0" hangingPunct="1">
-              <a:spcBef>
-                <a:spcPct val="20000"/>
-              </a:spcBef>
-              <a:buFont typeface="Arial" pitchFamily="34" charset="0"/>
-              <a:buChar char="•"/>
-              <a:defRPr sz="2000" kern="1200">
-                <a:solidFill>
-                  <a:schemeClr val="tx1"/>
-                </a:solidFill>
-                <a:latin typeface="+mn-lt"/>
-                <a:ea typeface="+mn-ea"/>
-                <a:cs typeface="+mn-cs"/>
-              </a:defRPr>
-            </a:lvl8pPr>
-            <a:lvl9pPr marL="3886200" indent="-228600" algn="l" defTabSz="914400" rtl="0" eaLnBrk="1" latinLnBrk="0" hangingPunct="1">
-              <a:spcBef>
-                <a:spcPct val="20000"/>
-              </a:spcBef>
-              <a:buFont typeface="Arial" pitchFamily="34" charset="0"/>
-              <a:buChar char="•"/>
-              <a:defRPr sz="2000" kern="1200">
-                <a:solidFill>
-                  <a:schemeClr val="tx1"/>
-                </a:solidFill>
-                <a:latin typeface="+mn-lt"/>
-                <a:ea typeface="+mn-ea"/>
-                <a:cs typeface="+mn-cs"/>
-              </a:defRPr>
-            </a:lvl9pPr>
-          </a:lstStyle>
-          <a:p>
-            <a:pPr marL="0" indent="0">
-              <a:buNone/>
-            </a:pPr>
-            <a:r>
-              <a:rPr lang="en-US" sz="4000" b="1" dirty="0"/>
-              <a:t>Crime</a:t>
-            </a:r>
-          </a:p>
-          <a:p>
-            <a:pPr marL="0" indent="0">
-              <a:buNone/>
-            </a:pPr>
-            <a:r>
-              <a:rPr lang="en-US" sz="1800" dirty="0"/>
-              <a:t>	</a:t>
-            </a:r>
-            <a:r>
-              <a:rPr lang="en-US" sz="2400" dirty="0"/>
-              <a:t>Placing a lot of pressure on team members.</a:t>
-            </a:r>
-          </a:p>
-          <a:p>
-            <a:pPr marL="0" indent="0">
-              <a:buNone/>
-            </a:pPr>
-            <a:endParaRPr lang="en-US" sz="2400" dirty="0"/>
-          </a:p>
-        </p:txBody>
-      </p:sp>
-    </p:spTree>
-    <p:extLst>
-      <p:ext uri="{BB962C8B-B14F-4D97-AF65-F5344CB8AC3E}">
-        <p14:creationId xmlns:p14="http://schemas.microsoft.com/office/powerpoint/2010/main" val="3845035464"/>
       </p:ext>
     </p:extLst>
   </p:cSld>
@@ -6190,20 +6335,19 @@
       </p:grpSpPr>
       <p:sp>
         <p:nvSpPr>
-          <p:cNvPr id="2" name="Text Placeholder 2"/>
-          <p:cNvSpPr txBox="1">
-            <a:spLocks/>
+          <p:cNvPr id="8" name="Text Placeholder 2"/>
+          <p:cNvSpPr>
+            <a:spLocks noGrp="1"/>
           </p:cNvSpPr>
-          <p:nvPr/>
+          <p:nvPr>
+            <p:ph type="body" idx="1"/>
+          </p:nvPr>
         </p:nvSpPr>
         <p:spPr>
           <a:xfrm>
             <a:off x="296261" y="2702745"/>
             <a:ext cx="4275738" cy="479822"/>
           </a:xfrm>
-          <a:prstGeom prst="rect">
-            <a:avLst/>
-          </a:prstGeom>
           <a:ln w="28575">
             <a:solidFill>
               <a:srgbClr val="E39A39"/>
@@ -6212,149 +6356,10 @@
         </p:spPr>
         <p:txBody>
           <a:bodyPr/>
-          <a:lstStyle>
-            <a:lvl1pPr marL="342900" indent="-342900" algn="l" defTabSz="914400" rtl="0" eaLnBrk="1" latinLnBrk="0" hangingPunct="1">
-              <a:spcBef>
-                <a:spcPct val="20000"/>
-              </a:spcBef>
-              <a:buFont typeface="Arial" pitchFamily="34" charset="0"/>
-              <a:buChar char="•"/>
-              <a:defRPr sz="3200" kern="1200">
-                <a:solidFill>
-                  <a:schemeClr val="tx1"/>
-                </a:solidFill>
-                <a:latin typeface="+mn-lt"/>
-                <a:ea typeface="+mn-ea"/>
-                <a:cs typeface="+mn-cs"/>
-              </a:defRPr>
-            </a:lvl1pPr>
-            <a:lvl2pPr marL="742950" indent="-285750" algn="l" defTabSz="914400" rtl="0" eaLnBrk="1" latinLnBrk="0" hangingPunct="1">
-              <a:spcBef>
-                <a:spcPct val="20000"/>
-              </a:spcBef>
-              <a:buFont typeface="Arial" pitchFamily="34" charset="0"/>
-              <a:buChar char="–"/>
-              <a:defRPr sz="2800" kern="1200">
-                <a:solidFill>
-                  <a:schemeClr val="tx1"/>
-                </a:solidFill>
-                <a:latin typeface="+mn-lt"/>
-                <a:ea typeface="+mn-ea"/>
-                <a:cs typeface="+mn-cs"/>
-              </a:defRPr>
-            </a:lvl2pPr>
-            <a:lvl3pPr marL="1143000" indent="-228600" algn="l" defTabSz="914400" rtl="0" eaLnBrk="1" latinLnBrk="0" hangingPunct="1">
-              <a:spcBef>
-                <a:spcPct val="20000"/>
-              </a:spcBef>
-              <a:buFont typeface="Arial" pitchFamily="34" charset="0"/>
-              <a:buChar char="•"/>
-              <a:defRPr sz="2400" kern="1200">
-                <a:solidFill>
-                  <a:schemeClr val="tx1"/>
-                </a:solidFill>
-                <a:latin typeface="+mn-lt"/>
-                <a:ea typeface="+mn-ea"/>
-                <a:cs typeface="+mn-cs"/>
-              </a:defRPr>
-            </a:lvl3pPr>
-            <a:lvl4pPr marL="1600200" indent="-228600" algn="l" defTabSz="914400" rtl="0" eaLnBrk="1" latinLnBrk="0" hangingPunct="1">
-              <a:spcBef>
-                <a:spcPct val="20000"/>
-              </a:spcBef>
-              <a:buFont typeface="Arial" pitchFamily="34" charset="0"/>
-              <a:buChar char="–"/>
-              <a:defRPr sz="2000" kern="1200">
-                <a:solidFill>
-                  <a:schemeClr val="tx1"/>
-                </a:solidFill>
-                <a:latin typeface="+mn-lt"/>
-                <a:ea typeface="+mn-ea"/>
-                <a:cs typeface="+mn-cs"/>
-              </a:defRPr>
-            </a:lvl4pPr>
-            <a:lvl5pPr marL="2057400" indent="-228600" algn="l" defTabSz="914400" rtl="0" eaLnBrk="1" latinLnBrk="0" hangingPunct="1">
-              <a:spcBef>
-                <a:spcPct val="20000"/>
-              </a:spcBef>
-              <a:buFont typeface="Arial" pitchFamily="34" charset="0"/>
-              <a:buChar char="»"/>
-              <a:defRPr sz="2000" kern="1200">
-                <a:solidFill>
-                  <a:schemeClr val="tx1"/>
-                </a:solidFill>
-                <a:latin typeface="+mn-lt"/>
-                <a:ea typeface="+mn-ea"/>
-                <a:cs typeface="+mn-cs"/>
-              </a:defRPr>
-            </a:lvl5pPr>
-            <a:lvl6pPr marL="2514600" indent="-228600" algn="l" defTabSz="914400" rtl="0" eaLnBrk="1" latinLnBrk="0" hangingPunct="1">
-              <a:spcBef>
-                <a:spcPct val="20000"/>
-              </a:spcBef>
-              <a:buFont typeface="Arial" pitchFamily="34" charset="0"/>
-              <a:buChar char="•"/>
-              <a:defRPr sz="2000" kern="1200">
-                <a:solidFill>
-                  <a:schemeClr val="tx1"/>
-                </a:solidFill>
-                <a:latin typeface="+mn-lt"/>
-                <a:ea typeface="+mn-ea"/>
-                <a:cs typeface="+mn-cs"/>
-              </a:defRPr>
-            </a:lvl6pPr>
-            <a:lvl7pPr marL="2971800" indent="-228600" algn="l" defTabSz="914400" rtl="0" eaLnBrk="1" latinLnBrk="0" hangingPunct="1">
-              <a:spcBef>
-                <a:spcPct val="20000"/>
-              </a:spcBef>
-              <a:buFont typeface="Arial" pitchFamily="34" charset="0"/>
-              <a:buChar char="•"/>
-              <a:defRPr sz="2000" kern="1200">
-                <a:solidFill>
-                  <a:schemeClr val="tx1"/>
-                </a:solidFill>
-                <a:latin typeface="+mn-lt"/>
-                <a:ea typeface="+mn-ea"/>
-                <a:cs typeface="+mn-cs"/>
-              </a:defRPr>
-            </a:lvl7pPr>
-            <a:lvl8pPr marL="3429000" indent="-228600" algn="l" defTabSz="914400" rtl="0" eaLnBrk="1" latinLnBrk="0" hangingPunct="1">
-              <a:spcBef>
-                <a:spcPct val="20000"/>
-              </a:spcBef>
-              <a:buFont typeface="Arial" pitchFamily="34" charset="0"/>
-              <a:buChar char="•"/>
-              <a:defRPr sz="2000" kern="1200">
-                <a:solidFill>
-                  <a:schemeClr val="tx1"/>
-                </a:solidFill>
-                <a:latin typeface="+mn-lt"/>
-                <a:ea typeface="+mn-ea"/>
-                <a:cs typeface="+mn-cs"/>
-              </a:defRPr>
-            </a:lvl8pPr>
-            <a:lvl9pPr marL="3886200" indent="-228600" algn="l" defTabSz="914400" rtl="0" eaLnBrk="1" latinLnBrk="0" hangingPunct="1">
-              <a:spcBef>
-                <a:spcPct val="20000"/>
-              </a:spcBef>
-              <a:buFont typeface="Arial" pitchFamily="34" charset="0"/>
-              <a:buChar char="•"/>
-              <a:defRPr sz="2000" kern="1200">
-                <a:solidFill>
-                  <a:schemeClr val="tx1"/>
-                </a:solidFill>
-                <a:latin typeface="+mn-lt"/>
-                <a:ea typeface="+mn-ea"/>
-                <a:cs typeface="+mn-cs"/>
-              </a:defRPr>
-            </a:lvl9pPr>
-          </a:lstStyle>
-          <a:p>
-            <a:pPr marL="0" indent="0" algn="ctr">
-              <a:buNone/>
-            </a:pPr>
-            <a:r>
-              <a:rPr lang="en-US" sz="2400" dirty="0">
+          <a:lstStyle/>
+          <a:p>
+            <a:r>
+              <a:rPr lang="en-US" b="0" dirty="0">
                 <a:solidFill>
                   <a:srgbClr val="232D48"/>
                 </a:solidFill>
@@ -6366,20 +6371,19 @@
       </p:sp>
       <p:sp>
         <p:nvSpPr>
-          <p:cNvPr id="3" name="Content Placeholder 3"/>
-          <p:cNvSpPr txBox="1">
-            <a:spLocks/>
+          <p:cNvPr id="9" name="Content Placeholder 3"/>
+          <p:cNvSpPr>
+            <a:spLocks noGrp="1"/>
           </p:cNvSpPr>
-          <p:nvPr/>
+          <p:nvPr>
+            <p:ph sz="half" idx="2"/>
+          </p:nvPr>
         </p:nvSpPr>
         <p:spPr>
           <a:xfrm>
             <a:off x="296259" y="3182570"/>
             <a:ext cx="4280806" cy="1957951"/>
           </a:xfrm>
-          <a:prstGeom prst="rect">
-            <a:avLst/>
-          </a:prstGeom>
           <a:solidFill>
             <a:srgbClr val="232D48"/>
           </a:solidFill>
@@ -6393,174 +6397,37 @@
           <a:bodyPr>
             <a:normAutofit/>
           </a:bodyPr>
-          <a:lstStyle>
-            <a:lvl1pPr marL="342900" indent="-342900" algn="l" defTabSz="914400" rtl="0" eaLnBrk="1" latinLnBrk="0" hangingPunct="1">
-              <a:spcBef>
-                <a:spcPct val="20000"/>
-              </a:spcBef>
-              <a:buFont typeface="Arial" pitchFamily="34" charset="0"/>
-              <a:buChar char="•"/>
-              <a:defRPr sz="3200" kern="1200">
-                <a:solidFill>
-                  <a:schemeClr val="tx1"/>
-                </a:solidFill>
-                <a:latin typeface="+mn-lt"/>
-                <a:ea typeface="+mn-ea"/>
-                <a:cs typeface="+mn-cs"/>
-              </a:defRPr>
-            </a:lvl1pPr>
-            <a:lvl2pPr marL="742950" indent="-285750" algn="l" defTabSz="914400" rtl="0" eaLnBrk="1" latinLnBrk="0" hangingPunct="1">
-              <a:spcBef>
-                <a:spcPct val="20000"/>
-              </a:spcBef>
-              <a:buFont typeface="Arial" pitchFamily="34" charset="0"/>
-              <a:buChar char="–"/>
-              <a:defRPr sz="2800" kern="1200">
-                <a:solidFill>
-                  <a:schemeClr val="tx1"/>
-                </a:solidFill>
-                <a:latin typeface="+mn-lt"/>
-                <a:ea typeface="+mn-ea"/>
-                <a:cs typeface="+mn-cs"/>
-              </a:defRPr>
-            </a:lvl2pPr>
-            <a:lvl3pPr marL="1143000" indent="-228600" algn="l" defTabSz="914400" rtl="0" eaLnBrk="1" latinLnBrk="0" hangingPunct="1">
-              <a:spcBef>
-                <a:spcPct val="20000"/>
-              </a:spcBef>
-              <a:buFont typeface="Arial" pitchFamily="34" charset="0"/>
-              <a:buChar char="•"/>
-              <a:defRPr sz="2400" kern="1200">
-                <a:solidFill>
-                  <a:schemeClr val="tx1"/>
-                </a:solidFill>
-                <a:latin typeface="+mn-lt"/>
-                <a:ea typeface="+mn-ea"/>
-                <a:cs typeface="+mn-cs"/>
-              </a:defRPr>
-            </a:lvl3pPr>
-            <a:lvl4pPr marL="1600200" indent="-228600" algn="l" defTabSz="914400" rtl="0" eaLnBrk="1" latinLnBrk="0" hangingPunct="1">
-              <a:spcBef>
-                <a:spcPct val="20000"/>
-              </a:spcBef>
-              <a:buFont typeface="Arial" pitchFamily="34" charset="0"/>
-              <a:buChar char="–"/>
-              <a:defRPr sz="2000" kern="1200">
-                <a:solidFill>
-                  <a:schemeClr val="tx1"/>
-                </a:solidFill>
-                <a:latin typeface="+mn-lt"/>
-                <a:ea typeface="+mn-ea"/>
-                <a:cs typeface="+mn-cs"/>
-              </a:defRPr>
-            </a:lvl4pPr>
-            <a:lvl5pPr marL="2057400" indent="-228600" algn="l" defTabSz="914400" rtl="0" eaLnBrk="1" latinLnBrk="0" hangingPunct="1">
-              <a:spcBef>
-                <a:spcPct val="20000"/>
-              </a:spcBef>
-              <a:buFont typeface="Arial" pitchFamily="34" charset="0"/>
-              <a:buChar char="»"/>
-              <a:defRPr sz="2000" kern="1200">
-                <a:solidFill>
-                  <a:schemeClr val="tx1"/>
-                </a:solidFill>
-                <a:latin typeface="+mn-lt"/>
-                <a:ea typeface="+mn-ea"/>
-                <a:cs typeface="+mn-cs"/>
-              </a:defRPr>
-            </a:lvl5pPr>
-            <a:lvl6pPr marL="2514600" indent="-228600" algn="l" defTabSz="914400" rtl="0" eaLnBrk="1" latinLnBrk="0" hangingPunct="1">
-              <a:spcBef>
-                <a:spcPct val="20000"/>
-              </a:spcBef>
-              <a:buFont typeface="Arial" pitchFamily="34" charset="0"/>
-              <a:buChar char="•"/>
-              <a:defRPr sz="2000" kern="1200">
-                <a:solidFill>
-                  <a:schemeClr val="tx1"/>
-                </a:solidFill>
-                <a:latin typeface="+mn-lt"/>
-                <a:ea typeface="+mn-ea"/>
-                <a:cs typeface="+mn-cs"/>
-              </a:defRPr>
-            </a:lvl6pPr>
-            <a:lvl7pPr marL="2971800" indent="-228600" algn="l" defTabSz="914400" rtl="0" eaLnBrk="1" latinLnBrk="0" hangingPunct="1">
-              <a:spcBef>
-                <a:spcPct val="20000"/>
-              </a:spcBef>
-              <a:buFont typeface="Arial" pitchFamily="34" charset="0"/>
-              <a:buChar char="•"/>
-              <a:defRPr sz="2000" kern="1200">
-                <a:solidFill>
-                  <a:schemeClr val="tx1"/>
-                </a:solidFill>
-                <a:latin typeface="+mn-lt"/>
-                <a:ea typeface="+mn-ea"/>
-                <a:cs typeface="+mn-cs"/>
-              </a:defRPr>
-            </a:lvl7pPr>
-            <a:lvl8pPr marL="3429000" indent="-228600" algn="l" defTabSz="914400" rtl="0" eaLnBrk="1" latinLnBrk="0" hangingPunct="1">
-              <a:spcBef>
-                <a:spcPct val="20000"/>
-              </a:spcBef>
-              <a:buFont typeface="Arial" pitchFamily="34" charset="0"/>
-              <a:buChar char="•"/>
-              <a:defRPr sz="2000" kern="1200">
-                <a:solidFill>
-                  <a:schemeClr val="tx1"/>
-                </a:solidFill>
-                <a:latin typeface="+mn-lt"/>
-                <a:ea typeface="+mn-ea"/>
-                <a:cs typeface="+mn-cs"/>
-              </a:defRPr>
-            </a:lvl8pPr>
-            <a:lvl9pPr marL="3886200" indent="-228600" algn="l" defTabSz="914400" rtl="0" eaLnBrk="1" latinLnBrk="0" hangingPunct="1">
-              <a:spcBef>
-                <a:spcPct val="20000"/>
-              </a:spcBef>
-              <a:buFont typeface="Arial" pitchFamily="34" charset="0"/>
-              <a:buChar char="•"/>
-              <a:defRPr sz="2000" kern="1200">
-                <a:solidFill>
-                  <a:schemeClr val="tx1"/>
-                </a:solidFill>
-                <a:latin typeface="+mn-lt"/>
-                <a:ea typeface="+mn-ea"/>
-                <a:cs typeface="+mn-cs"/>
-              </a:defRPr>
-            </a:lvl9pPr>
-          </a:lstStyle>
-          <a:p>
-            <a:pPr marL="0" indent="0" algn="ctr">
+          <a:lstStyle/>
+          <a:p>
+            <a:pPr marL="0" indent="0">
               <a:buNone/>
             </a:pPr>
             <a:r>
-              <a:rPr lang="en-US" sz="2400" dirty="0">
+              <a:rPr lang="en-US" dirty="0">
                 <a:solidFill>
                   <a:schemeClr val="bg1"/>
                 </a:solidFill>
               </a:rPr>
-              <a:t>2.2 Maintain high standards of professional competence, conduct, and ethical practice.</a:t>
-            </a:r>
-          </a:p>
-        </p:txBody>
-      </p:sp>
-      <p:sp>
-        <p:nvSpPr>
-          <p:cNvPr id="4" name="Text Placeholder 4"/>
-          <p:cNvSpPr txBox="1">
-            <a:spLocks/>
+              <a:t>1.1 Contribute to society and to human well-being, acknowledging that all people are stakeholders in computing.</a:t>
+            </a:r>
+          </a:p>
+        </p:txBody>
+      </p:sp>
+      <p:sp>
+        <p:nvSpPr>
+          <p:cNvPr id="10" name="Text Placeholder 4"/>
+          <p:cNvSpPr>
+            <a:spLocks noGrp="1"/>
           </p:cNvSpPr>
-          <p:nvPr/>
+          <p:nvPr>
+            <p:ph type="body" sz="quarter" idx="3"/>
+          </p:nvPr>
         </p:nvSpPr>
         <p:spPr>
           <a:xfrm>
             <a:off x="4572000" y="2702746"/>
             <a:ext cx="4275740" cy="479822"/>
           </a:xfrm>
-          <a:prstGeom prst="rect">
-            <a:avLst/>
-          </a:prstGeom>
           <a:ln w="28575">
             <a:solidFill>
               <a:srgbClr val="E39A39"/>
@@ -6571,149 +6438,10 @@
           <a:bodyPr>
             <a:normAutofit/>
           </a:bodyPr>
-          <a:lstStyle>
-            <a:lvl1pPr marL="342900" indent="-342900" algn="l" defTabSz="914400" rtl="0" eaLnBrk="1" latinLnBrk="0" hangingPunct="1">
-              <a:spcBef>
-                <a:spcPct val="20000"/>
-              </a:spcBef>
-              <a:buFont typeface="Arial" pitchFamily="34" charset="0"/>
-              <a:buChar char="•"/>
-              <a:defRPr sz="3200" kern="1200">
-                <a:solidFill>
-                  <a:schemeClr val="tx1"/>
-                </a:solidFill>
-                <a:latin typeface="+mn-lt"/>
-                <a:ea typeface="+mn-ea"/>
-                <a:cs typeface="+mn-cs"/>
-              </a:defRPr>
-            </a:lvl1pPr>
-            <a:lvl2pPr marL="742950" indent="-285750" algn="l" defTabSz="914400" rtl="0" eaLnBrk="1" latinLnBrk="0" hangingPunct="1">
-              <a:spcBef>
-                <a:spcPct val="20000"/>
-              </a:spcBef>
-              <a:buFont typeface="Arial" pitchFamily="34" charset="0"/>
-              <a:buChar char="–"/>
-              <a:defRPr sz="2800" kern="1200">
-                <a:solidFill>
-                  <a:schemeClr val="tx1"/>
-                </a:solidFill>
-                <a:latin typeface="+mn-lt"/>
-                <a:ea typeface="+mn-ea"/>
-                <a:cs typeface="+mn-cs"/>
-              </a:defRPr>
-            </a:lvl2pPr>
-            <a:lvl3pPr marL="1143000" indent="-228600" algn="l" defTabSz="914400" rtl="0" eaLnBrk="1" latinLnBrk="0" hangingPunct="1">
-              <a:spcBef>
-                <a:spcPct val="20000"/>
-              </a:spcBef>
-              <a:buFont typeface="Arial" pitchFamily="34" charset="0"/>
-              <a:buChar char="•"/>
-              <a:defRPr sz="2400" kern="1200">
-                <a:solidFill>
-                  <a:schemeClr val="tx1"/>
-                </a:solidFill>
-                <a:latin typeface="+mn-lt"/>
-                <a:ea typeface="+mn-ea"/>
-                <a:cs typeface="+mn-cs"/>
-              </a:defRPr>
-            </a:lvl3pPr>
-            <a:lvl4pPr marL="1600200" indent="-228600" algn="l" defTabSz="914400" rtl="0" eaLnBrk="1" latinLnBrk="0" hangingPunct="1">
-              <a:spcBef>
-                <a:spcPct val="20000"/>
-              </a:spcBef>
-              <a:buFont typeface="Arial" pitchFamily="34" charset="0"/>
-              <a:buChar char="–"/>
-              <a:defRPr sz="2000" kern="1200">
-                <a:solidFill>
-                  <a:schemeClr val="tx1"/>
-                </a:solidFill>
-                <a:latin typeface="+mn-lt"/>
-                <a:ea typeface="+mn-ea"/>
-                <a:cs typeface="+mn-cs"/>
-              </a:defRPr>
-            </a:lvl4pPr>
-            <a:lvl5pPr marL="2057400" indent="-228600" algn="l" defTabSz="914400" rtl="0" eaLnBrk="1" latinLnBrk="0" hangingPunct="1">
-              <a:spcBef>
-                <a:spcPct val="20000"/>
-              </a:spcBef>
-              <a:buFont typeface="Arial" pitchFamily="34" charset="0"/>
-              <a:buChar char="»"/>
-              <a:defRPr sz="2000" kern="1200">
-                <a:solidFill>
-                  <a:schemeClr val="tx1"/>
-                </a:solidFill>
-                <a:latin typeface="+mn-lt"/>
-                <a:ea typeface="+mn-ea"/>
-                <a:cs typeface="+mn-cs"/>
-              </a:defRPr>
-            </a:lvl5pPr>
-            <a:lvl6pPr marL="2514600" indent="-228600" algn="l" defTabSz="914400" rtl="0" eaLnBrk="1" latinLnBrk="0" hangingPunct="1">
-              <a:spcBef>
-                <a:spcPct val="20000"/>
-              </a:spcBef>
-              <a:buFont typeface="Arial" pitchFamily="34" charset="0"/>
-              <a:buChar char="•"/>
-              <a:defRPr sz="2000" kern="1200">
-                <a:solidFill>
-                  <a:schemeClr val="tx1"/>
-                </a:solidFill>
-                <a:latin typeface="+mn-lt"/>
-                <a:ea typeface="+mn-ea"/>
-                <a:cs typeface="+mn-cs"/>
-              </a:defRPr>
-            </a:lvl6pPr>
-            <a:lvl7pPr marL="2971800" indent="-228600" algn="l" defTabSz="914400" rtl="0" eaLnBrk="1" latinLnBrk="0" hangingPunct="1">
-              <a:spcBef>
-                <a:spcPct val="20000"/>
-              </a:spcBef>
-              <a:buFont typeface="Arial" pitchFamily="34" charset="0"/>
-              <a:buChar char="•"/>
-              <a:defRPr sz="2000" kern="1200">
-                <a:solidFill>
-                  <a:schemeClr val="tx1"/>
-                </a:solidFill>
-                <a:latin typeface="+mn-lt"/>
-                <a:ea typeface="+mn-ea"/>
-                <a:cs typeface="+mn-cs"/>
-              </a:defRPr>
-            </a:lvl7pPr>
-            <a:lvl8pPr marL="3429000" indent="-228600" algn="l" defTabSz="914400" rtl="0" eaLnBrk="1" latinLnBrk="0" hangingPunct="1">
-              <a:spcBef>
-                <a:spcPct val="20000"/>
-              </a:spcBef>
-              <a:buFont typeface="Arial" pitchFamily="34" charset="0"/>
-              <a:buChar char="•"/>
-              <a:defRPr sz="2000" kern="1200">
-                <a:solidFill>
-                  <a:schemeClr val="tx1"/>
-                </a:solidFill>
-                <a:latin typeface="+mn-lt"/>
-                <a:ea typeface="+mn-ea"/>
-                <a:cs typeface="+mn-cs"/>
-              </a:defRPr>
-            </a:lvl8pPr>
-            <a:lvl9pPr marL="3886200" indent="-228600" algn="l" defTabSz="914400" rtl="0" eaLnBrk="1" latinLnBrk="0" hangingPunct="1">
-              <a:spcBef>
-                <a:spcPct val="20000"/>
-              </a:spcBef>
-              <a:buFont typeface="Arial" pitchFamily="34" charset="0"/>
-              <a:buChar char="•"/>
-              <a:defRPr sz="2000" kern="1200">
-                <a:solidFill>
-                  <a:schemeClr val="tx1"/>
-                </a:solidFill>
-                <a:latin typeface="+mn-lt"/>
-                <a:ea typeface="+mn-ea"/>
-                <a:cs typeface="+mn-cs"/>
-              </a:defRPr>
-            </a:lvl9pPr>
-          </a:lstStyle>
-          <a:p>
-            <a:pPr marL="0" indent="0" algn="ctr">
-              <a:buNone/>
-            </a:pPr>
-            <a:r>
-              <a:rPr lang="en-US" sz="2400" dirty="0">
+          <a:lstStyle/>
+          <a:p>
+            <a:r>
+              <a:rPr lang="en-US" b="0" dirty="0">
                 <a:solidFill>
                   <a:srgbClr val="232D48"/>
                 </a:solidFill>
@@ -6725,20 +6453,19 @@
       </p:sp>
       <p:sp>
         <p:nvSpPr>
-          <p:cNvPr id="5" name="Content Placeholder 5"/>
-          <p:cNvSpPr txBox="1">
-            <a:spLocks/>
+          <p:cNvPr id="11" name="Content Placeholder 5"/>
+          <p:cNvSpPr>
+            <a:spLocks noGrp="1"/>
           </p:cNvSpPr>
-          <p:nvPr/>
+          <p:nvPr>
+            <p:ph sz="quarter" idx="4"/>
+          </p:nvPr>
         </p:nvSpPr>
         <p:spPr>
           <a:xfrm>
             <a:off x="4571999" y="3182569"/>
             <a:ext cx="4275741" cy="1957951"/>
           </a:xfrm>
-          <a:prstGeom prst="rect">
-            <a:avLst/>
-          </a:prstGeom>
           <a:solidFill>
             <a:srgbClr val="232D48"/>
           </a:solidFill>
@@ -6752,158 +6479,38 @@
           <a:bodyPr>
             <a:normAutofit/>
           </a:bodyPr>
-          <a:lstStyle>
-            <a:lvl1pPr marL="342900" indent="-342900" algn="l" defTabSz="914400" rtl="0" eaLnBrk="1" latinLnBrk="0" hangingPunct="1">
-              <a:spcBef>
-                <a:spcPct val="20000"/>
-              </a:spcBef>
-              <a:buFont typeface="Arial" pitchFamily="34" charset="0"/>
-              <a:buChar char="•"/>
-              <a:defRPr sz="3200" kern="1200">
-                <a:solidFill>
-                  <a:schemeClr val="tx1"/>
-                </a:solidFill>
-                <a:latin typeface="+mn-lt"/>
-                <a:ea typeface="+mn-ea"/>
-                <a:cs typeface="+mn-cs"/>
-              </a:defRPr>
-            </a:lvl1pPr>
-            <a:lvl2pPr marL="742950" indent="-285750" algn="l" defTabSz="914400" rtl="0" eaLnBrk="1" latinLnBrk="0" hangingPunct="1">
-              <a:spcBef>
-                <a:spcPct val="20000"/>
-              </a:spcBef>
-              <a:buFont typeface="Arial" pitchFamily="34" charset="0"/>
-              <a:buChar char="–"/>
-              <a:defRPr sz="2800" kern="1200">
-                <a:solidFill>
-                  <a:schemeClr val="tx1"/>
-                </a:solidFill>
-                <a:latin typeface="+mn-lt"/>
-                <a:ea typeface="+mn-ea"/>
-                <a:cs typeface="+mn-cs"/>
-              </a:defRPr>
-            </a:lvl2pPr>
-            <a:lvl3pPr marL="1143000" indent="-228600" algn="l" defTabSz="914400" rtl="0" eaLnBrk="1" latinLnBrk="0" hangingPunct="1">
-              <a:spcBef>
-                <a:spcPct val="20000"/>
-              </a:spcBef>
-              <a:buFont typeface="Arial" pitchFamily="34" charset="0"/>
-              <a:buChar char="•"/>
-              <a:defRPr sz="2400" kern="1200">
-                <a:solidFill>
-                  <a:schemeClr val="tx1"/>
-                </a:solidFill>
-                <a:latin typeface="+mn-lt"/>
-                <a:ea typeface="+mn-ea"/>
-                <a:cs typeface="+mn-cs"/>
-              </a:defRPr>
-            </a:lvl3pPr>
-            <a:lvl4pPr marL="1600200" indent="-228600" algn="l" defTabSz="914400" rtl="0" eaLnBrk="1" latinLnBrk="0" hangingPunct="1">
-              <a:spcBef>
-                <a:spcPct val="20000"/>
-              </a:spcBef>
-              <a:buFont typeface="Arial" pitchFamily="34" charset="0"/>
-              <a:buChar char="–"/>
-              <a:defRPr sz="2000" kern="1200">
-                <a:solidFill>
-                  <a:schemeClr val="tx1"/>
-                </a:solidFill>
-                <a:latin typeface="+mn-lt"/>
-                <a:ea typeface="+mn-ea"/>
-                <a:cs typeface="+mn-cs"/>
-              </a:defRPr>
-            </a:lvl4pPr>
-            <a:lvl5pPr marL="2057400" indent="-228600" algn="l" defTabSz="914400" rtl="0" eaLnBrk="1" latinLnBrk="0" hangingPunct="1">
-              <a:spcBef>
-                <a:spcPct val="20000"/>
-              </a:spcBef>
-              <a:buFont typeface="Arial" pitchFamily="34" charset="0"/>
-              <a:buChar char="»"/>
-              <a:defRPr sz="2000" kern="1200">
-                <a:solidFill>
-                  <a:schemeClr val="tx1"/>
-                </a:solidFill>
-                <a:latin typeface="+mn-lt"/>
-                <a:ea typeface="+mn-ea"/>
-                <a:cs typeface="+mn-cs"/>
-              </a:defRPr>
-            </a:lvl5pPr>
-            <a:lvl6pPr marL="2514600" indent="-228600" algn="l" defTabSz="914400" rtl="0" eaLnBrk="1" latinLnBrk="0" hangingPunct="1">
-              <a:spcBef>
-                <a:spcPct val="20000"/>
-              </a:spcBef>
-              <a:buFont typeface="Arial" pitchFamily="34" charset="0"/>
-              <a:buChar char="•"/>
-              <a:defRPr sz="2000" kern="1200">
-                <a:solidFill>
-                  <a:schemeClr val="tx1"/>
-                </a:solidFill>
-                <a:latin typeface="+mn-lt"/>
-                <a:ea typeface="+mn-ea"/>
-                <a:cs typeface="+mn-cs"/>
-              </a:defRPr>
-            </a:lvl6pPr>
-            <a:lvl7pPr marL="2971800" indent="-228600" algn="l" defTabSz="914400" rtl="0" eaLnBrk="1" latinLnBrk="0" hangingPunct="1">
-              <a:spcBef>
-                <a:spcPct val="20000"/>
-              </a:spcBef>
-              <a:buFont typeface="Arial" pitchFamily="34" charset="0"/>
-              <a:buChar char="•"/>
-              <a:defRPr sz="2000" kern="1200">
-                <a:solidFill>
-                  <a:schemeClr val="tx1"/>
-                </a:solidFill>
-                <a:latin typeface="+mn-lt"/>
-                <a:ea typeface="+mn-ea"/>
-                <a:cs typeface="+mn-cs"/>
-              </a:defRPr>
-            </a:lvl7pPr>
-            <a:lvl8pPr marL="3429000" indent="-228600" algn="l" defTabSz="914400" rtl="0" eaLnBrk="1" latinLnBrk="0" hangingPunct="1">
-              <a:spcBef>
-                <a:spcPct val="20000"/>
-              </a:spcBef>
-              <a:buFont typeface="Arial" pitchFamily="34" charset="0"/>
-              <a:buChar char="•"/>
-              <a:defRPr sz="2000" kern="1200">
-                <a:solidFill>
-                  <a:schemeClr val="tx1"/>
-                </a:solidFill>
-                <a:latin typeface="+mn-lt"/>
-                <a:ea typeface="+mn-ea"/>
-                <a:cs typeface="+mn-cs"/>
-              </a:defRPr>
-            </a:lvl8pPr>
-            <a:lvl9pPr marL="3886200" indent="-228600" algn="l" defTabSz="914400" rtl="0" eaLnBrk="1" latinLnBrk="0" hangingPunct="1">
-              <a:spcBef>
-                <a:spcPct val="20000"/>
-              </a:spcBef>
-              <a:buFont typeface="Arial" pitchFamily="34" charset="0"/>
-              <a:buChar char="•"/>
-              <a:defRPr sz="2000" kern="1200">
-                <a:solidFill>
-                  <a:schemeClr val="tx1"/>
-                </a:solidFill>
-                <a:latin typeface="+mn-lt"/>
-                <a:ea typeface="+mn-ea"/>
-                <a:cs typeface="+mn-cs"/>
-              </a:defRPr>
-            </a:lvl9pPr>
-          </a:lstStyle>
-          <a:p>
-            <a:pPr marL="0" indent="0" algn="ctr">
+          <a:lstStyle/>
+          <a:p>
+            <a:pPr marL="0" indent="0">
               <a:buNone/>
             </a:pPr>
-            <a:endParaRPr lang="en-US" sz="2400" dirty="0">
-              <a:solidFill>
-                <a:schemeClr val="bg1"/>
-              </a:solidFill>
-            </a:endParaRPr>
-          </a:p>
-        </p:txBody>
-      </p:sp>
-      <p:sp>
-        <p:nvSpPr>
-          <p:cNvPr id="6" name="Text Placeholder 2"/>
+            <a:r>
+              <a:rPr lang="en-US" dirty="0">
+                <a:solidFill>
+                  <a:schemeClr val="bg1"/>
+                </a:solidFill>
+              </a:rPr>
+              <a:t>4. Duty to the Profession</a:t>
+            </a:r>
+          </a:p>
+          <a:p>
+            <a:pPr marL="0" indent="0">
+              <a:buNone/>
+            </a:pPr>
+            <a:r>
+              <a:rPr lang="en-US" dirty="0">
+                <a:solidFill>
+                  <a:schemeClr val="bg1"/>
+                </a:solidFill>
+              </a:rPr>
+              <a:t>f) Encourage and support fellow members in their professional development.</a:t>
+            </a:r>
+          </a:p>
+        </p:txBody>
+      </p:sp>
+      <p:sp>
+        <p:nvSpPr>
+          <p:cNvPr id="13" name="Text Placeholder 2"/>
           <p:cNvSpPr txBox="1">
             <a:spLocks/>
           </p:cNvSpPr>
@@ -7079,17 +6686,13 @@
             </a:r>
             <a:r>
               <a:rPr lang="en-US" sz="2400" dirty="0"/>
-              <a:t>Wanted his subordinates to cut corners.</a:t>
+              <a:t>Placing a lot of pressure on team members.</a:t>
             </a:r>
           </a:p>
           <a:p>
             <a:pPr marL="0" indent="0">
               <a:buNone/>
             </a:pPr>
-            <a:r>
-              <a:rPr lang="en-GB" sz="2400" dirty="0"/>
-              <a:t>.</a:t>
-            </a:r>
             <a:endParaRPr lang="en-US" sz="2400" dirty="0"/>
           </a:p>
         </p:txBody>
@@ -7097,7 +6700,7 @@
     </p:spTree>
     <p:extLst>
       <p:ext uri="{BB962C8B-B14F-4D97-AF65-F5344CB8AC3E}">
-        <p14:creationId xmlns:p14="http://schemas.microsoft.com/office/powerpoint/2010/main" val="2222300108"/>
+        <p14:creationId xmlns:p14="http://schemas.microsoft.com/office/powerpoint/2010/main" val="3845035464"/>
       </p:ext>
     </p:extLst>
   </p:cSld>
@@ -7476,7 +7079,7 @@
                   <a:schemeClr val="bg1"/>
                 </a:solidFill>
               </a:rPr>
-              <a:t>2.4 Accept and provide appropriate professional review.</a:t>
+              <a:t>2.2 Maintain high standards of professional competence, conduct, and ethical practice.</a:t>
             </a:r>
           </a:p>
         </p:txBody>
@@ -7686,6 +7289,942 @@
         </p:spPr>
         <p:txBody>
           <a:bodyPr>
+            <a:normAutofit/>
+          </a:bodyPr>
+          <a:lstStyle>
+            <a:lvl1pPr marL="342900" indent="-342900" algn="l" defTabSz="914400" rtl="0" eaLnBrk="1" latinLnBrk="0" hangingPunct="1">
+              <a:spcBef>
+                <a:spcPct val="20000"/>
+              </a:spcBef>
+              <a:buFont typeface="Arial" pitchFamily="34" charset="0"/>
+              <a:buChar char="•"/>
+              <a:defRPr sz="3200" kern="1200">
+                <a:solidFill>
+                  <a:schemeClr val="tx1"/>
+                </a:solidFill>
+                <a:latin typeface="+mn-lt"/>
+                <a:ea typeface="+mn-ea"/>
+                <a:cs typeface="+mn-cs"/>
+              </a:defRPr>
+            </a:lvl1pPr>
+            <a:lvl2pPr marL="742950" indent="-285750" algn="l" defTabSz="914400" rtl="0" eaLnBrk="1" latinLnBrk="0" hangingPunct="1">
+              <a:spcBef>
+                <a:spcPct val="20000"/>
+              </a:spcBef>
+              <a:buFont typeface="Arial" pitchFamily="34" charset="0"/>
+              <a:buChar char="–"/>
+              <a:defRPr sz="2800" kern="1200">
+                <a:solidFill>
+                  <a:schemeClr val="tx1"/>
+                </a:solidFill>
+                <a:latin typeface="+mn-lt"/>
+                <a:ea typeface="+mn-ea"/>
+                <a:cs typeface="+mn-cs"/>
+              </a:defRPr>
+            </a:lvl2pPr>
+            <a:lvl3pPr marL="1143000" indent="-228600" algn="l" defTabSz="914400" rtl="0" eaLnBrk="1" latinLnBrk="0" hangingPunct="1">
+              <a:spcBef>
+                <a:spcPct val="20000"/>
+              </a:spcBef>
+              <a:buFont typeface="Arial" pitchFamily="34" charset="0"/>
+              <a:buChar char="•"/>
+              <a:defRPr sz="2400" kern="1200">
+                <a:solidFill>
+                  <a:schemeClr val="tx1"/>
+                </a:solidFill>
+                <a:latin typeface="+mn-lt"/>
+                <a:ea typeface="+mn-ea"/>
+                <a:cs typeface="+mn-cs"/>
+              </a:defRPr>
+            </a:lvl3pPr>
+            <a:lvl4pPr marL="1600200" indent="-228600" algn="l" defTabSz="914400" rtl="0" eaLnBrk="1" latinLnBrk="0" hangingPunct="1">
+              <a:spcBef>
+                <a:spcPct val="20000"/>
+              </a:spcBef>
+              <a:buFont typeface="Arial" pitchFamily="34" charset="0"/>
+              <a:buChar char="–"/>
+              <a:defRPr sz="2000" kern="1200">
+                <a:solidFill>
+                  <a:schemeClr val="tx1"/>
+                </a:solidFill>
+                <a:latin typeface="+mn-lt"/>
+                <a:ea typeface="+mn-ea"/>
+                <a:cs typeface="+mn-cs"/>
+              </a:defRPr>
+            </a:lvl4pPr>
+            <a:lvl5pPr marL="2057400" indent="-228600" algn="l" defTabSz="914400" rtl="0" eaLnBrk="1" latinLnBrk="0" hangingPunct="1">
+              <a:spcBef>
+                <a:spcPct val="20000"/>
+              </a:spcBef>
+              <a:buFont typeface="Arial" pitchFamily="34" charset="0"/>
+              <a:buChar char="»"/>
+              <a:defRPr sz="2000" kern="1200">
+                <a:solidFill>
+                  <a:schemeClr val="tx1"/>
+                </a:solidFill>
+                <a:latin typeface="+mn-lt"/>
+                <a:ea typeface="+mn-ea"/>
+                <a:cs typeface="+mn-cs"/>
+              </a:defRPr>
+            </a:lvl5pPr>
+            <a:lvl6pPr marL="2514600" indent="-228600" algn="l" defTabSz="914400" rtl="0" eaLnBrk="1" latinLnBrk="0" hangingPunct="1">
+              <a:spcBef>
+                <a:spcPct val="20000"/>
+              </a:spcBef>
+              <a:buFont typeface="Arial" pitchFamily="34" charset="0"/>
+              <a:buChar char="•"/>
+              <a:defRPr sz="2000" kern="1200">
+                <a:solidFill>
+                  <a:schemeClr val="tx1"/>
+                </a:solidFill>
+                <a:latin typeface="+mn-lt"/>
+                <a:ea typeface="+mn-ea"/>
+                <a:cs typeface="+mn-cs"/>
+              </a:defRPr>
+            </a:lvl6pPr>
+            <a:lvl7pPr marL="2971800" indent="-228600" algn="l" defTabSz="914400" rtl="0" eaLnBrk="1" latinLnBrk="0" hangingPunct="1">
+              <a:spcBef>
+                <a:spcPct val="20000"/>
+              </a:spcBef>
+              <a:buFont typeface="Arial" pitchFamily="34" charset="0"/>
+              <a:buChar char="•"/>
+              <a:defRPr sz="2000" kern="1200">
+                <a:solidFill>
+                  <a:schemeClr val="tx1"/>
+                </a:solidFill>
+                <a:latin typeface="+mn-lt"/>
+                <a:ea typeface="+mn-ea"/>
+                <a:cs typeface="+mn-cs"/>
+              </a:defRPr>
+            </a:lvl7pPr>
+            <a:lvl8pPr marL="3429000" indent="-228600" algn="l" defTabSz="914400" rtl="0" eaLnBrk="1" latinLnBrk="0" hangingPunct="1">
+              <a:spcBef>
+                <a:spcPct val="20000"/>
+              </a:spcBef>
+              <a:buFont typeface="Arial" pitchFamily="34" charset="0"/>
+              <a:buChar char="•"/>
+              <a:defRPr sz="2000" kern="1200">
+                <a:solidFill>
+                  <a:schemeClr val="tx1"/>
+                </a:solidFill>
+                <a:latin typeface="+mn-lt"/>
+                <a:ea typeface="+mn-ea"/>
+                <a:cs typeface="+mn-cs"/>
+              </a:defRPr>
+            </a:lvl8pPr>
+            <a:lvl9pPr marL="3886200" indent="-228600" algn="l" defTabSz="914400" rtl="0" eaLnBrk="1" latinLnBrk="0" hangingPunct="1">
+              <a:spcBef>
+                <a:spcPct val="20000"/>
+              </a:spcBef>
+              <a:buFont typeface="Arial" pitchFamily="34" charset="0"/>
+              <a:buChar char="•"/>
+              <a:defRPr sz="2000" kern="1200">
+                <a:solidFill>
+                  <a:schemeClr val="tx1"/>
+                </a:solidFill>
+                <a:latin typeface="+mn-lt"/>
+                <a:ea typeface="+mn-ea"/>
+                <a:cs typeface="+mn-cs"/>
+              </a:defRPr>
+            </a:lvl9pPr>
+          </a:lstStyle>
+          <a:p>
+            <a:pPr marL="0" indent="0" algn="ctr">
+              <a:buNone/>
+            </a:pPr>
+            <a:endParaRPr lang="en-US" sz="2400" dirty="0">
+              <a:solidFill>
+                <a:schemeClr val="bg1"/>
+              </a:solidFill>
+            </a:endParaRPr>
+          </a:p>
+        </p:txBody>
+      </p:sp>
+      <p:sp>
+        <p:nvSpPr>
+          <p:cNvPr id="6" name="Text Placeholder 2"/>
+          <p:cNvSpPr txBox="1">
+            <a:spLocks/>
+          </p:cNvSpPr>
+          <p:nvPr/>
+        </p:nvSpPr>
+        <p:spPr>
+          <a:xfrm>
+            <a:off x="296259" y="1197405"/>
+            <a:ext cx="8551481" cy="1374345"/>
+          </a:xfrm>
+          <a:prstGeom prst="rect">
+            <a:avLst/>
+          </a:prstGeom>
+          <a:ln w="28575">
+            <a:noFill/>
+          </a:ln>
+        </p:spPr>
+        <p:txBody>
+          <a:bodyPr/>
+          <a:lstStyle>
+            <a:lvl1pPr marL="342900" indent="-342900" algn="l" defTabSz="914400" rtl="0" eaLnBrk="1" latinLnBrk="0" hangingPunct="1">
+              <a:spcBef>
+                <a:spcPct val="20000"/>
+              </a:spcBef>
+              <a:buFont typeface="Arial" pitchFamily="34" charset="0"/>
+              <a:buChar char="•"/>
+              <a:defRPr sz="3200" kern="1200">
+                <a:solidFill>
+                  <a:schemeClr val="tx1"/>
+                </a:solidFill>
+                <a:latin typeface="+mn-lt"/>
+                <a:ea typeface="+mn-ea"/>
+                <a:cs typeface="+mn-cs"/>
+              </a:defRPr>
+            </a:lvl1pPr>
+            <a:lvl2pPr marL="742950" indent="-285750" algn="l" defTabSz="914400" rtl="0" eaLnBrk="1" latinLnBrk="0" hangingPunct="1">
+              <a:spcBef>
+                <a:spcPct val="20000"/>
+              </a:spcBef>
+              <a:buFont typeface="Arial" pitchFamily="34" charset="0"/>
+              <a:buChar char="–"/>
+              <a:defRPr sz="2800" kern="1200">
+                <a:solidFill>
+                  <a:schemeClr val="tx1"/>
+                </a:solidFill>
+                <a:latin typeface="+mn-lt"/>
+                <a:ea typeface="+mn-ea"/>
+                <a:cs typeface="+mn-cs"/>
+              </a:defRPr>
+            </a:lvl2pPr>
+            <a:lvl3pPr marL="1143000" indent="-228600" algn="l" defTabSz="914400" rtl="0" eaLnBrk="1" latinLnBrk="0" hangingPunct="1">
+              <a:spcBef>
+                <a:spcPct val="20000"/>
+              </a:spcBef>
+              <a:buFont typeface="Arial" pitchFamily="34" charset="0"/>
+              <a:buChar char="•"/>
+              <a:defRPr sz="2400" kern="1200">
+                <a:solidFill>
+                  <a:schemeClr val="tx1"/>
+                </a:solidFill>
+                <a:latin typeface="+mn-lt"/>
+                <a:ea typeface="+mn-ea"/>
+                <a:cs typeface="+mn-cs"/>
+              </a:defRPr>
+            </a:lvl3pPr>
+            <a:lvl4pPr marL="1600200" indent="-228600" algn="l" defTabSz="914400" rtl="0" eaLnBrk="1" latinLnBrk="0" hangingPunct="1">
+              <a:spcBef>
+                <a:spcPct val="20000"/>
+              </a:spcBef>
+              <a:buFont typeface="Arial" pitchFamily="34" charset="0"/>
+              <a:buChar char="–"/>
+              <a:defRPr sz="2000" kern="1200">
+                <a:solidFill>
+                  <a:schemeClr val="tx1"/>
+                </a:solidFill>
+                <a:latin typeface="+mn-lt"/>
+                <a:ea typeface="+mn-ea"/>
+                <a:cs typeface="+mn-cs"/>
+              </a:defRPr>
+            </a:lvl4pPr>
+            <a:lvl5pPr marL="2057400" indent="-228600" algn="l" defTabSz="914400" rtl="0" eaLnBrk="1" latinLnBrk="0" hangingPunct="1">
+              <a:spcBef>
+                <a:spcPct val="20000"/>
+              </a:spcBef>
+              <a:buFont typeface="Arial" pitchFamily="34" charset="0"/>
+              <a:buChar char="»"/>
+              <a:defRPr sz="2000" kern="1200">
+                <a:solidFill>
+                  <a:schemeClr val="tx1"/>
+                </a:solidFill>
+                <a:latin typeface="+mn-lt"/>
+                <a:ea typeface="+mn-ea"/>
+                <a:cs typeface="+mn-cs"/>
+              </a:defRPr>
+            </a:lvl5pPr>
+            <a:lvl6pPr marL="2514600" indent="-228600" algn="l" defTabSz="914400" rtl="0" eaLnBrk="1" latinLnBrk="0" hangingPunct="1">
+              <a:spcBef>
+                <a:spcPct val="20000"/>
+              </a:spcBef>
+              <a:buFont typeface="Arial" pitchFamily="34" charset="0"/>
+              <a:buChar char="•"/>
+              <a:defRPr sz="2000" kern="1200">
+                <a:solidFill>
+                  <a:schemeClr val="tx1"/>
+                </a:solidFill>
+                <a:latin typeface="+mn-lt"/>
+                <a:ea typeface="+mn-ea"/>
+                <a:cs typeface="+mn-cs"/>
+              </a:defRPr>
+            </a:lvl6pPr>
+            <a:lvl7pPr marL="2971800" indent="-228600" algn="l" defTabSz="914400" rtl="0" eaLnBrk="1" latinLnBrk="0" hangingPunct="1">
+              <a:spcBef>
+                <a:spcPct val="20000"/>
+              </a:spcBef>
+              <a:buFont typeface="Arial" pitchFamily="34" charset="0"/>
+              <a:buChar char="•"/>
+              <a:defRPr sz="2000" kern="1200">
+                <a:solidFill>
+                  <a:schemeClr val="tx1"/>
+                </a:solidFill>
+                <a:latin typeface="+mn-lt"/>
+                <a:ea typeface="+mn-ea"/>
+                <a:cs typeface="+mn-cs"/>
+              </a:defRPr>
+            </a:lvl7pPr>
+            <a:lvl8pPr marL="3429000" indent="-228600" algn="l" defTabSz="914400" rtl="0" eaLnBrk="1" latinLnBrk="0" hangingPunct="1">
+              <a:spcBef>
+                <a:spcPct val="20000"/>
+              </a:spcBef>
+              <a:buFont typeface="Arial" pitchFamily="34" charset="0"/>
+              <a:buChar char="•"/>
+              <a:defRPr sz="2000" kern="1200">
+                <a:solidFill>
+                  <a:schemeClr val="tx1"/>
+                </a:solidFill>
+                <a:latin typeface="+mn-lt"/>
+                <a:ea typeface="+mn-ea"/>
+                <a:cs typeface="+mn-cs"/>
+              </a:defRPr>
+            </a:lvl8pPr>
+            <a:lvl9pPr marL="3886200" indent="-228600" algn="l" defTabSz="914400" rtl="0" eaLnBrk="1" latinLnBrk="0" hangingPunct="1">
+              <a:spcBef>
+                <a:spcPct val="20000"/>
+              </a:spcBef>
+              <a:buFont typeface="Arial" pitchFamily="34" charset="0"/>
+              <a:buChar char="•"/>
+              <a:defRPr sz="2000" kern="1200">
+                <a:solidFill>
+                  <a:schemeClr val="tx1"/>
+                </a:solidFill>
+                <a:latin typeface="+mn-lt"/>
+                <a:ea typeface="+mn-ea"/>
+                <a:cs typeface="+mn-cs"/>
+              </a:defRPr>
+            </a:lvl9pPr>
+          </a:lstStyle>
+          <a:p>
+            <a:pPr marL="0" indent="0">
+              <a:buNone/>
+            </a:pPr>
+            <a:r>
+              <a:rPr lang="en-US" sz="4000" b="1" dirty="0"/>
+              <a:t>Crime</a:t>
+            </a:r>
+          </a:p>
+          <a:p>
+            <a:pPr marL="0" indent="0">
+              <a:buNone/>
+            </a:pPr>
+            <a:r>
+              <a:rPr lang="en-US" sz="1800" dirty="0"/>
+              <a:t>	</a:t>
+            </a:r>
+            <a:r>
+              <a:rPr lang="en-US" sz="2400" dirty="0"/>
+              <a:t>Wanted his subordinates to cut corners.</a:t>
+            </a:r>
+          </a:p>
+          <a:p>
+            <a:pPr marL="0" indent="0">
+              <a:buNone/>
+            </a:pPr>
+            <a:r>
+              <a:rPr lang="en-GB" sz="2400" dirty="0"/>
+              <a:t>.</a:t>
+            </a:r>
+            <a:endParaRPr lang="en-US" sz="2400" dirty="0"/>
+          </a:p>
+        </p:txBody>
+      </p:sp>
+    </p:spTree>
+    <p:extLst>
+      <p:ext uri="{BB962C8B-B14F-4D97-AF65-F5344CB8AC3E}">
+        <p14:creationId xmlns:p14="http://schemas.microsoft.com/office/powerpoint/2010/main" val="2222300108"/>
+      </p:ext>
+    </p:extLst>
+  </p:cSld>
+  <p:clrMapOvr>
+    <a:masterClrMapping/>
+  </p:clrMapOvr>
+</p:sld>
+</file>
+
+<file path=ppt/slides/slide15.xml><?xml version="1.0" encoding="utf-8"?>
+<p:sld xmlns:a="http://schemas.openxmlformats.org/drawingml/2006/main" xmlns:r="http://schemas.openxmlformats.org/officeDocument/2006/relationships" xmlns:p="http://schemas.openxmlformats.org/presentationml/2006/main">
+  <p:cSld>
+    <p:spTree>
+      <p:nvGrpSpPr>
+        <p:cNvPr id="1" name=""/>
+        <p:cNvGrpSpPr/>
+        <p:nvPr/>
+      </p:nvGrpSpPr>
+      <p:grpSpPr>
+        <a:xfrm>
+          <a:off x="0" y="0"/>
+          <a:ext cx="0" cy="0"/>
+          <a:chOff x="0" y="0"/>
+          <a:chExt cx="0" cy="0"/>
+        </a:xfrm>
+      </p:grpSpPr>
+      <p:sp>
+        <p:nvSpPr>
+          <p:cNvPr id="2" name="Text Placeholder 2"/>
+          <p:cNvSpPr txBox="1">
+            <a:spLocks/>
+          </p:cNvSpPr>
+          <p:nvPr/>
+        </p:nvSpPr>
+        <p:spPr>
+          <a:xfrm>
+            <a:off x="296261" y="2702745"/>
+            <a:ext cx="4275738" cy="479822"/>
+          </a:xfrm>
+          <a:prstGeom prst="rect">
+            <a:avLst/>
+          </a:prstGeom>
+          <a:ln w="28575">
+            <a:solidFill>
+              <a:srgbClr val="E39A39"/>
+            </a:solidFill>
+          </a:ln>
+        </p:spPr>
+        <p:txBody>
+          <a:bodyPr/>
+          <a:lstStyle>
+            <a:lvl1pPr marL="342900" indent="-342900" algn="l" defTabSz="914400" rtl="0" eaLnBrk="1" latinLnBrk="0" hangingPunct="1">
+              <a:spcBef>
+                <a:spcPct val="20000"/>
+              </a:spcBef>
+              <a:buFont typeface="Arial" pitchFamily="34" charset="0"/>
+              <a:buChar char="•"/>
+              <a:defRPr sz="3200" kern="1200">
+                <a:solidFill>
+                  <a:schemeClr val="tx1"/>
+                </a:solidFill>
+                <a:latin typeface="+mn-lt"/>
+                <a:ea typeface="+mn-ea"/>
+                <a:cs typeface="+mn-cs"/>
+              </a:defRPr>
+            </a:lvl1pPr>
+            <a:lvl2pPr marL="742950" indent="-285750" algn="l" defTabSz="914400" rtl="0" eaLnBrk="1" latinLnBrk="0" hangingPunct="1">
+              <a:spcBef>
+                <a:spcPct val="20000"/>
+              </a:spcBef>
+              <a:buFont typeface="Arial" pitchFamily="34" charset="0"/>
+              <a:buChar char="–"/>
+              <a:defRPr sz="2800" kern="1200">
+                <a:solidFill>
+                  <a:schemeClr val="tx1"/>
+                </a:solidFill>
+                <a:latin typeface="+mn-lt"/>
+                <a:ea typeface="+mn-ea"/>
+                <a:cs typeface="+mn-cs"/>
+              </a:defRPr>
+            </a:lvl2pPr>
+            <a:lvl3pPr marL="1143000" indent="-228600" algn="l" defTabSz="914400" rtl="0" eaLnBrk="1" latinLnBrk="0" hangingPunct="1">
+              <a:spcBef>
+                <a:spcPct val="20000"/>
+              </a:spcBef>
+              <a:buFont typeface="Arial" pitchFamily="34" charset="0"/>
+              <a:buChar char="•"/>
+              <a:defRPr sz="2400" kern="1200">
+                <a:solidFill>
+                  <a:schemeClr val="tx1"/>
+                </a:solidFill>
+                <a:latin typeface="+mn-lt"/>
+                <a:ea typeface="+mn-ea"/>
+                <a:cs typeface="+mn-cs"/>
+              </a:defRPr>
+            </a:lvl3pPr>
+            <a:lvl4pPr marL="1600200" indent="-228600" algn="l" defTabSz="914400" rtl="0" eaLnBrk="1" latinLnBrk="0" hangingPunct="1">
+              <a:spcBef>
+                <a:spcPct val="20000"/>
+              </a:spcBef>
+              <a:buFont typeface="Arial" pitchFamily="34" charset="0"/>
+              <a:buChar char="–"/>
+              <a:defRPr sz="2000" kern="1200">
+                <a:solidFill>
+                  <a:schemeClr val="tx1"/>
+                </a:solidFill>
+                <a:latin typeface="+mn-lt"/>
+                <a:ea typeface="+mn-ea"/>
+                <a:cs typeface="+mn-cs"/>
+              </a:defRPr>
+            </a:lvl4pPr>
+            <a:lvl5pPr marL="2057400" indent="-228600" algn="l" defTabSz="914400" rtl="0" eaLnBrk="1" latinLnBrk="0" hangingPunct="1">
+              <a:spcBef>
+                <a:spcPct val="20000"/>
+              </a:spcBef>
+              <a:buFont typeface="Arial" pitchFamily="34" charset="0"/>
+              <a:buChar char="»"/>
+              <a:defRPr sz="2000" kern="1200">
+                <a:solidFill>
+                  <a:schemeClr val="tx1"/>
+                </a:solidFill>
+                <a:latin typeface="+mn-lt"/>
+                <a:ea typeface="+mn-ea"/>
+                <a:cs typeface="+mn-cs"/>
+              </a:defRPr>
+            </a:lvl5pPr>
+            <a:lvl6pPr marL="2514600" indent="-228600" algn="l" defTabSz="914400" rtl="0" eaLnBrk="1" latinLnBrk="0" hangingPunct="1">
+              <a:spcBef>
+                <a:spcPct val="20000"/>
+              </a:spcBef>
+              <a:buFont typeface="Arial" pitchFamily="34" charset="0"/>
+              <a:buChar char="•"/>
+              <a:defRPr sz="2000" kern="1200">
+                <a:solidFill>
+                  <a:schemeClr val="tx1"/>
+                </a:solidFill>
+                <a:latin typeface="+mn-lt"/>
+                <a:ea typeface="+mn-ea"/>
+                <a:cs typeface="+mn-cs"/>
+              </a:defRPr>
+            </a:lvl6pPr>
+            <a:lvl7pPr marL="2971800" indent="-228600" algn="l" defTabSz="914400" rtl="0" eaLnBrk="1" latinLnBrk="0" hangingPunct="1">
+              <a:spcBef>
+                <a:spcPct val="20000"/>
+              </a:spcBef>
+              <a:buFont typeface="Arial" pitchFamily="34" charset="0"/>
+              <a:buChar char="•"/>
+              <a:defRPr sz="2000" kern="1200">
+                <a:solidFill>
+                  <a:schemeClr val="tx1"/>
+                </a:solidFill>
+                <a:latin typeface="+mn-lt"/>
+                <a:ea typeface="+mn-ea"/>
+                <a:cs typeface="+mn-cs"/>
+              </a:defRPr>
+            </a:lvl7pPr>
+            <a:lvl8pPr marL="3429000" indent="-228600" algn="l" defTabSz="914400" rtl="0" eaLnBrk="1" latinLnBrk="0" hangingPunct="1">
+              <a:spcBef>
+                <a:spcPct val="20000"/>
+              </a:spcBef>
+              <a:buFont typeface="Arial" pitchFamily="34" charset="0"/>
+              <a:buChar char="•"/>
+              <a:defRPr sz="2000" kern="1200">
+                <a:solidFill>
+                  <a:schemeClr val="tx1"/>
+                </a:solidFill>
+                <a:latin typeface="+mn-lt"/>
+                <a:ea typeface="+mn-ea"/>
+                <a:cs typeface="+mn-cs"/>
+              </a:defRPr>
+            </a:lvl8pPr>
+            <a:lvl9pPr marL="3886200" indent="-228600" algn="l" defTabSz="914400" rtl="0" eaLnBrk="1" latinLnBrk="0" hangingPunct="1">
+              <a:spcBef>
+                <a:spcPct val="20000"/>
+              </a:spcBef>
+              <a:buFont typeface="Arial" pitchFamily="34" charset="0"/>
+              <a:buChar char="•"/>
+              <a:defRPr sz="2000" kern="1200">
+                <a:solidFill>
+                  <a:schemeClr val="tx1"/>
+                </a:solidFill>
+                <a:latin typeface="+mn-lt"/>
+                <a:ea typeface="+mn-ea"/>
+                <a:cs typeface="+mn-cs"/>
+              </a:defRPr>
+            </a:lvl9pPr>
+          </a:lstStyle>
+          <a:p>
+            <a:pPr marL="0" indent="0" algn="ctr">
+              <a:buNone/>
+            </a:pPr>
+            <a:r>
+              <a:rPr lang="en-US" sz="2400" dirty="0">
+                <a:solidFill>
+                  <a:srgbClr val="232D48"/>
+                </a:solidFill>
+              </a:rPr>
+              <a:t>ACM Code of Conduct</a:t>
+            </a:r>
+          </a:p>
+        </p:txBody>
+      </p:sp>
+      <p:sp>
+        <p:nvSpPr>
+          <p:cNvPr id="3" name="Content Placeholder 3"/>
+          <p:cNvSpPr txBox="1">
+            <a:spLocks/>
+          </p:cNvSpPr>
+          <p:nvPr/>
+        </p:nvSpPr>
+        <p:spPr>
+          <a:xfrm>
+            <a:off x="296259" y="3182570"/>
+            <a:ext cx="4280806" cy="1957951"/>
+          </a:xfrm>
+          <a:prstGeom prst="rect">
+            <a:avLst/>
+          </a:prstGeom>
+          <a:solidFill>
+            <a:srgbClr val="232D48"/>
+          </a:solidFill>
+          <a:ln w="28575">
+            <a:solidFill>
+              <a:srgbClr val="E39A39"/>
+            </a:solidFill>
+          </a:ln>
+        </p:spPr>
+        <p:txBody>
+          <a:bodyPr>
+            <a:normAutofit/>
+          </a:bodyPr>
+          <a:lstStyle>
+            <a:lvl1pPr marL="342900" indent="-342900" algn="l" defTabSz="914400" rtl="0" eaLnBrk="1" latinLnBrk="0" hangingPunct="1">
+              <a:spcBef>
+                <a:spcPct val="20000"/>
+              </a:spcBef>
+              <a:buFont typeface="Arial" pitchFamily="34" charset="0"/>
+              <a:buChar char="•"/>
+              <a:defRPr sz="3200" kern="1200">
+                <a:solidFill>
+                  <a:schemeClr val="tx1"/>
+                </a:solidFill>
+                <a:latin typeface="+mn-lt"/>
+                <a:ea typeface="+mn-ea"/>
+                <a:cs typeface="+mn-cs"/>
+              </a:defRPr>
+            </a:lvl1pPr>
+            <a:lvl2pPr marL="742950" indent="-285750" algn="l" defTabSz="914400" rtl="0" eaLnBrk="1" latinLnBrk="0" hangingPunct="1">
+              <a:spcBef>
+                <a:spcPct val="20000"/>
+              </a:spcBef>
+              <a:buFont typeface="Arial" pitchFamily="34" charset="0"/>
+              <a:buChar char="–"/>
+              <a:defRPr sz="2800" kern="1200">
+                <a:solidFill>
+                  <a:schemeClr val="tx1"/>
+                </a:solidFill>
+                <a:latin typeface="+mn-lt"/>
+                <a:ea typeface="+mn-ea"/>
+                <a:cs typeface="+mn-cs"/>
+              </a:defRPr>
+            </a:lvl2pPr>
+            <a:lvl3pPr marL="1143000" indent="-228600" algn="l" defTabSz="914400" rtl="0" eaLnBrk="1" latinLnBrk="0" hangingPunct="1">
+              <a:spcBef>
+                <a:spcPct val="20000"/>
+              </a:spcBef>
+              <a:buFont typeface="Arial" pitchFamily="34" charset="0"/>
+              <a:buChar char="•"/>
+              <a:defRPr sz="2400" kern="1200">
+                <a:solidFill>
+                  <a:schemeClr val="tx1"/>
+                </a:solidFill>
+                <a:latin typeface="+mn-lt"/>
+                <a:ea typeface="+mn-ea"/>
+                <a:cs typeface="+mn-cs"/>
+              </a:defRPr>
+            </a:lvl3pPr>
+            <a:lvl4pPr marL="1600200" indent="-228600" algn="l" defTabSz="914400" rtl="0" eaLnBrk="1" latinLnBrk="0" hangingPunct="1">
+              <a:spcBef>
+                <a:spcPct val="20000"/>
+              </a:spcBef>
+              <a:buFont typeface="Arial" pitchFamily="34" charset="0"/>
+              <a:buChar char="–"/>
+              <a:defRPr sz="2000" kern="1200">
+                <a:solidFill>
+                  <a:schemeClr val="tx1"/>
+                </a:solidFill>
+                <a:latin typeface="+mn-lt"/>
+                <a:ea typeface="+mn-ea"/>
+                <a:cs typeface="+mn-cs"/>
+              </a:defRPr>
+            </a:lvl4pPr>
+            <a:lvl5pPr marL="2057400" indent="-228600" algn="l" defTabSz="914400" rtl="0" eaLnBrk="1" latinLnBrk="0" hangingPunct="1">
+              <a:spcBef>
+                <a:spcPct val="20000"/>
+              </a:spcBef>
+              <a:buFont typeface="Arial" pitchFamily="34" charset="0"/>
+              <a:buChar char="»"/>
+              <a:defRPr sz="2000" kern="1200">
+                <a:solidFill>
+                  <a:schemeClr val="tx1"/>
+                </a:solidFill>
+                <a:latin typeface="+mn-lt"/>
+                <a:ea typeface="+mn-ea"/>
+                <a:cs typeface="+mn-cs"/>
+              </a:defRPr>
+            </a:lvl5pPr>
+            <a:lvl6pPr marL="2514600" indent="-228600" algn="l" defTabSz="914400" rtl="0" eaLnBrk="1" latinLnBrk="0" hangingPunct="1">
+              <a:spcBef>
+                <a:spcPct val="20000"/>
+              </a:spcBef>
+              <a:buFont typeface="Arial" pitchFamily="34" charset="0"/>
+              <a:buChar char="•"/>
+              <a:defRPr sz="2000" kern="1200">
+                <a:solidFill>
+                  <a:schemeClr val="tx1"/>
+                </a:solidFill>
+                <a:latin typeface="+mn-lt"/>
+                <a:ea typeface="+mn-ea"/>
+                <a:cs typeface="+mn-cs"/>
+              </a:defRPr>
+            </a:lvl6pPr>
+            <a:lvl7pPr marL="2971800" indent="-228600" algn="l" defTabSz="914400" rtl="0" eaLnBrk="1" latinLnBrk="0" hangingPunct="1">
+              <a:spcBef>
+                <a:spcPct val="20000"/>
+              </a:spcBef>
+              <a:buFont typeface="Arial" pitchFamily="34" charset="0"/>
+              <a:buChar char="•"/>
+              <a:defRPr sz="2000" kern="1200">
+                <a:solidFill>
+                  <a:schemeClr val="tx1"/>
+                </a:solidFill>
+                <a:latin typeface="+mn-lt"/>
+                <a:ea typeface="+mn-ea"/>
+                <a:cs typeface="+mn-cs"/>
+              </a:defRPr>
+            </a:lvl7pPr>
+            <a:lvl8pPr marL="3429000" indent="-228600" algn="l" defTabSz="914400" rtl="0" eaLnBrk="1" latinLnBrk="0" hangingPunct="1">
+              <a:spcBef>
+                <a:spcPct val="20000"/>
+              </a:spcBef>
+              <a:buFont typeface="Arial" pitchFamily="34" charset="0"/>
+              <a:buChar char="•"/>
+              <a:defRPr sz="2000" kern="1200">
+                <a:solidFill>
+                  <a:schemeClr val="tx1"/>
+                </a:solidFill>
+                <a:latin typeface="+mn-lt"/>
+                <a:ea typeface="+mn-ea"/>
+                <a:cs typeface="+mn-cs"/>
+              </a:defRPr>
+            </a:lvl8pPr>
+            <a:lvl9pPr marL="3886200" indent="-228600" algn="l" defTabSz="914400" rtl="0" eaLnBrk="1" latinLnBrk="0" hangingPunct="1">
+              <a:spcBef>
+                <a:spcPct val="20000"/>
+              </a:spcBef>
+              <a:buFont typeface="Arial" pitchFamily="34" charset="0"/>
+              <a:buChar char="•"/>
+              <a:defRPr sz="2000" kern="1200">
+                <a:solidFill>
+                  <a:schemeClr val="tx1"/>
+                </a:solidFill>
+                <a:latin typeface="+mn-lt"/>
+                <a:ea typeface="+mn-ea"/>
+                <a:cs typeface="+mn-cs"/>
+              </a:defRPr>
+            </a:lvl9pPr>
+          </a:lstStyle>
+          <a:p>
+            <a:pPr marL="0" indent="0" algn="ctr">
+              <a:buNone/>
+            </a:pPr>
+            <a:r>
+              <a:rPr lang="en-US" sz="2400" dirty="0">
+                <a:solidFill>
+                  <a:schemeClr val="bg1"/>
+                </a:solidFill>
+              </a:rPr>
+              <a:t>2.4 Accept and provide appropriate professional review.</a:t>
+            </a:r>
+          </a:p>
+        </p:txBody>
+      </p:sp>
+      <p:sp>
+        <p:nvSpPr>
+          <p:cNvPr id="4" name="Text Placeholder 4"/>
+          <p:cNvSpPr txBox="1">
+            <a:spLocks/>
+          </p:cNvSpPr>
+          <p:nvPr/>
+        </p:nvSpPr>
+        <p:spPr>
+          <a:xfrm>
+            <a:off x="4572000" y="2702746"/>
+            <a:ext cx="4275740" cy="479822"/>
+          </a:xfrm>
+          <a:prstGeom prst="rect">
+            <a:avLst/>
+          </a:prstGeom>
+          <a:ln w="28575">
+            <a:solidFill>
+              <a:srgbClr val="E39A39"/>
+            </a:solidFill>
+          </a:ln>
+        </p:spPr>
+        <p:txBody>
+          <a:bodyPr>
+            <a:normAutofit/>
+          </a:bodyPr>
+          <a:lstStyle>
+            <a:lvl1pPr marL="342900" indent="-342900" algn="l" defTabSz="914400" rtl="0" eaLnBrk="1" latinLnBrk="0" hangingPunct="1">
+              <a:spcBef>
+                <a:spcPct val="20000"/>
+              </a:spcBef>
+              <a:buFont typeface="Arial" pitchFamily="34" charset="0"/>
+              <a:buChar char="•"/>
+              <a:defRPr sz="3200" kern="1200">
+                <a:solidFill>
+                  <a:schemeClr val="tx1"/>
+                </a:solidFill>
+                <a:latin typeface="+mn-lt"/>
+                <a:ea typeface="+mn-ea"/>
+                <a:cs typeface="+mn-cs"/>
+              </a:defRPr>
+            </a:lvl1pPr>
+            <a:lvl2pPr marL="742950" indent="-285750" algn="l" defTabSz="914400" rtl="0" eaLnBrk="1" latinLnBrk="0" hangingPunct="1">
+              <a:spcBef>
+                <a:spcPct val="20000"/>
+              </a:spcBef>
+              <a:buFont typeface="Arial" pitchFamily="34" charset="0"/>
+              <a:buChar char="–"/>
+              <a:defRPr sz="2800" kern="1200">
+                <a:solidFill>
+                  <a:schemeClr val="tx1"/>
+                </a:solidFill>
+                <a:latin typeface="+mn-lt"/>
+                <a:ea typeface="+mn-ea"/>
+                <a:cs typeface="+mn-cs"/>
+              </a:defRPr>
+            </a:lvl2pPr>
+            <a:lvl3pPr marL="1143000" indent="-228600" algn="l" defTabSz="914400" rtl="0" eaLnBrk="1" latinLnBrk="0" hangingPunct="1">
+              <a:spcBef>
+                <a:spcPct val="20000"/>
+              </a:spcBef>
+              <a:buFont typeface="Arial" pitchFamily="34" charset="0"/>
+              <a:buChar char="•"/>
+              <a:defRPr sz="2400" kern="1200">
+                <a:solidFill>
+                  <a:schemeClr val="tx1"/>
+                </a:solidFill>
+                <a:latin typeface="+mn-lt"/>
+                <a:ea typeface="+mn-ea"/>
+                <a:cs typeface="+mn-cs"/>
+              </a:defRPr>
+            </a:lvl3pPr>
+            <a:lvl4pPr marL="1600200" indent="-228600" algn="l" defTabSz="914400" rtl="0" eaLnBrk="1" latinLnBrk="0" hangingPunct="1">
+              <a:spcBef>
+                <a:spcPct val="20000"/>
+              </a:spcBef>
+              <a:buFont typeface="Arial" pitchFamily="34" charset="0"/>
+              <a:buChar char="–"/>
+              <a:defRPr sz="2000" kern="1200">
+                <a:solidFill>
+                  <a:schemeClr val="tx1"/>
+                </a:solidFill>
+                <a:latin typeface="+mn-lt"/>
+                <a:ea typeface="+mn-ea"/>
+                <a:cs typeface="+mn-cs"/>
+              </a:defRPr>
+            </a:lvl4pPr>
+            <a:lvl5pPr marL="2057400" indent="-228600" algn="l" defTabSz="914400" rtl="0" eaLnBrk="1" latinLnBrk="0" hangingPunct="1">
+              <a:spcBef>
+                <a:spcPct val="20000"/>
+              </a:spcBef>
+              <a:buFont typeface="Arial" pitchFamily="34" charset="0"/>
+              <a:buChar char="»"/>
+              <a:defRPr sz="2000" kern="1200">
+                <a:solidFill>
+                  <a:schemeClr val="tx1"/>
+                </a:solidFill>
+                <a:latin typeface="+mn-lt"/>
+                <a:ea typeface="+mn-ea"/>
+                <a:cs typeface="+mn-cs"/>
+              </a:defRPr>
+            </a:lvl5pPr>
+            <a:lvl6pPr marL="2514600" indent="-228600" algn="l" defTabSz="914400" rtl="0" eaLnBrk="1" latinLnBrk="0" hangingPunct="1">
+              <a:spcBef>
+                <a:spcPct val="20000"/>
+              </a:spcBef>
+              <a:buFont typeface="Arial" pitchFamily="34" charset="0"/>
+              <a:buChar char="•"/>
+              <a:defRPr sz="2000" kern="1200">
+                <a:solidFill>
+                  <a:schemeClr val="tx1"/>
+                </a:solidFill>
+                <a:latin typeface="+mn-lt"/>
+                <a:ea typeface="+mn-ea"/>
+                <a:cs typeface="+mn-cs"/>
+              </a:defRPr>
+            </a:lvl6pPr>
+            <a:lvl7pPr marL="2971800" indent="-228600" algn="l" defTabSz="914400" rtl="0" eaLnBrk="1" latinLnBrk="0" hangingPunct="1">
+              <a:spcBef>
+                <a:spcPct val="20000"/>
+              </a:spcBef>
+              <a:buFont typeface="Arial" pitchFamily="34" charset="0"/>
+              <a:buChar char="•"/>
+              <a:defRPr sz="2000" kern="1200">
+                <a:solidFill>
+                  <a:schemeClr val="tx1"/>
+                </a:solidFill>
+                <a:latin typeface="+mn-lt"/>
+                <a:ea typeface="+mn-ea"/>
+                <a:cs typeface="+mn-cs"/>
+              </a:defRPr>
+            </a:lvl7pPr>
+            <a:lvl8pPr marL="3429000" indent="-228600" algn="l" defTabSz="914400" rtl="0" eaLnBrk="1" latinLnBrk="0" hangingPunct="1">
+              <a:spcBef>
+                <a:spcPct val="20000"/>
+              </a:spcBef>
+              <a:buFont typeface="Arial" pitchFamily="34" charset="0"/>
+              <a:buChar char="•"/>
+              <a:defRPr sz="2000" kern="1200">
+                <a:solidFill>
+                  <a:schemeClr val="tx1"/>
+                </a:solidFill>
+                <a:latin typeface="+mn-lt"/>
+                <a:ea typeface="+mn-ea"/>
+                <a:cs typeface="+mn-cs"/>
+              </a:defRPr>
+            </a:lvl8pPr>
+            <a:lvl9pPr marL="3886200" indent="-228600" algn="l" defTabSz="914400" rtl="0" eaLnBrk="1" latinLnBrk="0" hangingPunct="1">
+              <a:spcBef>
+                <a:spcPct val="20000"/>
+              </a:spcBef>
+              <a:buFont typeface="Arial" pitchFamily="34" charset="0"/>
+              <a:buChar char="•"/>
+              <a:defRPr sz="2000" kern="1200">
+                <a:solidFill>
+                  <a:schemeClr val="tx1"/>
+                </a:solidFill>
+                <a:latin typeface="+mn-lt"/>
+                <a:ea typeface="+mn-ea"/>
+                <a:cs typeface="+mn-cs"/>
+              </a:defRPr>
+            </a:lvl9pPr>
+          </a:lstStyle>
+          <a:p>
+            <a:pPr marL="0" indent="0" algn="ctr">
+              <a:buNone/>
+            </a:pPr>
+            <a:r>
+              <a:rPr lang="en-US" sz="2400" dirty="0">
+                <a:solidFill>
+                  <a:srgbClr val="232D48"/>
+                </a:solidFill>
+              </a:rPr>
+              <a:t>BCS Code of Conduct</a:t>
+            </a:r>
+          </a:p>
+        </p:txBody>
+      </p:sp>
+      <p:sp>
+        <p:nvSpPr>
+          <p:cNvPr id="5" name="Content Placeholder 5"/>
+          <p:cNvSpPr txBox="1">
+            <a:spLocks/>
+          </p:cNvSpPr>
+          <p:nvPr/>
+        </p:nvSpPr>
+        <p:spPr>
+          <a:xfrm>
+            <a:off x="4571999" y="3182569"/>
+            <a:ext cx="4275741" cy="1957951"/>
+          </a:xfrm>
+          <a:prstGeom prst="rect">
+            <a:avLst/>
+          </a:prstGeom>
+          <a:solidFill>
+            <a:srgbClr val="232D48"/>
+          </a:solidFill>
+          <a:ln w="28575">
+            <a:solidFill>
+              <a:srgbClr val="E39A39"/>
+            </a:solidFill>
+          </a:ln>
+        </p:spPr>
+        <p:txBody>
+          <a:bodyPr>
             <a:normAutofit lnSpcReduction="10000"/>
           </a:bodyPr>
           <a:lstStyle>
@@ -8055,7 +8594,7 @@
 </p:sld>
 </file>
 
-<file path=ppt/slides/slide15.xml><?xml version="1.0" encoding="utf-8"?>
+<file path=ppt/slides/slide16.xml><?xml version="1.0" encoding="utf-8"?>
 <p:sld xmlns:a="http://schemas.openxmlformats.org/drawingml/2006/main" xmlns:r="http://schemas.openxmlformats.org/officeDocument/2006/relationships" xmlns:p="http://schemas.openxmlformats.org/presentationml/2006/main">
   <p:cSld>
     <p:spTree>
@@ -9017,6 +9556,440 @@
       </p:grpSpPr>
       <p:sp>
         <p:nvSpPr>
+          <p:cNvPr id="2" name="Title 1">
+            <a:extLst>
+              <a:ext uri="{FF2B5EF4-FFF2-40B4-BE49-F238E27FC236}">
+                <a16:creationId xmlns:a16="http://schemas.microsoft.com/office/drawing/2014/main" id="{DD279937-5365-A7A3-3AED-D18DF6AA2B7D}"/>
+              </a:ext>
+            </a:extLst>
+          </p:cNvPr>
+          <p:cNvSpPr>
+            <a:spLocks noGrp="1"/>
+          </p:cNvSpPr>
+          <p:nvPr>
+            <p:ph type="title"/>
+          </p:nvPr>
+        </p:nvSpPr>
+        <p:spPr>
+          <a:xfrm>
+            <a:off x="296260" y="72359"/>
+            <a:ext cx="6566315" cy="725349"/>
+          </a:xfrm>
+        </p:spPr>
+        <p:txBody>
+          <a:bodyPr/>
+          <a:lstStyle/>
+          <a:p>
+            <a:r>
+              <a:rPr lang="en-GB" dirty="0"/>
+              <a:t>Table of Contents</a:t>
+            </a:r>
+            <a:endParaRPr lang="en-US" dirty="0"/>
+          </a:p>
+        </p:txBody>
+      </p:sp>
+      <p:sp>
+        <p:nvSpPr>
+          <p:cNvPr id="3" name="Content Placeholder 2">
+            <a:extLst>
+              <a:ext uri="{FF2B5EF4-FFF2-40B4-BE49-F238E27FC236}">
+                <a16:creationId xmlns:a16="http://schemas.microsoft.com/office/drawing/2014/main" id="{4C3EFF51-26D3-74F6-FFFC-B4B74CFCDC8B}"/>
+              </a:ext>
+            </a:extLst>
+          </p:cNvPr>
+          <p:cNvSpPr>
+            <a:spLocks noGrp="1"/>
+          </p:cNvSpPr>
+          <p:nvPr>
+            <p:ph idx="1"/>
+          </p:nvPr>
+        </p:nvSpPr>
+        <p:spPr>
+          <a:xfrm>
+            <a:off x="296260" y="724808"/>
+            <a:ext cx="6566315" cy="4418692"/>
+          </a:xfrm>
+        </p:spPr>
+        <p:txBody>
+          <a:bodyPr>
+            <a:normAutofit/>
+          </a:bodyPr>
+          <a:lstStyle/>
+          <a:p>
+            <a:pPr>
+              <a:spcBef>
+                <a:spcPts val="200"/>
+              </a:spcBef>
+              <a:spcAft>
+                <a:spcPts val="150"/>
+              </a:spcAft>
+            </a:pPr>
+            <a:r>
+              <a:rPr lang="en-US" sz="1800" dirty="0">
+                <a:solidFill>
+                  <a:schemeClr val="bg1"/>
+                </a:solidFill>
+                <a:hlinkClick r:id="rId2" action="ppaction://hlinksldjump">
+                  <a:extLst>
+                    <a:ext uri="{A12FA001-AC4F-418D-AE19-62706E023703}">
+                      <ahyp:hlinkClr xmlns:ahyp="http://schemas.microsoft.com/office/drawing/2018/hyperlinkcolor" val="tx"/>
+                    </a:ext>
+                  </a:extLst>
+                </a:hlinkClick>
+              </a:rPr>
+              <a:t>Case Study of ‘The Killer Robot’</a:t>
+            </a:r>
+            <a:endParaRPr lang="en-US" sz="1800" dirty="0">
+              <a:solidFill>
+                <a:schemeClr val="bg1"/>
+              </a:solidFill>
+            </a:endParaRPr>
+          </a:p>
+          <a:p>
+            <a:pPr>
+              <a:spcBef>
+                <a:spcPts val="200"/>
+              </a:spcBef>
+              <a:spcAft>
+                <a:spcPts val="150"/>
+              </a:spcAft>
+            </a:pPr>
+            <a:r>
+              <a:rPr lang="en-GB" sz="1800" dirty="0">
+                <a:solidFill>
+                  <a:schemeClr val="bg1"/>
+                </a:solidFill>
+                <a:hlinkClick r:id="rId3" action="ppaction://hlinksldjump">
+                  <a:extLst>
+                    <a:ext uri="{A12FA001-AC4F-418D-AE19-62706E023703}">
+                      <ahyp:hlinkClr xmlns:ahyp="http://schemas.microsoft.com/office/drawing/2018/hyperlinkcolor" val="tx"/>
+                    </a:ext>
+                  </a:extLst>
+                </a:hlinkClick>
+              </a:rPr>
+              <a:t>Table of Contents</a:t>
+            </a:r>
+            <a:endParaRPr lang="en-US" sz="1800" dirty="0">
+              <a:solidFill>
+                <a:schemeClr val="bg1"/>
+              </a:solidFill>
+            </a:endParaRPr>
+          </a:p>
+          <a:p>
+            <a:pPr>
+              <a:spcBef>
+                <a:spcPts val="200"/>
+              </a:spcBef>
+              <a:spcAft>
+                <a:spcPts val="150"/>
+              </a:spcAft>
+            </a:pPr>
+            <a:r>
+              <a:rPr lang="en-GB" sz="1800" dirty="0">
+                <a:solidFill>
+                  <a:schemeClr val="bg1"/>
+                </a:solidFill>
+                <a:hlinkClick r:id="rId4" action="ppaction://hlinksldjump">
+                  <a:extLst>
+                    <a:ext uri="{A12FA001-AC4F-418D-AE19-62706E023703}">
+                      <ahyp:hlinkClr xmlns:ahyp="http://schemas.microsoft.com/office/drawing/2018/hyperlinkcolor" val="tx"/>
+                    </a:ext>
+                  </a:extLst>
+                </a:hlinkClick>
+              </a:rPr>
+              <a:t>Outline</a:t>
+            </a:r>
+            <a:endParaRPr lang="en-US" sz="1800" dirty="0">
+              <a:solidFill>
+                <a:schemeClr val="bg1"/>
+              </a:solidFill>
+            </a:endParaRPr>
+          </a:p>
+          <a:p>
+            <a:pPr>
+              <a:spcBef>
+                <a:spcPts val="200"/>
+              </a:spcBef>
+              <a:spcAft>
+                <a:spcPts val="150"/>
+              </a:spcAft>
+            </a:pPr>
+            <a:r>
+              <a:rPr lang="en-US" sz="1800" dirty="0">
+                <a:solidFill>
+                  <a:schemeClr val="bg1"/>
+                </a:solidFill>
+                <a:hlinkClick r:id="rId5" action="ppaction://hlinksldjump">
+                  <a:extLst>
+                    <a:ext uri="{A12FA001-AC4F-418D-AE19-62706E023703}">
+                      <ahyp:hlinkClr xmlns:ahyp="http://schemas.microsoft.com/office/drawing/2018/hyperlinkcolor" val="tx"/>
+                    </a:ext>
+                  </a:extLst>
+                </a:hlinkClick>
+              </a:rPr>
+              <a:t>Cast of Characters</a:t>
+            </a:r>
+            <a:endParaRPr lang="en-US" sz="1800" dirty="0">
+              <a:solidFill>
+                <a:schemeClr val="bg1"/>
+              </a:solidFill>
+            </a:endParaRPr>
+          </a:p>
+          <a:p>
+            <a:pPr>
+              <a:spcBef>
+                <a:spcPts val="200"/>
+              </a:spcBef>
+              <a:spcAft>
+                <a:spcPts val="150"/>
+              </a:spcAft>
+            </a:pPr>
+            <a:r>
+              <a:rPr lang="en-US" sz="1800" dirty="0">
+                <a:solidFill>
+                  <a:schemeClr val="bg1"/>
+                </a:solidFill>
+                <a:hlinkClick r:id="rId6" action="ppaction://hlinksldjump">
+                  <a:extLst>
+                    <a:ext uri="{A12FA001-AC4F-418D-AE19-62706E023703}">
+                      <ahyp:hlinkClr xmlns:ahyp="http://schemas.microsoft.com/office/drawing/2018/hyperlinkcolor" val="tx"/>
+                    </a:ext>
+                  </a:extLst>
+                </a:hlinkClick>
+              </a:rPr>
+              <a:t>Summary</a:t>
+            </a:r>
+            <a:endParaRPr lang="en-US" sz="1800" dirty="0">
+              <a:solidFill>
+                <a:schemeClr val="bg1"/>
+              </a:solidFill>
+            </a:endParaRPr>
+          </a:p>
+          <a:p>
+            <a:pPr>
+              <a:spcBef>
+                <a:spcPts val="200"/>
+              </a:spcBef>
+              <a:spcAft>
+                <a:spcPts val="150"/>
+              </a:spcAft>
+            </a:pPr>
+            <a:r>
+              <a:rPr lang="en-US" sz="1800" dirty="0">
+                <a:solidFill>
+                  <a:schemeClr val="bg1"/>
+                </a:solidFill>
+                <a:hlinkClick r:id="rId7" action="ppaction://hlinksldjump">
+                  <a:extLst>
+                    <a:ext uri="{A12FA001-AC4F-418D-AE19-62706E023703}">
+                      <ahyp:hlinkClr xmlns:ahyp="http://schemas.microsoft.com/office/drawing/2018/hyperlinkcolor" val="tx"/>
+                    </a:ext>
+                  </a:extLst>
+                </a:hlinkClick>
+              </a:rPr>
+              <a:t>Causes of Incident</a:t>
+            </a:r>
+            <a:endParaRPr lang="en-US" sz="1800" dirty="0">
+              <a:solidFill>
+                <a:schemeClr val="bg1"/>
+              </a:solidFill>
+            </a:endParaRPr>
+          </a:p>
+          <a:p>
+            <a:pPr>
+              <a:spcBef>
+                <a:spcPts val="200"/>
+              </a:spcBef>
+              <a:spcAft>
+                <a:spcPts val="150"/>
+              </a:spcAft>
+            </a:pPr>
+            <a:r>
+              <a:rPr lang="en-US" sz="1800" dirty="0">
+                <a:solidFill>
+                  <a:schemeClr val="bg1"/>
+                </a:solidFill>
+                <a:hlinkClick r:id="rId8" action="ppaction://hlinksldjump">
+                  <a:extLst>
+                    <a:ext uri="{A12FA001-AC4F-418D-AE19-62706E023703}">
+                      <ahyp:hlinkClr xmlns:ahyp="http://schemas.microsoft.com/office/drawing/2018/hyperlinkcolor" val="tx"/>
+                    </a:ext>
+                  </a:extLst>
+                </a:hlinkClick>
+              </a:rPr>
+              <a:t>Culprits</a:t>
+            </a:r>
+            <a:endParaRPr lang="en-US" sz="1800" dirty="0">
+              <a:solidFill>
+                <a:schemeClr val="bg1"/>
+              </a:solidFill>
+            </a:endParaRPr>
+          </a:p>
+          <a:p>
+            <a:pPr>
+              <a:spcBef>
+                <a:spcPts val="200"/>
+              </a:spcBef>
+              <a:spcAft>
+                <a:spcPts val="150"/>
+              </a:spcAft>
+            </a:pPr>
+            <a:r>
+              <a:rPr lang="en-US" sz="1800" dirty="0">
+                <a:solidFill>
+                  <a:schemeClr val="bg1"/>
+                </a:solidFill>
+                <a:hlinkClick r:id="rId9" action="ppaction://hlinksldjump">
+                  <a:extLst>
+                    <a:ext uri="{A12FA001-AC4F-418D-AE19-62706E023703}">
+                      <ahyp:hlinkClr xmlns:ahyp="http://schemas.microsoft.com/office/drawing/2018/hyperlinkcolor" val="tx"/>
+                    </a:ext>
+                  </a:extLst>
+                </a:hlinkClick>
+              </a:rPr>
+              <a:t>Randy Samuels</a:t>
+            </a:r>
+            <a:endParaRPr lang="en-US" sz="1800" dirty="0">
+              <a:solidFill>
+                <a:schemeClr val="bg1"/>
+              </a:solidFill>
+            </a:endParaRPr>
+          </a:p>
+          <a:p>
+            <a:pPr>
+              <a:spcBef>
+                <a:spcPts val="200"/>
+              </a:spcBef>
+              <a:spcAft>
+                <a:spcPts val="150"/>
+              </a:spcAft>
+            </a:pPr>
+            <a:r>
+              <a:rPr lang="en-US" sz="1800" dirty="0">
+                <a:solidFill>
+                  <a:schemeClr val="bg1"/>
+                </a:solidFill>
+                <a:hlinkClick r:id="rId10" action="ppaction://hlinksldjump">
+                  <a:extLst>
+                    <a:ext uri="{A12FA001-AC4F-418D-AE19-62706E023703}">
+                      <ahyp:hlinkClr xmlns:ahyp="http://schemas.microsoft.com/office/drawing/2018/hyperlinkcolor" val="tx"/>
+                    </a:ext>
+                  </a:extLst>
+                </a:hlinkClick>
+              </a:rPr>
+              <a:t>Ray Johnson</a:t>
+            </a:r>
+            <a:endParaRPr lang="en-US" sz="1800" dirty="0">
+              <a:solidFill>
+                <a:schemeClr val="bg1"/>
+              </a:solidFill>
+            </a:endParaRPr>
+          </a:p>
+          <a:p>
+            <a:pPr>
+              <a:spcBef>
+                <a:spcPts val="200"/>
+              </a:spcBef>
+              <a:spcAft>
+                <a:spcPts val="150"/>
+              </a:spcAft>
+            </a:pPr>
+            <a:r>
+              <a:rPr lang="en-US" sz="1800" dirty="0">
+                <a:solidFill>
+                  <a:schemeClr val="bg1"/>
+                </a:solidFill>
+                <a:hlinkClick r:id="rId11" action="ppaction://hlinksldjump">
+                  <a:extLst>
+                    <a:ext uri="{A12FA001-AC4F-418D-AE19-62706E023703}">
+                      <ahyp:hlinkClr xmlns:ahyp="http://schemas.microsoft.com/office/drawing/2018/hyperlinkcolor" val="tx"/>
+                    </a:ext>
+                  </a:extLst>
+                </a:hlinkClick>
+              </a:rPr>
+              <a:t>Sam Reynolds</a:t>
+            </a:r>
+            <a:endParaRPr lang="en-US" sz="1800" dirty="0">
+              <a:solidFill>
+                <a:schemeClr val="bg1"/>
+              </a:solidFill>
+            </a:endParaRPr>
+          </a:p>
+          <a:p>
+            <a:pPr>
+              <a:spcBef>
+                <a:spcPts val="200"/>
+              </a:spcBef>
+              <a:spcAft>
+                <a:spcPts val="150"/>
+              </a:spcAft>
+            </a:pPr>
+            <a:r>
+              <a:rPr lang="en-US" sz="1800" cap="none" dirty="0">
+                <a:solidFill>
+                  <a:schemeClr val="bg1"/>
+                </a:solidFill>
+                <a:hlinkClick r:id="rId12" action="ppaction://hlinksldjump">
+                  <a:extLst>
+                    <a:ext uri="{A12FA001-AC4F-418D-AE19-62706E023703}">
+                      <ahyp:hlinkClr xmlns:ahyp="http://schemas.microsoft.com/office/drawing/2018/hyperlinkcolor" val="tx"/>
+                    </a:ext>
+                  </a:extLst>
+                </a:hlinkClick>
+              </a:rPr>
+              <a:t>Main Culprit</a:t>
+            </a:r>
+            <a:endParaRPr lang="en-US" sz="1800" cap="none" dirty="0">
+              <a:solidFill>
+                <a:schemeClr val="bg1"/>
+              </a:solidFill>
+            </a:endParaRPr>
+          </a:p>
+          <a:p>
+            <a:pPr>
+              <a:buFont typeface="+mj-lt"/>
+              <a:buAutoNum type="arabicPeriod"/>
+            </a:pPr>
+            <a:endParaRPr lang="en-US" sz="1600" dirty="0">
+              <a:solidFill>
+                <a:schemeClr val="bg1"/>
+              </a:solidFill>
+            </a:endParaRPr>
+          </a:p>
+        </p:txBody>
+      </p:sp>
+    </p:spTree>
+    <p:extLst>
+      <p:ext uri="{BB962C8B-B14F-4D97-AF65-F5344CB8AC3E}">
+        <p14:creationId xmlns:p14="http://schemas.microsoft.com/office/powerpoint/2010/main" val="2163173309"/>
+      </p:ext>
+    </p:extLst>
+  </p:cSld>
+  <p:clrMapOvr>
+    <a:masterClrMapping/>
+  </p:clrMapOvr>
+</p:sld>
+</file>
+
+<file path=ppt/slides/slide3.xml><?xml version="1.0" encoding="utf-8"?>
+<p:sld xmlns:a="http://schemas.openxmlformats.org/drawingml/2006/main" xmlns:r="http://schemas.openxmlformats.org/officeDocument/2006/relationships" xmlns:p="http://schemas.openxmlformats.org/presentationml/2006/main">
+  <p:cSld>
+    <p:spTree>
+      <p:nvGrpSpPr>
+        <p:cNvPr id="1" name=""/>
+        <p:cNvGrpSpPr/>
+        <p:nvPr/>
+      </p:nvGrpSpPr>
+      <p:grpSpPr>
+        <a:xfrm>
+          <a:off x="0" y="0"/>
+          <a:ext cx="0" cy="0"/>
+          <a:chOff x="0" y="0"/>
+          <a:chExt cx="0" cy="0"/>
+        </a:xfrm>
+      </p:grpSpPr>
+      <p:sp>
+        <p:nvSpPr>
           <p:cNvPr id="2" name="Title 1"/>
           <p:cNvSpPr>
             <a:spLocks noGrp="1"/>
@@ -9052,7 +10025,7 @@
         </p:nvSpPr>
         <p:spPr>
           <a:xfrm>
-            <a:off x="238596" y="891995"/>
+            <a:off x="296259" y="1197405"/>
             <a:ext cx="6566315" cy="3817625"/>
           </a:xfrm>
         </p:spPr>
@@ -9153,7 +10126,7 @@
 </p:sld>
 </file>
 
-<file path=ppt/slides/slide3.xml><?xml version="1.0" encoding="utf-8"?>
+<file path=ppt/slides/slide4.xml><?xml version="1.0" encoding="utf-8"?>
 <p:sld xmlns:a="http://schemas.openxmlformats.org/drawingml/2006/main" xmlns:r="http://schemas.openxmlformats.org/officeDocument/2006/relationships" xmlns:p="http://schemas.openxmlformats.org/presentationml/2006/main">
   <p:cSld>
     <p:spTree>
@@ -10500,151 +11473,6 @@
 </p:sld>
 </file>
 
-<file path=ppt/slides/slide4.xml><?xml version="1.0" encoding="utf-8"?>
-<p:sld xmlns:a="http://schemas.openxmlformats.org/drawingml/2006/main" xmlns:r="http://schemas.openxmlformats.org/officeDocument/2006/relationships" xmlns:p="http://schemas.openxmlformats.org/presentationml/2006/main">
-  <p:cSld>
-    <p:spTree>
-      <p:nvGrpSpPr>
-        <p:cNvPr id="1" name=""/>
-        <p:cNvGrpSpPr/>
-        <p:nvPr/>
-      </p:nvGrpSpPr>
-      <p:grpSpPr>
-        <a:xfrm>
-          <a:off x="0" y="0"/>
-          <a:ext cx="0" cy="0"/>
-          <a:chOff x="0" y="0"/>
-          <a:chExt cx="0" cy="0"/>
-        </a:xfrm>
-      </p:grpSpPr>
-      <p:sp>
-        <p:nvSpPr>
-          <p:cNvPr id="4" name="Title 3"/>
-          <p:cNvSpPr>
-            <a:spLocks noGrp="1"/>
-          </p:cNvSpPr>
-          <p:nvPr>
-            <p:ph type="title"/>
-          </p:nvPr>
-        </p:nvSpPr>
-        <p:spPr>
-          <a:xfrm>
-            <a:off x="296260" y="433880"/>
-            <a:ext cx="6566315" cy="725349"/>
-          </a:xfrm>
-        </p:spPr>
-        <p:txBody>
-          <a:bodyPr>
-            <a:noAutofit/>
-          </a:bodyPr>
-          <a:lstStyle/>
-          <a:p>
-            <a:r>
-              <a:rPr lang="en-US" sz="4400" dirty="0"/>
-              <a:t>Summary</a:t>
-            </a:r>
-          </a:p>
-        </p:txBody>
-      </p:sp>
-      <p:sp>
-        <p:nvSpPr>
-          <p:cNvPr id="5" name="Content Placeholder 4"/>
-          <p:cNvSpPr>
-            <a:spLocks noGrp="1"/>
-          </p:cNvSpPr>
-          <p:nvPr>
-            <p:ph idx="1"/>
-          </p:nvPr>
-        </p:nvSpPr>
-        <p:spPr/>
-        <p:txBody>
-          <a:bodyPr>
-            <a:normAutofit lnSpcReduction="10000"/>
-          </a:bodyPr>
-          <a:lstStyle/>
-          <a:p>
-            <a:r>
-              <a:rPr lang="en-GB" sz="2400" dirty="0">
-                <a:solidFill>
-                  <a:schemeClr val="bg1"/>
-                </a:solidFill>
-              </a:rPr>
-              <a:t>Robbie CX30 malfunction and killed B</a:t>
-            </a:r>
-            <a:r>
-              <a:rPr lang="en-US" sz="2400" dirty="0">
-                <a:solidFill>
-                  <a:schemeClr val="bg1"/>
-                </a:solidFill>
-              </a:rPr>
-              <a:t>art Matthews.</a:t>
-            </a:r>
-          </a:p>
-          <a:p>
-            <a:r>
-              <a:rPr lang="en-US" sz="2400" dirty="0">
-                <a:solidFill>
-                  <a:schemeClr val="bg1"/>
-                </a:solidFill>
-              </a:rPr>
-              <a:t>Randy Samuels wrote the false code.</a:t>
-            </a:r>
-          </a:p>
-          <a:p>
-            <a:r>
-              <a:rPr lang="en-US" sz="2400" dirty="0">
-                <a:solidFill>
-                  <a:schemeClr val="bg1"/>
-                </a:solidFill>
-              </a:rPr>
-              <a:t>Team of project Robbie CX30 were in tremendous pressure.</a:t>
-            </a:r>
-          </a:p>
-          <a:p>
-            <a:r>
-              <a:rPr lang="en-US" sz="2400" dirty="0">
-                <a:solidFill>
-                  <a:schemeClr val="bg1"/>
-                </a:solidFill>
-              </a:rPr>
-              <a:t>Silicon Techtronics were in a tight financial position.</a:t>
-            </a:r>
-          </a:p>
-          <a:p>
-            <a:r>
-              <a:rPr lang="en-US" sz="2400" dirty="0">
-                <a:solidFill>
-                  <a:schemeClr val="bg1"/>
-                </a:solidFill>
-              </a:rPr>
-              <a:t>Lack of cooperation between the team members.</a:t>
-            </a:r>
-          </a:p>
-          <a:p>
-            <a:endParaRPr lang="en-US" sz="2400" dirty="0">
-              <a:solidFill>
-                <a:schemeClr val="bg1"/>
-              </a:solidFill>
-            </a:endParaRPr>
-          </a:p>
-          <a:p>
-            <a:endParaRPr lang="en-US" sz="2400" dirty="0"/>
-          </a:p>
-        </p:txBody>
-      </p:sp>
-    </p:spTree>
-    <p:extLst>
-      <p:ext uri="{BB962C8B-B14F-4D97-AF65-F5344CB8AC3E}">
-        <p14:creationId xmlns:p14="http://schemas.microsoft.com/office/powerpoint/2010/main" val="1101633878"/>
-      </p:ext>
-    </p:extLst>
-  </p:cSld>
-  <p:clrMapOvr>
-    <a:masterClrMapping/>
-  </p:clrMapOvr>
-</p:sld>
-</file>
-
 <file path=ppt/slides/slide5.xml><?xml version="1.0" encoding="utf-8"?>
 <p:sld xmlns:a="http://schemas.openxmlformats.org/drawingml/2006/main" xmlns:r="http://schemas.openxmlformats.org/officeDocument/2006/relationships" xmlns:p="http://schemas.openxmlformats.org/presentationml/2006/main">
   <p:cSld>
@@ -10674,331 +11502,113 @@
         </p:nvSpPr>
         <p:spPr>
           <a:xfrm>
-            <a:off x="754375" y="281175"/>
-            <a:ext cx="7940660" cy="763525"/>
+            <a:off x="296260" y="433880"/>
+            <a:ext cx="6566315" cy="725349"/>
           </a:xfrm>
         </p:spPr>
         <p:txBody>
           <a:bodyPr>
-            <a:normAutofit/>
+            <a:noAutofit/>
           </a:bodyPr>
           <a:lstStyle/>
           <a:p>
             <a:r>
               <a:rPr lang="en-US" sz="4400" dirty="0"/>
-              <a:t>Causes of incident</a:t>
-            </a:r>
-          </a:p>
-        </p:txBody>
-      </p:sp>
-      <p:sp>
-        <p:nvSpPr>
-          <p:cNvPr id="20" name="Content Placeholder 4">
-            <a:extLst>
-              <a:ext uri="{FF2B5EF4-FFF2-40B4-BE49-F238E27FC236}">
-                <a16:creationId xmlns:a16="http://schemas.microsoft.com/office/drawing/2014/main" id="{3D7F9A9A-350F-887F-1243-B8AFECD2D006}"/>
-              </a:ext>
-            </a:extLst>
-          </p:cNvPr>
-          <p:cNvSpPr txBox="1">
-            <a:spLocks/>
+              <a:t>Summary</a:t>
+            </a:r>
+          </a:p>
+        </p:txBody>
+      </p:sp>
+      <p:sp>
+        <p:nvSpPr>
+          <p:cNvPr id="5" name="Content Placeholder 4"/>
+          <p:cNvSpPr>
+            <a:spLocks noGrp="1"/>
           </p:cNvSpPr>
-          <p:nvPr/>
-        </p:nvSpPr>
-        <p:spPr>
-          <a:xfrm>
-            <a:off x="448966" y="1960930"/>
-            <a:ext cx="5497379" cy="5497380"/>
-          </a:xfrm>
-          <a:prstGeom prst="rect">
-            <a:avLst/>
-          </a:prstGeom>
-        </p:spPr>
-        <p:txBody>
-          <a:bodyPr vert="horz" lIns="91440" tIns="45720" rIns="91440" bIns="45720" rtlCol="0" anchor="b">
-            <a:normAutofit/>
+          <p:nvPr>
+            <p:ph idx="1"/>
+          </p:nvPr>
+        </p:nvSpPr>
+        <p:spPr/>
+        <p:txBody>
+          <a:bodyPr>
+            <a:normAutofit lnSpcReduction="10000"/>
           </a:bodyPr>
-          <a:lstStyle>
-            <a:lvl1pPr marL="0" indent="0" algn="ctr" defTabSz="914400" rtl="0" eaLnBrk="1" latinLnBrk="0" hangingPunct="1">
-              <a:spcBef>
-                <a:spcPct val="20000"/>
-              </a:spcBef>
-              <a:buFont typeface="Arial" pitchFamily="34" charset="0"/>
-              <a:buNone/>
-              <a:defRPr sz="2400" b="1" kern="1200">
-                <a:solidFill>
-                  <a:schemeClr val="accent1">
-                    <a:lumMod val="50000"/>
-                  </a:schemeClr>
-                </a:solidFill>
-                <a:latin typeface="+mn-lt"/>
-                <a:ea typeface="+mn-ea"/>
-                <a:cs typeface="+mn-cs"/>
-              </a:defRPr>
-            </a:lvl1pPr>
-            <a:lvl2pPr marL="457200" indent="0" algn="l" defTabSz="914400" rtl="0" eaLnBrk="1" latinLnBrk="0" hangingPunct="1">
-              <a:spcBef>
-                <a:spcPct val="20000"/>
-              </a:spcBef>
-              <a:buFont typeface="Arial" pitchFamily="34" charset="0"/>
-              <a:buNone/>
-              <a:defRPr sz="2000" b="1" kern="1200">
-                <a:solidFill>
-                  <a:schemeClr val="tx1"/>
-                </a:solidFill>
-                <a:latin typeface="+mn-lt"/>
-                <a:ea typeface="+mn-ea"/>
-                <a:cs typeface="+mn-cs"/>
-              </a:defRPr>
-            </a:lvl2pPr>
-            <a:lvl3pPr marL="914400" indent="0" algn="l" defTabSz="914400" rtl="0" eaLnBrk="1" latinLnBrk="0" hangingPunct="1">
-              <a:spcBef>
-                <a:spcPct val="20000"/>
-              </a:spcBef>
-              <a:buFont typeface="Arial" pitchFamily="34" charset="0"/>
-              <a:buNone/>
-              <a:defRPr sz="1800" b="1" kern="1200">
-                <a:solidFill>
-                  <a:schemeClr val="tx1"/>
-                </a:solidFill>
-                <a:latin typeface="+mn-lt"/>
-                <a:ea typeface="+mn-ea"/>
-                <a:cs typeface="+mn-cs"/>
-              </a:defRPr>
-            </a:lvl3pPr>
-            <a:lvl4pPr marL="1371600" indent="0" algn="l" defTabSz="914400" rtl="0" eaLnBrk="1" latinLnBrk="0" hangingPunct="1">
-              <a:spcBef>
-                <a:spcPct val="20000"/>
-              </a:spcBef>
-              <a:buFont typeface="Arial" pitchFamily="34" charset="0"/>
-              <a:buNone/>
-              <a:defRPr sz="1600" b="1" kern="1200">
-                <a:solidFill>
-                  <a:schemeClr val="tx1"/>
-                </a:solidFill>
-                <a:latin typeface="+mn-lt"/>
-                <a:ea typeface="+mn-ea"/>
-                <a:cs typeface="+mn-cs"/>
-              </a:defRPr>
-            </a:lvl4pPr>
-            <a:lvl5pPr marL="1828800" indent="0" algn="l" defTabSz="914400" rtl="0" eaLnBrk="1" latinLnBrk="0" hangingPunct="1">
-              <a:spcBef>
-                <a:spcPct val="20000"/>
-              </a:spcBef>
-              <a:buFont typeface="Arial" pitchFamily="34" charset="0"/>
-              <a:buNone/>
-              <a:defRPr sz="1600" b="1" kern="1200">
-                <a:solidFill>
-                  <a:schemeClr val="tx1"/>
-                </a:solidFill>
-                <a:latin typeface="+mn-lt"/>
-                <a:ea typeface="+mn-ea"/>
-                <a:cs typeface="+mn-cs"/>
-              </a:defRPr>
-            </a:lvl5pPr>
-            <a:lvl6pPr marL="2286000" indent="0" algn="l" defTabSz="914400" rtl="0" eaLnBrk="1" latinLnBrk="0" hangingPunct="1">
-              <a:spcBef>
-                <a:spcPct val="20000"/>
-              </a:spcBef>
-              <a:buFont typeface="Arial" pitchFamily="34" charset="0"/>
-              <a:buNone/>
-              <a:defRPr sz="1600" b="1" kern="1200">
-                <a:solidFill>
-                  <a:schemeClr val="tx1"/>
-                </a:solidFill>
-                <a:latin typeface="+mn-lt"/>
-                <a:ea typeface="+mn-ea"/>
-                <a:cs typeface="+mn-cs"/>
-              </a:defRPr>
-            </a:lvl6pPr>
-            <a:lvl7pPr marL="2743200" indent="0" algn="l" defTabSz="914400" rtl="0" eaLnBrk="1" latinLnBrk="0" hangingPunct="1">
-              <a:spcBef>
-                <a:spcPct val="20000"/>
-              </a:spcBef>
-              <a:buFont typeface="Arial" pitchFamily="34" charset="0"/>
-              <a:buNone/>
-              <a:defRPr sz="1600" b="1" kern="1200">
-                <a:solidFill>
-                  <a:schemeClr val="tx1"/>
-                </a:solidFill>
-                <a:latin typeface="+mn-lt"/>
-                <a:ea typeface="+mn-ea"/>
-                <a:cs typeface="+mn-cs"/>
-              </a:defRPr>
-            </a:lvl7pPr>
-            <a:lvl8pPr marL="3200400" indent="0" algn="l" defTabSz="914400" rtl="0" eaLnBrk="1" latinLnBrk="0" hangingPunct="1">
-              <a:spcBef>
-                <a:spcPct val="20000"/>
-              </a:spcBef>
-              <a:buFont typeface="Arial" pitchFamily="34" charset="0"/>
-              <a:buNone/>
-              <a:defRPr sz="1600" b="1" kern="1200">
-                <a:solidFill>
-                  <a:schemeClr val="tx1"/>
-                </a:solidFill>
-                <a:latin typeface="+mn-lt"/>
-                <a:ea typeface="+mn-ea"/>
-                <a:cs typeface="+mn-cs"/>
-              </a:defRPr>
-            </a:lvl8pPr>
-            <a:lvl9pPr marL="3657600" indent="0" algn="l" defTabSz="914400" rtl="0" eaLnBrk="1" latinLnBrk="0" hangingPunct="1">
-              <a:spcBef>
-                <a:spcPct val="20000"/>
-              </a:spcBef>
-              <a:buFont typeface="Arial" pitchFamily="34" charset="0"/>
-              <a:buNone/>
-              <a:defRPr sz="1600" b="1" kern="1200">
-                <a:solidFill>
-                  <a:schemeClr val="tx1"/>
-                </a:solidFill>
-                <a:latin typeface="+mn-lt"/>
-                <a:ea typeface="+mn-ea"/>
-                <a:cs typeface="+mn-cs"/>
-              </a:defRPr>
-            </a:lvl9pPr>
-          </a:lstStyle>
-          <a:p>
-            <a:pPr marL="342900" indent="-342900" algn="l">
-              <a:buFont typeface="Arial" panose="020B0604020202020204" pitchFamily="34" charset="0"/>
-              <a:buChar char="•"/>
-            </a:pPr>
-            <a:r>
-              <a:rPr lang="en-GB" b="0" dirty="0">
-                <a:solidFill>
-                  <a:srgbClr val="1F2839"/>
+          <a:lstStyle/>
+          <a:p>
+            <a:r>
+              <a:rPr lang="en-GB" sz="2400" dirty="0">
+                <a:solidFill>
+                  <a:schemeClr val="bg1"/>
                 </a:solidFill>
               </a:rPr>
-              <a:t>Waterfall model was used in developing software.</a:t>
-            </a:r>
-          </a:p>
-          <a:p>
-            <a:pPr marL="342900" indent="-342900" algn="l">
-              <a:buFont typeface="Arial" panose="020B0604020202020204" pitchFamily="34" charset="0"/>
-              <a:buChar char="•"/>
-            </a:pPr>
-            <a:r>
-              <a:rPr lang="en-GB" b="0" dirty="0">
-                <a:solidFill>
-                  <a:srgbClr val="1F2839"/>
+              <a:t>Robbie CX30 malfunction and killed B</a:t>
+            </a:r>
+            <a:r>
+              <a:rPr lang="en-US" sz="2400" dirty="0">
+                <a:solidFill>
+                  <a:schemeClr val="bg1"/>
                 </a:solidFill>
               </a:rPr>
-              <a:t>Programmer misinterpreted the physics formula.</a:t>
-            </a:r>
-          </a:p>
-          <a:p>
-            <a:pPr marL="342900" indent="-342900" algn="l">
-              <a:buFont typeface="Arial" panose="020B0604020202020204" pitchFamily="34" charset="0"/>
-              <a:buChar char="•"/>
-            </a:pPr>
-            <a:r>
-              <a:rPr lang="en-GB" b="0" dirty="0">
-                <a:solidFill>
-                  <a:srgbClr val="1F2839"/>
+              <a:t>art Matthews.</a:t>
+            </a:r>
+          </a:p>
+          <a:p>
+            <a:r>
+              <a:rPr lang="en-US" sz="2400" dirty="0">
+                <a:solidFill>
+                  <a:schemeClr val="bg1"/>
                 </a:solidFill>
               </a:rPr>
-              <a:t>Part of the software that caused the malfunction was stolen.</a:t>
-            </a:r>
-          </a:p>
-          <a:p>
-            <a:pPr marL="342900" indent="-342900" algn="l">
-              <a:buFont typeface="Arial" panose="020B0604020202020204" pitchFamily="34" charset="0"/>
-              <a:buChar char="•"/>
-            </a:pPr>
-            <a:r>
-              <a:rPr lang="en-GB" b="0" dirty="0">
-                <a:solidFill>
-                  <a:srgbClr val="1F2839"/>
+              <a:t>Randy Samuels wrote the false code.</a:t>
+            </a:r>
+          </a:p>
+          <a:p>
+            <a:r>
+              <a:rPr lang="en-US" sz="2400" dirty="0">
+                <a:solidFill>
+                  <a:schemeClr val="bg1"/>
                 </a:solidFill>
               </a:rPr>
-              <a:t>Software test was faked.</a:t>
-            </a:r>
-          </a:p>
-          <a:p>
-            <a:pPr marL="342900" indent="-342900" algn="l">
-              <a:buFont typeface="Arial" panose="020B0604020202020204" pitchFamily="34" charset="0"/>
-              <a:buChar char="•"/>
-            </a:pPr>
-            <a:r>
-              <a:rPr lang="en-GB" b="0" dirty="0">
-                <a:solidFill>
-                  <a:srgbClr val="1F2839"/>
+              <a:t>Team of project Robbie CX30 were in tremendous pressure.</a:t>
+            </a:r>
+          </a:p>
+          <a:p>
+            <a:r>
+              <a:rPr lang="en-US" sz="2400" dirty="0">
+                <a:solidFill>
+                  <a:schemeClr val="bg1"/>
                 </a:solidFill>
               </a:rPr>
-              <a:t>GUI was poorly designed.</a:t>
-            </a:r>
-          </a:p>
-          <a:p>
-            <a:pPr marL="342900" indent="-342900" algn="l">
-              <a:buFont typeface="Arial" panose="020B0604020202020204" pitchFamily="34" charset="0"/>
-              <a:buChar char="•"/>
-            </a:pPr>
-            <a:endParaRPr lang="en-GB" dirty="0">
+              <a:t>Silicon Techtronics were in a tight financial position.</a:t>
+            </a:r>
+          </a:p>
+          <a:p>
+            <a:r>
+              <a:rPr lang="en-US" sz="2400" dirty="0">
+                <a:solidFill>
+                  <a:schemeClr val="bg1"/>
+                </a:solidFill>
+              </a:rPr>
+              <a:t>Lack of cooperation between the team members.</a:t>
+            </a:r>
+          </a:p>
+          <a:p>
+            <a:endParaRPr lang="en-US" sz="2400" dirty="0">
               <a:solidFill>
-                <a:srgbClr val="4BACC6"/>
+                <a:schemeClr val="bg1"/>
               </a:solidFill>
             </a:endParaRPr>
           </a:p>
           <a:p>
-            <a:pPr marL="342900" indent="-342900" algn="l">
-              <a:buFont typeface="Arial" panose="020B0604020202020204" pitchFamily="34" charset="0"/>
-              <a:buChar char="•"/>
-            </a:pPr>
-            <a:endParaRPr lang="en-GB" dirty="0">
-              <a:solidFill>
-                <a:srgbClr val="4BACC6"/>
-              </a:solidFill>
-            </a:endParaRPr>
-          </a:p>
-          <a:p>
-            <a:pPr marL="342900" indent="-342900" algn="l">
-              <a:buFont typeface="Arial" panose="020B0604020202020204" pitchFamily="34" charset="0"/>
-              <a:buChar char="•"/>
-            </a:pPr>
-            <a:endParaRPr lang="en-GB" dirty="0">
-              <a:solidFill>
-                <a:srgbClr val="4BACC6"/>
-              </a:solidFill>
-            </a:endParaRPr>
-          </a:p>
-          <a:p>
-            <a:pPr marL="342900" indent="-342900" algn="l">
-              <a:buFont typeface="Arial" panose="020B0604020202020204" pitchFamily="34" charset="0"/>
-              <a:buChar char="•"/>
-            </a:pPr>
-            <a:endParaRPr lang="en-US" dirty="0">
-              <a:solidFill>
-                <a:srgbClr val="4BACC6"/>
-              </a:solidFill>
-            </a:endParaRPr>
-          </a:p>
-          <a:p>
-            <a:pPr marL="342900" indent="-342900" algn="l">
-              <a:buFont typeface="Arial" panose="020B0604020202020204" pitchFamily="34" charset="0"/>
-              <a:buChar char="•"/>
-            </a:pPr>
-            <a:endParaRPr lang="en-US" dirty="0">
-              <a:solidFill>
-                <a:srgbClr val="4BACC6"/>
-              </a:solidFill>
-            </a:endParaRPr>
-          </a:p>
-          <a:p>
-            <a:pPr marL="342900" indent="-342900" algn="l">
-              <a:buFont typeface="Arial" panose="020B0604020202020204" pitchFamily="34" charset="0"/>
-              <a:buChar char="•"/>
-            </a:pPr>
-            <a:endParaRPr lang="en-US" dirty="0">
-              <a:solidFill>
-                <a:srgbClr val="4BACC6"/>
-              </a:solidFill>
-            </a:endParaRPr>
+            <a:endParaRPr lang="en-US" sz="2400" dirty="0"/>
           </a:p>
         </p:txBody>
       </p:sp>
     </p:spTree>
     <p:extLst>
       <p:ext uri="{BB962C8B-B14F-4D97-AF65-F5344CB8AC3E}">
-        <p14:creationId xmlns:p14="http://schemas.microsoft.com/office/powerpoint/2010/main" val="4170783713"/>
+        <p14:creationId xmlns:p14="http://schemas.microsoft.com/office/powerpoint/2010/main" val="1101633878"/>
       </p:ext>
     </p:extLst>
   </p:cSld>
@@ -11027,7 +11637,42 @@
       </p:grpSpPr>
       <p:sp>
         <p:nvSpPr>
-          <p:cNvPr id="2" name="Title 3"/>
+          <p:cNvPr id="4" name="Title 3"/>
+          <p:cNvSpPr>
+            <a:spLocks noGrp="1"/>
+          </p:cNvSpPr>
+          <p:nvPr>
+            <p:ph type="title"/>
+          </p:nvPr>
+        </p:nvSpPr>
+        <p:spPr>
+          <a:xfrm>
+            <a:off x="754375" y="281175"/>
+            <a:ext cx="7940660" cy="763525"/>
+          </a:xfrm>
+        </p:spPr>
+        <p:txBody>
+          <a:bodyPr>
+            <a:normAutofit/>
+          </a:bodyPr>
+          <a:lstStyle/>
+          <a:p>
+            <a:r>
+              <a:rPr lang="en-US" sz="4400" dirty="0"/>
+              <a:t>Causes of Incident</a:t>
+            </a:r>
+          </a:p>
+        </p:txBody>
+      </p:sp>
+      <p:sp>
+        <p:nvSpPr>
+          <p:cNvPr id="20" name="Content Placeholder 4">
+            <a:extLst>
+              <a:ext uri="{FF2B5EF4-FFF2-40B4-BE49-F238E27FC236}">
+                <a16:creationId xmlns:a16="http://schemas.microsoft.com/office/drawing/2014/main" id="{3D7F9A9A-350F-887F-1243-B8AFECD2D006}"/>
+              </a:ext>
+            </a:extLst>
+          </p:cNvPr>
           <p:cNvSpPr txBox="1">
             <a:spLocks/>
           </p:cNvSpPr>
@@ -11035,46 +11680,324 @@
         </p:nvSpPr>
         <p:spPr>
           <a:xfrm>
-            <a:off x="2128720" y="281175"/>
-            <a:ext cx="6566315" cy="725349"/>
+            <a:off x="448966" y="1960930"/>
+            <a:ext cx="5497379" cy="5497380"/>
           </a:xfrm>
           <a:prstGeom prst="rect">
             <a:avLst/>
           </a:prstGeom>
         </p:spPr>
         <p:txBody>
-          <a:bodyPr>
-            <a:noAutofit/>
+          <a:bodyPr vert="horz" lIns="91440" tIns="45720" rIns="91440" bIns="45720" rtlCol="0" anchor="b">
+            <a:normAutofit/>
           </a:bodyPr>
           <a:lstStyle>
-            <a:lvl1pPr algn="ctr" defTabSz="914400" rtl="0" eaLnBrk="1" latinLnBrk="0" hangingPunct="1">
-              <a:spcBef>
-                <a:spcPct val="0"/>
-              </a:spcBef>
+            <a:lvl1pPr marL="0" indent="0" algn="ctr" defTabSz="914400" rtl="0" eaLnBrk="1" latinLnBrk="0" hangingPunct="1">
+              <a:spcBef>
+                <a:spcPct val="20000"/>
+              </a:spcBef>
+              <a:buFont typeface="Arial" pitchFamily="34" charset="0"/>
               <a:buNone/>
-              <a:defRPr sz="4400" kern="1200">
-                <a:solidFill>
-                  <a:schemeClr val="tx1"/>
-                </a:solidFill>
-                <a:latin typeface="+mj-lt"/>
-                <a:ea typeface="+mj-ea"/>
-                <a:cs typeface="+mj-cs"/>
+              <a:defRPr sz="2400" b="1" kern="1200">
+                <a:solidFill>
+                  <a:schemeClr val="accent1">
+                    <a:lumMod val="50000"/>
+                  </a:schemeClr>
+                </a:solidFill>
+                <a:latin typeface="+mn-lt"/>
+                <a:ea typeface="+mn-ea"/>
+                <a:cs typeface="+mn-cs"/>
               </a:defRPr>
             </a:lvl1pPr>
+            <a:lvl2pPr marL="457200" indent="0" algn="l" defTabSz="914400" rtl="0" eaLnBrk="1" latinLnBrk="0" hangingPunct="1">
+              <a:spcBef>
+                <a:spcPct val="20000"/>
+              </a:spcBef>
+              <a:buFont typeface="Arial" pitchFamily="34" charset="0"/>
+              <a:buNone/>
+              <a:defRPr sz="2000" b="1" kern="1200">
+                <a:solidFill>
+                  <a:schemeClr val="tx1"/>
+                </a:solidFill>
+                <a:latin typeface="+mn-lt"/>
+                <a:ea typeface="+mn-ea"/>
+                <a:cs typeface="+mn-cs"/>
+              </a:defRPr>
+            </a:lvl2pPr>
+            <a:lvl3pPr marL="914400" indent="0" algn="l" defTabSz="914400" rtl="0" eaLnBrk="1" latinLnBrk="0" hangingPunct="1">
+              <a:spcBef>
+                <a:spcPct val="20000"/>
+              </a:spcBef>
+              <a:buFont typeface="Arial" pitchFamily="34" charset="0"/>
+              <a:buNone/>
+              <a:defRPr sz="1800" b="1" kern="1200">
+                <a:solidFill>
+                  <a:schemeClr val="tx1"/>
+                </a:solidFill>
+                <a:latin typeface="+mn-lt"/>
+                <a:ea typeface="+mn-ea"/>
+                <a:cs typeface="+mn-cs"/>
+              </a:defRPr>
+            </a:lvl3pPr>
+            <a:lvl4pPr marL="1371600" indent="0" algn="l" defTabSz="914400" rtl="0" eaLnBrk="1" latinLnBrk="0" hangingPunct="1">
+              <a:spcBef>
+                <a:spcPct val="20000"/>
+              </a:spcBef>
+              <a:buFont typeface="Arial" pitchFamily="34" charset="0"/>
+              <a:buNone/>
+              <a:defRPr sz="1600" b="1" kern="1200">
+                <a:solidFill>
+                  <a:schemeClr val="tx1"/>
+                </a:solidFill>
+                <a:latin typeface="+mn-lt"/>
+                <a:ea typeface="+mn-ea"/>
+                <a:cs typeface="+mn-cs"/>
+              </a:defRPr>
+            </a:lvl4pPr>
+            <a:lvl5pPr marL="1828800" indent="0" algn="l" defTabSz="914400" rtl="0" eaLnBrk="1" latinLnBrk="0" hangingPunct="1">
+              <a:spcBef>
+                <a:spcPct val="20000"/>
+              </a:spcBef>
+              <a:buFont typeface="Arial" pitchFamily="34" charset="0"/>
+              <a:buNone/>
+              <a:defRPr sz="1600" b="1" kern="1200">
+                <a:solidFill>
+                  <a:schemeClr val="tx1"/>
+                </a:solidFill>
+                <a:latin typeface="+mn-lt"/>
+                <a:ea typeface="+mn-ea"/>
+                <a:cs typeface="+mn-cs"/>
+              </a:defRPr>
+            </a:lvl5pPr>
+            <a:lvl6pPr marL="2286000" indent="0" algn="l" defTabSz="914400" rtl="0" eaLnBrk="1" latinLnBrk="0" hangingPunct="1">
+              <a:spcBef>
+                <a:spcPct val="20000"/>
+              </a:spcBef>
+              <a:buFont typeface="Arial" pitchFamily="34" charset="0"/>
+              <a:buNone/>
+              <a:defRPr sz="1600" b="1" kern="1200">
+                <a:solidFill>
+                  <a:schemeClr val="tx1"/>
+                </a:solidFill>
+                <a:latin typeface="+mn-lt"/>
+                <a:ea typeface="+mn-ea"/>
+                <a:cs typeface="+mn-cs"/>
+              </a:defRPr>
+            </a:lvl6pPr>
+            <a:lvl7pPr marL="2743200" indent="0" algn="l" defTabSz="914400" rtl="0" eaLnBrk="1" latinLnBrk="0" hangingPunct="1">
+              <a:spcBef>
+                <a:spcPct val="20000"/>
+              </a:spcBef>
+              <a:buFont typeface="Arial" pitchFamily="34" charset="0"/>
+              <a:buNone/>
+              <a:defRPr sz="1600" b="1" kern="1200">
+                <a:solidFill>
+                  <a:schemeClr val="tx1"/>
+                </a:solidFill>
+                <a:latin typeface="+mn-lt"/>
+                <a:ea typeface="+mn-ea"/>
+                <a:cs typeface="+mn-cs"/>
+              </a:defRPr>
+            </a:lvl7pPr>
+            <a:lvl8pPr marL="3200400" indent="0" algn="l" defTabSz="914400" rtl="0" eaLnBrk="1" latinLnBrk="0" hangingPunct="1">
+              <a:spcBef>
+                <a:spcPct val="20000"/>
+              </a:spcBef>
+              <a:buFont typeface="Arial" pitchFamily="34" charset="0"/>
+              <a:buNone/>
+              <a:defRPr sz="1600" b="1" kern="1200">
+                <a:solidFill>
+                  <a:schemeClr val="tx1"/>
+                </a:solidFill>
+                <a:latin typeface="+mn-lt"/>
+                <a:ea typeface="+mn-ea"/>
+                <a:cs typeface="+mn-cs"/>
+              </a:defRPr>
+            </a:lvl8pPr>
+            <a:lvl9pPr marL="3657600" indent="0" algn="l" defTabSz="914400" rtl="0" eaLnBrk="1" latinLnBrk="0" hangingPunct="1">
+              <a:spcBef>
+                <a:spcPct val="20000"/>
+              </a:spcBef>
+              <a:buFont typeface="Arial" pitchFamily="34" charset="0"/>
+              <a:buNone/>
+              <a:defRPr sz="1600" b="1" kern="1200">
+                <a:solidFill>
+                  <a:schemeClr val="tx1"/>
+                </a:solidFill>
+                <a:latin typeface="+mn-lt"/>
+                <a:ea typeface="+mn-ea"/>
+                <a:cs typeface="+mn-cs"/>
+              </a:defRPr>
+            </a:lvl9pPr>
           </a:lstStyle>
           <a:p>
-            <a:pPr algn="r"/>
-            <a:r>
-              <a:rPr lang="en-US" dirty="0">
-                <a:solidFill>
-                  <a:srgbClr val="4BACC6"/>
+            <a:pPr marL="342900" indent="-342900" algn="l">
+              <a:buFont typeface="Arial" panose="020B0604020202020204" pitchFamily="34" charset="0"/>
+              <a:buChar char="•"/>
+            </a:pPr>
+            <a:r>
+              <a:rPr lang="en-GB" b="0" dirty="0">
+                <a:solidFill>
+                  <a:srgbClr val="1F2839"/>
                 </a:solidFill>
               </a:rPr>
-              <a:t>Culprits</a:t>
-            </a:r>
-          </a:p>
-        </p:txBody>
-      </p:sp>
+              <a:t>Waterfall model was used in developing software.</a:t>
+            </a:r>
+          </a:p>
+          <a:p>
+            <a:pPr marL="342900" indent="-342900" algn="l">
+              <a:buFont typeface="Arial" panose="020B0604020202020204" pitchFamily="34" charset="0"/>
+              <a:buChar char="•"/>
+            </a:pPr>
+            <a:r>
+              <a:rPr lang="en-GB" b="0" dirty="0">
+                <a:solidFill>
+                  <a:srgbClr val="1F2839"/>
+                </a:solidFill>
+              </a:rPr>
+              <a:t>Programmer misinterpreted the physics formula.</a:t>
+            </a:r>
+          </a:p>
+          <a:p>
+            <a:pPr marL="342900" indent="-342900" algn="l">
+              <a:buFont typeface="Arial" panose="020B0604020202020204" pitchFamily="34" charset="0"/>
+              <a:buChar char="•"/>
+            </a:pPr>
+            <a:r>
+              <a:rPr lang="en-GB" b="0" dirty="0">
+                <a:solidFill>
+                  <a:srgbClr val="1F2839"/>
+                </a:solidFill>
+              </a:rPr>
+              <a:t>Part of the software that caused the malfunction was stolen.</a:t>
+            </a:r>
+          </a:p>
+          <a:p>
+            <a:pPr marL="342900" indent="-342900" algn="l">
+              <a:buFont typeface="Arial" panose="020B0604020202020204" pitchFamily="34" charset="0"/>
+              <a:buChar char="•"/>
+            </a:pPr>
+            <a:r>
+              <a:rPr lang="en-GB" b="0" dirty="0">
+                <a:solidFill>
+                  <a:srgbClr val="1F2839"/>
+                </a:solidFill>
+              </a:rPr>
+              <a:t>Software test was faked.</a:t>
+            </a:r>
+          </a:p>
+          <a:p>
+            <a:pPr marL="342900" indent="-342900" algn="l">
+              <a:buFont typeface="Arial" panose="020B0604020202020204" pitchFamily="34" charset="0"/>
+              <a:buChar char="•"/>
+            </a:pPr>
+            <a:r>
+              <a:rPr lang="en-GB" b="0" dirty="0">
+                <a:solidFill>
+                  <a:srgbClr val="1F2839"/>
+                </a:solidFill>
+              </a:rPr>
+              <a:t>GUI was poorly designed.</a:t>
+            </a:r>
+          </a:p>
+          <a:p>
+            <a:pPr marL="342900" indent="-342900" algn="l">
+              <a:buFont typeface="Arial" panose="020B0604020202020204" pitchFamily="34" charset="0"/>
+              <a:buChar char="•"/>
+            </a:pPr>
+            <a:endParaRPr lang="en-GB" dirty="0">
+              <a:solidFill>
+                <a:srgbClr val="4BACC6"/>
+              </a:solidFill>
+            </a:endParaRPr>
+          </a:p>
+          <a:p>
+            <a:pPr marL="342900" indent="-342900" algn="l">
+              <a:buFont typeface="Arial" panose="020B0604020202020204" pitchFamily="34" charset="0"/>
+              <a:buChar char="•"/>
+            </a:pPr>
+            <a:endParaRPr lang="en-GB" dirty="0">
+              <a:solidFill>
+                <a:srgbClr val="4BACC6"/>
+              </a:solidFill>
+            </a:endParaRPr>
+          </a:p>
+          <a:p>
+            <a:pPr marL="342900" indent="-342900" algn="l">
+              <a:buFont typeface="Arial" panose="020B0604020202020204" pitchFamily="34" charset="0"/>
+              <a:buChar char="•"/>
+            </a:pPr>
+            <a:endParaRPr lang="en-GB" dirty="0">
+              <a:solidFill>
+                <a:srgbClr val="4BACC6"/>
+              </a:solidFill>
+            </a:endParaRPr>
+          </a:p>
+          <a:p>
+            <a:pPr marL="342900" indent="-342900" algn="l">
+              <a:buFont typeface="Arial" panose="020B0604020202020204" pitchFamily="34" charset="0"/>
+              <a:buChar char="•"/>
+            </a:pPr>
+            <a:endParaRPr lang="en-US" dirty="0">
+              <a:solidFill>
+                <a:srgbClr val="4BACC6"/>
+              </a:solidFill>
+            </a:endParaRPr>
+          </a:p>
+          <a:p>
+            <a:pPr marL="342900" indent="-342900" algn="l">
+              <a:buFont typeface="Arial" panose="020B0604020202020204" pitchFamily="34" charset="0"/>
+              <a:buChar char="•"/>
+            </a:pPr>
+            <a:endParaRPr lang="en-US" dirty="0">
+              <a:solidFill>
+                <a:srgbClr val="4BACC6"/>
+              </a:solidFill>
+            </a:endParaRPr>
+          </a:p>
+          <a:p>
+            <a:pPr marL="342900" indent="-342900" algn="l">
+              <a:buFont typeface="Arial" panose="020B0604020202020204" pitchFamily="34" charset="0"/>
+              <a:buChar char="•"/>
+            </a:pPr>
+            <a:endParaRPr lang="en-US" dirty="0">
+              <a:solidFill>
+                <a:srgbClr val="4BACC6"/>
+              </a:solidFill>
+            </a:endParaRPr>
+          </a:p>
+        </p:txBody>
+      </p:sp>
+    </p:spTree>
+    <p:extLst>
+      <p:ext uri="{BB962C8B-B14F-4D97-AF65-F5344CB8AC3E}">
+        <p14:creationId xmlns:p14="http://schemas.microsoft.com/office/powerpoint/2010/main" val="4170783713"/>
+      </p:ext>
+    </p:extLst>
+  </p:cSld>
+  <p:clrMapOvr>
+    <a:masterClrMapping/>
+  </p:clrMapOvr>
+</p:sld>
+</file>
+
+<file path=ppt/slides/slide7.xml><?xml version="1.0" encoding="utf-8"?>
+<p:sld xmlns:a="http://schemas.openxmlformats.org/drawingml/2006/main" xmlns:r="http://schemas.openxmlformats.org/officeDocument/2006/relationships" xmlns:p="http://schemas.openxmlformats.org/presentationml/2006/main">
+  <p:cSld>
+    <p:spTree>
+      <p:nvGrpSpPr>
+        <p:cNvPr id="1" name=""/>
+        <p:cNvGrpSpPr/>
+        <p:nvPr/>
+      </p:nvGrpSpPr>
+      <p:grpSpPr>
+        <a:xfrm>
+          <a:off x="0" y="0"/>
+          <a:ext cx="0" cy="0"/>
+          <a:chOff x="0" y="0"/>
+          <a:chExt cx="0" cy="0"/>
+        </a:xfrm>
+      </p:grpSpPr>
       <p:pic>
         <p:nvPicPr>
           <p:cNvPr id="5" name="Picture 4"/>
@@ -11616,6 +12539,44 @@
           </a:prstGeom>
         </p:spPr>
       </p:pic>
+      <p:sp>
+        <p:nvSpPr>
+          <p:cNvPr id="10" name="Title 9">
+            <a:extLst>
+              <a:ext uri="{FF2B5EF4-FFF2-40B4-BE49-F238E27FC236}">
+                <a16:creationId xmlns:a16="http://schemas.microsoft.com/office/drawing/2014/main" id="{EAF98111-6BE7-2D93-CF73-9B3CBDB56ECB}"/>
+              </a:ext>
+            </a:extLst>
+          </p:cNvPr>
+          <p:cNvSpPr>
+            <a:spLocks noGrp="1"/>
+          </p:cNvSpPr>
+          <p:nvPr>
+            <p:ph type="title" idx="4294967295"/>
+          </p:nvPr>
+        </p:nvSpPr>
+        <p:spPr>
+          <a:xfrm>
+            <a:off x="601670" y="169272"/>
+            <a:ext cx="8229600" cy="857250"/>
+          </a:xfrm>
+        </p:spPr>
+        <p:txBody>
+          <a:bodyPr/>
+          <a:lstStyle/>
+          <a:p>
+            <a:pPr algn="r"/>
+            <a:r>
+              <a:rPr lang="en-US" dirty="0">
+                <a:solidFill>
+                  <a:srgbClr val="4BACC6"/>
+                </a:solidFill>
+              </a:rPr>
+              <a:t>Culprits</a:t>
+            </a:r>
+          </a:p>
+        </p:txBody>
+      </p:sp>
     </p:spTree>
     <p:extLst>
       <p:ext uri="{BB962C8B-B14F-4D97-AF65-F5344CB8AC3E}">
@@ -11629,7 +12590,7 @@
 </p:sld>
 </file>
 
-<file path=ppt/slides/slide7.xml><?xml version="1.0" encoding="utf-8"?>
+<file path=ppt/slides/slide8.xml><?xml version="1.0" encoding="utf-8"?>
 <p:sld xmlns:a="http://schemas.openxmlformats.org/drawingml/2006/main" xmlns:r="http://schemas.openxmlformats.org/officeDocument/2006/relationships" xmlns:p="http://schemas.openxmlformats.org/presentationml/2006/main" showMasterSp="0">
   <p:cSld>
     <p:spTree>
@@ -11721,7 +12682,7 @@
           <a:p>
             <a:pPr algn="just"/>
             <a:r>
-              <a:rPr lang="en-US" sz="2400" dirty="0">
+              <a:rPr lang="en-US" sz="2400">
                 <a:solidFill>
                   <a:schemeClr val="bg1"/>
                 </a:solidFill>
@@ -11732,12 +12693,20 @@
           <a:p>
             <a:pPr algn="just"/>
             <a:r>
+              <a:rPr lang="en-US" sz="2400">
+                <a:solidFill>
+                  <a:schemeClr val="bg1"/>
+                </a:solidFill>
+              </a:rPr>
+              <a:t>Misread </a:t>
+            </a:r>
+            <a:r>
               <a:rPr lang="en-US" sz="2400" dirty="0">
                 <a:solidFill>
                   <a:schemeClr val="bg1"/>
                 </a:solidFill>
               </a:rPr>
-              <a:t>Misread a handwritten formula for a robot's dynamic behavior</a:t>
+              <a:t>a handwritten formula for a robot's dynamic behavior</a:t>
             </a:r>
           </a:p>
           <a:p>
@@ -11791,58 +12760,6 @@
           </a:effectLst>
         </p:spPr>
       </p:pic>
-      <p:sp>
-        <p:nvSpPr>
-          <p:cNvPr id="8" name="Title 1"/>
-          <p:cNvSpPr txBox="1">
-            <a:spLocks/>
-          </p:cNvSpPr>
-          <p:nvPr/>
-        </p:nvSpPr>
-        <p:spPr>
-          <a:xfrm>
-            <a:off x="754070" y="280870"/>
-            <a:ext cx="8246070" cy="763525"/>
-          </a:xfrm>
-          <a:prstGeom prst="rect">
-            <a:avLst/>
-          </a:prstGeom>
-        </p:spPr>
-        <p:txBody>
-          <a:bodyPr vert="horz" lIns="91440" tIns="45720" rIns="91440" bIns="45720" rtlCol="0" anchor="ctr">
-            <a:normAutofit/>
-          </a:bodyPr>
-          <a:lstStyle>
-            <a:lvl1pPr algn="r" defTabSz="914400" rtl="0" eaLnBrk="1" latinLnBrk="0" hangingPunct="1">
-              <a:spcBef>
-                <a:spcPct val="0"/>
-              </a:spcBef>
-              <a:buNone/>
-              <a:defRPr sz="3600" kern="1200" baseline="0">
-                <a:solidFill>
-                  <a:schemeClr val="accent5"/>
-                </a:solidFill>
-                <a:effectLst>
-                  <a:outerShdw blurRad="50800" dist="38100" dir="2700000" algn="tl" rotWithShape="0">
-                    <a:prstClr val="black">
-                      <a:alpha val="40000"/>
-                    </a:prstClr>
-                  </a:outerShdw>
-                </a:effectLst>
-                <a:latin typeface="+mj-lt"/>
-                <a:ea typeface="+mj-ea"/>
-                <a:cs typeface="+mj-cs"/>
-              </a:defRPr>
-            </a:lvl1pPr>
-          </a:lstStyle>
-          <a:p>
-            <a:r>
-              <a:rPr lang="en-US" dirty="0"/>
-              <a:t>Randy Samuels</a:t>
-            </a:r>
-          </a:p>
-        </p:txBody>
-      </p:sp>
       <p:sp>
         <p:nvSpPr>
           <p:cNvPr id="12" name="Content Placeholder 5"/>
@@ -12379,6 +13296,39 @@
           </a:p>
         </p:txBody>
       </p:sp>
+      <p:sp>
+        <p:nvSpPr>
+          <p:cNvPr id="3" name="Title 2">
+            <a:extLst>
+              <a:ext uri="{FF2B5EF4-FFF2-40B4-BE49-F238E27FC236}">
+                <a16:creationId xmlns:a16="http://schemas.microsoft.com/office/drawing/2014/main" id="{88B27879-C6E4-08B3-2F6C-32DCFD8303A5}"/>
+              </a:ext>
+            </a:extLst>
+          </p:cNvPr>
+          <p:cNvSpPr>
+            <a:spLocks noGrp="1"/>
+          </p:cNvSpPr>
+          <p:nvPr>
+            <p:ph type="title"/>
+          </p:nvPr>
+        </p:nvSpPr>
+        <p:spPr>
+          <a:xfrm>
+            <a:off x="601670" y="281175"/>
+            <a:ext cx="8246070" cy="763525"/>
+          </a:xfrm>
+        </p:spPr>
+        <p:txBody>
+          <a:bodyPr/>
+          <a:lstStyle/>
+          <a:p>
+            <a:r>
+              <a:rPr lang="en-US" dirty="0"/>
+              <a:t>Randy Samuels</a:t>
+            </a:r>
+          </a:p>
+        </p:txBody>
+      </p:sp>
     </p:spTree>
     <p:extLst>
       <p:ext uri="{BB962C8B-B14F-4D97-AF65-F5344CB8AC3E}">
@@ -12392,7 +13342,7 @@
 </p:sld>
 </file>
 
-<file path=ppt/slides/slide8.xml><?xml version="1.0" encoding="utf-8"?>
+<file path=ppt/slides/slide9.xml><?xml version="1.0" encoding="utf-8"?>
 <p:sld xmlns:a="http://schemas.openxmlformats.org/drawingml/2006/main" xmlns:r="http://schemas.openxmlformats.org/officeDocument/2006/relationships" xmlns:p="http://schemas.openxmlformats.org/presentationml/2006/main">
   <p:cSld>
     <p:spTree>
@@ -12668,66 +13618,6 @@
                 <a:schemeClr val="bg1"/>
               </a:solidFill>
             </a:endParaRPr>
-          </a:p>
-        </p:txBody>
-      </p:sp>
-      <p:sp>
-        <p:nvSpPr>
-          <p:cNvPr id="3" name="Title 1"/>
-          <p:cNvSpPr txBox="1">
-            <a:spLocks/>
-          </p:cNvSpPr>
-          <p:nvPr/>
-        </p:nvSpPr>
-        <p:spPr>
-          <a:xfrm>
-            <a:off x="754070" y="280870"/>
-            <a:ext cx="8246070" cy="763525"/>
-          </a:xfrm>
-          <a:prstGeom prst="rect">
-            <a:avLst/>
-          </a:prstGeom>
-          <a:effectLst>
-            <a:glow rad="228600">
-              <a:schemeClr val="accent1">
-                <a:satMod val="175000"/>
-                <a:alpha val="40000"/>
-              </a:schemeClr>
-            </a:glow>
-          </a:effectLst>
-        </p:spPr>
-        <p:txBody>
-          <a:bodyPr vert="horz" lIns="91440" tIns="45720" rIns="91440" bIns="45720" rtlCol="0" anchor="ctr">
-            <a:normAutofit/>
-          </a:bodyPr>
-          <a:lstStyle>
-            <a:lvl1pPr algn="r" defTabSz="914400" rtl="0" eaLnBrk="1" latinLnBrk="0" hangingPunct="1">
-              <a:spcBef>
-                <a:spcPct val="0"/>
-              </a:spcBef>
-              <a:buNone/>
-              <a:defRPr sz="3600" kern="1200" baseline="0">
-                <a:solidFill>
-                  <a:schemeClr val="accent5"/>
-                </a:solidFill>
-                <a:effectLst>
-                  <a:outerShdw blurRad="50800" dist="38100" dir="2700000" algn="tl" rotWithShape="0">
-                    <a:prstClr val="black">
-                      <a:alpha val="40000"/>
-                    </a:prstClr>
-                  </a:outerShdw>
-                </a:effectLst>
-                <a:latin typeface="+mj-lt"/>
-                <a:ea typeface="+mj-ea"/>
-                <a:cs typeface="+mj-cs"/>
-              </a:defRPr>
-            </a:lvl1pPr>
-          </a:lstStyle>
-          <a:p>
-            <a:r>
-              <a:rPr lang="en-US" dirty="0"/>
-              <a:t>Ray Johnson</a:t>
-            </a:r>
           </a:p>
         </p:txBody>
       </p:sp>
@@ -13313,560 +14203,50 @@
           </a:p>
         </p:txBody>
       </p:sp>
+      <p:sp>
+        <p:nvSpPr>
+          <p:cNvPr id="4" name="Title 3">
+            <a:extLst>
+              <a:ext uri="{FF2B5EF4-FFF2-40B4-BE49-F238E27FC236}">
+                <a16:creationId xmlns:a16="http://schemas.microsoft.com/office/drawing/2014/main" id="{49D11740-4329-610F-E850-676208676A32}"/>
+              </a:ext>
+            </a:extLst>
+          </p:cNvPr>
+          <p:cNvSpPr>
+            <a:spLocks noGrp="1"/>
+          </p:cNvSpPr>
+          <p:nvPr>
+            <p:ph type="title" idx="4294967295"/>
+          </p:nvPr>
+        </p:nvSpPr>
+        <p:spPr>
+          <a:xfrm>
+            <a:off x="754375" y="128470"/>
+            <a:ext cx="8229600" cy="857250"/>
+          </a:xfrm>
+        </p:spPr>
+        <p:txBody>
+          <a:bodyPr>
+            <a:normAutofit/>
+          </a:bodyPr>
+          <a:lstStyle/>
+          <a:p>
+            <a:pPr algn="r"/>
+            <a:r>
+              <a:rPr lang="en-US" sz="3600" dirty="0">
+                <a:solidFill>
+                  <a:srgbClr val="4BACC6"/>
+                </a:solidFill>
+              </a:rPr>
+              <a:t>Ray Johnson</a:t>
+            </a:r>
+          </a:p>
+        </p:txBody>
+      </p:sp>
     </p:spTree>
     <p:extLst>
       <p:ext uri="{BB962C8B-B14F-4D97-AF65-F5344CB8AC3E}">
         <p14:creationId xmlns:p14="http://schemas.microsoft.com/office/powerpoint/2010/main" val="2821120652"/>
-      </p:ext>
-    </p:extLst>
-  </p:cSld>
-  <p:clrMapOvr>
-    <a:masterClrMapping/>
-  </p:clrMapOvr>
-</p:sld>
-</file>
-
-<file path=ppt/slides/slide9.xml><?xml version="1.0" encoding="utf-8"?>
-<p:sld xmlns:a="http://schemas.openxmlformats.org/drawingml/2006/main" xmlns:r="http://schemas.openxmlformats.org/officeDocument/2006/relationships" xmlns:p="http://schemas.openxmlformats.org/presentationml/2006/main">
-  <p:cSld>
-    <p:spTree>
-      <p:nvGrpSpPr>
-        <p:cNvPr id="1" name=""/>
-        <p:cNvGrpSpPr/>
-        <p:nvPr/>
-      </p:nvGrpSpPr>
-      <p:grpSpPr>
-        <a:xfrm>
-          <a:off x="0" y="0"/>
-          <a:ext cx="0" cy="0"/>
-          <a:chOff x="0" y="0"/>
-          <a:chExt cx="0" cy="0"/>
-        </a:xfrm>
-      </p:grpSpPr>
-      <p:sp>
-        <p:nvSpPr>
-          <p:cNvPr id="3" name="Title 1"/>
-          <p:cNvSpPr txBox="1">
-            <a:spLocks/>
-          </p:cNvSpPr>
-          <p:nvPr/>
-        </p:nvSpPr>
-        <p:spPr>
-          <a:xfrm>
-            <a:off x="754375" y="281175"/>
-            <a:ext cx="8246070" cy="763525"/>
-          </a:xfrm>
-          <a:prstGeom prst="rect">
-            <a:avLst/>
-          </a:prstGeom>
-        </p:spPr>
-        <p:txBody>
-          <a:bodyPr vert="horz" lIns="91440" tIns="45720" rIns="91440" bIns="45720" rtlCol="0" anchor="ctr">
-            <a:normAutofit/>
-          </a:bodyPr>
-          <a:lstStyle>
-            <a:lvl1pPr algn="r" defTabSz="914400" rtl="0" eaLnBrk="1" latinLnBrk="0" hangingPunct="1">
-              <a:spcBef>
-                <a:spcPct val="0"/>
-              </a:spcBef>
-              <a:buNone/>
-              <a:defRPr sz="3600" kern="1200" baseline="0">
-                <a:solidFill>
-                  <a:schemeClr val="accent5"/>
-                </a:solidFill>
-                <a:effectLst>
-                  <a:outerShdw blurRad="50800" dist="38100" dir="2700000" algn="tl" rotWithShape="0">
-                    <a:prstClr val="black">
-                      <a:alpha val="40000"/>
-                    </a:prstClr>
-                  </a:outerShdw>
-                </a:effectLst>
-                <a:latin typeface="+mj-lt"/>
-                <a:ea typeface="+mj-ea"/>
-                <a:cs typeface="+mj-cs"/>
-              </a:defRPr>
-            </a:lvl1pPr>
-          </a:lstStyle>
-          <a:p>
-            <a:r>
-              <a:rPr lang="en-US" dirty="0"/>
-              <a:t>Sam Reynolds</a:t>
-            </a:r>
-          </a:p>
-        </p:txBody>
-      </p:sp>
-      <p:sp>
-        <p:nvSpPr>
-          <p:cNvPr id="4" name="Title 1"/>
-          <p:cNvSpPr txBox="1">
-            <a:spLocks/>
-          </p:cNvSpPr>
-          <p:nvPr/>
-        </p:nvSpPr>
-        <p:spPr>
-          <a:xfrm>
-            <a:off x="0" y="1197406"/>
-            <a:ext cx="6228365" cy="2137869"/>
-          </a:xfrm>
-          <a:prstGeom prst="rect">
-            <a:avLst/>
-          </a:prstGeom>
-          <a:blipFill>
-            <a:blip r:embed="rId2">
-              <a:duotone>
-                <a:schemeClr val="accent4">
-                  <a:shade val="45000"/>
-                  <a:satMod val="135000"/>
-                </a:schemeClr>
-                <a:prstClr val="white"/>
-              </a:duotone>
-              <a:extLst>
-                <a:ext uri="{BEBA8EAE-BF5A-486C-A8C5-ECC9F3942E4B}">
-                  <a14:imgProps xmlns:a14="http://schemas.microsoft.com/office/drawing/2010/main">
-                    <a14:imgLayer r:embed="rId3">
-                      <a14:imgEffect>
-                        <a14:artisticPaintStrokes/>
-                      </a14:imgEffect>
-                      <a14:imgEffect>
-                        <a14:sharpenSoften amount="25000"/>
-                      </a14:imgEffect>
-                      <a14:imgEffect>
-                        <a14:saturation sat="400000"/>
-                      </a14:imgEffect>
-                    </a14:imgLayer>
-                  </a14:imgProps>
-                </a:ext>
-              </a:extLst>
-            </a:blip>
-            <a:tile tx="0" ty="0" sx="100000" sy="100000" flip="none" algn="tl"/>
-          </a:blipFill>
-          <a:effectLst>
-            <a:glow rad="228600">
-              <a:schemeClr val="accent6">
-                <a:satMod val="175000"/>
-                <a:alpha val="40000"/>
-              </a:schemeClr>
-            </a:glow>
-            <a:outerShdw blurRad="63500" sx="102000" sy="102000" algn="ctr" rotWithShape="0">
-              <a:prstClr val="black">
-                <a:alpha val="43000"/>
-              </a:prstClr>
-            </a:outerShdw>
-            <a:softEdge rad="12700"/>
-          </a:effectLst>
-        </p:spPr>
-        <p:txBody>
-          <a:bodyPr vert="horz" lIns="91440" tIns="45720" rIns="91440" bIns="45720" rtlCol="0" anchor="ctr">
-            <a:noAutofit/>
-          </a:bodyPr>
-          <a:lstStyle>
-            <a:lvl1pPr algn="r" defTabSz="914400" rtl="0" eaLnBrk="1" latinLnBrk="0" hangingPunct="1">
-              <a:spcBef>
-                <a:spcPct val="0"/>
-              </a:spcBef>
-              <a:buNone/>
-              <a:defRPr sz="3600" kern="1200" baseline="0">
-                <a:solidFill>
-                  <a:schemeClr val="accent5"/>
-                </a:solidFill>
-                <a:effectLst>
-                  <a:outerShdw blurRad="50800" dist="38100" dir="2700000" algn="tl" rotWithShape="0">
-                    <a:prstClr val="black">
-                      <a:alpha val="40000"/>
-                    </a:prstClr>
-                  </a:outerShdw>
-                </a:effectLst>
-                <a:latin typeface="+mj-lt"/>
-                <a:ea typeface="+mj-ea"/>
-                <a:cs typeface="+mj-cs"/>
-              </a:defRPr>
-            </a:lvl1pPr>
-          </a:lstStyle>
-          <a:p>
-            <a:pPr marL="342900" indent="-342900" algn="l">
-              <a:buFont typeface="Arial" panose="020B0604020202020204" pitchFamily="34" charset="0"/>
-              <a:buChar char="•"/>
-            </a:pPr>
-            <a:endParaRPr lang="en-US" sz="2400" dirty="0">
-              <a:latin typeface="+mn-lt"/>
-            </a:endParaRPr>
-          </a:p>
-          <a:p>
-            <a:pPr marL="342900" indent="-342900" algn="l">
-              <a:buFont typeface="Arial" panose="020B0604020202020204" pitchFamily="34" charset="0"/>
-              <a:buChar char="•"/>
-            </a:pPr>
-            <a:endParaRPr lang="en-US" sz="2400" dirty="0">
-              <a:solidFill>
-                <a:schemeClr val="bg1"/>
-              </a:solidFill>
-              <a:latin typeface="+mn-lt"/>
-            </a:endParaRPr>
-          </a:p>
-          <a:p>
-            <a:pPr marL="342900" indent="-342900" algn="l">
-              <a:lnSpc>
-                <a:spcPct val="120000"/>
-              </a:lnSpc>
-              <a:buFont typeface="Arial" panose="020B0604020202020204" pitchFamily="34" charset="0"/>
-              <a:buChar char="•"/>
-            </a:pPr>
-            <a:endParaRPr lang="en-US" sz="2400" dirty="0">
-              <a:solidFill>
-                <a:schemeClr val="bg1"/>
-              </a:solidFill>
-              <a:latin typeface="+mn-lt"/>
-            </a:endParaRPr>
-          </a:p>
-          <a:p>
-            <a:pPr marL="342900" indent="-342900" algn="l">
-              <a:lnSpc>
-                <a:spcPct val="120000"/>
-              </a:lnSpc>
-              <a:buFont typeface="Arial" panose="020B0604020202020204" pitchFamily="34" charset="0"/>
-              <a:buChar char="•"/>
-            </a:pPr>
-            <a:r>
-              <a:rPr lang="en-US" sz="2400" dirty="0">
-                <a:solidFill>
-                  <a:schemeClr val="bg1"/>
-                </a:solidFill>
-                <a:latin typeface="+mn-lt"/>
-              </a:rPr>
-              <a:t>CX30 project manager (made by CEO Michael)</a:t>
-            </a:r>
-          </a:p>
-          <a:p>
-            <a:pPr marL="342900" indent="-342900" algn="l">
-              <a:lnSpc>
-                <a:spcPct val="120000"/>
-              </a:lnSpc>
-              <a:buFont typeface="Arial" panose="020B0604020202020204" pitchFamily="34" charset="0"/>
-              <a:buChar char="•"/>
-            </a:pPr>
-            <a:r>
-              <a:rPr lang="en-US" sz="2400" dirty="0">
-                <a:solidFill>
-                  <a:schemeClr val="bg1"/>
-                </a:solidFill>
-                <a:latin typeface="+mn-lt"/>
-              </a:rPr>
-              <a:t>Forced the waterfall model to be used rather than the robot-friendly prototype model</a:t>
-            </a:r>
-          </a:p>
-          <a:p>
-            <a:pPr marL="342900" indent="-342900" algn="l">
-              <a:lnSpc>
-                <a:spcPct val="120000"/>
-              </a:lnSpc>
-              <a:buFont typeface="Arial" panose="020B0604020202020204" pitchFamily="34" charset="0"/>
-              <a:buChar char="•"/>
-            </a:pPr>
-            <a:r>
-              <a:rPr lang="en-US" sz="2400" dirty="0">
-                <a:solidFill>
-                  <a:schemeClr val="bg1"/>
-                </a:solidFill>
-                <a:latin typeface="+mn-lt"/>
-              </a:rPr>
-              <a:t>Lack of communication with Ray</a:t>
-            </a:r>
-          </a:p>
-          <a:p>
-            <a:pPr algn="l"/>
-            <a:endParaRPr lang="en-US" sz="2400" dirty="0">
-              <a:latin typeface="+mn-lt"/>
-            </a:endParaRPr>
-          </a:p>
-          <a:p>
-            <a:pPr algn="l"/>
-            <a:endParaRPr lang="en-US" sz="2400" dirty="0">
-              <a:latin typeface="+mn-lt"/>
-            </a:endParaRPr>
-          </a:p>
-          <a:p>
-            <a:pPr algn="l"/>
-            <a:endParaRPr lang="en-US" sz="2400" dirty="0">
-              <a:latin typeface="+mn-lt"/>
-            </a:endParaRPr>
-          </a:p>
-          <a:p>
-            <a:pPr algn="l"/>
-            <a:endParaRPr lang="en-US" sz="2400" dirty="0">
-              <a:latin typeface="+mn-lt"/>
-            </a:endParaRPr>
-          </a:p>
-        </p:txBody>
-      </p:sp>
-      <p:sp>
-        <p:nvSpPr>
-          <p:cNvPr id="7" name="Title 1"/>
-          <p:cNvSpPr txBox="1">
-            <a:spLocks/>
-          </p:cNvSpPr>
-          <p:nvPr/>
-        </p:nvSpPr>
-        <p:spPr>
-          <a:xfrm>
-            <a:off x="0" y="3335275"/>
-            <a:ext cx="4577091" cy="1808225"/>
-          </a:xfrm>
-          <a:prstGeom prst="rect">
-            <a:avLst/>
-          </a:prstGeom>
-          <a:blipFill>
-            <a:blip r:embed="rId4">
-              <a:extLst>
-                <a:ext uri="{BEBA8EAE-BF5A-486C-A8C5-ECC9F3942E4B}">
-                  <a14:imgProps xmlns:a14="http://schemas.microsoft.com/office/drawing/2010/main">
-                    <a14:imgLayer r:embed="rId3">
-                      <a14:imgEffect>
-                        <a14:artisticPastelsSmooth/>
-                      </a14:imgEffect>
-                    </a14:imgLayer>
-                  </a14:imgProps>
-                </a:ext>
-              </a:extLst>
-            </a:blip>
-            <a:tile tx="0" ty="0" sx="100000" sy="100000" flip="none" algn="tl"/>
-          </a:blipFill>
-          <a:ln>
-            <a:noFill/>
-          </a:ln>
-          <a:effectLst>
-            <a:glow rad="228600">
-              <a:srgbClr val="FFFF00">
-                <a:alpha val="40000"/>
-              </a:srgbClr>
-            </a:glow>
-          </a:effectLst>
-        </p:spPr>
-        <p:txBody>
-          <a:bodyPr vert="horz" lIns="91440" tIns="45720" rIns="91440" bIns="45720" rtlCol="0" anchor="ctr">
-            <a:normAutofit lnSpcReduction="10000"/>
-          </a:bodyPr>
-          <a:lstStyle>
-            <a:lvl1pPr algn="r" defTabSz="914400" rtl="0" eaLnBrk="1" latinLnBrk="0" hangingPunct="1">
-              <a:spcBef>
-                <a:spcPct val="0"/>
-              </a:spcBef>
-              <a:buNone/>
-              <a:defRPr sz="3600" kern="1200" baseline="0">
-                <a:solidFill>
-                  <a:schemeClr val="accent5"/>
-                </a:solidFill>
-                <a:effectLst>
-                  <a:outerShdw blurRad="50800" dist="38100" dir="2700000" algn="tl" rotWithShape="0">
-                    <a:prstClr val="black">
-                      <a:alpha val="40000"/>
-                    </a:prstClr>
-                  </a:outerShdw>
-                </a:effectLst>
-                <a:latin typeface="+mj-lt"/>
-                <a:ea typeface="+mj-ea"/>
-                <a:cs typeface="+mj-cs"/>
-              </a:defRPr>
-            </a:lvl1pPr>
-          </a:lstStyle>
-          <a:p>
-            <a:pPr algn="ctr"/>
-            <a:r>
-              <a:rPr lang="en-US" sz="2400" dirty="0">
-                <a:solidFill>
-                  <a:schemeClr val="bg1"/>
-                </a:solidFill>
-              </a:rPr>
-              <a:t>Against ACM Code</a:t>
-            </a:r>
-          </a:p>
-          <a:p>
-            <a:pPr marL="342900" indent="-342900" algn="l">
-              <a:buFont typeface="Arial" panose="020B0604020202020204" pitchFamily="34" charset="0"/>
-              <a:buChar char="•"/>
-            </a:pPr>
-            <a:r>
-              <a:rPr lang="en-US" sz="2400" dirty="0">
-                <a:solidFill>
-                  <a:schemeClr val="bg1"/>
-                </a:solidFill>
-              </a:rPr>
-              <a:t>2.4 Did not respond well to       feedback</a:t>
-            </a:r>
-          </a:p>
-          <a:p>
-            <a:pPr marL="342900" indent="-342900" algn="l">
-              <a:buFont typeface="Arial" panose="020B0604020202020204" pitchFamily="34" charset="0"/>
-              <a:buChar char="•"/>
-            </a:pPr>
-            <a:r>
-              <a:rPr lang="en-US" sz="2400" dirty="0">
-                <a:solidFill>
-                  <a:schemeClr val="bg1"/>
-                </a:solidFill>
-              </a:rPr>
-              <a:t>2.6 accepted a work for which he was ineligible</a:t>
-            </a:r>
-          </a:p>
-        </p:txBody>
-      </p:sp>
-      <p:sp>
-        <p:nvSpPr>
-          <p:cNvPr id="9" name="Title 1"/>
-          <p:cNvSpPr txBox="1">
-            <a:spLocks/>
-          </p:cNvSpPr>
-          <p:nvPr/>
-        </p:nvSpPr>
-        <p:spPr>
-          <a:xfrm>
-            <a:off x="4577091" y="3335275"/>
-            <a:ext cx="4566909" cy="1808225"/>
-          </a:xfrm>
-          <a:prstGeom prst="rect">
-            <a:avLst/>
-          </a:prstGeom>
-          <a:blipFill>
-            <a:blip r:embed="rId5">
-              <a:extLst>
-                <a:ext uri="{BEBA8EAE-BF5A-486C-A8C5-ECC9F3942E4B}">
-                  <a14:imgProps xmlns:a14="http://schemas.microsoft.com/office/drawing/2010/main">
-                    <a14:imgLayer r:embed="rId3">
-                      <a14:imgEffect>
-                        <a14:artisticCutout/>
-                      </a14:imgEffect>
-                    </a14:imgLayer>
-                  </a14:imgProps>
-                </a:ext>
-              </a:extLst>
-            </a:blip>
-            <a:tile tx="0" ty="0" sx="100000" sy="100000" flip="none" algn="tl"/>
-          </a:blipFill>
-          <a:effectLst>
-            <a:glow rad="228600">
-              <a:srgbClr val="FFFF00">
-                <a:alpha val="40000"/>
-              </a:srgbClr>
-            </a:glow>
-            <a:outerShdw blurRad="50800" dist="50800" dir="5400000" algn="ctr" rotWithShape="0">
-              <a:schemeClr val="accent3">
-                <a:lumMod val="50000"/>
-              </a:schemeClr>
-            </a:outerShdw>
-          </a:effectLst>
-        </p:spPr>
-        <p:txBody>
-          <a:bodyPr vert="horz" lIns="91440" tIns="45720" rIns="91440" bIns="45720" rtlCol="0" anchor="ctr">
-            <a:normAutofit lnSpcReduction="10000"/>
-          </a:bodyPr>
-          <a:lstStyle>
-            <a:lvl1pPr algn="r" defTabSz="914400" rtl="0" eaLnBrk="1" latinLnBrk="0" hangingPunct="1">
-              <a:spcBef>
-                <a:spcPct val="0"/>
-              </a:spcBef>
-              <a:buNone/>
-              <a:defRPr sz="3600" kern="1200" baseline="0">
-                <a:solidFill>
-                  <a:schemeClr val="accent5"/>
-                </a:solidFill>
-                <a:effectLst>
-                  <a:outerShdw blurRad="50800" dist="38100" dir="2700000" algn="tl" rotWithShape="0">
-                    <a:prstClr val="black">
-                      <a:alpha val="40000"/>
-                    </a:prstClr>
-                  </a:outerShdw>
-                </a:effectLst>
-                <a:latin typeface="+mj-lt"/>
-                <a:ea typeface="+mj-ea"/>
-                <a:cs typeface="+mj-cs"/>
-              </a:defRPr>
-            </a:lvl1pPr>
-          </a:lstStyle>
-          <a:p>
-            <a:pPr algn="ctr"/>
-            <a:r>
-              <a:rPr lang="en-US" sz="2400" dirty="0">
-                <a:solidFill>
-                  <a:schemeClr val="bg1"/>
-                </a:solidFill>
-                <a:latin typeface="+mn-lt"/>
-              </a:rPr>
-              <a:t>Against BCS Code</a:t>
-            </a:r>
-          </a:p>
-          <a:p>
-            <a:pPr marL="342900" indent="-342900" algn="l">
-              <a:buFont typeface="Arial" panose="020B0604020202020204" pitchFamily="34" charset="0"/>
-              <a:buChar char="•"/>
-            </a:pPr>
-            <a:r>
-              <a:rPr lang="en-US" sz="2400" dirty="0">
-                <a:solidFill>
-                  <a:schemeClr val="bg1"/>
-                </a:solidFill>
-                <a:latin typeface="+mn-lt"/>
-              </a:rPr>
-              <a:t>2.e He rejected criticism and opposing views </a:t>
-            </a:r>
-          </a:p>
-          <a:p>
-            <a:pPr marL="342900" indent="-342900" algn="l">
-              <a:buFont typeface="Arial" panose="020B0604020202020204" pitchFamily="34" charset="0"/>
-              <a:buChar char="•"/>
-            </a:pPr>
-            <a:r>
-              <a:rPr lang="en-US" sz="2400" dirty="0">
-                <a:solidFill>
-                  <a:schemeClr val="bg1"/>
-                </a:solidFill>
-                <a:latin typeface="+mn-lt"/>
-              </a:rPr>
-              <a:t>3.a Unauthorized usage of power</a:t>
-            </a:r>
-          </a:p>
-        </p:txBody>
-      </p:sp>
-      <p:pic>
-        <p:nvPicPr>
-          <p:cNvPr id="10" name="Picture 9"/>
-          <p:cNvPicPr>
-            <a:picLocks noChangeAspect="1"/>
-          </p:cNvPicPr>
-          <p:nvPr/>
-        </p:nvPicPr>
-        <p:blipFill>
-          <a:blip r:embed="rId6">
-            <a:extLst>
-              <a:ext uri="{28A0092B-C50C-407E-A947-70E740481C1C}">
-                <a14:useLocalDpi xmlns:a14="http://schemas.microsoft.com/office/drawing/2010/main" val="0"/>
-              </a:ext>
-            </a:extLst>
-          </a:blip>
-          <a:stretch>
-            <a:fillRect/>
-          </a:stretch>
-        </p:blipFill>
-        <p:spPr>
-          <a:xfrm>
-            <a:off x="6242663" y="1197406"/>
-            <a:ext cx="2887038" cy="2137869"/>
-          </a:xfrm>
-          <a:prstGeom prst="rect">
-            <a:avLst/>
-          </a:prstGeom>
-          <a:effectLst>
-            <a:glow rad="228600">
-              <a:schemeClr val="accent6">
-                <a:satMod val="175000"/>
-                <a:alpha val="40000"/>
-              </a:schemeClr>
-            </a:glow>
-          </a:effectLst>
-        </p:spPr>
-      </p:pic>
-    </p:spTree>
-    <p:extLst>
-      <p:ext uri="{BB962C8B-B14F-4D97-AF65-F5344CB8AC3E}">
-        <p14:creationId xmlns:p14="http://schemas.microsoft.com/office/powerpoint/2010/main" val="308881422"/>
       </p:ext>
     </p:extLst>
   </p:cSld>

--- a/Killer Fish/Killer Robot.pptx
+++ b/Killer Fish/Killer Robot.pptx
@@ -5,25 +5,26 @@
     <p:sldMasterId id="2147483648" r:id="rId1"/>
   </p:sldMasterIdLst>
   <p:notesMasterIdLst>
-    <p:notesMasterId r:id="rId18"/>
+    <p:notesMasterId r:id="rId19"/>
   </p:notesMasterIdLst>
   <p:sldIdLst>
     <p:sldId id="256" r:id="rId2"/>
-    <p:sldId id="276" r:id="rId3"/>
-    <p:sldId id="274" r:id="rId4"/>
-    <p:sldId id="257" r:id="rId5"/>
-    <p:sldId id="259" r:id="rId6"/>
-    <p:sldId id="258" r:id="rId7"/>
-    <p:sldId id="270" r:id="rId8"/>
-    <p:sldId id="262" r:id="rId9"/>
-    <p:sldId id="268" r:id="rId10"/>
-    <p:sldId id="269" r:id="rId11"/>
-    <p:sldId id="265" r:id="rId12"/>
-    <p:sldId id="271" r:id="rId13"/>
-    <p:sldId id="267" r:id="rId14"/>
-    <p:sldId id="275" r:id="rId15"/>
-    <p:sldId id="272" r:id="rId16"/>
-    <p:sldId id="273" r:id="rId17"/>
+    <p:sldId id="277" r:id="rId3"/>
+    <p:sldId id="276" r:id="rId4"/>
+    <p:sldId id="274" r:id="rId5"/>
+    <p:sldId id="257" r:id="rId6"/>
+    <p:sldId id="259" r:id="rId7"/>
+    <p:sldId id="258" r:id="rId8"/>
+    <p:sldId id="270" r:id="rId9"/>
+    <p:sldId id="262" r:id="rId10"/>
+    <p:sldId id="268" r:id="rId11"/>
+    <p:sldId id="269" r:id="rId12"/>
+    <p:sldId id="265" r:id="rId13"/>
+    <p:sldId id="271" r:id="rId14"/>
+    <p:sldId id="267" r:id="rId15"/>
+    <p:sldId id="275" r:id="rId16"/>
+    <p:sldId id="272" r:id="rId17"/>
+    <p:sldId id="273" r:id="rId18"/>
   </p:sldIdLst>
   <p:sldSz cx="9144000" cy="5143500" type="screen16x9"/>
   <p:notesSz cx="6858000" cy="9144000"/>
@@ -555,7 +556,7 @@
           <a:p>
             <a:fld id="{AF533E96-F078-4B3D-A8F4-F1AF21EBC357}" type="slidenum">
               <a:rPr lang="en-US" smtClean="0"/>
-              <a:t>4</a:t>
+              <a:t>5</a:t>
             </a:fld>
             <a:endParaRPr lang="en-US"/>
           </a:p>
@@ -639,7 +640,7 @@
           <a:p>
             <a:fld id="{AF533E96-F078-4B3D-A8F4-F1AF21EBC357}" type="slidenum">
               <a:rPr lang="en-US" smtClean="0"/>
-              <a:t>7</a:t>
+              <a:t>8</a:t>
             </a:fld>
             <a:endParaRPr lang="en-US"/>
           </a:p>
@@ -723,7 +724,7 @@
           <a:p>
             <a:fld id="{AF533E96-F078-4B3D-A8F4-F1AF21EBC357}" type="slidenum">
               <a:rPr lang="en-US" smtClean="0"/>
-              <a:t>8</a:t>
+              <a:t>9</a:t>
             </a:fld>
             <a:endParaRPr lang="en-US"/>
           </a:p>
@@ -807,7 +808,7 @@
           <a:p>
             <a:fld id="{AF533E96-F078-4B3D-A8F4-F1AF21EBC357}" type="slidenum">
               <a:rPr lang="en-US" smtClean="0"/>
-              <a:t>9</a:t>
+              <a:t>10</a:t>
             </a:fld>
             <a:endParaRPr lang="en-US"/>
           </a:p>
@@ -891,7 +892,7 @@
           <a:p>
             <a:fld id="{AF533E96-F078-4B3D-A8F4-F1AF21EBC357}" type="slidenum">
               <a:rPr lang="en-US" smtClean="0"/>
-              <a:t>13</a:t>
+              <a:t>14</a:t>
             </a:fld>
             <a:endParaRPr lang="en-US"/>
           </a:p>
@@ -4709,6 +4710,920 @@
       </p:grpSpPr>
       <p:sp>
         <p:nvSpPr>
+          <p:cNvPr id="2" name="Content Placeholder 5"/>
+          <p:cNvSpPr txBox="1">
+            <a:spLocks/>
+          </p:cNvSpPr>
+          <p:nvPr/>
+        </p:nvSpPr>
+        <p:spPr>
+          <a:xfrm>
+            <a:off x="1" y="1197405"/>
+            <a:ext cx="6228364" cy="2137870"/>
+          </a:xfrm>
+          <a:prstGeom prst="rect">
+            <a:avLst/>
+          </a:prstGeom>
+          <a:blipFill dpi="0" rotWithShape="1">
+            <a:blip r:embed="rId3"/>
+            <a:srcRect/>
+            <a:tile tx="0" ty="0" sx="100000" sy="100000" flip="none" algn="tl"/>
+          </a:blipFill>
+          <a:ln>
+            <a:gradFill flip="none" rotWithShape="1">
+              <a:gsLst>
+                <a:gs pos="0">
+                  <a:schemeClr val="accent5">
+                    <a:lumMod val="89000"/>
+                  </a:schemeClr>
+                </a:gs>
+                <a:gs pos="23000">
+                  <a:schemeClr val="accent5">
+                    <a:lumMod val="89000"/>
+                  </a:schemeClr>
+                </a:gs>
+                <a:gs pos="69000">
+                  <a:schemeClr val="accent5">
+                    <a:lumMod val="75000"/>
+                  </a:schemeClr>
+                </a:gs>
+                <a:gs pos="97000">
+                  <a:schemeClr val="accent5">
+                    <a:lumMod val="70000"/>
+                  </a:schemeClr>
+                </a:gs>
+              </a:gsLst>
+              <a:path path="circle">
+                <a:fillToRect l="50000" t="50000" r="50000" b="50000"/>
+              </a:path>
+              <a:tileRect/>
+            </a:gradFill>
+          </a:ln>
+          <a:effectLst>
+            <a:glow rad="127000">
+              <a:srgbClr val="FFFF00"/>
+            </a:glow>
+            <a:innerShdw blurRad="63500" dist="50800" dir="13500000">
+              <a:prstClr val="black">
+                <a:alpha val="50000"/>
+              </a:prstClr>
+            </a:innerShdw>
+          </a:effectLst>
+        </p:spPr>
+        <p:txBody>
+          <a:bodyPr>
+            <a:noAutofit/>
+          </a:bodyPr>
+          <a:lstStyle>
+            <a:lvl1pPr marL="342900" indent="-342900" algn="l" defTabSz="914400" rtl="0" eaLnBrk="1" latinLnBrk="0" hangingPunct="1">
+              <a:spcBef>
+                <a:spcPct val="20000"/>
+              </a:spcBef>
+              <a:buFont typeface="Arial" pitchFamily="34" charset="0"/>
+              <a:buChar char="•"/>
+              <a:defRPr sz="3200" kern="1200">
+                <a:solidFill>
+                  <a:schemeClr val="tx1"/>
+                </a:solidFill>
+                <a:latin typeface="+mn-lt"/>
+                <a:ea typeface="+mn-ea"/>
+                <a:cs typeface="+mn-cs"/>
+              </a:defRPr>
+            </a:lvl1pPr>
+            <a:lvl2pPr marL="742950" indent="-285750" algn="l" defTabSz="914400" rtl="0" eaLnBrk="1" latinLnBrk="0" hangingPunct="1">
+              <a:spcBef>
+                <a:spcPct val="20000"/>
+              </a:spcBef>
+              <a:buFont typeface="Arial" pitchFamily="34" charset="0"/>
+              <a:buChar char="–"/>
+              <a:defRPr sz="2800" kern="1200">
+                <a:solidFill>
+                  <a:schemeClr val="tx1"/>
+                </a:solidFill>
+                <a:latin typeface="+mn-lt"/>
+                <a:ea typeface="+mn-ea"/>
+                <a:cs typeface="+mn-cs"/>
+              </a:defRPr>
+            </a:lvl2pPr>
+            <a:lvl3pPr marL="1143000" indent="-228600" algn="l" defTabSz="914400" rtl="0" eaLnBrk="1" latinLnBrk="0" hangingPunct="1">
+              <a:spcBef>
+                <a:spcPct val="20000"/>
+              </a:spcBef>
+              <a:buFont typeface="Arial" pitchFamily="34" charset="0"/>
+              <a:buChar char="•"/>
+              <a:defRPr sz="2400" kern="1200">
+                <a:solidFill>
+                  <a:schemeClr val="tx1"/>
+                </a:solidFill>
+                <a:latin typeface="+mn-lt"/>
+                <a:ea typeface="+mn-ea"/>
+                <a:cs typeface="+mn-cs"/>
+              </a:defRPr>
+            </a:lvl3pPr>
+            <a:lvl4pPr marL="1600200" indent="-228600" algn="l" defTabSz="914400" rtl="0" eaLnBrk="1" latinLnBrk="0" hangingPunct="1">
+              <a:spcBef>
+                <a:spcPct val="20000"/>
+              </a:spcBef>
+              <a:buFont typeface="Arial" pitchFamily="34" charset="0"/>
+              <a:buChar char="–"/>
+              <a:defRPr sz="2000" kern="1200">
+                <a:solidFill>
+                  <a:schemeClr val="tx1"/>
+                </a:solidFill>
+                <a:latin typeface="+mn-lt"/>
+                <a:ea typeface="+mn-ea"/>
+                <a:cs typeface="+mn-cs"/>
+              </a:defRPr>
+            </a:lvl4pPr>
+            <a:lvl5pPr marL="2057400" indent="-228600" algn="l" defTabSz="914400" rtl="0" eaLnBrk="1" latinLnBrk="0" hangingPunct="1">
+              <a:spcBef>
+                <a:spcPct val="20000"/>
+              </a:spcBef>
+              <a:buFont typeface="Arial" pitchFamily="34" charset="0"/>
+              <a:buChar char="»"/>
+              <a:defRPr sz="2000" kern="1200">
+                <a:solidFill>
+                  <a:schemeClr val="tx1"/>
+                </a:solidFill>
+                <a:latin typeface="+mn-lt"/>
+                <a:ea typeface="+mn-ea"/>
+                <a:cs typeface="+mn-cs"/>
+              </a:defRPr>
+            </a:lvl5pPr>
+            <a:lvl6pPr marL="2514600" indent="-228600" algn="l" defTabSz="914400" rtl="0" eaLnBrk="1" latinLnBrk="0" hangingPunct="1">
+              <a:spcBef>
+                <a:spcPct val="20000"/>
+              </a:spcBef>
+              <a:buFont typeface="Arial" pitchFamily="34" charset="0"/>
+              <a:buChar char="•"/>
+              <a:defRPr sz="2000" kern="1200">
+                <a:solidFill>
+                  <a:schemeClr val="tx1"/>
+                </a:solidFill>
+                <a:latin typeface="+mn-lt"/>
+                <a:ea typeface="+mn-ea"/>
+                <a:cs typeface="+mn-cs"/>
+              </a:defRPr>
+            </a:lvl6pPr>
+            <a:lvl7pPr marL="2971800" indent="-228600" algn="l" defTabSz="914400" rtl="0" eaLnBrk="1" latinLnBrk="0" hangingPunct="1">
+              <a:spcBef>
+                <a:spcPct val="20000"/>
+              </a:spcBef>
+              <a:buFont typeface="Arial" pitchFamily="34" charset="0"/>
+              <a:buChar char="•"/>
+              <a:defRPr sz="2000" kern="1200">
+                <a:solidFill>
+                  <a:schemeClr val="tx1"/>
+                </a:solidFill>
+                <a:latin typeface="+mn-lt"/>
+                <a:ea typeface="+mn-ea"/>
+                <a:cs typeface="+mn-cs"/>
+              </a:defRPr>
+            </a:lvl7pPr>
+            <a:lvl8pPr marL="3429000" indent="-228600" algn="l" defTabSz="914400" rtl="0" eaLnBrk="1" latinLnBrk="0" hangingPunct="1">
+              <a:spcBef>
+                <a:spcPct val="20000"/>
+              </a:spcBef>
+              <a:buFont typeface="Arial" pitchFamily="34" charset="0"/>
+              <a:buChar char="•"/>
+              <a:defRPr sz="2000" kern="1200">
+                <a:solidFill>
+                  <a:schemeClr val="tx1"/>
+                </a:solidFill>
+                <a:latin typeface="+mn-lt"/>
+                <a:ea typeface="+mn-ea"/>
+                <a:cs typeface="+mn-cs"/>
+              </a:defRPr>
+            </a:lvl8pPr>
+            <a:lvl9pPr marL="3886200" indent="-228600" algn="l" defTabSz="914400" rtl="0" eaLnBrk="1" latinLnBrk="0" hangingPunct="1">
+              <a:spcBef>
+                <a:spcPct val="20000"/>
+              </a:spcBef>
+              <a:buFont typeface="Arial" pitchFamily="34" charset="0"/>
+              <a:buChar char="•"/>
+              <a:defRPr sz="2000" kern="1200">
+                <a:solidFill>
+                  <a:schemeClr val="tx1"/>
+                </a:solidFill>
+                <a:latin typeface="+mn-lt"/>
+                <a:ea typeface="+mn-ea"/>
+                <a:cs typeface="+mn-cs"/>
+              </a:defRPr>
+            </a:lvl9pPr>
+          </a:lstStyle>
+          <a:p>
+            <a:pPr algn="just"/>
+            <a:r>
+              <a:rPr lang="en-US" sz="2400" dirty="0">
+                <a:solidFill>
+                  <a:schemeClr val="bg1"/>
+                </a:solidFill>
+              </a:rPr>
+              <a:t>Robotics Division chief at Silicon Techtronic</a:t>
+            </a:r>
+          </a:p>
+          <a:p>
+            <a:pPr algn="just"/>
+            <a:r>
+              <a:rPr lang="en-US" sz="2400" dirty="0">
+                <a:solidFill>
+                  <a:schemeClr val="bg1"/>
+                </a:solidFill>
+              </a:rPr>
+              <a:t>Bringing an emotional or personal conflict into a work setting (Sam Reynolds)</a:t>
+            </a:r>
+          </a:p>
+          <a:p>
+            <a:pPr algn="just"/>
+            <a:r>
+              <a:rPr lang="en-US" sz="2400" dirty="0">
+                <a:solidFill>
+                  <a:schemeClr val="bg1"/>
+                </a:solidFill>
+              </a:rPr>
+              <a:t>Placing a lot of pressure on the team</a:t>
+            </a:r>
+          </a:p>
+          <a:p>
+            <a:pPr algn="just"/>
+            <a:endParaRPr lang="en-US" sz="2400" dirty="0">
+              <a:solidFill>
+                <a:schemeClr val="bg1"/>
+              </a:solidFill>
+            </a:endParaRPr>
+          </a:p>
+          <a:p>
+            <a:pPr algn="just"/>
+            <a:endParaRPr lang="en-US" sz="2400" dirty="0">
+              <a:solidFill>
+                <a:schemeClr val="bg1"/>
+              </a:solidFill>
+            </a:endParaRPr>
+          </a:p>
+          <a:p>
+            <a:pPr algn="just"/>
+            <a:endParaRPr lang="en-US" sz="2400" dirty="0">
+              <a:solidFill>
+                <a:schemeClr val="bg1"/>
+              </a:solidFill>
+            </a:endParaRPr>
+          </a:p>
+        </p:txBody>
+      </p:sp>
+      <p:pic>
+        <p:nvPicPr>
+          <p:cNvPr id="5" name="Picture 4"/>
+          <p:cNvPicPr>
+            <a:picLocks noChangeAspect="1"/>
+          </p:cNvPicPr>
+          <p:nvPr/>
+        </p:nvPicPr>
+        <p:blipFill>
+          <a:blip r:embed="rId4">
+            <a:extLst>
+              <a:ext uri="{28A0092B-C50C-407E-A947-70E740481C1C}">
+                <a14:useLocalDpi xmlns:a14="http://schemas.microsoft.com/office/drawing/2010/main" val="0"/>
+              </a:ext>
+            </a:extLst>
+          </a:blip>
+          <a:stretch>
+            <a:fillRect/>
+          </a:stretch>
+        </p:blipFill>
+        <p:spPr>
+          <a:xfrm>
+            <a:off x="6228365" y="1197405"/>
+            <a:ext cx="2915635" cy="2137870"/>
+          </a:xfrm>
+          <a:prstGeom prst="rect">
+            <a:avLst/>
+          </a:prstGeom>
+          <a:effectLst>
+            <a:glow rad="139700">
+              <a:schemeClr val="accent1">
+                <a:satMod val="175000"/>
+                <a:alpha val="40000"/>
+              </a:schemeClr>
+            </a:glow>
+            <a:outerShdw blurRad="50800" dist="50800" dir="5400000" algn="ctr" rotWithShape="0">
+              <a:srgbClr val="000000">
+                <a:alpha val="98000"/>
+              </a:srgbClr>
+            </a:outerShdw>
+          </a:effectLst>
+        </p:spPr>
+      </p:pic>
+      <p:sp>
+        <p:nvSpPr>
+          <p:cNvPr id="8" name="Content Placeholder 5"/>
+          <p:cNvSpPr txBox="1">
+            <a:spLocks/>
+          </p:cNvSpPr>
+          <p:nvPr/>
+        </p:nvSpPr>
+        <p:spPr>
+          <a:xfrm>
+            <a:off x="4392387" y="3354606"/>
+            <a:ext cx="4751614" cy="1788894"/>
+          </a:xfrm>
+          <a:prstGeom prst="rect">
+            <a:avLst/>
+          </a:prstGeom>
+          <a:blipFill dpi="0" rotWithShape="1">
+            <a:blip r:embed="rId5">
+              <a:extLst>
+                <a:ext uri="{BEBA8EAE-BF5A-486C-A8C5-ECC9F3942E4B}">
+                  <a14:imgProps xmlns:a14="http://schemas.microsoft.com/office/drawing/2010/main">
+                    <a14:imgLayer r:embed="rId6">
+                      <a14:imgEffect>
+                        <a14:artisticBlur/>
+                      </a14:imgEffect>
+                      <a14:imgEffect>
+                        <a14:colorTemperature colorTemp="11200"/>
+                      </a14:imgEffect>
+                    </a14:imgLayer>
+                  </a14:imgProps>
+                </a:ext>
+              </a:extLst>
+            </a:blip>
+            <a:srcRect/>
+            <a:tile tx="0" ty="0" sx="100000" sy="100000" flip="none" algn="tl"/>
+          </a:blipFill>
+          <a:ln>
+            <a:gradFill flip="none" rotWithShape="1">
+              <a:gsLst>
+                <a:gs pos="0">
+                  <a:schemeClr val="accent5">
+                    <a:lumMod val="89000"/>
+                  </a:schemeClr>
+                </a:gs>
+                <a:gs pos="23000">
+                  <a:schemeClr val="accent5">
+                    <a:lumMod val="89000"/>
+                  </a:schemeClr>
+                </a:gs>
+                <a:gs pos="69000">
+                  <a:schemeClr val="accent5">
+                    <a:lumMod val="75000"/>
+                  </a:schemeClr>
+                </a:gs>
+                <a:gs pos="97000">
+                  <a:schemeClr val="accent5">
+                    <a:lumMod val="70000"/>
+                  </a:schemeClr>
+                </a:gs>
+              </a:gsLst>
+              <a:path path="circle">
+                <a:fillToRect l="50000" t="50000" r="50000" b="50000"/>
+              </a:path>
+              <a:tileRect/>
+            </a:gradFill>
+          </a:ln>
+          <a:effectLst>
+            <a:glow rad="127000">
+              <a:schemeClr val="accent6">
+                <a:lumMod val="60000"/>
+                <a:lumOff val="40000"/>
+              </a:schemeClr>
+            </a:glow>
+            <a:innerShdw blurRad="63500" dist="50800" dir="13500000">
+              <a:prstClr val="black">
+                <a:alpha val="50000"/>
+              </a:prstClr>
+            </a:innerShdw>
+          </a:effectLst>
+        </p:spPr>
+        <p:txBody>
+          <a:bodyPr vert="horz" lIns="91440" tIns="45720" rIns="91440" bIns="45720" rtlCol="0">
+            <a:noAutofit/>
+          </a:bodyPr>
+          <a:lstStyle>
+            <a:lvl1pPr marL="342900" indent="-342900" algn="l" defTabSz="914400" rtl="0" eaLnBrk="1" latinLnBrk="0" hangingPunct="1">
+              <a:spcBef>
+                <a:spcPct val="20000"/>
+              </a:spcBef>
+              <a:buFont typeface="Arial" pitchFamily="34" charset="0"/>
+              <a:buChar char="•"/>
+              <a:defRPr sz="2800" kern="1200">
+                <a:solidFill>
+                  <a:schemeClr val="accent1">
+                    <a:lumMod val="50000"/>
+                  </a:schemeClr>
+                </a:solidFill>
+                <a:latin typeface="+mn-lt"/>
+                <a:ea typeface="+mn-ea"/>
+                <a:cs typeface="+mn-cs"/>
+              </a:defRPr>
+            </a:lvl1pPr>
+            <a:lvl2pPr marL="742950" indent="-285750" algn="l" defTabSz="914400" rtl="0" eaLnBrk="1" latinLnBrk="0" hangingPunct="1">
+              <a:spcBef>
+                <a:spcPct val="20000"/>
+              </a:spcBef>
+              <a:buFont typeface="Arial" pitchFamily="34" charset="0"/>
+              <a:buChar char="–"/>
+              <a:defRPr sz="2800" kern="1200">
+                <a:solidFill>
+                  <a:schemeClr val="accent1">
+                    <a:lumMod val="50000"/>
+                  </a:schemeClr>
+                </a:solidFill>
+                <a:latin typeface="+mn-lt"/>
+                <a:ea typeface="+mn-ea"/>
+                <a:cs typeface="+mn-cs"/>
+              </a:defRPr>
+            </a:lvl2pPr>
+            <a:lvl3pPr marL="1143000" indent="-228600" algn="l" defTabSz="914400" rtl="0" eaLnBrk="1" latinLnBrk="0" hangingPunct="1">
+              <a:spcBef>
+                <a:spcPct val="20000"/>
+              </a:spcBef>
+              <a:buFont typeface="Arial" pitchFamily="34" charset="0"/>
+              <a:buChar char="•"/>
+              <a:defRPr sz="2400" kern="1200">
+                <a:solidFill>
+                  <a:schemeClr val="accent1">
+                    <a:lumMod val="50000"/>
+                  </a:schemeClr>
+                </a:solidFill>
+                <a:latin typeface="+mn-lt"/>
+                <a:ea typeface="+mn-ea"/>
+                <a:cs typeface="+mn-cs"/>
+              </a:defRPr>
+            </a:lvl3pPr>
+            <a:lvl4pPr marL="1600200" indent="-228600" algn="l" defTabSz="914400" rtl="0" eaLnBrk="1" latinLnBrk="0" hangingPunct="1">
+              <a:spcBef>
+                <a:spcPct val="20000"/>
+              </a:spcBef>
+              <a:buFont typeface="Arial" pitchFamily="34" charset="0"/>
+              <a:buChar char="–"/>
+              <a:defRPr sz="2000" kern="1200">
+                <a:solidFill>
+                  <a:schemeClr val="accent1">
+                    <a:lumMod val="50000"/>
+                  </a:schemeClr>
+                </a:solidFill>
+                <a:latin typeface="+mn-lt"/>
+                <a:ea typeface="+mn-ea"/>
+                <a:cs typeface="+mn-cs"/>
+              </a:defRPr>
+            </a:lvl4pPr>
+            <a:lvl5pPr marL="2057400" indent="-228600" algn="l" defTabSz="914400" rtl="0" eaLnBrk="1" latinLnBrk="0" hangingPunct="1">
+              <a:spcBef>
+                <a:spcPct val="20000"/>
+              </a:spcBef>
+              <a:buFont typeface="Arial" pitchFamily="34" charset="0"/>
+              <a:buChar char="»"/>
+              <a:defRPr sz="2000" kern="1200">
+                <a:solidFill>
+                  <a:schemeClr val="accent1">
+                    <a:lumMod val="50000"/>
+                  </a:schemeClr>
+                </a:solidFill>
+                <a:latin typeface="+mn-lt"/>
+                <a:ea typeface="+mn-ea"/>
+                <a:cs typeface="+mn-cs"/>
+              </a:defRPr>
+            </a:lvl5pPr>
+            <a:lvl6pPr marL="2514600" indent="-228600" algn="l" defTabSz="914400" rtl="0" eaLnBrk="1" latinLnBrk="0" hangingPunct="1">
+              <a:spcBef>
+                <a:spcPct val="20000"/>
+              </a:spcBef>
+              <a:buFont typeface="Arial" pitchFamily="34" charset="0"/>
+              <a:buChar char="•"/>
+              <a:defRPr sz="2000" kern="1200">
+                <a:solidFill>
+                  <a:schemeClr val="tx1"/>
+                </a:solidFill>
+                <a:latin typeface="+mn-lt"/>
+                <a:ea typeface="+mn-ea"/>
+                <a:cs typeface="+mn-cs"/>
+              </a:defRPr>
+            </a:lvl6pPr>
+            <a:lvl7pPr marL="2971800" indent="-228600" algn="l" defTabSz="914400" rtl="0" eaLnBrk="1" latinLnBrk="0" hangingPunct="1">
+              <a:spcBef>
+                <a:spcPct val="20000"/>
+              </a:spcBef>
+              <a:buFont typeface="Arial" pitchFamily="34" charset="0"/>
+              <a:buChar char="•"/>
+              <a:defRPr sz="2000" kern="1200">
+                <a:solidFill>
+                  <a:schemeClr val="tx1"/>
+                </a:solidFill>
+                <a:latin typeface="+mn-lt"/>
+                <a:ea typeface="+mn-ea"/>
+                <a:cs typeface="+mn-cs"/>
+              </a:defRPr>
+            </a:lvl7pPr>
+            <a:lvl8pPr marL="3429000" indent="-228600" algn="l" defTabSz="914400" rtl="0" eaLnBrk="1" latinLnBrk="0" hangingPunct="1">
+              <a:spcBef>
+                <a:spcPct val="20000"/>
+              </a:spcBef>
+              <a:buFont typeface="Arial" pitchFamily="34" charset="0"/>
+              <a:buChar char="•"/>
+              <a:defRPr sz="2000" kern="1200">
+                <a:solidFill>
+                  <a:schemeClr val="tx1"/>
+                </a:solidFill>
+                <a:latin typeface="+mn-lt"/>
+                <a:ea typeface="+mn-ea"/>
+                <a:cs typeface="+mn-cs"/>
+              </a:defRPr>
+            </a:lvl8pPr>
+            <a:lvl9pPr marL="3886200" indent="-228600" algn="l" defTabSz="914400" rtl="0" eaLnBrk="1" latinLnBrk="0" hangingPunct="1">
+              <a:spcBef>
+                <a:spcPct val="20000"/>
+              </a:spcBef>
+              <a:buFont typeface="Arial" pitchFamily="34" charset="0"/>
+              <a:buChar char="•"/>
+              <a:defRPr sz="2000" kern="1200">
+                <a:solidFill>
+                  <a:schemeClr val="tx1"/>
+                </a:solidFill>
+                <a:latin typeface="+mn-lt"/>
+                <a:ea typeface="+mn-ea"/>
+                <a:cs typeface="+mn-cs"/>
+              </a:defRPr>
+            </a:lvl9pPr>
+          </a:lstStyle>
+          <a:p>
+            <a:pPr marL="0" indent="0" algn="ctr">
+              <a:buNone/>
+            </a:pPr>
+            <a:r>
+              <a:rPr lang="en-US" sz="2400" dirty="0">
+                <a:solidFill>
+                  <a:schemeClr val="bg1"/>
+                </a:solidFill>
+              </a:rPr>
+              <a:t>Against BCS Code</a:t>
+            </a:r>
+          </a:p>
+          <a:p>
+            <a:r>
+              <a:rPr lang="en-US" sz="2400" dirty="0">
+                <a:solidFill>
+                  <a:schemeClr val="bg1"/>
+                </a:solidFill>
+              </a:rPr>
+              <a:t>1.a failed to consider public safety</a:t>
+            </a:r>
+          </a:p>
+          <a:p>
+            <a:r>
+              <a:rPr lang="en-US" sz="2400" dirty="0">
+                <a:solidFill>
+                  <a:schemeClr val="bg1"/>
+                </a:solidFill>
+              </a:rPr>
+              <a:t>3.e He falsely claimed that his product was error-free</a:t>
+            </a:r>
+          </a:p>
+        </p:txBody>
+      </p:sp>
+      <p:sp>
+        <p:nvSpPr>
+          <p:cNvPr id="9" name="Content Placeholder 5"/>
+          <p:cNvSpPr txBox="1">
+            <a:spLocks/>
+          </p:cNvSpPr>
+          <p:nvPr/>
+        </p:nvSpPr>
+        <p:spPr>
+          <a:xfrm>
+            <a:off x="0" y="3354606"/>
+            <a:ext cx="4401207" cy="1788894"/>
+          </a:xfrm>
+          <a:prstGeom prst="rect">
+            <a:avLst/>
+          </a:prstGeom>
+          <a:blipFill dpi="0" rotWithShape="1">
+            <a:blip r:embed="rId7">
+              <a:extLst>
+                <a:ext uri="{BEBA8EAE-BF5A-486C-A8C5-ECC9F3942E4B}">
+                  <a14:imgProps xmlns:a14="http://schemas.microsoft.com/office/drawing/2010/main">
+                    <a14:imgLayer r:embed="rId6">
+                      <a14:imgEffect>
+                        <a14:artisticCutout/>
+                      </a14:imgEffect>
+                      <a14:imgEffect>
+                        <a14:colorTemperature colorTemp="11200"/>
+                      </a14:imgEffect>
+                    </a14:imgLayer>
+                  </a14:imgProps>
+                </a:ext>
+              </a:extLst>
+            </a:blip>
+            <a:srcRect/>
+            <a:tile tx="0" ty="0" sx="100000" sy="100000" flip="none" algn="tl"/>
+          </a:blipFill>
+          <a:ln>
+            <a:gradFill flip="none" rotWithShape="1">
+              <a:gsLst>
+                <a:gs pos="0">
+                  <a:schemeClr val="accent5">
+                    <a:lumMod val="89000"/>
+                  </a:schemeClr>
+                </a:gs>
+                <a:gs pos="23000">
+                  <a:schemeClr val="accent5">
+                    <a:lumMod val="89000"/>
+                  </a:schemeClr>
+                </a:gs>
+                <a:gs pos="69000">
+                  <a:schemeClr val="accent5">
+                    <a:lumMod val="75000"/>
+                  </a:schemeClr>
+                </a:gs>
+                <a:gs pos="97000">
+                  <a:schemeClr val="accent5">
+                    <a:lumMod val="70000"/>
+                  </a:schemeClr>
+                </a:gs>
+              </a:gsLst>
+              <a:path path="circle">
+                <a:fillToRect l="50000" t="50000" r="50000" b="50000"/>
+              </a:path>
+              <a:tileRect/>
+            </a:gradFill>
+          </a:ln>
+          <a:effectLst>
+            <a:glow rad="127000">
+              <a:schemeClr val="bg1">
+                <a:lumMod val="75000"/>
+              </a:schemeClr>
+            </a:glow>
+            <a:innerShdw blurRad="1270000" dist="1104900" dir="13500000">
+              <a:srgbClr val="002060">
+                <a:alpha val="50000"/>
+              </a:srgbClr>
+            </a:innerShdw>
+            <a:reflection endPos="0" dist="50800" dir="5400000" sy="-100000" algn="bl" rotWithShape="0"/>
+          </a:effectLst>
+        </p:spPr>
+        <p:txBody>
+          <a:bodyPr vert="horz" lIns="91440" tIns="45720" rIns="91440" bIns="45720" rtlCol="0">
+            <a:noAutofit/>
+          </a:bodyPr>
+          <a:lstStyle>
+            <a:lvl1pPr marL="342900" indent="-342900" algn="l" defTabSz="914400" rtl="0" eaLnBrk="1" latinLnBrk="0" hangingPunct="1">
+              <a:spcBef>
+                <a:spcPct val="20000"/>
+              </a:spcBef>
+              <a:buFont typeface="Arial" pitchFamily="34" charset="0"/>
+              <a:buChar char="•"/>
+              <a:defRPr sz="2800" kern="1200">
+                <a:solidFill>
+                  <a:schemeClr val="accent1">
+                    <a:lumMod val="50000"/>
+                  </a:schemeClr>
+                </a:solidFill>
+                <a:latin typeface="+mn-lt"/>
+                <a:ea typeface="+mn-ea"/>
+                <a:cs typeface="+mn-cs"/>
+              </a:defRPr>
+            </a:lvl1pPr>
+            <a:lvl2pPr marL="742950" indent="-285750" algn="l" defTabSz="914400" rtl="0" eaLnBrk="1" latinLnBrk="0" hangingPunct="1">
+              <a:spcBef>
+                <a:spcPct val="20000"/>
+              </a:spcBef>
+              <a:buFont typeface="Arial" pitchFamily="34" charset="0"/>
+              <a:buChar char="–"/>
+              <a:defRPr sz="2800" kern="1200">
+                <a:solidFill>
+                  <a:schemeClr val="accent1">
+                    <a:lumMod val="50000"/>
+                  </a:schemeClr>
+                </a:solidFill>
+                <a:latin typeface="+mn-lt"/>
+                <a:ea typeface="+mn-ea"/>
+                <a:cs typeface="+mn-cs"/>
+              </a:defRPr>
+            </a:lvl2pPr>
+            <a:lvl3pPr marL="1143000" indent="-228600" algn="l" defTabSz="914400" rtl="0" eaLnBrk="1" latinLnBrk="0" hangingPunct="1">
+              <a:spcBef>
+                <a:spcPct val="20000"/>
+              </a:spcBef>
+              <a:buFont typeface="Arial" pitchFamily="34" charset="0"/>
+              <a:buChar char="•"/>
+              <a:defRPr sz="2400" kern="1200">
+                <a:solidFill>
+                  <a:schemeClr val="accent1">
+                    <a:lumMod val="50000"/>
+                  </a:schemeClr>
+                </a:solidFill>
+                <a:latin typeface="+mn-lt"/>
+                <a:ea typeface="+mn-ea"/>
+                <a:cs typeface="+mn-cs"/>
+              </a:defRPr>
+            </a:lvl3pPr>
+            <a:lvl4pPr marL="1600200" indent="-228600" algn="l" defTabSz="914400" rtl="0" eaLnBrk="1" latinLnBrk="0" hangingPunct="1">
+              <a:spcBef>
+                <a:spcPct val="20000"/>
+              </a:spcBef>
+              <a:buFont typeface="Arial" pitchFamily="34" charset="0"/>
+              <a:buChar char="–"/>
+              <a:defRPr sz="2000" kern="1200">
+                <a:solidFill>
+                  <a:schemeClr val="accent1">
+                    <a:lumMod val="50000"/>
+                  </a:schemeClr>
+                </a:solidFill>
+                <a:latin typeface="+mn-lt"/>
+                <a:ea typeface="+mn-ea"/>
+                <a:cs typeface="+mn-cs"/>
+              </a:defRPr>
+            </a:lvl4pPr>
+            <a:lvl5pPr marL="2057400" indent="-228600" algn="l" defTabSz="914400" rtl="0" eaLnBrk="1" latinLnBrk="0" hangingPunct="1">
+              <a:spcBef>
+                <a:spcPct val="20000"/>
+              </a:spcBef>
+              <a:buFont typeface="Arial" pitchFamily="34" charset="0"/>
+              <a:buChar char="»"/>
+              <a:defRPr sz="2000" kern="1200">
+                <a:solidFill>
+                  <a:schemeClr val="accent1">
+                    <a:lumMod val="50000"/>
+                  </a:schemeClr>
+                </a:solidFill>
+                <a:latin typeface="+mn-lt"/>
+                <a:ea typeface="+mn-ea"/>
+                <a:cs typeface="+mn-cs"/>
+              </a:defRPr>
+            </a:lvl5pPr>
+            <a:lvl6pPr marL="2514600" indent="-228600" algn="l" defTabSz="914400" rtl="0" eaLnBrk="1" latinLnBrk="0" hangingPunct="1">
+              <a:spcBef>
+                <a:spcPct val="20000"/>
+              </a:spcBef>
+              <a:buFont typeface="Arial" pitchFamily="34" charset="0"/>
+              <a:buChar char="•"/>
+              <a:defRPr sz="2000" kern="1200">
+                <a:solidFill>
+                  <a:schemeClr val="tx1"/>
+                </a:solidFill>
+                <a:latin typeface="+mn-lt"/>
+                <a:ea typeface="+mn-ea"/>
+                <a:cs typeface="+mn-cs"/>
+              </a:defRPr>
+            </a:lvl6pPr>
+            <a:lvl7pPr marL="2971800" indent="-228600" algn="l" defTabSz="914400" rtl="0" eaLnBrk="1" latinLnBrk="0" hangingPunct="1">
+              <a:spcBef>
+                <a:spcPct val="20000"/>
+              </a:spcBef>
+              <a:buFont typeface="Arial" pitchFamily="34" charset="0"/>
+              <a:buChar char="•"/>
+              <a:defRPr sz="2000" kern="1200">
+                <a:solidFill>
+                  <a:schemeClr val="tx1"/>
+                </a:solidFill>
+                <a:latin typeface="+mn-lt"/>
+                <a:ea typeface="+mn-ea"/>
+                <a:cs typeface="+mn-cs"/>
+              </a:defRPr>
+            </a:lvl7pPr>
+            <a:lvl8pPr marL="3429000" indent="-228600" algn="l" defTabSz="914400" rtl="0" eaLnBrk="1" latinLnBrk="0" hangingPunct="1">
+              <a:spcBef>
+                <a:spcPct val="20000"/>
+              </a:spcBef>
+              <a:buFont typeface="Arial" pitchFamily="34" charset="0"/>
+              <a:buChar char="•"/>
+              <a:defRPr sz="2000" kern="1200">
+                <a:solidFill>
+                  <a:schemeClr val="tx1"/>
+                </a:solidFill>
+                <a:latin typeface="+mn-lt"/>
+                <a:ea typeface="+mn-ea"/>
+                <a:cs typeface="+mn-cs"/>
+              </a:defRPr>
+            </a:lvl8pPr>
+            <a:lvl9pPr marL="3886200" indent="-228600" algn="l" defTabSz="914400" rtl="0" eaLnBrk="1" latinLnBrk="0" hangingPunct="1">
+              <a:spcBef>
+                <a:spcPct val="20000"/>
+              </a:spcBef>
+              <a:buFont typeface="Arial" pitchFamily="34" charset="0"/>
+              <a:buChar char="•"/>
+              <a:defRPr sz="2000" kern="1200">
+                <a:solidFill>
+                  <a:schemeClr val="tx1"/>
+                </a:solidFill>
+                <a:latin typeface="+mn-lt"/>
+                <a:ea typeface="+mn-ea"/>
+                <a:cs typeface="+mn-cs"/>
+              </a:defRPr>
+            </a:lvl9pPr>
+          </a:lstStyle>
+          <a:p>
+            <a:pPr marL="0" indent="0" algn="ctr">
+              <a:buNone/>
+            </a:pPr>
+            <a:r>
+              <a:rPr lang="en-US" sz="2400" dirty="0">
+                <a:solidFill>
+                  <a:schemeClr val="bg1"/>
+                </a:solidFill>
+              </a:rPr>
+              <a:t>Against ACM Code</a:t>
+            </a:r>
+          </a:p>
+          <a:p>
+            <a:r>
+              <a:rPr lang="en-US" sz="2400" dirty="0">
+                <a:solidFill>
+                  <a:schemeClr val="bg1"/>
+                </a:solidFill>
+              </a:rPr>
+              <a:t>2.1 Encouraged his subordinates to take shortcuts</a:t>
+            </a:r>
+          </a:p>
+          <a:p>
+            <a:r>
+              <a:rPr lang="en-US" sz="2400" dirty="0">
+                <a:solidFill>
+                  <a:schemeClr val="bg1"/>
+                </a:solidFill>
+              </a:rPr>
+              <a:t>2.5 Used risky solutions</a:t>
+            </a:r>
+          </a:p>
+          <a:p>
+            <a:endParaRPr lang="en-US" sz="2400" dirty="0">
+              <a:solidFill>
+                <a:schemeClr val="bg1"/>
+              </a:solidFill>
+            </a:endParaRPr>
+          </a:p>
+        </p:txBody>
+      </p:sp>
+      <p:sp>
+        <p:nvSpPr>
+          <p:cNvPr id="4" name="Title 3">
+            <a:extLst>
+              <a:ext uri="{FF2B5EF4-FFF2-40B4-BE49-F238E27FC236}">
+                <a16:creationId xmlns:a16="http://schemas.microsoft.com/office/drawing/2014/main" id="{49D11740-4329-610F-E850-676208676A32}"/>
+              </a:ext>
+            </a:extLst>
+          </p:cNvPr>
+          <p:cNvSpPr>
+            <a:spLocks noGrp="1"/>
+          </p:cNvSpPr>
+          <p:nvPr>
+            <p:ph type="title" idx="4294967295"/>
+          </p:nvPr>
+        </p:nvSpPr>
+        <p:spPr>
+          <a:xfrm>
+            <a:off x="754375" y="128470"/>
+            <a:ext cx="8229600" cy="857250"/>
+          </a:xfrm>
+        </p:spPr>
+        <p:txBody>
+          <a:bodyPr>
+            <a:normAutofit/>
+          </a:bodyPr>
+          <a:lstStyle/>
+          <a:p>
+            <a:pPr algn="r"/>
+            <a:r>
+              <a:rPr lang="en-US" sz="3600" dirty="0">
+                <a:solidFill>
+                  <a:srgbClr val="4BACC6"/>
+                </a:solidFill>
+              </a:rPr>
+              <a:t>Ray Johnson</a:t>
+            </a:r>
+          </a:p>
+        </p:txBody>
+      </p:sp>
+    </p:spTree>
+    <p:extLst>
+      <p:ext uri="{BB962C8B-B14F-4D97-AF65-F5344CB8AC3E}">
+        <p14:creationId xmlns:p14="http://schemas.microsoft.com/office/powerpoint/2010/main" val="2821120652"/>
+      </p:ext>
+    </p:extLst>
+  </p:cSld>
+  <p:clrMapOvr>
+    <a:masterClrMapping/>
+  </p:clrMapOvr>
+</p:sld>
+</file>
+
+<file path=ppt/slides/slide11.xml><?xml version="1.0" encoding="utf-8"?>
+<p:sld xmlns:a="http://schemas.openxmlformats.org/drawingml/2006/main" xmlns:r="http://schemas.openxmlformats.org/officeDocument/2006/relationships" xmlns:p="http://schemas.openxmlformats.org/presentationml/2006/main">
+  <p:cSld>
+    <p:spTree>
+      <p:nvGrpSpPr>
+        <p:cNvPr id="1" name=""/>
+        <p:cNvGrpSpPr/>
+        <p:nvPr/>
+      </p:nvGrpSpPr>
+      <p:grpSpPr>
+        <a:xfrm>
+          <a:off x="0" y="0"/>
+          <a:ext cx="0" cy="0"/>
+          <a:chOff x="0" y="0"/>
+          <a:chExt cx="0" cy="0"/>
+        </a:xfrm>
+      </p:grpSpPr>
+      <p:sp>
+        <p:nvSpPr>
           <p:cNvPr id="4" name="Title 1"/>
           <p:cNvSpPr txBox="1">
             <a:spLocks/>
@@ -5228,7 +6143,7 @@
 </p:sld>
 </file>
 
-<file path=ppt/slides/slide11.xml><?xml version="1.0" encoding="utf-8"?>
+<file path=ppt/slides/slide12.xml><?xml version="1.0" encoding="utf-8"?>
 <p:sld xmlns:a="http://schemas.openxmlformats.org/drawingml/2006/main" xmlns:r="http://schemas.openxmlformats.org/officeDocument/2006/relationships" xmlns:p="http://schemas.openxmlformats.org/presentationml/2006/main">
   <p:cSld>
     <p:spTree>
@@ -5359,954 +6274,6 @@
     <p:extLst>
       <p:ext uri="{BB962C8B-B14F-4D97-AF65-F5344CB8AC3E}">
         <p14:creationId xmlns:p14="http://schemas.microsoft.com/office/powerpoint/2010/main" val="1503636534"/>
-      </p:ext>
-    </p:extLst>
-  </p:cSld>
-  <p:clrMapOvr>
-    <a:masterClrMapping/>
-  </p:clrMapOvr>
-</p:sld>
-</file>
-
-<file path=ppt/slides/slide12.xml><?xml version="1.0" encoding="utf-8"?>
-<p:sld xmlns:a="http://schemas.openxmlformats.org/drawingml/2006/main" xmlns:r="http://schemas.openxmlformats.org/officeDocument/2006/relationships" xmlns:p="http://schemas.openxmlformats.org/presentationml/2006/main">
-  <p:cSld>
-    <p:spTree>
-      <p:nvGrpSpPr>
-        <p:cNvPr id="1" name=""/>
-        <p:cNvGrpSpPr/>
-        <p:nvPr/>
-      </p:nvGrpSpPr>
-      <p:grpSpPr>
-        <a:xfrm>
-          <a:off x="0" y="0"/>
-          <a:ext cx="0" cy="0"/>
-          <a:chOff x="0" y="0"/>
-          <a:chExt cx="0" cy="0"/>
-        </a:xfrm>
-      </p:grpSpPr>
-      <p:sp>
-        <p:nvSpPr>
-          <p:cNvPr id="3" name="Text Placeholder 2"/>
-          <p:cNvSpPr txBox="1">
-            <a:spLocks/>
-          </p:cNvSpPr>
-          <p:nvPr/>
-        </p:nvSpPr>
-        <p:spPr>
-          <a:xfrm>
-            <a:off x="296261" y="2724451"/>
-            <a:ext cx="4275738" cy="458115"/>
-          </a:xfrm>
-          <a:prstGeom prst="rect">
-            <a:avLst/>
-          </a:prstGeom>
-          <a:ln w="28575">
-            <a:solidFill>
-              <a:srgbClr val="E39A39"/>
-            </a:solidFill>
-          </a:ln>
-        </p:spPr>
-        <p:txBody>
-          <a:bodyPr/>
-          <a:lstStyle>
-            <a:lvl1pPr marL="342900" indent="-342900" algn="l" defTabSz="914400" rtl="0" eaLnBrk="1" latinLnBrk="0" hangingPunct="1">
-              <a:spcBef>
-                <a:spcPct val="20000"/>
-              </a:spcBef>
-              <a:buFont typeface="Arial" pitchFamily="34" charset="0"/>
-              <a:buChar char="•"/>
-              <a:defRPr sz="3200" kern="1200">
-                <a:solidFill>
-                  <a:schemeClr val="tx1"/>
-                </a:solidFill>
-                <a:latin typeface="+mn-lt"/>
-                <a:ea typeface="+mn-ea"/>
-                <a:cs typeface="+mn-cs"/>
-              </a:defRPr>
-            </a:lvl1pPr>
-            <a:lvl2pPr marL="742950" indent="-285750" algn="l" defTabSz="914400" rtl="0" eaLnBrk="1" latinLnBrk="0" hangingPunct="1">
-              <a:spcBef>
-                <a:spcPct val="20000"/>
-              </a:spcBef>
-              <a:buFont typeface="Arial" pitchFamily="34" charset="0"/>
-              <a:buChar char="–"/>
-              <a:defRPr sz="2800" kern="1200">
-                <a:solidFill>
-                  <a:schemeClr val="tx1"/>
-                </a:solidFill>
-                <a:latin typeface="+mn-lt"/>
-                <a:ea typeface="+mn-ea"/>
-                <a:cs typeface="+mn-cs"/>
-              </a:defRPr>
-            </a:lvl2pPr>
-            <a:lvl3pPr marL="1143000" indent="-228600" algn="l" defTabSz="914400" rtl="0" eaLnBrk="1" latinLnBrk="0" hangingPunct="1">
-              <a:spcBef>
-                <a:spcPct val="20000"/>
-              </a:spcBef>
-              <a:buFont typeface="Arial" pitchFamily="34" charset="0"/>
-              <a:buChar char="•"/>
-              <a:defRPr sz="2400" kern="1200">
-                <a:solidFill>
-                  <a:schemeClr val="tx1"/>
-                </a:solidFill>
-                <a:latin typeface="+mn-lt"/>
-                <a:ea typeface="+mn-ea"/>
-                <a:cs typeface="+mn-cs"/>
-              </a:defRPr>
-            </a:lvl3pPr>
-            <a:lvl4pPr marL="1600200" indent="-228600" algn="l" defTabSz="914400" rtl="0" eaLnBrk="1" latinLnBrk="0" hangingPunct="1">
-              <a:spcBef>
-                <a:spcPct val="20000"/>
-              </a:spcBef>
-              <a:buFont typeface="Arial" pitchFamily="34" charset="0"/>
-              <a:buChar char="–"/>
-              <a:defRPr sz="2000" kern="1200">
-                <a:solidFill>
-                  <a:schemeClr val="tx1"/>
-                </a:solidFill>
-                <a:latin typeface="+mn-lt"/>
-                <a:ea typeface="+mn-ea"/>
-                <a:cs typeface="+mn-cs"/>
-              </a:defRPr>
-            </a:lvl4pPr>
-            <a:lvl5pPr marL="2057400" indent="-228600" algn="l" defTabSz="914400" rtl="0" eaLnBrk="1" latinLnBrk="0" hangingPunct="1">
-              <a:spcBef>
-                <a:spcPct val="20000"/>
-              </a:spcBef>
-              <a:buFont typeface="Arial" pitchFamily="34" charset="0"/>
-              <a:buChar char="»"/>
-              <a:defRPr sz="2000" kern="1200">
-                <a:solidFill>
-                  <a:schemeClr val="tx1"/>
-                </a:solidFill>
-                <a:latin typeface="+mn-lt"/>
-                <a:ea typeface="+mn-ea"/>
-                <a:cs typeface="+mn-cs"/>
-              </a:defRPr>
-            </a:lvl5pPr>
-            <a:lvl6pPr marL="2514600" indent="-228600" algn="l" defTabSz="914400" rtl="0" eaLnBrk="1" latinLnBrk="0" hangingPunct="1">
-              <a:spcBef>
-                <a:spcPct val="20000"/>
-              </a:spcBef>
-              <a:buFont typeface="Arial" pitchFamily="34" charset="0"/>
-              <a:buChar char="•"/>
-              <a:defRPr sz="2000" kern="1200">
-                <a:solidFill>
-                  <a:schemeClr val="tx1"/>
-                </a:solidFill>
-                <a:latin typeface="+mn-lt"/>
-                <a:ea typeface="+mn-ea"/>
-                <a:cs typeface="+mn-cs"/>
-              </a:defRPr>
-            </a:lvl6pPr>
-            <a:lvl7pPr marL="2971800" indent="-228600" algn="l" defTabSz="914400" rtl="0" eaLnBrk="1" latinLnBrk="0" hangingPunct="1">
-              <a:spcBef>
-                <a:spcPct val="20000"/>
-              </a:spcBef>
-              <a:buFont typeface="Arial" pitchFamily="34" charset="0"/>
-              <a:buChar char="•"/>
-              <a:defRPr sz="2000" kern="1200">
-                <a:solidFill>
-                  <a:schemeClr val="tx1"/>
-                </a:solidFill>
-                <a:latin typeface="+mn-lt"/>
-                <a:ea typeface="+mn-ea"/>
-                <a:cs typeface="+mn-cs"/>
-              </a:defRPr>
-            </a:lvl7pPr>
-            <a:lvl8pPr marL="3429000" indent="-228600" algn="l" defTabSz="914400" rtl="0" eaLnBrk="1" latinLnBrk="0" hangingPunct="1">
-              <a:spcBef>
-                <a:spcPct val="20000"/>
-              </a:spcBef>
-              <a:buFont typeface="Arial" pitchFamily="34" charset="0"/>
-              <a:buChar char="•"/>
-              <a:defRPr sz="2000" kern="1200">
-                <a:solidFill>
-                  <a:schemeClr val="tx1"/>
-                </a:solidFill>
-                <a:latin typeface="+mn-lt"/>
-                <a:ea typeface="+mn-ea"/>
-                <a:cs typeface="+mn-cs"/>
-              </a:defRPr>
-            </a:lvl8pPr>
-            <a:lvl9pPr marL="3886200" indent="-228600" algn="l" defTabSz="914400" rtl="0" eaLnBrk="1" latinLnBrk="0" hangingPunct="1">
-              <a:spcBef>
-                <a:spcPct val="20000"/>
-              </a:spcBef>
-              <a:buFont typeface="Arial" pitchFamily="34" charset="0"/>
-              <a:buChar char="•"/>
-              <a:defRPr sz="2000" kern="1200">
-                <a:solidFill>
-                  <a:schemeClr val="tx1"/>
-                </a:solidFill>
-                <a:latin typeface="+mn-lt"/>
-                <a:ea typeface="+mn-ea"/>
-                <a:cs typeface="+mn-cs"/>
-              </a:defRPr>
-            </a:lvl9pPr>
-          </a:lstStyle>
-          <a:p>
-            <a:pPr marL="0" indent="0" algn="ctr">
-              <a:buNone/>
-            </a:pPr>
-            <a:r>
-              <a:rPr lang="en-US" sz="2400" dirty="0">
-                <a:solidFill>
-                  <a:srgbClr val="232D48"/>
-                </a:solidFill>
-              </a:rPr>
-              <a:t>ACM Code of Conduct</a:t>
-            </a:r>
-          </a:p>
-        </p:txBody>
-      </p:sp>
-      <p:sp>
-        <p:nvSpPr>
-          <p:cNvPr id="4" name="Text Placeholder 4"/>
-          <p:cNvSpPr txBox="1">
-            <a:spLocks/>
-          </p:cNvSpPr>
-          <p:nvPr/>
-        </p:nvSpPr>
-        <p:spPr>
-          <a:xfrm>
-            <a:off x="4572000" y="2724454"/>
-            <a:ext cx="4275740" cy="458113"/>
-          </a:xfrm>
-          <a:prstGeom prst="rect">
-            <a:avLst/>
-          </a:prstGeom>
-          <a:ln w="28575">
-            <a:solidFill>
-              <a:srgbClr val="E39A39"/>
-            </a:solidFill>
-          </a:ln>
-        </p:spPr>
-        <p:txBody>
-          <a:bodyPr>
-            <a:normAutofit/>
-          </a:bodyPr>
-          <a:lstStyle>
-            <a:lvl1pPr marL="342900" indent="-342900" algn="l" defTabSz="914400" rtl="0" eaLnBrk="1" latinLnBrk="0" hangingPunct="1">
-              <a:spcBef>
-                <a:spcPct val="20000"/>
-              </a:spcBef>
-              <a:buFont typeface="Arial" pitchFamily="34" charset="0"/>
-              <a:buChar char="•"/>
-              <a:defRPr sz="3200" kern="1200">
-                <a:solidFill>
-                  <a:schemeClr val="tx1"/>
-                </a:solidFill>
-                <a:latin typeface="+mn-lt"/>
-                <a:ea typeface="+mn-ea"/>
-                <a:cs typeface="+mn-cs"/>
-              </a:defRPr>
-            </a:lvl1pPr>
-            <a:lvl2pPr marL="742950" indent="-285750" algn="l" defTabSz="914400" rtl="0" eaLnBrk="1" latinLnBrk="0" hangingPunct="1">
-              <a:spcBef>
-                <a:spcPct val="20000"/>
-              </a:spcBef>
-              <a:buFont typeface="Arial" pitchFamily="34" charset="0"/>
-              <a:buChar char="–"/>
-              <a:defRPr sz="2800" kern="1200">
-                <a:solidFill>
-                  <a:schemeClr val="tx1"/>
-                </a:solidFill>
-                <a:latin typeface="+mn-lt"/>
-                <a:ea typeface="+mn-ea"/>
-                <a:cs typeface="+mn-cs"/>
-              </a:defRPr>
-            </a:lvl2pPr>
-            <a:lvl3pPr marL="1143000" indent="-228600" algn="l" defTabSz="914400" rtl="0" eaLnBrk="1" latinLnBrk="0" hangingPunct="1">
-              <a:spcBef>
-                <a:spcPct val="20000"/>
-              </a:spcBef>
-              <a:buFont typeface="Arial" pitchFamily="34" charset="0"/>
-              <a:buChar char="•"/>
-              <a:defRPr sz="2400" kern="1200">
-                <a:solidFill>
-                  <a:schemeClr val="tx1"/>
-                </a:solidFill>
-                <a:latin typeface="+mn-lt"/>
-                <a:ea typeface="+mn-ea"/>
-                <a:cs typeface="+mn-cs"/>
-              </a:defRPr>
-            </a:lvl3pPr>
-            <a:lvl4pPr marL="1600200" indent="-228600" algn="l" defTabSz="914400" rtl="0" eaLnBrk="1" latinLnBrk="0" hangingPunct="1">
-              <a:spcBef>
-                <a:spcPct val="20000"/>
-              </a:spcBef>
-              <a:buFont typeface="Arial" pitchFamily="34" charset="0"/>
-              <a:buChar char="–"/>
-              <a:defRPr sz="2000" kern="1200">
-                <a:solidFill>
-                  <a:schemeClr val="tx1"/>
-                </a:solidFill>
-                <a:latin typeface="+mn-lt"/>
-                <a:ea typeface="+mn-ea"/>
-                <a:cs typeface="+mn-cs"/>
-              </a:defRPr>
-            </a:lvl4pPr>
-            <a:lvl5pPr marL="2057400" indent="-228600" algn="l" defTabSz="914400" rtl="0" eaLnBrk="1" latinLnBrk="0" hangingPunct="1">
-              <a:spcBef>
-                <a:spcPct val="20000"/>
-              </a:spcBef>
-              <a:buFont typeface="Arial" pitchFamily="34" charset="0"/>
-              <a:buChar char="»"/>
-              <a:defRPr sz="2000" kern="1200">
-                <a:solidFill>
-                  <a:schemeClr val="tx1"/>
-                </a:solidFill>
-                <a:latin typeface="+mn-lt"/>
-                <a:ea typeface="+mn-ea"/>
-                <a:cs typeface="+mn-cs"/>
-              </a:defRPr>
-            </a:lvl5pPr>
-            <a:lvl6pPr marL="2514600" indent="-228600" algn="l" defTabSz="914400" rtl="0" eaLnBrk="1" latinLnBrk="0" hangingPunct="1">
-              <a:spcBef>
-                <a:spcPct val="20000"/>
-              </a:spcBef>
-              <a:buFont typeface="Arial" pitchFamily="34" charset="0"/>
-              <a:buChar char="•"/>
-              <a:defRPr sz="2000" kern="1200">
-                <a:solidFill>
-                  <a:schemeClr val="tx1"/>
-                </a:solidFill>
-                <a:latin typeface="+mn-lt"/>
-                <a:ea typeface="+mn-ea"/>
-                <a:cs typeface="+mn-cs"/>
-              </a:defRPr>
-            </a:lvl6pPr>
-            <a:lvl7pPr marL="2971800" indent="-228600" algn="l" defTabSz="914400" rtl="0" eaLnBrk="1" latinLnBrk="0" hangingPunct="1">
-              <a:spcBef>
-                <a:spcPct val="20000"/>
-              </a:spcBef>
-              <a:buFont typeface="Arial" pitchFamily="34" charset="0"/>
-              <a:buChar char="•"/>
-              <a:defRPr sz="2000" kern="1200">
-                <a:solidFill>
-                  <a:schemeClr val="tx1"/>
-                </a:solidFill>
-                <a:latin typeface="+mn-lt"/>
-                <a:ea typeface="+mn-ea"/>
-                <a:cs typeface="+mn-cs"/>
-              </a:defRPr>
-            </a:lvl7pPr>
-            <a:lvl8pPr marL="3429000" indent="-228600" algn="l" defTabSz="914400" rtl="0" eaLnBrk="1" latinLnBrk="0" hangingPunct="1">
-              <a:spcBef>
-                <a:spcPct val="20000"/>
-              </a:spcBef>
-              <a:buFont typeface="Arial" pitchFamily="34" charset="0"/>
-              <a:buChar char="•"/>
-              <a:defRPr sz="2000" kern="1200">
-                <a:solidFill>
-                  <a:schemeClr val="tx1"/>
-                </a:solidFill>
-                <a:latin typeface="+mn-lt"/>
-                <a:ea typeface="+mn-ea"/>
-                <a:cs typeface="+mn-cs"/>
-              </a:defRPr>
-            </a:lvl8pPr>
-            <a:lvl9pPr marL="3886200" indent="-228600" algn="l" defTabSz="914400" rtl="0" eaLnBrk="1" latinLnBrk="0" hangingPunct="1">
-              <a:spcBef>
-                <a:spcPct val="20000"/>
-              </a:spcBef>
-              <a:buFont typeface="Arial" pitchFamily="34" charset="0"/>
-              <a:buChar char="•"/>
-              <a:defRPr sz="2000" kern="1200">
-                <a:solidFill>
-                  <a:schemeClr val="tx1"/>
-                </a:solidFill>
-                <a:latin typeface="+mn-lt"/>
-                <a:ea typeface="+mn-ea"/>
-                <a:cs typeface="+mn-cs"/>
-              </a:defRPr>
-            </a:lvl9pPr>
-          </a:lstStyle>
-          <a:p>
-            <a:pPr marL="0" indent="0" algn="ctr">
-              <a:buNone/>
-            </a:pPr>
-            <a:r>
-              <a:rPr lang="en-US" sz="2400" dirty="0">
-                <a:solidFill>
-                  <a:srgbClr val="232D48"/>
-                </a:solidFill>
-              </a:rPr>
-              <a:t>BCS Code of Conduct</a:t>
-            </a:r>
-          </a:p>
-        </p:txBody>
-      </p:sp>
-      <p:sp>
-        <p:nvSpPr>
-          <p:cNvPr id="5" name="Content Placeholder 5"/>
-          <p:cNvSpPr txBox="1">
-            <a:spLocks/>
-          </p:cNvSpPr>
-          <p:nvPr/>
-        </p:nvSpPr>
-        <p:spPr>
-          <a:xfrm>
-            <a:off x="4571999" y="3182569"/>
-            <a:ext cx="4275741" cy="1832461"/>
-          </a:xfrm>
-          <a:prstGeom prst="rect">
-            <a:avLst/>
-          </a:prstGeom>
-          <a:solidFill>
-            <a:srgbClr val="232D48"/>
-          </a:solidFill>
-          <a:ln w="28575">
-            <a:solidFill>
-              <a:srgbClr val="E39A39"/>
-            </a:solidFill>
-          </a:ln>
-        </p:spPr>
-        <p:txBody>
-          <a:bodyPr>
-            <a:normAutofit/>
-          </a:bodyPr>
-          <a:lstStyle>
-            <a:lvl1pPr marL="342900" indent="-342900" algn="l" defTabSz="914400" rtl="0" eaLnBrk="1" latinLnBrk="0" hangingPunct="1">
-              <a:spcBef>
-                <a:spcPct val="20000"/>
-              </a:spcBef>
-              <a:buFont typeface="Arial" pitchFamily="34" charset="0"/>
-              <a:buChar char="•"/>
-              <a:defRPr sz="3200" kern="1200">
-                <a:solidFill>
-                  <a:schemeClr val="tx1"/>
-                </a:solidFill>
-                <a:latin typeface="+mn-lt"/>
-                <a:ea typeface="+mn-ea"/>
-                <a:cs typeface="+mn-cs"/>
-              </a:defRPr>
-            </a:lvl1pPr>
-            <a:lvl2pPr marL="742950" indent="-285750" algn="l" defTabSz="914400" rtl="0" eaLnBrk="1" latinLnBrk="0" hangingPunct="1">
-              <a:spcBef>
-                <a:spcPct val="20000"/>
-              </a:spcBef>
-              <a:buFont typeface="Arial" pitchFamily="34" charset="0"/>
-              <a:buChar char="–"/>
-              <a:defRPr sz="2800" kern="1200">
-                <a:solidFill>
-                  <a:schemeClr val="tx1"/>
-                </a:solidFill>
-                <a:latin typeface="+mn-lt"/>
-                <a:ea typeface="+mn-ea"/>
-                <a:cs typeface="+mn-cs"/>
-              </a:defRPr>
-            </a:lvl2pPr>
-            <a:lvl3pPr marL="1143000" indent="-228600" algn="l" defTabSz="914400" rtl="0" eaLnBrk="1" latinLnBrk="0" hangingPunct="1">
-              <a:spcBef>
-                <a:spcPct val="20000"/>
-              </a:spcBef>
-              <a:buFont typeface="Arial" pitchFamily="34" charset="0"/>
-              <a:buChar char="•"/>
-              <a:defRPr sz="2400" kern="1200">
-                <a:solidFill>
-                  <a:schemeClr val="tx1"/>
-                </a:solidFill>
-                <a:latin typeface="+mn-lt"/>
-                <a:ea typeface="+mn-ea"/>
-                <a:cs typeface="+mn-cs"/>
-              </a:defRPr>
-            </a:lvl3pPr>
-            <a:lvl4pPr marL="1600200" indent="-228600" algn="l" defTabSz="914400" rtl="0" eaLnBrk="1" latinLnBrk="0" hangingPunct="1">
-              <a:spcBef>
-                <a:spcPct val="20000"/>
-              </a:spcBef>
-              <a:buFont typeface="Arial" pitchFamily="34" charset="0"/>
-              <a:buChar char="–"/>
-              <a:defRPr sz="2000" kern="1200">
-                <a:solidFill>
-                  <a:schemeClr val="tx1"/>
-                </a:solidFill>
-                <a:latin typeface="+mn-lt"/>
-                <a:ea typeface="+mn-ea"/>
-                <a:cs typeface="+mn-cs"/>
-              </a:defRPr>
-            </a:lvl4pPr>
-            <a:lvl5pPr marL="2057400" indent="-228600" algn="l" defTabSz="914400" rtl="0" eaLnBrk="1" latinLnBrk="0" hangingPunct="1">
-              <a:spcBef>
-                <a:spcPct val="20000"/>
-              </a:spcBef>
-              <a:buFont typeface="Arial" pitchFamily="34" charset="0"/>
-              <a:buChar char="»"/>
-              <a:defRPr sz="2000" kern="1200">
-                <a:solidFill>
-                  <a:schemeClr val="tx1"/>
-                </a:solidFill>
-                <a:latin typeface="+mn-lt"/>
-                <a:ea typeface="+mn-ea"/>
-                <a:cs typeface="+mn-cs"/>
-              </a:defRPr>
-            </a:lvl5pPr>
-            <a:lvl6pPr marL="2514600" indent="-228600" algn="l" defTabSz="914400" rtl="0" eaLnBrk="1" latinLnBrk="0" hangingPunct="1">
-              <a:spcBef>
-                <a:spcPct val="20000"/>
-              </a:spcBef>
-              <a:buFont typeface="Arial" pitchFamily="34" charset="0"/>
-              <a:buChar char="•"/>
-              <a:defRPr sz="2000" kern="1200">
-                <a:solidFill>
-                  <a:schemeClr val="tx1"/>
-                </a:solidFill>
-                <a:latin typeface="+mn-lt"/>
-                <a:ea typeface="+mn-ea"/>
-                <a:cs typeface="+mn-cs"/>
-              </a:defRPr>
-            </a:lvl6pPr>
-            <a:lvl7pPr marL="2971800" indent="-228600" algn="l" defTabSz="914400" rtl="0" eaLnBrk="1" latinLnBrk="0" hangingPunct="1">
-              <a:spcBef>
-                <a:spcPct val="20000"/>
-              </a:spcBef>
-              <a:buFont typeface="Arial" pitchFamily="34" charset="0"/>
-              <a:buChar char="•"/>
-              <a:defRPr sz="2000" kern="1200">
-                <a:solidFill>
-                  <a:schemeClr val="tx1"/>
-                </a:solidFill>
-                <a:latin typeface="+mn-lt"/>
-                <a:ea typeface="+mn-ea"/>
-                <a:cs typeface="+mn-cs"/>
-              </a:defRPr>
-            </a:lvl7pPr>
-            <a:lvl8pPr marL="3429000" indent="-228600" algn="l" defTabSz="914400" rtl="0" eaLnBrk="1" latinLnBrk="0" hangingPunct="1">
-              <a:spcBef>
-                <a:spcPct val="20000"/>
-              </a:spcBef>
-              <a:buFont typeface="Arial" pitchFamily="34" charset="0"/>
-              <a:buChar char="•"/>
-              <a:defRPr sz="2000" kern="1200">
-                <a:solidFill>
-                  <a:schemeClr val="tx1"/>
-                </a:solidFill>
-                <a:latin typeface="+mn-lt"/>
-                <a:ea typeface="+mn-ea"/>
-                <a:cs typeface="+mn-cs"/>
-              </a:defRPr>
-            </a:lvl8pPr>
-            <a:lvl9pPr marL="3886200" indent="-228600" algn="l" defTabSz="914400" rtl="0" eaLnBrk="1" latinLnBrk="0" hangingPunct="1">
-              <a:spcBef>
-                <a:spcPct val="20000"/>
-              </a:spcBef>
-              <a:buFont typeface="Arial" pitchFamily="34" charset="0"/>
-              <a:buChar char="•"/>
-              <a:defRPr sz="2000" kern="1200">
-                <a:solidFill>
-                  <a:schemeClr val="tx1"/>
-                </a:solidFill>
-                <a:latin typeface="+mn-lt"/>
-                <a:ea typeface="+mn-ea"/>
-                <a:cs typeface="+mn-cs"/>
-              </a:defRPr>
-            </a:lvl9pPr>
-          </a:lstStyle>
-          <a:p>
-            <a:pPr marL="0" indent="0" algn="ctr">
-              <a:buNone/>
-            </a:pPr>
-            <a:r>
-              <a:rPr lang="en-US" sz="2200" dirty="0">
-                <a:solidFill>
-                  <a:schemeClr val="bg1"/>
-                </a:solidFill>
-              </a:rPr>
-              <a:t>4. Duty to the Profession</a:t>
-            </a:r>
-          </a:p>
-          <a:p>
-            <a:pPr marL="0" indent="0" algn="ctr">
-              <a:buNone/>
-            </a:pPr>
-            <a:r>
-              <a:rPr lang="en-US" sz="2200" dirty="0">
-                <a:solidFill>
-                  <a:schemeClr val="bg1"/>
-                </a:solidFill>
-              </a:rPr>
-              <a:t>d) Act with integrity and respect in your professional relationships with all members </a:t>
-            </a:r>
-          </a:p>
-        </p:txBody>
-      </p:sp>
-      <p:sp>
-        <p:nvSpPr>
-          <p:cNvPr id="9" name="Content Placeholder 3"/>
-          <p:cNvSpPr txBox="1">
-            <a:spLocks/>
-          </p:cNvSpPr>
-          <p:nvPr/>
-        </p:nvSpPr>
-        <p:spPr>
-          <a:xfrm>
-            <a:off x="296259" y="3182571"/>
-            <a:ext cx="4280806" cy="1832460"/>
-          </a:xfrm>
-          <a:prstGeom prst="rect">
-            <a:avLst/>
-          </a:prstGeom>
-          <a:solidFill>
-            <a:srgbClr val="232D48"/>
-          </a:solidFill>
-          <a:ln w="28575">
-            <a:solidFill>
-              <a:srgbClr val="E39A39"/>
-            </a:solidFill>
-          </a:ln>
-        </p:spPr>
-        <p:txBody>
-          <a:bodyPr>
-            <a:noAutofit/>
-          </a:bodyPr>
-          <a:lstStyle>
-            <a:lvl1pPr marL="342900" indent="-342900" algn="l" defTabSz="914400" rtl="0" eaLnBrk="1" latinLnBrk="0" hangingPunct="1">
-              <a:spcBef>
-                <a:spcPct val="20000"/>
-              </a:spcBef>
-              <a:buFont typeface="Arial" pitchFamily="34" charset="0"/>
-              <a:buChar char="•"/>
-              <a:defRPr sz="3200" kern="1200">
-                <a:solidFill>
-                  <a:schemeClr val="tx1"/>
-                </a:solidFill>
-                <a:latin typeface="+mn-lt"/>
-                <a:ea typeface="+mn-ea"/>
-                <a:cs typeface="+mn-cs"/>
-              </a:defRPr>
-            </a:lvl1pPr>
-            <a:lvl2pPr marL="742950" indent="-285750" algn="l" defTabSz="914400" rtl="0" eaLnBrk="1" latinLnBrk="0" hangingPunct="1">
-              <a:spcBef>
-                <a:spcPct val="20000"/>
-              </a:spcBef>
-              <a:buFont typeface="Arial" pitchFamily="34" charset="0"/>
-              <a:buChar char="–"/>
-              <a:defRPr sz="2800" kern="1200">
-                <a:solidFill>
-                  <a:schemeClr val="tx1"/>
-                </a:solidFill>
-                <a:latin typeface="+mn-lt"/>
-                <a:ea typeface="+mn-ea"/>
-                <a:cs typeface="+mn-cs"/>
-              </a:defRPr>
-            </a:lvl2pPr>
-            <a:lvl3pPr marL="1143000" indent="-228600" algn="l" defTabSz="914400" rtl="0" eaLnBrk="1" latinLnBrk="0" hangingPunct="1">
-              <a:spcBef>
-                <a:spcPct val="20000"/>
-              </a:spcBef>
-              <a:buFont typeface="Arial" pitchFamily="34" charset="0"/>
-              <a:buChar char="•"/>
-              <a:defRPr sz="2400" kern="1200">
-                <a:solidFill>
-                  <a:schemeClr val="tx1"/>
-                </a:solidFill>
-                <a:latin typeface="+mn-lt"/>
-                <a:ea typeface="+mn-ea"/>
-                <a:cs typeface="+mn-cs"/>
-              </a:defRPr>
-            </a:lvl3pPr>
-            <a:lvl4pPr marL="1600200" indent="-228600" algn="l" defTabSz="914400" rtl="0" eaLnBrk="1" latinLnBrk="0" hangingPunct="1">
-              <a:spcBef>
-                <a:spcPct val="20000"/>
-              </a:spcBef>
-              <a:buFont typeface="Arial" pitchFamily="34" charset="0"/>
-              <a:buChar char="–"/>
-              <a:defRPr sz="2000" kern="1200">
-                <a:solidFill>
-                  <a:schemeClr val="tx1"/>
-                </a:solidFill>
-                <a:latin typeface="+mn-lt"/>
-                <a:ea typeface="+mn-ea"/>
-                <a:cs typeface="+mn-cs"/>
-              </a:defRPr>
-            </a:lvl4pPr>
-            <a:lvl5pPr marL="2057400" indent="-228600" algn="l" defTabSz="914400" rtl="0" eaLnBrk="1" latinLnBrk="0" hangingPunct="1">
-              <a:spcBef>
-                <a:spcPct val="20000"/>
-              </a:spcBef>
-              <a:buFont typeface="Arial" pitchFamily="34" charset="0"/>
-              <a:buChar char="»"/>
-              <a:defRPr sz="2000" kern="1200">
-                <a:solidFill>
-                  <a:schemeClr val="tx1"/>
-                </a:solidFill>
-                <a:latin typeface="+mn-lt"/>
-                <a:ea typeface="+mn-ea"/>
-                <a:cs typeface="+mn-cs"/>
-              </a:defRPr>
-            </a:lvl5pPr>
-            <a:lvl6pPr marL="2514600" indent="-228600" algn="l" defTabSz="914400" rtl="0" eaLnBrk="1" latinLnBrk="0" hangingPunct="1">
-              <a:spcBef>
-                <a:spcPct val="20000"/>
-              </a:spcBef>
-              <a:buFont typeface="Arial" pitchFamily="34" charset="0"/>
-              <a:buChar char="•"/>
-              <a:defRPr sz="2000" kern="1200">
-                <a:solidFill>
-                  <a:schemeClr val="tx1"/>
-                </a:solidFill>
-                <a:latin typeface="+mn-lt"/>
-                <a:ea typeface="+mn-ea"/>
-                <a:cs typeface="+mn-cs"/>
-              </a:defRPr>
-            </a:lvl6pPr>
-            <a:lvl7pPr marL="2971800" indent="-228600" algn="l" defTabSz="914400" rtl="0" eaLnBrk="1" latinLnBrk="0" hangingPunct="1">
-              <a:spcBef>
-                <a:spcPct val="20000"/>
-              </a:spcBef>
-              <a:buFont typeface="Arial" pitchFamily="34" charset="0"/>
-              <a:buChar char="•"/>
-              <a:defRPr sz="2000" kern="1200">
-                <a:solidFill>
-                  <a:schemeClr val="tx1"/>
-                </a:solidFill>
-                <a:latin typeface="+mn-lt"/>
-                <a:ea typeface="+mn-ea"/>
-                <a:cs typeface="+mn-cs"/>
-              </a:defRPr>
-            </a:lvl7pPr>
-            <a:lvl8pPr marL="3429000" indent="-228600" algn="l" defTabSz="914400" rtl="0" eaLnBrk="1" latinLnBrk="0" hangingPunct="1">
-              <a:spcBef>
-                <a:spcPct val="20000"/>
-              </a:spcBef>
-              <a:buFont typeface="Arial" pitchFamily="34" charset="0"/>
-              <a:buChar char="•"/>
-              <a:defRPr sz="2000" kern="1200">
-                <a:solidFill>
-                  <a:schemeClr val="tx1"/>
-                </a:solidFill>
-                <a:latin typeface="+mn-lt"/>
-                <a:ea typeface="+mn-ea"/>
-                <a:cs typeface="+mn-cs"/>
-              </a:defRPr>
-            </a:lvl8pPr>
-            <a:lvl9pPr marL="3886200" indent="-228600" algn="l" defTabSz="914400" rtl="0" eaLnBrk="1" latinLnBrk="0" hangingPunct="1">
-              <a:spcBef>
-                <a:spcPct val="20000"/>
-              </a:spcBef>
-              <a:buFont typeface="Arial" pitchFamily="34" charset="0"/>
-              <a:buChar char="•"/>
-              <a:defRPr sz="2000" kern="1200">
-                <a:solidFill>
-                  <a:schemeClr val="tx1"/>
-                </a:solidFill>
-                <a:latin typeface="+mn-lt"/>
-                <a:ea typeface="+mn-ea"/>
-                <a:cs typeface="+mn-cs"/>
-              </a:defRPr>
-            </a:lvl9pPr>
-          </a:lstStyle>
-          <a:p>
-            <a:pPr marL="0" indent="0" algn="ctr">
-              <a:buNone/>
-            </a:pPr>
-            <a:r>
-              <a:rPr lang="en-US" sz="2200" dirty="0">
-                <a:solidFill>
-                  <a:schemeClr val="bg1"/>
-                </a:solidFill>
-              </a:rPr>
-              <a:t>3.6 Create opportunities for members of the organization and group to learn, respect, and be accountable.</a:t>
-            </a:r>
-          </a:p>
-        </p:txBody>
-      </p:sp>
-      <p:sp>
-        <p:nvSpPr>
-          <p:cNvPr id="12" name="Text Placeholder 2"/>
-          <p:cNvSpPr txBox="1">
-            <a:spLocks/>
-          </p:cNvSpPr>
-          <p:nvPr/>
-        </p:nvSpPr>
-        <p:spPr>
-          <a:xfrm>
-            <a:off x="296259" y="1197406"/>
-            <a:ext cx="8551481" cy="916229"/>
-          </a:xfrm>
-          <a:prstGeom prst="rect">
-            <a:avLst/>
-          </a:prstGeom>
-          <a:ln w="28575">
-            <a:noFill/>
-          </a:ln>
-        </p:spPr>
-        <p:txBody>
-          <a:bodyPr/>
-          <a:lstStyle>
-            <a:lvl1pPr marL="342900" indent="-342900" algn="l" defTabSz="914400" rtl="0" eaLnBrk="1" latinLnBrk="0" hangingPunct="1">
-              <a:spcBef>
-                <a:spcPct val="20000"/>
-              </a:spcBef>
-              <a:buFont typeface="Arial" pitchFamily="34" charset="0"/>
-              <a:buChar char="•"/>
-              <a:defRPr sz="3200" kern="1200">
-                <a:solidFill>
-                  <a:schemeClr val="tx1"/>
-                </a:solidFill>
-                <a:latin typeface="+mn-lt"/>
-                <a:ea typeface="+mn-ea"/>
-                <a:cs typeface="+mn-cs"/>
-              </a:defRPr>
-            </a:lvl1pPr>
-            <a:lvl2pPr marL="742950" indent="-285750" algn="l" defTabSz="914400" rtl="0" eaLnBrk="1" latinLnBrk="0" hangingPunct="1">
-              <a:spcBef>
-                <a:spcPct val="20000"/>
-              </a:spcBef>
-              <a:buFont typeface="Arial" pitchFamily="34" charset="0"/>
-              <a:buChar char="–"/>
-              <a:defRPr sz="2800" kern="1200">
-                <a:solidFill>
-                  <a:schemeClr val="tx1"/>
-                </a:solidFill>
-                <a:latin typeface="+mn-lt"/>
-                <a:ea typeface="+mn-ea"/>
-                <a:cs typeface="+mn-cs"/>
-              </a:defRPr>
-            </a:lvl2pPr>
-            <a:lvl3pPr marL="1143000" indent="-228600" algn="l" defTabSz="914400" rtl="0" eaLnBrk="1" latinLnBrk="0" hangingPunct="1">
-              <a:spcBef>
-                <a:spcPct val="20000"/>
-              </a:spcBef>
-              <a:buFont typeface="Arial" pitchFamily="34" charset="0"/>
-              <a:buChar char="•"/>
-              <a:defRPr sz="2400" kern="1200">
-                <a:solidFill>
-                  <a:schemeClr val="tx1"/>
-                </a:solidFill>
-                <a:latin typeface="+mn-lt"/>
-                <a:ea typeface="+mn-ea"/>
-                <a:cs typeface="+mn-cs"/>
-              </a:defRPr>
-            </a:lvl3pPr>
-            <a:lvl4pPr marL="1600200" indent="-228600" algn="l" defTabSz="914400" rtl="0" eaLnBrk="1" latinLnBrk="0" hangingPunct="1">
-              <a:spcBef>
-                <a:spcPct val="20000"/>
-              </a:spcBef>
-              <a:buFont typeface="Arial" pitchFamily="34" charset="0"/>
-              <a:buChar char="–"/>
-              <a:defRPr sz="2000" kern="1200">
-                <a:solidFill>
-                  <a:schemeClr val="tx1"/>
-                </a:solidFill>
-                <a:latin typeface="+mn-lt"/>
-                <a:ea typeface="+mn-ea"/>
-                <a:cs typeface="+mn-cs"/>
-              </a:defRPr>
-            </a:lvl4pPr>
-            <a:lvl5pPr marL="2057400" indent="-228600" algn="l" defTabSz="914400" rtl="0" eaLnBrk="1" latinLnBrk="0" hangingPunct="1">
-              <a:spcBef>
-                <a:spcPct val="20000"/>
-              </a:spcBef>
-              <a:buFont typeface="Arial" pitchFamily="34" charset="0"/>
-              <a:buChar char="»"/>
-              <a:defRPr sz="2000" kern="1200">
-                <a:solidFill>
-                  <a:schemeClr val="tx1"/>
-                </a:solidFill>
-                <a:latin typeface="+mn-lt"/>
-                <a:ea typeface="+mn-ea"/>
-                <a:cs typeface="+mn-cs"/>
-              </a:defRPr>
-            </a:lvl5pPr>
-            <a:lvl6pPr marL="2514600" indent="-228600" algn="l" defTabSz="914400" rtl="0" eaLnBrk="1" latinLnBrk="0" hangingPunct="1">
-              <a:spcBef>
-                <a:spcPct val="20000"/>
-              </a:spcBef>
-              <a:buFont typeface="Arial" pitchFamily="34" charset="0"/>
-              <a:buChar char="•"/>
-              <a:defRPr sz="2000" kern="1200">
-                <a:solidFill>
-                  <a:schemeClr val="tx1"/>
-                </a:solidFill>
-                <a:latin typeface="+mn-lt"/>
-                <a:ea typeface="+mn-ea"/>
-                <a:cs typeface="+mn-cs"/>
-              </a:defRPr>
-            </a:lvl6pPr>
-            <a:lvl7pPr marL="2971800" indent="-228600" algn="l" defTabSz="914400" rtl="0" eaLnBrk="1" latinLnBrk="0" hangingPunct="1">
-              <a:spcBef>
-                <a:spcPct val="20000"/>
-              </a:spcBef>
-              <a:buFont typeface="Arial" pitchFamily="34" charset="0"/>
-              <a:buChar char="•"/>
-              <a:defRPr sz="2000" kern="1200">
-                <a:solidFill>
-                  <a:schemeClr val="tx1"/>
-                </a:solidFill>
-                <a:latin typeface="+mn-lt"/>
-                <a:ea typeface="+mn-ea"/>
-                <a:cs typeface="+mn-cs"/>
-              </a:defRPr>
-            </a:lvl7pPr>
-            <a:lvl8pPr marL="3429000" indent="-228600" algn="l" defTabSz="914400" rtl="0" eaLnBrk="1" latinLnBrk="0" hangingPunct="1">
-              <a:spcBef>
-                <a:spcPct val="20000"/>
-              </a:spcBef>
-              <a:buFont typeface="Arial" pitchFamily="34" charset="0"/>
-              <a:buChar char="•"/>
-              <a:defRPr sz="2000" kern="1200">
-                <a:solidFill>
-                  <a:schemeClr val="tx1"/>
-                </a:solidFill>
-                <a:latin typeface="+mn-lt"/>
-                <a:ea typeface="+mn-ea"/>
-                <a:cs typeface="+mn-cs"/>
-              </a:defRPr>
-            </a:lvl8pPr>
-            <a:lvl9pPr marL="3886200" indent="-228600" algn="l" defTabSz="914400" rtl="0" eaLnBrk="1" latinLnBrk="0" hangingPunct="1">
-              <a:spcBef>
-                <a:spcPct val="20000"/>
-              </a:spcBef>
-              <a:buFont typeface="Arial" pitchFamily="34" charset="0"/>
-              <a:buChar char="•"/>
-              <a:defRPr sz="2000" kern="1200">
-                <a:solidFill>
-                  <a:schemeClr val="tx1"/>
-                </a:solidFill>
-                <a:latin typeface="+mn-lt"/>
-                <a:ea typeface="+mn-ea"/>
-                <a:cs typeface="+mn-cs"/>
-              </a:defRPr>
-            </a:lvl9pPr>
-          </a:lstStyle>
-          <a:p>
-            <a:pPr marL="0" indent="0">
-              <a:buNone/>
-            </a:pPr>
-            <a:r>
-              <a:rPr lang="en-US" sz="4000" b="1" dirty="0"/>
-              <a:t>Crime</a:t>
-            </a:r>
-          </a:p>
-          <a:p>
-            <a:pPr marL="0" indent="0">
-              <a:buNone/>
-            </a:pPr>
-            <a:r>
-              <a:rPr lang="en-US" sz="1800" dirty="0"/>
-              <a:t>	</a:t>
-            </a:r>
-            <a:r>
-              <a:rPr lang="en-US" sz="2400" dirty="0"/>
-              <a:t>Bringing emotional and personal feud into a professional environment.</a:t>
-            </a:r>
-          </a:p>
-          <a:p>
-            <a:pPr marL="0" indent="0">
-              <a:buNone/>
-            </a:pPr>
-            <a:endParaRPr lang="en-US" sz="2400" dirty="0"/>
-          </a:p>
-        </p:txBody>
-      </p:sp>
-    </p:spTree>
-    <p:extLst>
-      <p:ext uri="{BB962C8B-B14F-4D97-AF65-F5344CB8AC3E}">
-        <p14:creationId xmlns:p14="http://schemas.microsoft.com/office/powerpoint/2010/main" val="2015197701"/>
       </p:ext>
     </p:extLst>
   </p:cSld>
@@ -6335,19 +6302,20 @@
       </p:grpSpPr>
       <p:sp>
         <p:nvSpPr>
-          <p:cNvPr id="8" name="Text Placeholder 2"/>
-          <p:cNvSpPr>
-            <a:spLocks noGrp="1"/>
+          <p:cNvPr id="3" name="Text Placeholder 2"/>
+          <p:cNvSpPr txBox="1">
+            <a:spLocks/>
           </p:cNvSpPr>
-          <p:nvPr>
-            <p:ph type="body" idx="1"/>
-          </p:nvPr>
+          <p:nvPr/>
         </p:nvSpPr>
         <p:spPr>
           <a:xfrm>
-            <a:off x="296261" y="2702745"/>
-            <a:ext cx="4275738" cy="479822"/>
-          </a:xfrm>
+            <a:off x="296261" y="2724451"/>
+            <a:ext cx="4275738" cy="458115"/>
+          </a:xfrm>
+          <a:prstGeom prst="rect">
+            <a:avLst/>
+          </a:prstGeom>
           <a:ln w="28575">
             <a:solidFill>
               <a:srgbClr val="E39A39"/>
@@ -6356,10 +6324,149 @@
         </p:spPr>
         <p:txBody>
           <a:bodyPr/>
-          <a:lstStyle/>
-          <a:p>
-            <a:r>
-              <a:rPr lang="en-US" b="0" dirty="0">
+          <a:lstStyle>
+            <a:lvl1pPr marL="342900" indent="-342900" algn="l" defTabSz="914400" rtl="0" eaLnBrk="1" latinLnBrk="0" hangingPunct="1">
+              <a:spcBef>
+                <a:spcPct val="20000"/>
+              </a:spcBef>
+              <a:buFont typeface="Arial" pitchFamily="34" charset="0"/>
+              <a:buChar char="•"/>
+              <a:defRPr sz="3200" kern="1200">
+                <a:solidFill>
+                  <a:schemeClr val="tx1"/>
+                </a:solidFill>
+                <a:latin typeface="+mn-lt"/>
+                <a:ea typeface="+mn-ea"/>
+                <a:cs typeface="+mn-cs"/>
+              </a:defRPr>
+            </a:lvl1pPr>
+            <a:lvl2pPr marL="742950" indent="-285750" algn="l" defTabSz="914400" rtl="0" eaLnBrk="1" latinLnBrk="0" hangingPunct="1">
+              <a:spcBef>
+                <a:spcPct val="20000"/>
+              </a:spcBef>
+              <a:buFont typeface="Arial" pitchFamily="34" charset="0"/>
+              <a:buChar char="–"/>
+              <a:defRPr sz="2800" kern="1200">
+                <a:solidFill>
+                  <a:schemeClr val="tx1"/>
+                </a:solidFill>
+                <a:latin typeface="+mn-lt"/>
+                <a:ea typeface="+mn-ea"/>
+                <a:cs typeface="+mn-cs"/>
+              </a:defRPr>
+            </a:lvl2pPr>
+            <a:lvl3pPr marL="1143000" indent="-228600" algn="l" defTabSz="914400" rtl="0" eaLnBrk="1" latinLnBrk="0" hangingPunct="1">
+              <a:spcBef>
+                <a:spcPct val="20000"/>
+              </a:spcBef>
+              <a:buFont typeface="Arial" pitchFamily="34" charset="0"/>
+              <a:buChar char="•"/>
+              <a:defRPr sz="2400" kern="1200">
+                <a:solidFill>
+                  <a:schemeClr val="tx1"/>
+                </a:solidFill>
+                <a:latin typeface="+mn-lt"/>
+                <a:ea typeface="+mn-ea"/>
+                <a:cs typeface="+mn-cs"/>
+              </a:defRPr>
+            </a:lvl3pPr>
+            <a:lvl4pPr marL="1600200" indent="-228600" algn="l" defTabSz="914400" rtl="0" eaLnBrk="1" latinLnBrk="0" hangingPunct="1">
+              <a:spcBef>
+                <a:spcPct val="20000"/>
+              </a:spcBef>
+              <a:buFont typeface="Arial" pitchFamily="34" charset="0"/>
+              <a:buChar char="–"/>
+              <a:defRPr sz="2000" kern="1200">
+                <a:solidFill>
+                  <a:schemeClr val="tx1"/>
+                </a:solidFill>
+                <a:latin typeface="+mn-lt"/>
+                <a:ea typeface="+mn-ea"/>
+                <a:cs typeface="+mn-cs"/>
+              </a:defRPr>
+            </a:lvl4pPr>
+            <a:lvl5pPr marL="2057400" indent="-228600" algn="l" defTabSz="914400" rtl="0" eaLnBrk="1" latinLnBrk="0" hangingPunct="1">
+              <a:spcBef>
+                <a:spcPct val="20000"/>
+              </a:spcBef>
+              <a:buFont typeface="Arial" pitchFamily="34" charset="0"/>
+              <a:buChar char="»"/>
+              <a:defRPr sz="2000" kern="1200">
+                <a:solidFill>
+                  <a:schemeClr val="tx1"/>
+                </a:solidFill>
+                <a:latin typeface="+mn-lt"/>
+                <a:ea typeface="+mn-ea"/>
+                <a:cs typeface="+mn-cs"/>
+              </a:defRPr>
+            </a:lvl5pPr>
+            <a:lvl6pPr marL="2514600" indent="-228600" algn="l" defTabSz="914400" rtl="0" eaLnBrk="1" latinLnBrk="0" hangingPunct="1">
+              <a:spcBef>
+                <a:spcPct val="20000"/>
+              </a:spcBef>
+              <a:buFont typeface="Arial" pitchFamily="34" charset="0"/>
+              <a:buChar char="•"/>
+              <a:defRPr sz="2000" kern="1200">
+                <a:solidFill>
+                  <a:schemeClr val="tx1"/>
+                </a:solidFill>
+                <a:latin typeface="+mn-lt"/>
+                <a:ea typeface="+mn-ea"/>
+                <a:cs typeface="+mn-cs"/>
+              </a:defRPr>
+            </a:lvl6pPr>
+            <a:lvl7pPr marL="2971800" indent="-228600" algn="l" defTabSz="914400" rtl="0" eaLnBrk="1" latinLnBrk="0" hangingPunct="1">
+              <a:spcBef>
+                <a:spcPct val="20000"/>
+              </a:spcBef>
+              <a:buFont typeface="Arial" pitchFamily="34" charset="0"/>
+              <a:buChar char="•"/>
+              <a:defRPr sz="2000" kern="1200">
+                <a:solidFill>
+                  <a:schemeClr val="tx1"/>
+                </a:solidFill>
+                <a:latin typeface="+mn-lt"/>
+                <a:ea typeface="+mn-ea"/>
+                <a:cs typeface="+mn-cs"/>
+              </a:defRPr>
+            </a:lvl7pPr>
+            <a:lvl8pPr marL="3429000" indent="-228600" algn="l" defTabSz="914400" rtl="0" eaLnBrk="1" latinLnBrk="0" hangingPunct="1">
+              <a:spcBef>
+                <a:spcPct val="20000"/>
+              </a:spcBef>
+              <a:buFont typeface="Arial" pitchFamily="34" charset="0"/>
+              <a:buChar char="•"/>
+              <a:defRPr sz="2000" kern="1200">
+                <a:solidFill>
+                  <a:schemeClr val="tx1"/>
+                </a:solidFill>
+                <a:latin typeface="+mn-lt"/>
+                <a:ea typeface="+mn-ea"/>
+                <a:cs typeface="+mn-cs"/>
+              </a:defRPr>
+            </a:lvl8pPr>
+            <a:lvl9pPr marL="3886200" indent="-228600" algn="l" defTabSz="914400" rtl="0" eaLnBrk="1" latinLnBrk="0" hangingPunct="1">
+              <a:spcBef>
+                <a:spcPct val="20000"/>
+              </a:spcBef>
+              <a:buFont typeface="Arial" pitchFamily="34" charset="0"/>
+              <a:buChar char="•"/>
+              <a:defRPr sz="2000" kern="1200">
+                <a:solidFill>
+                  <a:schemeClr val="tx1"/>
+                </a:solidFill>
+                <a:latin typeface="+mn-lt"/>
+                <a:ea typeface="+mn-ea"/>
+                <a:cs typeface="+mn-cs"/>
+              </a:defRPr>
+            </a:lvl9pPr>
+          </a:lstStyle>
+          <a:p>
+            <a:pPr marL="0" indent="0" algn="ctr">
+              <a:buNone/>
+            </a:pPr>
+            <a:r>
+              <a:rPr lang="en-US" sz="2400" dirty="0">
                 <a:solidFill>
                   <a:srgbClr val="232D48"/>
                 </a:solidFill>
@@ -6371,19 +6478,198 @@
       </p:sp>
       <p:sp>
         <p:nvSpPr>
-          <p:cNvPr id="9" name="Content Placeholder 3"/>
-          <p:cNvSpPr>
-            <a:spLocks noGrp="1"/>
+          <p:cNvPr id="4" name="Text Placeholder 4"/>
+          <p:cNvSpPr txBox="1">
+            <a:spLocks/>
           </p:cNvSpPr>
-          <p:nvPr>
-            <p:ph sz="half" idx="2"/>
-          </p:nvPr>
+          <p:nvPr/>
         </p:nvSpPr>
         <p:spPr>
           <a:xfrm>
-            <a:off x="296259" y="3182570"/>
-            <a:ext cx="4280806" cy="1957951"/>
-          </a:xfrm>
+            <a:off x="4572000" y="2724454"/>
+            <a:ext cx="4275740" cy="458113"/>
+          </a:xfrm>
+          <a:prstGeom prst="rect">
+            <a:avLst/>
+          </a:prstGeom>
+          <a:ln w="28575">
+            <a:solidFill>
+              <a:srgbClr val="E39A39"/>
+            </a:solidFill>
+          </a:ln>
+        </p:spPr>
+        <p:txBody>
+          <a:bodyPr>
+            <a:normAutofit/>
+          </a:bodyPr>
+          <a:lstStyle>
+            <a:lvl1pPr marL="342900" indent="-342900" algn="l" defTabSz="914400" rtl="0" eaLnBrk="1" latinLnBrk="0" hangingPunct="1">
+              <a:spcBef>
+                <a:spcPct val="20000"/>
+              </a:spcBef>
+              <a:buFont typeface="Arial" pitchFamily="34" charset="0"/>
+              <a:buChar char="•"/>
+              <a:defRPr sz="3200" kern="1200">
+                <a:solidFill>
+                  <a:schemeClr val="tx1"/>
+                </a:solidFill>
+                <a:latin typeface="+mn-lt"/>
+                <a:ea typeface="+mn-ea"/>
+                <a:cs typeface="+mn-cs"/>
+              </a:defRPr>
+            </a:lvl1pPr>
+            <a:lvl2pPr marL="742950" indent="-285750" algn="l" defTabSz="914400" rtl="0" eaLnBrk="1" latinLnBrk="0" hangingPunct="1">
+              <a:spcBef>
+                <a:spcPct val="20000"/>
+              </a:spcBef>
+              <a:buFont typeface="Arial" pitchFamily="34" charset="0"/>
+              <a:buChar char="–"/>
+              <a:defRPr sz="2800" kern="1200">
+                <a:solidFill>
+                  <a:schemeClr val="tx1"/>
+                </a:solidFill>
+                <a:latin typeface="+mn-lt"/>
+                <a:ea typeface="+mn-ea"/>
+                <a:cs typeface="+mn-cs"/>
+              </a:defRPr>
+            </a:lvl2pPr>
+            <a:lvl3pPr marL="1143000" indent="-228600" algn="l" defTabSz="914400" rtl="0" eaLnBrk="1" latinLnBrk="0" hangingPunct="1">
+              <a:spcBef>
+                <a:spcPct val="20000"/>
+              </a:spcBef>
+              <a:buFont typeface="Arial" pitchFamily="34" charset="0"/>
+              <a:buChar char="•"/>
+              <a:defRPr sz="2400" kern="1200">
+                <a:solidFill>
+                  <a:schemeClr val="tx1"/>
+                </a:solidFill>
+                <a:latin typeface="+mn-lt"/>
+                <a:ea typeface="+mn-ea"/>
+                <a:cs typeface="+mn-cs"/>
+              </a:defRPr>
+            </a:lvl3pPr>
+            <a:lvl4pPr marL="1600200" indent="-228600" algn="l" defTabSz="914400" rtl="0" eaLnBrk="1" latinLnBrk="0" hangingPunct="1">
+              <a:spcBef>
+                <a:spcPct val="20000"/>
+              </a:spcBef>
+              <a:buFont typeface="Arial" pitchFamily="34" charset="0"/>
+              <a:buChar char="–"/>
+              <a:defRPr sz="2000" kern="1200">
+                <a:solidFill>
+                  <a:schemeClr val="tx1"/>
+                </a:solidFill>
+                <a:latin typeface="+mn-lt"/>
+                <a:ea typeface="+mn-ea"/>
+                <a:cs typeface="+mn-cs"/>
+              </a:defRPr>
+            </a:lvl4pPr>
+            <a:lvl5pPr marL="2057400" indent="-228600" algn="l" defTabSz="914400" rtl="0" eaLnBrk="1" latinLnBrk="0" hangingPunct="1">
+              <a:spcBef>
+                <a:spcPct val="20000"/>
+              </a:spcBef>
+              <a:buFont typeface="Arial" pitchFamily="34" charset="0"/>
+              <a:buChar char="»"/>
+              <a:defRPr sz="2000" kern="1200">
+                <a:solidFill>
+                  <a:schemeClr val="tx1"/>
+                </a:solidFill>
+                <a:latin typeface="+mn-lt"/>
+                <a:ea typeface="+mn-ea"/>
+                <a:cs typeface="+mn-cs"/>
+              </a:defRPr>
+            </a:lvl5pPr>
+            <a:lvl6pPr marL="2514600" indent="-228600" algn="l" defTabSz="914400" rtl="0" eaLnBrk="1" latinLnBrk="0" hangingPunct="1">
+              <a:spcBef>
+                <a:spcPct val="20000"/>
+              </a:spcBef>
+              <a:buFont typeface="Arial" pitchFamily="34" charset="0"/>
+              <a:buChar char="•"/>
+              <a:defRPr sz="2000" kern="1200">
+                <a:solidFill>
+                  <a:schemeClr val="tx1"/>
+                </a:solidFill>
+                <a:latin typeface="+mn-lt"/>
+                <a:ea typeface="+mn-ea"/>
+                <a:cs typeface="+mn-cs"/>
+              </a:defRPr>
+            </a:lvl6pPr>
+            <a:lvl7pPr marL="2971800" indent="-228600" algn="l" defTabSz="914400" rtl="0" eaLnBrk="1" latinLnBrk="0" hangingPunct="1">
+              <a:spcBef>
+                <a:spcPct val="20000"/>
+              </a:spcBef>
+              <a:buFont typeface="Arial" pitchFamily="34" charset="0"/>
+              <a:buChar char="•"/>
+              <a:defRPr sz="2000" kern="1200">
+                <a:solidFill>
+                  <a:schemeClr val="tx1"/>
+                </a:solidFill>
+                <a:latin typeface="+mn-lt"/>
+                <a:ea typeface="+mn-ea"/>
+                <a:cs typeface="+mn-cs"/>
+              </a:defRPr>
+            </a:lvl7pPr>
+            <a:lvl8pPr marL="3429000" indent="-228600" algn="l" defTabSz="914400" rtl="0" eaLnBrk="1" latinLnBrk="0" hangingPunct="1">
+              <a:spcBef>
+                <a:spcPct val="20000"/>
+              </a:spcBef>
+              <a:buFont typeface="Arial" pitchFamily="34" charset="0"/>
+              <a:buChar char="•"/>
+              <a:defRPr sz="2000" kern="1200">
+                <a:solidFill>
+                  <a:schemeClr val="tx1"/>
+                </a:solidFill>
+                <a:latin typeface="+mn-lt"/>
+                <a:ea typeface="+mn-ea"/>
+                <a:cs typeface="+mn-cs"/>
+              </a:defRPr>
+            </a:lvl8pPr>
+            <a:lvl9pPr marL="3886200" indent="-228600" algn="l" defTabSz="914400" rtl="0" eaLnBrk="1" latinLnBrk="0" hangingPunct="1">
+              <a:spcBef>
+                <a:spcPct val="20000"/>
+              </a:spcBef>
+              <a:buFont typeface="Arial" pitchFamily="34" charset="0"/>
+              <a:buChar char="•"/>
+              <a:defRPr sz="2000" kern="1200">
+                <a:solidFill>
+                  <a:schemeClr val="tx1"/>
+                </a:solidFill>
+                <a:latin typeface="+mn-lt"/>
+                <a:ea typeface="+mn-ea"/>
+                <a:cs typeface="+mn-cs"/>
+              </a:defRPr>
+            </a:lvl9pPr>
+          </a:lstStyle>
+          <a:p>
+            <a:pPr marL="0" indent="0" algn="ctr">
+              <a:buNone/>
+            </a:pPr>
+            <a:r>
+              <a:rPr lang="en-US" sz="2400" dirty="0">
+                <a:solidFill>
+                  <a:srgbClr val="232D48"/>
+                </a:solidFill>
+              </a:rPr>
+              <a:t>BCS Code of Conduct</a:t>
+            </a:r>
+          </a:p>
+        </p:txBody>
+      </p:sp>
+      <p:sp>
+        <p:nvSpPr>
+          <p:cNvPr id="5" name="Content Placeholder 5"/>
+          <p:cNvSpPr txBox="1">
+            <a:spLocks/>
+          </p:cNvSpPr>
+          <p:nvPr/>
+        </p:nvSpPr>
+        <p:spPr>
+          <a:xfrm>
+            <a:off x="4571999" y="3182569"/>
+            <a:ext cx="4275741" cy="1832461"/>
+          </a:xfrm>
+          <a:prstGeom prst="rect">
+            <a:avLst/>
+          </a:prstGeom>
           <a:solidFill>
             <a:srgbClr val="232D48"/>
           </a:solidFill>
@@ -6397,75 +6683,187 @@
           <a:bodyPr>
             <a:normAutofit/>
           </a:bodyPr>
-          <a:lstStyle/>
-          <a:p>
-            <a:pPr marL="0" indent="0">
+          <a:lstStyle>
+            <a:lvl1pPr marL="342900" indent="-342900" algn="l" defTabSz="914400" rtl="0" eaLnBrk="1" latinLnBrk="0" hangingPunct="1">
+              <a:spcBef>
+                <a:spcPct val="20000"/>
+              </a:spcBef>
+              <a:buFont typeface="Arial" pitchFamily="34" charset="0"/>
+              <a:buChar char="•"/>
+              <a:defRPr sz="3200" kern="1200">
+                <a:solidFill>
+                  <a:schemeClr val="tx1"/>
+                </a:solidFill>
+                <a:latin typeface="+mn-lt"/>
+                <a:ea typeface="+mn-ea"/>
+                <a:cs typeface="+mn-cs"/>
+              </a:defRPr>
+            </a:lvl1pPr>
+            <a:lvl2pPr marL="742950" indent="-285750" algn="l" defTabSz="914400" rtl="0" eaLnBrk="1" latinLnBrk="0" hangingPunct="1">
+              <a:spcBef>
+                <a:spcPct val="20000"/>
+              </a:spcBef>
+              <a:buFont typeface="Arial" pitchFamily="34" charset="0"/>
+              <a:buChar char="–"/>
+              <a:defRPr sz="2800" kern="1200">
+                <a:solidFill>
+                  <a:schemeClr val="tx1"/>
+                </a:solidFill>
+                <a:latin typeface="+mn-lt"/>
+                <a:ea typeface="+mn-ea"/>
+                <a:cs typeface="+mn-cs"/>
+              </a:defRPr>
+            </a:lvl2pPr>
+            <a:lvl3pPr marL="1143000" indent="-228600" algn="l" defTabSz="914400" rtl="0" eaLnBrk="1" latinLnBrk="0" hangingPunct="1">
+              <a:spcBef>
+                <a:spcPct val="20000"/>
+              </a:spcBef>
+              <a:buFont typeface="Arial" pitchFamily="34" charset="0"/>
+              <a:buChar char="•"/>
+              <a:defRPr sz="2400" kern="1200">
+                <a:solidFill>
+                  <a:schemeClr val="tx1"/>
+                </a:solidFill>
+                <a:latin typeface="+mn-lt"/>
+                <a:ea typeface="+mn-ea"/>
+                <a:cs typeface="+mn-cs"/>
+              </a:defRPr>
+            </a:lvl3pPr>
+            <a:lvl4pPr marL="1600200" indent="-228600" algn="l" defTabSz="914400" rtl="0" eaLnBrk="1" latinLnBrk="0" hangingPunct="1">
+              <a:spcBef>
+                <a:spcPct val="20000"/>
+              </a:spcBef>
+              <a:buFont typeface="Arial" pitchFamily="34" charset="0"/>
+              <a:buChar char="–"/>
+              <a:defRPr sz="2000" kern="1200">
+                <a:solidFill>
+                  <a:schemeClr val="tx1"/>
+                </a:solidFill>
+                <a:latin typeface="+mn-lt"/>
+                <a:ea typeface="+mn-ea"/>
+                <a:cs typeface="+mn-cs"/>
+              </a:defRPr>
+            </a:lvl4pPr>
+            <a:lvl5pPr marL="2057400" indent="-228600" algn="l" defTabSz="914400" rtl="0" eaLnBrk="1" latinLnBrk="0" hangingPunct="1">
+              <a:spcBef>
+                <a:spcPct val="20000"/>
+              </a:spcBef>
+              <a:buFont typeface="Arial" pitchFamily="34" charset="0"/>
+              <a:buChar char="»"/>
+              <a:defRPr sz="2000" kern="1200">
+                <a:solidFill>
+                  <a:schemeClr val="tx1"/>
+                </a:solidFill>
+                <a:latin typeface="+mn-lt"/>
+                <a:ea typeface="+mn-ea"/>
+                <a:cs typeface="+mn-cs"/>
+              </a:defRPr>
+            </a:lvl5pPr>
+            <a:lvl6pPr marL="2514600" indent="-228600" algn="l" defTabSz="914400" rtl="0" eaLnBrk="1" latinLnBrk="0" hangingPunct="1">
+              <a:spcBef>
+                <a:spcPct val="20000"/>
+              </a:spcBef>
+              <a:buFont typeface="Arial" pitchFamily="34" charset="0"/>
+              <a:buChar char="•"/>
+              <a:defRPr sz="2000" kern="1200">
+                <a:solidFill>
+                  <a:schemeClr val="tx1"/>
+                </a:solidFill>
+                <a:latin typeface="+mn-lt"/>
+                <a:ea typeface="+mn-ea"/>
+                <a:cs typeface="+mn-cs"/>
+              </a:defRPr>
+            </a:lvl6pPr>
+            <a:lvl7pPr marL="2971800" indent="-228600" algn="l" defTabSz="914400" rtl="0" eaLnBrk="1" latinLnBrk="0" hangingPunct="1">
+              <a:spcBef>
+                <a:spcPct val="20000"/>
+              </a:spcBef>
+              <a:buFont typeface="Arial" pitchFamily="34" charset="0"/>
+              <a:buChar char="•"/>
+              <a:defRPr sz="2000" kern="1200">
+                <a:solidFill>
+                  <a:schemeClr val="tx1"/>
+                </a:solidFill>
+                <a:latin typeface="+mn-lt"/>
+                <a:ea typeface="+mn-ea"/>
+                <a:cs typeface="+mn-cs"/>
+              </a:defRPr>
+            </a:lvl7pPr>
+            <a:lvl8pPr marL="3429000" indent="-228600" algn="l" defTabSz="914400" rtl="0" eaLnBrk="1" latinLnBrk="0" hangingPunct="1">
+              <a:spcBef>
+                <a:spcPct val="20000"/>
+              </a:spcBef>
+              <a:buFont typeface="Arial" pitchFamily="34" charset="0"/>
+              <a:buChar char="•"/>
+              <a:defRPr sz="2000" kern="1200">
+                <a:solidFill>
+                  <a:schemeClr val="tx1"/>
+                </a:solidFill>
+                <a:latin typeface="+mn-lt"/>
+                <a:ea typeface="+mn-ea"/>
+                <a:cs typeface="+mn-cs"/>
+              </a:defRPr>
+            </a:lvl8pPr>
+            <a:lvl9pPr marL="3886200" indent="-228600" algn="l" defTabSz="914400" rtl="0" eaLnBrk="1" latinLnBrk="0" hangingPunct="1">
+              <a:spcBef>
+                <a:spcPct val="20000"/>
+              </a:spcBef>
+              <a:buFont typeface="Arial" pitchFamily="34" charset="0"/>
+              <a:buChar char="•"/>
+              <a:defRPr sz="2000" kern="1200">
+                <a:solidFill>
+                  <a:schemeClr val="tx1"/>
+                </a:solidFill>
+                <a:latin typeface="+mn-lt"/>
+                <a:ea typeface="+mn-ea"/>
+                <a:cs typeface="+mn-cs"/>
+              </a:defRPr>
+            </a:lvl9pPr>
+          </a:lstStyle>
+          <a:p>
+            <a:pPr marL="0" indent="0" algn="ctr">
               <a:buNone/>
             </a:pPr>
             <a:r>
-              <a:rPr lang="en-US" dirty="0">
+              <a:rPr lang="en-US" sz="2200" dirty="0">
                 <a:solidFill>
                   <a:schemeClr val="bg1"/>
                 </a:solidFill>
               </a:rPr>
-              <a:t>1.1 Contribute to society and to human well-being, acknowledging that all people are stakeholders in computing.</a:t>
-            </a:r>
-          </a:p>
-        </p:txBody>
-      </p:sp>
-      <p:sp>
-        <p:nvSpPr>
-          <p:cNvPr id="10" name="Text Placeholder 4"/>
-          <p:cNvSpPr>
-            <a:spLocks noGrp="1"/>
+              <a:t>4. Duty to the Profession</a:t>
+            </a:r>
+          </a:p>
+          <a:p>
+            <a:pPr marL="0" indent="0" algn="ctr">
+              <a:buNone/>
+            </a:pPr>
+            <a:r>
+              <a:rPr lang="en-US" sz="2200" dirty="0">
+                <a:solidFill>
+                  <a:schemeClr val="bg1"/>
+                </a:solidFill>
+              </a:rPr>
+              <a:t>d) Act with integrity and respect in your professional relationships with all members </a:t>
+            </a:r>
+          </a:p>
+        </p:txBody>
+      </p:sp>
+      <p:sp>
+        <p:nvSpPr>
+          <p:cNvPr id="9" name="Content Placeholder 3"/>
+          <p:cNvSpPr txBox="1">
+            <a:spLocks/>
           </p:cNvSpPr>
-          <p:nvPr>
-            <p:ph type="body" sz="quarter" idx="3"/>
-          </p:nvPr>
+          <p:nvPr/>
         </p:nvSpPr>
         <p:spPr>
           <a:xfrm>
-            <a:off x="4572000" y="2702746"/>
-            <a:ext cx="4275740" cy="479822"/>
-          </a:xfrm>
-          <a:ln w="28575">
-            <a:solidFill>
-              <a:srgbClr val="E39A39"/>
-            </a:solidFill>
-          </a:ln>
-        </p:spPr>
-        <p:txBody>
-          <a:bodyPr>
-            <a:normAutofit/>
-          </a:bodyPr>
-          <a:lstStyle/>
-          <a:p>
-            <a:r>
-              <a:rPr lang="en-US" b="0" dirty="0">
-                <a:solidFill>
-                  <a:srgbClr val="232D48"/>
-                </a:solidFill>
-              </a:rPr>
-              <a:t>BCS Code of Conduct</a:t>
-            </a:r>
-          </a:p>
-        </p:txBody>
-      </p:sp>
-      <p:sp>
-        <p:nvSpPr>
-          <p:cNvPr id="11" name="Content Placeholder 5"/>
-          <p:cNvSpPr>
-            <a:spLocks noGrp="1"/>
-          </p:cNvSpPr>
-          <p:nvPr>
-            <p:ph sz="quarter" idx="4"/>
-          </p:nvPr>
-        </p:nvSpPr>
-        <p:spPr>
-          <a:xfrm>
-            <a:off x="4571999" y="3182569"/>
-            <a:ext cx="4275741" cy="1957951"/>
-          </a:xfrm>
+            <a:off x="296259" y="3182571"/>
+            <a:ext cx="4280806" cy="1832460"/>
+          </a:xfrm>
+          <a:prstGeom prst="rect">
+            <a:avLst/>
+          </a:prstGeom>
           <a:solidFill>
             <a:srgbClr val="232D48"/>
           </a:solidFill>
@@ -6477,40 +6875,163 @@
         </p:spPr>
         <p:txBody>
           <a:bodyPr>
-            <a:normAutofit/>
+            <a:noAutofit/>
           </a:bodyPr>
-          <a:lstStyle/>
-          <a:p>
-            <a:pPr marL="0" indent="0">
+          <a:lstStyle>
+            <a:lvl1pPr marL="342900" indent="-342900" algn="l" defTabSz="914400" rtl="0" eaLnBrk="1" latinLnBrk="0" hangingPunct="1">
+              <a:spcBef>
+                <a:spcPct val="20000"/>
+              </a:spcBef>
+              <a:buFont typeface="Arial" pitchFamily="34" charset="0"/>
+              <a:buChar char="•"/>
+              <a:defRPr sz="3200" kern="1200">
+                <a:solidFill>
+                  <a:schemeClr val="tx1"/>
+                </a:solidFill>
+                <a:latin typeface="+mn-lt"/>
+                <a:ea typeface="+mn-ea"/>
+                <a:cs typeface="+mn-cs"/>
+              </a:defRPr>
+            </a:lvl1pPr>
+            <a:lvl2pPr marL="742950" indent="-285750" algn="l" defTabSz="914400" rtl="0" eaLnBrk="1" latinLnBrk="0" hangingPunct="1">
+              <a:spcBef>
+                <a:spcPct val="20000"/>
+              </a:spcBef>
+              <a:buFont typeface="Arial" pitchFamily="34" charset="0"/>
+              <a:buChar char="–"/>
+              <a:defRPr sz="2800" kern="1200">
+                <a:solidFill>
+                  <a:schemeClr val="tx1"/>
+                </a:solidFill>
+                <a:latin typeface="+mn-lt"/>
+                <a:ea typeface="+mn-ea"/>
+                <a:cs typeface="+mn-cs"/>
+              </a:defRPr>
+            </a:lvl2pPr>
+            <a:lvl3pPr marL="1143000" indent="-228600" algn="l" defTabSz="914400" rtl="0" eaLnBrk="1" latinLnBrk="0" hangingPunct="1">
+              <a:spcBef>
+                <a:spcPct val="20000"/>
+              </a:spcBef>
+              <a:buFont typeface="Arial" pitchFamily="34" charset="0"/>
+              <a:buChar char="•"/>
+              <a:defRPr sz="2400" kern="1200">
+                <a:solidFill>
+                  <a:schemeClr val="tx1"/>
+                </a:solidFill>
+                <a:latin typeface="+mn-lt"/>
+                <a:ea typeface="+mn-ea"/>
+                <a:cs typeface="+mn-cs"/>
+              </a:defRPr>
+            </a:lvl3pPr>
+            <a:lvl4pPr marL="1600200" indent="-228600" algn="l" defTabSz="914400" rtl="0" eaLnBrk="1" latinLnBrk="0" hangingPunct="1">
+              <a:spcBef>
+                <a:spcPct val="20000"/>
+              </a:spcBef>
+              <a:buFont typeface="Arial" pitchFamily="34" charset="0"/>
+              <a:buChar char="–"/>
+              <a:defRPr sz="2000" kern="1200">
+                <a:solidFill>
+                  <a:schemeClr val="tx1"/>
+                </a:solidFill>
+                <a:latin typeface="+mn-lt"/>
+                <a:ea typeface="+mn-ea"/>
+                <a:cs typeface="+mn-cs"/>
+              </a:defRPr>
+            </a:lvl4pPr>
+            <a:lvl5pPr marL="2057400" indent="-228600" algn="l" defTabSz="914400" rtl="0" eaLnBrk="1" latinLnBrk="0" hangingPunct="1">
+              <a:spcBef>
+                <a:spcPct val="20000"/>
+              </a:spcBef>
+              <a:buFont typeface="Arial" pitchFamily="34" charset="0"/>
+              <a:buChar char="»"/>
+              <a:defRPr sz="2000" kern="1200">
+                <a:solidFill>
+                  <a:schemeClr val="tx1"/>
+                </a:solidFill>
+                <a:latin typeface="+mn-lt"/>
+                <a:ea typeface="+mn-ea"/>
+                <a:cs typeface="+mn-cs"/>
+              </a:defRPr>
+            </a:lvl5pPr>
+            <a:lvl6pPr marL="2514600" indent="-228600" algn="l" defTabSz="914400" rtl="0" eaLnBrk="1" latinLnBrk="0" hangingPunct="1">
+              <a:spcBef>
+                <a:spcPct val="20000"/>
+              </a:spcBef>
+              <a:buFont typeface="Arial" pitchFamily="34" charset="0"/>
+              <a:buChar char="•"/>
+              <a:defRPr sz="2000" kern="1200">
+                <a:solidFill>
+                  <a:schemeClr val="tx1"/>
+                </a:solidFill>
+                <a:latin typeface="+mn-lt"/>
+                <a:ea typeface="+mn-ea"/>
+                <a:cs typeface="+mn-cs"/>
+              </a:defRPr>
+            </a:lvl6pPr>
+            <a:lvl7pPr marL="2971800" indent="-228600" algn="l" defTabSz="914400" rtl="0" eaLnBrk="1" latinLnBrk="0" hangingPunct="1">
+              <a:spcBef>
+                <a:spcPct val="20000"/>
+              </a:spcBef>
+              <a:buFont typeface="Arial" pitchFamily="34" charset="0"/>
+              <a:buChar char="•"/>
+              <a:defRPr sz="2000" kern="1200">
+                <a:solidFill>
+                  <a:schemeClr val="tx1"/>
+                </a:solidFill>
+                <a:latin typeface="+mn-lt"/>
+                <a:ea typeface="+mn-ea"/>
+                <a:cs typeface="+mn-cs"/>
+              </a:defRPr>
+            </a:lvl7pPr>
+            <a:lvl8pPr marL="3429000" indent="-228600" algn="l" defTabSz="914400" rtl="0" eaLnBrk="1" latinLnBrk="0" hangingPunct="1">
+              <a:spcBef>
+                <a:spcPct val="20000"/>
+              </a:spcBef>
+              <a:buFont typeface="Arial" pitchFamily="34" charset="0"/>
+              <a:buChar char="•"/>
+              <a:defRPr sz="2000" kern="1200">
+                <a:solidFill>
+                  <a:schemeClr val="tx1"/>
+                </a:solidFill>
+                <a:latin typeface="+mn-lt"/>
+                <a:ea typeface="+mn-ea"/>
+                <a:cs typeface="+mn-cs"/>
+              </a:defRPr>
+            </a:lvl8pPr>
+            <a:lvl9pPr marL="3886200" indent="-228600" algn="l" defTabSz="914400" rtl="0" eaLnBrk="1" latinLnBrk="0" hangingPunct="1">
+              <a:spcBef>
+                <a:spcPct val="20000"/>
+              </a:spcBef>
+              <a:buFont typeface="Arial" pitchFamily="34" charset="0"/>
+              <a:buChar char="•"/>
+              <a:defRPr sz="2000" kern="1200">
+                <a:solidFill>
+                  <a:schemeClr val="tx1"/>
+                </a:solidFill>
+                <a:latin typeface="+mn-lt"/>
+                <a:ea typeface="+mn-ea"/>
+                <a:cs typeface="+mn-cs"/>
+              </a:defRPr>
+            </a:lvl9pPr>
+          </a:lstStyle>
+          <a:p>
+            <a:pPr marL="0" indent="0" algn="ctr">
               <a:buNone/>
             </a:pPr>
             <a:r>
-              <a:rPr lang="en-US" dirty="0">
+              <a:rPr lang="en-US" sz="2200" dirty="0">
                 <a:solidFill>
                   <a:schemeClr val="bg1"/>
                 </a:solidFill>
               </a:rPr>
-              <a:t>4. Duty to the Profession</a:t>
-            </a:r>
-          </a:p>
-          <a:p>
-            <a:pPr marL="0" indent="0">
-              <a:buNone/>
-            </a:pPr>
-            <a:r>
-              <a:rPr lang="en-US" dirty="0">
-                <a:solidFill>
-                  <a:schemeClr val="bg1"/>
-                </a:solidFill>
-              </a:rPr>
-              <a:t>f) Encourage and support fellow members in their professional development.</a:t>
-            </a:r>
-          </a:p>
-        </p:txBody>
-      </p:sp>
-      <p:sp>
-        <p:nvSpPr>
-          <p:cNvPr id="13" name="Text Placeholder 2"/>
+              <a:t>3.6 Create opportunities for members of the organization and group to learn, respect, and be accountable.</a:t>
+            </a:r>
+          </a:p>
+        </p:txBody>
+      </p:sp>
+      <p:sp>
+        <p:nvSpPr>
+          <p:cNvPr id="12" name="Text Placeholder 2"/>
           <p:cNvSpPr txBox="1">
             <a:spLocks/>
           </p:cNvSpPr>
@@ -6518,8 +7039,8 @@
         </p:nvSpPr>
         <p:spPr>
           <a:xfrm>
-            <a:off x="296259" y="1197405"/>
-            <a:ext cx="8551481" cy="1374345"/>
+            <a:off x="296259" y="1197406"/>
+            <a:ext cx="8551481" cy="916229"/>
           </a:xfrm>
           <a:prstGeom prst="rect">
             <a:avLst/>
@@ -6686,7 +7207,7 @@
             </a:r>
             <a:r>
               <a:rPr lang="en-US" sz="2400" dirty="0"/>
-              <a:t>Placing a lot of pressure on team members.</a:t>
+              <a:t>Bringing emotional and personal feud into a professional environment.</a:t>
             </a:r>
           </a:p>
           <a:p>
@@ -6700,7 +7221,7 @@
     </p:spTree>
     <p:extLst>
       <p:ext uri="{BB962C8B-B14F-4D97-AF65-F5344CB8AC3E}">
-        <p14:creationId xmlns:p14="http://schemas.microsoft.com/office/powerpoint/2010/main" val="3845035464"/>
+        <p14:creationId xmlns:p14="http://schemas.microsoft.com/office/powerpoint/2010/main" val="2015197701"/>
       </p:ext>
     </p:extLst>
   </p:cSld>
@@ -6729,20 +7250,19 @@
       </p:grpSpPr>
       <p:sp>
         <p:nvSpPr>
-          <p:cNvPr id="2" name="Text Placeholder 2"/>
-          <p:cNvSpPr txBox="1">
-            <a:spLocks/>
+          <p:cNvPr id="8" name="Text Placeholder 2"/>
+          <p:cNvSpPr>
+            <a:spLocks noGrp="1"/>
           </p:cNvSpPr>
-          <p:nvPr/>
+          <p:nvPr>
+            <p:ph type="body" idx="1"/>
+          </p:nvPr>
         </p:nvSpPr>
         <p:spPr>
           <a:xfrm>
             <a:off x="296261" y="2702745"/>
             <a:ext cx="4275738" cy="479822"/>
           </a:xfrm>
-          <a:prstGeom prst="rect">
-            <a:avLst/>
-          </a:prstGeom>
           <a:ln w="28575">
             <a:solidFill>
               <a:srgbClr val="E39A39"/>
@@ -6751,149 +7271,10 @@
         </p:spPr>
         <p:txBody>
           <a:bodyPr/>
-          <a:lstStyle>
-            <a:lvl1pPr marL="342900" indent="-342900" algn="l" defTabSz="914400" rtl="0" eaLnBrk="1" latinLnBrk="0" hangingPunct="1">
-              <a:spcBef>
-                <a:spcPct val="20000"/>
-              </a:spcBef>
-              <a:buFont typeface="Arial" pitchFamily="34" charset="0"/>
-              <a:buChar char="•"/>
-              <a:defRPr sz="3200" kern="1200">
-                <a:solidFill>
-                  <a:schemeClr val="tx1"/>
-                </a:solidFill>
-                <a:latin typeface="+mn-lt"/>
-                <a:ea typeface="+mn-ea"/>
-                <a:cs typeface="+mn-cs"/>
-              </a:defRPr>
-            </a:lvl1pPr>
-            <a:lvl2pPr marL="742950" indent="-285750" algn="l" defTabSz="914400" rtl="0" eaLnBrk="1" latinLnBrk="0" hangingPunct="1">
-              <a:spcBef>
-                <a:spcPct val="20000"/>
-              </a:spcBef>
-              <a:buFont typeface="Arial" pitchFamily="34" charset="0"/>
-              <a:buChar char="–"/>
-              <a:defRPr sz="2800" kern="1200">
-                <a:solidFill>
-                  <a:schemeClr val="tx1"/>
-                </a:solidFill>
-                <a:latin typeface="+mn-lt"/>
-                <a:ea typeface="+mn-ea"/>
-                <a:cs typeface="+mn-cs"/>
-              </a:defRPr>
-            </a:lvl2pPr>
-            <a:lvl3pPr marL="1143000" indent="-228600" algn="l" defTabSz="914400" rtl="0" eaLnBrk="1" latinLnBrk="0" hangingPunct="1">
-              <a:spcBef>
-                <a:spcPct val="20000"/>
-              </a:spcBef>
-              <a:buFont typeface="Arial" pitchFamily="34" charset="0"/>
-              <a:buChar char="•"/>
-              <a:defRPr sz="2400" kern="1200">
-                <a:solidFill>
-                  <a:schemeClr val="tx1"/>
-                </a:solidFill>
-                <a:latin typeface="+mn-lt"/>
-                <a:ea typeface="+mn-ea"/>
-                <a:cs typeface="+mn-cs"/>
-              </a:defRPr>
-            </a:lvl3pPr>
-            <a:lvl4pPr marL="1600200" indent="-228600" algn="l" defTabSz="914400" rtl="0" eaLnBrk="1" latinLnBrk="0" hangingPunct="1">
-              <a:spcBef>
-                <a:spcPct val="20000"/>
-              </a:spcBef>
-              <a:buFont typeface="Arial" pitchFamily="34" charset="0"/>
-              <a:buChar char="–"/>
-              <a:defRPr sz="2000" kern="1200">
-                <a:solidFill>
-                  <a:schemeClr val="tx1"/>
-                </a:solidFill>
-                <a:latin typeface="+mn-lt"/>
-                <a:ea typeface="+mn-ea"/>
-                <a:cs typeface="+mn-cs"/>
-              </a:defRPr>
-            </a:lvl4pPr>
-            <a:lvl5pPr marL="2057400" indent="-228600" algn="l" defTabSz="914400" rtl="0" eaLnBrk="1" latinLnBrk="0" hangingPunct="1">
-              <a:spcBef>
-                <a:spcPct val="20000"/>
-              </a:spcBef>
-              <a:buFont typeface="Arial" pitchFamily="34" charset="0"/>
-              <a:buChar char="»"/>
-              <a:defRPr sz="2000" kern="1200">
-                <a:solidFill>
-                  <a:schemeClr val="tx1"/>
-                </a:solidFill>
-                <a:latin typeface="+mn-lt"/>
-                <a:ea typeface="+mn-ea"/>
-                <a:cs typeface="+mn-cs"/>
-              </a:defRPr>
-            </a:lvl5pPr>
-            <a:lvl6pPr marL="2514600" indent="-228600" algn="l" defTabSz="914400" rtl="0" eaLnBrk="1" latinLnBrk="0" hangingPunct="1">
-              <a:spcBef>
-                <a:spcPct val="20000"/>
-              </a:spcBef>
-              <a:buFont typeface="Arial" pitchFamily="34" charset="0"/>
-              <a:buChar char="•"/>
-              <a:defRPr sz="2000" kern="1200">
-                <a:solidFill>
-                  <a:schemeClr val="tx1"/>
-                </a:solidFill>
-                <a:latin typeface="+mn-lt"/>
-                <a:ea typeface="+mn-ea"/>
-                <a:cs typeface="+mn-cs"/>
-              </a:defRPr>
-            </a:lvl6pPr>
-            <a:lvl7pPr marL="2971800" indent="-228600" algn="l" defTabSz="914400" rtl="0" eaLnBrk="1" latinLnBrk="0" hangingPunct="1">
-              <a:spcBef>
-                <a:spcPct val="20000"/>
-              </a:spcBef>
-              <a:buFont typeface="Arial" pitchFamily="34" charset="0"/>
-              <a:buChar char="•"/>
-              <a:defRPr sz="2000" kern="1200">
-                <a:solidFill>
-                  <a:schemeClr val="tx1"/>
-                </a:solidFill>
-                <a:latin typeface="+mn-lt"/>
-                <a:ea typeface="+mn-ea"/>
-                <a:cs typeface="+mn-cs"/>
-              </a:defRPr>
-            </a:lvl7pPr>
-            <a:lvl8pPr marL="3429000" indent="-228600" algn="l" defTabSz="914400" rtl="0" eaLnBrk="1" latinLnBrk="0" hangingPunct="1">
-              <a:spcBef>
-                <a:spcPct val="20000"/>
-              </a:spcBef>
-              <a:buFont typeface="Arial" pitchFamily="34" charset="0"/>
-              <a:buChar char="•"/>
-              <a:defRPr sz="2000" kern="1200">
-                <a:solidFill>
-                  <a:schemeClr val="tx1"/>
-                </a:solidFill>
-                <a:latin typeface="+mn-lt"/>
-                <a:ea typeface="+mn-ea"/>
-                <a:cs typeface="+mn-cs"/>
-              </a:defRPr>
-            </a:lvl8pPr>
-            <a:lvl9pPr marL="3886200" indent="-228600" algn="l" defTabSz="914400" rtl="0" eaLnBrk="1" latinLnBrk="0" hangingPunct="1">
-              <a:spcBef>
-                <a:spcPct val="20000"/>
-              </a:spcBef>
-              <a:buFont typeface="Arial" pitchFamily="34" charset="0"/>
-              <a:buChar char="•"/>
-              <a:defRPr sz="2000" kern="1200">
-                <a:solidFill>
-                  <a:schemeClr val="tx1"/>
-                </a:solidFill>
-                <a:latin typeface="+mn-lt"/>
-                <a:ea typeface="+mn-ea"/>
-                <a:cs typeface="+mn-cs"/>
-              </a:defRPr>
-            </a:lvl9pPr>
-          </a:lstStyle>
-          <a:p>
-            <a:pPr marL="0" indent="0" algn="ctr">
-              <a:buNone/>
-            </a:pPr>
-            <a:r>
-              <a:rPr lang="en-US" sz="2400" dirty="0">
+          <a:lstStyle/>
+          <a:p>
+            <a:r>
+              <a:rPr lang="en-US" b="0" dirty="0">
                 <a:solidFill>
                   <a:srgbClr val="232D48"/>
                 </a:solidFill>
@@ -6905,20 +7286,19 @@
       </p:sp>
       <p:sp>
         <p:nvSpPr>
-          <p:cNvPr id="3" name="Content Placeholder 3"/>
-          <p:cNvSpPr txBox="1">
-            <a:spLocks/>
+          <p:cNvPr id="9" name="Content Placeholder 3"/>
+          <p:cNvSpPr>
+            <a:spLocks noGrp="1"/>
           </p:cNvSpPr>
-          <p:nvPr/>
+          <p:nvPr>
+            <p:ph sz="half" idx="2"/>
+          </p:nvPr>
         </p:nvSpPr>
         <p:spPr>
           <a:xfrm>
             <a:off x="296259" y="3182570"/>
             <a:ext cx="4280806" cy="1957951"/>
           </a:xfrm>
-          <a:prstGeom prst="rect">
-            <a:avLst/>
-          </a:prstGeom>
           <a:solidFill>
             <a:srgbClr val="232D48"/>
           </a:solidFill>
@@ -6932,174 +7312,37 @@
           <a:bodyPr>
             <a:normAutofit/>
           </a:bodyPr>
-          <a:lstStyle>
-            <a:lvl1pPr marL="342900" indent="-342900" algn="l" defTabSz="914400" rtl="0" eaLnBrk="1" latinLnBrk="0" hangingPunct="1">
-              <a:spcBef>
-                <a:spcPct val="20000"/>
-              </a:spcBef>
-              <a:buFont typeface="Arial" pitchFamily="34" charset="0"/>
-              <a:buChar char="•"/>
-              <a:defRPr sz="3200" kern="1200">
-                <a:solidFill>
-                  <a:schemeClr val="tx1"/>
-                </a:solidFill>
-                <a:latin typeface="+mn-lt"/>
-                <a:ea typeface="+mn-ea"/>
-                <a:cs typeface="+mn-cs"/>
-              </a:defRPr>
-            </a:lvl1pPr>
-            <a:lvl2pPr marL="742950" indent="-285750" algn="l" defTabSz="914400" rtl="0" eaLnBrk="1" latinLnBrk="0" hangingPunct="1">
-              <a:spcBef>
-                <a:spcPct val="20000"/>
-              </a:spcBef>
-              <a:buFont typeface="Arial" pitchFamily="34" charset="0"/>
-              <a:buChar char="–"/>
-              <a:defRPr sz="2800" kern="1200">
-                <a:solidFill>
-                  <a:schemeClr val="tx1"/>
-                </a:solidFill>
-                <a:latin typeface="+mn-lt"/>
-                <a:ea typeface="+mn-ea"/>
-                <a:cs typeface="+mn-cs"/>
-              </a:defRPr>
-            </a:lvl2pPr>
-            <a:lvl3pPr marL="1143000" indent="-228600" algn="l" defTabSz="914400" rtl="0" eaLnBrk="1" latinLnBrk="0" hangingPunct="1">
-              <a:spcBef>
-                <a:spcPct val="20000"/>
-              </a:spcBef>
-              <a:buFont typeface="Arial" pitchFamily="34" charset="0"/>
-              <a:buChar char="•"/>
-              <a:defRPr sz="2400" kern="1200">
-                <a:solidFill>
-                  <a:schemeClr val="tx1"/>
-                </a:solidFill>
-                <a:latin typeface="+mn-lt"/>
-                <a:ea typeface="+mn-ea"/>
-                <a:cs typeface="+mn-cs"/>
-              </a:defRPr>
-            </a:lvl3pPr>
-            <a:lvl4pPr marL="1600200" indent="-228600" algn="l" defTabSz="914400" rtl="0" eaLnBrk="1" latinLnBrk="0" hangingPunct="1">
-              <a:spcBef>
-                <a:spcPct val="20000"/>
-              </a:spcBef>
-              <a:buFont typeface="Arial" pitchFamily="34" charset="0"/>
-              <a:buChar char="–"/>
-              <a:defRPr sz="2000" kern="1200">
-                <a:solidFill>
-                  <a:schemeClr val="tx1"/>
-                </a:solidFill>
-                <a:latin typeface="+mn-lt"/>
-                <a:ea typeface="+mn-ea"/>
-                <a:cs typeface="+mn-cs"/>
-              </a:defRPr>
-            </a:lvl4pPr>
-            <a:lvl5pPr marL="2057400" indent="-228600" algn="l" defTabSz="914400" rtl="0" eaLnBrk="1" latinLnBrk="0" hangingPunct="1">
-              <a:spcBef>
-                <a:spcPct val="20000"/>
-              </a:spcBef>
-              <a:buFont typeface="Arial" pitchFamily="34" charset="0"/>
-              <a:buChar char="»"/>
-              <a:defRPr sz="2000" kern="1200">
-                <a:solidFill>
-                  <a:schemeClr val="tx1"/>
-                </a:solidFill>
-                <a:latin typeface="+mn-lt"/>
-                <a:ea typeface="+mn-ea"/>
-                <a:cs typeface="+mn-cs"/>
-              </a:defRPr>
-            </a:lvl5pPr>
-            <a:lvl6pPr marL="2514600" indent="-228600" algn="l" defTabSz="914400" rtl="0" eaLnBrk="1" latinLnBrk="0" hangingPunct="1">
-              <a:spcBef>
-                <a:spcPct val="20000"/>
-              </a:spcBef>
-              <a:buFont typeface="Arial" pitchFamily="34" charset="0"/>
-              <a:buChar char="•"/>
-              <a:defRPr sz="2000" kern="1200">
-                <a:solidFill>
-                  <a:schemeClr val="tx1"/>
-                </a:solidFill>
-                <a:latin typeface="+mn-lt"/>
-                <a:ea typeface="+mn-ea"/>
-                <a:cs typeface="+mn-cs"/>
-              </a:defRPr>
-            </a:lvl6pPr>
-            <a:lvl7pPr marL="2971800" indent="-228600" algn="l" defTabSz="914400" rtl="0" eaLnBrk="1" latinLnBrk="0" hangingPunct="1">
-              <a:spcBef>
-                <a:spcPct val="20000"/>
-              </a:spcBef>
-              <a:buFont typeface="Arial" pitchFamily="34" charset="0"/>
-              <a:buChar char="•"/>
-              <a:defRPr sz="2000" kern="1200">
-                <a:solidFill>
-                  <a:schemeClr val="tx1"/>
-                </a:solidFill>
-                <a:latin typeface="+mn-lt"/>
-                <a:ea typeface="+mn-ea"/>
-                <a:cs typeface="+mn-cs"/>
-              </a:defRPr>
-            </a:lvl7pPr>
-            <a:lvl8pPr marL="3429000" indent="-228600" algn="l" defTabSz="914400" rtl="0" eaLnBrk="1" latinLnBrk="0" hangingPunct="1">
-              <a:spcBef>
-                <a:spcPct val="20000"/>
-              </a:spcBef>
-              <a:buFont typeface="Arial" pitchFamily="34" charset="0"/>
-              <a:buChar char="•"/>
-              <a:defRPr sz="2000" kern="1200">
-                <a:solidFill>
-                  <a:schemeClr val="tx1"/>
-                </a:solidFill>
-                <a:latin typeface="+mn-lt"/>
-                <a:ea typeface="+mn-ea"/>
-                <a:cs typeface="+mn-cs"/>
-              </a:defRPr>
-            </a:lvl8pPr>
-            <a:lvl9pPr marL="3886200" indent="-228600" algn="l" defTabSz="914400" rtl="0" eaLnBrk="1" latinLnBrk="0" hangingPunct="1">
-              <a:spcBef>
-                <a:spcPct val="20000"/>
-              </a:spcBef>
-              <a:buFont typeface="Arial" pitchFamily="34" charset="0"/>
-              <a:buChar char="•"/>
-              <a:defRPr sz="2000" kern="1200">
-                <a:solidFill>
-                  <a:schemeClr val="tx1"/>
-                </a:solidFill>
-                <a:latin typeface="+mn-lt"/>
-                <a:ea typeface="+mn-ea"/>
-                <a:cs typeface="+mn-cs"/>
-              </a:defRPr>
-            </a:lvl9pPr>
-          </a:lstStyle>
-          <a:p>
-            <a:pPr marL="0" indent="0" algn="ctr">
+          <a:lstStyle/>
+          <a:p>
+            <a:pPr marL="0" indent="0">
               <a:buNone/>
             </a:pPr>
             <a:r>
-              <a:rPr lang="en-US" sz="2400" dirty="0">
+              <a:rPr lang="en-US" dirty="0">
                 <a:solidFill>
                   <a:schemeClr val="bg1"/>
                 </a:solidFill>
               </a:rPr>
-              <a:t>2.2 Maintain high standards of professional competence, conduct, and ethical practice.</a:t>
-            </a:r>
-          </a:p>
-        </p:txBody>
-      </p:sp>
-      <p:sp>
-        <p:nvSpPr>
-          <p:cNvPr id="4" name="Text Placeholder 4"/>
-          <p:cNvSpPr txBox="1">
-            <a:spLocks/>
+              <a:t>1.1 Contribute to society and to human well-being, acknowledging that all people are stakeholders in computing.</a:t>
+            </a:r>
+          </a:p>
+        </p:txBody>
+      </p:sp>
+      <p:sp>
+        <p:nvSpPr>
+          <p:cNvPr id="10" name="Text Placeholder 4"/>
+          <p:cNvSpPr>
+            <a:spLocks noGrp="1"/>
           </p:cNvSpPr>
-          <p:nvPr/>
+          <p:nvPr>
+            <p:ph type="body" sz="quarter" idx="3"/>
+          </p:nvPr>
         </p:nvSpPr>
         <p:spPr>
           <a:xfrm>
             <a:off x="4572000" y="2702746"/>
             <a:ext cx="4275740" cy="479822"/>
           </a:xfrm>
-          <a:prstGeom prst="rect">
-            <a:avLst/>
-          </a:prstGeom>
           <a:ln w="28575">
             <a:solidFill>
               <a:srgbClr val="E39A39"/>
@@ -7110,149 +7353,10 @@
           <a:bodyPr>
             <a:normAutofit/>
           </a:bodyPr>
-          <a:lstStyle>
-            <a:lvl1pPr marL="342900" indent="-342900" algn="l" defTabSz="914400" rtl="0" eaLnBrk="1" latinLnBrk="0" hangingPunct="1">
-              <a:spcBef>
-                <a:spcPct val="20000"/>
-              </a:spcBef>
-              <a:buFont typeface="Arial" pitchFamily="34" charset="0"/>
-              <a:buChar char="•"/>
-              <a:defRPr sz="3200" kern="1200">
-                <a:solidFill>
-                  <a:schemeClr val="tx1"/>
-                </a:solidFill>
-                <a:latin typeface="+mn-lt"/>
-                <a:ea typeface="+mn-ea"/>
-                <a:cs typeface="+mn-cs"/>
-              </a:defRPr>
-            </a:lvl1pPr>
-            <a:lvl2pPr marL="742950" indent="-285750" algn="l" defTabSz="914400" rtl="0" eaLnBrk="1" latinLnBrk="0" hangingPunct="1">
-              <a:spcBef>
-                <a:spcPct val="20000"/>
-              </a:spcBef>
-              <a:buFont typeface="Arial" pitchFamily="34" charset="0"/>
-              <a:buChar char="–"/>
-              <a:defRPr sz="2800" kern="1200">
-                <a:solidFill>
-                  <a:schemeClr val="tx1"/>
-                </a:solidFill>
-                <a:latin typeface="+mn-lt"/>
-                <a:ea typeface="+mn-ea"/>
-                <a:cs typeface="+mn-cs"/>
-              </a:defRPr>
-            </a:lvl2pPr>
-            <a:lvl3pPr marL="1143000" indent="-228600" algn="l" defTabSz="914400" rtl="0" eaLnBrk="1" latinLnBrk="0" hangingPunct="1">
-              <a:spcBef>
-                <a:spcPct val="20000"/>
-              </a:spcBef>
-              <a:buFont typeface="Arial" pitchFamily="34" charset="0"/>
-              <a:buChar char="•"/>
-              <a:defRPr sz="2400" kern="1200">
-                <a:solidFill>
-                  <a:schemeClr val="tx1"/>
-                </a:solidFill>
-                <a:latin typeface="+mn-lt"/>
-                <a:ea typeface="+mn-ea"/>
-                <a:cs typeface="+mn-cs"/>
-              </a:defRPr>
-            </a:lvl3pPr>
-            <a:lvl4pPr marL="1600200" indent="-228600" algn="l" defTabSz="914400" rtl="0" eaLnBrk="1" latinLnBrk="0" hangingPunct="1">
-              <a:spcBef>
-                <a:spcPct val="20000"/>
-              </a:spcBef>
-              <a:buFont typeface="Arial" pitchFamily="34" charset="0"/>
-              <a:buChar char="–"/>
-              <a:defRPr sz="2000" kern="1200">
-                <a:solidFill>
-                  <a:schemeClr val="tx1"/>
-                </a:solidFill>
-                <a:latin typeface="+mn-lt"/>
-                <a:ea typeface="+mn-ea"/>
-                <a:cs typeface="+mn-cs"/>
-              </a:defRPr>
-            </a:lvl4pPr>
-            <a:lvl5pPr marL="2057400" indent="-228600" algn="l" defTabSz="914400" rtl="0" eaLnBrk="1" latinLnBrk="0" hangingPunct="1">
-              <a:spcBef>
-                <a:spcPct val="20000"/>
-              </a:spcBef>
-              <a:buFont typeface="Arial" pitchFamily="34" charset="0"/>
-              <a:buChar char="»"/>
-              <a:defRPr sz="2000" kern="1200">
-                <a:solidFill>
-                  <a:schemeClr val="tx1"/>
-                </a:solidFill>
-                <a:latin typeface="+mn-lt"/>
-                <a:ea typeface="+mn-ea"/>
-                <a:cs typeface="+mn-cs"/>
-              </a:defRPr>
-            </a:lvl5pPr>
-            <a:lvl6pPr marL="2514600" indent="-228600" algn="l" defTabSz="914400" rtl="0" eaLnBrk="1" latinLnBrk="0" hangingPunct="1">
-              <a:spcBef>
-                <a:spcPct val="20000"/>
-              </a:spcBef>
-              <a:buFont typeface="Arial" pitchFamily="34" charset="0"/>
-              <a:buChar char="•"/>
-              <a:defRPr sz="2000" kern="1200">
-                <a:solidFill>
-                  <a:schemeClr val="tx1"/>
-                </a:solidFill>
-                <a:latin typeface="+mn-lt"/>
-                <a:ea typeface="+mn-ea"/>
-                <a:cs typeface="+mn-cs"/>
-              </a:defRPr>
-            </a:lvl6pPr>
-            <a:lvl7pPr marL="2971800" indent="-228600" algn="l" defTabSz="914400" rtl="0" eaLnBrk="1" latinLnBrk="0" hangingPunct="1">
-              <a:spcBef>
-                <a:spcPct val="20000"/>
-              </a:spcBef>
-              <a:buFont typeface="Arial" pitchFamily="34" charset="0"/>
-              <a:buChar char="•"/>
-              <a:defRPr sz="2000" kern="1200">
-                <a:solidFill>
-                  <a:schemeClr val="tx1"/>
-                </a:solidFill>
-                <a:latin typeface="+mn-lt"/>
-                <a:ea typeface="+mn-ea"/>
-                <a:cs typeface="+mn-cs"/>
-              </a:defRPr>
-            </a:lvl7pPr>
-            <a:lvl8pPr marL="3429000" indent="-228600" algn="l" defTabSz="914400" rtl="0" eaLnBrk="1" latinLnBrk="0" hangingPunct="1">
-              <a:spcBef>
-                <a:spcPct val="20000"/>
-              </a:spcBef>
-              <a:buFont typeface="Arial" pitchFamily="34" charset="0"/>
-              <a:buChar char="•"/>
-              <a:defRPr sz="2000" kern="1200">
-                <a:solidFill>
-                  <a:schemeClr val="tx1"/>
-                </a:solidFill>
-                <a:latin typeface="+mn-lt"/>
-                <a:ea typeface="+mn-ea"/>
-                <a:cs typeface="+mn-cs"/>
-              </a:defRPr>
-            </a:lvl8pPr>
-            <a:lvl9pPr marL="3886200" indent="-228600" algn="l" defTabSz="914400" rtl="0" eaLnBrk="1" latinLnBrk="0" hangingPunct="1">
-              <a:spcBef>
-                <a:spcPct val="20000"/>
-              </a:spcBef>
-              <a:buFont typeface="Arial" pitchFamily="34" charset="0"/>
-              <a:buChar char="•"/>
-              <a:defRPr sz="2000" kern="1200">
-                <a:solidFill>
-                  <a:schemeClr val="tx1"/>
-                </a:solidFill>
-                <a:latin typeface="+mn-lt"/>
-                <a:ea typeface="+mn-ea"/>
-                <a:cs typeface="+mn-cs"/>
-              </a:defRPr>
-            </a:lvl9pPr>
-          </a:lstStyle>
-          <a:p>
-            <a:pPr marL="0" indent="0" algn="ctr">
-              <a:buNone/>
-            </a:pPr>
-            <a:r>
-              <a:rPr lang="en-US" sz="2400" dirty="0">
+          <a:lstStyle/>
+          <a:p>
+            <a:r>
+              <a:rPr lang="en-US" b="0" dirty="0">
                 <a:solidFill>
                   <a:srgbClr val="232D48"/>
                 </a:solidFill>
@@ -7264,20 +7368,19 @@
       </p:sp>
       <p:sp>
         <p:nvSpPr>
-          <p:cNvPr id="5" name="Content Placeholder 5"/>
-          <p:cNvSpPr txBox="1">
-            <a:spLocks/>
+          <p:cNvPr id="11" name="Content Placeholder 5"/>
+          <p:cNvSpPr>
+            <a:spLocks noGrp="1"/>
           </p:cNvSpPr>
-          <p:nvPr/>
+          <p:nvPr>
+            <p:ph sz="quarter" idx="4"/>
+          </p:nvPr>
         </p:nvSpPr>
         <p:spPr>
           <a:xfrm>
             <a:off x="4571999" y="3182569"/>
             <a:ext cx="4275741" cy="1957951"/>
           </a:xfrm>
-          <a:prstGeom prst="rect">
-            <a:avLst/>
-          </a:prstGeom>
           <a:solidFill>
             <a:srgbClr val="232D48"/>
           </a:solidFill>
@@ -7291,158 +7394,38 @@
           <a:bodyPr>
             <a:normAutofit/>
           </a:bodyPr>
-          <a:lstStyle>
-            <a:lvl1pPr marL="342900" indent="-342900" algn="l" defTabSz="914400" rtl="0" eaLnBrk="1" latinLnBrk="0" hangingPunct="1">
-              <a:spcBef>
-                <a:spcPct val="20000"/>
-              </a:spcBef>
-              <a:buFont typeface="Arial" pitchFamily="34" charset="0"/>
-              <a:buChar char="•"/>
-              <a:defRPr sz="3200" kern="1200">
-                <a:solidFill>
-                  <a:schemeClr val="tx1"/>
-                </a:solidFill>
-                <a:latin typeface="+mn-lt"/>
-                <a:ea typeface="+mn-ea"/>
-                <a:cs typeface="+mn-cs"/>
-              </a:defRPr>
-            </a:lvl1pPr>
-            <a:lvl2pPr marL="742950" indent="-285750" algn="l" defTabSz="914400" rtl="0" eaLnBrk="1" latinLnBrk="0" hangingPunct="1">
-              <a:spcBef>
-                <a:spcPct val="20000"/>
-              </a:spcBef>
-              <a:buFont typeface="Arial" pitchFamily="34" charset="0"/>
-              <a:buChar char="–"/>
-              <a:defRPr sz="2800" kern="1200">
-                <a:solidFill>
-                  <a:schemeClr val="tx1"/>
-                </a:solidFill>
-                <a:latin typeface="+mn-lt"/>
-                <a:ea typeface="+mn-ea"/>
-                <a:cs typeface="+mn-cs"/>
-              </a:defRPr>
-            </a:lvl2pPr>
-            <a:lvl3pPr marL="1143000" indent="-228600" algn="l" defTabSz="914400" rtl="0" eaLnBrk="1" latinLnBrk="0" hangingPunct="1">
-              <a:spcBef>
-                <a:spcPct val="20000"/>
-              </a:spcBef>
-              <a:buFont typeface="Arial" pitchFamily="34" charset="0"/>
-              <a:buChar char="•"/>
-              <a:defRPr sz="2400" kern="1200">
-                <a:solidFill>
-                  <a:schemeClr val="tx1"/>
-                </a:solidFill>
-                <a:latin typeface="+mn-lt"/>
-                <a:ea typeface="+mn-ea"/>
-                <a:cs typeface="+mn-cs"/>
-              </a:defRPr>
-            </a:lvl3pPr>
-            <a:lvl4pPr marL="1600200" indent="-228600" algn="l" defTabSz="914400" rtl="0" eaLnBrk="1" latinLnBrk="0" hangingPunct="1">
-              <a:spcBef>
-                <a:spcPct val="20000"/>
-              </a:spcBef>
-              <a:buFont typeface="Arial" pitchFamily="34" charset="0"/>
-              <a:buChar char="–"/>
-              <a:defRPr sz="2000" kern="1200">
-                <a:solidFill>
-                  <a:schemeClr val="tx1"/>
-                </a:solidFill>
-                <a:latin typeface="+mn-lt"/>
-                <a:ea typeface="+mn-ea"/>
-                <a:cs typeface="+mn-cs"/>
-              </a:defRPr>
-            </a:lvl4pPr>
-            <a:lvl5pPr marL="2057400" indent="-228600" algn="l" defTabSz="914400" rtl="0" eaLnBrk="1" latinLnBrk="0" hangingPunct="1">
-              <a:spcBef>
-                <a:spcPct val="20000"/>
-              </a:spcBef>
-              <a:buFont typeface="Arial" pitchFamily="34" charset="0"/>
-              <a:buChar char="»"/>
-              <a:defRPr sz="2000" kern="1200">
-                <a:solidFill>
-                  <a:schemeClr val="tx1"/>
-                </a:solidFill>
-                <a:latin typeface="+mn-lt"/>
-                <a:ea typeface="+mn-ea"/>
-                <a:cs typeface="+mn-cs"/>
-              </a:defRPr>
-            </a:lvl5pPr>
-            <a:lvl6pPr marL="2514600" indent="-228600" algn="l" defTabSz="914400" rtl="0" eaLnBrk="1" latinLnBrk="0" hangingPunct="1">
-              <a:spcBef>
-                <a:spcPct val="20000"/>
-              </a:spcBef>
-              <a:buFont typeface="Arial" pitchFamily="34" charset="0"/>
-              <a:buChar char="•"/>
-              <a:defRPr sz="2000" kern="1200">
-                <a:solidFill>
-                  <a:schemeClr val="tx1"/>
-                </a:solidFill>
-                <a:latin typeface="+mn-lt"/>
-                <a:ea typeface="+mn-ea"/>
-                <a:cs typeface="+mn-cs"/>
-              </a:defRPr>
-            </a:lvl6pPr>
-            <a:lvl7pPr marL="2971800" indent="-228600" algn="l" defTabSz="914400" rtl="0" eaLnBrk="1" latinLnBrk="0" hangingPunct="1">
-              <a:spcBef>
-                <a:spcPct val="20000"/>
-              </a:spcBef>
-              <a:buFont typeface="Arial" pitchFamily="34" charset="0"/>
-              <a:buChar char="•"/>
-              <a:defRPr sz="2000" kern="1200">
-                <a:solidFill>
-                  <a:schemeClr val="tx1"/>
-                </a:solidFill>
-                <a:latin typeface="+mn-lt"/>
-                <a:ea typeface="+mn-ea"/>
-                <a:cs typeface="+mn-cs"/>
-              </a:defRPr>
-            </a:lvl7pPr>
-            <a:lvl8pPr marL="3429000" indent="-228600" algn="l" defTabSz="914400" rtl="0" eaLnBrk="1" latinLnBrk="0" hangingPunct="1">
-              <a:spcBef>
-                <a:spcPct val="20000"/>
-              </a:spcBef>
-              <a:buFont typeface="Arial" pitchFamily="34" charset="0"/>
-              <a:buChar char="•"/>
-              <a:defRPr sz="2000" kern="1200">
-                <a:solidFill>
-                  <a:schemeClr val="tx1"/>
-                </a:solidFill>
-                <a:latin typeface="+mn-lt"/>
-                <a:ea typeface="+mn-ea"/>
-                <a:cs typeface="+mn-cs"/>
-              </a:defRPr>
-            </a:lvl8pPr>
-            <a:lvl9pPr marL="3886200" indent="-228600" algn="l" defTabSz="914400" rtl="0" eaLnBrk="1" latinLnBrk="0" hangingPunct="1">
-              <a:spcBef>
-                <a:spcPct val="20000"/>
-              </a:spcBef>
-              <a:buFont typeface="Arial" pitchFamily="34" charset="0"/>
-              <a:buChar char="•"/>
-              <a:defRPr sz="2000" kern="1200">
-                <a:solidFill>
-                  <a:schemeClr val="tx1"/>
-                </a:solidFill>
-                <a:latin typeface="+mn-lt"/>
-                <a:ea typeface="+mn-ea"/>
-                <a:cs typeface="+mn-cs"/>
-              </a:defRPr>
-            </a:lvl9pPr>
-          </a:lstStyle>
-          <a:p>
-            <a:pPr marL="0" indent="0" algn="ctr">
+          <a:lstStyle/>
+          <a:p>
+            <a:pPr marL="0" indent="0">
               <a:buNone/>
             </a:pPr>
-            <a:endParaRPr lang="en-US" sz="2400" dirty="0">
-              <a:solidFill>
-                <a:schemeClr val="bg1"/>
-              </a:solidFill>
-            </a:endParaRPr>
-          </a:p>
-        </p:txBody>
-      </p:sp>
-      <p:sp>
-        <p:nvSpPr>
-          <p:cNvPr id="6" name="Text Placeholder 2"/>
+            <a:r>
+              <a:rPr lang="en-US" dirty="0">
+                <a:solidFill>
+                  <a:schemeClr val="bg1"/>
+                </a:solidFill>
+              </a:rPr>
+              <a:t>4. Duty to the Profession</a:t>
+            </a:r>
+          </a:p>
+          <a:p>
+            <a:pPr marL="0" indent="0">
+              <a:buNone/>
+            </a:pPr>
+            <a:r>
+              <a:rPr lang="en-US" dirty="0">
+                <a:solidFill>
+                  <a:schemeClr val="bg1"/>
+                </a:solidFill>
+              </a:rPr>
+              <a:t>f) Encourage and support fellow members in their professional development.</a:t>
+            </a:r>
+          </a:p>
+        </p:txBody>
+      </p:sp>
+      <p:sp>
+        <p:nvSpPr>
+          <p:cNvPr id="13" name="Text Placeholder 2"/>
           <p:cNvSpPr txBox="1">
             <a:spLocks/>
           </p:cNvSpPr>
@@ -7618,17 +7601,13 @@
             </a:r>
             <a:r>
               <a:rPr lang="en-US" sz="2400" dirty="0"/>
-              <a:t>Wanted his subordinates to cut corners.</a:t>
+              <a:t>Placing a lot of pressure on team members.</a:t>
             </a:r>
           </a:p>
           <a:p>
             <a:pPr marL="0" indent="0">
               <a:buNone/>
             </a:pPr>
-            <a:r>
-              <a:rPr lang="en-GB" sz="2400" dirty="0"/>
-              <a:t>.</a:t>
-            </a:r>
             <a:endParaRPr lang="en-US" sz="2400" dirty="0"/>
           </a:p>
         </p:txBody>
@@ -7636,7 +7615,7 @@
     </p:spTree>
     <p:extLst>
       <p:ext uri="{BB962C8B-B14F-4D97-AF65-F5344CB8AC3E}">
-        <p14:creationId xmlns:p14="http://schemas.microsoft.com/office/powerpoint/2010/main" val="2222300108"/>
+        <p14:creationId xmlns:p14="http://schemas.microsoft.com/office/powerpoint/2010/main" val="3845035464"/>
       </p:ext>
     </p:extLst>
   </p:cSld>
@@ -8015,6 +7994,942 @@
                   <a:schemeClr val="bg1"/>
                 </a:solidFill>
               </a:rPr>
+              <a:t>2.2 Maintain high standards of professional competence, conduct, and ethical practice.</a:t>
+            </a:r>
+          </a:p>
+        </p:txBody>
+      </p:sp>
+      <p:sp>
+        <p:nvSpPr>
+          <p:cNvPr id="4" name="Text Placeholder 4"/>
+          <p:cNvSpPr txBox="1">
+            <a:spLocks/>
+          </p:cNvSpPr>
+          <p:nvPr/>
+        </p:nvSpPr>
+        <p:spPr>
+          <a:xfrm>
+            <a:off x="4572000" y="2702746"/>
+            <a:ext cx="4275740" cy="479822"/>
+          </a:xfrm>
+          <a:prstGeom prst="rect">
+            <a:avLst/>
+          </a:prstGeom>
+          <a:ln w="28575">
+            <a:solidFill>
+              <a:srgbClr val="E39A39"/>
+            </a:solidFill>
+          </a:ln>
+        </p:spPr>
+        <p:txBody>
+          <a:bodyPr>
+            <a:normAutofit/>
+          </a:bodyPr>
+          <a:lstStyle>
+            <a:lvl1pPr marL="342900" indent="-342900" algn="l" defTabSz="914400" rtl="0" eaLnBrk="1" latinLnBrk="0" hangingPunct="1">
+              <a:spcBef>
+                <a:spcPct val="20000"/>
+              </a:spcBef>
+              <a:buFont typeface="Arial" pitchFamily="34" charset="0"/>
+              <a:buChar char="•"/>
+              <a:defRPr sz="3200" kern="1200">
+                <a:solidFill>
+                  <a:schemeClr val="tx1"/>
+                </a:solidFill>
+                <a:latin typeface="+mn-lt"/>
+                <a:ea typeface="+mn-ea"/>
+                <a:cs typeface="+mn-cs"/>
+              </a:defRPr>
+            </a:lvl1pPr>
+            <a:lvl2pPr marL="742950" indent="-285750" algn="l" defTabSz="914400" rtl="0" eaLnBrk="1" latinLnBrk="0" hangingPunct="1">
+              <a:spcBef>
+                <a:spcPct val="20000"/>
+              </a:spcBef>
+              <a:buFont typeface="Arial" pitchFamily="34" charset="0"/>
+              <a:buChar char="–"/>
+              <a:defRPr sz="2800" kern="1200">
+                <a:solidFill>
+                  <a:schemeClr val="tx1"/>
+                </a:solidFill>
+                <a:latin typeface="+mn-lt"/>
+                <a:ea typeface="+mn-ea"/>
+                <a:cs typeface="+mn-cs"/>
+              </a:defRPr>
+            </a:lvl2pPr>
+            <a:lvl3pPr marL="1143000" indent="-228600" algn="l" defTabSz="914400" rtl="0" eaLnBrk="1" latinLnBrk="0" hangingPunct="1">
+              <a:spcBef>
+                <a:spcPct val="20000"/>
+              </a:spcBef>
+              <a:buFont typeface="Arial" pitchFamily="34" charset="0"/>
+              <a:buChar char="•"/>
+              <a:defRPr sz="2400" kern="1200">
+                <a:solidFill>
+                  <a:schemeClr val="tx1"/>
+                </a:solidFill>
+                <a:latin typeface="+mn-lt"/>
+                <a:ea typeface="+mn-ea"/>
+                <a:cs typeface="+mn-cs"/>
+              </a:defRPr>
+            </a:lvl3pPr>
+            <a:lvl4pPr marL="1600200" indent="-228600" algn="l" defTabSz="914400" rtl="0" eaLnBrk="1" latinLnBrk="0" hangingPunct="1">
+              <a:spcBef>
+                <a:spcPct val="20000"/>
+              </a:spcBef>
+              <a:buFont typeface="Arial" pitchFamily="34" charset="0"/>
+              <a:buChar char="–"/>
+              <a:defRPr sz="2000" kern="1200">
+                <a:solidFill>
+                  <a:schemeClr val="tx1"/>
+                </a:solidFill>
+                <a:latin typeface="+mn-lt"/>
+                <a:ea typeface="+mn-ea"/>
+                <a:cs typeface="+mn-cs"/>
+              </a:defRPr>
+            </a:lvl4pPr>
+            <a:lvl5pPr marL="2057400" indent="-228600" algn="l" defTabSz="914400" rtl="0" eaLnBrk="1" latinLnBrk="0" hangingPunct="1">
+              <a:spcBef>
+                <a:spcPct val="20000"/>
+              </a:spcBef>
+              <a:buFont typeface="Arial" pitchFamily="34" charset="0"/>
+              <a:buChar char="»"/>
+              <a:defRPr sz="2000" kern="1200">
+                <a:solidFill>
+                  <a:schemeClr val="tx1"/>
+                </a:solidFill>
+                <a:latin typeface="+mn-lt"/>
+                <a:ea typeface="+mn-ea"/>
+                <a:cs typeface="+mn-cs"/>
+              </a:defRPr>
+            </a:lvl5pPr>
+            <a:lvl6pPr marL="2514600" indent="-228600" algn="l" defTabSz="914400" rtl="0" eaLnBrk="1" latinLnBrk="0" hangingPunct="1">
+              <a:spcBef>
+                <a:spcPct val="20000"/>
+              </a:spcBef>
+              <a:buFont typeface="Arial" pitchFamily="34" charset="0"/>
+              <a:buChar char="•"/>
+              <a:defRPr sz="2000" kern="1200">
+                <a:solidFill>
+                  <a:schemeClr val="tx1"/>
+                </a:solidFill>
+                <a:latin typeface="+mn-lt"/>
+                <a:ea typeface="+mn-ea"/>
+                <a:cs typeface="+mn-cs"/>
+              </a:defRPr>
+            </a:lvl6pPr>
+            <a:lvl7pPr marL="2971800" indent="-228600" algn="l" defTabSz="914400" rtl="0" eaLnBrk="1" latinLnBrk="0" hangingPunct="1">
+              <a:spcBef>
+                <a:spcPct val="20000"/>
+              </a:spcBef>
+              <a:buFont typeface="Arial" pitchFamily="34" charset="0"/>
+              <a:buChar char="•"/>
+              <a:defRPr sz="2000" kern="1200">
+                <a:solidFill>
+                  <a:schemeClr val="tx1"/>
+                </a:solidFill>
+                <a:latin typeface="+mn-lt"/>
+                <a:ea typeface="+mn-ea"/>
+                <a:cs typeface="+mn-cs"/>
+              </a:defRPr>
+            </a:lvl7pPr>
+            <a:lvl8pPr marL="3429000" indent="-228600" algn="l" defTabSz="914400" rtl="0" eaLnBrk="1" latinLnBrk="0" hangingPunct="1">
+              <a:spcBef>
+                <a:spcPct val="20000"/>
+              </a:spcBef>
+              <a:buFont typeface="Arial" pitchFamily="34" charset="0"/>
+              <a:buChar char="•"/>
+              <a:defRPr sz="2000" kern="1200">
+                <a:solidFill>
+                  <a:schemeClr val="tx1"/>
+                </a:solidFill>
+                <a:latin typeface="+mn-lt"/>
+                <a:ea typeface="+mn-ea"/>
+                <a:cs typeface="+mn-cs"/>
+              </a:defRPr>
+            </a:lvl8pPr>
+            <a:lvl9pPr marL="3886200" indent="-228600" algn="l" defTabSz="914400" rtl="0" eaLnBrk="1" latinLnBrk="0" hangingPunct="1">
+              <a:spcBef>
+                <a:spcPct val="20000"/>
+              </a:spcBef>
+              <a:buFont typeface="Arial" pitchFamily="34" charset="0"/>
+              <a:buChar char="•"/>
+              <a:defRPr sz="2000" kern="1200">
+                <a:solidFill>
+                  <a:schemeClr val="tx1"/>
+                </a:solidFill>
+                <a:latin typeface="+mn-lt"/>
+                <a:ea typeface="+mn-ea"/>
+                <a:cs typeface="+mn-cs"/>
+              </a:defRPr>
+            </a:lvl9pPr>
+          </a:lstStyle>
+          <a:p>
+            <a:pPr marL="0" indent="0" algn="ctr">
+              <a:buNone/>
+            </a:pPr>
+            <a:r>
+              <a:rPr lang="en-US" sz="2400" dirty="0">
+                <a:solidFill>
+                  <a:srgbClr val="232D48"/>
+                </a:solidFill>
+              </a:rPr>
+              <a:t>BCS Code of Conduct</a:t>
+            </a:r>
+          </a:p>
+        </p:txBody>
+      </p:sp>
+      <p:sp>
+        <p:nvSpPr>
+          <p:cNvPr id="5" name="Content Placeholder 5"/>
+          <p:cNvSpPr txBox="1">
+            <a:spLocks/>
+          </p:cNvSpPr>
+          <p:nvPr/>
+        </p:nvSpPr>
+        <p:spPr>
+          <a:xfrm>
+            <a:off x="4571999" y="3182569"/>
+            <a:ext cx="4275741" cy="1957951"/>
+          </a:xfrm>
+          <a:prstGeom prst="rect">
+            <a:avLst/>
+          </a:prstGeom>
+          <a:solidFill>
+            <a:srgbClr val="232D48"/>
+          </a:solidFill>
+          <a:ln w="28575">
+            <a:solidFill>
+              <a:srgbClr val="E39A39"/>
+            </a:solidFill>
+          </a:ln>
+        </p:spPr>
+        <p:txBody>
+          <a:bodyPr>
+            <a:normAutofit/>
+          </a:bodyPr>
+          <a:lstStyle>
+            <a:lvl1pPr marL="342900" indent="-342900" algn="l" defTabSz="914400" rtl="0" eaLnBrk="1" latinLnBrk="0" hangingPunct="1">
+              <a:spcBef>
+                <a:spcPct val="20000"/>
+              </a:spcBef>
+              <a:buFont typeface="Arial" pitchFamily="34" charset="0"/>
+              <a:buChar char="•"/>
+              <a:defRPr sz="3200" kern="1200">
+                <a:solidFill>
+                  <a:schemeClr val="tx1"/>
+                </a:solidFill>
+                <a:latin typeface="+mn-lt"/>
+                <a:ea typeface="+mn-ea"/>
+                <a:cs typeface="+mn-cs"/>
+              </a:defRPr>
+            </a:lvl1pPr>
+            <a:lvl2pPr marL="742950" indent="-285750" algn="l" defTabSz="914400" rtl="0" eaLnBrk="1" latinLnBrk="0" hangingPunct="1">
+              <a:spcBef>
+                <a:spcPct val="20000"/>
+              </a:spcBef>
+              <a:buFont typeface="Arial" pitchFamily="34" charset="0"/>
+              <a:buChar char="–"/>
+              <a:defRPr sz="2800" kern="1200">
+                <a:solidFill>
+                  <a:schemeClr val="tx1"/>
+                </a:solidFill>
+                <a:latin typeface="+mn-lt"/>
+                <a:ea typeface="+mn-ea"/>
+                <a:cs typeface="+mn-cs"/>
+              </a:defRPr>
+            </a:lvl2pPr>
+            <a:lvl3pPr marL="1143000" indent="-228600" algn="l" defTabSz="914400" rtl="0" eaLnBrk="1" latinLnBrk="0" hangingPunct="1">
+              <a:spcBef>
+                <a:spcPct val="20000"/>
+              </a:spcBef>
+              <a:buFont typeface="Arial" pitchFamily="34" charset="0"/>
+              <a:buChar char="•"/>
+              <a:defRPr sz="2400" kern="1200">
+                <a:solidFill>
+                  <a:schemeClr val="tx1"/>
+                </a:solidFill>
+                <a:latin typeface="+mn-lt"/>
+                <a:ea typeface="+mn-ea"/>
+                <a:cs typeface="+mn-cs"/>
+              </a:defRPr>
+            </a:lvl3pPr>
+            <a:lvl4pPr marL="1600200" indent="-228600" algn="l" defTabSz="914400" rtl="0" eaLnBrk="1" latinLnBrk="0" hangingPunct="1">
+              <a:spcBef>
+                <a:spcPct val="20000"/>
+              </a:spcBef>
+              <a:buFont typeface="Arial" pitchFamily="34" charset="0"/>
+              <a:buChar char="–"/>
+              <a:defRPr sz="2000" kern="1200">
+                <a:solidFill>
+                  <a:schemeClr val="tx1"/>
+                </a:solidFill>
+                <a:latin typeface="+mn-lt"/>
+                <a:ea typeface="+mn-ea"/>
+                <a:cs typeface="+mn-cs"/>
+              </a:defRPr>
+            </a:lvl4pPr>
+            <a:lvl5pPr marL="2057400" indent="-228600" algn="l" defTabSz="914400" rtl="0" eaLnBrk="1" latinLnBrk="0" hangingPunct="1">
+              <a:spcBef>
+                <a:spcPct val="20000"/>
+              </a:spcBef>
+              <a:buFont typeface="Arial" pitchFamily="34" charset="0"/>
+              <a:buChar char="»"/>
+              <a:defRPr sz="2000" kern="1200">
+                <a:solidFill>
+                  <a:schemeClr val="tx1"/>
+                </a:solidFill>
+                <a:latin typeface="+mn-lt"/>
+                <a:ea typeface="+mn-ea"/>
+                <a:cs typeface="+mn-cs"/>
+              </a:defRPr>
+            </a:lvl5pPr>
+            <a:lvl6pPr marL="2514600" indent="-228600" algn="l" defTabSz="914400" rtl="0" eaLnBrk="1" latinLnBrk="0" hangingPunct="1">
+              <a:spcBef>
+                <a:spcPct val="20000"/>
+              </a:spcBef>
+              <a:buFont typeface="Arial" pitchFamily="34" charset="0"/>
+              <a:buChar char="•"/>
+              <a:defRPr sz="2000" kern="1200">
+                <a:solidFill>
+                  <a:schemeClr val="tx1"/>
+                </a:solidFill>
+                <a:latin typeface="+mn-lt"/>
+                <a:ea typeface="+mn-ea"/>
+                <a:cs typeface="+mn-cs"/>
+              </a:defRPr>
+            </a:lvl6pPr>
+            <a:lvl7pPr marL="2971800" indent="-228600" algn="l" defTabSz="914400" rtl="0" eaLnBrk="1" latinLnBrk="0" hangingPunct="1">
+              <a:spcBef>
+                <a:spcPct val="20000"/>
+              </a:spcBef>
+              <a:buFont typeface="Arial" pitchFamily="34" charset="0"/>
+              <a:buChar char="•"/>
+              <a:defRPr sz="2000" kern="1200">
+                <a:solidFill>
+                  <a:schemeClr val="tx1"/>
+                </a:solidFill>
+                <a:latin typeface="+mn-lt"/>
+                <a:ea typeface="+mn-ea"/>
+                <a:cs typeface="+mn-cs"/>
+              </a:defRPr>
+            </a:lvl7pPr>
+            <a:lvl8pPr marL="3429000" indent="-228600" algn="l" defTabSz="914400" rtl="0" eaLnBrk="1" latinLnBrk="0" hangingPunct="1">
+              <a:spcBef>
+                <a:spcPct val="20000"/>
+              </a:spcBef>
+              <a:buFont typeface="Arial" pitchFamily="34" charset="0"/>
+              <a:buChar char="•"/>
+              <a:defRPr sz="2000" kern="1200">
+                <a:solidFill>
+                  <a:schemeClr val="tx1"/>
+                </a:solidFill>
+                <a:latin typeface="+mn-lt"/>
+                <a:ea typeface="+mn-ea"/>
+                <a:cs typeface="+mn-cs"/>
+              </a:defRPr>
+            </a:lvl8pPr>
+            <a:lvl9pPr marL="3886200" indent="-228600" algn="l" defTabSz="914400" rtl="0" eaLnBrk="1" latinLnBrk="0" hangingPunct="1">
+              <a:spcBef>
+                <a:spcPct val="20000"/>
+              </a:spcBef>
+              <a:buFont typeface="Arial" pitchFamily="34" charset="0"/>
+              <a:buChar char="•"/>
+              <a:defRPr sz="2000" kern="1200">
+                <a:solidFill>
+                  <a:schemeClr val="tx1"/>
+                </a:solidFill>
+                <a:latin typeface="+mn-lt"/>
+                <a:ea typeface="+mn-ea"/>
+                <a:cs typeface="+mn-cs"/>
+              </a:defRPr>
+            </a:lvl9pPr>
+          </a:lstStyle>
+          <a:p>
+            <a:pPr marL="0" indent="0" algn="ctr">
+              <a:buNone/>
+            </a:pPr>
+            <a:endParaRPr lang="en-US" sz="2400" dirty="0">
+              <a:solidFill>
+                <a:schemeClr val="bg1"/>
+              </a:solidFill>
+            </a:endParaRPr>
+          </a:p>
+        </p:txBody>
+      </p:sp>
+      <p:sp>
+        <p:nvSpPr>
+          <p:cNvPr id="6" name="Text Placeholder 2"/>
+          <p:cNvSpPr txBox="1">
+            <a:spLocks/>
+          </p:cNvSpPr>
+          <p:nvPr/>
+        </p:nvSpPr>
+        <p:spPr>
+          <a:xfrm>
+            <a:off x="296259" y="1197405"/>
+            <a:ext cx="8551481" cy="1374345"/>
+          </a:xfrm>
+          <a:prstGeom prst="rect">
+            <a:avLst/>
+          </a:prstGeom>
+          <a:ln w="28575">
+            <a:noFill/>
+          </a:ln>
+        </p:spPr>
+        <p:txBody>
+          <a:bodyPr/>
+          <a:lstStyle>
+            <a:lvl1pPr marL="342900" indent="-342900" algn="l" defTabSz="914400" rtl="0" eaLnBrk="1" latinLnBrk="0" hangingPunct="1">
+              <a:spcBef>
+                <a:spcPct val="20000"/>
+              </a:spcBef>
+              <a:buFont typeface="Arial" pitchFamily="34" charset="0"/>
+              <a:buChar char="•"/>
+              <a:defRPr sz="3200" kern="1200">
+                <a:solidFill>
+                  <a:schemeClr val="tx1"/>
+                </a:solidFill>
+                <a:latin typeface="+mn-lt"/>
+                <a:ea typeface="+mn-ea"/>
+                <a:cs typeface="+mn-cs"/>
+              </a:defRPr>
+            </a:lvl1pPr>
+            <a:lvl2pPr marL="742950" indent="-285750" algn="l" defTabSz="914400" rtl="0" eaLnBrk="1" latinLnBrk="0" hangingPunct="1">
+              <a:spcBef>
+                <a:spcPct val="20000"/>
+              </a:spcBef>
+              <a:buFont typeface="Arial" pitchFamily="34" charset="0"/>
+              <a:buChar char="–"/>
+              <a:defRPr sz="2800" kern="1200">
+                <a:solidFill>
+                  <a:schemeClr val="tx1"/>
+                </a:solidFill>
+                <a:latin typeface="+mn-lt"/>
+                <a:ea typeface="+mn-ea"/>
+                <a:cs typeface="+mn-cs"/>
+              </a:defRPr>
+            </a:lvl2pPr>
+            <a:lvl3pPr marL="1143000" indent="-228600" algn="l" defTabSz="914400" rtl="0" eaLnBrk="1" latinLnBrk="0" hangingPunct="1">
+              <a:spcBef>
+                <a:spcPct val="20000"/>
+              </a:spcBef>
+              <a:buFont typeface="Arial" pitchFamily="34" charset="0"/>
+              <a:buChar char="•"/>
+              <a:defRPr sz="2400" kern="1200">
+                <a:solidFill>
+                  <a:schemeClr val="tx1"/>
+                </a:solidFill>
+                <a:latin typeface="+mn-lt"/>
+                <a:ea typeface="+mn-ea"/>
+                <a:cs typeface="+mn-cs"/>
+              </a:defRPr>
+            </a:lvl3pPr>
+            <a:lvl4pPr marL="1600200" indent="-228600" algn="l" defTabSz="914400" rtl="0" eaLnBrk="1" latinLnBrk="0" hangingPunct="1">
+              <a:spcBef>
+                <a:spcPct val="20000"/>
+              </a:spcBef>
+              <a:buFont typeface="Arial" pitchFamily="34" charset="0"/>
+              <a:buChar char="–"/>
+              <a:defRPr sz="2000" kern="1200">
+                <a:solidFill>
+                  <a:schemeClr val="tx1"/>
+                </a:solidFill>
+                <a:latin typeface="+mn-lt"/>
+                <a:ea typeface="+mn-ea"/>
+                <a:cs typeface="+mn-cs"/>
+              </a:defRPr>
+            </a:lvl4pPr>
+            <a:lvl5pPr marL="2057400" indent="-228600" algn="l" defTabSz="914400" rtl="0" eaLnBrk="1" latinLnBrk="0" hangingPunct="1">
+              <a:spcBef>
+                <a:spcPct val="20000"/>
+              </a:spcBef>
+              <a:buFont typeface="Arial" pitchFamily="34" charset="0"/>
+              <a:buChar char="»"/>
+              <a:defRPr sz="2000" kern="1200">
+                <a:solidFill>
+                  <a:schemeClr val="tx1"/>
+                </a:solidFill>
+                <a:latin typeface="+mn-lt"/>
+                <a:ea typeface="+mn-ea"/>
+                <a:cs typeface="+mn-cs"/>
+              </a:defRPr>
+            </a:lvl5pPr>
+            <a:lvl6pPr marL="2514600" indent="-228600" algn="l" defTabSz="914400" rtl="0" eaLnBrk="1" latinLnBrk="0" hangingPunct="1">
+              <a:spcBef>
+                <a:spcPct val="20000"/>
+              </a:spcBef>
+              <a:buFont typeface="Arial" pitchFamily="34" charset="0"/>
+              <a:buChar char="•"/>
+              <a:defRPr sz="2000" kern="1200">
+                <a:solidFill>
+                  <a:schemeClr val="tx1"/>
+                </a:solidFill>
+                <a:latin typeface="+mn-lt"/>
+                <a:ea typeface="+mn-ea"/>
+                <a:cs typeface="+mn-cs"/>
+              </a:defRPr>
+            </a:lvl6pPr>
+            <a:lvl7pPr marL="2971800" indent="-228600" algn="l" defTabSz="914400" rtl="0" eaLnBrk="1" latinLnBrk="0" hangingPunct="1">
+              <a:spcBef>
+                <a:spcPct val="20000"/>
+              </a:spcBef>
+              <a:buFont typeface="Arial" pitchFamily="34" charset="0"/>
+              <a:buChar char="•"/>
+              <a:defRPr sz="2000" kern="1200">
+                <a:solidFill>
+                  <a:schemeClr val="tx1"/>
+                </a:solidFill>
+                <a:latin typeface="+mn-lt"/>
+                <a:ea typeface="+mn-ea"/>
+                <a:cs typeface="+mn-cs"/>
+              </a:defRPr>
+            </a:lvl7pPr>
+            <a:lvl8pPr marL="3429000" indent="-228600" algn="l" defTabSz="914400" rtl="0" eaLnBrk="1" latinLnBrk="0" hangingPunct="1">
+              <a:spcBef>
+                <a:spcPct val="20000"/>
+              </a:spcBef>
+              <a:buFont typeface="Arial" pitchFamily="34" charset="0"/>
+              <a:buChar char="•"/>
+              <a:defRPr sz="2000" kern="1200">
+                <a:solidFill>
+                  <a:schemeClr val="tx1"/>
+                </a:solidFill>
+                <a:latin typeface="+mn-lt"/>
+                <a:ea typeface="+mn-ea"/>
+                <a:cs typeface="+mn-cs"/>
+              </a:defRPr>
+            </a:lvl8pPr>
+            <a:lvl9pPr marL="3886200" indent="-228600" algn="l" defTabSz="914400" rtl="0" eaLnBrk="1" latinLnBrk="0" hangingPunct="1">
+              <a:spcBef>
+                <a:spcPct val="20000"/>
+              </a:spcBef>
+              <a:buFont typeface="Arial" pitchFamily="34" charset="0"/>
+              <a:buChar char="•"/>
+              <a:defRPr sz="2000" kern="1200">
+                <a:solidFill>
+                  <a:schemeClr val="tx1"/>
+                </a:solidFill>
+                <a:latin typeface="+mn-lt"/>
+                <a:ea typeface="+mn-ea"/>
+                <a:cs typeface="+mn-cs"/>
+              </a:defRPr>
+            </a:lvl9pPr>
+          </a:lstStyle>
+          <a:p>
+            <a:pPr marL="0" indent="0">
+              <a:buNone/>
+            </a:pPr>
+            <a:r>
+              <a:rPr lang="en-US" sz="4000" b="1" dirty="0"/>
+              <a:t>Crime</a:t>
+            </a:r>
+          </a:p>
+          <a:p>
+            <a:pPr marL="0" indent="0">
+              <a:buNone/>
+            </a:pPr>
+            <a:r>
+              <a:rPr lang="en-US" sz="1800" dirty="0"/>
+              <a:t>	</a:t>
+            </a:r>
+            <a:r>
+              <a:rPr lang="en-US" sz="2400" dirty="0"/>
+              <a:t>Wanted his subordinates to cut corners.</a:t>
+            </a:r>
+          </a:p>
+          <a:p>
+            <a:pPr marL="0" indent="0">
+              <a:buNone/>
+            </a:pPr>
+            <a:r>
+              <a:rPr lang="en-GB" sz="2400" dirty="0"/>
+              <a:t>.</a:t>
+            </a:r>
+            <a:endParaRPr lang="en-US" sz="2400" dirty="0"/>
+          </a:p>
+        </p:txBody>
+      </p:sp>
+    </p:spTree>
+    <p:extLst>
+      <p:ext uri="{BB962C8B-B14F-4D97-AF65-F5344CB8AC3E}">
+        <p14:creationId xmlns:p14="http://schemas.microsoft.com/office/powerpoint/2010/main" val="2222300108"/>
+      </p:ext>
+    </p:extLst>
+  </p:cSld>
+  <p:clrMapOvr>
+    <a:masterClrMapping/>
+  </p:clrMapOvr>
+</p:sld>
+</file>
+
+<file path=ppt/slides/slide16.xml><?xml version="1.0" encoding="utf-8"?>
+<p:sld xmlns:a="http://schemas.openxmlformats.org/drawingml/2006/main" xmlns:r="http://schemas.openxmlformats.org/officeDocument/2006/relationships" xmlns:p="http://schemas.openxmlformats.org/presentationml/2006/main">
+  <p:cSld>
+    <p:spTree>
+      <p:nvGrpSpPr>
+        <p:cNvPr id="1" name=""/>
+        <p:cNvGrpSpPr/>
+        <p:nvPr/>
+      </p:nvGrpSpPr>
+      <p:grpSpPr>
+        <a:xfrm>
+          <a:off x="0" y="0"/>
+          <a:ext cx="0" cy="0"/>
+          <a:chOff x="0" y="0"/>
+          <a:chExt cx="0" cy="0"/>
+        </a:xfrm>
+      </p:grpSpPr>
+      <p:sp>
+        <p:nvSpPr>
+          <p:cNvPr id="2" name="Text Placeholder 2"/>
+          <p:cNvSpPr txBox="1">
+            <a:spLocks/>
+          </p:cNvSpPr>
+          <p:nvPr/>
+        </p:nvSpPr>
+        <p:spPr>
+          <a:xfrm>
+            <a:off x="296261" y="2702745"/>
+            <a:ext cx="4275738" cy="479822"/>
+          </a:xfrm>
+          <a:prstGeom prst="rect">
+            <a:avLst/>
+          </a:prstGeom>
+          <a:ln w="28575">
+            <a:solidFill>
+              <a:srgbClr val="E39A39"/>
+            </a:solidFill>
+          </a:ln>
+        </p:spPr>
+        <p:txBody>
+          <a:bodyPr/>
+          <a:lstStyle>
+            <a:lvl1pPr marL="342900" indent="-342900" algn="l" defTabSz="914400" rtl="0" eaLnBrk="1" latinLnBrk="0" hangingPunct="1">
+              <a:spcBef>
+                <a:spcPct val="20000"/>
+              </a:spcBef>
+              <a:buFont typeface="Arial" pitchFamily="34" charset="0"/>
+              <a:buChar char="•"/>
+              <a:defRPr sz="3200" kern="1200">
+                <a:solidFill>
+                  <a:schemeClr val="tx1"/>
+                </a:solidFill>
+                <a:latin typeface="+mn-lt"/>
+                <a:ea typeface="+mn-ea"/>
+                <a:cs typeface="+mn-cs"/>
+              </a:defRPr>
+            </a:lvl1pPr>
+            <a:lvl2pPr marL="742950" indent="-285750" algn="l" defTabSz="914400" rtl="0" eaLnBrk="1" latinLnBrk="0" hangingPunct="1">
+              <a:spcBef>
+                <a:spcPct val="20000"/>
+              </a:spcBef>
+              <a:buFont typeface="Arial" pitchFamily="34" charset="0"/>
+              <a:buChar char="–"/>
+              <a:defRPr sz="2800" kern="1200">
+                <a:solidFill>
+                  <a:schemeClr val="tx1"/>
+                </a:solidFill>
+                <a:latin typeface="+mn-lt"/>
+                <a:ea typeface="+mn-ea"/>
+                <a:cs typeface="+mn-cs"/>
+              </a:defRPr>
+            </a:lvl2pPr>
+            <a:lvl3pPr marL="1143000" indent="-228600" algn="l" defTabSz="914400" rtl="0" eaLnBrk="1" latinLnBrk="0" hangingPunct="1">
+              <a:spcBef>
+                <a:spcPct val="20000"/>
+              </a:spcBef>
+              <a:buFont typeface="Arial" pitchFamily="34" charset="0"/>
+              <a:buChar char="•"/>
+              <a:defRPr sz="2400" kern="1200">
+                <a:solidFill>
+                  <a:schemeClr val="tx1"/>
+                </a:solidFill>
+                <a:latin typeface="+mn-lt"/>
+                <a:ea typeface="+mn-ea"/>
+                <a:cs typeface="+mn-cs"/>
+              </a:defRPr>
+            </a:lvl3pPr>
+            <a:lvl4pPr marL="1600200" indent="-228600" algn="l" defTabSz="914400" rtl="0" eaLnBrk="1" latinLnBrk="0" hangingPunct="1">
+              <a:spcBef>
+                <a:spcPct val="20000"/>
+              </a:spcBef>
+              <a:buFont typeface="Arial" pitchFamily="34" charset="0"/>
+              <a:buChar char="–"/>
+              <a:defRPr sz="2000" kern="1200">
+                <a:solidFill>
+                  <a:schemeClr val="tx1"/>
+                </a:solidFill>
+                <a:latin typeface="+mn-lt"/>
+                <a:ea typeface="+mn-ea"/>
+                <a:cs typeface="+mn-cs"/>
+              </a:defRPr>
+            </a:lvl4pPr>
+            <a:lvl5pPr marL="2057400" indent="-228600" algn="l" defTabSz="914400" rtl="0" eaLnBrk="1" latinLnBrk="0" hangingPunct="1">
+              <a:spcBef>
+                <a:spcPct val="20000"/>
+              </a:spcBef>
+              <a:buFont typeface="Arial" pitchFamily="34" charset="0"/>
+              <a:buChar char="»"/>
+              <a:defRPr sz="2000" kern="1200">
+                <a:solidFill>
+                  <a:schemeClr val="tx1"/>
+                </a:solidFill>
+                <a:latin typeface="+mn-lt"/>
+                <a:ea typeface="+mn-ea"/>
+                <a:cs typeface="+mn-cs"/>
+              </a:defRPr>
+            </a:lvl5pPr>
+            <a:lvl6pPr marL="2514600" indent="-228600" algn="l" defTabSz="914400" rtl="0" eaLnBrk="1" latinLnBrk="0" hangingPunct="1">
+              <a:spcBef>
+                <a:spcPct val="20000"/>
+              </a:spcBef>
+              <a:buFont typeface="Arial" pitchFamily="34" charset="0"/>
+              <a:buChar char="•"/>
+              <a:defRPr sz="2000" kern="1200">
+                <a:solidFill>
+                  <a:schemeClr val="tx1"/>
+                </a:solidFill>
+                <a:latin typeface="+mn-lt"/>
+                <a:ea typeface="+mn-ea"/>
+                <a:cs typeface="+mn-cs"/>
+              </a:defRPr>
+            </a:lvl6pPr>
+            <a:lvl7pPr marL="2971800" indent="-228600" algn="l" defTabSz="914400" rtl="0" eaLnBrk="1" latinLnBrk="0" hangingPunct="1">
+              <a:spcBef>
+                <a:spcPct val="20000"/>
+              </a:spcBef>
+              <a:buFont typeface="Arial" pitchFamily="34" charset="0"/>
+              <a:buChar char="•"/>
+              <a:defRPr sz="2000" kern="1200">
+                <a:solidFill>
+                  <a:schemeClr val="tx1"/>
+                </a:solidFill>
+                <a:latin typeface="+mn-lt"/>
+                <a:ea typeface="+mn-ea"/>
+                <a:cs typeface="+mn-cs"/>
+              </a:defRPr>
+            </a:lvl7pPr>
+            <a:lvl8pPr marL="3429000" indent="-228600" algn="l" defTabSz="914400" rtl="0" eaLnBrk="1" latinLnBrk="0" hangingPunct="1">
+              <a:spcBef>
+                <a:spcPct val="20000"/>
+              </a:spcBef>
+              <a:buFont typeface="Arial" pitchFamily="34" charset="0"/>
+              <a:buChar char="•"/>
+              <a:defRPr sz="2000" kern="1200">
+                <a:solidFill>
+                  <a:schemeClr val="tx1"/>
+                </a:solidFill>
+                <a:latin typeface="+mn-lt"/>
+                <a:ea typeface="+mn-ea"/>
+                <a:cs typeface="+mn-cs"/>
+              </a:defRPr>
+            </a:lvl8pPr>
+            <a:lvl9pPr marL="3886200" indent="-228600" algn="l" defTabSz="914400" rtl="0" eaLnBrk="1" latinLnBrk="0" hangingPunct="1">
+              <a:spcBef>
+                <a:spcPct val="20000"/>
+              </a:spcBef>
+              <a:buFont typeface="Arial" pitchFamily="34" charset="0"/>
+              <a:buChar char="•"/>
+              <a:defRPr sz="2000" kern="1200">
+                <a:solidFill>
+                  <a:schemeClr val="tx1"/>
+                </a:solidFill>
+                <a:latin typeface="+mn-lt"/>
+                <a:ea typeface="+mn-ea"/>
+                <a:cs typeface="+mn-cs"/>
+              </a:defRPr>
+            </a:lvl9pPr>
+          </a:lstStyle>
+          <a:p>
+            <a:pPr marL="0" indent="0" algn="ctr">
+              <a:buNone/>
+            </a:pPr>
+            <a:r>
+              <a:rPr lang="en-US" sz="2400" dirty="0">
+                <a:solidFill>
+                  <a:srgbClr val="232D48"/>
+                </a:solidFill>
+              </a:rPr>
+              <a:t>ACM Code of Conduct</a:t>
+            </a:r>
+          </a:p>
+        </p:txBody>
+      </p:sp>
+      <p:sp>
+        <p:nvSpPr>
+          <p:cNvPr id="3" name="Content Placeholder 3"/>
+          <p:cNvSpPr txBox="1">
+            <a:spLocks/>
+          </p:cNvSpPr>
+          <p:nvPr/>
+        </p:nvSpPr>
+        <p:spPr>
+          <a:xfrm>
+            <a:off x="296259" y="3182570"/>
+            <a:ext cx="4280806" cy="1957951"/>
+          </a:xfrm>
+          <a:prstGeom prst="rect">
+            <a:avLst/>
+          </a:prstGeom>
+          <a:solidFill>
+            <a:srgbClr val="232D48"/>
+          </a:solidFill>
+          <a:ln w="28575">
+            <a:solidFill>
+              <a:srgbClr val="E39A39"/>
+            </a:solidFill>
+          </a:ln>
+        </p:spPr>
+        <p:txBody>
+          <a:bodyPr>
+            <a:normAutofit/>
+          </a:bodyPr>
+          <a:lstStyle>
+            <a:lvl1pPr marL="342900" indent="-342900" algn="l" defTabSz="914400" rtl="0" eaLnBrk="1" latinLnBrk="0" hangingPunct="1">
+              <a:spcBef>
+                <a:spcPct val="20000"/>
+              </a:spcBef>
+              <a:buFont typeface="Arial" pitchFamily="34" charset="0"/>
+              <a:buChar char="•"/>
+              <a:defRPr sz="3200" kern="1200">
+                <a:solidFill>
+                  <a:schemeClr val="tx1"/>
+                </a:solidFill>
+                <a:latin typeface="+mn-lt"/>
+                <a:ea typeface="+mn-ea"/>
+                <a:cs typeface="+mn-cs"/>
+              </a:defRPr>
+            </a:lvl1pPr>
+            <a:lvl2pPr marL="742950" indent="-285750" algn="l" defTabSz="914400" rtl="0" eaLnBrk="1" latinLnBrk="0" hangingPunct="1">
+              <a:spcBef>
+                <a:spcPct val="20000"/>
+              </a:spcBef>
+              <a:buFont typeface="Arial" pitchFamily="34" charset="0"/>
+              <a:buChar char="–"/>
+              <a:defRPr sz="2800" kern="1200">
+                <a:solidFill>
+                  <a:schemeClr val="tx1"/>
+                </a:solidFill>
+                <a:latin typeface="+mn-lt"/>
+                <a:ea typeface="+mn-ea"/>
+                <a:cs typeface="+mn-cs"/>
+              </a:defRPr>
+            </a:lvl2pPr>
+            <a:lvl3pPr marL="1143000" indent="-228600" algn="l" defTabSz="914400" rtl="0" eaLnBrk="1" latinLnBrk="0" hangingPunct="1">
+              <a:spcBef>
+                <a:spcPct val="20000"/>
+              </a:spcBef>
+              <a:buFont typeface="Arial" pitchFamily="34" charset="0"/>
+              <a:buChar char="•"/>
+              <a:defRPr sz="2400" kern="1200">
+                <a:solidFill>
+                  <a:schemeClr val="tx1"/>
+                </a:solidFill>
+                <a:latin typeface="+mn-lt"/>
+                <a:ea typeface="+mn-ea"/>
+                <a:cs typeface="+mn-cs"/>
+              </a:defRPr>
+            </a:lvl3pPr>
+            <a:lvl4pPr marL="1600200" indent="-228600" algn="l" defTabSz="914400" rtl="0" eaLnBrk="1" latinLnBrk="0" hangingPunct="1">
+              <a:spcBef>
+                <a:spcPct val="20000"/>
+              </a:spcBef>
+              <a:buFont typeface="Arial" pitchFamily="34" charset="0"/>
+              <a:buChar char="–"/>
+              <a:defRPr sz="2000" kern="1200">
+                <a:solidFill>
+                  <a:schemeClr val="tx1"/>
+                </a:solidFill>
+                <a:latin typeface="+mn-lt"/>
+                <a:ea typeface="+mn-ea"/>
+                <a:cs typeface="+mn-cs"/>
+              </a:defRPr>
+            </a:lvl4pPr>
+            <a:lvl5pPr marL="2057400" indent="-228600" algn="l" defTabSz="914400" rtl="0" eaLnBrk="1" latinLnBrk="0" hangingPunct="1">
+              <a:spcBef>
+                <a:spcPct val="20000"/>
+              </a:spcBef>
+              <a:buFont typeface="Arial" pitchFamily="34" charset="0"/>
+              <a:buChar char="»"/>
+              <a:defRPr sz="2000" kern="1200">
+                <a:solidFill>
+                  <a:schemeClr val="tx1"/>
+                </a:solidFill>
+                <a:latin typeface="+mn-lt"/>
+                <a:ea typeface="+mn-ea"/>
+                <a:cs typeface="+mn-cs"/>
+              </a:defRPr>
+            </a:lvl5pPr>
+            <a:lvl6pPr marL="2514600" indent="-228600" algn="l" defTabSz="914400" rtl="0" eaLnBrk="1" latinLnBrk="0" hangingPunct="1">
+              <a:spcBef>
+                <a:spcPct val="20000"/>
+              </a:spcBef>
+              <a:buFont typeface="Arial" pitchFamily="34" charset="0"/>
+              <a:buChar char="•"/>
+              <a:defRPr sz="2000" kern="1200">
+                <a:solidFill>
+                  <a:schemeClr val="tx1"/>
+                </a:solidFill>
+                <a:latin typeface="+mn-lt"/>
+                <a:ea typeface="+mn-ea"/>
+                <a:cs typeface="+mn-cs"/>
+              </a:defRPr>
+            </a:lvl6pPr>
+            <a:lvl7pPr marL="2971800" indent="-228600" algn="l" defTabSz="914400" rtl="0" eaLnBrk="1" latinLnBrk="0" hangingPunct="1">
+              <a:spcBef>
+                <a:spcPct val="20000"/>
+              </a:spcBef>
+              <a:buFont typeface="Arial" pitchFamily="34" charset="0"/>
+              <a:buChar char="•"/>
+              <a:defRPr sz="2000" kern="1200">
+                <a:solidFill>
+                  <a:schemeClr val="tx1"/>
+                </a:solidFill>
+                <a:latin typeface="+mn-lt"/>
+                <a:ea typeface="+mn-ea"/>
+                <a:cs typeface="+mn-cs"/>
+              </a:defRPr>
+            </a:lvl7pPr>
+            <a:lvl8pPr marL="3429000" indent="-228600" algn="l" defTabSz="914400" rtl="0" eaLnBrk="1" latinLnBrk="0" hangingPunct="1">
+              <a:spcBef>
+                <a:spcPct val="20000"/>
+              </a:spcBef>
+              <a:buFont typeface="Arial" pitchFamily="34" charset="0"/>
+              <a:buChar char="•"/>
+              <a:defRPr sz="2000" kern="1200">
+                <a:solidFill>
+                  <a:schemeClr val="tx1"/>
+                </a:solidFill>
+                <a:latin typeface="+mn-lt"/>
+                <a:ea typeface="+mn-ea"/>
+                <a:cs typeface="+mn-cs"/>
+              </a:defRPr>
+            </a:lvl8pPr>
+            <a:lvl9pPr marL="3886200" indent="-228600" algn="l" defTabSz="914400" rtl="0" eaLnBrk="1" latinLnBrk="0" hangingPunct="1">
+              <a:spcBef>
+                <a:spcPct val="20000"/>
+              </a:spcBef>
+              <a:buFont typeface="Arial" pitchFamily="34" charset="0"/>
+              <a:buChar char="•"/>
+              <a:defRPr sz="2000" kern="1200">
+                <a:solidFill>
+                  <a:schemeClr val="tx1"/>
+                </a:solidFill>
+                <a:latin typeface="+mn-lt"/>
+                <a:ea typeface="+mn-ea"/>
+                <a:cs typeface="+mn-cs"/>
+              </a:defRPr>
+            </a:lvl9pPr>
+          </a:lstStyle>
+          <a:p>
+            <a:pPr marL="0" indent="0" algn="ctr">
+              <a:buNone/>
+            </a:pPr>
+            <a:r>
+              <a:rPr lang="en-US" sz="2400" dirty="0">
+                <a:solidFill>
+                  <a:schemeClr val="bg1"/>
+                </a:solidFill>
+              </a:rPr>
               <a:t>2.4 Accept and provide appropriate professional review.</a:t>
             </a:r>
           </a:p>
@@ -8594,7 +9509,7 @@
 </p:sld>
 </file>
 
-<file path=ppt/slides/slide16.xml><?xml version="1.0" encoding="utf-8"?>
+<file path=ppt/slides/slide17.xml><?xml version="1.0" encoding="utf-8"?>
 <p:sld xmlns:a="http://schemas.openxmlformats.org/drawingml/2006/main" xmlns:r="http://schemas.openxmlformats.org/officeDocument/2006/relationships" xmlns:p="http://schemas.openxmlformats.org/presentationml/2006/main">
   <p:cSld>
     <p:spTree>
@@ -9556,412 +10471,1303 @@
       </p:grpSpPr>
       <p:sp>
         <p:nvSpPr>
-          <p:cNvPr id="2" name="Title 1">
-            <a:extLst>
-              <a:ext uri="{FF2B5EF4-FFF2-40B4-BE49-F238E27FC236}">
-                <a16:creationId xmlns:a16="http://schemas.microsoft.com/office/drawing/2014/main" id="{DD279937-5365-A7A3-3AED-D18DF6AA2B7D}"/>
-              </a:ext>
-            </a:extLst>
-          </p:cNvPr>
-          <p:cNvSpPr>
-            <a:spLocks noGrp="1"/>
+          <p:cNvPr id="2" name="Title 1"/>
+          <p:cNvSpPr txBox="1">
+            <a:spLocks/>
           </p:cNvSpPr>
-          <p:nvPr>
-            <p:ph type="title"/>
-          </p:nvPr>
+          <p:nvPr/>
         </p:nvSpPr>
         <p:spPr>
           <a:xfrm>
-            <a:off x="296260" y="72359"/>
-            <a:ext cx="6566315" cy="725349"/>
-          </a:xfrm>
-        </p:spPr>
-        <p:txBody>
-          <a:bodyPr/>
-          <a:lstStyle/>
-          <a:p>
-            <a:r>
-              <a:rPr lang="en-GB" dirty="0"/>
-              <a:t>Table of Contents</a:t>
-            </a:r>
-            <a:endParaRPr lang="en-US" dirty="0"/>
-          </a:p>
-        </p:txBody>
-      </p:sp>
-      <p:sp>
-        <p:nvSpPr>
-          <p:cNvPr id="3" name="Content Placeholder 2">
-            <a:extLst>
-              <a:ext uri="{FF2B5EF4-FFF2-40B4-BE49-F238E27FC236}">
-                <a16:creationId xmlns:a16="http://schemas.microsoft.com/office/drawing/2014/main" id="{4C3EFF51-26D3-74F6-FFFC-B4B74CFCDC8B}"/>
-              </a:ext>
-            </a:extLst>
-          </p:cNvPr>
-          <p:cNvSpPr>
-            <a:spLocks noGrp="1"/>
-          </p:cNvSpPr>
-          <p:nvPr>
-            <p:ph idx="1"/>
-          </p:nvPr>
-        </p:nvSpPr>
-        <p:spPr>
-          <a:xfrm>
-            <a:off x="296260" y="724808"/>
-            <a:ext cx="6566315" cy="4418692"/>
-          </a:xfrm>
+            <a:off x="448965" y="281175"/>
+            <a:ext cx="8246070" cy="763525"/>
+          </a:xfrm>
+          <a:prstGeom prst="rect">
+            <a:avLst/>
+          </a:prstGeom>
         </p:spPr>
         <p:txBody>
           <a:bodyPr>
             <a:normAutofit/>
           </a:bodyPr>
-          <a:lstStyle/>
-          <a:p>
-            <a:pPr>
-              <a:spcBef>
-                <a:spcPts val="200"/>
-              </a:spcBef>
-              <a:spcAft>
-                <a:spcPts val="150"/>
-              </a:spcAft>
-            </a:pPr>
-            <a:r>
-              <a:rPr lang="en-US" sz="1800" dirty="0">
-                <a:solidFill>
-                  <a:schemeClr val="bg1"/>
-                </a:solidFill>
-                <a:hlinkClick r:id="rId2" action="ppaction://hlinksldjump">
-                  <a:extLst>
-                    <a:ext uri="{A12FA001-AC4F-418D-AE19-62706E023703}">
-                      <ahyp:hlinkClr xmlns:ahyp="http://schemas.microsoft.com/office/drawing/2018/hyperlinkcolor" val="tx"/>
-                    </a:ext>
-                  </a:extLst>
-                </a:hlinkClick>
+          <a:lstStyle>
+            <a:lvl1pPr algn="ctr" defTabSz="914400" rtl="0" eaLnBrk="1" latinLnBrk="0" hangingPunct="1">
+              <a:spcBef>
+                <a:spcPct val="0"/>
+              </a:spcBef>
+              <a:buNone/>
+              <a:defRPr sz="4400" kern="1200">
+                <a:solidFill>
+                  <a:schemeClr val="tx1"/>
+                </a:solidFill>
+                <a:latin typeface="+mj-lt"/>
+                <a:ea typeface="+mj-ea"/>
+                <a:cs typeface="+mj-cs"/>
+              </a:defRPr>
+            </a:lvl1pPr>
+          </a:lstStyle>
+          <a:p>
+            <a:pPr algn="r"/>
+            <a:r>
+              <a:rPr lang="en-US" dirty="0" smtClean="0">
+                <a:solidFill>
+                  <a:schemeClr val="accent5"/>
+                </a:solidFill>
               </a:rPr>
-              <a:t>Case Study of ‘The Killer Robot’</a:t>
-            </a:r>
-            <a:endParaRPr lang="en-US" sz="1800" dirty="0">
+              <a:t>Table of Contents</a:t>
+            </a:r>
+            <a:endParaRPr lang="en-US" dirty="0">
               <a:solidFill>
-                <a:schemeClr val="bg1"/>
+                <a:schemeClr val="accent5"/>
               </a:solidFill>
             </a:endParaRPr>
           </a:p>
-          <a:p>
-            <a:pPr>
-              <a:spcBef>
-                <a:spcPts val="200"/>
-              </a:spcBef>
-              <a:spcAft>
-                <a:spcPts val="150"/>
-              </a:spcAft>
-            </a:pPr>
-            <a:r>
-              <a:rPr lang="en-GB" sz="1800" dirty="0">
-                <a:solidFill>
-                  <a:schemeClr val="bg1"/>
-                </a:solidFill>
-                <a:hlinkClick r:id="rId3" action="ppaction://hlinksldjump">
-                  <a:extLst>
-                    <a:ext uri="{A12FA001-AC4F-418D-AE19-62706E023703}">
-                      <ahyp:hlinkClr xmlns:ahyp="http://schemas.microsoft.com/office/drawing/2018/hyperlinkcolor" val="tx"/>
-                    </a:ext>
-                  </a:extLst>
-                </a:hlinkClick>
-              </a:rPr>
-              <a:t>Table of Contents</a:t>
-            </a:r>
-            <a:endParaRPr lang="en-US" sz="1800" dirty="0">
-              <a:solidFill>
-                <a:schemeClr val="bg1"/>
-              </a:solidFill>
-            </a:endParaRPr>
-          </a:p>
-          <a:p>
-            <a:pPr>
-              <a:spcBef>
-                <a:spcPts val="200"/>
-              </a:spcBef>
-              <a:spcAft>
-                <a:spcPts val="150"/>
-              </a:spcAft>
-            </a:pPr>
-            <a:r>
-              <a:rPr lang="en-GB" sz="1800" dirty="0">
-                <a:solidFill>
-                  <a:schemeClr val="bg1"/>
-                </a:solidFill>
-                <a:hlinkClick r:id="rId4" action="ppaction://hlinksldjump">
-                  <a:extLst>
-                    <a:ext uri="{A12FA001-AC4F-418D-AE19-62706E023703}">
-                      <ahyp:hlinkClr xmlns:ahyp="http://schemas.microsoft.com/office/drawing/2018/hyperlinkcolor" val="tx"/>
-                    </a:ext>
-                  </a:extLst>
-                </a:hlinkClick>
-              </a:rPr>
+        </p:txBody>
+      </p:sp>
+      <p:sp>
+        <p:nvSpPr>
+          <p:cNvPr id="3" name="Rectangle 2"/>
+          <p:cNvSpPr/>
+          <p:nvPr/>
+        </p:nvSpPr>
+        <p:spPr>
+          <a:xfrm>
+            <a:off x="601670" y="1350110"/>
+            <a:ext cx="1832460" cy="610820"/>
+          </a:xfrm>
+          <a:prstGeom prst="rect">
+            <a:avLst/>
+          </a:prstGeom>
+        </p:spPr>
+        <p:style>
+          <a:lnRef idx="2">
+            <a:schemeClr val="accent1">
+              <a:shade val="50000"/>
+            </a:schemeClr>
+          </a:lnRef>
+          <a:fillRef idx="1">
+            <a:schemeClr val="accent1"/>
+          </a:fillRef>
+          <a:effectRef idx="0">
+            <a:schemeClr val="accent1"/>
+          </a:effectRef>
+          <a:fontRef idx="minor">
+            <a:schemeClr val="lt1"/>
+          </a:fontRef>
+        </p:style>
+        <p:txBody>
+          <a:bodyPr rtlCol="0" anchor="ctr"/>
+          <a:lstStyle/>
+          <a:p>
+            <a:pPr algn="ctr"/>
+            <a:r>
+              <a:rPr lang="en-US" dirty="0" smtClean="0"/>
+              <a:t>Case study of The Killer Robot</a:t>
+            </a:r>
+            <a:endParaRPr lang="en-US" dirty="0"/>
+          </a:p>
+        </p:txBody>
+      </p:sp>
+      <p:sp>
+        <p:nvSpPr>
+          <p:cNvPr id="5" name="Rectangle 4"/>
+          <p:cNvSpPr/>
+          <p:nvPr/>
+        </p:nvSpPr>
+        <p:spPr>
+          <a:xfrm>
+            <a:off x="601670" y="2113635"/>
+            <a:ext cx="1832460" cy="610820"/>
+          </a:xfrm>
+          <a:prstGeom prst="rect">
+            <a:avLst/>
+          </a:prstGeom>
+        </p:spPr>
+        <p:style>
+          <a:lnRef idx="2">
+            <a:schemeClr val="accent1">
+              <a:shade val="50000"/>
+            </a:schemeClr>
+          </a:lnRef>
+          <a:fillRef idx="1">
+            <a:schemeClr val="accent1"/>
+          </a:fillRef>
+          <a:effectRef idx="0">
+            <a:schemeClr val="accent1"/>
+          </a:effectRef>
+          <a:fontRef idx="minor">
+            <a:schemeClr val="lt1"/>
+          </a:fontRef>
+        </p:style>
+        <p:txBody>
+          <a:bodyPr rtlCol="0" anchor="ctr"/>
+          <a:lstStyle/>
+          <a:p>
+            <a:pPr algn="ctr"/>
+            <a:r>
+              <a:rPr lang="en-US" dirty="0" smtClean="0"/>
               <a:t>Outline</a:t>
             </a:r>
-            <a:endParaRPr lang="en-US" sz="1800" dirty="0">
-              <a:solidFill>
-                <a:schemeClr val="bg1"/>
-              </a:solidFill>
-            </a:endParaRPr>
-          </a:p>
-          <a:p>
-            <a:pPr>
-              <a:spcBef>
-                <a:spcPts val="200"/>
-              </a:spcBef>
-              <a:spcAft>
-                <a:spcPts val="150"/>
-              </a:spcAft>
-            </a:pPr>
-            <a:r>
-              <a:rPr lang="en-US" sz="1800" dirty="0">
-                <a:solidFill>
-                  <a:schemeClr val="bg1"/>
-                </a:solidFill>
-                <a:hlinkClick r:id="rId5" action="ppaction://hlinksldjump">
-                  <a:extLst>
-                    <a:ext uri="{A12FA001-AC4F-418D-AE19-62706E023703}">
-                      <ahyp:hlinkClr xmlns:ahyp="http://schemas.microsoft.com/office/drawing/2018/hyperlinkcolor" val="tx"/>
-                    </a:ext>
-                  </a:extLst>
-                </a:hlinkClick>
-              </a:rPr>
+            <a:endParaRPr lang="en-US" dirty="0"/>
+          </a:p>
+        </p:txBody>
+      </p:sp>
+      <p:sp>
+        <p:nvSpPr>
+          <p:cNvPr id="6" name="Rectangle 5"/>
+          <p:cNvSpPr/>
+          <p:nvPr/>
+        </p:nvSpPr>
+        <p:spPr>
+          <a:xfrm>
+            <a:off x="601670" y="3640685"/>
+            <a:ext cx="1832460" cy="610820"/>
+          </a:xfrm>
+          <a:prstGeom prst="rect">
+            <a:avLst/>
+          </a:prstGeom>
+        </p:spPr>
+        <p:style>
+          <a:lnRef idx="2">
+            <a:schemeClr val="accent1">
+              <a:shade val="50000"/>
+            </a:schemeClr>
+          </a:lnRef>
+          <a:fillRef idx="1">
+            <a:schemeClr val="accent1"/>
+          </a:fillRef>
+          <a:effectRef idx="0">
+            <a:schemeClr val="accent1"/>
+          </a:effectRef>
+          <a:fontRef idx="minor">
+            <a:schemeClr val="lt1"/>
+          </a:fontRef>
+        </p:style>
+        <p:txBody>
+          <a:bodyPr rtlCol="0" anchor="ctr"/>
+          <a:lstStyle/>
+          <a:p>
+            <a:pPr algn="ctr"/>
+            <a:r>
+              <a:rPr lang="en-US" dirty="0" smtClean="0"/>
+              <a:t>Summary</a:t>
+            </a:r>
+            <a:endParaRPr lang="en-US" dirty="0"/>
+          </a:p>
+        </p:txBody>
+      </p:sp>
+      <p:sp>
+        <p:nvSpPr>
+          <p:cNvPr id="8" name="Rectangle 7"/>
+          <p:cNvSpPr/>
+          <p:nvPr/>
+        </p:nvSpPr>
+        <p:spPr>
+          <a:xfrm>
+            <a:off x="601670" y="2877160"/>
+            <a:ext cx="1832460" cy="610820"/>
+          </a:xfrm>
+          <a:prstGeom prst="rect">
+            <a:avLst/>
+          </a:prstGeom>
+        </p:spPr>
+        <p:style>
+          <a:lnRef idx="2">
+            <a:schemeClr val="accent1">
+              <a:shade val="50000"/>
+            </a:schemeClr>
+          </a:lnRef>
+          <a:fillRef idx="1">
+            <a:schemeClr val="accent1"/>
+          </a:fillRef>
+          <a:effectRef idx="0">
+            <a:schemeClr val="accent1"/>
+          </a:effectRef>
+          <a:fontRef idx="minor">
+            <a:schemeClr val="lt1"/>
+          </a:fontRef>
+        </p:style>
+        <p:txBody>
+          <a:bodyPr rtlCol="0" anchor="ctr"/>
+          <a:lstStyle/>
+          <a:p>
+            <a:pPr algn="ctr"/>
+            <a:r>
+              <a:rPr lang="en-US" dirty="0" smtClean="0"/>
               <a:t>Cast of Characters</a:t>
             </a:r>
-            <a:endParaRPr lang="en-US" sz="1800" dirty="0">
-              <a:solidFill>
-                <a:schemeClr val="bg1"/>
-              </a:solidFill>
-            </a:endParaRPr>
-          </a:p>
-          <a:p>
-            <a:pPr>
-              <a:spcBef>
-                <a:spcPts val="200"/>
-              </a:spcBef>
-              <a:spcAft>
-                <a:spcPts val="150"/>
-              </a:spcAft>
-            </a:pPr>
-            <a:r>
-              <a:rPr lang="en-US" sz="1800" dirty="0">
-                <a:solidFill>
-                  <a:schemeClr val="bg1"/>
-                </a:solidFill>
-                <a:hlinkClick r:id="rId6" action="ppaction://hlinksldjump">
-                  <a:extLst>
-                    <a:ext uri="{A12FA001-AC4F-418D-AE19-62706E023703}">
-                      <ahyp:hlinkClr xmlns:ahyp="http://schemas.microsoft.com/office/drawing/2018/hyperlinkcolor" val="tx"/>
-                    </a:ext>
-                  </a:extLst>
-                </a:hlinkClick>
-              </a:rPr>
-              <a:t>Summary</a:t>
-            </a:r>
-            <a:endParaRPr lang="en-US" sz="1800" dirty="0">
-              <a:solidFill>
-                <a:schemeClr val="bg1"/>
-              </a:solidFill>
-            </a:endParaRPr>
-          </a:p>
-          <a:p>
-            <a:pPr>
-              <a:spcBef>
-                <a:spcPts val="200"/>
-              </a:spcBef>
-              <a:spcAft>
-                <a:spcPts val="150"/>
-              </a:spcAft>
-            </a:pPr>
-            <a:r>
-              <a:rPr lang="en-US" sz="1800" dirty="0">
-                <a:solidFill>
-                  <a:schemeClr val="bg1"/>
-                </a:solidFill>
-                <a:hlinkClick r:id="rId7" action="ppaction://hlinksldjump">
-                  <a:extLst>
-                    <a:ext uri="{A12FA001-AC4F-418D-AE19-62706E023703}">
-                      <ahyp:hlinkClr xmlns:ahyp="http://schemas.microsoft.com/office/drawing/2018/hyperlinkcolor" val="tx"/>
-                    </a:ext>
-                  </a:extLst>
-                </a:hlinkClick>
-              </a:rPr>
+            <a:endParaRPr lang="en-US" dirty="0"/>
+          </a:p>
+        </p:txBody>
+      </p:sp>
+      <p:sp>
+        <p:nvSpPr>
+          <p:cNvPr id="9" name="Right Arrow 8"/>
+          <p:cNvSpPr/>
+          <p:nvPr/>
+        </p:nvSpPr>
+        <p:spPr>
+          <a:xfrm>
+            <a:off x="143555" y="1502815"/>
+            <a:ext cx="458115" cy="152705"/>
+          </a:xfrm>
+          <a:prstGeom prst="rightArrow">
+            <a:avLst/>
+          </a:prstGeom>
+        </p:spPr>
+        <p:style>
+          <a:lnRef idx="2">
+            <a:schemeClr val="accent1">
+              <a:shade val="50000"/>
+            </a:schemeClr>
+          </a:lnRef>
+          <a:fillRef idx="1">
+            <a:schemeClr val="accent1"/>
+          </a:fillRef>
+          <a:effectRef idx="0">
+            <a:schemeClr val="accent1"/>
+          </a:effectRef>
+          <a:fontRef idx="minor">
+            <a:schemeClr val="lt1"/>
+          </a:fontRef>
+        </p:style>
+        <p:txBody>
+          <a:bodyPr rtlCol="0" anchor="ctr"/>
+          <a:lstStyle/>
+          <a:p>
+            <a:pPr algn="ctr"/>
+            <a:endParaRPr lang="en-US"/>
+          </a:p>
+        </p:txBody>
+      </p:sp>
+      <p:sp>
+        <p:nvSpPr>
+          <p:cNvPr id="13" name="Right Arrow 12"/>
+          <p:cNvSpPr/>
+          <p:nvPr/>
+        </p:nvSpPr>
+        <p:spPr>
+          <a:xfrm>
+            <a:off x="143554" y="2266340"/>
+            <a:ext cx="458115" cy="152705"/>
+          </a:xfrm>
+          <a:prstGeom prst="rightArrow">
+            <a:avLst/>
+          </a:prstGeom>
+        </p:spPr>
+        <p:style>
+          <a:lnRef idx="2">
+            <a:schemeClr val="accent1">
+              <a:shade val="50000"/>
+            </a:schemeClr>
+          </a:lnRef>
+          <a:fillRef idx="1">
+            <a:schemeClr val="accent1"/>
+          </a:fillRef>
+          <a:effectRef idx="0">
+            <a:schemeClr val="accent1"/>
+          </a:effectRef>
+          <a:fontRef idx="minor">
+            <a:schemeClr val="lt1"/>
+          </a:fontRef>
+        </p:style>
+        <p:txBody>
+          <a:bodyPr rtlCol="0" anchor="ctr"/>
+          <a:lstStyle/>
+          <a:p>
+            <a:pPr algn="ctr"/>
+            <a:endParaRPr lang="en-US"/>
+          </a:p>
+        </p:txBody>
+      </p:sp>
+      <p:sp>
+        <p:nvSpPr>
+          <p:cNvPr id="14" name="Right Arrow 13"/>
+          <p:cNvSpPr/>
+          <p:nvPr/>
+        </p:nvSpPr>
+        <p:spPr>
+          <a:xfrm>
+            <a:off x="143554" y="3029865"/>
+            <a:ext cx="458115" cy="152705"/>
+          </a:xfrm>
+          <a:prstGeom prst="rightArrow">
+            <a:avLst/>
+          </a:prstGeom>
+        </p:spPr>
+        <p:style>
+          <a:lnRef idx="2">
+            <a:schemeClr val="accent1">
+              <a:shade val="50000"/>
+            </a:schemeClr>
+          </a:lnRef>
+          <a:fillRef idx="1">
+            <a:schemeClr val="accent1"/>
+          </a:fillRef>
+          <a:effectRef idx="0">
+            <a:schemeClr val="accent1"/>
+          </a:effectRef>
+          <a:fontRef idx="minor">
+            <a:schemeClr val="lt1"/>
+          </a:fontRef>
+        </p:style>
+        <p:txBody>
+          <a:bodyPr rtlCol="0" anchor="ctr"/>
+          <a:lstStyle/>
+          <a:p>
+            <a:pPr algn="ctr"/>
+            <a:endParaRPr lang="en-US"/>
+          </a:p>
+        </p:txBody>
+      </p:sp>
+      <p:sp>
+        <p:nvSpPr>
+          <p:cNvPr id="15" name="Right Arrow 14"/>
+          <p:cNvSpPr/>
+          <p:nvPr/>
+        </p:nvSpPr>
+        <p:spPr>
+          <a:xfrm>
+            <a:off x="143553" y="3793390"/>
+            <a:ext cx="458115" cy="152705"/>
+          </a:xfrm>
+          <a:prstGeom prst="rightArrow">
+            <a:avLst/>
+          </a:prstGeom>
+        </p:spPr>
+        <p:style>
+          <a:lnRef idx="2">
+            <a:schemeClr val="accent1">
+              <a:shade val="50000"/>
+            </a:schemeClr>
+          </a:lnRef>
+          <a:fillRef idx="1">
+            <a:schemeClr val="accent1"/>
+          </a:fillRef>
+          <a:effectRef idx="0">
+            <a:schemeClr val="accent1"/>
+          </a:effectRef>
+          <a:fontRef idx="minor">
+            <a:schemeClr val="lt1"/>
+          </a:fontRef>
+        </p:style>
+        <p:txBody>
+          <a:bodyPr rtlCol="0" anchor="ctr"/>
+          <a:lstStyle/>
+          <a:p>
+            <a:pPr algn="ctr"/>
+            <a:endParaRPr lang="en-US"/>
+          </a:p>
+        </p:txBody>
+      </p:sp>
+      <p:sp>
+        <p:nvSpPr>
+          <p:cNvPr id="16" name="Right Arrow 15"/>
+          <p:cNvSpPr/>
+          <p:nvPr/>
+        </p:nvSpPr>
+        <p:spPr>
+          <a:xfrm>
+            <a:off x="143553" y="4556915"/>
+            <a:ext cx="458115" cy="152705"/>
+          </a:xfrm>
+          <a:prstGeom prst="rightArrow">
+            <a:avLst/>
+          </a:prstGeom>
+        </p:spPr>
+        <p:style>
+          <a:lnRef idx="2">
+            <a:schemeClr val="accent1">
+              <a:shade val="50000"/>
+            </a:schemeClr>
+          </a:lnRef>
+          <a:fillRef idx="1">
+            <a:schemeClr val="accent1"/>
+          </a:fillRef>
+          <a:effectRef idx="0">
+            <a:schemeClr val="accent1"/>
+          </a:effectRef>
+          <a:fontRef idx="minor">
+            <a:schemeClr val="lt1"/>
+          </a:fontRef>
+        </p:style>
+        <p:txBody>
+          <a:bodyPr rtlCol="0" anchor="ctr"/>
+          <a:lstStyle/>
+          <a:p>
+            <a:pPr algn="ctr"/>
+            <a:endParaRPr lang="en-US"/>
+          </a:p>
+        </p:txBody>
+      </p:sp>
+      <p:sp>
+        <p:nvSpPr>
+          <p:cNvPr id="17" name="Rectangle 16"/>
+          <p:cNvSpPr/>
+          <p:nvPr/>
+        </p:nvSpPr>
+        <p:spPr>
+          <a:xfrm>
+            <a:off x="601670" y="4404210"/>
+            <a:ext cx="1832460" cy="610820"/>
+          </a:xfrm>
+          <a:prstGeom prst="rect">
+            <a:avLst/>
+          </a:prstGeom>
+        </p:spPr>
+        <p:style>
+          <a:lnRef idx="2">
+            <a:schemeClr val="accent1">
+              <a:shade val="50000"/>
+            </a:schemeClr>
+          </a:lnRef>
+          <a:fillRef idx="1">
+            <a:schemeClr val="accent1"/>
+          </a:fillRef>
+          <a:effectRef idx="0">
+            <a:schemeClr val="accent1"/>
+          </a:effectRef>
+          <a:fontRef idx="minor">
+            <a:schemeClr val="lt1"/>
+          </a:fontRef>
+        </p:style>
+        <p:txBody>
+          <a:bodyPr rtlCol="0" anchor="ctr"/>
+          <a:lstStyle/>
+          <a:p>
+            <a:pPr algn="ctr"/>
+            <a:r>
+              <a:rPr lang="en-US" dirty="0" smtClean="0"/>
               <a:t>Causes of Incident</a:t>
             </a:r>
-            <a:endParaRPr lang="en-US" sz="1800" dirty="0">
-              <a:solidFill>
-                <a:schemeClr val="bg1"/>
-              </a:solidFill>
-            </a:endParaRPr>
-          </a:p>
-          <a:p>
-            <a:pPr>
-              <a:spcBef>
-                <a:spcPts val="200"/>
-              </a:spcBef>
-              <a:spcAft>
-                <a:spcPts val="150"/>
-              </a:spcAft>
-            </a:pPr>
-            <a:r>
-              <a:rPr lang="en-US" sz="1800" dirty="0">
-                <a:solidFill>
-                  <a:schemeClr val="bg1"/>
-                </a:solidFill>
-                <a:hlinkClick r:id="rId8" action="ppaction://hlinksldjump">
-                  <a:extLst>
-                    <a:ext uri="{A12FA001-AC4F-418D-AE19-62706E023703}">
-                      <ahyp:hlinkClr xmlns:ahyp="http://schemas.microsoft.com/office/drawing/2018/hyperlinkcolor" val="tx"/>
-                    </a:ext>
-                  </a:extLst>
-                </a:hlinkClick>
-              </a:rPr>
+            <a:endParaRPr lang="en-US" dirty="0"/>
+          </a:p>
+        </p:txBody>
+      </p:sp>
+      <p:sp>
+        <p:nvSpPr>
+          <p:cNvPr id="18" name="Rectangle 17"/>
+          <p:cNvSpPr/>
+          <p:nvPr/>
+        </p:nvSpPr>
+        <p:spPr>
+          <a:xfrm>
+            <a:off x="4877410" y="1299025"/>
+            <a:ext cx="1832460" cy="610820"/>
+          </a:xfrm>
+          <a:prstGeom prst="rect">
+            <a:avLst/>
+          </a:prstGeom>
+        </p:spPr>
+        <p:style>
+          <a:lnRef idx="2">
+            <a:schemeClr val="accent1">
+              <a:shade val="50000"/>
+            </a:schemeClr>
+          </a:lnRef>
+          <a:fillRef idx="1">
+            <a:schemeClr val="accent1"/>
+          </a:fillRef>
+          <a:effectRef idx="0">
+            <a:schemeClr val="accent1"/>
+          </a:effectRef>
+          <a:fontRef idx="minor">
+            <a:schemeClr val="lt1"/>
+          </a:fontRef>
+        </p:style>
+        <p:txBody>
+          <a:bodyPr rtlCol="0" anchor="ctr"/>
+          <a:lstStyle/>
+          <a:p>
+            <a:pPr algn="ctr"/>
+            <a:r>
+              <a:rPr lang="en-US" dirty="0" smtClean="0"/>
               <a:t>Culprits</a:t>
             </a:r>
-            <a:endParaRPr lang="en-US" sz="1800" dirty="0">
-              <a:solidFill>
-                <a:schemeClr val="bg1"/>
-              </a:solidFill>
-            </a:endParaRPr>
-          </a:p>
-          <a:p>
-            <a:pPr>
-              <a:spcBef>
-                <a:spcPts val="200"/>
-              </a:spcBef>
-              <a:spcAft>
-                <a:spcPts val="150"/>
-              </a:spcAft>
-            </a:pPr>
-            <a:r>
-              <a:rPr lang="en-US" sz="1800" dirty="0">
-                <a:solidFill>
-                  <a:schemeClr val="bg1"/>
-                </a:solidFill>
-                <a:hlinkClick r:id="rId9" action="ppaction://hlinksldjump">
-                  <a:extLst>
-                    <a:ext uri="{A12FA001-AC4F-418D-AE19-62706E023703}">
-                      <ahyp:hlinkClr xmlns:ahyp="http://schemas.microsoft.com/office/drawing/2018/hyperlinkcolor" val="tx"/>
-                    </a:ext>
-                  </a:extLst>
-                </a:hlinkClick>
-              </a:rPr>
+            <a:endParaRPr lang="en-US" dirty="0"/>
+          </a:p>
+        </p:txBody>
+      </p:sp>
+      <p:sp>
+        <p:nvSpPr>
+          <p:cNvPr id="19" name="Right Arrow 18"/>
+          <p:cNvSpPr/>
+          <p:nvPr/>
+        </p:nvSpPr>
+        <p:spPr>
+          <a:xfrm>
+            <a:off x="4419295" y="1491903"/>
+            <a:ext cx="458115" cy="152705"/>
+          </a:xfrm>
+          <a:prstGeom prst="rightArrow">
+            <a:avLst/>
+          </a:prstGeom>
+        </p:spPr>
+        <p:style>
+          <a:lnRef idx="2">
+            <a:schemeClr val="accent1">
+              <a:shade val="50000"/>
+            </a:schemeClr>
+          </a:lnRef>
+          <a:fillRef idx="1">
+            <a:schemeClr val="accent1"/>
+          </a:fillRef>
+          <a:effectRef idx="0">
+            <a:schemeClr val="accent1"/>
+          </a:effectRef>
+          <a:fontRef idx="minor">
+            <a:schemeClr val="lt1"/>
+          </a:fontRef>
+        </p:style>
+        <p:txBody>
+          <a:bodyPr rtlCol="0" anchor="ctr"/>
+          <a:lstStyle/>
+          <a:p>
+            <a:pPr algn="ctr"/>
+            <a:endParaRPr lang="en-US"/>
+          </a:p>
+        </p:txBody>
+      </p:sp>
+      <p:sp>
+        <p:nvSpPr>
+          <p:cNvPr id="36" name="Rectangle 35"/>
+          <p:cNvSpPr/>
+          <p:nvPr/>
+        </p:nvSpPr>
+        <p:spPr>
+          <a:xfrm>
+            <a:off x="2512770" y="3042463"/>
+            <a:ext cx="1143000" cy="229059"/>
+          </a:xfrm>
+          <a:prstGeom prst="rect">
+            <a:avLst/>
+          </a:prstGeom>
+        </p:spPr>
+        <p:style>
+          <a:lnRef idx="2">
+            <a:schemeClr val="accent1">
+              <a:shade val="50000"/>
+            </a:schemeClr>
+          </a:lnRef>
+          <a:fillRef idx="1">
+            <a:schemeClr val="accent1"/>
+          </a:fillRef>
+          <a:effectRef idx="0">
+            <a:schemeClr val="accent1"/>
+          </a:effectRef>
+          <a:fontRef idx="minor">
+            <a:schemeClr val="lt1"/>
+          </a:fontRef>
+        </p:style>
+        <p:txBody>
+          <a:bodyPr rtlCol="0" anchor="ctr"/>
+          <a:lstStyle/>
+          <a:p>
+            <a:pPr algn="ctr"/>
+            <a:r>
+              <a:rPr lang="en-US" sz="1200" dirty="0" smtClean="0"/>
               <a:t>Randy Samuels</a:t>
             </a:r>
-            <a:endParaRPr lang="en-US" sz="1800" dirty="0">
-              <a:solidFill>
-                <a:schemeClr val="bg1"/>
-              </a:solidFill>
-            </a:endParaRPr>
-          </a:p>
-          <a:p>
-            <a:pPr>
-              <a:spcBef>
-                <a:spcPts val="200"/>
-              </a:spcBef>
-              <a:spcAft>
-                <a:spcPts val="150"/>
-              </a:spcAft>
-            </a:pPr>
-            <a:r>
-              <a:rPr lang="en-US" sz="1800" dirty="0">
-                <a:solidFill>
-                  <a:schemeClr val="bg1"/>
-                </a:solidFill>
-                <a:hlinkClick r:id="rId10" action="ppaction://hlinksldjump">
-                  <a:extLst>
-                    <a:ext uri="{A12FA001-AC4F-418D-AE19-62706E023703}">
-                      <ahyp:hlinkClr xmlns:ahyp="http://schemas.microsoft.com/office/drawing/2018/hyperlinkcolor" val="tx"/>
-                    </a:ext>
-                  </a:extLst>
-                </a:hlinkClick>
-              </a:rPr>
+            <a:endParaRPr lang="en-US" sz="1200" dirty="0"/>
+          </a:p>
+        </p:txBody>
+      </p:sp>
+      <p:cxnSp>
+        <p:nvCxnSpPr>
+          <p:cNvPr id="46" name="Straight Arrow Connector 45"/>
+          <p:cNvCxnSpPr/>
+          <p:nvPr/>
+        </p:nvCxnSpPr>
+        <p:spPr>
+          <a:xfrm>
+            <a:off x="5793640" y="1929896"/>
+            <a:ext cx="0" cy="501746"/>
+          </a:xfrm>
+          <a:prstGeom prst="straightConnector1">
+            <a:avLst/>
+          </a:prstGeom>
+          <a:ln>
+            <a:tailEnd type="triangle"/>
+          </a:ln>
+        </p:spPr>
+        <p:style>
+          <a:lnRef idx="1">
+            <a:schemeClr val="accent1"/>
+          </a:lnRef>
+          <a:fillRef idx="0">
+            <a:schemeClr val="accent1"/>
+          </a:fillRef>
+          <a:effectRef idx="0">
+            <a:schemeClr val="accent1"/>
+          </a:effectRef>
+          <a:fontRef idx="minor">
+            <a:schemeClr val="tx1"/>
+          </a:fontRef>
+        </p:style>
+      </p:cxnSp>
+      <p:cxnSp>
+        <p:nvCxnSpPr>
+          <p:cNvPr id="60" name="Straight Connector 59"/>
+          <p:cNvCxnSpPr/>
+          <p:nvPr/>
+        </p:nvCxnSpPr>
+        <p:spPr>
+          <a:xfrm flipH="1">
+            <a:off x="3197655" y="2419045"/>
+            <a:ext cx="2901396" cy="0"/>
+          </a:xfrm>
+          <a:prstGeom prst="line">
+            <a:avLst/>
+          </a:prstGeom>
+        </p:spPr>
+        <p:style>
+          <a:lnRef idx="1">
+            <a:schemeClr val="accent1"/>
+          </a:lnRef>
+          <a:fillRef idx="0">
+            <a:schemeClr val="accent1"/>
+          </a:fillRef>
+          <a:effectRef idx="0">
+            <a:schemeClr val="accent1"/>
+          </a:effectRef>
+          <a:fontRef idx="minor">
+            <a:schemeClr val="tx1"/>
+          </a:fontRef>
+        </p:style>
+      </p:cxnSp>
+      <p:cxnSp>
+        <p:nvCxnSpPr>
+          <p:cNvPr id="61" name="Straight Connector 60"/>
+          <p:cNvCxnSpPr/>
+          <p:nvPr/>
+        </p:nvCxnSpPr>
+        <p:spPr>
+          <a:xfrm flipH="1">
+            <a:off x="6099052" y="2419045"/>
+            <a:ext cx="2482598" cy="0"/>
+          </a:xfrm>
+          <a:prstGeom prst="line">
+            <a:avLst/>
+          </a:prstGeom>
+        </p:spPr>
+        <p:style>
+          <a:lnRef idx="1">
+            <a:schemeClr val="accent1"/>
+          </a:lnRef>
+          <a:fillRef idx="0">
+            <a:schemeClr val="accent1"/>
+          </a:fillRef>
+          <a:effectRef idx="0">
+            <a:schemeClr val="accent1"/>
+          </a:effectRef>
+          <a:fontRef idx="minor">
+            <a:schemeClr val="tx1"/>
+          </a:fontRef>
+        </p:style>
+      </p:cxnSp>
+      <p:cxnSp>
+        <p:nvCxnSpPr>
+          <p:cNvPr id="63" name="Straight Arrow Connector 62"/>
+          <p:cNvCxnSpPr/>
+          <p:nvPr/>
+        </p:nvCxnSpPr>
+        <p:spPr>
+          <a:xfrm>
+            <a:off x="3197655" y="2419045"/>
+            <a:ext cx="0" cy="610820"/>
+          </a:xfrm>
+          <a:prstGeom prst="straightConnector1">
+            <a:avLst/>
+          </a:prstGeom>
+          <a:ln>
+            <a:tailEnd type="triangle"/>
+          </a:ln>
+        </p:spPr>
+        <p:style>
+          <a:lnRef idx="1">
+            <a:schemeClr val="accent1"/>
+          </a:lnRef>
+          <a:fillRef idx="0">
+            <a:schemeClr val="accent1"/>
+          </a:fillRef>
+          <a:effectRef idx="0">
+            <a:schemeClr val="accent1"/>
+          </a:effectRef>
+          <a:fontRef idx="minor">
+            <a:schemeClr val="tx1"/>
+          </a:fontRef>
+        </p:style>
+      </p:cxnSp>
+      <p:cxnSp>
+        <p:nvCxnSpPr>
+          <p:cNvPr id="64" name="Straight Arrow Connector 63"/>
+          <p:cNvCxnSpPr/>
+          <p:nvPr/>
+        </p:nvCxnSpPr>
+        <p:spPr>
+          <a:xfrm>
+            <a:off x="4227270" y="2431642"/>
+            <a:ext cx="0" cy="610820"/>
+          </a:xfrm>
+          <a:prstGeom prst="straightConnector1">
+            <a:avLst/>
+          </a:prstGeom>
+          <a:ln>
+            <a:tailEnd type="triangle"/>
+          </a:ln>
+        </p:spPr>
+        <p:style>
+          <a:lnRef idx="1">
+            <a:schemeClr val="accent1"/>
+          </a:lnRef>
+          <a:fillRef idx="0">
+            <a:schemeClr val="accent1"/>
+          </a:fillRef>
+          <a:effectRef idx="0">
+            <a:schemeClr val="accent1"/>
+          </a:effectRef>
+          <a:fontRef idx="minor">
+            <a:schemeClr val="tx1"/>
+          </a:fontRef>
+        </p:style>
+      </p:cxnSp>
+      <p:cxnSp>
+        <p:nvCxnSpPr>
+          <p:cNvPr id="65" name="Straight Arrow Connector 64"/>
+          <p:cNvCxnSpPr/>
+          <p:nvPr/>
+        </p:nvCxnSpPr>
+        <p:spPr>
+          <a:xfrm>
+            <a:off x="5296205" y="2419045"/>
+            <a:ext cx="0" cy="610820"/>
+          </a:xfrm>
+          <a:prstGeom prst="straightConnector1">
+            <a:avLst/>
+          </a:prstGeom>
+          <a:ln>
+            <a:tailEnd type="triangle"/>
+          </a:ln>
+        </p:spPr>
+        <p:style>
+          <a:lnRef idx="1">
+            <a:schemeClr val="accent1"/>
+          </a:lnRef>
+          <a:fillRef idx="0">
+            <a:schemeClr val="accent1"/>
+          </a:fillRef>
+          <a:effectRef idx="0">
+            <a:schemeClr val="accent1"/>
+          </a:effectRef>
+          <a:fontRef idx="minor">
+            <a:schemeClr val="tx1"/>
+          </a:fontRef>
+        </p:style>
+      </p:cxnSp>
+      <p:cxnSp>
+        <p:nvCxnSpPr>
+          <p:cNvPr id="66" name="Straight Arrow Connector 65"/>
+          <p:cNvCxnSpPr/>
+          <p:nvPr/>
+        </p:nvCxnSpPr>
+        <p:spPr>
+          <a:xfrm>
+            <a:off x="6353868" y="2431642"/>
+            <a:ext cx="0" cy="610820"/>
+          </a:xfrm>
+          <a:prstGeom prst="straightConnector1">
+            <a:avLst/>
+          </a:prstGeom>
+          <a:ln>
+            <a:tailEnd type="triangle"/>
+          </a:ln>
+        </p:spPr>
+        <p:style>
+          <a:lnRef idx="1">
+            <a:schemeClr val="accent1"/>
+          </a:lnRef>
+          <a:fillRef idx="0">
+            <a:schemeClr val="accent1"/>
+          </a:fillRef>
+          <a:effectRef idx="0">
+            <a:schemeClr val="accent1"/>
+          </a:effectRef>
+          <a:fontRef idx="minor">
+            <a:schemeClr val="tx1"/>
+          </a:fontRef>
+        </p:style>
+      </p:cxnSp>
+      <p:cxnSp>
+        <p:nvCxnSpPr>
+          <p:cNvPr id="67" name="Straight Arrow Connector 66"/>
+          <p:cNvCxnSpPr/>
+          <p:nvPr/>
+        </p:nvCxnSpPr>
+        <p:spPr>
+          <a:xfrm>
+            <a:off x="8578976" y="2419045"/>
+            <a:ext cx="0" cy="610820"/>
+          </a:xfrm>
+          <a:prstGeom prst="straightConnector1">
+            <a:avLst/>
+          </a:prstGeom>
+          <a:ln>
+            <a:tailEnd type="triangle"/>
+          </a:ln>
+        </p:spPr>
+        <p:style>
+          <a:lnRef idx="1">
+            <a:schemeClr val="accent1"/>
+          </a:lnRef>
+          <a:fillRef idx="0">
+            <a:schemeClr val="accent1"/>
+          </a:fillRef>
+          <a:effectRef idx="0">
+            <a:schemeClr val="accent1"/>
+          </a:effectRef>
+          <a:fontRef idx="minor">
+            <a:schemeClr val="tx1"/>
+          </a:fontRef>
+        </p:style>
+      </p:cxnSp>
+      <p:cxnSp>
+        <p:nvCxnSpPr>
+          <p:cNvPr id="68" name="Straight Arrow Connector 67"/>
+          <p:cNvCxnSpPr/>
+          <p:nvPr/>
+        </p:nvCxnSpPr>
+        <p:spPr>
+          <a:xfrm>
+            <a:off x="7413899" y="2431642"/>
+            <a:ext cx="0" cy="610820"/>
+          </a:xfrm>
+          <a:prstGeom prst="straightConnector1">
+            <a:avLst/>
+          </a:prstGeom>
+          <a:ln>
+            <a:tailEnd type="triangle"/>
+          </a:ln>
+        </p:spPr>
+        <p:style>
+          <a:lnRef idx="1">
+            <a:schemeClr val="accent1"/>
+          </a:lnRef>
+          <a:fillRef idx="0">
+            <a:schemeClr val="accent1"/>
+          </a:fillRef>
+          <a:effectRef idx="0">
+            <a:schemeClr val="accent1"/>
+          </a:effectRef>
+          <a:fontRef idx="minor">
+            <a:schemeClr val="tx1"/>
+          </a:fontRef>
+        </p:style>
+      </p:cxnSp>
+      <p:sp>
+        <p:nvSpPr>
+          <p:cNvPr id="70" name="Rectangle 69"/>
+          <p:cNvSpPr/>
+          <p:nvPr/>
+        </p:nvSpPr>
+        <p:spPr>
+          <a:xfrm>
+            <a:off x="3581705" y="3042463"/>
+            <a:ext cx="1143000" cy="229059"/>
+          </a:xfrm>
+          <a:prstGeom prst="rect">
+            <a:avLst/>
+          </a:prstGeom>
+        </p:spPr>
+        <p:style>
+          <a:lnRef idx="2">
+            <a:schemeClr val="accent1">
+              <a:shade val="50000"/>
+            </a:schemeClr>
+          </a:lnRef>
+          <a:fillRef idx="1">
+            <a:schemeClr val="accent1"/>
+          </a:fillRef>
+          <a:effectRef idx="0">
+            <a:schemeClr val="accent1"/>
+          </a:effectRef>
+          <a:fontRef idx="minor">
+            <a:schemeClr val="lt1"/>
+          </a:fontRef>
+        </p:style>
+        <p:txBody>
+          <a:bodyPr rtlCol="0" anchor="ctr"/>
+          <a:lstStyle/>
+          <a:p>
+            <a:pPr algn="ctr"/>
+            <a:r>
+              <a:rPr lang="en-US" sz="1200" dirty="0" smtClean="0"/>
+              <a:t>Sam Reynolds</a:t>
+            </a:r>
+            <a:endParaRPr lang="en-US" sz="1200" dirty="0"/>
+          </a:p>
+        </p:txBody>
+      </p:sp>
+      <p:sp>
+        <p:nvSpPr>
+          <p:cNvPr id="71" name="Rectangle 70"/>
+          <p:cNvSpPr/>
+          <p:nvPr/>
+        </p:nvSpPr>
+        <p:spPr>
+          <a:xfrm>
+            <a:off x="4650640" y="3042462"/>
+            <a:ext cx="1143000" cy="229059"/>
+          </a:xfrm>
+          <a:prstGeom prst="rect">
+            <a:avLst/>
+          </a:prstGeom>
+        </p:spPr>
+        <p:style>
+          <a:lnRef idx="2">
+            <a:schemeClr val="accent1">
+              <a:shade val="50000"/>
+            </a:schemeClr>
+          </a:lnRef>
+          <a:fillRef idx="1">
+            <a:schemeClr val="accent1"/>
+          </a:fillRef>
+          <a:effectRef idx="0">
+            <a:schemeClr val="accent1"/>
+          </a:effectRef>
+          <a:fontRef idx="minor">
+            <a:schemeClr val="lt1"/>
+          </a:fontRef>
+        </p:style>
+        <p:txBody>
+          <a:bodyPr rtlCol="0" anchor="ctr"/>
+          <a:lstStyle/>
+          <a:p>
+            <a:pPr algn="ctr"/>
+            <a:r>
+              <a:rPr lang="en-US" sz="1200" dirty="0" smtClean="0"/>
               <a:t>Ray Johnson</a:t>
             </a:r>
-            <a:endParaRPr lang="en-US" sz="1800" dirty="0">
-              <a:solidFill>
-                <a:schemeClr val="bg1"/>
-              </a:solidFill>
-            </a:endParaRPr>
-          </a:p>
-          <a:p>
-            <a:pPr>
-              <a:spcBef>
-                <a:spcPts val="200"/>
-              </a:spcBef>
-              <a:spcAft>
-                <a:spcPts val="150"/>
-              </a:spcAft>
-            </a:pPr>
-            <a:r>
-              <a:rPr lang="en-US" sz="1800" dirty="0">
-                <a:solidFill>
-                  <a:schemeClr val="bg1"/>
-                </a:solidFill>
-                <a:hlinkClick r:id="rId11" action="ppaction://hlinksldjump">
-                  <a:extLst>
-                    <a:ext uri="{A12FA001-AC4F-418D-AE19-62706E023703}">
-                      <ahyp:hlinkClr xmlns:ahyp="http://schemas.microsoft.com/office/drawing/2018/hyperlinkcolor" val="tx"/>
-                    </a:ext>
-                  </a:extLst>
-                </a:hlinkClick>
-              </a:rPr>
-              <a:t>Sam Reynolds</a:t>
-            </a:r>
-            <a:endParaRPr lang="en-US" sz="1800" dirty="0">
-              <a:solidFill>
-                <a:schemeClr val="bg1"/>
-              </a:solidFill>
-            </a:endParaRPr>
-          </a:p>
-          <a:p>
-            <a:pPr>
-              <a:spcBef>
-                <a:spcPts val="200"/>
-              </a:spcBef>
-              <a:spcAft>
-                <a:spcPts val="150"/>
-              </a:spcAft>
-            </a:pPr>
-            <a:r>
-              <a:rPr lang="en-US" sz="1800" cap="none" dirty="0">
-                <a:solidFill>
-                  <a:schemeClr val="bg1"/>
-                </a:solidFill>
-                <a:hlinkClick r:id="rId12" action="ppaction://hlinksldjump">
-                  <a:extLst>
-                    <a:ext uri="{A12FA001-AC4F-418D-AE19-62706E023703}">
-                      <ahyp:hlinkClr xmlns:ahyp="http://schemas.microsoft.com/office/drawing/2018/hyperlinkcolor" val="tx"/>
-                    </a:ext>
-                  </a:extLst>
-                </a:hlinkClick>
-              </a:rPr>
+            <a:endParaRPr lang="en-US" sz="1200" dirty="0"/>
+          </a:p>
+        </p:txBody>
+      </p:sp>
+      <p:sp>
+        <p:nvSpPr>
+          <p:cNvPr id="72" name="Rectangle 71"/>
+          <p:cNvSpPr/>
+          <p:nvPr/>
+        </p:nvSpPr>
+        <p:spPr>
+          <a:xfrm>
+            <a:off x="5719575" y="3042462"/>
+            <a:ext cx="1143000" cy="229059"/>
+          </a:xfrm>
+          <a:prstGeom prst="rect">
+            <a:avLst/>
+          </a:prstGeom>
+        </p:spPr>
+        <p:style>
+          <a:lnRef idx="2">
+            <a:schemeClr val="accent1">
+              <a:shade val="50000"/>
+            </a:schemeClr>
+          </a:lnRef>
+          <a:fillRef idx="1">
+            <a:schemeClr val="accent1"/>
+          </a:fillRef>
+          <a:effectRef idx="0">
+            <a:schemeClr val="accent1"/>
+          </a:effectRef>
+          <a:fontRef idx="minor">
+            <a:schemeClr val="lt1"/>
+          </a:fontRef>
+        </p:style>
+        <p:txBody>
+          <a:bodyPr rtlCol="0" anchor="ctr"/>
+          <a:lstStyle/>
+          <a:p>
+            <a:pPr algn="ctr"/>
+            <a:r>
+              <a:rPr lang="en-US" sz="1200" dirty="0" smtClean="0"/>
+              <a:t>Cindy Yardley</a:t>
+            </a:r>
+            <a:endParaRPr lang="en-US" sz="1200" dirty="0"/>
+          </a:p>
+        </p:txBody>
+      </p:sp>
+      <p:sp>
+        <p:nvSpPr>
+          <p:cNvPr id="73" name="Rectangle 72"/>
+          <p:cNvSpPr/>
+          <p:nvPr/>
+        </p:nvSpPr>
+        <p:spPr>
+          <a:xfrm>
+            <a:off x="6735630" y="3042461"/>
+            <a:ext cx="1374345" cy="229059"/>
+          </a:xfrm>
+          <a:prstGeom prst="rect">
+            <a:avLst/>
+          </a:prstGeom>
+        </p:spPr>
+        <p:style>
+          <a:lnRef idx="2">
+            <a:schemeClr val="accent1">
+              <a:shade val="50000"/>
+            </a:schemeClr>
+          </a:lnRef>
+          <a:fillRef idx="1">
+            <a:schemeClr val="accent1"/>
+          </a:fillRef>
+          <a:effectRef idx="0">
+            <a:schemeClr val="accent1"/>
+          </a:effectRef>
+          <a:fontRef idx="minor">
+            <a:schemeClr val="lt1"/>
+          </a:fontRef>
+        </p:style>
+        <p:txBody>
+          <a:bodyPr rtlCol="0" anchor="ctr"/>
+          <a:lstStyle/>
+          <a:p>
+            <a:pPr algn="ctr"/>
+            <a:r>
+              <a:rPr lang="en-US" sz="1200" dirty="0" smtClean="0"/>
+              <a:t>Michael Waterson</a:t>
+            </a:r>
+            <a:endParaRPr lang="en-US" sz="1200" dirty="0"/>
+          </a:p>
+        </p:txBody>
+      </p:sp>
+      <p:sp>
+        <p:nvSpPr>
+          <p:cNvPr id="74" name="Rectangle 73"/>
+          <p:cNvSpPr/>
+          <p:nvPr/>
+        </p:nvSpPr>
+        <p:spPr>
+          <a:xfrm>
+            <a:off x="8010150" y="3042462"/>
+            <a:ext cx="1143000" cy="229059"/>
+          </a:xfrm>
+          <a:prstGeom prst="rect">
+            <a:avLst/>
+          </a:prstGeom>
+        </p:spPr>
+        <p:style>
+          <a:lnRef idx="2">
+            <a:schemeClr val="accent1">
+              <a:shade val="50000"/>
+            </a:schemeClr>
+          </a:lnRef>
+          <a:fillRef idx="1">
+            <a:schemeClr val="accent1"/>
+          </a:fillRef>
+          <a:effectRef idx="0">
+            <a:schemeClr val="accent1"/>
+          </a:effectRef>
+          <a:fontRef idx="minor">
+            <a:schemeClr val="lt1"/>
+          </a:fontRef>
+        </p:style>
+        <p:txBody>
+          <a:bodyPr rtlCol="0" anchor="ctr"/>
+          <a:lstStyle/>
+          <a:p>
+            <a:pPr algn="ctr"/>
+            <a:r>
+              <a:rPr lang="en-US" sz="1200" dirty="0" smtClean="0"/>
+              <a:t>GUI Designer</a:t>
+            </a:r>
+            <a:endParaRPr lang="en-US" sz="1200" dirty="0"/>
+          </a:p>
+        </p:txBody>
+      </p:sp>
+      <p:sp>
+        <p:nvSpPr>
+          <p:cNvPr id="82" name="Right Arrow 81"/>
+          <p:cNvSpPr/>
+          <p:nvPr/>
+        </p:nvSpPr>
+        <p:spPr>
+          <a:xfrm>
+            <a:off x="4419295" y="4020840"/>
+            <a:ext cx="458115" cy="152705"/>
+          </a:xfrm>
+          <a:prstGeom prst="rightArrow">
+            <a:avLst/>
+          </a:prstGeom>
+        </p:spPr>
+        <p:style>
+          <a:lnRef idx="2">
+            <a:schemeClr val="accent1">
+              <a:shade val="50000"/>
+            </a:schemeClr>
+          </a:lnRef>
+          <a:fillRef idx="1">
+            <a:schemeClr val="accent1"/>
+          </a:fillRef>
+          <a:effectRef idx="0">
+            <a:schemeClr val="accent1"/>
+          </a:effectRef>
+          <a:fontRef idx="minor">
+            <a:schemeClr val="lt1"/>
+          </a:fontRef>
+        </p:style>
+        <p:txBody>
+          <a:bodyPr rtlCol="0" anchor="ctr"/>
+          <a:lstStyle/>
+          <a:p>
+            <a:pPr algn="ctr"/>
+            <a:endParaRPr lang="en-US"/>
+          </a:p>
+        </p:txBody>
+      </p:sp>
+      <p:sp>
+        <p:nvSpPr>
+          <p:cNvPr id="83" name="Rectangle 82"/>
+          <p:cNvSpPr/>
+          <p:nvPr/>
+        </p:nvSpPr>
+        <p:spPr>
+          <a:xfrm>
+            <a:off x="4877410" y="3791783"/>
+            <a:ext cx="1832460" cy="610820"/>
+          </a:xfrm>
+          <a:prstGeom prst="rect">
+            <a:avLst/>
+          </a:prstGeom>
+        </p:spPr>
+        <p:style>
+          <a:lnRef idx="2">
+            <a:schemeClr val="accent1">
+              <a:shade val="50000"/>
+            </a:schemeClr>
+          </a:lnRef>
+          <a:fillRef idx="1">
+            <a:schemeClr val="accent1"/>
+          </a:fillRef>
+          <a:effectRef idx="0">
+            <a:schemeClr val="accent1"/>
+          </a:effectRef>
+          <a:fontRef idx="minor">
+            <a:schemeClr val="lt1"/>
+          </a:fontRef>
+        </p:style>
+        <p:txBody>
+          <a:bodyPr rtlCol="0" anchor="ctr"/>
+          <a:lstStyle/>
+          <a:p>
+            <a:pPr algn="ctr"/>
+            <a:r>
+              <a:rPr lang="en-US" dirty="0" smtClean="0"/>
               <a:t>Main Culprit</a:t>
             </a:r>
-            <a:endParaRPr lang="en-US" sz="1800" cap="none" dirty="0">
-              <a:solidFill>
-                <a:schemeClr val="bg1"/>
-              </a:solidFill>
-            </a:endParaRPr>
-          </a:p>
-          <a:p>
-            <a:pPr>
-              <a:buFont typeface="+mj-lt"/>
-              <a:buAutoNum type="arabicPeriod"/>
-            </a:pPr>
-            <a:endParaRPr lang="en-US" sz="1600" dirty="0">
-              <a:solidFill>
-                <a:schemeClr val="bg1"/>
-              </a:solidFill>
-            </a:endParaRPr>
-          </a:p>
-        </p:txBody>
-      </p:sp>
+            <a:endParaRPr lang="en-US" dirty="0"/>
+          </a:p>
+        </p:txBody>
+      </p:sp>
+      <p:cxnSp>
+        <p:nvCxnSpPr>
+          <p:cNvPr id="85" name="Straight Connector 84"/>
+          <p:cNvCxnSpPr>
+            <a:stCxn id="71" idx="2"/>
+          </p:cNvCxnSpPr>
+          <p:nvPr/>
+        </p:nvCxnSpPr>
+        <p:spPr>
+          <a:xfrm>
+            <a:off x="5222140" y="3271521"/>
+            <a:ext cx="0" cy="369164"/>
+          </a:xfrm>
+          <a:prstGeom prst="line">
+            <a:avLst/>
+          </a:prstGeom>
+        </p:spPr>
+        <p:style>
+          <a:lnRef idx="1">
+            <a:schemeClr val="accent1"/>
+          </a:lnRef>
+          <a:fillRef idx="0">
+            <a:schemeClr val="accent1"/>
+          </a:fillRef>
+          <a:effectRef idx="0">
+            <a:schemeClr val="accent1"/>
+          </a:effectRef>
+          <a:fontRef idx="minor">
+            <a:schemeClr val="tx1"/>
+          </a:fontRef>
+        </p:style>
+      </p:cxnSp>
+      <p:cxnSp>
+        <p:nvCxnSpPr>
+          <p:cNvPr id="87" name="Straight Connector 86"/>
+          <p:cNvCxnSpPr/>
+          <p:nvPr/>
+        </p:nvCxnSpPr>
+        <p:spPr>
+          <a:xfrm>
+            <a:off x="5222140" y="3640685"/>
+            <a:ext cx="497435" cy="0"/>
+          </a:xfrm>
+          <a:prstGeom prst="line">
+            <a:avLst/>
+          </a:prstGeom>
+        </p:spPr>
+        <p:style>
+          <a:lnRef idx="1">
+            <a:schemeClr val="accent1"/>
+          </a:lnRef>
+          <a:fillRef idx="0">
+            <a:schemeClr val="accent1"/>
+          </a:fillRef>
+          <a:effectRef idx="0">
+            <a:schemeClr val="accent1"/>
+          </a:effectRef>
+          <a:fontRef idx="minor">
+            <a:schemeClr val="tx1"/>
+          </a:fontRef>
+        </p:style>
+      </p:cxnSp>
+      <p:cxnSp>
+        <p:nvCxnSpPr>
+          <p:cNvPr id="91" name="Straight Arrow Connector 90"/>
+          <p:cNvCxnSpPr>
+            <a:endCxn id="83" idx="0"/>
+          </p:cNvCxnSpPr>
+          <p:nvPr/>
+        </p:nvCxnSpPr>
+        <p:spPr>
+          <a:xfrm>
+            <a:off x="5719575" y="3640685"/>
+            <a:ext cx="74065" cy="151098"/>
+          </a:xfrm>
+          <a:prstGeom prst="straightConnector1">
+            <a:avLst/>
+          </a:prstGeom>
+          <a:ln>
+            <a:tailEnd type="triangle"/>
+          </a:ln>
+        </p:spPr>
+        <p:style>
+          <a:lnRef idx="1">
+            <a:schemeClr val="accent1"/>
+          </a:lnRef>
+          <a:fillRef idx="0">
+            <a:schemeClr val="accent1"/>
+          </a:fillRef>
+          <a:effectRef idx="0">
+            <a:schemeClr val="accent1"/>
+          </a:effectRef>
+          <a:fontRef idx="minor">
+            <a:schemeClr val="tx1"/>
+          </a:fontRef>
+        </p:style>
+      </p:cxnSp>
     </p:spTree>
     <p:extLst>
       <p:ext uri="{BB962C8B-B14F-4D97-AF65-F5344CB8AC3E}">
-        <p14:creationId xmlns:p14="http://schemas.microsoft.com/office/powerpoint/2010/main" val="2163173309"/>
+        <p14:creationId xmlns:p14="http://schemas.microsoft.com/office/powerpoint/2010/main" val="2841035013"/>
       </p:ext>
     </p:extLst>
   </p:cSld>
@@ -9990,6 +11796,710 @@
       </p:grpSpPr>
       <p:sp>
         <p:nvSpPr>
+          <p:cNvPr id="2" name="Oval 1"/>
+          <p:cNvSpPr/>
+          <p:nvPr/>
+        </p:nvSpPr>
+        <p:spPr>
+          <a:xfrm>
+            <a:off x="3052715" y="1999389"/>
+            <a:ext cx="2743200" cy="2286000"/>
+          </a:xfrm>
+          <a:prstGeom prst="ellipse">
+            <a:avLst/>
+          </a:prstGeom>
+        </p:spPr>
+        <p:style>
+          <a:lnRef idx="2">
+            <a:schemeClr val="accent1">
+              <a:shade val="50000"/>
+            </a:schemeClr>
+          </a:lnRef>
+          <a:fillRef idx="1">
+            <a:schemeClr val="accent1"/>
+          </a:fillRef>
+          <a:effectRef idx="0">
+            <a:schemeClr val="accent1"/>
+          </a:effectRef>
+          <a:fontRef idx="minor">
+            <a:schemeClr val="lt1"/>
+          </a:fontRef>
+        </p:style>
+        <p:txBody>
+          <a:bodyPr rtlCol="0" anchor="ctr"/>
+          <a:lstStyle/>
+          <a:p>
+            <a:pPr algn="ctr"/>
+            <a:r>
+              <a:rPr lang="en-US" sz="3600" dirty="0" smtClean="0"/>
+              <a:t>Table of Contents</a:t>
+            </a:r>
+            <a:endParaRPr lang="en-US" sz="3600" dirty="0"/>
+          </a:p>
+        </p:txBody>
+      </p:sp>
+      <p:cxnSp>
+        <p:nvCxnSpPr>
+          <p:cNvPr id="12" name="Straight Arrow Connector 11"/>
+          <p:cNvCxnSpPr/>
+          <p:nvPr/>
+        </p:nvCxnSpPr>
+        <p:spPr>
+          <a:xfrm flipH="1" flipV="1">
+            <a:off x="1823310" y="3029864"/>
+            <a:ext cx="1374345" cy="1"/>
+          </a:xfrm>
+          <a:prstGeom prst="straightConnector1">
+            <a:avLst/>
+          </a:prstGeom>
+          <a:ln>
+            <a:tailEnd type="triangle"/>
+          </a:ln>
+        </p:spPr>
+        <p:style>
+          <a:lnRef idx="1">
+            <a:schemeClr val="accent1"/>
+          </a:lnRef>
+          <a:fillRef idx="0">
+            <a:schemeClr val="accent1"/>
+          </a:fillRef>
+          <a:effectRef idx="0">
+            <a:schemeClr val="accent1"/>
+          </a:effectRef>
+          <a:fontRef idx="minor">
+            <a:schemeClr val="tx1"/>
+          </a:fontRef>
+        </p:style>
+      </p:cxnSp>
+      <p:cxnSp>
+        <p:nvCxnSpPr>
+          <p:cNvPr id="14" name="Straight Arrow Connector 13"/>
+          <p:cNvCxnSpPr>
+            <a:stCxn id="2" idx="3"/>
+          </p:cNvCxnSpPr>
+          <p:nvPr/>
+        </p:nvCxnSpPr>
+        <p:spPr>
+          <a:xfrm flipH="1">
+            <a:off x="2747307" y="3950612"/>
+            <a:ext cx="707140" cy="797466"/>
+          </a:xfrm>
+          <a:prstGeom prst="straightConnector1">
+            <a:avLst/>
+          </a:prstGeom>
+          <a:ln>
+            <a:tailEnd type="triangle"/>
+          </a:ln>
+        </p:spPr>
+        <p:style>
+          <a:lnRef idx="1">
+            <a:schemeClr val="accent1"/>
+          </a:lnRef>
+          <a:fillRef idx="0">
+            <a:schemeClr val="accent1"/>
+          </a:fillRef>
+          <a:effectRef idx="0">
+            <a:schemeClr val="accent1"/>
+          </a:effectRef>
+          <a:fontRef idx="minor">
+            <a:schemeClr val="tx1"/>
+          </a:fontRef>
+        </p:style>
+      </p:cxnSp>
+      <p:cxnSp>
+        <p:nvCxnSpPr>
+          <p:cNvPr id="16" name="Straight Arrow Connector 15"/>
+          <p:cNvCxnSpPr>
+            <a:stCxn id="2" idx="5"/>
+          </p:cNvCxnSpPr>
+          <p:nvPr/>
+        </p:nvCxnSpPr>
+        <p:spPr>
+          <a:xfrm>
+            <a:off x="5394183" y="3950612"/>
+            <a:ext cx="866549" cy="801759"/>
+          </a:xfrm>
+          <a:prstGeom prst="straightConnector1">
+            <a:avLst/>
+          </a:prstGeom>
+          <a:ln>
+            <a:tailEnd type="triangle"/>
+          </a:ln>
+        </p:spPr>
+        <p:style>
+          <a:lnRef idx="1">
+            <a:schemeClr val="accent1"/>
+          </a:lnRef>
+          <a:fillRef idx="0">
+            <a:schemeClr val="accent1"/>
+          </a:fillRef>
+          <a:effectRef idx="0">
+            <a:schemeClr val="accent1"/>
+          </a:effectRef>
+          <a:fontRef idx="minor">
+            <a:schemeClr val="tx1"/>
+          </a:fontRef>
+        </p:style>
+      </p:cxnSp>
+      <p:cxnSp>
+        <p:nvCxnSpPr>
+          <p:cNvPr id="20" name="Straight Arrow Connector 19"/>
+          <p:cNvCxnSpPr>
+            <a:stCxn id="2" idx="7"/>
+          </p:cNvCxnSpPr>
+          <p:nvPr/>
+        </p:nvCxnSpPr>
+        <p:spPr>
+          <a:xfrm flipV="1">
+            <a:off x="5394183" y="1846686"/>
+            <a:ext cx="1018043" cy="487480"/>
+          </a:xfrm>
+          <a:prstGeom prst="straightConnector1">
+            <a:avLst/>
+          </a:prstGeom>
+          <a:ln>
+            <a:tailEnd type="triangle"/>
+          </a:ln>
+        </p:spPr>
+        <p:style>
+          <a:lnRef idx="1">
+            <a:schemeClr val="accent1"/>
+          </a:lnRef>
+          <a:fillRef idx="0">
+            <a:schemeClr val="accent1"/>
+          </a:fillRef>
+          <a:effectRef idx="0">
+            <a:schemeClr val="accent1"/>
+          </a:effectRef>
+          <a:fontRef idx="minor">
+            <a:schemeClr val="tx1"/>
+          </a:fontRef>
+        </p:style>
+      </p:cxnSp>
+      <p:cxnSp>
+        <p:nvCxnSpPr>
+          <p:cNvPr id="22" name="Straight Arrow Connector 21"/>
+          <p:cNvCxnSpPr>
+            <a:stCxn id="2" idx="1"/>
+          </p:cNvCxnSpPr>
+          <p:nvPr/>
+        </p:nvCxnSpPr>
+        <p:spPr>
+          <a:xfrm flipH="1" flipV="1">
+            <a:off x="2747305" y="1846686"/>
+            <a:ext cx="707142" cy="487480"/>
+          </a:xfrm>
+          <a:prstGeom prst="straightConnector1">
+            <a:avLst/>
+          </a:prstGeom>
+          <a:ln>
+            <a:tailEnd type="triangle"/>
+          </a:ln>
+        </p:spPr>
+        <p:style>
+          <a:lnRef idx="1">
+            <a:schemeClr val="accent1"/>
+          </a:lnRef>
+          <a:fillRef idx="0">
+            <a:schemeClr val="accent1"/>
+          </a:fillRef>
+          <a:effectRef idx="0">
+            <a:schemeClr val="accent1"/>
+          </a:effectRef>
+          <a:fontRef idx="minor">
+            <a:schemeClr val="tx1"/>
+          </a:fontRef>
+        </p:style>
+      </p:cxnSp>
+      <p:sp>
+        <p:nvSpPr>
+          <p:cNvPr id="32" name="Rectangle 31"/>
+          <p:cNvSpPr/>
+          <p:nvPr/>
+        </p:nvSpPr>
+        <p:spPr>
+          <a:xfrm>
+            <a:off x="907080" y="1350110"/>
+            <a:ext cx="1832460" cy="610820"/>
+          </a:xfrm>
+          <a:prstGeom prst="rect">
+            <a:avLst/>
+          </a:prstGeom>
+        </p:spPr>
+        <p:style>
+          <a:lnRef idx="2">
+            <a:schemeClr val="accent1">
+              <a:shade val="50000"/>
+            </a:schemeClr>
+          </a:lnRef>
+          <a:fillRef idx="1">
+            <a:schemeClr val="accent1"/>
+          </a:fillRef>
+          <a:effectRef idx="0">
+            <a:schemeClr val="accent1"/>
+          </a:effectRef>
+          <a:fontRef idx="minor">
+            <a:schemeClr val="lt1"/>
+          </a:fontRef>
+        </p:style>
+        <p:txBody>
+          <a:bodyPr rtlCol="0" anchor="ctr"/>
+          <a:lstStyle/>
+          <a:p>
+            <a:pPr algn="ctr"/>
+            <a:r>
+              <a:rPr lang="en-US" dirty="0" smtClean="0"/>
+              <a:t>Case study of The Killer Robot</a:t>
+            </a:r>
+            <a:endParaRPr lang="en-US" dirty="0"/>
+          </a:p>
+        </p:txBody>
+      </p:sp>
+      <p:sp>
+        <p:nvSpPr>
+          <p:cNvPr id="33" name="Rectangle 32"/>
+          <p:cNvSpPr/>
+          <p:nvPr/>
+        </p:nvSpPr>
+        <p:spPr>
+          <a:xfrm>
+            <a:off x="-9150" y="2681985"/>
+            <a:ext cx="1832460" cy="576937"/>
+          </a:xfrm>
+          <a:prstGeom prst="rect">
+            <a:avLst/>
+          </a:prstGeom>
+        </p:spPr>
+        <p:style>
+          <a:lnRef idx="2">
+            <a:schemeClr val="accent1">
+              <a:shade val="50000"/>
+            </a:schemeClr>
+          </a:lnRef>
+          <a:fillRef idx="1">
+            <a:schemeClr val="accent1"/>
+          </a:fillRef>
+          <a:effectRef idx="0">
+            <a:schemeClr val="accent1"/>
+          </a:effectRef>
+          <a:fontRef idx="minor">
+            <a:schemeClr val="lt1"/>
+          </a:fontRef>
+        </p:style>
+        <p:txBody>
+          <a:bodyPr rtlCol="0" anchor="ctr"/>
+          <a:lstStyle/>
+          <a:p>
+            <a:pPr algn="ctr"/>
+            <a:r>
+              <a:rPr lang="en-US" dirty="0" smtClean="0"/>
+              <a:t>Table of Contents</a:t>
+            </a:r>
+            <a:endParaRPr lang="en-US" dirty="0"/>
+          </a:p>
+        </p:txBody>
+      </p:sp>
+      <p:sp>
+        <p:nvSpPr>
+          <p:cNvPr id="34" name="Rectangle 33"/>
+          <p:cNvSpPr/>
+          <p:nvPr/>
+        </p:nvSpPr>
+        <p:spPr>
+          <a:xfrm>
+            <a:off x="899052" y="4518305"/>
+            <a:ext cx="1832460" cy="534469"/>
+          </a:xfrm>
+          <a:prstGeom prst="rect">
+            <a:avLst/>
+          </a:prstGeom>
+        </p:spPr>
+        <p:style>
+          <a:lnRef idx="2">
+            <a:schemeClr val="accent1">
+              <a:shade val="50000"/>
+            </a:schemeClr>
+          </a:lnRef>
+          <a:fillRef idx="1">
+            <a:schemeClr val="accent1"/>
+          </a:fillRef>
+          <a:effectRef idx="0">
+            <a:schemeClr val="accent1"/>
+          </a:effectRef>
+          <a:fontRef idx="minor">
+            <a:schemeClr val="lt1"/>
+          </a:fontRef>
+        </p:style>
+        <p:txBody>
+          <a:bodyPr rtlCol="0" anchor="ctr"/>
+          <a:lstStyle/>
+          <a:p>
+            <a:pPr algn="ctr"/>
+            <a:r>
+              <a:rPr lang="en-US" dirty="0" smtClean="0"/>
+              <a:t>Outline</a:t>
+            </a:r>
+            <a:endParaRPr lang="en-US" dirty="0"/>
+          </a:p>
+        </p:txBody>
+      </p:sp>
+      <p:sp>
+        <p:nvSpPr>
+          <p:cNvPr id="35" name="Rectangle 34"/>
+          <p:cNvSpPr/>
+          <p:nvPr/>
+        </p:nvSpPr>
+        <p:spPr>
+          <a:xfrm>
+            <a:off x="6260732" y="4492719"/>
+            <a:ext cx="1832460" cy="576936"/>
+          </a:xfrm>
+          <a:prstGeom prst="rect">
+            <a:avLst/>
+          </a:prstGeom>
+        </p:spPr>
+        <p:style>
+          <a:lnRef idx="2">
+            <a:schemeClr val="accent1">
+              <a:shade val="50000"/>
+            </a:schemeClr>
+          </a:lnRef>
+          <a:fillRef idx="1">
+            <a:schemeClr val="accent1"/>
+          </a:fillRef>
+          <a:effectRef idx="0">
+            <a:schemeClr val="accent1"/>
+          </a:effectRef>
+          <a:fontRef idx="minor">
+            <a:schemeClr val="lt1"/>
+          </a:fontRef>
+        </p:style>
+        <p:txBody>
+          <a:bodyPr rtlCol="0" anchor="ctr"/>
+          <a:lstStyle/>
+          <a:p>
+            <a:pPr algn="ctr"/>
+            <a:r>
+              <a:rPr lang="en-US" dirty="0" smtClean="0"/>
+              <a:t>Cause of Incident</a:t>
+            </a:r>
+            <a:endParaRPr lang="en-US" dirty="0"/>
+          </a:p>
+        </p:txBody>
+      </p:sp>
+      <p:sp>
+        <p:nvSpPr>
+          <p:cNvPr id="36" name="Rectangle 35"/>
+          <p:cNvSpPr/>
+          <p:nvPr/>
+        </p:nvSpPr>
+        <p:spPr>
+          <a:xfrm>
+            <a:off x="7167515" y="2827479"/>
+            <a:ext cx="1973739" cy="502070"/>
+          </a:xfrm>
+          <a:prstGeom prst="rect">
+            <a:avLst/>
+          </a:prstGeom>
+        </p:spPr>
+        <p:style>
+          <a:lnRef idx="2">
+            <a:schemeClr val="accent1">
+              <a:shade val="50000"/>
+            </a:schemeClr>
+          </a:lnRef>
+          <a:fillRef idx="1">
+            <a:schemeClr val="accent1"/>
+          </a:fillRef>
+          <a:effectRef idx="0">
+            <a:schemeClr val="accent1"/>
+          </a:effectRef>
+          <a:fontRef idx="minor">
+            <a:schemeClr val="lt1"/>
+          </a:fontRef>
+        </p:style>
+        <p:txBody>
+          <a:bodyPr rtlCol="0" anchor="ctr"/>
+          <a:lstStyle/>
+          <a:p>
+            <a:pPr algn="ctr"/>
+            <a:r>
+              <a:rPr lang="en-US" dirty="0" smtClean="0"/>
+              <a:t>Summary</a:t>
+            </a:r>
+            <a:endParaRPr lang="en-US" dirty="0"/>
+          </a:p>
+        </p:txBody>
+      </p:sp>
+      <p:sp>
+        <p:nvSpPr>
+          <p:cNvPr id="37" name="Rectangle 36"/>
+          <p:cNvSpPr/>
+          <p:nvPr/>
+        </p:nvSpPr>
+        <p:spPr>
+          <a:xfrm>
+            <a:off x="6415924" y="1355316"/>
+            <a:ext cx="1823310" cy="546023"/>
+          </a:xfrm>
+          <a:prstGeom prst="rect">
+            <a:avLst/>
+          </a:prstGeom>
+        </p:spPr>
+        <p:style>
+          <a:lnRef idx="2">
+            <a:schemeClr val="accent1">
+              <a:shade val="50000"/>
+            </a:schemeClr>
+          </a:lnRef>
+          <a:fillRef idx="1">
+            <a:schemeClr val="accent1"/>
+          </a:fillRef>
+          <a:effectRef idx="0">
+            <a:schemeClr val="accent1"/>
+          </a:effectRef>
+          <a:fontRef idx="minor">
+            <a:schemeClr val="lt1"/>
+          </a:fontRef>
+        </p:style>
+        <p:txBody>
+          <a:bodyPr rtlCol="0" anchor="ctr"/>
+          <a:lstStyle/>
+          <a:p>
+            <a:pPr algn="ctr"/>
+            <a:r>
+              <a:rPr lang="en-US" dirty="0" smtClean="0"/>
+              <a:t>Cast of Characters</a:t>
+            </a:r>
+            <a:endParaRPr lang="en-US" dirty="0"/>
+          </a:p>
+        </p:txBody>
+      </p:sp>
+      <p:cxnSp>
+        <p:nvCxnSpPr>
+          <p:cNvPr id="39" name="Straight Arrow Connector 38"/>
+          <p:cNvCxnSpPr>
+            <a:stCxn id="2" idx="6"/>
+          </p:cNvCxnSpPr>
+          <p:nvPr/>
+        </p:nvCxnSpPr>
+        <p:spPr>
+          <a:xfrm>
+            <a:off x="5795915" y="3142389"/>
+            <a:ext cx="1371600" cy="0"/>
+          </a:xfrm>
+          <a:prstGeom prst="straightConnector1">
+            <a:avLst/>
+          </a:prstGeom>
+          <a:ln>
+            <a:tailEnd type="triangle"/>
+          </a:ln>
+        </p:spPr>
+        <p:style>
+          <a:lnRef idx="1">
+            <a:schemeClr val="accent1"/>
+          </a:lnRef>
+          <a:fillRef idx="0">
+            <a:schemeClr val="accent1"/>
+          </a:fillRef>
+          <a:effectRef idx="0">
+            <a:schemeClr val="accent1"/>
+          </a:effectRef>
+          <a:fontRef idx="minor">
+            <a:schemeClr val="tx1"/>
+          </a:fontRef>
+        </p:style>
+      </p:cxnSp>
+      <p:cxnSp>
+        <p:nvCxnSpPr>
+          <p:cNvPr id="41" name="Straight Arrow Connector 40"/>
+          <p:cNvCxnSpPr>
+            <a:endCxn id="49" idx="2"/>
+          </p:cNvCxnSpPr>
+          <p:nvPr/>
+        </p:nvCxnSpPr>
+        <p:spPr>
+          <a:xfrm flipH="1" flipV="1">
+            <a:off x="4424315" y="1781814"/>
+            <a:ext cx="1" cy="331822"/>
+          </a:xfrm>
+          <a:prstGeom prst="straightConnector1">
+            <a:avLst/>
+          </a:prstGeom>
+          <a:ln>
+            <a:tailEnd type="triangle"/>
+          </a:ln>
+        </p:spPr>
+        <p:style>
+          <a:lnRef idx="1">
+            <a:schemeClr val="accent1"/>
+          </a:lnRef>
+          <a:fillRef idx="0">
+            <a:schemeClr val="accent1"/>
+          </a:fillRef>
+          <a:effectRef idx="0">
+            <a:schemeClr val="accent1"/>
+          </a:effectRef>
+          <a:fontRef idx="minor">
+            <a:schemeClr val="tx1"/>
+          </a:fontRef>
+        </p:style>
+      </p:cxnSp>
+      <p:cxnSp>
+        <p:nvCxnSpPr>
+          <p:cNvPr id="47" name="Straight Arrow Connector 46"/>
+          <p:cNvCxnSpPr>
+            <a:endCxn id="48" idx="0"/>
+          </p:cNvCxnSpPr>
+          <p:nvPr/>
+        </p:nvCxnSpPr>
+        <p:spPr>
+          <a:xfrm>
+            <a:off x="4424316" y="4098800"/>
+            <a:ext cx="26622" cy="419505"/>
+          </a:xfrm>
+          <a:prstGeom prst="straightConnector1">
+            <a:avLst/>
+          </a:prstGeom>
+          <a:ln>
+            <a:tailEnd type="triangle"/>
+          </a:ln>
+        </p:spPr>
+        <p:style>
+          <a:lnRef idx="1">
+            <a:schemeClr val="accent1"/>
+          </a:lnRef>
+          <a:fillRef idx="0">
+            <a:schemeClr val="accent1"/>
+          </a:fillRef>
+          <a:effectRef idx="0">
+            <a:schemeClr val="accent1"/>
+          </a:effectRef>
+          <a:fontRef idx="minor">
+            <a:schemeClr val="tx1"/>
+          </a:fontRef>
+        </p:style>
+      </p:cxnSp>
+      <p:sp>
+        <p:nvSpPr>
+          <p:cNvPr id="48" name="Rectangle 47"/>
+          <p:cNvSpPr/>
+          <p:nvPr/>
+        </p:nvSpPr>
+        <p:spPr>
+          <a:xfrm>
+            <a:off x="3539283" y="4518305"/>
+            <a:ext cx="1823310" cy="625195"/>
+          </a:xfrm>
+          <a:prstGeom prst="rect">
+            <a:avLst/>
+          </a:prstGeom>
+        </p:spPr>
+        <p:style>
+          <a:lnRef idx="2">
+            <a:schemeClr val="accent1">
+              <a:shade val="50000"/>
+            </a:schemeClr>
+          </a:lnRef>
+          <a:fillRef idx="1">
+            <a:schemeClr val="accent1"/>
+          </a:fillRef>
+          <a:effectRef idx="0">
+            <a:schemeClr val="accent1"/>
+          </a:effectRef>
+          <a:fontRef idx="minor">
+            <a:schemeClr val="lt1"/>
+          </a:fontRef>
+        </p:style>
+        <p:txBody>
+          <a:bodyPr rtlCol="0" anchor="ctr"/>
+          <a:lstStyle/>
+          <a:p>
+            <a:pPr algn="ctr"/>
+            <a:r>
+              <a:rPr lang="en-US" dirty="0" smtClean="0"/>
+              <a:t>Main Culprit</a:t>
+            </a:r>
+            <a:endParaRPr lang="en-US" dirty="0"/>
+          </a:p>
+        </p:txBody>
+      </p:sp>
+      <p:sp>
+        <p:nvSpPr>
+          <p:cNvPr id="49" name="Rectangle 48"/>
+          <p:cNvSpPr/>
+          <p:nvPr/>
+        </p:nvSpPr>
+        <p:spPr>
+          <a:xfrm>
+            <a:off x="3512660" y="1156619"/>
+            <a:ext cx="1823310" cy="625195"/>
+          </a:xfrm>
+          <a:prstGeom prst="rect">
+            <a:avLst/>
+          </a:prstGeom>
+        </p:spPr>
+        <p:style>
+          <a:lnRef idx="2">
+            <a:schemeClr val="accent1">
+              <a:shade val="50000"/>
+            </a:schemeClr>
+          </a:lnRef>
+          <a:fillRef idx="1">
+            <a:schemeClr val="accent1"/>
+          </a:fillRef>
+          <a:effectRef idx="0">
+            <a:schemeClr val="accent1"/>
+          </a:effectRef>
+          <a:fontRef idx="minor">
+            <a:schemeClr val="lt1"/>
+          </a:fontRef>
+        </p:style>
+        <p:txBody>
+          <a:bodyPr rtlCol="0" anchor="ctr"/>
+          <a:lstStyle/>
+          <a:p>
+            <a:pPr algn="ctr"/>
+            <a:r>
+              <a:rPr lang="en-US" dirty="0" smtClean="0"/>
+              <a:t>Culprits</a:t>
+            </a:r>
+            <a:endParaRPr lang="en-US" dirty="0"/>
+          </a:p>
+        </p:txBody>
+      </p:sp>
+    </p:spTree>
+    <p:extLst>
+      <p:ext uri="{BB962C8B-B14F-4D97-AF65-F5344CB8AC3E}">
+        <p14:creationId xmlns:p14="http://schemas.microsoft.com/office/powerpoint/2010/main" val="2993373775"/>
+      </p:ext>
+    </p:extLst>
+  </p:cSld>
+  <p:clrMapOvr>
+    <a:masterClrMapping/>
+  </p:clrMapOvr>
+</p:sld>
+</file>
+
+<file path=ppt/slides/slide4.xml><?xml version="1.0" encoding="utf-8"?>
+<p:sld xmlns:a="http://schemas.openxmlformats.org/drawingml/2006/main" xmlns:r="http://schemas.openxmlformats.org/officeDocument/2006/relationships" xmlns:p="http://schemas.openxmlformats.org/presentationml/2006/main">
+  <p:cSld>
+    <p:spTree>
+      <p:nvGrpSpPr>
+        <p:cNvPr id="1" name=""/>
+        <p:cNvGrpSpPr/>
+        <p:nvPr/>
+      </p:nvGrpSpPr>
+      <p:grpSpPr>
+        <a:xfrm>
+          <a:off x="0" y="0"/>
+          <a:ext cx="0" cy="0"/>
+          <a:chOff x="0" y="0"/>
+          <a:chExt cx="0" cy="0"/>
+        </a:xfrm>
+      </p:grpSpPr>
+      <p:sp>
+        <p:nvSpPr>
           <p:cNvPr id="2" name="Title 1"/>
           <p:cNvSpPr>
             <a:spLocks noGrp="1"/>
@@ -10126,7 +12636,7 @@
 </p:sld>
 </file>
 
-<file path=ppt/slides/slide4.xml><?xml version="1.0" encoding="utf-8"?>
+<file path=ppt/slides/slide5.xml><?xml version="1.0" encoding="utf-8"?>
 <p:sld xmlns:a="http://schemas.openxmlformats.org/drawingml/2006/main" xmlns:r="http://schemas.openxmlformats.org/officeDocument/2006/relationships" xmlns:p="http://schemas.openxmlformats.org/presentationml/2006/main">
   <p:cSld>
     <p:spTree>
@@ -11473,151 +13983,6 @@
 </p:sld>
 </file>
 
-<file path=ppt/slides/slide5.xml><?xml version="1.0" encoding="utf-8"?>
-<p:sld xmlns:a="http://schemas.openxmlformats.org/drawingml/2006/main" xmlns:r="http://schemas.openxmlformats.org/officeDocument/2006/relationships" xmlns:p="http://schemas.openxmlformats.org/presentationml/2006/main">
-  <p:cSld>
-    <p:spTree>
-      <p:nvGrpSpPr>
-        <p:cNvPr id="1" name=""/>
-        <p:cNvGrpSpPr/>
-        <p:nvPr/>
-      </p:nvGrpSpPr>
-      <p:grpSpPr>
-        <a:xfrm>
-          <a:off x="0" y="0"/>
-          <a:ext cx="0" cy="0"/>
-          <a:chOff x="0" y="0"/>
-          <a:chExt cx="0" cy="0"/>
-        </a:xfrm>
-      </p:grpSpPr>
-      <p:sp>
-        <p:nvSpPr>
-          <p:cNvPr id="4" name="Title 3"/>
-          <p:cNvSpPr>
-            <a:spLocks noGrp="1"/>
-          </p:cNvSpPr>
-          <p:nvPr>
-            <p:ph type="title"/>
-          </p:nvPr>
-        </p:nvSpPr>
-        <p:spPr>
-          <a:xfrm>
-            <a:off x="296260" y="433880"/>
-            <a:ext cx="6566315" cy="725349"/>
-          </a:xfrm>
-        </p:spPr>
-        <p:txBody>
-          <a:bodyPr>
-            <a:noAutofit/>
-          </a:bodyPr>
-          <a:lstStyle/>
-          <a:p>
-            <a:r>
-              <a:rPr lang="en-US" sz="4400" dirty="0"/>
-              <a:t>Summary</a:t>
-            </a:r>
-          </a:p>
-        </p:txBody>
-      </p:sp>
-      <p:sp>
-        <p:nvSpPr>
-          <p:cNvPr id="5" name="Content Placeholder 4"/>
-          <p:cNvSpPr>
-            <a:spLocks noGrp="1"/>
-          </p:cNvSpPr>
-          <p:nvPr>
-            <p:ph idx="1"/>
-          </p:nvPr>
-        </p:nvSpPr>
-        <p:spPr/>
-        <p:txBody>
-          <a:bodyPr>
-            <a:normAutofit lnSpcReduction="10000"/>
-          </a:bodyPr>
-          <a:lstStyle/>
-          <a:p>
-            <a:r>
-              <a:rPr lang="en-GB" sz="2400" dirty="0">
-                <a:solidFill>
-                  <a:schemeClr val="bg1"/>
-                </a:solidFill>
-              </a:rPr>
-              <a:t>Robbie CX30 malfunction and killed B</a:t>
-            </a:r>
-            <a:r>
-              <a:rPr lang="en-US" sz="2400" dirty="0">
-                <a:solidFill>
-                  <a:schemeClr val="bg1"/>
-                </a:solidFill>
-              </a:rPr>
-              <a:t>art Matthews.</a:t>
-            </a:r>
-          </a:p>
-          <a:p>
-            <a:r>
-              <a:rPr lang="en-US" sz="2400" dirty="0">
-                <a:solidFill>
-                  <a:schemeClr val="bg1"/>
-                </a:solidFill>
-              </a:rPr>
-              <a:t>Randy Samuels wrote the false code.</a:t>
-            </a:r>
-          </a:p>
-          <a:p>
-            <a:r>
-              <a:rPr lang="en-US" sz="2400" dirty="0">
-                <a:solidFill>
-                  <a:schemeClr val="bg1"/>
-                </a:solidFill>
-              </a:rPr>
-              <a:t>Team of project Robbie CX30 were in tremendous pressure.</a:t>
-            </a:r>
-          </a:p>
-          <a:p>
-            <a:r>
-              <a:rPr lang="en-US" sz="2400" dirty="0">
-                <a:solidFill>
-                  <a:schemeClr val="bg1"/>
-                </a:solidFill>
-              </a:rPr>
-              <a:t>Silicon Techtronics were in a tight financial position.</a:t>
-            </a:r>
-          </a:p>
-          <a:p>
-            <a:r>
-              <a:rPr lang="en-US" sz="2400" dirty="0">
-                <a:solidFill>
-                  <a:schemeClr val="bg1"/>
-                </a:solidFill>
-              </a:rPr>
-              <a:t>Lack of cooperation between the team members.</a:t>
-            </a:r>
-          </a:p>
-          <a:p>
-            <a:endParaRPr lang="en-US" sz="2400" dirty="0">
-              <a:solidFill>
-                <a:schemeClr val="bg1"/>
-              </a:solidFill>
-            </a:endParaRPr>
-          </a:p>
-          <a:p>
-            <a:endParaRPr lang="en-US" sz="2400" dirty="0"/>
-          </a:p>
-        </p:txBody>
-      </p:sp>
-    </p:spTree>
-    <p:extLst>
-      <p:ext uri="{BB962C8B-B14F-4D97-AF65-F5344CB8AC3E}">
-        <p14:creationId xmlns:p14="http://schemas.microsoft.com/office/powerpoint/2010/main" val="1101633878"/>
-      </p:ext>
-    </p:extLst>
-  </p:cSld>
-  <p:clrMapOvr>
-    <a:masterClrMapping/>
-  </p:clrMapOvr>
-</p:sld>
-</file>
-
 <file path=ppt/slides/slide6.xml><?xml version="1.0" encoding="utf-8"?>
 <p:sld xmlns:a="http://schemas.openxmlformats.org/drawingml/2006/main" xmlns:r="http://schemas.openxmlformats.org/officeDocument/2006/relationships" xmlns:p="http://schemas.openxmlformats.org/presentationml/2006/main">
   <p:cSld>
@@ -11647,6 +14012,151 @@
         </p:nvSpPr>
         <p:spPr>
           <a:xfrm>
+            <a:off x="296260" y="433880"/>
+            <a:ext cx="6566315" cy="725349"/>
+          </a:xfrm>
+        </p:spPr>
+        <p:txBody>
+          <a:bodyPr>
+            <a:noAutofit/>
+          </a:bodyPr>
+          <a:lstStyle/>
+          <a:p>
+            <a:r>
+              <a:rPr lang="en-US" sz="4400" dirty="0"/>
+              <a:t>Summary</a:t>
+            </a:r>
+          </a:p>
+        </p:txBody>
+      </p:sp>
+      <p:sp>
+        <p:nvSpPr>
+          <p:cNvPr id="5" name="Content Placeholder 4"/>
+          <p:cNvSpPr>
+            <a:spLocks noGrp="1"/>
+          </p:cNvSpPr>
+          <p:nvPr>
+            <p:ph idx="1"/>
+          </p:nvPr>
+        </p:nvSpPr>
+        <p:spPr/>
+        <p:txBody>
+          <a:bodyPr>
+            <a:normAutofit lnSpcReduction="10000"/>
+          </a:bodyPr>
+          <a:lstStyle/>
+          <a:p>
+            <a:r>
+              <a:rPr lang="en-GB" sz="2400" dirty="0">
+                <a:solidFill>
+                  <a:schemeClr val="bg1"/>
+                </a:solidFill>
+              </a:rPr>
+              <a:t>Robbie CX30 malfunction and killed B</a:t>
+            </a:r>
+            <a:r>
+              <a:rPr lang="en-US" sz="2400" dirty="0">
+                <a:solidFill>
+                  <a:schemeClr val="bg1"/>
+                </a:solidFill>
+              </a:rPr>
+              <a:t>art Matthews.</a:t>
+            </a:r>
+          </a:p>
+          <a:p>
+            <a:r>
+              <a:rPr lang="en-US" sz="2400" dirty="0">
+                <a:solidFill>
+                  <a:schemeClr val="bg1"/>
+                </a:solidFill>
+              </a:rPr>
+              <a:t>Randy Samuels wrote the false code.</a:t>
+            </a:r>
+          </a:p>
+          <a:p>
+            <a:r>
+              <a:rPr lang="en-US" sz="2400" dirty="0">
+                <a:solidFill>
+                  <a:schemeClr val="bg1"/>
+                </a:solidFill>
+              </a:rPr>
+              <a:t>Team of project Robbie CX30 were in tremendous pressure.</a:t>
+            </a:r>
+          </a:p>
+          <a:p>
+            <a:r>
+              <a:rPr lang="en-US" sz="2400" dirty="0">
+                <a:solidFill>
+                  <a:schemeClr val="bg1"/>
+                </a:solidFill>
+              </a:rPr>
+              <a:t>Silicon Techtronics were in a tight financial position.</a:t>
+            </a:r>
+          </a:p>
+          <a:p>
+            <a:r>
+              <a:rPr lang="en-US" sz="2400" dirty="0">
+                <a:solidFill>
+                  <a:schemeClr val="bg1"/>
+                </a:solidFill>
+              </a:rPr>
+              <a:t>Lack of cooperation between the team members.</a:t>
+            </a:r>
+          </a:p>
+          <a:p>
+            <a:endParaRPr lang="en-US" sz="2400" dirty="0">
+              <a:solidFill>
+                <a:schemeClr val="bg1"/>
+              </a:solidFill>
+            </a:endParaRPr>
+          </a:p>
+          <a:p>
+            <a:endParaRPr lang="en-US" sz="2400" dirty="0"/>
+          </a:p>
+        </p:txBody>
+      </p:sp>
+    </p:spTree>
+    <p:extLst>
+      <p:ext uri="{BB962C8B-B14F-4D97-AF65-F5344CB8AC3E}">
+        <p14:creationId xmlns:p14="http://schemas.microsoft.com/office/powerpoint/2010/main" val="1101633878"/>
+      </p:ext>
+    </p:extLst>
+  </p:cSld>
+  <p:clrMapOvr>
+    <a:masterClrMapping/>
+  </p:clrMapOvr>
+</p:sld>
+</file>
+
+<file path=ppt/slides/slide7.xml><?xml version="1.0" encoding="utf-8"?>
+<p:sld xmlns:a="http://schemas.openxmlformats.org/drawingml/2006/main" xmlns:r="http://schemas.openxmlformats.org/officeDocument/2006/relationships" xmlns:p="http://schemas.openxmlformats.org/presentationml/2006/main">
+  <p:cSld>
+    <p:spTree>
+      <p:nvGrpSpPr>
+        <p:cNvPr id="1" name=""/>
+        <p:cNvGrpSpPr/>
+        <p:nvPr/>
+      </p:nvGrpSpPr>
+      <p:grpSpPr>
+        <a:xfrm>
+          <a:off x="0" y="0"/>
+          <a:ext cx="0" cy="0"/>
+          <a:chOff x="0" y="0"/>
+          <a:chExt cx="0" cy="0"/>
+        </a:xfrm>
+      </p:grpSpPr>
+      <p:sp>
+        <p:nvSpPr>
+          <p:cNvPr id="4" name="Title 3"/>
+          <p:cNvSpPr>
+            <a:spLocks noGrp="1"/>
+          </p:cNvSpPr>
+          <p:nvPr>
+            <p:ph type="title"/>
+          </p:nvPr>
+        </p:nvSpPr>
+        <p:spPr>
+          <a:xfrm>
             <a:off x="754375" y="281175"/>
             <a:ext cx="7940660" cy="763525"/>
           </a:xfrm>
@@ -11981,7 +14491,7 @@
 </p:sld>
 </file>
 
-<file path=ppt/slides/slide7.xml><?xml version="1.0" encoding="utf-8"?>
+<file path=ppt/slides/slide8.xml><?xml version="1.0" encoding="utf-8"?>
 <p:sld xmlns:a="http://schemas.openxmlformats.org/drawingml/2006/main" xmlns:r="http://schemas.openxmlformats.org/officeDocument/2006/relationships" xmlns:p="http://schemas.openxmlformats.org/presentationml/2006/main">
   <p:cSld>
     <p:spTree>
@@ -12590,7 +15100,7 @@
 </p:sld>
 </file>
 
-<file path=ppt/slides/slide8.xml><?xml version="1.0" encoding="utf-8"?>
+<file path=ppt/slides/slide9.xml><?xml version="1.0" encoding="utf-8"?>
 <p:sld xmlns:a="http://schemas.openxmlformats.org/drawingml/2006/main" xmlns:r="http://schemas.openxmlformats.org/officeDocument/2006/relationships" xmlns:p="http://schemas.openxmlformats.org/presentationml/2006/main" showMasterSp="0">
   <p:cSld>
     <p:spTree>
@@ -13333,920 +15843,6 @@
     <p:extLst>
       <p:ext uri="{BB962C8B-B14F-4D97-AF65-F5344CB8AC3E}">
         <p14:creationId xmlns:p14="http://schemas.microsoft.com/office/powerpoint/2010/main" val="1639343029"/>
-      </p:ext>
-    </p:extLst>
-  </p:cSld>
-  <p:clrMapOvr>
-    <a:masterClrMapping/>
-  </p:clrMapOvr>
-</p:sld>
-</file>
-
-<file path=ppt/slides/slide9.xml><?xml version="1.0" encoding="utf-8"?>
-<p:sld xmlns:a="http://schemas.openxmlformats.org/drawingml/2006/main" xmlns:r="http://schemas.openxmlformats.org/officeDocument/2006/relationships" xmlns:p="http://schemas.openxmlformats.org/presentationml/2006/main">
-  <p:cSld>
-    <p:spTree>
-      <p:nvGrpSpPr>
-        <p:cNvPr id="1" name=""/>
-        <p:cNvGrpSpPr/>
-        <p:nvPr/>
-      </p:nvGrpSpPr>
-      <p:grpSpPr>
-        <a:xfrm>
-          <a:off x="0" y="0"/>
-          <a:ext cx="0" cy="0"/>
-          <a:chOff x="0" y="0"/>
-          <a:chExt cx="0" cy="0"/>
-        </a:xfrm>
-      </p:grpSpPr>
-      <p:sp>
-        <p:nvSpPr>
-          <p:cNvPr id="2" name="Content Placeholder 5"/>
-          <p:cNvSpPr txBox="1">
-            <a:spLocks/>
-          </p:cNvSpPr>
-          <p:nvPr/>
-        </p:nvSpPr>
-        <p:spPr>
-          <a:xfrm>
-            <a:off x="1" y="1197405"/>
-            <a:ext cx="6228364" cy="2137870"/>
-          </a:xfrm>
-          <a:prstGeom prst="rect">
-            <a:avLst/>
-          </a:prstGeom>
-          <a:blipFill dpi="0" rotWithShape="1">
-            <a:blip r:embed="rId3"/>
-            <a:srcRect/>
-            <a:tile tx="0" ty="0" sx="100000" sy="100000" flip="none" algn="tl"/>
-          </a:blipFill>
-          <a:ln>
-            <a:gradFill flip="none" rotWithShape="1">
-              <a:gsLst>
-                <a:gs pos="0">
-                  <a:schemeClr val="accent5">
-                    <a:lumMod val="89000"/>
-                  </a:schemeClr>
-                </a:gs>
-                <a:gs pos="23000">
-                  <a:schemeClr val="accent5">
-                    <a:lumMod val="89000"/>
-                  </a:schemeClr>
-                </a:gs>
-                <a:gs pos="69000">
-                  <a:schemeClr val="accent5">
-                    <a:lumMod val="75000"/>
-                  </a:schemeClr>
-                </a:gs>
-                <a:gs pos="97000">
-                  <a:schemeClr val="accent5">
-                    <a:lumMod val="70000"/>
-                  </a:schemeClr>
-                </a:gs>
-              </a:gsLst>
-              <a:path path="circle">
-                <a:fillToRect l="50000" t="50000" r="50000" b="50000"/>
-              </a:path>
-              <a:tileRect/>
-            </a:gradFill>
-          </a:ln>
-          <a:effectLst>
-            <a:glow rad="127000">
-              <a:srgbClr val="FFFF00"/>
-            </a:glow>
-            <a:innerShdw blurRad="63500" dist="50800" dir="13500000">
-              <a:prstClr val="black">
-                <a:alpha val="50000"/>
-              </a:prstClr>
-            </a:innerShdw>
-          </a:effectLst>
-        </p:spPr>
-        <p:txBody>
-          <a:bodyPr>
-            <a:noAutofit/>
-          </a:bodyPr>
-          <a:lstStyle>
-            <a:lvl1pPr marL="342900" indent="-342900" algn="l" defTabSz="914400" rtl="0" eaLnBrk="1" latinLnBrk="0" hangingPunct="1">
-              <a:spcBef>
-                <a:spcPct val="20000"/>
-              </a:spcBef>
-              <a:buFont typeface="Arial" pitchFamily="34" charset="0"/>
-              <a:buChar char="•"/>
-              <a:defRPr sz="3200" kern="1200">
-                <a:solidFill>
-                  <a:schemeClr val="tx1"/>
-                </a:solidFill>
-                <a:latin typeface="+mn-lt"/>
-                <a:ea typeface="+mn-ea"/>
-                <a:cs typeface="+mn-cs"/>
-              </a:defRPr>
-            </a:lvl1pPr>
-            <a:lvl2pPr marL="742950" indent="-285750" algn="l" defTabSz="914400" rtl="0" eaLnBrk="1" latinLnBrk="0" hangingPunct="1">
-              <a:spcBef>
-                <a:spcPct val="20000"/>
-              </a:spcBef>
-              <a:buFont typeface="Arial" pitchFamily="34" charset="0"/>
-              <a:buChar char="–"/>
-              <a:defRPr sz="2800" kern="1200">
-                <a:solidFill>
-                  <a:schemeClr val="tx1"/>
-                </a:solidFill>
-                <a:latin typeface="+mn-lt"/>
-                <a:ea typeface="+mn-ea"/>
-                <a:cs typeface="+mn-cs"/>
-              </a:defRPr>
-            </a:lvl2pPr>
-            <a:lvl3pPr marL="1143000" indent="-228600" algn="l" defTabSz="914400" rtl="0" eaLnBrk="1" latinLnBrk="0" hangingPunct="1">
-              <a:spcBef>
-                <a:spcPct val="20000"/>
-              </a:spcBef>
-              <a:buFont typeface="Arial" pitchFamily="34" charset="0"/>
-              <a:buChar char="•"/>
-              <a:defRPr sz="2400" kern="1200">
-                <a:solidFill>
-                  <a:schemeClr val="tx1"/>
-                </a:solidFill>
-                <a:latin typeface="+mn-lt"/>
-                <a:ea typeface="+mn-ea"/>
-                <a:cs typeface="+mn-cs"/>
-              </a:defRPr>
-            </a:lvl3pPr>
-            <a:lvl4pPr marL="1600200" indent="-228600" algn="l" defTabSz="914400" rtl="0" eaLnBrk="1" latinLnBrk="0" hangingPunct="1">
-              <a:spcBef>
-                <a:spcPct val="20000"/>
-              </a:spcBef>
-              <a:buFont typeface="Arial" pitchFamily="34" charset="0"/>
-              <a:buChar char="–"/>
-              <a:defRPr sz="2000" kern="1200">
-                <a:solidFill>
-                  <a:schemeClr val="tx1"/>
-                </a:solidFill>
-                <a:latin typeface="+mn-lt"/>
-                <a:ea typeface="+mn-ea"/>
-                <a:cs typeface="+mn-cs"/>
-              </a:defRPr>
-            </a:lvl4pPr>
-            <a:lvl5pPr marL="2057400" indent="-228600" algn="l" defTabSz="914400" rtl="0" eaLnBrk="1" latinLnBrk="0" hangingPunct="1">
-              <a:spcBef>
-                <a:spcPct val="20000"/>
-              </a:spcBef>
-              <a:buFont typeface="Arial" pitchFamily="34" charset="0"/>
-              <a:buChar char="»"/>
-              <a:defRPr sz="2000" kern="1200">
-                <a:solidFill>
-                  <a:schemeClr val="tx1"/>
-                </a:solidFill>
-                <a:latin typeface="+mn-lt"/>
-                <a:ea typeface="+mn-ea"/>
-                <a:cs typeface="+mn-cs"/>
-              </a:defRPr>
-            </a:lvl5pPr>
-            <a:lvl6pPr marL="2514600" indent="-228600" algn="l" defTabSz="914400" rtl="0" eaLnBrk="1" latinLnBrk="0" hangingPunct="1">
-              <a:spcBef>
-                <a:spcPct val="20000"/>
-              </a:spcBef>
-              <a:buFont typeface="Arial" pitchFamily="34" charset="0"/>
-              <a:buChar char="•"/>
-              <a:defRPr sz="2000" kern="1200">
-                <a:solidFill>
-                  <a:schemeClr val="tx1"/>
-                </a:solidFill>
-                <a:latin typeface="+mn-lt"/>
-                <a:ea typeface="+mn-ea"/>
-                <a:cs typeface="+mn-cs"/>
-              </a:defRPr>
-            </a:lvl6pPr>
-            <a:lvl7pPr marL="2971800" indent="-228600" algn="l" defTabSz="914400" rtl="0" eaLnBrk="1" latinLnBrk="0" hangingPunct="1">
-              <a:spcBef>
-                <a:spcPct val="20000"/>
-              </a:spcBef>
-              <a:buFont typeface="Arial" pitchFamily="34" charset="0"/>
-              <a:buChar char="•"/>
-              <a:defRPr sz="2000" kern="1200">
-                <a:solidFill>
-                  <a:schemeClr val="tx1"/>
-                </a:solidFill>
-                <a:latin typeface="+mn-lt"/>
-                <a:ea typeface="+mn-ea"/>
-                <a:cs typeface="+mn-cs"/>
-              </a:defRPr>
-            </a:lvl7pPr>
-            <a:lvl8pPr marL="3429000" indent="-228600" algn="l" defTabSz="914400" rtl="0" eaLnBrk="1" latinLnBrk="0" hangingPunct="1">
-              <a:spcBef>
-                <a:spcPct val="20000"/>
-              </a:spcBef>
-              <a:buFont typeface="Arial" pitchFamily="34" charset="0"/>
-              <a:buChar char="•"/>
-              <a:defRPr sz="2000" kern="1200">
-                <a:solidFill>
-                  <a:schemeClr val="tx1"/>
-                </a:solidFill>
-                <a:latin typeface="+mn-lt"/>
-                <a:ea typeface="+mn-ea"/>
-                <a:cs typeface="+mn-cs"/>
-              </a:defRPr>
-            </a:lvl8pPr>
-            <a:lvl9pPr marL="3886200" indent="-228600" algn="l" defTabSz="914400" rtl="0" eaLnBrk="1" latinLnBrk="0" hangingPunct="1">
-              <a:spcBef>
-                <a:spcPct val="20000"/>
-              </a:spcBef>
-              <a:buFont typeface="Arial" pitchFamily="34" charset="0"/>
-              <a:buChar char="•"/>
-              <a:defRPr sz="2000" kern="1200">
-                <a:solidFill>
-                  <a:schemeClr val="tx1"/>
-                </a:solidFill>
-                <a:latin typeface="+mn-lt"/>
-                <a:ea typeface="+mn-ea"/>
-                <a:cs typeface="+mn-cs"/>
-              </a:defRPr>
-            </a:lvl9pPr>
-          </a:lstStyle>
-          <a:p>
-            <a:pPr algn="just"/>
-            <a:r>
-              <a:rPr lang="en-US" sz="2400" dirty="0">
-                <a:solidFill>
-                  <a:schemeClr val="bg1"/>
-                </a:solidFill>
-              </a:rPr>
-              <a:t>Robotics Division chief at Silicon Techtronic</a:t>
-            </a:r>
-          </a:p>
-          <a:p>
-            <a:pPr algn="just"/>
-            <a:r>
-              <a:rPr lang="en-US" sz="2400" dirty="0">
-                <a:solidFill>
-                  <a:schemeClr val="bg1"/>
-                </a:solidFill>
-              </a:rPr>
-              <a:t>Bringing an emotional or personal conflict into a work setting (Sam Reynolds)</a:t>
-            </a:r>
-          </a:p>
-          <a:p>
-            <a:pPr algn="just"/>
-            <a:r>
-              <a:rPr lang="en-US" sz="2400" dirty="0">
-                <a:solidFill>
-                  <a:schemeClr val="bg1"/>
-                </a:solidFill>
-              </a:rPr>
-              <a:t>Placing a lot of pressure on the team</a:t>
-            </a:r>
-          </a:p>
-          <a:p>
-            <a:pPr algn="just"/>
-            <a:endParaRPr lang="en-US" sz="2400" dirty="0">
-              <a:solidFill>
-                <a:schemeClr val="bg1"/>
-              </a:solidFill>
-            </a:endParaRPr>
-          </a:p>
-          <a:p>
-            <a:pPr algn="just"/>
-            <a:endParaRPr lang="en-US" sz="2400" dirty="0">
-              <a:solidFill>
-                <a:schemeClr val="bg1"/>
-              </a:solidFill>
-            </a:endParaRPr>
-          </a:p>
-          <a:p>
-            <a:pPr algn="just"/>
-            <a:endParaRPr lang="en-US" sz="2400" dirty="0">
-              <a:solidFill>
-                <a:schemeClr val="bg1"/>
-              </a:solidFill>
-            </a:endParaRPr>
-          </a:p>
-        </p:txBody>
-      </p:sp>
-      <p:pic>
-        <p:nvPicPr>
-          <p:cNvPr id="5" name="Picture 4"/>
-          <p:cNvPicPr>
-            <a:picLocks noChangeAspect="1"/>
-          </p:cNvPicPr>
-          <p:nvPr/>
-        </p:nvPicPr>
-        <p:blipFill>
-          <a:blip r:embed="rId4">
-            <a:extLst>
-              <a:ext uri="{28A0092B-C50C-407E-A947-70E740481C1C}">
-                <a14:useLocalDpi xmlns:a14="http://schemas.microsoft.com/office/drawing/2010/main" val="0"/>
-              </a:ext>
-            </a:extLst>
-          </a:blip>
-          <a:stretch>
-            <a:fillRect/>
-          </a:stretch>
-        </p:blipFill>
-        <p:spPr>
-          <a:xfrm>
-            <a:off x="6228365" y="1197405"/>
-            <a:ext cx="2915635" cy="2137870"/>
-          </a:xfrm>
-          <a:prstGeom prst="rect">
-            <a:avLst/>
-          </a:prstGeom>
-          <a:effectLst>
-            <a:glow rad="139700">
-              <a:schemeClr val="accent1">
-                <a:satMod val="175000"/>
-                <a:alpha val="40000"/>
-              </a:schemeClr>
-            </a:glow>
-            <a:outerShdw blurRad="50800" dist="50800" dir="5400000" algn="ctr" rotWithShape="0">
-              <a:srgbClr val="000000">
-                <a:alpha val="98000"/>
-              </a:srgbClr>
-            </a:outerShdw>
-          </a:effectLst>
-        </p:spPr>
-      </p:pic>
-      <p:sp>
-        <p:nvSpPr>
-          <p:cNvPr id="8" name="Content Placeholder 5"/>
-          <p:cNvSpPr txBox="1">
-            <a:spLocks/>
-          </p:cNvSpPr>
-          <p:nvPr/>
-        </p:nvSpPr>
-        <p:spPr>
-          <a:xfrm>
-            <a:off x="4392387" y="3354606"/>
-            <a:ext cx="4751614" cy="1788894"/>
-          </a:xfrm>
-          <a:prstGeom prst="rect">
-            <a:avLst/>
-          </a:prstGeom>
-          <a:blipFill dpi="0" rotWithShape="1">
-            <a:blip r:embed="rId5">
-              <a:extLst>
-                <a:ext uri="{BEBA8EAE-BF5A-486C-A8C5-ECC9F3942E4B}">
-                  <a14:imgProps xmlns:a14="http://schemas.microsoft.com/office/drawing/2010/main">
-                    <a14:imgLayer r:embed="rId6">
-                      <a14:imgEffect>
-                        <a14:artisticBlur/>
-                      </a14:imgEffect>
-                      <a14:imgEffect>
-                        <a14:colorTemperature colorTemp="11200"/>
-                      </a14:imgEffect>
-                    </a14:imgLayer>
-                  </a14:imgProps>
-                </a:ext>
-              </a:extLst>
-            </a:blip>
-            <a:srcRect/>
-            <a:tile tx="0" ty="0" sx="100000" sy="100000" flip="none" algn="tl"/>
-          </a:blipFill>
-          <a:ln>
-            <a:gradFill flip="none" rotWithShape="1">
-              <a:gsLst>
-                <a:gs pos="0">
-                  <a:schemeClr val="accent5">
-                    <a:lumMod val="89000"/>
-                  </a:schemeClr>
-                </a:gs>
-                <a:gs pos="23000">
-                  <a:schemeClr val="accent5">
-                    <a:lumMod val="89000"/>
-                  </a:schemeClr>
-                </a:gs>
-                <a:gs pos="69000">
-                  <a:schemeClr val="accent5">
-                    <a:lumMod val="75000"/>
-                  </a:schemeClr>
-                </a:gs>
-                <a:gs pos="97000">
-                  <a:schemeClr val="accent5">
-                    <a:lumMod val="70000"/>
-                  </a:schemeClr>
-                </a:gs>
-              </a:gsLst>
-              <a:path path="circle">
-                <a:fillToRect l="50000" t="50000" r="50000" b="50000"/>
-              </a:path>
-              <a:tileRect/>
-            </a:gradFill>
-          </a:ln>
-          <a:effectLst>
-            <a:glow rad="127000">
-              <a:schemeClr val="accent6">
-                <a:lumMod val="60000"/>
-                <a:lumOff val="40000"/>
-              </a:schemeClr>
-            </a:glow>
-            <a:innerShdw blurRad="63500" dist="50800" dir="13500000">
-              <a:prstClr val="black">
-                <a:alpha val="50000"/>
-              </a:prstClr>
-            </a:innerShdw>
-          </a:effectLst>
-        </p:spPr>
-        <p:txBody>
-          <a:bodyPr vert="horz" lIns="91440" tIns="45720" rIns="91440" bIns="45720" rtlCol="0">
-            <a:noAutofit/>
-          </a:bodyPr>
-          <a:lstStyle>
-            <a:lvl1pPr marL="342900" indent="-342900" algn="l" defTabSz="914400" rtl="0" eaLnBrk="1" latinLnBrk="0" hangingPunct="1">
-              <a:spcBef>
-                <a:spcPct val="20000"/>
-              </a:spcBef>
-              <a:buFont typeface="Arial" pitchFamily="34" charset="0"/>
-              <a:buChar char="•"/>
-              <a:defRPr sz="2800" kern="1200">
-                <a:solidFill>
-                  <a:schemeClr val="accent1">
-                    <a:lumMod val="50000"/>
-                  </a:schemeClr>
-                </a:solidFill>
-                <a:latin typeface="+mn-lt"/>
-                <a:ea typeface="+mn-ea"/>
-                <a:cs typeface="+mn-cs"/>
-              </a:defRPr>
-            </a:lvl1pPr>
-            <a:lvl2pPr marL="742950" indent="-285750" algn="l" defTabSz="914400" rtl="0" eaLnBrk="1" latinLnBrk="0" hangingPunct="1">
-              <a:spcBef>
-                <a:spcPct val="20000"/>
-              </a:spcBef>
-              <a:buFont typeface="Arial" pitchFamily="34" charset="0"/>
-              <a:buChar char="–"/>
-              <a:defRPr sz="2800" kern="1200">
-                <a:solidFill>
-                  <a:schemeClr val="accent1">
-                    <a:lumMod val="50000"/>
-                  </a:schemeClr>
-                </a:solidFill>
-                <a:latin typeface="+mn-lt"/>
-                <a:ea typeface="+mn-ea"/>
-                <a:cs typeface="+mn-cs"/>
-              </a:defRPr>
-            </a:lvl2pPr>
-            <a:lvl3pPr marL="1143000" indent="-228600" algn="l" defTabSz="914400" rtl="0" eaLnBrk="1" latinLnBrk="0" hangingPunct="1">
-              <a:spcBef>
-                <a:spcPct val="20000"/>
-              </a:spcBef>
-              <a:buFont typeface="Arial" pitchFamily="34" charset="0"/>
-              <a:buChar char="•"/>
-              <a:defRPr sz="2400" kern="1200">
-                <a:solidFill>
-                  <a:schemeClr val="accent1">
-                    <a:lumMod val="50000"/>
-                  </a:schemeClr>
-                </a:solidFill>
-                <a:latin typeface="+mn-lt"/>
-                <a:ea typeface="+mn-ea"/>
-                <a:cs typeface="+mn-cs"/>
-              </a:defRPr>
-            </a:lvl3pPr>
-            <a:lvl4pPr marL="1600200" indent="-228600" algn="l" defTabSz="914400" rtl="0" eaLnBrk="1" latinLnBrk="0" hangingPunct="1">
-              <a:spcBef>
-                <a:spcPct val="20000"/>
-              </a:spcBef>
-              <a:buFont typeface="Arial" pitchFamily="34" charset="0"/>
-              <a:buChar char="–"/>
-              <a:defRPr sz="2000" kern="1200">
-                <a:solidFill>
-                  <a:schemeClr val="accent1">
-                    <a:lumMod val="50000"/>
-                  </a:schemeClr>
-                </a:solidFill>
-                <a:latin typeface="+mn-lt"/>
-                <a:ea typeface="+mn-ea"/>
-                <a:cs typeface="+mn-cs"/>
-              </a:defRPr>
-            </a:lvl4pPr>
-            <a:lvl5pPr marL="2057400" indent="-228600" algn="l" defTabSz="914400" rtl="0" eaLnBrk="1" latinLnBrk="0" hangingPunct="1">
-              <a:spcBef>
-                <a:spcPct val="20000"/>
-              </a:spcBef>
-              <a:buFont typeface="Arial" pitchFamily="34" charset="0"/>
-              <a:buChar char="»"/>
-              <a:defRPr sz="2000" kern="1200">
-                <a:solidFill>
-                  <a:schemeClr val="accent1">
-                    <a:lumMod val="50000"/>
-                  </a:schemeClr>
-                </a:solidFill>
-                <a:latin typeface="+mn-lt"/>
-                <a:ea typeface="+mn-ea"/>
-                <a:cs typeface="+mn-cs"/>
-              </a:defRPr>
-            </a:lvl5pPr>
-            <a:lvl6pPr marL="2514600" indent="-228600" algn="l" defTabSz="914400" rtl="0" eaLnBrk="1" latinLnBrk="0" hangingPunct="1">
-              <a:spcBef>
-                <a:spcPct val="20000"/>
-              </a:spcBef>
-              <a:buFont typeface="Arial" pitchFamily="34" charset="0"/>
-              <a:buChar char="•"/>
-              <a:defRPr sz="2000" kern="1200">
-                <a:solidFill>
-                  <a:schemeClr val="tx1"/>
-                </a:solidFill>
-                <a:latin typeface="+mn-lt"/>
-                <a:ea typeface="+mn-ea"/>
-                <a:cs typeface="+mn-cs"/>
-              </a:defRPr>
-            </a:lvl6pPr>
-            <a:lvl7pPr marL="2971800" indent="-228600" algn="l" defTabSz="914400" rtl="0" eaLnBrk="1" latinLnBrk="0" hangingPunct="1">
-              <a:spcBef>
-                <a:spcPct val="20000"/>
-              </a:spcBef>
-              <a:buFont typeface="Arial" pitchFamily="34" charset="0"/>
-              <a:buChar char="•"/>
-              <a:defRPr sz="2000" kern="1200">
-                <a:solidFill>
-                  <a:schemeClr val="tx1"/>
-                </a:solidFill>
-                <a:latin typeface="+mn-lt"/>
-                <a:ea typeface="+mn-ea"/>
-                <a:cs typeface="+mn-cs"/>
-              </a:defRPr>
-            </a:lvl7pPr>
-            <a:lvl8pPr marL="3429000" indent="-228600" algn="l" defTabSz="914400" rtl="0" eaLnBrk="1" latinLnBrk="0" hangingPunct="1">
-              <a:spcBef>
-                <a:spcPct val="20000"/>
-              </a:spcBef>
-              <a:buFont typeface="Arial" pitchFamily="34" charset="0"/>
-              <a:buChar char="•"/>
-              <a:defRPr sz="2000" kern="1200">
-                <a:solidFill>
-                  <a:schemeClr val="tx1"/>
-                </a:solidFill>
-                <a:latin typeface="+mn-lt"/>
-                <a:ea typeface="+mn-ea"/>
-                <a:cs typeface="+mn-cs"/>
-              </a:defRPr>
-            </a:lvl8pPr>
-            <a:lvl9pPr marL="3886200" indent="-228600" algn="l" defTabSz="914400" rtl="0" eaLnBrk="1" latinLnBrk="0" hangingPunct="1">
-              <a:spcBef>
-                <a:spcPct val="20000"/>
-              </a:spcBef>
-              <a:buFont typeface="Arial" pitchFamily="34" charset="0"/>
-              <a:buChar char="•"/>
-              <a:defRPr sz="2000" kern="1200">
-                <a:solidFill>
-                  <a:schemeClr val="tx1"/>
-                </a:solidFill>
-                <a:latin typeface="+mn-lt"/>
-                <a:ea typeface="+mn-ea"/>
-                <a:cs typeface="+mn-cs"/>
-              </a:defRPr>
-            </a:lvl9pPr>
-          </a:lstStyle>
-          <a:p>
-            <a:pPr marL="0" indent="0" algn="ctr">
-              <a:buNone/>
-            </a:pPr>
-            <a:r>
-              <a:rPr lang="en-US" sz="2400" dirty="0">
-                <a:solidFill>
-                  <a:schemeClr val="bg1"/>
-                </a:solidFill>
-              </a:rPr>
-              <a:t>Against BCS Code</a:t>
-            </a:r>
-          </a:p>
-          <a:p>
-            <a:r>
-              <a:rPr lang="en-US" sz="2400" dirty="0">
-                <a:solidFill>
-                  <a:schemeClr val="bg1"/>
-                </a:solidFill>
-              </a:rPr>
-              <a:t>1.a failed to consider public safety</a:t>
-            </a:r>
-          </a:p>
-          <a:p>
-            <a:r>
-              <a:rPr lang="en-US" sz="2400" dirty="0">
-                <a:solidFill>
-                  <a:schemeClr val="bg1"/>
-                </a:solidFill>
-              </a:rPr>
-              <a:t>3.e He falsely claimed that his product was error-free</a:t>
-            </a:r>
-          </a:p>
-        </p:txBody>
-      </p:sp>
-      <p:sp>
-        <p:nvSpPr>
-          <p:cNvPr id="9" name="Content Placeholder 5"/>
-          <p:cNvSpPr txBox="1">
-            <a:spLocks/>
-          </p:cNvSpPr>
-          <p:nvPr/>
-        </p:nvSpPr>
-        <p:spPr>
-          <a:xfrm>
-            <a:off x="0" y="3354606"/>
-            <a:ext cx="4401207" cy="1788894"/>
-          </a:xfrm>
-          <a:prstGeom prst="rect">
-            <a:avLst/>
-          </a:prstGeom>
-          <a:blipFill dpi="0" rotWithShape="1">
-            <a:blip r:embed="rId7">
-              <a:extLst>
-                <a:ext uri="{BEBA8EAE-BF5A-486C-A8C5-ECC9F3942E4B}">
-                  <a14:imgProps xmlns:a14="http://schemas.microsoft.com/office/drawing/2010/main">
-                    <a14:imgLayer r:embed="rId6">
-                      <a14:imgEffect>
-                        <a14:artisticCutout/>
-                      </a14:imgEffect>
-                      <a14:imgEffect>
-                        <a14:colorTemperature colorTemp="11200"/>
-                      </a14:imgEffect>
-                    </a14:imgLayer>
-                  </a14:imgProps>
-                </a:ext>
-              </a:extLst>
-            </a:blip>
-            <a:srcRect/>
-            <a:tile tx="0" ty="0" sx="100000" sy="100000" flip="none" algn="tl"/>
-          </a:blipFill>
-          <a:ln>
-            <a:gradFill flip="none" rotWithShape="1">
-              <a:gsLst>
-                <a:gs pos="0">
-                  <a:schemeClr val="accent5">
-                    <a:lumMod val="89000"/>
-                  </a:schemeClr>
-                </a:gs>
-                <a:gs pos="23000">
-                  <a:schemeClr val="accent5">
-                    <a:lumMod val="89000"/>
-                  </a:schemeClr>
-                </a:gs>
-                <a:gs pos="69000">
-                  <a:schemeClr val="accent5">
-                    <a:lumMod val="75000"/>
-                  </a:schemeClr>
-                </a:gs>
-                <a:gs pos="97000">
-                  <a:schemeClr val="accent5">
-                    <a:lumMod val="70000"/>
-                  </a:schemeClr>
-                </a:gs>
-              </a:gsLst>
-              <a:path path="circle">
-                <a:fillToRect l="50000" t="50000" r="50000" b="50000"/>
-              </a:path>
-              <a:tileRect/>
-            </a:gradFill>
-          </a:ln>
-          <a:effectLst>
-            <a:glow rad="127000">
-              <a:schemeClr val="bg1">
-                <a:lumMod val="75000"/>
-              </a:schemeClr>
-            </a:glow>
-            <a:innerShdw blurRad="1270000" dist="1104900" dir="13500000">
-              <a:srgbClr val="002060">
-                <a:alpha val="50000"/>
-              </a:srgbClr>
-            </a:innerShdw>
-            <a:reflection endPos="0" dist="50800" dir="5400000" sy="-100000" algn="bl" rotWithShape="0"/>
-          </a:effectLst>
-        </p:spPr>
-        <p:txBody>
-          <a:bodyPr vert="horz" lIns="91440" tIns="45720" rIns="91440" bIns="45720" rtlCol="0">
-            <a:noAutofit/>
-          </a:bodyPr>
-          <a:lstStyle>
-            <a:lvl1pPr marL="342900" indent="-342900" algn="l" defTabSz="914400" rtl="0" eaLnBrk="1" latinLnBrk="0" hangingPunct="1">
-              <a:spcBef>
-                <a:spcPct val="20000"/>
-              </a:spcBef>
-              <a:buFont typeface="Arial" pitchFamily="34" charset="0"/>
-              <a:buChar char="•"/>
-              <a:defRPr sz="2800" kern="1200">
-                <a:solidFill>
-                  <a:schemeClr val="accent1">
-                    <a:lumMod val="50000"/>
-                  </a:schemeClr>
-                </a:solidFill>
-                <a:latin typeface="+mn-lt"/>
-                <a:ea typeface="+mn-ea"/>
-                <a:cs typeface="+mn-cs"/>
-              </a:defRPr>
-            </a:lvl1pPr>
-            <a:lvl2pPr marL="742950" indent="-285750" algn="l" defTabSz="914400" rtl="0" eaLnBrk="1" latinLnBrk="0" hangingPunct="1">
-              <a:spcBef>
-                <a:spcPct val="20000"/>
-              </a:spcBef>
-              <a:buFont typeface="Arial" pitchFamily="34" charset="0"/>
-              <a:buChar char="–"/>
-              <a:defRPr sz="2800" kern="1200">
-                <a:solidFill>
-                  <a:schemeClr val="accent1">
-                    <a:lumMod val="50000"/>
-                  </a:schemeClr>
-                </a:solidFill>
-                <a:latin typeface="+mn-lt"/>
-                <a:ea typeface="+mn-ea"/>
-                <a:cs typeface="+mn-cs"/>
-              </a:defRPr>
-            </a:lvl2pPr>
-            <a:lvl3pPr marL="1143000" indent="-228600" algn="l" defTabSz="914400" rtl="0" eaLnBrk="1" latinLnBrk="0" hangingPunct="1">
-              <a:spcBef>
-                <a:spcPct val="20000"/>
-              </a:spcBef>
-              <a:buFont typeface="Arial" pitchFamily="34" charset="0"/>
-              <a:buChar char="•"/>
-              <a:defRPr sz="2400" kern="1200">
-                <a:solidFill>
-                  <a:schemeClr val="accent1">
-                    <a:lumMod val="50000"/>
-                  </a:schemeClr>
-                </a:solidFill>
-                <a:latin typeface="+mn-lt"/>
-                <a:ea typeface="+mn-ea"/>
-                <a:cs typeface="+mn-cs"/>
-              </a:defRPr>
-            </a:lvl3pPr>
-            <a:lvl4pPr marL="1600200" indent="-228600" algn="l" defTabSz="914400" rtl="0" eaLnBrk="1" latinLnBrk="0" hangingPunct="1">
-              <a:spcBef>
-                <a:spcPct val="20000"/>
-              </a:spcBef>
-              <a:buFont typeface="Arial" pitchFamily="34" charset="0"/>
-              <a:buChar char="–"/>
-              <a:defRPr sz="2000" kern="1200">
-                <a:solidFill>
-                  <a:schemeClr val="accent1">
-                    <a:lumMod val="50000"/>
-                  </a:schemeClr>
-                </a:solidFill>
-                <a:latin typeface="+mn-lt"/>
-                <a:ea typeface="+mn-ea"/>
-                <a:cs typeface="+mn-cs"/>
-              </a:defRPr>
-            </a:lvl4pPr>
-            <a:lvl5pPr marL="2057400" indent="-228600" algn="l" defTabSz="914400" rtl="0" eaLnBrk="1" latinLnBrk="0" hangingPunct="1">
-              <a:spcBef>
-                <a:spcPct val="20000"/>
-              </a:spcBef>
-              <a:buFont typeface="Arial" pitchFamily="34" charset="0"/>
-              <a:buChar char="»"/>
-              <a:defRPr sz="2000" kern="1200">
-                <a:solidFill>
-                  <a:schemeClr val="accent1">
-                    <a:lumMod val="50000"/>
-                  </a:schemeClr>
-                </a:solidFill>
-                <a:latin typeface="+mn-lt"/>
-                <a:ea typeface="+mn-ea"/>
-                <a:cs typeface="+mn-cs"/>
-              </a:defRPr>
-            </a:lvl5pPr>
-            <a:lvl6pPr marL="2514600" indent="-228600" algn="l" defTabSz="914400" rtl="0" eaLnBrk="1" latinLnBrk="0" hangingPunct="1">
-              <a:spcBef>
-                <a:spcPct val="20000"/>
-              </a:spcBef>
-              <a:buFont typeface="Arial" pitchFamily="34" charset="0"/>
-              <a:buChar char="•"/>
-              <a:defRPr sz="2000" kern="1200">
-                <a:solidFill>
-                  <a:schemeClr val="tx1"/>
-                </a:solidFill>
-                <a:latin typeface="+mn-lt"/>
-                <a:ea typeface="+mn-ea"/>
-                <a:cs typeface="+mn-cs"/>
-              </a:defRPr>
-            </a:lvl6pPr>
-            <a:lvl7pPr marL="2971800" indent="-228600" algn="l" defTabSz="914400" rtl="0" eaLnBrk="1" latinLnBrk="0" hangingPunct="1">
-              <a:spcBef>
-                <a:spcPct val="20000"/>
-              </a:spcBef>
-              <a:buFont typeface="Arial" pitchFamily="34" charset="0"/>
-              <a:buChar char="•"/>
-              <a:defRPr sz="2000" kern="1200">
-                <a:solidFill>
-                  <a:schemeClr val="tx1"/>
-                </a:solidFill>
-                <a:latin typeface="+mn-lt"/>
-                <a:ea typeface="+mn-ea"/>
-                <a:cs typeface="+mn-cs"/>
-              </a:defRPr>
-            </a:lvl7pPr>
-            <a:lvl8pPr marL="3429000" indent="-228600" algn="l" defTabSz="914400" rtl="0" eaLnBrk="1" latinLnBrk="0" hangingPunct="1">
-              <a:spcBef>
-                <a:spcPct val="20000"/>
-              </a:spcBef>
-              <a:buFont typeface="Arial" pitchFamily="34" charset="0"/>
-              <a:buChar char="•"/>
-              <a:defRPr sz="2000" kern="1200">
-                <a:solidFill>
-                  <a:schemeClr val="tx1"/>
-                </a:solidFill>
-                <a:latin typeface="+mn-lt"/>
-                <a:ea typeface="+mn-ea"/>
-                <a:cs typeface="+mn-cs"/>
-              </a:defRPr>
-            </a:lvl8pPr>
-            <a:lvl9pPr marL="3886200" indent="-228600" algn="l" defTabSz="914400" rtl="0" eaLnBrk="1" latinLnBrk="0" hangingPunct="1">
-              <a:spcBef>
-                <a:spcPct val="20000"/>
-              </a:spcBef>
-              <a:buFont typeface="Arial" pitchFamily="34" charset="0"/>
-              <a:buChar char="•"/>
-              <a:defRPr sz="2000" kern="1200">
-                <a:solidFill>
-                  <a:schemeClr val="tx1"/>
-                </a:solidFill>
-                <a:latin typeface="+mn-lt"/>
-                <a:ea typeface="+mn-ea"/>
-                <a:cs typeface="+mn-cs"/>
-              </a:defRPr>
-            </a:lvl9pPr>
-          </a:lstStyle>
-          <a:p>
-            <a:pPr marL="0" indent="0" algn="ctr">
-              <a:buNone/>
-            </a:pPr>
-            <a:r>
-              <a:rPr lang="en-US" sz="2400" dirty="0">
-                <a:solidFill>
-                  <a:schemeClr val="bg1"/>
-                </a:solidFill>
-              </a:rPr>
-              <a:t>Against ACM Code</a:t>
-            </a:r>
-          </a:p>
-          <a:p>
-            <a:r>
-              <a:rPr lang="en-US" sz="2400" dirty="0">
-                <a:solidFill>
-                  <a:schemeClr val="bg1"/>
-                </a:solidFill>
-              </a:rPr>
-              <a:t>2.1 Encouraged his subordinates to take shortcuts</a:t>
-            </a:r>
-          </a:p>
-          <a:p>
-            <a:r>
-              <a:rPr lang="en-US" sz="2400" dirty="0">
-                <a:solidFill>
-                  <a:schemeClr val="bg1"/>
-                </a:solidFill>
-              </a:rPr>
-              <a:t>2.5 Used risky solutions</a:t>
-            </a:r>
-          </a:p>
-          <a:p>
-            <a:endParaRPr lang="en-US" sz="2400" dirty="0">
-              <a:solidFill>
-                <a:schemeClr val="bg1"/>
-              </a:solidFill>
-            </a:endParaRPr>
-          </a:p>
-        </p:txBody>
-      </p:sp>
-      <p:sp>
-        <p:nvSpPr>
-          <p:cNvPr id="4" name="Title 3">
-            <a:extLst>
-              <a:ext uri="{FF2B5EF4-FFF2-40B4-BE49-F238E27FC236}">
-                <a16:creationId xmlns:a16="http://schemas.microsoft.com/office/drawing/2014/main" id="{49D11740-4329-610F-E850-676208676A32}"/>
-              </a:ext>
-            </a:extLst>
-          </p:cNvPr>
-          <p:cNvSpPr>
-            <a:spLocks noGrp="1"/>
-          </p:cNvSpPr>
-          <p:nvPr>
-            <p:ph type="title" idx="4294967295"/>
-          </p:nvPr>
-        </p:nvSpPr>
-        <p:spPr>
-          <a:xfrm>
-            <a:off x="754375" y="128470"/>
-            <a:ext cx="8229600" cy="857250"/>
-          </a:xfrm>
-        </p:spPr>
-        <p:txBody>
-          <a:bodyPr>
-            <a:normAutofit/>
-          </a:bodyPr>
-          <a:lstStyle/>
-          <a:p>
-            <a:pPr algn="r"/>
-            <a:r>
-              <a:rPr lang="en-US" sz="3600" dirty="0">
-                <a:solidFill>
-                  <a:srgbClr val="4BACC6"/>
-                </a:solidFill>
-              </a:rPr>
-              <a:t>Ray Johnson</a:t>
-            </a:r>
-          </a:p>
-        </p:txBody>
-      </p:sp>
-    </p:spTree>
-    <p:extLst>
-      <p:ext uri="{BB962C8B-B14F-4D97-AF65-F5344CB8AC3E}">
-        <p14:creationId xmlns:p14="http://schemas.microsoft.com/office/powerpoint/2010/main" val="2821120652"/>
       </p:ext>
     </p:extLst>
   </p:cSld>

--- a/Killer Fish/Killer Robot.pptx
+++ b/Killer Fish/Killer Robot.pptx
@@ -5,26 +5,25 @@
     <p:sldMasterId id="2147483648" r:id="rId1"/>
   </p:sldMasterIdLst>
   <p:notesMasterIdLst>
-    <p:notesMasterId r:id="rId19"/>
+    <p:notesMasterId r:id="rId18"/>
   </p:notesMasterIdLst>
   <p:sldIdLst>
     <p:sldId id="256" r:id="rId2"/>
-    <p:sldId id="277" r:id="rId3"/>
-    <p:sldId id="276" r:id="rId4"/>
-    <p:sldId id="274" r:id="rId5"/>
-    <p:sldId id="257" r:id="rId6"/>
-    <p:sldId id="259" r:id="rId7"/>
-    <p:sldId id="258" r:id="rId8"/>
-    <p:sldId id="270" r:id="rId9"/>
-    <p:sldId id="262" r:id="rId10"/>
-    <p:sldId id="268" r:id="rId11"/>
-    <p:sldId id="269" r:id="rId12"/>
-    <p:sldId id="265" r:id="rId13"/>
-    <p:sldId id="271" r:id="rId14"/>
-    <p:sldId id="267" r:id="rId15"/>
-    <p:sldId id="275" r:id="rId16"/>
-    <p:sldId id="272" r:id="rId17"/>
-    <p:sldId id="273" r:id="rId18"/>
+    <p:sldId id="276" r:id="rId3"/>
+    <p:sldId id="274" r:id="rId4"/>
+    <p:sldId id="257" r:id="rId5"/>
+    <p:sldId id="259" r:id="rId6"/>
+    <p:sldId id="258" r:id="rId7"/>
+    <p:sldId id="270" r:id="rId8"/>
+    <p:sldId id="262" r:id="rId9"/>
+    <p:sldId id="268" r:id="rId10"/>
+    <p:sldId id="269" r:id="rId11"/>
+    <p:sldId id="265" r:id="rId12"/>
+    <p:sldId id="271" r:id="rId13"/>
+    <p:sldId id="267" r:id="rId14"/>
+    <p:sldId id="275" r:id="rId15"/>
+    <p:sldId id="272" r:id="rId16"/>
+    <p:sldId id="273" r:id="rId17"/>
   </p:sldIdLst>
   <p:sldSz cx="9144000" cy="5143500" type="screen16x9"/>
   <p:notesSz cx="6858000" cy="9144000"/>
@@ -556,7 +555,7 @@
           <a:p>
             <a:fld id="{AF533E96-F078-4B3D-A8F4-F1AF21EBC357}" type="slidenum">
               <a:rPr lang="en-US" smtClean="0"/>
-              <a:t>5</a:t>
+              <a:t>4</a:t>
             </a:fld>
             <a:endParaRPr lang="en-US"/>
           </a:p>
@@ -640,7 +639,7 @@
           <a:p>
             <a:fld id="{AF533E96-F078-4B3D-A8F4-F1AF21EBC357}" type="slidenum">
               <a:rPr lang="en-US" smtClean="0"/>
-              <a:t>8</a:t>
+              <a:t>7</a:t>
             </a:fld>
             <a:endParaRPr lang="en-US"/>
           </a:p>
@@ -724,7 +723,7 @@
           <a:p>
             <a:fld id="{AF533E96-F078-4B3D-A8F4-F1AF21EBC357}" type="slidenum">
               <a:rPr lang="en-US" smtClean="0"/>
-              <a:t>9</a:t>
+              <a:t>8</a:t>
             </a:fld>
             <a:endParaRPr lang="en-US"/>
           </a:p>
@@ -808,7 +807,7 @@
           <a:p>
             <a:fld id="{AF533E96-F078-4B3D-A8F4-F1AF21EBC357}" type="slidenum">
               <a:rPr lang="en-US" smtClean="0"/>
-              <a:t>10</a:t>
+              <a:t>9</a:t>
             </a:fld>
             <a:endParaRPr lang="en-US"/>
           </a:p>
@@ -892,7 +891,7 @@
           <a:p>
             <a:fld id="{AF533E96-F078-4B3D-A8F4-F1AF21EBC357}" type="slidenum">
               <a:rPr lang="en-US" smtClean="0"/>
-              <a:t>14</a:t>
+              <a:t>13</a:t>
             </a:fld>
             <a:endParaRPr lang="en-US"/>
           </a:p>
@@ -4710,920 +4709,6 @@
       </p:grpSpPr>
       <p:sp>
         <p:nvSpPr>
-          <p:cNvPr id="2" name="Content Placeholder 5"/>
-          <p:cNvSpPr txBox="1">
-            <a:spLocks/>
-          </p:cNvSpPr>
-          <p:nvPr/>
-        </p:nvSpPr>
-        <p:spPr>
-          <a:xfrm>
-            <a:off x="1" y="1197405"/>
-            <a:ext cx="6228364" cy="2137870"/>
-          </a:xfrm>
-          <a:prstGeom prst="rect">
-            <a:avLst/>
-          </a:prstGeom>
-          <a:blipFill dpi="0" rotWithShape="1">
-            <a:blip r:embed="rId3"/>
-            <a:srcRect/>
-            <a:tile tx="0" ty="0" sx="100000" sy="100000" flip="none" algn="tl"/>
-          </a:blipFill>
-          <a:ln>
-            <a:gradFill flip="none" rotWithShape="1">
-              <a:gsLst>
-                <a:gs pos="0">
-                  <a:schemeClr val="accent5">
-                    <a:lumMod val="89000"/>
-                  </a:schemeClr>
-                </a:gs>
-                <a:gs pos="23000">
-                  <a:schemeClr val="accent5">
-                    <a:lumMod val="89000"/>
-                  </a:schemeClr>
-                </a:gs>
-                <a:gs pos="69000">
-                  <a:schemeClr val="accent5">
-                    <a:lumMod val="75000"/>
-                  </a:schemeClr>
-                </a:gs>
-                <a:gs pos="97000">
-                  <a:schemeClr val="accent5">
-                    <a:lumMod val="70000"/>
-                  </a:schemeClr>
-                </a:gs>
-              </a:gsLst>
-              <a:path path="circle">
-                <a:fillToRect l="50000" t="50000" r="50000" b="50000"/>
-              </a:path>
-              <a:tileRect/>
-            </a:gradFill>
-          </a:ln>
-          <a:effectLst>
-            <a:glow rad="127000">
-              <a:srgbClr val="FFFF00"/>
-            </a:glow>
-            <a:innerShdw blurRad="63500" dist="50800" dir="13500000">
-              <a:prstClr val="black">
-                <a:alpha val="50000"/>
-              </a:prstClr>
-            </a:innerShdw>
-          </a:effectLst>
-        </p:spPr>
-        <p:txBody>
-          <a:bodyPr>
-            <a:noAutofit/>
-          </a:bodyPr>
-          <a:lstStyle>
-            <a:lvl1pPr marL="342900" indent="-342900" algn="l" defTabSz="914400" rtl="0" eaLnBrk="1" latinLnBrk="0" hangingPunct="1">
-              <a:spcBef>
-                <a:spcPct val="20000"/>
-              </a:spcBef>
-              <a:buFont typeface="Arial" pitchFamily="34" charset="0"/>
-              <a:buChar char="•"/>
-              <a:defRPr sz="3200" kern="1200">
-                <a:solidFill>
-                  <a:schemeClr val="tx1"/>
-                </a:solidFill>
-                <a:latin typeface="+mn-lt"/>
-                <a:ea typeface="+mn-ea"/>
-                <a:cs typeface="+mn-cs"/>
-              </a:defRPr>
-            </a:lvl1pPr>
-            <a:lvl2pPr marL="742950" indent="-285750" algn="l" defTabSz="914400" rtl="0" eaLnBrk="1" latinLnBrk="0" hangingPunct="1">
-              <a:spcBef>
-                <a:spcPct val="20000"/>
-              </a:spcBef>
-              <a:buFont typeface="Arial" pitchFamily="34" charset="0"/>
-              <a:buChar char="–"/>
-              <a:defRPr sz="2800" kern="1200">
-                <a:solidFill>
-                  <a:schemeClr val="tx1"/>
-                </a:solidFill>
-                <a:latin typeface="+mn-lt"/>
-                <a:ea typeface="+mn-ea"/>
-                <a:cs typeface="+mn-cs"/>
-              </a:defRPr>
-            </a:lvl2pPr>
-            <a:lvl3pPr marL="1143000" indent="-228600" algn="l" defTabSz="914400" rtl="0" eaLnBrk="1" latinLnBrk="0" hangingPunct="1">
-              <a:spcBef>
-                <a:spcPct val="20000"/>
-              </a:spcBef>
-              <a:buFont typeface="Arial" pitchFamily="34" charset="0"/>
-              <a:buChar char="•"/>
-              <a:defRPr sz="2400" kern="1200">
-                <a:solidFill>
-                  <a:schemeClr val="tx1"/>
-                </a:solidFill>
-                <a:latin typeface="+mn-lt"/>
-                <a:ea typeface="+mn-ea"/>
-                <a:cs typeface="+mn-cs"/>
-              </a:defRPr>
-            </a:lvl3pPr>
-            <a:lvl4pPr marL="1600200" indent="-228600" algn="l" defTabSz="914400" rtl="0" eaLnBrk="1" latinLnBrk="0" hangingPunct="1">
-              <a:spcBef>
-                <a:spcPct val="20000"/>
-              </a:spcBef>
-              <a:buFont typeface="Arial" pitchFamily="34" charset="0"/>
-              <a:buChar char="–"/>
-              <a:defRPr sz="2000" kern="1200">
-                <a:solidFill>
-                  <a:schemeClr val="tx1"/>
-                </a:solidFill>
-                <a:latin typeface="+mn-lt"/>
-                <a:ea typeface="+mn-ea"/>
-                <a:cs typeface="+mn-cs"/>
-              </a:defRPr>
-            </a:lvl4pPr>
-            <a:lvl5pPr marL="2057400" indent="-228600" algn="l" defTabSz="914400" rtl="0" eaLnBrk="1" latinLnBrk="0" hangingPunct="1">
-              <a:spcBef>
-                <a:spcPct val="20000"/>
-              </a:spcBef>
-              <a:buFont typeface="Arial" pitchFamily="34" charset="0"/>
-              <a:buChar char="»"/>
-              <a:defRPr sz="2000" kern="1200">
-                <a:solidFill>
-                  <a:schemeClr val="tx1"/>
-                </a:solidFill>
-                <a:latin typeface="+mn-lt"/>
-                <a:ea typeface="+mn-ea"/>
-                <a:cs typeface="+mn-cs"/>
-              </a:defRPr>
-            </a:lvl5pPr>
-            <a:lvl6pPr marL="2514600" indent="-228600" algn="l" defTabSz="914400" rtl="0" eaLnBrk="1" latinLnBrk="0" hangingPunct="1">
-              <a:spcBef>
-                <a:spcPct val="20000"/>
-              </a:spcBef>
-              <a:buFont typeface="Arial" pitchFamily="34" charset="0"/>
-              <a:buChar char="•"/>
-              <a:defRPr sz="2000" kern="1200">
-                <a:solidFill>
-                  <a:schemeClr val="tx1"/>
-                </a:solidFill>
-                <a:latin typeface="+mn-lt"/>
-                <a:ea typeface="+mn-ea"/>
-                <a:cs typeface="+mn-cs"/>
-              </a:defRPr>
-            </a:lvl6pPr>
-            <a:lvl7pPr marL="2971800" indent="-228600" algn="l" defTabSz="914400" rtl="0" eaLnBrk="1" latinLnBrk="0" hangingPunct="1">
-              <a:spcBef>
-                <a:spcPct val="20000"/>
-              </a:spcBef>
-              <a:buFont typeface="Arial" pitchFamily="34" charset="0"/>
-              <a:buChar char="•"/>
-              <a:defRPr sz="2000" kern="1200">
-                <a:solidFill>
-                  <a:schemeClr val="tx1"/>
-                </a:solidFill>
-                <a:latin typeface="+mn-lt"/>
-                <a:ea typeface="+mn-ea"/>
-                <a:cs typeface="+mn-cs"/>
-              </a:defRPr>
-            </a:lvl7pPr>
-            <a:lvl8pPr marL="3429000" indent="-228600" algn="l" defTabSz="914400" rtl="0" eaLnBrk="1" latinLnBrk="0" hangingPunct="1">
-              <a:spcBef>
-                <a:spcPct val="20000"/>
-              </a:spcBef>
-              <a:buFont typeface="Arial" pitchFamily="34" charset="0"/>
-              <a:buChar char="•"/>
-              <a:defRPr sz="2000" kern="1200">
-                <a:solidFill>
-                  <a:schemeClr val="tx1"/>
-                </a:solidFill>
-                <a:latin typeface="+mn-lt"/>
-                <a:ea typeface="+mn-ea"/>
-                <a:cs typeface="+mn-cs"/>
-              </a:defRPr>
-            </a:lvl8pPr>
-            <a:lvl9pPr marL="3886200" indent="-228600" algn="l" defTabSz="914400" rtl="0" eaLnBrk="1" latinLnBrk="0" hangingPunct="1">
-              <a:spcBef>
-                <a:spcPct val="20000"/>
-              </a:spcBef>
-              <a:buFont typeface="Arial" pitchFamily="34" charset="0"/>
-              <a:buChar char="•"/>
-              <a:defRPr sz="2000" kern="1200">
-                <a:solidFill>
-                  <a:schemeClr val="tx1"/>
-                </a:solidFill>
-                <a:latin typeface="+mn-lt"/>
-                <a:ea typeface="+mn-ea"/>
-                <a:cs typeface="+mn-cs"/>
-              </a:defRPr>
-            </a:lvl9pPr>
-          </a:lstStyle>
-          <a:p>
-            <a:pPr algn="just"/>
-            <a:r>
-              <a:rPr lang="en-US" sz="2400" dirty="0">
-                <a:solidFill>
-                  <a:schemeClr val="bg1"/>
-                </a:solidFill>
-              </a:rPr>
-              <a:t>Robotics Division chief at Silicon Techtronic</a:t>
-            </a:r>
-          </a:p>
-          <a:p>
-            <a:pPr algn="just"/>
-            <a:r>
-              <a:rPr lang="en-US" sz="2400" dirty="0">
-                <a:solidFill>
-                  <a:schemeClr val="bg1"/>
-                </a:solidFill>
-              </a:rPr>
-              <a:t>Bringing an emotional or personal conflict into a work setting (Sam Reynolds)</a:t>
-            </a:r>
-          </a:p>
-          <a:p>
-            <a:pPr algn="just"/>
-            <a:r>
-              <a:rPr lang="en-US" sz="2400" dirty="0">
-                <a:solidFill>
-                  <a:schemeClr val="bg1"/>
-                </a:solidFill>
-              </a:rPr>
-              <a:t>Placing a lot of pressure on the team</a:t>
-            </a:r>
-          </a:p>
-          <a:p>
-            <a:pPr algn="just"/>
-            <a:endParaRPr lang="en-US" sz="2400" dirty="0">
-              <a:solidFill>
-                <a:schemeClr val="bg1"/>
-              </a:solidFill>
-            </a:endParaRPr>
-          </a:p>
-          <a:p>
-            <a:pPr algn="just"/>
-            <a:endParaRPr lang="en-US" sz="2400" dirty="0">
-              <a:solidFill>
-                <a:schemeClr val="bg1"/>
-              </a:solidFill>
-            </a:endParaRPr>
-          </a:p>
-          <a:p>
-            <a:pPr algn="just"/>
-            <a:endParaRPr lang="en-US" sz="2400" dirty="0">
-              <a:solidFill>
-                <a:schemeClr val="bg1"/>
-              </a:solidFill>
-            </a:endParaRPr>
-          </a:p>
-        </p:txBody>
-      </p:sp>
-      <p:pic>
-        <p:nvPicPr>
-          <p:cNvPr id="5" name="Picture 4"/>
-          <p:cNvPicPr>
-            <a:picLocks noChangeAspect="1"/>
-          </p:cNvPicPr>
-          <p:nvPr/>
-        </p:nvPicPr>
-        <p:blipFill>
-          <a:blip r:embed="rId4">
-            <a:extLst>
-              <a:ext uri="{28A0092B-C50C-407E-A947-70E740481C1C}">
-                <a14:useLocalDpi xmlns:a14="http://schemas.microsoft.com/office/drawing/2010/main" val="0"/>
-              </a:ext>
-            </a:extLst>
-          </a:blip>
-          <a:stretch>
-            <a:fillRect/>
-          </a:stretch>
-        </p:blipFill>
-        <p:spPr>
-          <a:xfrm>
-            <a:off x="6228365" y="1197405"/>
-            <a:ext cx="2915635" cy="2137870"/>
-          </a:xfrm>
-          <a:prstGeom prst="rect">
-            <a:avLst/>
-          </a:prstGeom>
-          <a:effectLst>
-            <a:glow rad="139700">
-              <a:schemeClr val="accent1">
-                <a:satMod val="175000"/>
-                <a:alpha val="40000"/>
-              </a:schemeClr>
-            </a:glow>
-            <a:outerShdw blurRad="50800" dist="50800" dir="5400000" algn="ctr" rotWithShape="0">
-              <a:srgbClr val="000000">
-                <a:alpha val="98000"/>
-              </a:srgbClr>
-            </a:outerShdw>
-          </a:effectLst>
-        </p:spPr>
-      </p:pic>
-      <p:sp>
-        <p:nvSpPr>
-          <p:cNvPr id="8" name="Content Placeholder 5"/>
-          <p:cNvSpPr txBox="1">
-            <a:spLocks/>
-          </p:cNvSpPr>
-          <p:nvPr/>
-        </p:nvSpPr>
-        <p:spPr>
-          <a:xfrm>
-            <a:off x="4392387" y="3354606"/>
-            <a:ext cx="4751614" cy="1788894"/>
-          </a:xfrm>
-          <a:prstGeom prst="rect">
-            <a:avLst/>
-          </a:prstGeom>
-          <a:blipFill dpi="0" rotWithShape="1">
-            <a:blip r:embed="rId5">
-              <a:extLst>
-                <a:ext uri="{BEBA8EAE-BF5A-486C-A8C5-ECC9F3942E4B}">
-                  <a14:imgProps xmlns:a14="http://schemas.microsoft.com/office/drawing/2010/main">
-                    <a14:imgLayer r:embed="rId6">
-                      <a14:imgEffect>
-                        <a14:artisticBlur/>
-                      </a14:imgEffect>
-                      <a14:imgEffect>
-                        <a14:colorTemperature colorTemp="11200"/>
-                      </a14:imgEffect>
-                    </a14:imgLayer>
-                  </a14:imgProps>
-                </a:ext>
-              </a:extLst>
-            </a:blip>
-            <a:srcRect/>
-            <a:tile tx="0" ty="0" sx="100000" sy="100000" flip="none" algn="tl"/>
-          </a:blipFill>
-          <a:ln>
-            <a:gradFill flip="none" rotWithShape="1">
-              <a:gsLst>
-                <a:gs pos="0">
-                  <a:schemeClr val="accent5">
-                    <a:lumMod val="89000"/>
-                  </a:schemeClr>
-                </a:gs>
-                <a:gs pos="23000">
-                  <a:schemeClr val="accent5">
-                    <a:lumMod val="89000"/>
-                  </a:schemeClr>
-                </a:gs>
-                <a:gs pos="69000">
-                  <a:schemeClr val="accent5">
-                    <a:lumMod val="75000"/>
-                  </a:schemeClr>
-                </a:gs>
-                <a:gs pos="97000">
-                  <a:schemeClr val="accent5">
-                    <a:lumMod val="70000"/>
-                  </a:schemeClr>
-                </a:gs>
-              </a:gsLst>
-              <a:path path="circle">
-                <a:fillToRect l="50000" t="50000" r="50000" b="50000"/>
-              </a:path>
-              <a:tileRect/>
-            </a:gradFill>
-          </a:ln>
-          <a:effectLst>
-            <a:glow rad="127000">
-              <a:schemeClr val="accent6">
-                <a:lumMod val="60000"/>
-                <a:lumOff val="40000"/>
-              </a:schemeClr>
-            </a:glow>
-            <a:innerShdw blurRad="63500" dist="50800" dir="13500000">
-              <a:prstClr val="black">
-                <a:alpha val="50000"/>
-              </a:prstClr>
-            </a:innerShdw>
-          </a:effectLst>
-        </p:spPr>
-        <p:txBody>
-          <a:bodyPr vert="horz" lIns="91440" tIns="45720" rIns="91440" bIns="45720" rtlCol="0">
-            <a:noAutofit/>
-          </a:bodyPr>
-          <a:lstStyle>
-            <a:lvl1pPr marL="342900" indent="-342900" algn="l" defTabSz="914400" rtl="0" eaLnBrk="1" latinLnBrk="0" hangingPunct="1">
-              <a:spcBef>
-                <a:spcPct val="20000"/>
-              </a:spcBef>
-              <a:buFont typeface="Arial" pitchFamily="34" charset="0"/>
-              <a:buChar char="•"/>
-              <a:defRPr sz="2800" kern="1200">
-                <a:solidFill>
-                  <a:schemeClr val="accent1">
-                    <a:lumMod val="50000"/>
-                  </a:schemeClr>
-                </a:solidFill>
-                <a:latin typeface="+mn-lt"/>
-                <a:ea typeface="+mn-ea"/>
-                <a:cs typeface="+mn-cs"/>
-              </a:defRPr>
-            </a:lvl1pPr>
-            <a:lvl2pPr marL="742950" indent="-285750" algn="l" defTabSz="914400" rtl="0" eaLnBrk="1" latinLnBrk="0" hangingPunct="1">
-              <a:spcBef>
-                <a:spcPct val="20000"/>
-              </a:spcBef>
-              <a:buFont typeface="Arial" pitchFamily="34" charset="0"/>
-              <a:buChar char="–"/>
-              <a:defRPr sz="2800" kern="1200">
-                <a:solidFill>
-                  <a:schemeClr val="accent1">
-                    <a:lumMod val="50000"/>
-                  </a:schemeClr>
-                </a:solidFill>
-                <a:latin typeface="+mn-lt"/>
-                <a:ea typeface="+mn-ea"/>
-                <a:cs typeface="+mn-cs"/>
-              </a:defRPr>
-            </a:lvl2pPr>
-            <a:lvl3pPr marL="1143000" indent="-228600" algn="l" defTabSz="914400" rtl="0" eaLnBrk="1" latinLnBrk="0" hangingPunct="1">
-              <a:spcBef>
-                <a:spcPct val="20000"/>
-              </a:spcBef>
-              <a:buFont typeface="Arial" pitchFamily="34" charset="0"/>
-              <a:buChar char="•"/>
-              <a:defRPr sz="2400" kern="1200">
-                <a:solidFill>
-                  <a:schemeClr val="accent1">
-                    <a:lumMod val="50000"/>
-                  </a:schemeClr>
-                </a:solidFill>
-                <a:latin typeface="+mn-lt"/>
-                <a:ea typeface="+mn-ea"/>
-                <a:cs typeface="+mn-cs"/>
-              </a:defRPr>
-            </a:lvl3pPr>
-            <a:lvl4pPr marL="1600200" indent="-228600" algn="l" defTabSz="914400" rtl="0" eaLnBrk="1" latinLnBrk="0" hangingPunct="1">
-              <a:spcBef>
-                <a:spcPct val="20000"/>
-              </a:spcBef>
-              <a:buFont typeface="Arial" pitchFamily="34" charset="0"/>
-              <a:buChar char="–"/>
-              <a:defRPr sz="2000" kern="1200">
-                <a:solidFill>
-                  <a:schemeClr val="accent1">
-                    <a:lumMod val="50000"/>
-                  </a:schemeClr>
-                </a:solidFill>
-                <a:latin typeface="+mn-lt"/>
-                <a:ea typeface="+mn-ea"/>
-                <a:cs typeface="+mn-cs"/>
-              </a:defRPr>
-            </a:lvl4pPr>
-            <a:lvl5pPr marL="2057400" indent="-228600" algn="l" defTabSz="914400" rtl="0" eaLnBrk="1" latinLnBrk="0" hangingPunct="1">
-              <a:spcBef>
-                <a:spcPct val="20000"/>
-              </a:spcBef>
-              <a:buFont typeface="Arial" pitchFamily="34" charset="0"/>
-              <a:buChar char="»"/>
-              <a:defRPr sz="2000" kern="1200">
-                <a:solidFill>
-                  <a:schemeClr val="accent1">
-                    <a:lumMod val="50000"/>
-                  </a:schemeClr>
-                </a:solidFill>
-                <a:latin typeface="+mn-lt"/>
-                <a:ea typeface="+mn-ea"/>
-                <a:cs typeface="+mn-cs"/>
-              </a:defRPr>
-            </a:lvl5pPr>
-            <a:lvl6pPr marL="2514600" indent="-228600" algn="l" defTabSz="914400" rtl="0" eaLnBrk="1" latinLnBrk="0" hangingPunct="1">
-              <a:spcBef>
-                <a:spcPct val="20000"/>
-              </a:spcBef>
-              <a:buFont typeface="Arial" pitchFamily="34" charset="0"/>
-              <a:buChar char="•"/>
-              <a:defRPr sz="2000" kern="1200">
-                <a:solidFill>
-                  <a:schemeClr val="tx1"/>
-                </a:solidFill>
-                <a:latin typeface="+mn-lt"/>
-                <a:ea typeface="+mn-ea"/>
-                <a:cs typeface="+mn-cs"/>
-              </a:defRPr>
-            </a:lvl6pPr>
-            <a:lvl7pPr marL="2971800" indent="-228600" algn="l" defTabSz="914400" rtl="0" eaLnBrk="1" latinLnBrk="0" hangingPunct="1">
-              <a:spcBef>
-                <a:spcPct val="20000"/>
-              </a:spcBef>
-              <a:buFont typeface="Arial" pitchFamily="34" charset="0"/>
-              <a:buChar char="•"/>
-              <a:defRPr sz="2000" kern="1200">
-                <a:solidFill>
-                  <a:schemeClr val="tx1"/>
-                </a:solidFill>
-                <a:latin typeface="+mn-lt"/>
-                <a:ea typeface="+mn-ea"/>
-                <a:cs typeface="+mn-cs"/>
-              </a:defRPr>
-            </a:lvl7pPr>
-            <a:lvl8pPr marL="3429000" indent="-228600" algn="l" defTabSz="914400" rtl="0" eaLnBrk="1" latinLnBrk="0" hangingPunct="1">
-              <a:spcBef>
-                <a:spcPct val="20000"/>
-              </a:spcBef>
-              <a:buFont typeface="Arial" pitchFamily="34" charset="0"/>
-              <a:buChar char="•"/>
-              <a:defRPr sz="2000" kern="1200">
-                <a:solidFill>
-                  <a:schemeClr val="tx1"/>
-                </a:solidFill>
-                <a:latin typeface="+mn-lt"/>
-                <a:ea typeface="+mn-ea"/>
-                <a:cs typeface="+mn-cs"/>
-              </a:defRPr>
-            </a:lvl8pPr>
-            <a:lvl9pPr marL="3886200" indent="-228600" algn="l" defTabSz="914400" rtl="0" eaLnBrk="1" latinLnBrk="0" hangingPunct="1">
-              <a:spcBef>
-                <a:spcPct val="20000"/>
-              </a:spcBef>
-              <a:buFont typeface="Arial" pitchFamily="34" charset="0"/>
-              <a:buChar char="•"/>
-              <a:defRPr sz="2000" kern="1200">
-                <a:solidFill>
-                  <a:schemeClr val="tx1"/>
-                </a:solidFill>
-                <a:latin typeface="+mn-lt"/>
-                <a:ea typeface="+mn-ea"/>
-                <a:cs typeface="+mn-cs"/>
-              </a:defRPr>
-            </a:lvl9pPr>
-          </a:lstStyle>
-          <a:p>
-            <a:pPr marL="0" indent="0" algn="ctr">
-              <a:buNone/>
-            </a:pPr>
-            <a:r>
-              <a:rPr lang="en-US" sz="2400" dirty="0">
-                <a:solidFill>
-                  <a:schemeClr val="bg1"/>
-                </a:solidFill>
-              </a:rPr>
-              <a:t>Against BCS Code</a:t>
-            </a:r>
-          </a:p>
-          <a:p>
-            <a:r>
-              <a:rPr lang="en-US" sz="2400" dirty="0">
-                <a:solidFill>
-                  <a:schemeClr val="bg1"/>
-                </a:solidFill>
-              </a:rPr>
-              <a:t>1.a failed to consider public safety</a:t>
-            </a:r>
-          </a:p>
-          <a:p>
-            <a:r>
-              <a:rPr lang="en-US" sz="2400" dirty="0">
-                <a:solidFill>
-                  <a:schemeClr val="bg1"/>
-                </a:solidFill>
-              </a:rPr>
-              <a:t>3.e He falsely claimed that his product was error-free</a:t>
-            </a:r>
-          </a:p>
-        </p:txBody>
-      </p:sp>
-      <p:sp>
-        <p:nvSpPr>
-          <p:cNvPr id="9" name="Content Placeholder 5"/>
-          <p:cNvSpPr txBox="1">
-            <a:spLocks/>
-          </p:cNvSpPr>
-          <p:nvPr/>
-        </p:nvSpPr>
-        <p:spPr>
-          <a:xfrm>
-            <a:off x="0" y="3354606"/>
-            <a:ext cx="4401207" cy="1788894"/>
-          </a:xfrm>
-          <a:prstGeom prst="rect">
-            <a:avLst/>
-          </a:prstGeom>
-          <a:blipFill dpi="0" rotWithShape="1">
-            <a:blip r:embed="rId7">
-              <a:extLst>
-                <a:ext uri="{BEBA8EAE-BF5A-486C-A8C5-ECC9F3942E4B}">
-                  <a14:imgProps xmlns:a14="http://schemas.microsoft.com/office/drawing/2010/main">
-                    <a14:imgLayer r:embed="rId6">
-                      <a14:imgEffect>
-                        <a14:artisticCutout/>
-                      </a14:imgEffect>
-                      <a14:imgEffect>
-                        <a14:colorTemperature colorTemp="11200"/>
-                      </a14:imgEffect>
-                    </a14:imgLayer>
-                  </a14:imgProps>
-                </a:ext>
-              </a:extLst>
-            </a:blip>
-            <a:srcRect/>
-            <a:tile tx="0" ty="0" sx="100000" sy="100000" flip="none" algn="tl"/>
-          </a:blipFill>
-          <a:ln>
-            <a:gradFill flip="none" rotWithShape="1">
-              <a:gsLst>
-                <a:gs pos="0">
-                  <a:schemeClr val="accent5">
-                    <a:lumMod val="89000"/>
-                  </a:schemeClr>
-                </a:gs>
-                <a:gs pos="23000">
-                  <a:schemeClr val="accent5">
-                    <a:lumMod val="89000"/>
-                  </a:schemeClr>
-                </a:gs>
-                <a:gs pos="69000">
-                  <a:schemeClr val="accent5">
-                    <a:lumMod val="75000"/>
-                  </a:schemeClr>
-                </a:gs>
-                <a:gs pos="97000">
-                  <a:schemeClr val="accent5">
-                    <a:lumMod val="70000"/>
-                  </a:schemeClr>
-                </a:gs>
-              </a:gsLst>
-              <a:path path="circle">
-                <a:fillToRect l="50000" t="50000" r="50000" b="50000"/>
-              </a:path>
-              <a:tileRect/>
-            </a:gradFill>
-          </a:ln>
-          <a:effectLst>
-            <a:glow rad="127000">
-              <a:schemeClr val="bg1">
-                <a:lumMod val="75000"/>
-              </a:schemeClr>
-            </a:glow>
-            <a:innerShdw blurRad="1270000" dist="1104900" dir="13500000">
-              <a:srgbClr val="002060">
-                <a:alpha val="50000"/>
-              </a:srgbClr>
-            </a:innerShdw>
-            <a:reflection endPos="0" dist="50800" dir="5400000" sy="-100000" algn="bl" rotWithShape="0"/>
-          </a:effectLst>
-        </p:spPr>
-        <p:txBody>
-          <a:bodyPr vert="horz" lIns="91440" tIns="45720" rIns="91440" bIns="45720" rtlCol="0">
-            <a:noAutofit/>
-          </a:bodyPr>
-          <a:lstStyle>
-            <a:lvl1pPr marL="342900" indent="-342900" algn="l" defTabSz="914400" rtl="0" eaLnBrk="1" latinLnBrk="0" hangingPunct="1">
-              <a:spcBef>
-                <a:spcPct val="20000"/>
-              </a:spcBef>
-              <a:buFont typeface="Arial" pitchFamily="34" charset="0"/>
-              <a:buChar char="•"/>
-              <a:defRPr sz="2800" kern="1200">
-                <a:solidFill>
-                  <a:schemeClr val="accent1">
-                    <a:lumMod val="50000"/>
-                  </a:schemeClr>
-                </a:solidFill>
-                <a:latin typeface="+mn-lt"/>
-                <a:ea typeface="+mn-ea"/>
-                <a:cs typeface="+mn-cs"/>
-              </a:defRPr>
-            </a:lvl1pPr>
-            <a:lvl2pPr marL="742950" indent="-285750" algn="l" defTabSz="914400" rtl="0" eaLnBrk="1" latinLnBrk="0" hangingPunct="1">
-              <a:spcBef>
-                <a:spcPct val="20000"/>
-              </a:spcBef>
-              <a:buFont typeface="Arial" pitchFamily="34" charset="0"/>
-              <a:buChar char="–"/>
-              <a:defRPr sz="2800" kern="1200">
-                <a:solidFill>
-                  <a:schemeClr val="accent1">
-                    <a:lumMod val="50000"/>
-                  </a:schemeClr>
-                </a:solidFill>
-                <a:latin typeface="+mn-lt"/>
-                <a:ea typeface="+mn-ea"/>
-                <a:cs typeface="+mn-cs"/>
-              </a:defRPr>
-            </a:lvl2pPr>
-            <a:lvl3pPr marL="1143000" indent="-228600" algn="l" defTabSz="914400" rtl="0" eaLnBrk="1" latinLnBrk="0" hangingPunct="1">
-              <a:spcBef>
-                <a:spcPct val="20000"/>
-              </a:spcBef>
-              <a:buFont typeface="Arial" pitchFamily="34" charset="0"/>
-              <a:buChar char="•"/>
-              <a:defRPr sz="2400" kern="1200">
-                <a:solidFill>
-                  <a:schemeClr val="accent1">
-                    <a:lumMod val="50000"/>
-                  </a:schemeClr>
-                </a:solidFill>
-                <a:latin typeface="+mn-lt"/>
-                <a:ea typeface="+mn-ea"/>
-                <a:cs typeface="+mn-cs"/>
-              </a:defRPr>
-            </a:lvl3pPr>
-            <a:lvl4pPr marL="1600200" indent="-228600" algn="l" defTabSz="914400" rtl="0" eaLnBrk="1" latinLnBrk="0" hangingPunct="1">
-              <a:spcBef>
-                <a:spcPct val="20000"/>
-              </a:spcBef>
-              <a:buFont typeface="Arial" pitchFamily="34" charset="0"/>
-              <a:buChar char="–"/>
-              <a:defRPr sz="2000" kern="1200">
-                <a:solidFill>
-                  <a:schemeClr val="accent1">
-                    <a:lumMod val="50000"/>
-                  </a:schemeClr>
-                </a:solidFill>
-                <a:latin typeface="+mn-lt"/>
-                <a:ea typeface="+mn-ea"/>
-                <a:cs typeface="+mn-cs"/>
-              </a:defRPr>
-            </a:lvl4pPr>
-            <a:lvl5pPr marL="2057400" indent="-228600" algn="l" defTabSz="914400" rtl="0" eaLnBrk="1" latinLnBrk="0" hangingPunct="1">
-              <a:spcBef>
-                <a:spcPct val="20000"/>
-              </a:spcBef>
-              <a:buFont typeface="Arial" pitchFamily="34" charset="0"/>
-              <a:buChar char="»"/>
-              <a:defRPr sz="2000" kern="1200">
-                <a:solidFill>
-                  <a:schemeClr val="accent1">
-                    <a:lumMod val="50000"/>
-                  </a:schemeClr>
-                </a:solidFill>
-                <a:latin typeface="+mn-lt"/>
-                <a:ea typeface="+mn-ea"/>
-                <a:cs typeface="+mn-cs"/>
-              </a:defRPr>
-            </a:lvl5pPr>
-            <a:lvl6pPr marL="2514600" indent="-228600" algn="l" defTabSz="914400" rtl="0" eaLnBrk="1" latinLnBrk="0" hangingPunct="1">
-              <a:spcBef>
-                <a:spcPct val="20000"/>
-              </a:spcBef>
-              <a:buFont typeface="Arial" pitchFamily="34" charset="0"/>
-              <a:buChar char="•"/>
-              <a:defRPr sz="2000" kern="1200">
-                <a:solidFill>
-                  <a:schemeClr val="tx1"/>
-                </a:solidFill>
-                <a:latin typeface="+mn-lt"/>
-                <a:ea typeface="+mn-ea"/>
-                <a:cs typeface="+mn-cs"/>
-              </a:defRPr>
-            </a:lvl6pPr>
-            <a:lvl7pPr marL="2971800" indent="-228600" algn="l" defTabSz="914400" rtl="0" eaLnBrk="1" latinLnBrk="0" hangingPunct="1">
-              <a:spcBef>
-                <a:spcPct val="20000"/>
-              </a:spcBef>
-              <a:buFont typeface="Arial" pitchFamily="34" charset="0"/>
-              <a:buChar char="•"/>
-              <a:defRPr sz="2000" kern="1200">
-                <a:solidFill>
-                  <a:schemeClr val="tx1"/>
-                </a:solidFill>
-                <a:latin typeface="+mn-lt"/>
-                <a:ea typeface="+mn-ea"/>
-                <a:cs typeface="+mn-cs"/>
-              </a:defRPr>
-            </a:lvl7pPr>
-            <a:lvl8pPr marL="3429000" indent="-228600" algn="l" defTabSz="914400" rtl="0" eaLnBrk="1" latinLnBrk="0" hangingPunct="1">
-              <a:spcBef>
-                <a:spcPct val="20000"/>
-              </a:spcBef>
-              <a:buFont typeface="Arial" pitchFamily="34" charset="0"/>
-              <a:buChar char="•"/>
-              <a:defRPr sz="2000" kern="1200">
-                <a:solidFill>
-                  <a:schemeClr val="tx1"/>
-                </a:solidFill>
-                <a:latin typeface="+mn-lt"/>
-                <a:ea typeface="+mn-ea"/>
-                <a:cs typeface="+mn-cs"/>
-              </a:defRPr>
-            </a:lvl8pPr>
-            <a:lvl9pPr marL="3886200" indent="-228600" algn="l" defTabSz="914400" rtl="0" eaLnBrk="1" latinLnBrk="0" hangingPunct="1">
-              <a:spcBef>
-                <a:spcPct val="20000"/>
-              </a:spcBef>
-              <a:buFont typeface="Arial" pitchFamily="34" charset="0"/>
-              <a:buChar char="•"/>
-              <a:defRPr sz="2000" kern="1200">
-                <a:solidFill>
-                  <a:schemeClr val="tx1"/>
-                </a:solidFill>
-                <a:latin typeface="+mn-lt"/>
-                <a:ea typeface="+mn-ea"/>
-                <a:cs typeface="+mn-cs"/>
-              </a:defRPr>
-            </a:lvl9pPr>
-          </a:lstStyle>
-          <a:p>
-            <a:pPr marL="0" indent="0" algn="ctr">
-              <a:buNone/>
-            </a:pPr>
-            <a:r>
-              <a:rPr lang="en-US" sz="2400" dirty="0">
-                <a:solidFill>
-                  <a:schemeClr val="bg1"/>
-                </a:solidFill>
-              </a:rPr>
-              <a:t>Against ACM Code</a:t>
-            </a:r>
-          </a:p>
-          <a:p>
-            <a:r>
-              <a:rPr lang="en-US" sz="2400" dirty="0">
-                <a:solidFill>
-                  <a:schemeClr val="bg1"/>
-                </a:solidFill>
-              </a:rPr>
-              <a:t>2.1 Encouraged his subordinates to take shortcuts</a:t>
-            </a:r>
-          </a:p>
-          <a:p>
-            <a:r>
-              <a:rPr lang="en-US" sz="2400" dirty="0">
-                <a:solidFill>
-                  <a:schemeClr val="bg1"/>
-                </a:solidFill>
-              </a:rPr>
-              <a:t>2.5 Used risky solutions</a:t>
-            </a:r>
-          </a:p>
-          <a:p>
-            <a:endParaRPr lang="en-US" sz="2400" dirty="0">
-              <a:solidFill>
-                <a:schemeClr val="bg1"/>
-              </a:solidFill>
-            </a:endParaRPr>
-          </a:p>
-        </p:txBody>
-      </p:sp>
-      <p:sp>
-        <p:nvSpPr>
-          <p:cNvPr id="4" name="Title 3">
-            <a:extLst>
-              <a:ext uri="{FF2B5EF4-FFF2-40B4-BE49-F238E27FC236}">
-                <a16:creationId xmlns:a16="http://schemas.microsoft.com/office/drawing/2014/main" id="{49D11740-4329-610F-E850-676208676A32}"/>
-              </a:ext>
-            </a:extLst>
-          </p:cNvPr>
-          <p:cNvSpPr>
-            <a:spLocks noGrp="1"/>
-          </p:cNvSpPr>
-          <p:nvPr>
-            <p:ph type="title" idx="4294967295"/>
-          </p:nvPr>
-        </p:nvSpPr>
-        <p:spPr>
-          <a:xfrm>
-            <a:off x="754375" y="128470"/>
-            <a:ext cx="8229600" cy="857250"/>
-          </a:xfrm>
-        </p:spPr>
-        <p:txBody>
-          <a:bodyPr>
-            <a:normAutofit/>
-          </a:bodyPr>
-          <a:lstStyle/>
-          <a:p>
-            <a:pPr algn="r"/>
-            <a:r>
-              <a:rPr lang="en-US" sz="3600" dirty="0">
-                <a:solidFill>
-                  <a:srgbClr val="4BACC6"/>
-                </a:solidFill>
-              </a:rPr>
-              <a:t>Ray Johnson</a:t>
-            </a:r>
-          </a:p>
-        </p:txBody>
-      </p:sp>
-    </p:spTree>
-    <p:extLst>
-      <p:ext uri="{BB962C8B-B14F-4D97-AF65-F5344CB8AC3E}">
-        <p14:creationId xmlns:p14="http://schemas.microsoft.com/office/powerpoint/2010/main" val="2821120652"/>
-      </p:ext>
-    </p:extLst>
-  </p:cSld>
-  <p:clrMapOvr>
-    <a:masterClrMapping/>
-  </p:clrMapOvr>
-</p:sld>
-</file>
-
-<file path=ppt/slides/slide11.xml><?xml version="1.0" encoding="utf-8"?>
-<p:sld xmlns:a="http://schemas.openxmlformats.org/drawingml/2006/main" xmlns:r="http://schemas.openxmlformats.org/officeDocument/2006/relationships" xmlns:p="http://schemas.openxmlformats.org/presentationml/2006/main">
-  <p:cSld>
-    <p:spTree>
-      <p:nvGrpSpPr>
-        <p:cNvPr id="1" name=""/>
-        <p:cNvGrpSpPr/>
-        <p:nvPr/>
-      </p:nvGrpSpPr>
-      <p:grpSpPr>
-        <a:xfrm>
-          <a:off x="0" y="0"/>
-          <a:ext cx="0" cy="0"/>
-          <a:chOff x="0" y="0"/>
-          <a:chExt cx="0" cy="0"/>
-        </a:xfrm>
-      </p:grpSpPr>
-      <p:sp>
-        <p:nvSpPr>
           <p:cNvPr id="4" name="Title 1"/>
           <p:cNvSpPr txBox="1">
             <a:spLocks/>
@@ -6120,7 +5205,7 @@
           <a:p>
             <a:pPr algn="r"/>
             <a:r>
-              <a:rPr lang="en-US" sz="3600" dirty="0">
+              <a:rPr lang="en-US" dirty="0">
                 <a:solidFill>
                   <a:srgbClr val="4BACC6"/>
                 </a:solidFill>
@@ -6143,7 +5228,7 @@
 </p:sld>
 </file>
 
-<file path=ppt/slides/slide12.xml><?xml version="1.0" encoding="utf-8"?>
+<file path=ppt/slides/slide11.xml><?xml version="1.0" encoding="utf-8"?>
 <p:sld xmlns:a="http://schemas.openxmlformats.org/drawingml/2006/main" xmlns:r="http://schemas.openxmlformats.org/officeDocument/2006/relationships" xmlns:p="http://schemas.openxmlformats.org/presentationml/2006/main">
   <p:cSld>
     <p:spTree>
@@ -6183,7 +5268,7 @@
           <a:lstStyle/>
           <a:p>
             <a:r>
-              <a:rPr lang="en-US" sz="4400" cap="none" dirty="0">
+              <a:rPr lang="en-US" sz="4400" b="0" cap="none" dirty="0">
                 <a:solidFill>
                   <a:srgbClr val="4BACC6"/>
                 </a:solidFill>
@@ -6283,6 +5368,954 @@
 </p:sld>
 </file>
 
+<file path=ppt/slides/slide12.xml><?xml version="1.0" encoding="utf-8"?>
+<p:sld xmlns:a="http://schemas.openxmlformats.org/drawingml/2006/main" xmlns:r="http://schemas.openxmlformats.org/officeDocument/2006/relationships" xmlns:p="http://schemas.openxmlformats.org/presentationml/2006/main">
+  <p:cSld>
+    <p:spTree>
+      <p:nvGrpSpPr>
+        <p:cNvPr id="1" name=""/>
+        <p:cNvGrpSpPr/>
+        <p:nvPr/>
+      </p:nvGrpSpPr>
+      <p:grpSpPr>
+        <a:xfrm>
+          <a:off x="0" y="0"/>
+          <a:ext cx="0" cy="0"/>
+          <a:chOff x="0" y="0"/>
+          <a:chExt cx="0" cy="0"/>
+        </a:xfrm>
+      </p:grpSpPr>
+      <p:sp>
+        <p:nvSpPr>
+          <p:cNvPr id="3" name="Text Placeholder 2"/>
+          <p:cNvSpPr txBox="1">
+            <a:spLocks/>
+          </p:cNvSpPr>
+          <p:nvPr/>
+        </p:nvSpPr>
+        <p:spPr>
+          <a:xfrm>
+            <a:off x="296261" y="2724451"/>
+            <a:ext cx="4275738" cy="458115"/>
+          </a:xfrm>
+          <a:prstGeom prst="rect">
+            <a:avLst/>
+          </a:prstGeom>
+          <a:ln w="28575">
+            <a:solidFill>
+              <a:srgbClr val="E39A39"/>
+            </a:solidFill>
+          </a:ln>
+        </p:spPr>
+        <p:txBody>
+          <a:bodyPr/>
+          <a:lstStyle>
+            <a:lvl1pPr marL="342900" indent="-342900" algn="l" defTabSz="914400" rtl="0" eaLnBrk="1" latinLnBrk="0" hangingPunct="1">
+              <a:spcBef>
+                <a:spcPct val="20000"/>
+              </a:spcBef>
+              <a:buFont typeface="Arial" pitchFamily="34" charset="0"/>
+              <a:buChar char="•"/>
+              <a:defRPr sz="3200" kern="1200">
+                <a:solidFill>
+                  <a:schemeClr val="tx1"/>
+                </a:solidFill>
+                <a:latin typeface="+mn-lt"/>
+                <a:ea typeface="+mn-ea"/>
+                <a:cs typeface="+mn-cs"/>
+              </a:defRPr>
+            </a:lvl1pPr>
+            <a:lvl2pPr marL="742950" indent="-285750" algn="l" defTabSz="914400" rtl="0" eaLnBrk="1" latinLnBrk="0" hangingPunct="1">
+              <a:spcBef>
+                <a:spcPct val="20000"/>
+              </a:spcBef>
+              <a:buFont typeface="Arial" pitchFamily="34" charset="0"/>
+              <a:buChar char="–"/>
+              <a:defRPr sz="2800" kern="1200">
+                <a:solidFill>
+                  <a:schemeClr val="tx1"/>
+                </a:solidFill>
+                <a:latin typeface="+mn-lt"/>
+                <a:ea typeface="+mn-ea"/>
+                <a:cs typeface="+mn-cs"/>
+              </a:defRPr>
+            </a:lvl2pPr>
+            <a:lvl3pPr marL="1143000" indent="-228600" algn="l" defTabSz="914400" rtl="0" eaLnBrk="1" latinLnBrk="0" hangingPunct="1">
+              <a:spcBef>
+                <a:spcPct val="20000"/>
+              </a:spcBef>
+              <a:buFont typeface="Arial" pitchFamily="34" charset="0"/>
+              <a:buChar char="•"/>
+              <a:defRPr sz="2400" kern="1200">
+                <a:solidFill>
+                  <a:schemeClr val="tx1"/>
+                </a:solidFill>
+                <a:latin typeface="+mn-lt"/>
+                <a:ea typeface="+mn-ea"/>
+                <a:cs typeface="+mn-cs"/>
+              </a:defRPr>
+            </a:lvl3pPr>
+            <a:lvl4pPr marL="1600200" indent="-228600" algn="l" defTabSz="914400" rtl="0" eaLnBrk="1" latinLnBrk="0" hangingPunct="1">
+              <a:spcBef>
+                <a:spcPct val="20000"/>
+              </a:spcBef>
+              <a:buFont typeface="Arial" pitchFamily="34" charset="0"/>
+              <a:buChar char="–"/>
+              <a:defRPr sz="2000" kern="1200">
+                <a:solidFill>
+                  <a:schemeClr val="tx1"/>
+                </a:solidFill>
+                <a:latin typeface="+mn-lt"/>
+                <a:ea typeface="+mn-ea"/>
+                <a:cs typeface="+mn-cs"/>
+              </a:defRPr>
+            </a:lvl4pPr>
+            <a:lvl5pPr marL="2057400" indent="-228600" algn="l" defTabSz="914400" rtl="0" eaLnBrk="1" latinLnBrk="0" hangingPunct="1">
+              <a:spcBef>
+                <a:spcPct val="20000"/>
+              </a:spcBef>
+              <a:buFont typeface="Arial" pitchFamily="34" charset="0"/>
+              <a:buChar char="»"/>
+              <a:defRPr sz="2000" kern="1200">
+                <a:solidFill>
+                  <a:schemeClr val="tx1"/>
+                </a:solidFill>
+                <a:latin typeface="+mn-lt"/>
+                <a:ea typeface="+mn-ea"/>
+                <a:cs typeface="+mn-cs"/>
+              </a:defRPr>
+            </a:lvl5pPr>
+            <a:lvl6pPr marL="2514600" indent="-228600" algn="l" defTabSz="914400" rtl="0" eaLnBrk="1" latinLnBrk="0" hangingPunct="1">
+              <a:spcBef>
+                <a:spcPct val="20000"/>
+              </a:spcBef>
+              <a:buFont typeface="Arial" pitchFamily="34" charset="0"/>
+              <a:buChar char="•"/>
+              <a:defRPr sz="2000" kern="1200">
+                <a:solidFill>
+                  <a:schemeClr val="tx1"/>
+                </a:solidFill>
+                <a:latin typeface="+mn-lt"/>
+                <a:ea typeface="+mn-ea"/>
+                <a:cs typeface="+mn-cs"/>
+              </a:defRPr>
+            </a:lvl6pPr>
+            <a:lvl7pPr marL="2971800" indent="-228600" algn="l" defTabSz="914400" rtl="0" eaLnBrk="1" latinLnBrk="0" hangingPunct="1">
+              <a:spcBef>
+                <a:spcPct val="20000"/>
+              </a:spcBef>
+              <a:buFont typeface="Arial" pitchFamily="34" charset="0"/>
+              <a:buChar char="•"/>
+              <a:defRPr sz="2000" kern="1200">
+                <a:solidFill>
+                  <a:schemeClr val="tx1"/>
+                </a:solidFill>
+                <a:latin typeface="+mn-lt"/>
+                <a:ea typeface="+mn-ea"/>
+                <a:cs typeface="+mn-cs"/>
+              </a:defRPr>
+            </a:lvl7pPr>
+            <a:lvl8pPr marL="3429000" indent="-228600" algn="l" defTabSz="914400" rtl="0" eaLnBrk="1" latinLnBrk="0" hangingPunct="1">
+              <a:spcBef>
+                <a:spcPct val="20000"/>
+              </a:spcBef>
+              <a:buFont typeface="Arial" pitchFamily="34" charset="0"/>
+              <a:buChar char="•"/>
+              <a:defRPr sz="2000" kern="1200">
+                <a:solidFill>
+                  <a:schemeClr val="tx1"/>
+                </a:solidFill>
+                <a:latin typeface="+mn-lt"/>
+                <a:ea typeface="+mn-ea"/>
+                <a:cs typeface="+mn-cs"/>
+              </a:defRPr>
+            </a:lvl8pPr>
+            <a:lvl9pPr marL="3886200" indent="-228600" algn="l" defTabSz="914400" rtl="0" eaLnBrk="1" latinLnBrk="0" hangingPunct="1">
+              <a:spcBef>
+                <a:spcPct val="20000"/>
+              </a:spcBef>
+              <a:buFont typeface="Arial" pitchFamily="34" charset="0"/>
+              <a:buChar char="•"/>
+              <a:defRPr sz="2000" kern="1200">
+                <a:solidFill>
+                  <a:schemeClr val="tx1"/>
+                </a:solidFill>
+                <a:latin typeface="+mn-lt"/>
+                <a:ea typeface="+mn-ea"/>
+                <a:cs typeface="+mn-cs"/>
+              </a:defRPr>
+            </a:lvl9pPr>
+          </a:lstStyle>
+          <a:p>
+            <a:pPr marL="0" indent="0" algn="ctr">
+              <a:buNone/>
+            </a:pPr>
+            <a:r>
+              <a:rPr lang="en-US" sz="2400" dirty="0">
+                <a:solidFill>
+                  <a:srgbClr val="232D48"/>
+                </a:solidFill>
+              </a:rPr>
+              <a:t>ACM Code of Conduct</a:t>
+            </a:r>
+          </a:p>
+        </p:txBody>
+      </p:sp>
+      <p:sp>
+        <p:nvSpPr>
+          <p:cNvPr id="4" name="Text Placeholder 4"/>
+          <p:cNvSpPr txBox="1">
+            <a:spLocks/>
+          </p:cNvSpPr>
+          <p:nvPr/>
+        </p:nvSpPr>
+        <p:spPr>
+          <a:xfrm>
+            <a:off x="4572000" y="2724454"/>
+            <a:ext cx="4275740" cy="458113"/>
+          </a:xfrm>
+          <a:prstGeom prst="rect">
+            <a:avLst/>
+          </a:prstGeom>
+          <a:ln w="28575">
+            <a:solidFill>
+              <a:srgbClr val="E39A39"/>
+            </a:solidFill>
+          </a:ln>
+        </p:spPr>
+        <p:txBody>
+          <a:bodyPr>
+            <a:normAutofit/>
+          </a:bodyPr>
+          <a:lstStyle>
+            <a:lvl1pPr marL="342900" indent="-342900" algn="l" defTabSz="914400" rtl="0" eaLnBrk="1" latinLnBrk="0" hangingPunct="1">
+              <a:spcBef>
+                <a:spcPct val="20000"/>
+              </a:spcBef>
+              <a:buFont typeface="Arial" pitchFamily="34" charset="0"/>
+              <a:buChar char="•"/>
+              <a:defRPr sz="3200" kern="1200">
+                <a:solidFill>
+                  <a:schemeClr val="tx1"/>
+                </a:solidFill>
+                <a:latin typeface="+mn-lt"/>
+                <a:ea typeface="+mn-ea"/>
+                <a:cs typeface="+mn-cs"/>
+              </a:defRPr>
+            </a:lvl1pPr>
+            <a:lvl2pPr marL="742950" indent="-285750" algn="l" defTabSz="914400" rtl="0" eaLnBrk="1" latinLnBrk="0" hangingPunct="1">
+              <a:spcBef>
+                <a:spcPct val="20000"/>
+              </a:spcBef>
+              <a:buFont typeface="Arial" pitchFamily="34" charset="0"/>
+              <a:buChar char="–"/>
+              <a:defRPr sz="2800" kern="1200">
+                <a:solidFill>
+                  <a:schemeClr val="tx1"/>
+                </a:solidFill>
+                <a:latin typeface="+mn-lt"/>
+                <a:ea typeface="+mn-ea"/>
+                <a:cs typeface="+mn-cs"/>
+              </a:defRPr>
+            </a:lvl2pPr>
+            <a:lvl3pPr marL="1143000" indent="-228600" algn="l" defTabSz="914400" rtl="0" eaLnBrk="1" latinLnBrk="0" hangingPunct="1">
+              <a:spcBef>
+                <a:spcPct val="20000"/>
+              </a:spcBef>
+              <a:buFont typeface="Arial" pitchFamily="34" charset="0"/>
+              <a:buChar char="•"/>
+              <a:defRPr sz="2400" kern="1200">
+                <a:solidFill>
+                  <a:schemeClr val="tx1"/>
+                </a:solidFill>
+                <a:latin typeface="+mn-lt"/>
+                <a:ea typeface="+mn-ea"/>
+                <a:cs typeface="+mn-cs"/>
+              </a:defRPr>
+            </a:lvl3pPr>
+            <a:lvl4pPr marL="1600200" indent="-228600" algn="l" defTabSz="914400" rtl="0" eaLnBrk="1" latinLnBrk="0" hangingPunct="1">
+              <a:spcBef>
+                <a:spcPct val="20000"/>
+              </a:spcBef>
+              <a:buFont typeface="Arial" pitchFamily="34" charset="0"/>
+              <a:buChar char="–"/>
+              <a:defRPr sz="2000" kern="1200">
+                <a:solidFill>
+                  <a:schemeClr val="tx1"/>
+                </a:solidFill>
+                <a:latin typeface="+mn-lt"/>
+                <a:ea typeface="+mn-ea"/>
+                <a:cs typeface="+mn-cs"/>
+              </a:defRPr>
+            </a:lvl4pPr>
+            <a:lvl5pPr marL="2057400" indent="-228600" algn="l" defTabSz="914400" rtl="0" eaLnBrk="1" latinLnBrk="0" hangingPunct="1">
+              <a:spcBef>
+                <a:spcPct val="20000"/>
+              </a:spcBef>
+              <a:buFont typeface="Arial" pitchFamily="34" charset="0"/>
+              <a:buChar char="»"/>
+              <a:defRPr sz="2000" kern="1200">
+                <a:solidFill>
+                  <a:schemeClr val="tx1"/>
+                </a:solidFill>
+                <a:latin typeface="+mn-lt"/>
+                <a:ea typeface="+mn-ea"/>
+                <a:cs typeface="+mn-cs"/>
+              </a:defRPr>
+            </a:lvl5pPr>
+            <a:lvl6pPr marL="2514600" indent="-228600" algn="l" defTabSz="914400" rtl="0" eaLnBrk="1" latinLnBrk="0" hangingPunct="1">
+              <a:spcBef>
+                <a:spcPct val="20000"/>
+              </a:spcBef>
+              <a:buFont typeface="Arial" pitchFamily="34" charset="0"/>
+              <a:buChar char="•"/>
+              <a:defRPr sz="2000" kern="1200">
+                <a:solidFill>
+                  <a:schemeClr val="tx1"/>
+                </a:solidFill>
+                <a:latin typeface="+mn-lt"/>
+                <a:ea typeface="+mn-ea"/>
+                <a:cs typeface="+mn-cs"/>
+              </a:defRPr>
+            </a:lvl6pPr>
+            <a:lvl7pPr marL="2971800" indent="-228600" algn="l" defTabSz="914400" rtl="0" eaLnBrk="1" latinLnBrk="0" hangingPunct="1">
+              <a:spcBef>
+                <a:spcPct val="20000"/>
+              </a:spcBef>
+              <a:buFont typeface="Arial" pitchFamily="34" charset="0"/>
+              <a:buChar char="•"/>
+              <a:defRPr sz="2000" kern="1200">
+                <a:solidFill>
+                  <a:schemeClr val="tx1"/>
+                </a:solidFill>
+                <a:latin typeface="+mn-lt"/>
+                <a:ea typeface="+mn-ea"/>
+                <a:cs typeface="+mn-cs"/>
+              </a:defRPr>
+            </a:lvl7pPr>
+            <a:lvl8pPr marL="3429000" indent="-228600" algn="l" defTabSz="914400" rtl="0" eaLnBrk="1" latinLnBrk="0" hangingPunct="1">
+              <a:spcBef>
+                <a:spcPct val="20000"/>
+              </a:spcBef>
+              <a:buFont typeface="Arial" pitchFamily="34" charset="0"/>
+              <a:buChar char="•"/>
+              <a:defRPr sz="2000" kern="1200">
+                <a:solidFill>
+                  <a:schemeClr val="tx1"/>
+                </a:solidFill>
+                <a:latin typeface="+mn-lt"/>
+                <a:ea typeface="+mn-ea"/>
+                <a:cs typeface="+mn-cs"/>
+              </a:defRPr>
+            </a:lvl8pPr>
+            <a:lvl9pPr marL="3886200" indent="-228600" algn="l" defTabSz="914400" rtl="0" eaLnBrk="1" latinLnBrk="0" hangingPunct="1">
+              <a:spcBef>
+                <a:spcPct val="20000"/>
+              </a:spcBef>
+              <a:buFont typeface="Arial" pitchFamily="34" charset="0"/>
+              <a:buChar char="•"/>
+              <a:defRPr sz="2000" kern="1200">
+                <a:solidFill>
+                  <a:schemeClr val="tx1"/>
+                </a:solidFill>
+                <a:latin typeface="+mn-lt"/>
+                <a:ea typeface="+mn-ea"/>
+                <a:cs typeface="+mn-cs"/>
+              </a:defRPr>
+            </a:lvl9pPr>
+          </a:lstStyle>
+          <a:p>
+            <a:pPr marL="0" indent="0" algn="ctr">
+              <a:buNone/>
+            </a:pPr>
+            <a:r>
+              <a:rPr lang="en-US" sz="2400" dirty="0">
+                <a:solidFill>
+                  <a:srgbClr val="232D48"/>
+                </a:solidFill>
+              </a:rPr>
+              <a:t>BCS Code of Conduct</a:t>
+            </a:r>
+          </a:p>
+        </p:txBody>
+      </p:sp>
+      <p:sp>
+        <p:nvSpPr>
+          <p:cNvPr id="5" name="Content Placeholder 5"/>
+          <p:cNvSpPr txBox="1">
+            <a:spLocks/>
+          </p:cNvSpPr>
+          <p:nvPr/>
+        </p:nvSpPr>
+        <p:spPr>
+          <a:xfrm>
+            <a:off x="4571999" y="3182569"/>
+            <a:ext cx="4275741" cy="1832461"/>
+          </a:xfrm>
+          <a:prstGeom prst="rect">
+            <a:avLst/>
+          </a:prstGeom>
+          <a:solidFill>
+            <a:srgbClr val="232D48"/>
+          </a:solidFill>
+          <a:ln w="28575">
+            <a:solidFill>
+              <a:srgbClr val="E39A39"/>
+            </a:solidFill>
+          </a:ln>
+        </p:spPr>
+        <p:txBody>
+          <a:bodyPr>
+            <a:normAutofit/>
+          </a:bodyPr>
+          <a:lstStyle>
+            <a:lvl1pPr marL="342900" indent="-342900" algn="l" defTabSz="914400" rtl="0" eaLnBrk="1" latinLnBrk="0" hangingPunct="1">
+              <a:spcBef>
+                <a:spcPct val="20000"/>
+              </a:spcBef>
+              <a:buFont typeface="Arial" pitchFamily="34" charset="0"/>
+              <a:buChar char="•"/>
+              <a:defRPr sz="3200" kern="1200">
+                <a:solidFill>
+                  <a:schemeClr val="tx1"/>
+                </a:solidFill>
+                <a:latin typeface="+mn-lt"/>
+                <a:ea typeface="+mn-ea"/>
+                <a:cs typeface="+mn-cs"/>
+              </a:defRPr>
+            </a:lvl1pPr>
+            <a:lvl2pPr marL="742950" indent="-285750" algn="l" defTabSz="914400" rtl="0" eaLnBrk="1" latinLnBrk="0" hangingPunct="1">
+              <a:spcBef>
+                <a:spcPct val="20000"/>
+              </a:spcBef>
+              <a:buFont typeface="Arial" pitchFamily="34" charset="0"/>
+              <a:buChar char="–"/>
+              <a:defRPr sz="2800" kern="1200">
+                <a:solidFill>
+                  <a:schemeClr val="tx1"/>
+                </a:solidFill>
+                <a:latin typeface="+mn-lt"/>
+                <a:ea typeface="+mn-ea"/>
+                <a:cs typeface="+mn-cs"/>
+              </a:defRPr>
+            </a:lvl2pPr>
+            <a:lvl3pPr marL="1143000" indent="-228600" algn="l" defTabSz="914400" rtl="0" eaLnBrk="1" latinLnBrk="0" hangingPunct="1">
+              <a:spcBef>
+                <a:spcPct val="20000"/>
+              </a:spcBef>
+              <a:buFont typeface="Arial" pitchFamily="34" charset="0"/>
+              <a:buChar char="•"/>
+              <a:defRPr sz="2400" kern="1200">
+                <a:solidFill>
+                  <a:schemeClr val="tx1"/>
+                </a:solidFill>
+                <a:latin typeface="+mn-lt"/>
+                <a:ea typeface="+mn-ea"/>
+                <a:cs typeface="+mn-cs"/>
+              </a:defRPr>
+            </a:lvl3pPr>
+            <a:lvl4pPr marL="1600200" indent="-228600" algn="l" defTabSz="914400" rtl="0" eaLnBrk="1" latinLnBrk="0" hangingPunct="1">
+              <a:spcBef>
+                <a:spcPct val="20000"/>
+              </a:spcBef>
+              <a:buFont typeface="Arial" pitchFamily="34" charset="0"/>
+              <a:buChar char="–"/>
+              <a:defRPr sz="2000" kern="1200">
+                <a:solidFill>
+                  <a:schemeClr val="tx1"/>
+                </a:solidFill>
+                <a:latin typeface="+mn-lt"/>
+                <a:ea typeface="+mn-ea"/>
+                <a:cs typeface="+mn-cs"/>
+              </a:defRPr>
+            </a:lvl4pPr>
+            <a:lvl5pPr marL="2057400" indent="-228600" algn="l" defTabSz="914400" rtl="0" eaLnBrk="1" latinLnBrk="0" hangingPunct="1">
+              <a:spcBef>
+                <a:spcPct val="20000"/>
+              </a:spcBef>
+              <a:buFont typeface="Arial" pitchFamily="34" charset="0"/>
+              <a:buChar char="»"/>
+              <a:defRPr sz="2000" kern="1200">
+                <a:solidFill>
+                  <a:schemeClr val="tx1"/>
+                </a:solidFill>
+                <a:latin typeface="+mn-lt"/>
+                <a:ea typeface="+mn-ea"/>
+                <a:cs typeface="+mn-cs"/>
+              </a:defRPr>
+            </a:lvl5pPr>
+            <a:lvl6pPr marL="2514600" indent="-228600" algn="l" defTabSz="914400" rtl="0" eaLnBrk="1" latinLnBrk="0" hangingPunct="1">
+              <a:spcBef>
+                <a:spcPct val="20000"/>
+              </a:spcBef>
+              <a:buFont typeface="Arial" pitchFamily="34" charset="0"/>
+              <a:buChar char="•"/>
+              <a:defRPr sz="2000" kern="1200">
+                <a:solidFill>
+                  <a:schemeClr val="tx1"/>
+                </a:solidFill>
+                <a:latin typeface="+mn-lt"/>
+                <a:ea typeface="+mn-ea"/>
+                <a:cs typeface="+mn-cs"/>
+              </a:defRPr>
+            </a:lvl6pPr>
+            <a:lvl7pPr marL="2971800" indent="-228600" algn="l" defTabSz="914400" rtl="0" eaLnBrk="1" latinLnBrk="0" hangingPunct="1">
+              <a:spcBef>
+                <a:spcPct val="20000"/>
+              </a:spcBef>
+              <a:buFont typeface="Arial" pitchFamily="34" charset="0"/>
+              <a:buChar char="•"/>
+              <a:defRPr sz="2000" kern="1200">
+                <a:solidFill>
+                  <a:schemeClr val="tx1"/>
+                </a:solidFill>
+                <a:latin typeface="+mn-lt"/>
+                <a:ea typeface="+mn-ea"/>
+                <a:cs typeface="+mn-cs"/>
+              </a:defRPr>
+            </a:lvl7pPr>
+            <a:lvl8pPr marL="3429000" indent="-228600" algn="l" defTabSz="914400" rtl="0" eaLnBrk="1" latinLnBrk="0" hangingPunct="1">
+              <a:spcBef>
+                <a:spcPct val="20000"/>
+              </a:spcBef>
+              <a:buFont typeface="Arial" pitchFamily="34" charset="0"/>
+              <a:buChar char="•"/>
+              <a:defRPr sz="2000" kern="1200">
+                <a:solidFill>
+                  <a:schemeClr val="tx1"/>
+                </a:solidFill>
+                <a:latin typeface="+mn-lt"/>
+                <a:ea typeface="+mn-ea"/>
+                <a:cs typeface="+mn-cs"/>
+              </a:defRPr>
+            </a:lvl8pPr>
+            <a:lvl9pPr marL="3886200" indent="-228600" algn="l" defTabSz="914400" rtl="0" eaLnBrk="1" latinLnBrk="0" hangingPunct="1">
+              <a:spcBef>
+                <a:spcPct val="20000"/>
+              </a:spcBef>
+              <a:buFont typeface="Arial" pitchFamily="34" charset="0"/>
+              <a:buChar char="•"/>
+              <a:defRPr sz="2000" kern="1200">
+                <a:solidFill>
+                  <a:schemeClr val="tx1"/>
+                </a:solidFill>
+                <a:latin typeface="+mn-lt"/>
+                <a:ea typeface="+mn-ea"/>
+                <a:cs typeface="+mn-cs"/>
+              </a:defRPr>
+            </a:lvl9pPr>
+          </a:lstStyle>
+          <a:p>
+            <a:pPr marL="0" indent="0" algn="ctr">
+              <a:buNone/>
+            </a:pPr>
+            <a:r>
+              <a:rPr lang="en-US" sz="2200" dirty="0">
+                <a:solidFill>
+                  <a:schemeClr val="bg1"/>
+                </a:solidFill>
+              </a:rPr>
+              <a:t>4. Duty to the Profession</a:t>
+            </a:r>
+          </a:p>
+          <a:p>
+            <a:pPr marL="0" indent="0" algn="ctr">
+              <a:buNone/>
+            </a:pPr>
+            <a:r>
+              <a:rPr lang="en-US" sz="2200" dirty="0">
+                <a:solidFill>
+                  <a:schemeClr val="bg1"/>
+                </a:solidFill>
+              </a:rPr>
+              <a:t>d) Act with integrity and respect in your professional relationships with all members </a:t>
+            </a:r>
+          </a:p>
+        </p:txBody>
+      </p:sp>
+      <p:sp>
+        <p:nvSpPr>
+          <p:cNvPr id="9" name="Content Placeholder 3"/>
+          <p:cNvSpPr txBox="1">
+            <a:spLocks/>
+          </p:cNvSpPr>
+          <p:nvPr/>
+        </p:nvSpPr>
+        <p:spPr>
+          <a:xfrm>
+            <a:off x="296259" y="3182571"/>
+            <a:ext cx="4280806" cy="1832460"/>
+          </a:xfrm>
+          <a:prstGeom prst="rect">
+            <a:avLst/>
+          </a:prstGeom>
+          <a:solidFill>
+            <a:srgbClr val="232D48"/>
+          </a:solidFill>
+          <a:ln w="28575">
+            <a:solidFill>
+              <a:srgbClr val="E39A39"/>
+            </a:solidFill>
+          </a:ln>
+        </p:spPr>
+        <p:txBody>
+          <a:bodyPr>
+            <a:noAutofit/>
+          </a:bodyPr>
+          <a:lstStyle>
+            <a:lvl1pPr marL="342900" indent="-342900" algn="l" defTabSz="914400" rtl="0" eaLnBrk="1" latinLnBrk="0" hangingPunct="1">
+              <a:spcBef>
+                <a:spcPct val="20000"/>
+              </a:spcBef>
+              <a:buFont typeface="Arial" pitchFamily="34" charset="0"/>
+              <a:buChar char="•"/>
+              <a:defRPr sz="3200" kern="1200">
+                <a:solidFill>
+                  <a:schemeClr val="tx1"/>
+                </a:solidFill>
+                <a:latin typeface="+mn-lt"/>
+                <a:ea typeface="+mn-ea"/>
+                <a:cs typeface="+mn-cs"/>
+              </a:defRPr>
+            </a:lvl1pPr>
+            <a:lvl2pPr marL="742950" indent="-285750" algn="l" defTabSz="914400" rtl="0" eaLnBrk="1" latinLnBrk="0" hangingPunct="1">
+              <a:spcBef>
+                <a:spcPct val="20000"/>
+              </a:spcBef>
+              <a:buFont typeface="Arial" pitchFamily="34" charset="0"/>
+              <a:buChar char="–"/>
+              <a:defRPr sz="2800" kern="1200">
+                <a:solidFill>
+                  <a:schemeClr val="tx1"/>
+                </a:solidFill>
+                <a:latin typeface="+mn-lt"/>
+                <a:ea typeface="+mn-ea"/>
+                <a:cs typeface="+mn-cs"/>
+              </a:defRPr>
+            </a:lvl2pPr>
+            <a:lvl3pPr marL="1143000" indent="-228600" algn="l" defTabSz="914400" rtl="0" eaLnBrk="1" latinLnBrk="0" hangingPunct="1">
+              <a:spcBef>
+                <a:spcPct val="20000"/>
+              </a:spcBef>
+              <a:buFont typeface="Arial" pitchFamily="34" charset="0"/>
+              <a:buChar char="•"/>
+              <a:defRPr sz="2400" kern="1200">
+                <a:solidFill>
+                  <a:schemeClr val="tx1"/>
+                </a:solidFill>
+                <a:latin typeface="+mn-lt"/>
+                <a:ea typeface="+mn-ea"/>
+                <a:cs typeface="+mn-cs"/>
+              </a:defRPr>
+            </a:lvl3pPr>
+            <a:lvl4pPr marL="1600200" indent="-228600" algn="l" defTabSz="914400" rtl="0" eaLnBrk="1" latinLnBrk="0" hangingPunct="1">
+              <a:spcBef>
+                <a:spcPct val="20000"/>
+              </a:spcBef>
+              <a:buFont typeface="Arial" pitchFamily="34" charset="0"/>
+              <a:buChar char="–"/>
+              <a:defRPr sz="2000" kern="1200">
+                <a:solidFill>
+                  <a:schemeClr val="tx1"/>
+                </a:solidFill>
+                <a:latin typeface="+mn-lt"/>
+                <a:ea typeface="+mn-ea"/>
+                <a:cs typeface="+mn-cs"/>
+              </a:defRPr>
+            </a:lvl4pPr>
+            <a:lvl5pPr marL="2057400" indent="-228600" algn="l" defTabSz="914400" rtl="0" eaLnBrk="1" latinLnBrk="0" hangingPunct="1">
+              <a:spcBef>
+                <a:spcPct val="20000"/>
+              </a:spcBef>
+              <a:buFont typeface="Arial" pitchFamily="34" charset="0"/>
+              <a:buChar char="»"/>
+              <a:defRPr sz="2000" kern="1200">
+                <a:solidFill>
+                  <a:schemeClr val="tx1"/>
+                </a:solidFill>
+                <a:latin typeface="+mn-lt"/>
+                <a:ea typeface="+mn-ea"/>
+                <a:cs typeface="+mn-cs"/>
+              </a:defRPr>
+            </a:lvl5pPr>
+            <a:lvl6pPr marL="2514600" indent="-228600" algn="l" defTabSz="914400" rtl="0" eaLnBrk="1" latinLnBrk="0" hangingPunct="1">
+              <a:spcBef>
+                <a:spcPct val="20000"/>
+              </a:spcBef>
+              <a:buFont typeface="Arial" pitchFamily="34" charset="0"/>
+              <a:buChar char="•"/>
+              <a:defRPr sz="2000" kern="1200">
+                <a:solidFill>
+                  <a:schemeClr val="tx1"/>
+                </a:solidFill>
+                <a:latin typeface="+mn-lt"/>
+                <a:ea typeface="+mn-ea"/>
+                <a:cs typeface="+mn-cs"/>
+              </a:defRPr>
+            </a:lvl6pPr>
+            <a:lvl7pPr marL="2971800" indent="-228600" algn="l" defTabSz="914400" rtl="0" eaLnBrk="1" latinLnBrk="0" hangingPunct="1">
+              <a:spcBef>
+                <a:spcPct val="20000"/>
+              </a:spcBef>
+              <a:buFont typeface="Arial" pitchFamily="34" charset="0"/>
+              <a:buChar char="•"/>
+              <a:defRPr sz="2000" kern="1200">
+                <a:solidFill>
+                  <a:schemeClr val="tx1"/>
+                </a:solidFill>
+                <a:latin typeface="+mn-lt"/>
+                <a:ea typeface="+mn-ea"/>
+                <a:cs typeface="+mn-cs"/>
+              </a:defRPr>
+            </a:lvl7pPr>
+            <a:lvl8pPr marL="3429000" indent="-228600" algn="l" defTabSz="914400" rtl="0" eaLnBrk="1" latinLnBrk="0" hangingPunct="1">
+              <a:spcBef>
+                <a:spcPct val="20000"/>
+              </a:spcBef>
+              <a:buFont typeface="Arial" pitchFamily="34" charset="0"/>
+              <a:buChar char="•"/>
+              <a:defRPr sz="2000" kern="1200">
+                <a:solidFill>
+                  <a:schemeClr val="tx1"/>
+                </a:solidFill>
+                <a:latin typeface="+mn-lt"/>
+                <a:ea typeface="+mn-ea"/>
+                <a:cs typeface="+mn-cs"/>
+              </a:defRPr>
+            </a:lvl8pPr>
+            <a:lvl9pPr marL="3886200" indent="-228600" algn="l" defTabSz="914400" rtl="0" eaLnBrk="1" latinLnBrk="0" hangingPunct="1">
+              <a:spcBef>
+                <a:spcPct val="20000"/>
+              </a:spcBef>
+              <a:buFont typeface="Arial" pitchFamily="34" charset="0"/>
+              <a:buChar char="•"/>
+              <a:defRPr sz="2000" kern="1200">
+                <a:solidFill>
+                  <a:schemeClr val="tx1"/>
+                </a:solidFill>
+                <a:latin typeface="+mn-lt"/>
+                <a:ea typeface="+mn-ea"/>
+                <a:cs typeface="+mn-cs"/>
+              </a:defRPr>
+            </a:lvl9pPr>
+          </a:lstStyle>
+          <a:p>
+            <a:pPr marL="0" indent="0" algn="ctr">
+              <a:buNone/>
+            </a:pPr>
+            <a:r>
+              <a:rPr lang="en-US" sz="2200" dirty="0">
+                <a:solidFill>
+                  <a:schemeClr val="bg1"/>
+                </a:solidFill>
+              </a:rPr>
+              <a:t>3.6 Create opportunities for members of the organization and group to learn, respect, and be accountable.</a:t>
+            </a:r>
+          </a:p>
+        </p:txBody>
+      </p:sp>
+      <p:sp>
+        <p:nvSpPr>
+          <p:cNvPr id="12" name="Text Placeholder 2"/>
+          <p:cNvSpPr txBox="1">
+            <a:spLocks/>
+          </p:cNvSpPr>
+          <p:nvPr/>
+        </p:nvSpPr>
+        <p:spPr>
+          <a:xfrm>
+            <a:off x="296259" y="1197406"/>
+            <a:ext cx="8551481" cy="916229"/>
+          </a:xfrm>
+          <a:prstGeom prst="rect">
+            <a:avLst/>
+          </a:prstGeom>
+          <a:ln w="28575">
+            <a:noFill/>
+          </a:ln>
+        </p:spPr>
+        <p:txBody>
+          <a:bodyPr/>
+          <a:lstStyle>
+            <a:lvl1pPr marL="342900" indent="-342900" algn="l" defTabSz="914400" rtl="0" eaLnBrk="1" latinLnBrk="0" hangingPunct="1">
+              <a:spcBef>
+                <a:spcPct val="20000"/>
+              </a:spcBef>
+              <a:buFont typeface="Arial" pitchFamily="34" charset="0"/>
+              <a:buChar char="•"/>
+              <a:defRPr sz="3200" kern="1200">
+                <a:solidFill>
+                  <a:schemeClr val="tx1"/>
+                </a:solidFill>
+                <a:latin typeface="+mn-lt"/>
+                <a:ea typeface="+mn-ea"/>
+                <a:cs typeface="+mn-cs"/>
+              </a:defRPr>
+            </a:lvl1pPr>
+            <a:lvl2pPr marL="742950" indent="-285750" algn="l" defTabSz="914400" rtl="0" eaLnBrk="1" latinLnBrk="0" hangingPunct="1">
+              <a:spcBef>
+                <a:spcPct val="20000"/>
+              </a:spcBef>
+              <a:buFont typeface="Arial" pitchFamily="34" charset="0"/>
+              <a:buChar char="–"/>
+              <a:defRPr sz="2800" kern="1200">
+                <a:solidFill>
+                  <a:schemeClr val="tx1"/>
+                </a:solidFill>
+                <a:latin typeface="+mn-lt"/>
+                <a:ea typeface="+mn-ea"/>
+                <a:cs typeface="+mn-cs"/>
+              </a:defRPr>
+            </a:lvl2pPr>
+            <a:lvl3pPr marL="1143000" indent="-228600" algn="l" defTabSz="914400" rtl="0" eaLnBrk="1" latinLnBrk="0" hangingPunct="1">
+              <a:spcBef>
+                <a:spcPct val="20000"/>
+              </a:spcBef>
+              <a:buFont typeface="Arial" pitchFamily="34" charset="0"/>
+              <a:buChar char="•"/>
+              <a:defRPr sz="2400" kern="1200">
+                <a:solidFill>
+                  <a:schemeClr val="tx1"/>
+                </a:solidFill>
+                <a:latin typeface="+mn-lt"/>
+                <a:ea typeface="+mn-ea"/>
+                <a:cs typeface="+mn-cs"/>
+              </a:defRPr>
+            </a:lvl3pPr>
+            <a:lvl4pPr marL="1600200" indent="-228600" algn="l" defTabSz="914400" rtl="0" eaLnBrk="1" latinLnBrk="0" hangingPunct="1">
+              <a:spcBef>
+                <a:spcPct val="20000"/>
+              </a:spcBef>
+              <a:buFont typeface="Arial" pitchFamily="34" charset="0"/>
+              <a:buChar char="–"/>
+              <a:defRPr sz="2000" kern="1200">
+                <a:solidFill>
+                  <a:schemeClr val="tx1"/>
+                </a:solidFill>
+                <a:latin typeface="+mn-lt"/>
+                <a:ea typeface="+mn-ea"/>
+                <a:cs typeface="+mn-cs"/>
+              </a:defRPr>
+            </a:lvl4pPr>
+            <a:lvl5pPr marL="2057400" indent="-228600" algn="l" defTabSz="914400" rtl="0" eaLnBrk="1" latinLnBrk="0" hangingPunct="1">
+              <a:spcBef>
+                <a:spcPct val="20000"/>
+              </a:spcBef>
+              <a:buFont typeface="Arial" pitchFamily="34" charset="0"/>
+              <a:buChar char="»"/>
+              <a:defRPr sz="2000" kern="1200">
+                <a:solidFill>
+                  <a:schemeClr val="tx1"/>
+                </a:solidFill>
+                <a:latin typeface="+mn-lt"/>
+                <a:ea typeface="+mn-ea"/>
+                <a:cs typeface="+mn-cs"/>
+              </a:defRPr>
+            </a:lvl5pPr>
+            <a:lvl6pPr marL="2514600" indent="-228600" algn="l" defTabSz="914400" rtl="0" eaLnBrk="1" latinLnBrk="0" hangingPunct="1">
+              <a:spcBef>
+                <a:spcPct val="20000"/>
+              </a:spcBef>
+              <a:buFont typeface="Arial" pitchFamily="34" charset="0"/>
+              <a:buChar char="•"/>
+              <a:defRPr sz="2000" kern="1200">
+                <a:solidFill>
+                  <a:schemeClr val="tx1"/>
+                </a:solidFill>
+                <a:latin typeface="+mn-lt"/>
+                <a:ea typeface="+mn-ea"/>
+                <a:cs typeface="+mn-cs"/>
+              </a:defRPr>
+            </a:lvl6pPr>
+            <a:lvl7pPr marL="2971800" indent="-228600" algn="l" defTabSz="914400" rtl="0" eaLnBrk="1" latinLnBrk="0" hangingPunct="1">
+              <a:spcBef>
+                <a:spcPct val="20000"/>
+              </a:spcBef>
+              <a:buFont typeface="Arial" pitchFamily="34" charset="0"/>
+              <a:buChar char="•"/>
+              <a:defRPr sz="2000" kern="1200">
+                <a:solidFill>
+                  <a:schemeClr val="tx1"/>
+                </a:solidFill>
+                <a:latin typeface="+mn-lt"/>
+                <a:ea typeface="+mn-ea"/>
+                <a:cs typeface="+mn-cs"/>
+              </a:defRPr>
+            </a:lvl7pPr>
+            <a:lvl8pPr marL="3429000" indent="-228600" algn="l" defTabSz="914400" rtl="0" eaLnBrk="1" latinLnBrk="0" hangingPunct="1">
+              <a:spcBef>
+                <a:spcPct val="20000"/>
+              </a:spcBef>
+              <a:buFont typeface="Arial" pitchFamily="34" charset="0"/>
+              <a:buChar char="•"/>
+              <a:defRPr sz="2000" kern="1200">
+                <a:solidFill>
+                  <a:schemeClr val="tx1"/>
+                </a:solidFill>
+                <a:latin typeface="+mn-lt"/>
+                <a:ea typeface="+mn-ea"/>
+                <a:cs typeface="+mn-cs"/>
+              </a:defRPr>
+            </a:lvl8pPr>
+            <a:lvl9pPr marL="3886200" indent="-228600" algn="l" defTabSz="914400" rtl="0" eaLnBrk="1" latinLnBrk="0" hangingPunct="1">
+              <a:spcBef>
+                <a:spcPct val="20000"/>
+              </a:spcBef>
+              <a:buFont typeface="Arial" pitchFamily="34" charset="0"/>
+              <a:buChar char="•"/>
+              <a:defRPr sz="2000" kern="1200">
+                <a:solidFill>
+                  <a:schemeClr val="tx1"/>
+                </a:solidFill>
+                <a:latin typeface="+mn-lt"/>
+                <a:ea typeface="+mn-ea"/>
+                <a:cs typeface="+mn-cs"/>
+              </a:defRPr>
+            </a:lvl9pPr>
+          </a:lstStyle>
+          <a:p>
+            <a:pPr marL="0" indent="0">
+              <a:buNone/>
+            </a:pPr>
+            <a:r>
+              <a:rPr lang="en-US" sz="4000" b="1" dirty="0"/>
+              <a:t>Crime</a:t>
+            </a:r>
+          </a:p>
+          <a:p>
+            <a:pPr marL="0" indent="0">
+              <a:buNone/>
+            </a:pPr>
+            <a:r>
+              <a:rPr lang="en-US" sz="1800" dirty="0"/>
+              <a:t>	</a:t>
+            </a:r>
+            <a:r>
+              <a:rPr lang="en-US" sz="2400" dirty="0"/>
+              <a:t>Bringing emotional and personal feud into a professional environment.</a:t>
+            </a:r>
+          </a:p>
+          <a:p>
+            <a:pPr marL="0" indent="0">
+              <a:buNone/>
+            </a:pPr>
+            <a:endParaRPr lang="en-US" sz="2400" dirty="0"/>
+          </a:p>
+        </p:txBody>
+      </p:sp>
+    </p:spTree>
+    <p:extLst>
+      <p:ext uri="{BB962C8B-B14F-4D97-AF65-F5344CB8AC3E}">
+        <p14:creationId xmlns:p14="http://schemas.microsoft.com/office/powerpoint/2010/main" val="2015197701"/>
+      </p:ext>
+    </p:extLst>
+  </p:cSld>
+  <p:clrMapOvr>
+    <a:masterClrMapping/>
+  </p:clrMapOvr>
+</p:sld>
+</file>
+
 <file path=ppt/slides/slide13.xml><?xml version="1.0" encoding="utf-8"?>
 <p:sld xmlns:a="http://schemas.openxmlformats.org/drawingml/2006/main" xmlns:r="http://schemas.openxmlformats.org/officeDocument/2006/relationships" xmlns:p="http://schemas.openxmlformats.org/presentationml/2006/main">
   <p:cSld>
@@ -6302,20 +6335,19 @@
       </p:grpSpPr>
       <p:sp>
         <p:nvSpPr>
-          <p:cNvPr id="3" name="Text Placeholder 2"/>
-          <p:cNvSpPr txBox="1">
-            <a:spLocks/>
+          <p:cNvPr id="8" name="Text Placeholder 2"/>
+          <p:cNvSpPr>
+            <a:spLocks noGrp="1"/>
           </p:cNvSpPr>
-          <p:nvPr/>
+          <p:nvPr>
+            <p:ph type="body" idx="1"/>
+          </p:nvPr>
         </p:nvSpPr>
         <p:spPr>
           <a:xfrm>
-            <a:off x="296261" y="2724451"/>
-            <a:ext cx="4275738" cy="458115"/>
+            <a:off x="296261" y="2702745"/>
+            <a:ext cx="4275738" cy="479822"/>
           </a:xfrm>
-          <a:prstGeom prst="rect">
-            <a:avLst/>
-          </a:prstGeom>
           <a:ln w="28575">
             <a:solidFill>
               <a:srgbClr val="E39A39"/>
@@ -6324,149 +6356,10 @@
         </p:spPr>
         <p:txBody>
           <a:bodyPr/>
-          <a:lstStyle>
-            <a:lvl1pPr marL="342900" indent="-342900" algn="l" defTabSz="914400" rtl="0" eaLnBrk="1" latinLnBrk="0" hangingPunct="1">
-              <a:spcBef>
-                <a:spcPct val="20000"/>
-              </a:spcBef>
-              <a:buFont typeface="Arial" pitchFamily="34" charset="0"/>
-              <a:buChar char="•"/>
-              <a:defRPr sz="3200" kern="1200">
-                <a:solidFill>
-                  <a:schemeClr val="tx1"/>
-                </a:solidFill>
-                <a:latin typeface="+mn-lt"/>
-                <a:ea typeface="+mn-ea"/>
-                <a:cs typeface="+mn-cs"/>
-              </a:defRPr>
-            </a:lvl1pPr>
-            <a:lvl2pPr marL="742950" indent="-285750" algn="l" defTabSz="914400" rtl="0" eaLnBrk="1" latinLnBrk="0" hangingPunct="1">
-              <a:spcBef>
-                <a:spcPct val="20000"/>
-              </a:spcBef>
-              <a:buFont typeface="Arial" pitchFamily="34" charset="0"/>
-              <a:buChar char="–"/>
-              <a:defRPr sz="2800" kern="1200">
-                <a:solidFill>
-                  <a:schemeClr val="tx1"/>
-                </a:solidFill>
-                <a:latin typeface="+mn-lt"/>
-                <a:ea typeface="+mn-ea"/>
-                <a:cs typeface="+mn-cs"/>
-              </a:defRPr>
-            </a:lvl2pPr>
-            <a:lvl3pPr marL="1143000" indent="-228600" algn="l" defTabSz="914400" rtl="0" eaLnBrk="1" latinLnBrk="0" hangingPunct="1">
-              <a:spcBef>
-                <a:spcPct val="20000"/>
-              </a:spcBef>
-              <a:buFont typeface="Arial" pitchFamily="34" charset="0"/>
-              <a:buChar char="•"/>
-              <a:defRPr sz="2400" kern="1200">
-                <a:solidFill>
-                  <a:schemeClr val="tx1"/>
-                </a:solidFill>
-                <a:latin typeface="+mn-lt"/>
-                <a:ea typeface="+mn-ea"/>
-                <a:cs typeface="+mn-cs"/>
-              </a:defRPr>
-            </a:lvl3pPr>
-            <a:lvl4pPr marL="1600200" indent="-228600" algn="l" defTabSz="914400" rtl="0" eaLnBrk="1" latinLnBrk="0" hangingPunct="1">
-              <a:spcBef>
-                <a:spcPct val="20000"/>
-              </a:spcBef>
-              <a:buFont typeface="Arial" pitchFamily="34" charset="0"/>
-              <a:buChar char="–"/>
-              <a:defRPr sz="2000" kern="1200">
-                <a:solidFill>
-                  <a:schemeClr val="tx1"/>
-                </a:solidFill>
-                <a:latin typeface="+mn-lt"/>
-                <a:ea typeface="+mn-ea"/>
-                <a:cs typeface="+mn-cs"/>
-              </a:defRPr>
-            </a:lvl4pPr>
-            <a:lvl5pPr marL="2057400" indent="-228600" algn="l" defTabSz="914400" rtl="0" eaLnBrk="1" latinLnBrk="0" hangingPunct="1">
-              <a:spcBef>
-                <a:spcPct val="20000"/>
-              </a:spcBef>
-              <a:buFont typeface="Arial" pitchFamily="34" charset="0"/>
-              <a:buChar char="»"/>
-              <a:defRPr sz="2000" kern="1200">
-                <a:solidFill>
-                  <a:schemeClr val="tx1"/>
-                </a:solidFill>
-                <a:latin typeface="+mn-lt"/>
-                <a:ea typeface="+mn-ea"/>
-                <a:cs typeface="+mn-cs"/>
-              </a:defRPr>
-            </a:lvl5pPr>
-            <a:lvl6pPr marL="2514600" indent="-228600" algn="l" defTabSz="914400" rtl="0" eaLnBrk="1" latinLnBrk="0" hangingPunct="1">
-              <a:spcBef>
-                <a:spcPct val="20000"/>
-              </a:spcBef>
-              <a:buFont typeface="Arial" pitchFamily="34" charset="0"/>
-              <a:buChar char="•"/>
-              <a:defRPr sz="2000" kern="1200">
-                <a:solidFill>
-                  <a:schemeClr val="tx1"/>
-                </a:solidFill>
-                <a:latin typeface="+mn-lt"/>
-                <a:ea typeface="+mn-ea"/>
-                <a:cs typeface="+mn-cs"/>
-              </a:defRPr>
-            </a:lvl6pPr>
-            <a:lvl7pPr marL="2971800" indent="-228600" algn="l" defTabSz="914400" rtl="0" eaLnBrk="1" latinLnBrk="0" hangingPunct="1">
-              <a:spcBef>
-                <a:spcPct val="20000"/>
-              </a:spcBef>
-              <a:buFont typeface="Arial" pitchFamily="34" charset="0"/>
-              <a:buChar char="•"/>
-              <a:defRPr sz="2000" kern="1200">
-                <a:solidFill>
-                  <a:schemeClr val="tx1"/>
-                </a:solidFill>
-                <a:latin typeface="+mn-lt"/>
-                <a:ea typeface="+mn-ea"/>
-                <a:cs typeface="+mn-cs"/>
-              </a:defRPr>
-            </a:lvl7pPr>
-            <a:lvl8pPr marL="3429000" indent="-228600" algn="l" defTabSz="914400" rtl="0" eaLnBrk="1" latinLnBrk="0" hangingPunct="1">
-              <a:spcBef>
-                <a:spcPct val="20000"/>
-              </a:spcBef>
-              <a:buFont typeface="Arial" pitchFamily="34" charset="0"/>
-              <a:buChar char="•"/>
-              <a:defRPr sz="2000" kern="1200">
-                <a:solidFill>
-                  <a:schemeClr val="tx1"/>
-                </a:solidFill>
-                <a:latin typeface="+mn-lt"/>
-                <a:ea typeface="+mn-ea"/>
-                <a:cs typeface="+mn-cs"/>
-              </a:defRPr>
-            </a:lvl8pPr>
-            <a:lvl9pPr marL="3886200" indent="-228600" algn="l" defTabSz="914400" rtl="0" eaLnBrk="1" latinLnBrk="0" hangingPunct="1">
-              <a:spcBef>
-                <a:spcPct val="20000"/>
-              </a:spcBef>
-              <a:buFont typeface="Arial" pitchFamily="34" charset="0"/>
-              <a:buChar char="•"/>
-              <a:defRPr sz="2000" kern="1200">
-                <a:solidFill>
-                  <a:schemeClr val="tx1"/>
-                </a:solidFill>
-                <a:latin typeface="+mn-lt"/>
-                <a:ea typeface="+mn-ea"/>
-                <a:cs typeface="+mn-cs"/>
-              </a:defRPr>
-            </a:lvl9pPr>
-          </a:lstStyle>
-          <a:p>
-            <a:pPr marL="0" indent="0" algn="ctr">
-              <a:buNone/>
-            </a:pPr>
-            <a:r>
-              <a:rPr lang="en-US" sz="2400" dirty="0">
+          <a:lstStyle/>
+          <a:p>
+            <a:r>
+              <a:rPr lang="en-US" b="0" dirty="0">
                 <a:solidFill>
                   <a:srgbClr val="232D48"/>
                 </a:solidFill>
@@ -6478,198 +6371,19 @@
       </p:sp>
       <p:sp>
         <p:nvSpPr>
-          <p:cNvPr id="4" name="Text Placeholder 4"/>
-          <p:cNvSpPr txBox="1">
-            <a:spLocks/>
+          <p:cNvPr id="9" name="Content Placeholder 3"/>
+          <p:cNvSpPr>
+            <a:spLocks noGrp="1"/>
           </p:cNvSpPr>
-          <p:nvPr/>
+          <p:nvPr>
+            <p:ph sz="half" idx="2"/>
+          </p:nvPr>
         </p:nvSpPr>
         <p:spPr>
           <a:xfrm>
-            <a:off x="4572000" y="2724454"/>
-            <a:ext cx="4275740" cy="458113"/>
+            <a:off x="296259" y="3182570"/>
+            <a:ext cx="4280806" cy="1957951"/>
           </a:xfrm>
-          <a:prstGeom prst="rect">
-            <a:avLst/>
-          </a:prstGeom>
-          <a:ln w="28575">
-            <a:solidFill>
-              <a:srgbClr val="E39A39"/>
-            </a:solidFill>
-          </a:ln>
-        </p:spPr>
-        <p:txBody>
-          <a:bodyPr>
-            <a:normAutofit/>
-          </a:bodyPr>
-          <a:lstStyle>
-            <a:lvl1pPr marL="342900" indent="-342900" algn="l" defTabSz="914400" rtl="0" eaLnBrk="1" latinLnBrk="0" hangingPunct="1">
-              <a:spcBef>
-                <a:spcPct val="20000"/>
-              </a:spcBef>
-              <a:buFont typeface="Arial" pitchFamily="34" charset="0"/>
-              <a:buChar char="•"/>
-              <a:defRPr sz="3200" kern="1200">
-                <a:solidFill>
-                  <a:schemeClr val="tx1"/>
-                </a:solidFill>
-                <a:latin typeface="+mn-lt"/>
-                <a:ea typeface="+mn-ea"/>
-                <a:cs typeface="+mn-cs"/>
-              </a:defRPr>
-            </a:lvl1pPr>
-            <a:lvl2pPr marL="742950" indent="-285750" algn="l" defTabSz="914400" rtl="0" eaLnBrk="1" latinLnBrk="0" hangingPunct="1">
-              <a:spcBef>
-                <a:spcPct val="20000"/>
-              </a:spcBef>
-              <a:buFont typeface="Arial" pitchFamily="34" charset="0"/>
-              <a:buChar char="–"/>
-              <a:defRPr sz="2800" kern="1200">
-                <a:solidFill>
-                  <a:schemeClr val="tx1"/>
-                </a:solidFill>
-                <a:latin typeface="+mn-lt"/>
-                <a:ea typeface="+mn-ea"/>
-                <a:cs typeface="+mn-cs"/>
-              </a:defRPr>
-            </a:lvl2pPr>
-            <a:lvl3pPr marL="1143000" indent="-228600" algn="l" defTabSz="914400" rtl="0" eaLnBrk="1" latinLnBrk="0" hangingPunct="1">
-              <a:spcBef>
-                <a:spcPct val="20000"/>
-              </a:spcBef>
-              <a:buFont typeface="Arial" pitchFamily="34" charset="0"/>
-              <a:buChar char="•"/>
-              <a:defRPr sz="2400" kern="1200">
-                <a:solidFill>
-                  <a:schemeClr val="tx1"/>
-                </a:solidFill>
-                <a:latin typeface="+mn-lt"/>
-                <a:ea typeface="+mn-ea"/>
-                <a:cs typeface="+mn-cs"/>
-              </a:defRPr>
-            </a:lvl3pPr>
-            <a:lvl4pPr marL="1600200" indent="-228600" algn="l" defTabSz="914400" rtl="0" eaLnBrk="1" latinLnBrk="0" hangingPunct="1">
-              <a:spcBef>
-                <a:spcPct val="20000"/>
-              </a:spcBef>
-              <a:buFont typeface="Arial" pitchFamily="34" charset="0"/>
-              <a:buChar char="–"/>
-              <a:defRPr sz="2000" kern="1200">
-                <a:solidFill>
-                  <a:schemeClr val="tx1"/>
-                </a:solidFill>
-                <a:latin typeface="+mn-lt"/>
-                <a:ea typeface="+mn-ea"/>
-                <a:cs typeface="+mn-cs"/>
-              </a:defRPr>
-            </a:lvl4pPr>
-            <a:lvl5pPr marL="2057400" indent="-228600" algn="l" defTabSz="914400" rtl="0" eaLnBrk="1" latinLnBrk="0" hangingPunct="1">
-              <a:spcBef>
-                <a:spcPct val="20000"/>
-              </a:spcBef>
-              <a:buFont typeface="Arial" pitchFamily="34" charset="0"/>
-              <a:buChar char="»"/>
-              <a:defRPr sz="2000" kern="1200">
-                <a:solidFill>
-                  <a:schemeClr val="tx1"/>
-                </a:solidFill>
-                <a:latin typeface="+mn-lt"/>
-                <a:ea typeface="+mn-ea"/>
-                <a:cs typeface="+mn-cs"/>
-              </a:defRPr>
-            </a:lvl5pPr>
-            <a:lvl6pPr marL="2514600" indent="-228600" algn="l" defTabSz="914400" rtl="0" eaLnBrk="1" latinLnBrk="0" hangingPunct="1">
-              <a:spcBef>
-                <a:spcPct val="20000"/>
-              </a:spcBef>
-              <a:buFont typeface="Arial" pitchFamily="34" charset="0"/>
-              <a:buChar char="•"/>
-              <a:defRPr sz="2000" kern="1200">
-                <a:solidFill>
-                  <a:schemeClr val="tx1"/>
-                </a:solidFill>
-                <a:latin typeface="+mn-lt"/>
-                <a:ea typeface="+mn-ea"/>
-                <a:cs typeface="+mn-cs"/>
-              </a:defRPr>
-            </a:lvl6pPr>
-            <a:lvl7pPr marL="2971800" indent="-228600" algn="l" defTabSz="914400" rtl="0" eaLnBrk="1" latinLnBrk="0" hangingPunct="1">
-              <a:spcBef>
-                <a:spcPct val="20000"/>
-              </a:spcBef>
-              <a:buFont typeface="Arial" pitchFamily="34" charset="0"/>
-              <a:buChar char="•"/>
-              <a:defRPr sz="2000" kern="1200">
-                <a:solidFill>
-                  <a:schemeClr val="tx1"/>
-                </a:solidFill>
-                <a:latin typeface="+mn-lt"/>
-                <a:ea typeface="+mn-ea"/>
-                <a:cs typeface="+mn-cs"/>
-              </a:defRPr>
-            </a:lvl7pPr>
-            <a:lvl8pPr marL="3429000" indent="-228600" algn="l" defTabSz="914400" rtl="0" eaLnBrk="1" latinLnBrk="0" hangingPunct="1">
-              <a:spcBef>
-                <a:spcPct val="20000"/>
-              </a:spcBef>
-              <a:buFont typeface="Arial" pitchFamily="34" charset="0"/>
-              <a:buChar char="•"/>
-              <a:defRPr sz="2000" kern="1200">
-                <a:solidFill>
-                  <a:schemeClr val="tx1"/>
-                </a:solidFill>
-                <a:latin typeface="+mn-lt"/>
-                <a:ea typeface="+mn-ea"/>
-                <a:cs typeface="+mn-cs"/>
-              </a:defRPr>
-            </a:lvl8pPr>
-            <a:lvl9pPr marL="3886200" indent="-228600" algn="l" defTabSz="914400" rtl="0" eaLnBrk="1" latinLnBrk="0" hangingPunct="1">
-              <a:spcBef>
-                <a:spcPct val="20000"/>
-              </a:spcBef>
-              <a:buFont typeface="Arial" pitchFamily="34" charset="0"/>
-              <a:buChar char="•"/>
-              <a:defRPr sz="2000" kern="1200">
-                <a:solidFill>
-                  <a:schemeClr val="tx1"/>
-                </a:solidFill>
-                <a:latin typeface="+mn-lt"/>
-                <a:ea typeface="+mn-ea"/>
-                <a:cs typeface="+mn-cs"/>
-              </a:defRPr>
-            </a:lvl9pPr>
-          </a:lstStyle>
-          <a:p>
-            <a:pPr marL="0" indent="0" algn="ctr">
-              <a:buNone/>
-            </a:pPr>
-            <a:r>
-              <a:rPr lang="en-US" sz="2400" dirty="0">
-                <a:solidFill>
-                  <a:srgbClr val="232D48"/>
-                </a:solidFill>
-              </a:rPr>
-              <a:t>BCS Code of Conduct</a:t>
-            </a:r>
-          </a:p>
-        </p:txBody>
-      </p:sp>
-      <p:sp>
-        <p:nvSpPr>
-          <p:cNvPr id="5" name="Content Placeholder 5"/>
-          <p:cNvSpPr txBox="1">
-            <a:spLocks/>
-          </p:cNvSpPr>
-          <p:nvPr/>
-        </p:nvSpPr>
-        <p:spPr>
-          <a:xfrm>
-            <a:off x="4571999" y="3182569"/>
-            <a:ext cx="4275741" cy="1832461"/>
-          </a:xfrm>
-          <a:prstGeom prst="rect">
-            <a:avLst/>
-          </a:prstGeom>
           <a:solidFill>
             <a:srgbClr val="232D48"/>
           </a:solidFill>
@@ -6683,187 +6397,75 @@
           <a:bodyPr>
             <a:normAutofit/>
           </a:bodyPr>
-          <a:lstStyle>
-            <a:lvl1pPr marL="342900" indent="-342900" algn="l" defTabSz="914400" rtl="0" eaLnBrk="1" latinLnBrk="0" hangingPunct="1">
-              <a:spcBef>
-                <a:spcPct val="20000"/>
-              </a:spcBef>
-              <a:buFont typeface="Arial" pitchFamily="34" charset="0"/>
-              <a:buChar char="•"/>
-              <a:defRPr sz="3200" kern="1200">
-                <a:solidFill>
-                  <a:schemeClr val="tx1"/>
-                </a:solidFill>
-                <a:latin typeface="+mn-lt"/>
-                <a:ea typeface="+mn-ea"/>
-                <a:cs typeface="+mn-cs"/>
-              </a:defRPr>
-            </a:lvl1pPr>
-            <a:lvl2pPr marL="742950" indent="-285750" algn="l" defTabSz="914400" rtl="0" eaLnBrk="1" latinLnBrk="0" hangingPunct="1">
-              <a:spcBef>
-                <a:spcPct val="20000"/>
-              </a:spcBef>
-              <a:buFont typeface="Arial" pitchFamily="34" charset="0"/>
-              <a:buChar char="–"/>
-              <a:defRPr sz="2800" kern="1200">
-                <a:solidFill>
-                  <a:schemeClr val="tx1"/>
-                </a:solidFill>
-                <a:latin typeface="+mn-lt"/>
-                <a:ea typeface="+mn-ea"/>
-                <a:cs typeface="+mn-cs"/>
-              </a:defRPr>
-            </a:lvl2pPr>
-            <a:lvl3pPr marL="1143000" indent="-228600" algn="l" defTabSz="914400" rtl="0" eaLnBrk="1" latinLnBrk="0" hangingPunct="1">
-              <a:spcBef>
-                <a:spcPct val="20000"/>
-              </a:spcBef>
-              <a:buFont typeface="Arial" pitchFamily="34" charset="0"/>
-              <a:buChar char="•"/>
-              <a:defRPr sz="2400" kern="1200">
-                <a:solidFill>
-                  <a:schemeClr val="tx1"/>
-                </a:solidFill>
-                <a:latin typeface="+mn-lt"/>
-                <a:ea typeface="+mn-ea"/>
-                <a:cs typeface="+mn-cs"/>
-              </a:defRPr>
-            </a:lvl3pPr>
-            <a:lvl4pPr marL="1600200" indent="-228600" algn="l" defTabSz="914400" rtl="0" eaLnBrk="1" latinLnBrk="0" hangingPunct="1">
-              <a:spcBef>
-                <a:spcPct val="20000"/>
-              </a:spcBef>
-              <a:buFont typeface="Arial" pitchFamily="34" charset="0"/>
-              <a:buChar char="–"/>
-              <a:defRPr sz="2000" kern="1200">
-                <a:solidFill>
-                  <a:schemeClr val="tx1"/>
-                </a:solidFill>
-                <a:latin typeface="+mn-lt"/>
-                <a:ea typeface="+mn-ea"/>
-                <a:cs typeface="+mn-cs"/>
-              </a:defRPr>
-            </a:lvl4pPr>
-            <a:lvl5pPr marL="2057400" indent="-228600" algn="l" defTabSz="914400" rtl="0" eaLnBrk="1" latinLnBrk="0" hangingPunct="1">
-              <a:spcBef>
-                <a:spcPct val="20000"/>
-              </a:spcBef>
-              <a:buFont typeface="Arial" pitchFamily="34" charset="0"/>
-              <a:buChar char="»"/>
-              <a:defRPr sz="2000" kern="1200">
-                <a:solidFill>
-                  <a:schemeClr val="tx1"/>
-                </a:solidFill>
-                <a:latin typeface="+mn-lt"/>
-                <a:ea typeface="+mn-ea"/>
-                <a:cs typeface="+mn-cs"/>
-              </a:defRPr>
-            </a:lvl5pPr>
-            <a:lvl6pPr marL="2514600" indent="-228600" algn="l" defTabSz="914400" rtl="0" eaLnBrk="1" latinLnBrk="0" hangingPunct="1">
-              <a:spcBef>
-                <a:spcPct val="20000"/>
-              </a:spcBef>
-              <a:buFont typeface="Arial" pitchFamily="34" charset="0"/>
-              <a:buChar char="•"/>
-              <a:defRPr sz="2000" kern="1200">
-                <a:solidFill>
-                  <a:schemeClr val="tx1"/>
-                </a:solidFill>
-                <a:latin typeface="+mn-lt"/>
-                <a:ea typeface="+mn-ea"/>
-                <a:cs typeface="+mn-cs"/>
-              </a:defRPr>
-            </a:lvl6pPr>
-            <a:lvl7pPr marL="2971800" indent="-228600" algn="l" defTabSz="914400" rtl="0" eaLnBrk="1" latinLnBrk="0" hangingPunct="1">
-              <a:spcBef>
-                <a:spcPct val="20000"/>
-              </a:spcBef>
-              <a:buFont typeface="Arial" pitchFamily="34" charset="0"/>
-              <a:buChar char="•"/>
-              <a:defRPr sz="2000" kern="1200">
-                <a:solidFill>
-                  <a:schemeClr val="tx1"/>
-                </a:solidFill>
-                <a:latin typeface="+mn-lt"/>
-                <a:ea typeface="+mn-ea"/>
-                <a:cs typeface="+mn-cs"/>
-              </a:defRPr>
-            </a:lvl7pPr>
-            <a:lvl8pPr marL="3429000" indent="-228600" algn="l" defTabSz="914400" rtl="0" eaLnBrk="1" latinLnBrk="0" hangingPunct="1">
-              <a:spcBef>
-                <a:spcPct val="20000"/>
-              </a:spcBef>
-              <a:buFont typeface="Arial" pitchFamily="34" charset="0"/>
-              <a:buChar char="•"/>
-              <a:defRPr sz="2000" kern="1200">
-                <a:solidFill>
-                  <a:schemeClr val="tx1"/>
-                </a:solidFill>
-                <a:latin typeface="+mn-lt"/>
-                <a:ea typeface="+mn-ea"/>
-                <a:cs typeface="+mn-cs"/>
-              </a:defRPr>
-            </a:lvl8pPr>
-            <a:lvl9pPr marL="3886200" indent="-228600" algn="l" defTabSz="914400" rtl="0" eaLnBrk="1" latinLnBrk="0" hangingPunct="1">
-              <a:spcBef>
-                <a:spcPct val="20000"/>
-              </a:spcBef>
-              <a:buFont typeface="Arial" pitchFamily="34" charset="0"/>
-              <a:buChar char="•"/>
-              <a:defRPr sz="2000" kern="1200">
-                <a:solidFill>
-                  <a:schemeClr val="tx1"/>
-                </a:solidFill>
-                <a:latin typeface="+mn-lt"/>
-                <a:ea typeface="+mn-ea"/>
-                <a:cs typeface="+mn-cs"/>
-              </a:defRPr>
-            </a:lvl9pPr>
-          </a:lstStyle>
-          <a:p>
-            <a:pPr marL="0" indent="0" algn="ctr">
+          <a:lstStyle/>
+          <a:p>
+            <a:pPr marL="0" indent="0">
               <a:buNone/>
             </a:pPr>
             <a:r>
-              <a:rPr lang="en-US" sz="2200" dirty="0">
+              <a:rPr lang="en-US" dirty="0">
                 <a:solidFill>
                   <a:schemeClr val="bg1"/>
                 </a:solidFill>
               </a:rPr>
-              <a:t>4. Duty to the Profession</a:t>
-            </a:r>
-          </a:p>
-          <a:p>
-            <a:pPr marL="0" indent="0" algn="ctr">
-              <a:buNone/>
-            </a:pPr>
-            <a:r>
-              <a:rPr lang="en-US" sz="2200" dirty="0">
-                <a:solidFill>
-                  <a:schemeClr val="bg1"/>
-                </a:solidFill>
-              </a:rPr>
-              <a:t>d) Act with integrity and respect in your professional relationships with all members </a:t>
-            </a:r>
-          </a:p>
-        </p:txBody>
-      </p:sp>
-      <p:sp>
-        <p:nvSpPr>
-          <p:cNvPr id="9" name="Content Placeholder 3"/>
-          <p:cNvSpPr txBox="1">
-            <a:spLocks/>
+              <a:t>1.1 Contribute to society and to human well-being, acknowledging that all people are stakeholders in computing.</a:t>
+            </a:r>
+          </a:p>
+        </p:txBody>
+      </p:sp>
+      <p:sp>
+        <p:nvSpPr>
+          <p:cNvPr id="10" name="Text Placeholder 4"/>
+          <p:cNvSpPr>
+            <a:spLocks noGrp="1"/>
           </p:cNvSpPr>
-          <p:nvPr/>
+          <p:nvPr>
+            <p:ph type="body" sz="quarter" idx="3"/>
+          </p:nvPr>
         </p:nvSpPr>
         <p:spPr>
           <a:xfrm>
-            <a:off x="296259" y="3182571"/>
-            <a:ext cx="4280806" cy="1832460"/>
+            <a:off x="4572000" y="2702746"/>
+            <a:ext cx="4275740" cy="479822"/>
           </a:xfrm>
-          <a:prstGeom prst="rect">
-            <a:avLst/>
-          </a:prstGeom>
+          <a:ln w="28575">
+            <a:solidFill>
+              <a:srgbClr val="E39A39"/>
+            </a:solidFill>
+          </a:ln>
+        </p:spPr>
+        <p:txBody>
+          <a:bodyPr>
+            <a:normAutofit/>
+          </a:bodyPr>
+          <a:lstStyle/>
+          <a:p>
+            <a:r>
+              <a:rPr lang="en-US" b="0" dirty="0">
+                <a:solidFill>
+                  <a:srgbClr val="232D48"/>
+                </a:solidFill>
+              </a:rPr>
+              <a:t>BCS Code of Conduct</a:t>
+            </a:r>
+          </a:p>
+        </p:txBody>
+      </p:sp>
+      <p:sp>
+        <p:nvSpPr>
+          <p:cNvPr id="11" name="Content Placeholder 5"/>
+          <p:cNvSpPr>
+            <a:spLocks noGrp="1"/>
+          </p:cNvSpPr>
+          <p:nvPr>
+            <p:ph sz="quarter" idx="4"/>
+          </p:nvPr>
+        </p:nvSpPr>
+        <p:spPr>
+          <a:xfrm>
+            <a:off x="4571999" y="3182569"/>
+            <a:ext cx="4275741" cy="1957951"/>
+          </a:xfrm>
           <a:solidFill>
             <a:srgbClr val="232D48"/>
           </a:solidFill>
@@ -6875,163 +6477,40 @@
         </p:spPr>
         <p:txBody>
           <a:bodyPr>
-            <a:noAutofit/>
+            <a:normAutofit/>
           </a:bodyPr>
-          <a:lstStyle>
-            <a:lvl1pPr marL="342900" indent="-342900" algn="l" defTabSz="914400" rtl="0" eaLnBrk="1" latinLnBrk="0" hangingPunct="1">
-              <a:spcBef>
-                <a:spcPct val="20000"/>
-              </a:spcBef>
-              <a:buFont typeface="Arial" pitchFamily="34" charset="0"/>
-              <a:buChar char="•"/>
-              <a:defRPr sz="3200" kern="1200">
-                <a:solidFill>
-                  <a:schemeClr val="tx1"/>
-                </a:solidFill>
-                <a:latin typeface="+mn-lt"/>
-                <a:ea typeface="+mn-ea"/>
-                <a:cs typeface="+mn-cs"/>
-              </a:defRPr>
-            </a:lvl1pPr>
-            <a:lvl2pPr marL="742950" indent="-285750" algn="l" defTabSz="914400" rtl="0" eaLnBrk="1" latinLnBrk="0" hangingPunct="1">
-              <a:spcBef>
-                <a:spcPct val="20000"/>
-              </a:spcBef>
-              <a:buFont typeface="Arial" pitchFamily="34" charset="0"/>
-              <a:buChar char="–"/>
-              <a:defRPr sz="2800" kern="1200">
-                <a:solidFill>
-                  <a:schemeClr val="tx1"/>
-                </a:solidFill>
-                <a:latin typeface="+mn-lt"/>
-                <a:ea typeface="+mn-ea"/>
-                <a:cs typeface="+mn-cs"/>
-              </a:defRPr>
-            </a:lvl2pPr>
-            <a:lvl3pPr marL="1143000" indent="-228600" algn="l" defTabSz="914400" rtl="0" eaLnBrk="1" latinLnBrk="0" hangingPunct="1">
-              <a:spcBef>
-                <a:spcPct val="20000"/>
-              </a:spcBef>
-              <a:buFont typeface="Arial" pitchFamily="34" charset="0"/>
-              <a:buChar char="•"/>
-              <a:defRPr sz="2400" kern="1200">
-                <a:solidFill>
-                  <a:schemeClr val="tx1"/>
-                </a:solidFill>
-                <a:latin typeface="+mn-lt"/>
-                <a:ea typeface="+mn-ea"/>
-                <a:cs typeface="+mn-cs"/>
-              </a:defRPr>
-            </a:lvl3pPr>
-            <a:lvl4pPr marL="1600200" indent="-228600" algn="l" defTabSz="914400" rtl="0" eaLnBrk="1" latinLnBrk="0" hangingPunct="1">
-              <a:spcBef>
-                <a:spcPct val="20000"/>
-              </a:spcBef>
-              <a:buFont typeface="Arial" pitchFamily="34" charset="0"/>
-              <a:buChar char="–"/>
-              <a:defRPr sz="2000" kern="1200">
-                <a:solidFill>
-                  <a:schemeClr val="tx1"/>
-                </a:solidFill>
-                <a:latin typeface="+mn-lt"/>
-                <a:ea typeface="+mn-ea"/>
-                <a:cs typeface="+mn-cs"/>
-              </a:defRPr>
-            </a:lvl4pPr>
-            <a:lvl5pPr marL="2057400" indent="-228600" algn="l" defTabSz="914400" rtl="0" eaLnBrk="1" latinLnBrk="0" hangingPunct="1">
-              <a:spcBef>
-                <a:spcPct val="20000"/>
-              </a:spcBef>
-              <a:buFont typeface="Arial" pitchFamily="34" charset="0"/>
-              <a:buChar char="»"/>
-              <a:defRPr sz="2000" kern="1200">
-                <a:solidFill>
-                  <a:schemeClr val="tx1"/>
-                </a:solidFill>
-                <a:latin typeface="+mn-lt"/>
-                <a:ea typeface="+mn-ea"/>
-                <a:cs typeface="+mn-cs"/>
-              </a:defRPr>
-            </a:lvl5pPr>
-            <a:lvl6pPr marL="2514600" indent="-228600" algn="l" defTabSz="914400" rtl="0" eaLnBrk="1" latinLnBrk="0" hangingPunct="1">
-              <a:spcBef>
-                <a:spcPct val="20000"/>
-              </a:spcBef>
-              <a:buFont typeface="Arial" pitchFamily="34" charset="0"/>
-              <a:buChar char="•"/>
-              <a:defRPr sz="2000" kern="1200">
-                <a:solidFill>
-                  <a:schemeClr val="tx1"/>
-                </a:solidFill>
-                <a:latin typeface="+mn-lt"/>
-                <a:ea typeface="+mn-ea"/>
-                <a:cs typeface="+mn-cs"/>
-              </a:defRPr>
-            </a:lvl6pPr>
-            <a:lvl7pPr marL="2971800" indent="-228600" algn="l" defTabSz="914400" rtl="0" eaLnBrk="1" latinLnBrk="0" hangingPunct="1">
-              <a:spcBef>
-                <a:spcPct val="20000"/>
-              </a:spcBef>
-              <a:buFont typeface="Arial" pitchFamily="34" charset="0"/>
-              <a:buChar char="•"/>
-              <a:defRPr sz="2000" kern="1200">
-                <a:solidFill>
-                  <a:schemeClr val="tx1"/>
-                </a:solidFill>
-                <a:latin typeface="+mn-lt"/>
-                <a:ea typeface="+mn-ea"/>
-                <a:cs typeface="+mn-cs"/>
-              </a:defRPr>
-            </a:lvl7pPr>
-            <a:lvl8pPr marL="3429000" indent="-228600" algn="l" defTabSz="914400" rtl="0" eaLnBrk="1" latinLnBrk="0" hangingPunct="1">
-              <a:spcBef>
-                <a:spcPct val="20000"/>
-              </a:spcBef>
-              <a:buFont typeface="Arial" pitchFamily="34" charset="0"/>
-              <a:buChar char="•"/>
-              <a:defRPr sz="2000" kern="1200">
-                <a:solidFill>
-                  <a:schemeClr val="tx1"/>
-                </a:solidFill>
-                <a:latin typeface="+mn-lt"/>
-                <a:ea typeface="+mn-ea"/>
-                <a:cs typeface="+mn-cs"/>
-              </a:defRPr>
-            </a:lvl8pPr>
-            <a:lvl9pPr marL="3886200" indent="-228600" algn="l" defTabSz="914400" rtl="0" eaLnBrk="1" latinLnBrk="0" hangingPunct="1">
-              <a:spcBef>
-                <a:spcPct val="20000"/>
-              </a:spcBef>
-              <a:buFont typeface="Arial" pitchFamily="34" charset="0"/>
-              <a:buChar char="•"/>
-              <a:defRPr sz="2000" kern="1200">
-                <a:solidFill>
-                  <a:schemeClr val="tx1"/>
-                </a:solidFill>
-                <a:latin typeface="+mn-lt"/>
-                <a:ea typeface="+mn-ea"/>
-                <a:cs typeface="+mn-cs"/>
-              </a:defRPr>
-            </a:lvl9pPr>
-          </a:lstStyle>
-          <a:p>
-            <a:pPr marL="0" indent="0" algn="ctr">
+          <a:lstStyle/>
+          <a:p>
+            <a:pPr marL="0" indent="0">
               <a:buNone/>
             </a:pPr>
             <a:r>
-              <a:rPr lang="en-US" sz="2200" dirty="0">
+              <a:rPr lang="en-US" dirty="0">
                 <a:solidFill>
                   <a:schemeClr val="bg1"/>
                 </a:solidFill>
               </a:rPr>
-              <a:t>3.6 Create opportunities for members of the organization and group to learn, respect, and be accountable.</a:t>
-            </a:r>
-          </a:p>
-        </p:txBody>
-      </p:sp>
-      <p:sp>
-        <p:nvSpPr>
-          <p:cNvPr id="12" name="Text Placeholder 2"/>
+              <a:t>4. Duty to the Profession</a:t>
+            </a:r>
+          </a:p>
+          <a:p>
+            <a:pPr marL="0" indent="0">
+              <a:buNone/>
+            </a:pPr>
+            <a:r>
+              <a:rPr lang="en-US" dirty="0">
+                <a:solidFill>
+                  <a:schemeClr val="bg1"/>
+                </a:solidFill>
+              </a:rPr>
+              <a:t>f) Encourage and support fellow members in their professional development.</a:t>
+            </a:r>
+          </a:p>
+        </p:txBody>
+      </p:sp>
+      <p:sp>
+        <p:nvSpPr>
+          <p:cNvPr id="13" name="Text Placeholder 2"/>
           <p:cNvSpPr txBox="1">
             <a:spLocks/>
           </p:cNvSpPr>
@@ -7039,8 +6518,8 @@
         </p:nvSpPr>
         <p:spPr>
           <a:xfrm>
-            <a:off x="296259" y="1197406"/>
-            <a:ext cx="8551481" cy="916229"/>
+            <a:off x="296259" y="1197405"/>
+            <a:ext cx="8551481" cy="1374345"/>
           </a:xfrm>
           <a:prstGeom prst="rect">
             <a:avLst/>
@@ -7207,7 +6686,7 @@
             </a:r>
             <a:r>
               <a:rPr lang="en-US" sz="2400" dirty="0"/>
-              <a:t>Bringing emotional and personal feud into a professional environment.</a:t>
+              <a:t>Placing a lot of pressure on team members.</a:t>
             </a:r>
           </a:p>
           <a:p>
@@ -7221,7 +6700,7 @@
     </p:spTree>
     <p:extLst>
       <p:ext uri="{BB962C8B-B14F-4D97-AF65-F5344CB8AC3E}">
-        <p14:creationId xmlns:p14="http://schemas.microsoft.com/office/powerpoint/2010/main" val="2015197701"/>
+        <p14:creationId xmlns:p14="http://schemas.microsoft.com/office/powerpoint/2010/main" val="3845035464"/>
       </p:ext>
     </p:extLst>
   </p:cSld>
@@ -7250,19 +6729,20 @@
       </p:grpSpPr>
       <p:sp>
         <p:nvSpPr>
-          <p:cNvPr id="8" name="Text Placeholder 2"/>
-          <p:cNvSpPr>
-            <a:spLocks noGrp="1"/>
+          <p:cNvPr id="2" name="Text Placeholder 2"/>
+          <p:cNvSpPr txBox="1">
+            <a:spLocks/>
           </p:cNvSpPr>
-          <p:nvPr>
-            <p:ph type="body" idx="1"/>
-          </p:nvPr>
+          <p:nvPr/>
         </p:nvSpPr>
         <p:spPr>
           <a:xfrm>
             <a:off x="296261" y="2702745"/>
             <a:ext cx="4275738" cy="479822"/>
           </a:xfrm>
+          <a:prstGeom prst="rect">
+            <a:avLst/>
+          </a:prstGeom>
           <a:ln w="28575">
             <a:solidFill>
               <a:srgbClr val="E39A39"/>
@@ -7271,10 +6751,149 @@
         </p:spPr>
         <p:txBody>
           <a:bodyPr/>
-          <a:lstStyle/>
-          <a:p>
-            <a:r>
-              <a:rPr lang="en-US" b="0" dirty="0">
+          <a:lstStyle>
+            <a:lvl1pPr marL="342900" indent="-342900" algn="l" defTabSz="914400" rtl="0" eaLnBrk="1" latinLnBrk="0" hangingPunct="1">
+              <a:spcBef>
+                <a:spcPct val="20000"/>
+              </a:spcBef>
+              <a:buFont typeface="Arial" pitchFamily="34" charset="0"/>
+              <a:buChar char="•"/>
+              <a:defRPr sz="3200" kern="1200">
+                <a:solidFill>
+                  <a:schemeClr val="tx1"/>
+                </a:solidFill>
+                <a:latin typeface="+mn-lt"/>
+                <a:ea typeface="+mn-ea"/>
+                <a:cs typeface="+mn-cs"/>
+              </a:defRPr>
+            </a:lvl1pPr>
+            <a:lvl2pPr marL="742950" indent="-285750" algn="l" defTabSz="914400" rtl="0" eaLnBrk="1" latinLnBrk="0" hangingPunct="1">
+              <a:spcBef>
+                <a:spcPct val="20000"/>
+              </a:spcBef>
+              <a:buFont typeface="Arial" pitchFamily="34" charset="0"/>
+              <a:buChar char="–"/>
+              <a:defRPr sz="2800" kern="1200">
+                <a:solidFill>
+                  <a:schemeClr val="tx1"/>
+                </a:solidFill>
+                <a:latin typeface="+mn-lt"/>
+                <a:ea typeface="+mn-ea"/>
+                <a:cs typeface="+mn-cs"/>
+              </a:defRPr>
+            </a:lvl2pPr>
+            <a:lvl3pPr marL="1143000" indent="-228600" algn="l" defTabSz="914400" rtl="0" eaLnBrk="1" latinLnBrk="0" hangingPunct="1">
+              <a:spcBef>
+                <a:spcPct val="20000"/>
+              </a:spcBef>
+              <a:buFont typeface="Arial" pitchFamily="34" charset="0"/>
+              <a:buChar char="•"/>
+              <a:defRPr sz="2400" kern="1200">
+                <a:solidFill>
+                  <a:schemeClr val="tx1"/>
+                </a:solidFill>
+                <a:latin typeface="+mn-lt"/>
+                <a:ea typeface="+mn-ea"/>
+                <a:cs typeface="+mn-cs"/>
+              </a:defRPr>
+            </a:lvl3pPr>
+            <a:lvl4pPr marL="1600200" indent="-228600" algn="l" defTabSz="914400" rtl="0" eaLnBrk="1" latinLnBrk="0" hangingPunct="1">
+              <a:spcBef>
+                <a:spcPct val="20000"/>
+              </a:spcBef>
+              <a:buFont typeface="Arial" pitchFamily="34" charset="0"/>
+              <a:buChar char="–"/>
+              <a:defRPr sz="2000" kern="1200">
+                <a:solidFill>
+                  <a:schemeClr val="tx1"/>
+                </a:solidFill>
+                <a:latin typeface="+mn-lt"/>
+                <a:ea typeface="+mn-ea"/>
+                <a:cs typeface="+mn-cs"/>
+              </a:defRPr>
+            </a:lvl4pPr>
+            <a:lvl5pPr marL="2057400" indent="-228600" algn="l" defTabSz="914400" rtl="0" eaLnBrk="1" latinLnBrk="0" hangingPunct="1">
+              <a:spcBef>
+                <a:spcPct val="20000"/>
+              </a:spcBef>
+              <a:buFont typeface="Arial" pitchFamily="34" charset="0"/>
+              <a:buChar char="»"/>
+              <a:defRPr sz="2000" kern="1200">
+                <a:solidFill>
+                  <a:schemeClr val="tx1"/>
+                </a:solidFill>
+                <a:latin typeface="+mn-lt"/>
+                <a:ea typeface="+mn-ea"/>
+                <a:cs typeface="+mn-cs"/>
+              </a:defRPr>
+            </a:lvl5pPr>
+            <a:lvl6pPr marL="2514600" indent="-228600" algn="l" defTabSz="914400" rtl="0" eaLnBrk="1" latinLnBrk="0" hangingPunct="1">
+              <a:spcBef>
+                <a:spcPct val="20000"/>
+              </a:spcBef>
+              <a:buFont typeface="Arial" pitchFamily="34" charset="0"/>
+              <a:buChar char="•"/>
+              <a:defRPr sz="2000" kern="1200">
+                <a:solidFill>
+                  <a:schemeClr val="tx1"/>
+                </a:solidFill>
+                <a:latin typeface="+mn-lt"/>
+                <a:ea typeface="+mn-ea"/>
+                <a:cs typeface="+mn-cs"/>
+              </a:defRPr>
+            </a:lvl6pPr>
+            <a:lvl7pPr marL="2971800" indent="-228600" algn="l" defTabSz="914400" rtl="0" eaLnBrk="1" latinLnBrk="0" hangingPunct="1">
+              <a:spcBef>
+                <a:spcPct val="20000"/>
+              </a:spcBef>
+              <a:buFont typeface="Arial" pitchFamily="34" charset="0"/>
+              <a:buChar char="•"/>
+              <a:defRPr sz="2000" kern="1200">
+                <a:solidFill>
+                  <a:schemeClr val="tx1"/>
+                </a:solidFill>
+                <a:latin typeface="+mn-lt"/>
+                <a:ea typeface="+mn-ea"/>
+                <a:cs typeface="+mn-cs"/>
+              </a:defRPr>
+            </a:lvl7pPr>
+            <a:lvl8pPr marL="3429000" indent="-228600" algn="l" defTabSz="914400" rtl="0" eaLnBrk="1" latinLnBrk="0" hangingPunct="1">
+              <a:spcBef>
+                <a:spcPct val="20000"/>
+              </a:spcBef>
+              <a:buFont typeface="Arial" pitchFamily="34" charset="0"/>
+              <a:buChar char="•"/>
+              <a:defRPr sz="2000" kern="1200">
+                <a:solidFill>
+                  <a:schemeClr val="tx1"/>
+                </a:solidFill>
+                <a:latin typeface="+mn-lt"/>
+                <a:ea typeface="+mn-ea"/>
+                <a:cs typeface="+mn-cs"/>
+              </a:defRPr>
+            </a:lvl8pPr>
+            <a:lvl9pPr marL="3886200" indent="-228600" algn="l" defTabSz="914400" rtl="0" eaLnBrk="1" latinLnBrk="0" hangingPunct="1">
+              <a:spcBef>
+                <a:spcPct val="20000"/>
+              </a:spcBef>
+              <a:buFont typeface="Arial" pitchFamily="34" charset="0"/>
+              <a:buChar char="•"/>
+              <a:defRPr sz="2000" kern="1200">
+                <a:solidFill>
+                  <a:schemeClr val="tx1"/>
+                </a:solidFill>
+                <a:latin typeface="+mn-lt"/>
+                <a:ea typeface="+mn-ea"/>
+                <a:cs typeface="+mn-cs"/>
+              </a:defRPr>
+            </a:lvl9pPr>
+          </a:lstStyle>
+          <a:p>
+            <a:pPr marL="0" indent="0" algn="ctr">
+              <a:buNone/>
+            </a:pPr>
+            <a:r>
+              <a:rPr lang="en-US" sz="2400" dirty="0">
                 <a:solidFill>
                   <a:srgbClr val="232D48"/>
                 </a:solidFill>
@@ -7286,19 +6905,20 @@
       </p:sp>
       <p:sp>
         <p:nvSpPr>
-          <p:cNvPr id="9" name="Content Placeholder 3"/>
-          <p:cNvSpPr>
-            <a:spLocks noGrp="1"/>
+          <p:cNvPr id="3" name="Content Placeholder 3"/>
+          <p:cNvSpPr txBox="1">
+            <a:spLocks/>
           </p:cNvSpPr>
-          <p:nvPr>
-            <p:ph sz="half" idx="2"/>
-          </p:nvPr>
+          <p:nvPr/>
         </p:nvSpPr>
         <p:spPr>
           <a:xfrm>
             <a:off x="296259" y="3182570"/>
             <a:ext cx="4280806" cy="1957951"/>
           </a:xfrm>
+          <a:prstGeom prst="rect">
+            <a:avLst/>
+          </a:prstGeom>
           <a:solidFill>
             <a:srgbClr val="232D48"/>
           </a:solidFill>
@@ -7312,37 +6932,174 @@
           <a:bodyPr>
             <a:normAutofit/>
           </a:bodyPr>
-          <a:lstStyle/>
-          <a:p>
-            <a:pPr marL="0" indent="0">
+          <a:lstStyle>
+            <a:lvl1pPr marL="342900" indent="-342900" algn="l" defTabSz="914400" rtl="0" eaLnBrk="1" latinLnBrk="0" hangingPunct="1">
+              <a:spcBef>
+                <a:spcPct val="20000"/>
+              </a:spcBef>
+              <a:buFont typeface="Arial" pitchFamily="34" charset="0"/>
+              <a:buChar char="•"/>
+              <a:defRPr sz="3200" kern="1200">
+                <a:solidFill>
+                  <a:schemeClr val="tx1"/>
+                </a:solidFill>
+                <a:latin typeface="+mn-lt"/>
+                <a:ea typeface="+mn-ea"/>
+                <a:cs typeface="+mn-cs"/>
+              </a:defRPr>
+            </a:lvl1pPr>
+            <a:lvl2pPr marL="742950" indent="-285750" algn="l" defTabSz="914400" rtl="0" eaLnBrk="1" latinLnBrk="0" hangingPunct="1">
+              <a:spcBef>
+                <a:spcPct val="20000"/>
+              </a:spcBef>
+              <a:buFont typeface="Arial" pitchFamily="34" charset="0"/>
+              <a:buChar char="–"/>
+              <a:defRPr sz="2800" kern="1200">
+                <a:solidFill>
+                  <a:schemeClr val="tx1"/>
+                </a:solidFill>
+                <a:latin typeface="+mn-lt"/>
+                <a:ea typeface="+mn-ea"/>
+                <a:cs typeface="+mn-cs"/>
+              </a:defRPr>
+            </a:lvl2pPr>
+            <a:lvl3pPr marL="1143000" indent="-228600" algn="l" defTabSz="914400" rtl="0" eaLnBrk="1" latinLnBrk="0" hangingPunct="1">
+              <a:spcBef>
+                <a:spcPct val="20000"/>
+              </a:spcBef>
+              <a:buFont typeface="Arial" pitchFamily="34" charset="0"/>
+              <a:buChar char="•"/>
+              <a:defRPr sz="2400" kern="1200">
+                <a:solidFill>
+                  <a:schemeClr val="tx1"/>
+                </a:solidFill>
+                <a:latin typeface="+mn-lt"/>
+                <a:ea typeface="+mn-ea"/>
+                <a:cs typeface="+mn-cs"/>
+              </a:defRPr>
+            </a:lvl3pPr>
+            <a:lvl4pPr marL="1600200" indent="-228600" algn="l" defTabSz="914400" rtl="0" eaLnBrk="1" latinLnBrk="0" hangingPunct="1">
+              <a:spcBef>
+                <a:spcPct val="20000"/>
+              </a:spcBef>
+              <a:buFont typeface="Arial" pitchFamily="34" charset="0"/>
+              <a:buChar char="–"/>
+              <a:defRPr sz="2000" kern="1200">
+                <a:solidFill>
+                  <a:schemeClr val="tx1"/>
+                </a:solidFill>
+                <a:latin typeface="+mn-lt"/>
+                <a:ea typeface="+mn-ea"/>
+                <a:cs typeface="+mn-cs"/>
+              </a:defRPr>
+            </a:lvl4pPr>
+            <a:lvl5pPr marL="2057400" indent="-228600" algn="l" defTabSz="914400" rtl="0" eaLnBrk="1" latinLnBrk="0" hangingPunct="1">
+              <a:spcBef>
+                <a:spcPct val="20000"/>
+              </a:spcBef>
+              <a:buFont typeface="Arial" pitchFamily="34" charset="0"/>
+              <a:buChar char="»"/>
+              <a:defRPr sz="2000" kern="1200">
+                <a:solidFill>
+                  <a:schemeClr val="tx1"/>
+                </a:solidFill>
+                <a:latin typeface="+mn-lt"/>
+                <a:ea typeface="+mn-ea"/>
+                <a:cs typeface="+mn-cs"/>
+              </a:defRPr>
+            </a:lvl5pPr>
+            <a:lvl6pPr marL="2514600" indent="-228600" algn="l" defTabSz="914400" rtl="0" eaLnBrk="1" latinLnBrk="0" hangingPunct="1">
+              <a:spcBef>
+                <a:spcPct val="20000"/>
+              </a:spcBef>
+              <a:buFont typeface="Arial" pitchFamily="34" charset="0"/>
+              <a:buChar char="•"/>
+              <a:defRPr sz="2000" kern="1200">
+                <a:solidFill>
+                  <a:schemeClr val="tx1"/>
+                </a:solidFill>
+                <a:latin typeface="+mn-lt"/>
+                <a:ea typeface="+mn-ea"/>
+                <a:cs typeface="+mn-cs"/>
+              </a:defRPr>
+            </a:lvl6pPr>
+            <a:lvl7pPr marL="2971800" indent="-228600" algn="l" defTabSz="914400" rtl="0" eaLnBrk="1" latinLnBrk="0" hangingPunct="1">
+              <a:spcBef>
+                <a:spcPct val="20000"/>
+              </a:spcBef>
+              <a:buFont typeface="Arial" pitchFamily="34" charset="0"/>
+              <a:buChar char="•"/>
+              <a:defRPr sz="2000" kern="1200">
+                <a:solidFill>
+                  <a:schemeClr val="tx1"/>
+                </a:solidFill>
+                <a:latin typeface="+mn-lt"/>
+                <a:ea typeface="+mn-ea"/>
+                <a:cs typeface="+mn-cs"/>
+              </a:defRPr>
+            </a:lvl7pPr>
+            <a:lvl8pPr marL="3429000" indent="-228600" algn="l" defTabSz="914400" rtl="0" eaLnBrk="1" latinLnBrk="0" hangingPunct="1">
+              <a:spcBef>
+                <a:spcPct val="20000"/>
+              </a:spcBef>
+              <a:buFont typeface="Arial" pitchFamily="34" charset="0"/>
+              <a:buChar char="•"/>
+              <a:defRPr sz="2000" kern="1200">
+                <a:solidFill>
+                  <a:schemeClr val="tx1"/>
+                </a:solidFill>
+                <a:latin typeface="+mn-lt"/>
+                <a:ea typeface="+mn-ea"/>
+                <a:cs typeface="+mn-cs"/>
+              </a:defRPr>
+            </a:lvl8pPr>
+            <a:lvl9pPr marL="3886200" indent="-228600" algn="l" defTabSz="914400" rtl="0" eaLnBrk="1" latinLnBrk="0" hangingPunct="1">
+              <a:spcBef>
+                <a:spcPct val="20000"/>
+              </a:spcBef>
+              <a:buFont typeface="Arial" pitchFamily="34" charset="0"/>
+              <a:buChar char="•"/>
+              <a:defRPr sz="2000" kern="1200">
+                <a:solidFill>
+                  <a:schemeClr val="tx1"/>
+                </a:solidFill>
+                <a:latin typeface="+mn-lt"/>
+                <a:ea typeface="+mn-ea"/>
+                <a:cs typeface="+mn-cs"/>
+              </a:defRPr>
+            </a:lvl9pPr>
+          </a:lstStyle>
+          <a:p>
+            <a:pPr marL="0" indent="0" algn="ctr">
               <a:buNone/>
             </a:pPr>
             <a:r>
-              <a:rPr lang="en-US" dirty="0">
+              <a:rPr lang="en-US" sz="2400" dirty="0">
                 <a:solidFill>
                   <a:schemeClr val="bg1"/>
                 </a:solidFill>
               </a:rPr>
-              <a:t>1.1 Contribute to society and to human well-being, acknowledging that all people are stakeholders in computing.</a:t>
-            </a:r>
-          </a:p>
-        </p:txBody>
-      </p:sp>
-      <p:sp>
-        <p:nvSpPr>
-          <p:cNvPr id="10" name="Text Placeholder 4"/>
-          <p:cNvSpPr>
-            <a:spLocks noGrp="1"/>
+              <a:t>2.2 Maintain high standards of professional competence, conduct, and ethical practice.</a:t>
+            </a:r>
+          </a:p>
+        </p:txBody>
+      </p:sp>
+      <p:sp>
+        <p:nvSpPr>
+          <p:cNvPr id="4" name="Text Placeholder 4"/>
+          <p:cNvSpPr txBox="1">
+            <a:spLocks/>
           </p:cNvSpPr>
-          <p:nvPr>
-            <p:ph type="body" sz="quarter" idx="3"/>
-          </p:nvPr>
+          <p:nvPr/>
         </p:nvSpPr>
         <p:spPr>
           <a:xfrm>
             <a:off x="4572000" y="2702746"/>
             <a:ext cx="4275740" cy="479822"/>
           </a:xfrm>
+          <a:prstGeom prst="rect">
+            <a:avLst/>
+          </a:prstGeom>
           <a:ln w="28575">
             <a:solidFill>
               <a:srgbClr val="E39A39"/>
@@ -7353,10 +7110,149 @@
           <a:bodyPr>
             <a:normAutofit/>
           </a:bodyPr>
-          <a:lstStyle/>
-          <a:p>
-            <a:r>
-              <a:rPr lang="en-US" b="0" dirty="0">
+          <a:lstStyle>
+            <a:lvl1pPr marL="342900" indent="-342900" algn="l" defTabSz="914400" rtl="0" eaLnBrk="1" latinLnBrk="0" hangingPunct="1">
+              <a:spcBef>
+                <a:spcPct val="20000"/>
+              </a:spcBef>
+              <a:buFont typeface="Arial" pitchFamily="34" charset="0"/>
+              <a:buChar char="•"/>
+              <a:defRPr sz="3200" kern="1200">
+                <a:solidFill>
+                  <a:schemeClr val="tx1"/>
+                </a:solidFill>
+                <a:latin typeface="+mn-lt"/>
+                <a:ea typeface="+mn-ea"/>
+                <a:cs typeface="+mn-cs"/>
+              </a:defRPr>
+            </a:lvl1pPr>
+            <a:lvl2pPr marL="742950" indent="-285750" algn="l" defTabSz="914400" rtl="0" eaLnBrk="1" latinLnBrk="0" hangingPunct="1">
+              <a:spcBef>
+                <a:spcPct val="20000"/>
+              </a:spcBef>
+              <a:buFont typeface="Arial" pitchFamily="34" charset="0"/>
+              <a:buChar char="–"/>
+              <a:defRPr sz="2800" kern="1200">
+                <a:solidFill>
+                  <a:schemeClr val="tx1"/>
+                </a:solidFill>
+                <a:latin typeface="+mn-lt"/>
+                <a:ea typeface="+mn-ea"/>
+                <a:cs typeface="+mn-cs"/>
+              </a:defRPr>
+            </a:lvl2pPr>
+            <a:lvl3pPr marL="1143000" indent="-228600" algn="l" defTabSz="914400" rtl="0" eaLnBrk="1" latinLnBrk="0" hangingPunct="1">
+              <a:spcBef>
+                <a:spcPct val="20000"/>
+              </a:spcBef>
+              <a:buFont typeface="Arial" pitchFamily="34" charset="0"/>
+              <a:buChar char="•"/>
+              <a:defRPr sz="2400" kern="1200">
+                <a:solidFill>
+                  <a:schemeClr val="tx1"/>
+                </a:solidFill>
+                <a:latin typeface="+mn-lt"/>
+                <a:ea typeface="+mn-ea"/>
+                <a:cs typeface="+mn-cs"/>
+              </a:defRPr>
+            </a:lvl3pPr>
+            <a:lvl4pPr marL="1600200" indent="-228600" algn="l" defTabSz="914400" rtl="0" eaLnBrk="1" latinLnBrk="0" hangingPunct="1">
+              <a:spcBef>
+                <a:spcPct val="20000"/>
+              </a:spcBef>
+              <a:buFont typeface="Arial" pitchFamily="34" charset="0"/>
+              <a:buChar char="–"/>
+              <a:defRPr sz="2000" kern="1200">
+                <a:solidFill>
+                  <a:schemeClr val="tx1"/>
+                </a:solidFill>
+                <a:latin typeface="+mn-lt"/>
+                <a:ea typeface="+mn-ea"/>
+                <a:cs typeface="+mn-cs"/>
+              </a:defRPr>
+            </a:lvl4pPr>
+            <a:lvl5pPr marL="2057400" indent="-228600" algn="l" defTabSz="914400" rtl="0" eaLnBrk="1" latinLnBrk="0" hangingPunct="1">
+              <a:spcBef>
+                <a:spcPct val="20000"/>
+              </a:spcBef>
+              <a:buFont typeface="Arial" pitchFamily="34" charset="0"/>
+              <a:buChar char="»"/>
+              <a:defRPr sz="2000" kern="1200">
+                <a:solidFill>
+                  <a:schemeClr val="tx1"/>
+                </a:solidFill>
+                <a:latin typeface="+mn-lt"/>
+                <a:ea typeface="+mn-ea"/>
+                <a:cs typeface="+mn-cs"/>
+              </a:defRPr>
+            </a:lvl5pPr>
+            <a:lvl6pPr marL="2514600" indent="-228600" algn="l" defTabSz="914400" rtl="0" eaLnBrk="1" latinLnBrk="0" hangingPunct="1">
+              <a:spcBef>
+                <a:spcPct val="20000"/>
+              </a:spcBef>
+              <a:buFont typeface="Arial" pitchFamily="34" charset="0"/>
+              <a:buChar char="•"/>
+              <a:defRPr sz="2000" kern="1200">
+                <a:solidFill>
+                  <a:schemeClr val="tx1"/>
+                </a:solidFill>
+                <a:latin typeface="+mn-lt"/>
+                <a:ea typeface="+mn-ea"/>
+                <a:cs typeface="+mn-cs"/>
+              </a:defRPr>
+            </a:lvl6pPr>
+            <a:lvl7pPr marL="2971800" indent="-228600" algn="l" defTabSz="914400" rtl="0" eaLnBrk="1" latinLnBrk="0" hangingPunct="1">
+              <a:spcBef>
+                <a:spcPct val="20000"/>
+              </a:spcBef>
+              <a:buFont typeface="Arial" pitchFamily="34" charset="0"/>
+              <a:buChar char="•"/>
+              <a:defRPr sz="2000" kern="1200">
+                <a:solidFill>
+                  <a:schemeClr val="tx1"/>
+                </a:solidFill>
+                <a:latin typeface="+mn-lt"/>
+                <a:ea typeface="+mn-ea"/>
+                <a:cs typeface="+mn-cs"/>
+              </a:defRPr>
+            </a:lvl7pPr>
+            <a:lvl8pPr marL="3429000" indent="-228600" algn="l" defTabSz="914400" rtl="0" eaLnBrk="1" latinLnBrk="0" hangingPunct="1">
+              <a:spcBef>
+                <a:spcPct val="20000"/>
+              </a:spcBef>
+              <a:buFont typeface="Arial" pitchFamily="34" charset="0"/>
+              <a:buChar char="•"/>
+              <a:defRPr sz="2000" kern="1200">
+                <a:solidFill>
+                  <a:schemeClr val="tx1"/>
+                </a:solidFill>
+                <a:latin typeface="+mn-lt"/>
+                <a:ea typeface="+mn-ea"/>
+                <a:cs typeface="+mn-cs"/>
+              </a:defRPr>
+            </a:lvl8pPr>
+            <a:lvl9pPr marL="3886200" indent="-228600" algn="l" defTabSz="914400" rtl="0" eaLnBrk="1" latinLnBrk="0" hangingPunct="1">
+              <a:spcBef>
+                <a:spcPct val="20000"/>
+              </a:spcBef>
+              <a:buFont typeface="Arial" pitchFamily="34" charset="0"/>
+              <a:buChar char="•"/>
+              <a:defRPr sz="2000" kern="1200">
+                <a:solidFill>
+                  <a:schemeClr val="tx1"/>
+                </a:solidFill>
+                <a:latin typeface="+mn-lt"/>
+                <a:ea typeface="+mn-ea"/>
+                <a:cs typeface="+mn-cs"/>
+              </a:defRPr>
+            </a:lvl9pPr>
+          </a:lstStyle>
+          <a:p>
+            <a:pPr marL="0" indent="0" algn="ctr">
+              <a:buNone/>
+            </a:pPr>
+            <a:r>
+              <a:rPr lang="en-US" sz="2400" dirty="0">
                 <a:solidFill>
                   <a:srgbClr val="232D48"/>
                 </a:solidFill>
@@ -7368,19 +7264,20 @@
       </p:sp>
       <p:sp>
         <p:nvSpPr>
-          <p:cNvPr id="11" name="Content Placeholder 5"/>
-          <p:cNvSpPr>
-            <a:spLocks noGrp="1"/>
+          <p:cNvPr id="5" name="Content Placeholder 5"/>
+          <p:cNvSpPr txBox="1">
+            <a:spLocks/>
           </p:cNvSpPr>
-          <p:nvPr>
-            <p:ph sz="quarter" idx="4"/>
-          </p:nvPr>
+          <p:nvPr/>
         </p:nvSpPr>
         <p:spPr>
           <a:xfrm>
             <a:off x="4571999" y="3182569"/>
             <a:ext cx="4275741" cy="1957951"/>
           </a:xfrm>
+          <a:prstGeom prst="rect">
+            <a:avLst/>
+          </a:prstGeom>
           <a:solidFill>
             <a:srgbClr val="232D48"/>
           </a:solidFill>
@@ -7394,38 +7291,158 @@
           <a:bodyPr>
             <a:normAutofit/>
           </a:bodyPr>
-          <a:lstStyle/>
-          <a:p>
-            <a:pPr marL="0" indent="0">
+          <a:lstStyle>
+            <a:lvl1pPr marL="342900" indent="-342900" algn="l" defTabSz="914400" rtl="0" eaLnBrk="1" latinLnBrk="0" hangingPunct="1">
+              <a:spcBef>
+                <a:spcPct val="20000"/>
+              </a:spcBef>
+              <a:buFont typeface="Arial" pitchFamily="34" charset="0"/>
+              <a:buChar char="•"/>
+              <a:defRPr sz="3200" kern="1200">
+                <a:solidFill>
+                  <a:schemeClr val="tx1"/>
+                </a:solidFill>
+                <a:latin typeface="+mn-lt"/>
+                <a:ea typeface="+mn-ea"/>
+                <a:cs typeface="+mn-cs"/>
+              </a:defRPr>
+            </a:lvl1pPr>
+            <a:lvl2pPr marL="742950" indent="-285750" algn="l" defTabSz="914400" rtl="0" eaLnBrk="1" latinLnBrk="0" hangingPunct="1">
+              <a:spcBef>
+                <a:spcPct val="20000"/>
+              </a:spcBef>
+              <a:buFont typeface="Arial" pitchFamily="34" charset="0"/>
+              <a:buChar char="–"/>
+              <a:defRPr sz="2800" kern="1200">
+                <a:solidFill>
+                  <a:schemeClr val="tx1"/>
+                </a:solidFill>
+                <a:latin typeface="+mn-lt"/>
+                <a:ea typeface="+mn-ea"/>
+                <a:cs typeface="+mn-cs"/>
+              </a:defRPr>
+            </a:lvl2pPr>
+            <a:lvl3pPr marL="1143000" indent="-228600" algn="l" defTabSz="914400" rtl="0" eaLnBrk="1" latinLnBrk="0" hangingPunct="1">
+              <a:spcBef>
+                <a:spcPct val="20000"/>
+              </a:spcBef>
+              <a:buFont typeface="Arial" pitchFamily="34" charset="0"/>
+              <a:buChar char="•"/>
+              <a:defRPr sz="2400" kern="1200">
+                <a:solidFill>
+                  <a:schemeClr val="tx1"/>
+                </a:solidFill>
+                <a:latin typeface="+mn-lt"/>
+                <a:ea typeface="+mn-ea"/>
+                <a:cs typeface="+mn-cs"/>
+              </a:defRPr>
+            </a:lvl3pPr>
+            <a:lvl4pPr marL="1600200" indent="-228600" algn="l" defTabSz="914400" rtl="0" eaLnBrk="1" latinLnBrk="0" hangingPunct="1">
+              <a:spcBef>
+                <a:spcPct val="20000"/>
+              </a:spcBef>
+              <a:buFont typeface="Arial" pitchFamily="34" charset="0"/>
+              <a:buChar char="–"/>
+              <a:defRPr sz="2000" kern="1200">
+                <a:solidFill>
+                  <a:schemeClr val="tx1"/>
+                </a:solidFill>
+                <a:latin typeface="+mn-lt"/>
+                <a:ea typeface="+mn-ea"/>
+                <a:cs typeface="+mn-cs"/>
+              </a:defRPr>
+            </a:lvl4pPr>
+            <a:lvl5pPr marL="2057400" indent="-228600" algn="l" defTabSz="914400" rtl="0" eaLnBrk="1" latinLnBrk="0" hangingPunct="1">
+              <a:spcBef>
+                <a:spcPct val="20000"/>
+              </a:spcBef>
+              <a:buFont typeface="Arial" pitchFamily="34" charset="0"/>
+              <a:buChar char="»"/>
+              <a:defRPr sz="2000" kern="1200">
+                <a:solidFill>
+                  <a:schemeClr val="tx1"/>
+                </a:solidFill>
+                <a:latin typeface="+mn-lt"/>
+                <a:ea typeface="+mn-ea"/>
+                <a:cs typeface="+mn-cs"/>
+              </a:defRPr>
+            </a:lvl5pPr>
+            <a:lvl6pPr marL="2514600" indent="-228600" algn="l" defTabSz="914400" rtl="0" eaLnBrk="1" latinLnBrk="0" hangingPunct="1">
+              <a:spcBef>
+                <a:spcPct val="20000"/>
+              </a:spcBef>
+              <a:buFont typeface="Arial" pitchFamily="34" charset="0"/>
+              <a:buChar char="•"/>
+              <a:defRPr sz="2000" kern="1200">
+                <a:solidFill>
+                  <a:schemeClr val="tx1"/>
+                </a:solidFill>
+                <a:latin typeface="+mn-lt"/>
+                <a:ea typeface="+mn-ea"/>
+                <a:cs typeface="+mn-cs"/>
+              </a:defRPr>
+            </a:lvl6pPr>
+            <a:lvl7pPr marL="2971800" indent="-228600" algn="l" defTabSz="914400" rtl="0" eaLnBrk="1" latinLnBrk="0" hangingPunct="1">
+              <a:spcBef>
+                <a:spcPct val="20000"/>
+              </a:spcBef>
+              <a:buFont typeface="Arial" pitchFamily="34" charset="0"/>
+              <a:buChar char="•"/>
+              <a:defRPr sz="2000" kern="1200">
+                <a:solidFill>
+                  <a:schemeClr val="tx1"/>
+                </a:solidFill>
+                <a:latin typeface="+mn-lt"/>
+                <a:ea typeface="+mn-ea"/>
+                <a:cs typeface="+mn-cs"/>
+              </a:defRPr>
+            </a:lvl7pPr>
+            <a:lvl8pPr marL="3429000" indent="-228600" algn="l" defTabSz="914400" rtl="0" eaLnBrk="1" latinLnBrk="0" hangingPunct="1">
+              <a:spcBef>
+                <a:spcPct val="20000"/>
+              </a:spcBef>
+              <a:buFont typeface="Arial" pitchFamily="34" charset="0"/>
+              <a:buChar char="•"/>
+              <a:defRPr sz="2000" kern="1200">
+                <a:solidFill>
+                  <a:schemeClr val="tx1"/>
+                </a:solidFill>
+                <a:latin typeface="+mn-lt"/>
+                <a:ea typeface="+mn-ea"/>
+                <a:cs typeface="+mn-cs"/>
+              </a:defRPr>
+            </a:lvl8pPr>
+            <a:lvl9pPr marL="3886200" indent="-228600" algn="l" defTabSz="914400" rtl="0" eaLnBrk="1" latinLnBrk="0" hangingPunct="1">
+              <a:spcBef>
+                <a:spcPct val="20000"/>
+              </a:spcBef>
+              <a:buFont typeface="Arial" pitchFamily="34" charset="0"/>
+              <a:buChar char="•"/>
+              <a:defRPr sz="2000" kern="1200">
+                <a:solidFill>
+                  <a:schemeClr val="tx1"/>
+                </a:solidFill>
+                <a:latin typeface="+mn-lt"/>
+                <a:ea typeface="+mn-ea"/>
+                <a:cs typeface="+mn-cs"/>
+              </a:defRPr>
+            </a:lvl9pPr>
+          </a:lstStyle>
+          <a:p>
+            <a:pPr marL="0" indent="0" algn="ctr">
               <a:buNone/>
             </a:pPr>
-            <a:r>
-              <a:rPr lang="en-US" dirty="0">
-                <a:solidFill>
-                  <a:schemeClr val="bg1"/>
-                </a:solidFill>
-              </a:rPr>
-              <a:t>4. Duty to the Profession</a:t>
-            </a:r>
-          </a:p>
-          <a:p>
-            <a:pPr marL="0" indent="0">
-              <a:buNone/>
-            </a:pPr>
-            <a:r>
-              <a:rPr lang="en-US" dirty="0">
-                <a:solidFill>
-                  <a:schemeClr val="bg1"/>
-                </a:solidFill>
-              </a:rPr>
-              <a:t>f) Encourage and support fellow members in their professional development.</a:t>
-            </a:r>
-          </a:p>
-        </p:txBody>
-      </p:sp>
-      <p:sp>
-        <p:nvSpPr>
-          <p:cNvPr id="13" name="Text Placeholder 2"/>
+            <a:endParaRPr lang="en-US" sz="2400" dirty="0">
+              <a:solidFill>
+                <a:schemeClr val="bg1"/>
+              </a:solidFill>
+            </a:endParaRPr>
+          </a:p>
+        </p:txBody>
+      </p:sp>
+      <p:sp>
+        <p:nvSpPr>
+          <p:cNvPr id="6" name="Text Placeholder 2"/>
           <p:cNvSpPr txBox="1">
             <a:spLocks/>
           </p:cNvSpPr>
@@ -7601,13 +7618,17 @@
             </a:r>
             <a:r>
               <a:rPr lang="en-US" sz="2400" dirty="0"/>
-              <a:t>Placing a lot of pressure on team members.</a:t>
+              <a:t>Wanted his subordinates to cut corners.</a:t>
             </a:r>
           </a:p>
           <a:p>
             <a:pPr marL="0" indent="0">
               <a:buNone/>
             </a:pPr>
+            <a:r>
+              <a:rPr lang="en-GB" sz="2400" dirty="0"/>
+              <a:t>.</a:t>
+            </a:r>
             <a:endParaRPr lang="en-US" sz="2400" dirty="0"/>
           </a:p>
         </p:txBody>
@@ -7615,7 +7636,7 @@
     </p:spTree>
     <p:extLst>
       <p:ext uri="{BB962C8B-B14F-4D97-AF65-F5344CB8AC3E}">
-        <p14:creationId xmlns:p14="http://schemas.microsoft.com/office/powerpoint/2010/main" val="3845035464"/>
+        <p14:creationId xmlns:p14="http://schemas.microsoft.com/office/powerpoint/2010/main" val="2222300108"/>
       </p:ext>
     </p:extLst>
   </p:cSld>
@@ -7994,7 +8015,7 @@
                   <a:schemeClr val="bg1"/>
                 </a:solidFill>
               </a:rPr>
-              <a:t>2.2 Maintain high standards of professional competence, conduct, and ethical practice.</a:t>
+              <a:t>2.4 Accept and provide appropriate professional review.</a:t>
             </a:r>
           </a:p>
         </p:txBody>
@@ -8204,942 +8225,6 @@
         </p:spPr>
         <p:txBody>
           <a:bodyPr>
-            <a:normAutofit/>
-          </a:bodyPr>
-          <a:lstStyle>
-            <a:lvl1pPr marL="342900" indent="-342900" algn="l" defTabSz="914400" rtl="0" eaLnBrk="1" latinLnBrk="0" hangingPunct="1">
-              <a:spcBef>
-                <a:spcPct val="20000"/>
-              </a:spcBef>
-              <a:buFont typeface="Arial" pitchFamily="34" charset="0"/>
-              <a:buChar char="•"/>
-              <a:defRPr sz="3200" kern="1200">
-                <a:solidFill>
-                  <a:schemeClr val="tx1"/>
-                </a:solidFill>
-                <a:latin typeface="+mn-lt"/>
-                <a:ea typeface="+mn-ea"/>
-                <a:cs typeface="+mn-cs"/>
-              </a:defRPr>
-            </a:lvl1pPr>
-            <a:lvl2pPr marL="742950" indent="-285750" algn="l" defTabSz="914400" rtl="0" eaLnBrk="1" latinLnBrk="0" hangingPunct="1">
-              <a:spcBef>
-                <a:spcPct val="20000"/>
-              </a:spcBef>
-              <a:buFont typeface="Arial" pitchFamily="34" charset="0"/>
-              <a:buChar char="–"/>
-              <a:defRPr sz="2800" kern="1200">
-                <a:solidFill>
-                  <a:schemeClr val="tx1"/>
-                </a:solidFill>
-                <a:latin typeface="+mn-lt"/>
-                <a:ea typeface="+mn-ea"/>
-                <a:cs typeface="+mn-cs"/>
-              </a:defRPr>
-            </a:lvl2pPr>
-            <a:lvl3pPr marL="1143000" indent="-228600" algn="l" defTabSz="914400" rtl="0" eaLnBrk="1" latinLnBrk="0" hangingPunct="1">
-              <a:spcBef>
-                <a:spcPct val="20000"/>
-              </a:spcBef>
-              <a:buFont typeface="Arial" pitchFamily="34" charset="0"/>
-              <a:buChar char="•"/>
-              <a:defRPr sz="2400" kern="1200">
-                <a:solidFill>
-                  <a:schemeClr val="tx1"/>
-                </a:solidFill>
-                <a:latin typeface="+mn-lt"/>
-                <a:ea typeface="+mn-ea"/>
-                <a:cs typeface="+mn-cs"/>
-              </a:defRPr>
-            </a:lvl3pPr>
-            <a:lvl4pPr marL="1600200" indent="-228600" algn="l" defTabSz="914400" rtl="0" eaLnBrk="1" latinLnBrk="0" hangingPunct="1">
-              <a:spcBef>
-                <a:spcPct val="20000"/>
-              </a:spcBef>
-              <a:buFont typeface="Arial" pitchFamily="34" charset="0"/>
-              <a:buChar char="–"/>
-              <a:defRPr sz="2000" kern="1200">
-                <a:solidFill>
-                  <a:schemeClr val="tx1"/>
-                </a:solidFill>
-                <a:latin typeface="+mn-lt"/>
-                <a:ea typeface="+mn-ea"/>
-                <a:cs typeface="+mn-cs"/>
-              </a:defRPr>
-            </a:lvl4pPr>
-            <a:lvl5pPr marL="2057400" indent="-228600" algn="l" defTabSz="914400" rtl="0" eaLnBrk="1" latinLnBrk="0" hangingPunct="1">
-              <a:spcBef>
-                <a:spcPct val="20000"/>
-              </a:spcBef>
-              <a:buFont typeface="Arial" pitchFamily="34" charset="0"/>
-              <a:buChar char="»"/>
-              <a:defRPr sz="2000" kern="1200">
-                <a:solidFill>
-                  <a:schemeClr val="tx1"/>
-                </a:solidFill>
-                <a:latin typeface="+mn-lt"/>
-                <a:ea typeface="+mn-ea"/>
-                <a:cs typeface="+mn-cs"/>
-              </a:defRPr>
-            </a:lvl5pPr>
-            <a:lvl6pPr marL="2514600" indent="-228600" algn="l" defTabSz="914400" rtl="0" eaLnBrk="1" latinLnBrk="0" hangingPunct="1">
-              <a:spcBef>
-                <a:spcPct val="20000"/>
-              </a:spcBef>
-              <a:buFont typeface="Arial" pitchFamily="34" charset="0"/>
-              <a:buChar char="•"/>
-              <a:defRPr sz="2000" kern="1200">
-                <a:solidFill>
-                  <a:schemeClr val="tx1"/>
-                </a:solidFill>
-                <a:latin typeface="+mn-lt"/>
-                <a:ea typeface="+mn-ea"/>
-                <a:cs typeface="+mn-cs"/>
-              </a:defRPr>
-            </a:lvl6pPr>
-            <a:lvl7pPr marL="2971800" indent="-228600" algn="l" defTabSz="914400" rtl="0" eaLnBrk="1" latinLnBrk="0" hangingPunct="1">
-              <a:spcBef>
-                <a:spcPct val="20000"/>
-              </a:spcBef>
-              <a:buFont typeface="Arial" pitchFamily="34" charset="0"/>
-              <a:buChar char="•"/>
-              <a:defRPr sz="2000" kern="1200">
-                <a:solidFill>
-                  <a:schemeClr val="tx1"/>
-                </a:solidFill>
-                <a:latin typeface="+mn-lt"/>
-                <a:ea typeface="+mn-ea"/>
-                <a:cs typeface="+mn-cs"/>
-              </a:defRPr>
-            </a:lvl7pPr>
-            <a:lvl8pPr marL="3429000" indent="-228600" algn="l" defTabSz="914400" rtl="0" eaLnBrk="1" latinLnBrk="0" hangingPunct="1">
-              <a:spcBef>
-                <a:spcPct val="20000"/>
-              </a:spcBef>
-              <a:buFont typeface="Arial" pitchFamily="34" charset="0"/>
-              <a:buChar char="•"/>
-              <a:defRPr sz="2000" kern="1200">
-                <a:solidFill>
-                  <a:schemeClr val="tx1"/>
-                </a:solidFill>
-                <a:latin typeface="+mn-lt"/>
-                <a:ea typeface="+mn-ea"/>
-                <a:cs typeface="+mn-cs"/>
-              </a:defRPr>
-            </a:lvl8pPr>
-            <a:lvl9pPr marL="3886200" indent="-228600" algn="l" defTabSz="914400" rtl="0" eaLnBrk="1" latinLnBrk="0" hangingPunct="1">
-              <a:spcBef>
-                <a:spcPct val="20000"/>
-              </a:spcBef>
-              <a:buFont typeface="Arial" pitchFamily="34" charset="0"/>
-              <a:buChar char="•"/>
-              <a:defRPr sz="2000" kern="1200">
-                <a:solidFill>
-                  <a:schemeClr val="tx1"/>
-                </a:solidFill>
-                <a:latin typeface="+mn-lt"/>
-                <a:ea typeface="+mn-ea"/>
-                <a:cs typeface="+mn-cs"/>
-              </a:defRPr>
-            </a:lvl9pPr>
-          </a:lstStyle>
-          <a:p>
-            <a:pPr marL="0" indent="0" algn="ctr">
-              <a:buNone/>
-            </a:pPr>
-            <a:endParaRPr lang="en-US" sz="2400" dirty="0">
-              <a:solidFill>
-                <a:schemeClr val="bg1"/>
-              </a:solidFill>
-            </a:endParaRPr>
-          </a:p>
-        </p:txBody>
-      </p:sp>
-      <p:sp>
-        <p:nvSpPr>
-          <p:cNvPr id="6" name="Text Placeholder 2"/>
-          <p:cNvSpPr txBox="1">
-            <a:spLocks/>
-          </p:cNvSpPr>
-          <p:nvPr/>
-        </p:nvSpPr>
-        <p:spPr>
-          <a:xfrm>
-            <a:off x="296259" y="1197405"/>
-            <a:ext cx="8551481" cy="1374345"/>
-          </a:xfrm>
-          <a:prstGeom prst="rect">
-            <a:avLst/>
-          </a:prstGeom>
-          <a:ln w="28575">
-            <a:noFill/>
-          </a:ln>
-        </p:spPr>
-        <p:txBody>
-          <a:bodyPr/>
-          <a:lstStyle>
-            <a:lvl1pPr marL="342900" indent="-342900" algn="l" defTabSz="914400" rtl="0" eaLnBrk="1" latinLnBrk="0" hangingPunct="1">
-              <a:spcBef>
-                <a:spcPct val="20000"/>
-              </a:spcBef>
-              <a:buFont typeface="Arial" pitchFamily="34" charset="0"/>
-              <a:buChar char="•"/>
-              <a:defRPr sz="3200" kern="1200">
-                <a:solidFill>
-                  <a:schemeClr val="tx1"/>
-                </a:solidFill>
-                <a:latin typeface="+mn-lt"/>
-                <a:ea typeface="+mn-ea"/>
-                <a:cs typeface="+mn-cs"/>
-              </a:defRPr>
-            </a:lvl1pPr>
-            <a:lvl2pPr marL="742950" indent="-285750" algn="l" defTabSz="914400" rtl="0" eaLnBrk="1" latinLnBrk="0" hangingPunct="1">
-              <a:spcBef>
-                <a:spcPct val="20000"/>
-              </a:spcBef>
-              <a:buFont typeface="Arial" pitchFamily="34" charset="0"/>
-              <a:buChar char="–"/>
-              <a:defRPr sz="2800" kern="1200">
-                <a:solidFill>
-                  <a:schemeClr val="tx1"/>
-                </a:solidFill>
-                <a:latin typeface="+mn-lt"/>
-                <a:ea typeface="+mn-ea"/>
-                <a:cs typeface="+mn-cs"/>
-              </a:defRPr>
-            </a:lvl2pPr>
-            <a:lvl3pPr marL="1143000" indent="-228600" algn="l" defTabSz="914400" rtl="0" eaLnBrk="1" latinLnBrk="0" hangingPunct="1">
-              <a:spcBef>
-                <a:spcPct val="20000"/>
-              </a:spcBef>
-              <a:buFont typeface="Arial" pitchFamily="34" charset="0"/>
-              <a:buChar char="•"/>
-              <a:defRPr sz="2400" kern="1200">
-                <a:solidFill>
-                  <a:schemeClr val="tx1"/>
-                </a:solidFill>
-                <a:latin typeface="+mn-lt"/>
-                <a:ea typeface="+mn-ea"/>
-                <a:cs typeface="+mn-cs"/>
-              </a:defRPr>
-            </a:lvl3pPr>
-            <a:lvl4pPr marL="1600200" indent="-228600" algn="l" defTabSz="914400" rtl="0" eaLnBrk="1" latinLnBrk="0" hangingPunct="1">
-              <a:spcBef>
-                <a:spcPct val="20000"/>
-              </a:spcBef>
-              <a:buFont typeface="Arial" pitchFamily="34" charset="0"/>
-              <a:buChar char="–"/>
-              <a:defRPr sz="2000" kern="1200">
-                <a:solidFill>
-                  <a:schemeClr val="tx1"/>
-                </a:solidFill>
-                <a:latin typeface="+mn-lt"/>
-                <a:ea typeface="+mn-ea"/>
-                <a:cs typeface="+mn-cs"/>
-              </a:defRPr>
-            </a:lvl4pPr>
-            <a:lvl5pPr marL="2057400" indent="-228600" algn="l" defTabSz="914400" rtl="0" eaLnBrk="1" latinLnBrk="0" hangingPunct="1">
-              <a:spcBef>
-                <a:spcPct val="20000"/>
-              </a:spcBef>
-              <a:buFont typeface="Arial" pitchFamily="34" charset="0"/>
-              <a:buChar char="»"/>
-              <a:defRPr sz="2000" kern="1200">
-                <a:solidFill>
-                  <a:schemeClr val="tx1"/>
-                </a:solidFill>
-                <a:latin typeface="+mn-lt"/>
-                <a:ea typeface="+mn-ea"/>
-                <a:cs typeface="+mn-cs"/>
-              </a:defRPr>
-            </a:lvl5pPr>
-            <a:lvl6pPr marL="2514600" indent="-228600" algn="l" defTabSz="914400" rtl="0" eaLnBrk="1" latinLnBrk="0" hangingPunct="1">
-              <a:spcBef>
-                <a:spcPct val="20000"/>
-              </a:spcBef>
-              <a:buFont typeface="Arial" pitchFamily="34" charset="0"/>
-              <a:buChar char="•"/>
-              <a:defRPr sz="2000" kern="1200">
-                <a:solidFill>
-                  <a:schemeClr val="tx1"/>
-                </a:solidFill>
-                <a:latin typeface="+mn-lt"/>
-                <a:ea typeface="+mn-ea"/>
-                <a:cs typeface="+mn-cs"/>
-              </a:defRPr>
-            </a:lvl6pPr>
-            <a:lvl7pPr marL="2971800" indent="-228600" algn="l" defTabSz="914400" rtl="0" eaLnBrk="1" latinLnBrk="0" hangingPunct="1">
-              <a:spcBef>
-                <a:spcPct val="20000"/>
-              </a:spcBef>
-              <a:buFont typeface="Arial" pitchFamily="34" charset="0"/>
-              <a:buChar char="•"/>
-              <a:defRPr sz="2000" kern="1200">
-                <a:solidFill>
-                  <a:schemeClr val="tx1"/>
-                </a:solidFill>
-                <a:latin typeface="+mn-lt"/>
-                <a:ea typeface="+mn-ea"/>
-                <a:cs typeface="+mn-cs"/>
-              </a:defRPr>
-            </a:lvl7pPr>
-            <a:lvl8pPr marL="3429000" indent="-228600" algn="l" defTabSz="914400" rtl="0" eaLnBrk="1" latinLnBrk="0" hangingPunct="1">
-              <a:spcBef>
-                <a:spcPct val="20000"/>
-              </a:spcBef>
-              <a:buFont typeface="Arial" pitchFamily="34" charset="0"/>
-              <a:buChar char="•"/>
-              <a:defRPr sz="2000" kern="1200">
-                <a:solidFill>
-                  <a:schemeClr val="tx1"/>
-                </a:solidFill>
-                <a:latin typeface="+mn-lt"/>
-                <a:ea typeface="+mn-ea"/>
-                <a:cs typeface="+mn-cs"/>
-              </a:defRPr>
-            </a:lvl8pPr>
-            <a:lvl9pPr marL="3886200" indent="-228600" algn="l" defTabSz="914400" rtl="0" eaLnBrk="1" latinLnBrk="0" hangingPunct="1">
-              <a:spcBef>
-                <a:spcPct val="20000"/>
-              </a:spcBef>
-              <a:buFont typeface="Arial" pitchFamily="34" charset="0"/>
-              <a:buChar char="•"/>
-              <a:defRPr sz="2000" kern="1200">
-                <a:solidFill>
-                  <a:schemeClr val="tx1"/>
-                </a:solidFill>
-                <a:latin typeface="+mn-lt"/>
-                <a:ea typeface="+mn-ea"/>
-                <a:cs typeface="+mn-cs"/>
-              </a:defRPr>
-            </a:lvl9pPr>
-          </a:lstStyle>
-          <a:p>
-            <a:pPr marL="0" indent="0">
-              <a:buNone/>
-            </a:pPr>
-            <a:r>
-              <a:rPr lang="en-US" sz="4000" b="1" dirty="0"/>
-              <a:t>Crime</a:t>
-            </a:r>
-          </a:p>
-          <a:p>
-            <a:pPr marL="0" indent="0">
-              <a:buNone/>
-            </a:pPr>
-            <a:r>
-              <a:rPr lang="en-US" sz="1800" dirty="0"/>
-              <a:t>	</a:t>
-            </a:r>
-            <a:r>
-              <a:rPr lang="en-US" sz="2400" dirty="0"/>
-              <a:t>Wanted his subordinates to cut corners.</a:t>
-            </a:r>
-          </a:p>
-          <a:p>
-            <a:pPr marL="0" indent="0">
-              <a:buNone/>
-            </a:pPr>
-            <a:r>
-              <a:rPr lang="en-GB" sz="2400" dirty="0"/>
-              <a:t>.</a:t>
-            </a:r>
-            <a:endParaRPr lang="en-US" sz="2400" dirty="0"/>
-          </a:p>
-        </p:txBody>
-      </p:sp>
-    </p:spTree>
-    <p:extLst>
-      <p:ext uri="{BB962C8B-B14F-4D97-AF65-F5344CB8AC3E}">
-        <p14:creationId xmlns:p14="http://schemas.microsoft.com/office/powerpoint/2010/main" val="2222300108"/>
-      </p:ext>
-    </p:extLst>
-  </p:cSld>
-  <p:clrMapOvr>
-    <a:masterClrMapping/>
-  </p:clrMapOvr>
-</p:sld>
-</file>
-
-<file path=ppt/slides/slide16.xml><?xml version="1.0" encoding="utf-8"?>
-<p:sld xmlns:a="http://schemas.openxmlformats.org/drawingml/2006/main" xmlns:r="http://schemas.openxmlformats.org/officeDocument/2006/relationships" xmlns:p="http://schemas.openxmlformats.org/presentationml/2006/main">
-  <p:cSld>
-    <p:spTree>
-      <p:nvGrpSpPr>
-        <p:cNvPr id="1" name=""/>
-        <p:cNvGrpSpPr/>
-        <p:nvPr/>
-      </p:nvGrpSpPr>
-      <p:grpSpPr>
-        <a:xfrm>
-          <a:off x="0" y="0"/>
-          <a:ext cx="0" cy="0"/>
-          <a:chOff x="0" y="0"/>
-          <a:chExt cx="0" cy="0"/>
-        </a:xfrm>
-      </p:grpSpPr>
-      <p:sp>
-        <p:nvSpPr>
-          <p:cNvPr id="2" name="Text Placeholder 2"/>
-          <p:cNvSpPr txBox="1">
-            <a:spLocks/>
-          </p:cNvSpPr>
-          <p:nvPr/>
-        </p:nvSpPr>
-        <p:spPr>
-          <a:xfrm>
-            <a:off x="296261" y="2702745"/>
-            <a:ext cx="4275738" cy="479822"/>
-          </a:xfrm>
-          <a:prstGeom prst="rect">
-            <a:avLst/>
-          </a:prstGeom>
-          <a:ln w="28575">
-            <a:solidFill>
-              <a:srgbClr val="E39A39"/>
-            </a:solidFill>
-          </a:ln>
-        </p:spPr>
-        <p:txBody>
-          <a:bodyPr/>
-          <a:lstStyle>
-            <a:lvl1pPr marL="342900" indent="-342900" algn="l" defTabSz="914400" rtl="0" eaLnBrk="1" latinLnBrk="0" hangingPunct="1">
-              <a:spcBef>
-                <a:spcPct val="20000"/>
-              </a:spcBef>
-              <a:buFont typeface="Arial" pitchFamily="34" charset="0"/>
-              <a:buChar char="•"/>
-              <a:defRPr sz="3200" kern="1200">
-                <a:solidFill>
-                  <a:schemeClr val="tx1"/>
-                </a:solidFill>
-                <a:latin typeface="+mn-lt"/>
-                <a:ea typeface="+mn-ea"/>
-                <a:cs typeface="+mn-cs"/>
-              </a:defRPr>
-            </a:lvl1pPr>
-            <a:lvl2pPr marL="742950" indent="-285750" algn="l" defTabSz="914400" rtl="0" eaLnBrk="1" latinLnBrk="0" hangingPunct="1">
-              <a:spcBef>
-                <a:spcPct val="20000"/>
-              </a:spcBef>
-              <a:buFont typeface="Arial" pitchFamily="34" charset="0"/>
-              <a:buChar char="–"/>
-              <a:defRPr sz="2800" kern="1200">
-                <a:solidFill>
-                  <a:schemeClr val="tx1"/>
-                </a:solidFill>
-                <a:latin typeface="+mn-lt"/>
-                <a:ea typeface="+mn-ea"/>
-                <a:cs typeface="+mn-cs"/>
-              </a:defRPr>
-            </a:lvl2pPr>
-            <a:lvl3pPr marL="1143000" indent="-228600" algn="l" defTabSz="914400" rtl="0" eaLnBrk="1" latinLnBrk="0" hangingPunct="1">
-              <a:spcBef>
-                <a:spcPct val="20000"/>
-              </a:spcBef>
-              <a:buFont typeface="Arial" pitchFamily="34" charset="0"/>
-              <a:buChar char="•"/>
-              <a:defRPr sz="2400" kern="1200">
-                <a:solidFill>
-                  <a:schemeClr val="tx1"/>
-                </a:solidFill>
-                <a:latin typeface="+mn-lt"/>
-                <a:ea typeface="+mn-ea"/>
-                <a:cs typeface="+mn-cs"/>
-              </a:defRPr>
-            </a:lvl3pPr>
-            <a:lvl4pPr marL="1600200" indent="-228600" algn="l" defTabSz="914400" rtl="0" eaLnBrk="1" latinLnBrk="0" hangingPunct="1">
-              <a:spcBef>
-                <a:spcPct val="20000"/>
-              </a:spcBef>
-              <a:buFont typeface="Arial" pitchFamily="34" charset="0"/>
-              <a:buChar char="–"/>
-              <a:defRPr sz="2000" kern="1200">
-                <a:solidFill>
-                  <a:schemeClr val="tx1"/>
-                </a:solidFill>
-                <a:latin typeface="+mn-lt"/>
-                <a:ea typeface="+mn-ea"/>
-                <a:cs typeface="+mn-cs"/>
-              </a:defRPr>
-            </a:lvl4pPr>
-            <a:lvl5pPr marL="2057400" indent="-228600" algn="l" defTabSz="914400" rtl="0" eaLnBrk="1" latinLnBrk="0" hangingPunct="1">
-              <a:spcBef>
-                <a:spcPct val="20000"/>
-              </a:spcBef>
-              <a:buFont typeface="Arial" pitchFamily="34" charset="0"/>
-              <a:buChar char="»"/>
-              <a:defRPr sz="2000" kern="1200">
-                <a:solidFill>
-                  <a:schemeClr val="tx1"/>
-                </a:solidFill>
-                <a:latin typeface="+mn-lt"/>
-                <a:ea typeface="+mn-ea"/>
-                <a:cs typeface="+mn-cs"/>
-              </a:defRPr>
-            </a:lvl5pPr>
-            <a:lvl6pPr marL="2514600" indent="-228600" algn="l" defTabSz="914400" rtl="0" eaLnBrk="1" latinLnBrk="0" hangingPunct="1">
-              <a:spcBef>
-                <a:spcPct val="20000"/>
-              </a:spcBef>
-              <a:buFont typeface="Arial" pitchFamily="34" charset="0"/>
-              <a:buChar char="•"/>
-              <a:defRPr sz="2000" kern="1200">
-                <a:solidFill>
-                  <a:schemeClr val="tx1"/>
-                </a:solidFill>
-                <a:latin typeface="+mn-lt"/>
-                <a:ea typeface="+mn-ea"/>
-                <a:cs typeface="+mn-cs"/>
-              </a:defRPr>
-            </a:lvl6pPr>
-            <a:lvl7pPr marL="2971800" indent="-228600" algn="l" defTabSz="914400" rtl="0" eaLnBrk="1" latinLnBrk="0" hangingPunct="1">
-              <a:spcBef>
-                <a:spcPct val="20000"/>
-              </a:spcBef>
-              <a:buFont typeface="Arial" pitchFamily="34" charset="0"/>
-              <a:buChar char="•"/>
-              <a:defRPr sz="2000" kern="1200">
-                <a:solidFill>
-                  <a:schemeClr val="tx1"/>
-                </a:solidFill>
-                <a:latin typeface="+mn-lt"/>
-                <a:ea typeface="+mn-ea"/>
-                <a:cs typeface="+mn-cs"/>
-              </a:defRPr>
-            </a:lvl7pPr>
-            <a:lvl8pPr marL="3429000" indent="-228600" algn="l" defTabSz="914400" rtl="0" eaLnBrk="1" latinLnBrk="0" hangingPunct="1">
-              <a:spcBef>
-                <a:spcPct val="20000"/>
-              </a:spcBef>
-              <a:buFont typeface="Arial" pitchFamily="34" charset="0"/>
-              <a:buChar char="•"/>
-              <a:defRPr sz="2000" kern="1200">
-                <a:solidFill>
-                  <a:schemeClr val="tx1"/>
-                </a:solidFill>
-                <a:latin typeface="+mn-lt"/>
-                <a:ea typeface="+mn-ea"/>
-                <a:cs typeface="+mn-cs"/>
-              </a:defRPr>
-            </a:lvl8pPr>
-            <a:lvl9pPr marL="3886200" indent="-228600" algn="l" defTabSz="914400" rtl="0" eaLnBrk="1" latinLnBrk="0" hangingPunct="1">
-              <a:spcBef>
-                <a:spcPct val="20000"/>
-              </a:spcBef>
-              <a:buFont typeface="Arial" pitchFamily="34" charset="0"/>
-              <a:buChar char="•"/>
-              <a:defRPr sz="2000" kern="1200">
-                <a:solidFill>
-                  <a:schemeClr val="tx1"/>
-                </a:solidFill>
-                <a:latin typeface="+mn-lt"/>
-                <a:ea typeface="+mn-ea"/>
-                <a:cs typeface="+mn-cs"/>
-              </a:defRPr>
-            </a:lvl9pPr>
-          </a:lstStyle>
-          <a:p>
-            <a:pPr marL="0" indent="0" algn="ctr">
-              <a:buNone/>
-            </a:pPr>
-            <a:r>
-              <a:rPr lang="en-US" sz="2400" dirty="0">
-                <a:solidFill>
-                  <a:srgbClr val="232D48"/>
-                </a:solidFill>
-              </a:rPr>
-              <a:t>ACM Code of Conduct</a:t>
-            </a:r>
-          </a:p>
-        </p:txBody>
-      </p:sp>
-      <p:sp>
-        <p:nvSpPr>
-          <p:cNvPr id="3" name="Content Placeholder 3"/>
-          <p:cNvSpPr txBox="1">
-            <a:spLocks/>
-          </p:cNvSpPr>
-          <p:nvPr/>
-        </p:nvSpPr>
-        <p:spPr>
-          <a:xfrm>
-            <a:off x="296259" y="3182570"/>
-            <a:ext cx="4280806" cy="1957951"/>
-          </a:xfrm>
-          <a:prstGeom prst="rect">
-            <a:avLst/>
-          </a:prstGeom>
-          <a:solidFill>
-            <a:srgbClr val="232D48"/>
-          </a:solidFill>
-          <a:ln w="28575">
-            <a:solidFill>
-              <a:srgbClr val="E39A39"/>
-            </a:solidFill>
-          </a:ln>
-        </p:spPr>
-        <p:txBody>
-          <a:bodyPr>
-            <a:normAutofit/>
-          </a:bodyPr>
-          <a:lstStyle>
-            <a:lvl1pPr marL="342900" indent="-342900" algn="l" defTabSz="914400" rtl="0" eaLnBrk="1" latinLnBrk="0" hangingPunct="1">
-              <a:spcBef>
-                <a:spcPct val="20000"/>
-              </a:spcBef>
-              <a:buFont typeface="Arial" pitchFamily="34" charset="0"/>
-              <a:buChar char="•"/>
-              <a:defRPr sz="3200" kern="1200">
-                <a:solidFill>
-                  <a:schemeClr val="tx1"/>
-                </a:solidFill>
-                <a:latin typeface="+mn-lt"/>
-                <a:ea typeface="+mn-ea"/>
-                <a:cs typeface="+mn-cs"/>
-              </a:defRPr>
-            </a:lvl1pPr>
-            <a:lvl2pPr marL="742950" indent="-285750" algn="l" defTabSz="914400" rtl="0" eaLnBrk="1" latinLnBrk="0" hangingPunct="1">
-              <a:spcBef>
-                <a:spcPct val="20000"/>
-              </a:spcBef>
-              <a:buFont typeface="Arial" pitchFamily="34" charset="0"/>
-              <a:buChar char="–"/>
-              <a:defRPr sz="2800" kern="1200">
-                <a:solidFill>
-                  <a:schemeClr val="tx1"/>
-                </a:solidFill>
-                <a:latin typeface="+mn-lt"/>
-                <a:ea typeface="+mn-ea"/>
-                <a:cs typeface="+mn-cs"/>
-              </a:defRPr>
-            </a:lvl2pPr>
-            <a:lvl3pPr marL="1143000" indent="-228600" algn="l" defTabSz="914400" rtl="0" eaLnBrk="1" latinLnBrk="0" hangingPunct="1">
-              <a:spcBef>
-                <a:spcPct val="20000"/>
-              </a:spcBef>
-              <a:buFont typeface="Arial" pitchFamily="34" charset="0"/>
-              <a:buChar char="•"/>
-              <a:defRPr sz="2400" kern="1200">
-                <a:solidFill>
-                  <a:schemeClr val="tx1"/>
-                </a:solidFill>
-                <a:latin typeface="+mn-lt"/>
-                <a:ea typeface="+mn-ea"/>
-                <a:cs typeface="+mn-cs"/>
-              </a:defRPr>
-            </a:lvl3pPr>
-            <a:lvl4pPr marL="1600200" indent="-228600" algn="l" defTabSz="914400" rtl="0" eaLnBrk="1" latinLnBrk="0" hangingPunct="1">
-              <a:spcBef>
-                <a:spcPct val="20000"/>
-              </a:spcBef>
-              <a:buFont typeface="Arial" pitchFamily="34" charset="0"/>
-              <a:buChar char="–"/>
-              <a:defRPr sz="2000" kern="1200">
-                <a:solidFill>
-                  <a:schemeClr val="tx1"/>
-                </a:solidFill>
-                <a:latin typeface="+mn-lt"/>
-                <a:ea typeface="+mn-ea"/>
-                <a:cs typeface="+mn-cs"/>
-              </a:defRPr>
-            </a:lvl4pPr>
-            <a:lvl5pPr marL="2057400" indent="-228600" algn="l" defTabSz="914400" rtl="0" eaLnBrk="1" latinLnBrk="0" hangingPunct="1">
-              <a:spcBef>
-                <a:spcPct val="20000"/>
-              </a:spcBef>
-              <a:buFont typeface="Arial" pitchFamily="34" charset="0"/>
-              <a:buChar char="»"/>
-              <a:defRPr sz="2000" kern="1200">
-                <a:solidFill>
-                  <a:schemeClr val="tx1"/>
-                </a:solidFill>
-                <a:latin typeface="+mn-lt"/>
-                <a:ea typeface="+mn-ea"/>
-                <a:cs typeface="+mn-cs"/>
-              </a:defRPr>
-            </a:lvl5pPr>
-            <a:lvl6pPr marL="2514600" indent="-228600" algn="l" defTabSz="914400" rtl="0" eaLnBrk="1" latinLnBrk="0" hangingPunct="1">
-              <a:spcBef>
-                <a:spcPct val="20000"/>
-              </a:spcBef>
-              <a:buFont typeface="Arial" pitchFamily="34" charset="0"/>
-              <a:buChar char="•"/>
-              <a:defRPr sz="2000" kern="1200">
-                <a:solidFill>
-                  <a:schemeClr val="tx1"/>
-                </a:solidFill>
-                <a:latin typeface="+mn-lt"/>
-                <a:ea typeface="+mn-ea"/>
-                <a:cs typeface="+mn-cs"/>
-              </a:defRPr>
-            </a:lvl6pPr>
-            <a:lvl7pPr marL="2971800" indent="-228600" algn="l" defTabSz="914400" rtl="0" eaLnBrk="1" latinLnBrk="0" hangingPunct="1">
-              <a:spcBef>
-                <a:spcPct val="20000"/>
-              </a:spcBef>
-              <a:buFont typeface="Arial" pitchFamily="34" charset="0"/>
-              <a:buChar char="•"/>
-              <a:defRPr sz="2000" kern="1200">
-                <a:solidFill>
-                  <a:schemeClr val="tx1"/>
-                </a:solidFill>
-                <a:latin typeface="+mn-lt"/>
-                <a:ea typeface="+mn-ea"/>
-                <a:cs typeface="+mn-cs"/>
-              </a:defRPr>
-            </a:lvl7pPr>
-            <a:lvl8pPr marL="3429000" indent="-228600" algn="l" defTabSz="914400" rtl="0" eaLnBrk="1" latinLnBrk="0" hangingPunct="1">
-              <a:spcBef>
-                <a:spcPct val="20000"/>
-              </a:spcBef>
-              <a:buFont typeface="Arial" pitchFamily="34" charset="0"/>
-              <a:buChar char="•"/>
-              <a:defRPr sz="2000" kern="1200">
-                <a:solidFill>
-                  <a:schemeClr val="tx1"/>
-                </a:solidFill>
-                <a:latin typeface="+mn-lt"/>
-                <a:ea typeface="+mn-ea"/>
-                <a:cs typeface="+mn-cs"/>
-              </a:defRPr>
-            </a:lvl8pPr>
-            <a:lvl9pPr marL="3886200" indent="-228600" algn="l" defTabSz="914400" rtl="0" eaLnBrk="1" latinLnBrk="0" hangingPunct="1">
-              <a:spcBef>
-                <a:spcPct val="20000"/>
-              </a:spcBef>
-              <a:buFont typeface="Arial" pitchFamily="34" charset="0"/>
-              <a:buChar char="•"/>
-              <a:defRPr sz="2000" kern="1200">
-                <a:solidFill>
-                  <a:schemeClr val="tx1"/>
-                </a:solidFill>
-                <a:latin typeface="+mn-lt"/>
-                <a:ea typeface="+mn-ea"/>
-                <a:cs typeface="+mn-cs"/>
-              </a:defRPr>
-            </a:lvl9pPr>
-          </a:lstStyle>
-          <a:p>
-            <a:pPr marL="0" indent="0" algn="ctr">
-              <a:buNone/>
-            </a:pPr>
-            <a:r>
-              <a:rPr lang="en-US" sz="2400" dirty="0">
-                <a:solidFill>
-                  <a:schemeClr val="bg1"/>
-                </a:solidFill>
-              </a:rPr>
-              <a:t>2.4 Accept and provide appropriate professional review.</a:t>
-            </a:r>
-          </a:p>
-        </p:txBody>
-      </p:sp>
-      <p:sp>
-        <p:nvSpPr>
-          <p:cNvPr id="4" name="Text Placeholder 4"/>
-          <p:cNvSpPr txBox="1">
-            <a:spLocks/>
-          </p:cNvSpPr>
-          <p:nvPr/>
-        </p:nvSpPr>
-        <p:spPr>
-          <a:xfrm>
-            <a:off x="4572000" y="2702746"/>
-            <a:ext cx="4275740" cy="479822"/>
-          </a:xfrm>
-          <a:prstGeom prst="rect">
-            <a:avLst/>
-          </a:prstGeom>
-          <a:ln w="28575">
-            <a:solidFill>
-              <a:srgbClr val="E39A39"/>
-            </a:solidFill>
-          </a:ln>
-        </p:spPr>
-        <p:txBody>
-          <a:bodyPr>
-            <a:normAutofit/>
-          </a:bodyPr>
-          <a:lstStyle>
-            <a:lvl1pPr marL="342900" indent="-342900" algn="l" defTabSz="914400" rtl="0" eaLnBrk="1" latinLnBrk="0" hangingPunct="1">
-              <a:spcBef>
-                <a:spcPct val="20000"/>
-              </a:spcBef>
-              <a:buFont typeface="Arial" pitchFamily="34" charset="0"/>
-              <a:buChar char="•"/>
-              <a:defRPr sz="3200" kern="1200">
-                <a:solidFill>
-                  <a:schemeClr val="tx1"/>
-                </a:solidFill>
-                <a:latin typeface="+mn-lt"/>
-                <a:ea typeface="+mn-ea"/>
-                <a:cs typeface="+mn-cs"/>
-              </a:defRPr>
-            </a:lvl1pPr>
-            <a:lvl2pPr marL="742950" indent="-285750" algn="l" defTabSz="914400" rtl="0" eaLnBrk="1" latinLnBrk="0" hangingPunct="1">
-              <a:spcBef>
-                <a:spcPct val="20000"/>
-              </a:spcBef>
-              <a:buFont typeface="Arial" pitchFamily="34" charset="0"/>
-              <a:buChar char="–"/>
-              <a:defRPr sz="2800" kern="1200">
-                <a:solidFill>
-                  <a:schemeClr val="tx1"/>
-                </a:solidFill>
-                <a:latin typeface="+mn-lt"/>
-                <a:ea typeface="+mn-ea"/>
-                <a:cs typeface="+mn-cs"/>
-              </a:defRPr>
-            </a:lvl2pPr>
-            <a:lvl3pPr marL="1143000" indent="-228600" algn="l" defTabSz="914400" rtl="0" eaLnBrk="1" latinLnBrk="0" hangingPunct="1">
-              <a:spcBef>
-                <a:spcPct val="20000"/>
-              </a:spcBef>
-              <a:buFont typeface="Arial" pitchFamily="34" charset="0"/>
-              <a:buChar char="•"/>
-              <a:defRPr sz="2400" kern="1200">
-                <a:solidFill>
-                  <a:schemeClr val="tx1"/>
-                </a:solidFill>
-                <a:latin typeface="+mn-lt"/>
-                <a:ea typeface="+mn-ea"/>
-                <a:cs typeface="+mn-cs"/>
-              </a:defRPr>
-            </a:lvl3pPr>
-            <a:lvl4pPr marL="1600200" indent="-228600" algn="l" defTabSz="914400" rtl="0" eaLnBrk="1" latinLnBrk="0" hangingPunct="1">
-              <a:spcBef>
-                <a:spcPct val="20000"/>
-              </a:spcBef>
-              <a:buFont typeface="Arial" pitchFamily="34" charset="0"/>
-              <a:buChar char="–"/>
-              <a:defRPr sz="2000" kern="1200">
-                <a:solidFill>
-                  <a:schemeClr val="tx1"/>
-                </a:solidFill>
-                <a:latin typeface="+mn-lt"/>
-                <a:ea typeface="+mn-ea"/>
-                <a:cs typeface="+mn-cs"/>
-              </a:defRPr>
-            </a:lvl4pPr>
-            <a:lvl5pPr marL="2057400" indent="-228600" algn="l" defTabSz="914400" rtl="0" eaLnBrk="1" latinLnBrk="0" hangingPunct="1">
-              <a:spcBef>
-                <a:spcPct val="20000"/>
-              </a:spcBef>
-              <a:buFont typeface="Arial" pitchFamily="34" charset="0"/>
-              <a:buChar char="»"/>
-              <a:defRPr sz="2000" kern="1200">
-                <a:solidFill>
-                  <a:schemeClr val="tx1"/>
-                </a:solidFill>
-                <a:latin typeface="+mn-lt"/>
-                <a:ea typeface="+mn-ea"/>
-                <a:cs typeface="+mn-cs"/>
-              </a:defRPr>
-            </a:lvl5pPr>
-            <a:lvl6pPr marL="2514600" indent="-228600" algn="l" defTabSz="914400" rtl="0" eaLnBrk="1" latinLnBrk="0" hangingPunct="1">
-              <a:spcBef>
-                <a:spcPct val="20000"/>
-              </a:spcBef>
-              <a:buFont typeface="Arial" pitchFamily="34" charset="0"/>
-              <a:buChar char="•"/>
-              <a:defRPr sz="2000" kern="1200">
-                <a:solidFill>
-                  <a:schemeClr val="tx1"/>
-                </a:solidFill>
-                <a:latin typeface="+mn-lt"/>
-                <a:ea typeface="+mn-ea"/>
-                <a:cs typeface="+mn-cs"/>
-              </a:defRPr>
-            </a:lvl6pPr>
-            <a:lvl7pPr marL="2971800" indent="-228600" algn="l" defTabSz="914400" rtl="0" eaLnBrk="1" latinLnBrk="0" hangingPunct="1">
-              <a:spcBef>
-                <a:spcPct val="20000"/>
-              </a:spcBef>
-              <a:buFont typeface="Arial" pitchFamily="34" charset="0"/>
-              <a:buChar char="•"/>
-              <a:defRPr sz="2000" kern="1200">
-                <a:solidFill>
-                  <a:schemeClr val="tx1"/>
-                </a:solidFill>
-                <a:latin typeface="+mn-lt"/>
-                <a:ea typeface="+mn-ea"/>
-                <a:cs typeface="+mn-cs"/>
-              </a:defRPr>
-            </a:lvl7pPr>
-            <a:lvl8pPr marL="3429000" indent="-228600" algn="l" defTabSz="914400" rtl="0" eaLnBrk="1" latinLnBrk="0" hangingPunct="1">
-              <a:spcBef>
-                <a:spcPct val="20000"/>
-              </a:spcBef>
-              <a:buFont typeface="Arial" pitchFamily="34" charset="0"/>
-              <a:buChar char="•"/>
-              <a:defRPr sz="2000" kern="1200">
-                <a:solidFill>
-                  <a:schemeClr val="tx1"/>
-                </a:solidFill>
-                <a:latin typeface="+mn-lt"/>
-                <a:ea typeface="+mn-ea"/>
-                <a:cs typeface="+mn-cs"/>
-              </a:defRPr>
-            </a:lvl8pPr>
-            <a:lvl9pPr marL="3886200" indent="-228600" algn="l" defTabSz="914400" rtl="0" eaLnBrk="1" latinLnBrk="0" hangingPunct="1">
-              <a:spcBef>
-                <a:spcPct val="20000"/>
-              </a:spcBef>
-              <a:buFont typeface="Arial" pitchFamily="34" charset="0"/>
-              <a:buChar char="•"/>
-              <a:defRPr sz="2000" kern="1200">
-                <a:solidFill>
-                  <a:schemeClr val="tx1"/>
-                </a:solidFill>
-                <a:latin typeface="+mn-lt"/>
-                <a:ea typeface="+mn-ea"/>
-                <a:cs typeface="+mn-cs"/>
-              </a:defRPr>
-            </a:lvl9pPr>
-          </a:lstStyle>
-          <a:p>
-            <a:pPr marL="0" indent="0" algn="ctr">
-              <a:buNone/>
-            </a:pPr>
-            <a:r>
-              <a:rPr lang="en-US" sz="2400" dirty="0">
-                <a:solidFill>
-                  <a:srgbClr val="232D48"/>
-                </a:solidFill>
-              </a:rPr>
-              <a:t>BCS Code of Conduct</a:t>
-            </a:r>
-          </a:p>
-        </p:txBody>
-      </p:sp>
-      <p:sp>
-        <p:nvSpPr>
-          <p:cNvPr id="5" name="Content Placeholder 5"/>
-          <p:cNvSpPr txBox="1">
-            <a:spLocks/>
-          </p:cNvSpPr>
-          <p:nvPr/>
-        </p:nvSpPr>
-        <p:spPr>
-          <a:xfrm>
-            <a:off x="4571999" y="3182569"/>
-            <a:ext cx="4275741" cy="1957951"/>
-          </a:xfrm>
-          <a:prstGeom prst="rect">
-            <a:avLst/>
-          </a:prstGeom>
-          <a:solidFill>
-            <a:srgbClr val="232D48"/>
-          </a:solidFill>
-          <a:ln w="28575">
-            <a:solidFill>
-              <a:srgbClr val="E39A39"/>
-            </a:solidFill>
-          </a:ln>
-        </p:spPr>
-        <p:txBody>
-          <a:bodyPr>
             <a:normAutofit lnSpcReduction="10000"/>
           </a:bodyPr>
           <a:lstStyle>
@@ -9509,7 +8594,7 @@
 </p:sld>
 </file>
 
-<file path=ppt/slides/slide17.xml><?xml version="1.0" encoding="utf-8"?>
+<file path=ppt/slides/slide16.xml><?xml version="1.0" encoding="utf-8"?>
 <p:sld xmlns:a="http://schemas.openxmlformats.org/drawingml/2006/main" xmlns:r="http://schemas.openxmlformats.org/officeDocument/2006/relationships" xmlns:p="http://schemas.openxmlformats.org/presentationml/2006/main">
   <p:cSld>
     <p:spTree>
@@ -10471,1303 +9556,412 @@
       </p:grpSpPr>
       <p:sp>
         <p:nvSpPr>
-          <p:cNvPr id="2" name="Title 1"/>
-          <p:cNvSpPr txBox="1">
-            <a:spLocks/>
+          <p:cNvPr id="2" name="Title 1">
+            <a:extLst>
+              <a:ext uri="{FF2B5EF4-FFF2-40B4-BE49-F238E27FC236}">
+                <a16:creationId xmlns:a16="http://schemas.microsoft.com/office/drawing/2014/main" id="{DD279937-5365-A7A3-3AED-D18DF6AA2B7D}"/>
+              </a:ext>
+            </a:extLst>
+          </p:cNvPr>
+          <p:cNvSpPr>
+            <a:spLocks noGrp="1"/>
           </p:cNvSpPr>
-          <p:nvPr/>
+          <p:nvPr>
+            <p:ph type="title"/>
+          </p:nvPr>
         </p:nvSpPr>
         <p:spPr>
           <a:xfrm>
-            <a:off x="448965" y="281175"/>
-            <a:ext cx="8246070" cy="763525"/>
+            <a:off x="296260" y="72359"/>
+            <a:ext cx="6566315" cy="725349"/>
           </a:xfrm>
-          <a:prstGeom prst="rect">
-            <a:avLst/>
-          </a:prstGeom>
+        </p:spPr>
+        <p:txBody>
+          <a:bodyPr/>
+          <a:lstStyle/>
+          <a:p>
+            <a:r>
+              <a:rPr lang="en-GB" dirty="0"/>
+              <a:t>Table of Contents</a:t>
+            </a:r>
+            <a:endParaRPr lang="en-US" dirty="0"/>
+          </a:p>
+        </p:txBody>
+      </p:sp>
+      <p:sp>
+        <p:nvSpPr>
+          <p:cNvPr id="3" name="Content Placeholder 2">
+            <a:extLst>
+              <a:ext uri="{FF2B5EF4-FFF2-40B4-BE49-F238E27FC236}">
+                <a16:creationId xmlns:a16="http://schemas.microsoft.com/office/drawing/2014/main" id="{4C3EFF51-26D3-74F6-FFFC-B4B74CFCDC8B}"/>
+              </a:ext>
+            </a:extLst>
+          </p:cNvPr>
+          <p:cNvSpPr>
+            <a:spLocks noGrp="1"/>
+          </p:cNvSpPr>
+          <p:nvPr>
+            <p:ph idx="1"/>
+          </p:nvPr>
+        </p:nvSpPr>
+        <p:spPr>
+          <a:xfrm>
+            <a:off x="296260" y="724808"/>
+            <a:ext cx="6566315" cy="4418692"/>
+          </a:xfrm>
         </p:spPr>
         <p:txBody>
           <a:bodyPr>
             <a:normAutofit/>
           </a:bodyPr>
-          <a:lstStyle>
-            <a:lvl1pPr algn="ctr" defTabSz="914400" rtl="0" eaLnBrk="1" latinLnBrk="0" hangingPunct="1">
-              <a:spcBef>
-                <a:spcPct val="0"/>
-              </a:spcBef>
-              <a:buNone/>
-              <a:defRPr sz="4400" kern="1200">
-                <a:solidFill>
-                  <a:schemeClr val="tx1"/>
-                </a:solidFill>
-                <a:latin typeface="+mj-lt"/>
-                <a:ea typeface="+mj-ea"/>
-                <a:cs typeface="+mj-cs"/>
-              </a:defRPr>
-            </a:lvl1pPr>
-          </a:lstStyle>
-          <a:p>
-            <a:pPr algn="r"/>
-            <a:r>
-              <a:rPr lang="en-US" dirty="0" smtClean="0">
-                <a:solidFill>
-                  <a:schemeClr val="accent5"/>
-                </a:solidFill>
+          <a:lstStyle/>
+          <a:p>
+            <a:pPr>
+              <a:spcBef>
+                <a:spcPts val="300"/>
+              </a:spcBef>
+              <a:spcAft>
+                <a:spcPts val="300"/>
+              </a:spcAft>
+            </a:pPr>
+            <a:r>
+              <a:rPr lang="en-US" sz="1800" dirty="0">
+                <a:solidFill>
+                  <a:schemeClr val="bg1"/>
+                </a:solidFill>
+                <a:hlinkClick r:id="rId2" action="ppaction://hlinksldjump">
+                  <a:extLst>
+                    <a:ext uri="{A12FA001-AC4F-418D-AE19-62706E023703}">
+                      <ahyp:hlinkClr xmlns:ahyp="http://schemas.microsoft.com/office/drawing/2018/hyperlinkcolor" val="tx"/>
+                    </a:ext>
+                  </a:extLst>
+                </a:hlinkClick>
+              </a:rPr>
+              <a:t>Case Study of ‘The Killer Robot’</a:t>
+            </a:r>
+            <a:endParaRPr lang="en-US" sz="1800" dirty="0">
+              <a:solidFill>
+                <a:schemeClr val="bg1"/>
+              </a:solidFill>
+            </a:endParaRPr>
+          </a:p>
+          <a:p>
+            <a:pPr>
+              <a:spcBef>
+                <a:spcPts val="300"/>
+              </a:spcBef>
+              <a:spcAft>
+                <a:spcPts val="300"/>
+              </a:spcAft>
+            </a:pPr>
+            <a:r>
+              <a:rPr lang="en-GB" sz="1800" dirty="0">
+                <a:solidFill>
+                  <a:schemeClr val="bg1"/>
+                </a:solidFill>
+                <a:hlinkClick r:id="rId3" action="ppaction://hlinksldjump">
+                  <a:extLst>
+                    <a:ext uri="{A12FA001-AC4F-418D-AE19-62706E023703}">
+                      <ahyp:hlinkClr xmlns:ahyp="http://schemas.microsoft.com/office/drawing/2018/hyperlinkcolor" val="tx"/>
+                    </a:ext>
+                  </a:extLst>
+                </a:hlinkClick>
               </a:rPr>
               <a:t>Table of Contents</a:t>
             </a:r>
-            <a:endParaRPr lang="en-US" dirty="0">
+            <a:endParaRPr lang="en-US" sz="1800" dirty="0">
               <a:solidFill>
-                <a:schemeClr val="accent5"/>
+                <a:schemeClr val="bg1"/>
               </a:solidFill>
             </a:endParaRPr>
           </a:p>
-        </p:txBody>
-      </p:sp>
-      <p:sp>
-        <p:nvSpPr>
-          <p:cNvPr id="3" name="Rectangle 2"/>
-          <p:cNvSpPr/>
-          <p:nvPr/>
-        </p:nvSpPr>
-        <p:spPr>
-          <a:xfrm>
-            <a:off x="601670" y="1350110"/>
-            <a:ext cx="1832460" cy="610820"/>
-          </a:xfrm>
-          <a:prstGeom prst="rect">
-            <a:avLst/>
-          </a:prstGeom>
-        </p:spPr>
-        <p:style>
-          <a:lnRef idx="2">
-            <a:schemeClr val="accent1">
-              <a:shade val="50000"/>
-            </a:schemeClr>
-          </a:lnRef>
-          <a:fillRef idx="1">
-            <a:schemeClr val="accent1"/>
-          </a:fillRef>
-          <a:effectRef idx="0">
-            <a:schemeClr val="accent1"/>
-          </a:effectRef>
-          <a:fontRef idx="minor">
-            <a:schemeClr val="lt1"/>
-          </a:fontRef>
-        </p:style>
-        <p:txBody>
-          <a:bodyPr rtlCol="0" anchor="ctr"/>
-          <a:lstStyle/>
-          <a:p>
-            <a:pPr algn="ctr"/>
-            <a:r>
-              <a:rPr lang="en-US" dirty="0" smtClean="0"/>
-              <a:t>Case study of The Killer Robot</a:t>
-            </a:r>
-            <a:endParaRPr lang="en-US" dirty="0"/>
-          </a:p>
-        </p:txBody>
-      </p:sp>
-      <p:sp>
-        <p:nvSpPr>
-          <p:cNvPr id="5" name="Rectangle 4"/>
-          <p:cNvSpPr/>
-          <p:nvPr/>
-        </p:nvSpPr>
-        <p:spPr>
-          <a:xfrm>
-            <a:off x="601670" y="2113635"/>
-            <a:ext cx="1832460" cy="610820"/>
-          </a:xfrm>
-          <a:prstGeom prst="rect">
-            <a:avLst/>
-          </a:prstGeom>
-        </p:spPr>
-        <p:style>
-          <a:lnRef idx="2">
-            <a:schemeClr val="accent1">
-              <a:shade val="50000"/>
-            </a:schemeClr>
-          </a:lnRef>
-          <a:fillRef idx="1">
-            <a:schemeClr val="accent1"/>
-          </a:fillRef>
-          <a:effectRef idx="0">
-            <a:schemeClr val="accent1"/>
-          </a:effectRef>
-          <a:fontRef idx="minor">
-            <a:schemeClr val="lt1"/>
-          </a:fontRef>
-        </p:style>
-        <p:txBody>
-          <a:bodyPr rtlCol="0" anchor="ctr"/>
-          <a:lstStyle/>
-          <a:p>
-            <a:pPr algn="ctr"/>
-            <a:r>
-              <a:rPr lang="en-US" dirty="0" smtClean="0"/>
+          <a:p>
+            <a:pPr>
+              <a:spcBef>
+                <a:spcPts val="300"/>
+              </a:spcBef>
+              <a:spcAft>
+                <a:spcPts val="300"/>
+              </a:spcAft>
+            </a:pPr>
+            <a:r>
+              <a:rPr lang="en-GB" sz="1800" dirty="0">
+                <a:solidFill>
+                  <a:schemeClr val="bg1"/>
+                </a:solidFill>
+                <a:hlinkClick r:id="rId4" action="ppaction://hlinksldjump">
+                  <a:extLst>
+                    <a:ext uri="{A12FA001-AC4F-418D-AE19-62706E023703}">
+                      <ahyp:hlinkClr xmlns:ahyp="http://schemas.microsoft.com/office/drawing/2018/hyperlinkcolor" val="tx"/>
+                    </a:ext>
+                  </a:extLst>
+                </a:hlinkClick>
+              </a:rPr>
               <a:t>Outline</a:t>
             </a:r>
-            <a:endParaRPr lang="en-US" dirty="0"/>
-          </a:p>
-        </p:txBody>
-      </p:sp>
-      <p:sp>
-        <p:nvSpPr>
-          <p:cNvPr id="6" name="Rectangle 5"/>
-          <p:cNvSpPr/>
-          <p:nvPr/>
-        </p:nvSpPr>
-        <p:spPr>
-          <a:xfrm>
-            <a:off x="601670" y="3640685"/>
-            <a:ext cx="1832460" cy="610820"/>
-          </a:xfrm>
-          <a:prstGeom prst="rect">
-            <a:avLst/>
-          </a:prstGeom>
-        </p:spPr>
-        <p:style>
-          <a:lnRef idx="2">
-            <a:schemeClr val="accent1">
-              <a:shade val="50000"/>
-            </a:schemeClr>
-          </a:lnRef>
-          <a:fillRef idx="1">
-            <a:schemeClr val="accent1"/>
-          </a:fillRef>
-          <a:effectRef idx="0">
-            <a:schemeClr val="accent1"/>
-          </a:effectRef>
-          <a:fontRef idx="minor">
-            <a:schemeClr val="lt1"/>
-          </a:fontRef>
-        </p:style>
-        <p:txBody>
-          <a:bodyPr rtlCol="0" anchor="ctr"/>
-          <a:lstStyle/>
-          <a:p>
-            <a:pPr algn="ctr"/>
-            <a:r>
-              <a:rPr lang="en-US" dirty="0" smtClean="0"/>
+            <a:endParaRPr lang="en-US" sz="1800" dirty="0">
+              <a:solidFill>
+                <a:schemeClr val="bg1"/>
+              </a:solidFill>
+            </a:endParaRPr>
+          </a:p>
+          <a:p>
+            <a:pPr>
+              <a:spcBef>
+                <a:spcPts val="300"/>
+              </a:spcBef>
+              <a:spcAft>
+                <a:spcPts val="300"/>
+              </a:spcAft>
+            </a:pPr>
+            <a:r>
+              <a:rPr lang="en-US" sz="1800" dirty="0">
+                <a:solidFill>
+                  <a:schemeClr val="bg1"/>
+                </a:solidFill>
+                <a:hlinkClick r:id="rId5" action="ppaction://hlinksldjump">
+                  <a:extLst>
+                    <a:ext uri="{A12FA001-AC4F-418D-AE19-62706E023703}">
+                      <ahyp:hlinkClr xmlns:ahyp="http://schemas.microsoft.com/office/drawing/2018/hyperlinkcolor" val="tx"/>
+                    </a:ext>
+                  </a:extLst>
+                </a:hlinkClick>
+              </a:rPr>
+              <a:t>Cast of Characters</a:t>
+            </a:r>
+            <a:endParaRPr lang="en-US" sz="1800" dirty="0">
+              <a:solidFill>
+                <a:schemeClr val="bg1"/>
+              </a:solidFill>
+            </a:endParaRPr>
+          </a:p>
+          <a:p>
+            <a:pPr>
+              <a:spcBef>
+                <a:spcPts val="300"/>
+              </a:spcBef>
+              <a:spcAft>
+                <a:spcPts val="300"/>
+              </a:spcAft>
+            </a:pPr>
+            <a:r>
+              <a:rPr lang="en-US" sz="1800" dirty="0">
+                <a:solidFill>
+                  <a:schemeClr val="bg1"/>
+                </a:solidFill>
+                <a:hlinkClick r:id="rId6" action="ppaction://hlinksldjump">
+                  <a:extLst>
+                    <a:ext uri="{A12FA001-AC4F-418D-AE19-62706E023703}">
+                      <ahyp:hlinkClr xmlns:ahyp="http://schemas.microsoft.com/office/drawing/2018/hyperlinkcolor" val="tx"/>
+                    </a:ext>
+                  </a:extLst>
+                </a:hlinkClick>
+              </a:rPr>
               <a:t>Summary</a:t>
             </a:r>
-            <a:endParaRPr lang="en-US" dirty="0"/>
-          </a:p>
-        </p:txBody>
-      </p:sp>
-      <p:sp>
-        <p:nvSpPr>
-          <p:cNvPr id="8" name="Rectangle 7"/>
-          <p:cNvSpPr/>
-          <p:nvPr/>
-        </p:nvSpPr>
-        <p:spPr>
-          <a:xfrm>
-            <a:off x="601670" y="2877160"/>
-            <a:ext cx="1832460" cy="610820"/>
-          </a:xfrm>
-          <a:prstGeom prst="rect">
-            <a:avLst/>
-          </a:prstGeom>
-        </p:spPr>
-        <p:style>
-          <a:lnRef idx="2">
-            <a:schemeClr val="accent1">
-              <a:shade val="50000"/>
-            </a:schemeClr>
-          </a:lnRef>
-          <a:fillRef idx="1">
-            <a:schemeClr val="accent1"/>
-          </a:fillRef>
-          <a:effectRef idx="0">
-            <a:schemeClr val="accent1"/>
-          </a:effectRef>
-          <a:fontRef idx="minor">
-            <a:schemeClr val="lt1"/>
-          </a:fontRef>
-        </p:style>
-        <p:txBody>
-          <a:bodyPr rtlCol="0" anchor="ctr"/>
-          <a:lstStyle/>
-          <a:p>
-            <a:pPr algn="ctr"/>
-            <a:r>
-              <a:rPr lang="en-US" dirty="0" smtClean="0"/>
-              <a:t>Cast of Characters</a:t>
-            </a:r>
-            <a:endParaRPr lang="en-US" dirty="0"/>
-          </a:p>
-        </p:txBody>
-      </p:sp>
-      <p:sp>
-        <p:nvSpPr>
-          <p:cNvPr id="9" name="Right Arrow 8"/>
-          <p:cNvSpPr/>
-          <p:nvPr/>
-        </p:nvSpPr>
-        <p:spPr>
-          <a:xfrm>
-            <a:off x="143555" y="1502815"/>
-            <a:ext cx="458115" cy="152705"/>
-          </a:xfrm>
-          <a:prstGeom prst="rightArrow">
-            <a:avLst/>
-          </a:prstGeom>
-        </p:spPr>
-        <p:style>
-          <a:lnRef idx="2">
-            <a:schemeClr val="accent1">
-              <a:shade val="50000"/>
-            </a:schemeClr>
-          </a:lnRef>
-          <a:fillRef idx="1">
-            <a:schemeClr val="accent1"/>
-          </a:fillRef>
-          <a:effectRef idx="0">
-            <a:schemeClr val="accent1"/>
-          </a:effectRef>
-          <a:fontRef idx="minor">
-            <a:schemeClr val="lt1"/>
-          </a:fontRef>
-        </p:style>
-        <p:txBody>
-          <a:bodyPr rtlCol="0" anchor="ctr"/>
-          <a:lstStyle/>
-          <a:p>
-            <a:pPr algn="ctr"/>
-            <a:endParaRPr lang="en-US"/>
-          </a:p>
-        </p:txBody>
-      </p:sp>
-      <p:sp>
-        <p:nvSpPr>
-          <p:cNvPr id="13" name="Right Arrow 12"/>
-          <p:cNvSpPr/>
-          <p:nvPr/>
-        </p:nvSpPr>
-        <p:spPr>
-          <a:xfrm>
-            <a:off x="143554" y="2266340"/>
-            <a:ext cx="458115" cy="152705"/>
-          </a:xfrm>
-          <a:prstGeom prst="rightArrow">
-            <a:avLst/>
-          </a:prstGeom>
-        </p:spPr>
-        <p:style>
-          <a:lnRef idx="2">
-            <a:schemeClr val="accent1">
-              <a:shade val="50000"/>
-            </a:schemeClr>
-          </a:lnRef>
-          <a:fillRef idx="1">
-            <a:schemeClr val="accent1"/>
-          </a:fillRef>
-          <a:effectRef idx="0">
-            <a:schemeClr val="accent1"/>
-          </a:effectRef>
-          <a:fontRef idx="minor">
-            <a:schemeClr val="lt1"/>
-          </a:fontRef>
-        </p:style>
-        <p:txBody>
-          <a:bodyPr rtlCol="0" anchor="ctr"/>
-          <a:lstStyle/>
-          <a:p>
-            <a:pPr algn="ctr"/>
-            <a:endParaRPr lang="en-US"/>
-          </a:p>
-        </p:txBody>
-      </p:sp>
-      <p:sp>
-        <p:nvSpPr>
-          <p:cNvPr id="14" name="Right Arrow 13"/>
-          <p:cNvSpPr/>
-          <p:nvPr/>
-        </p:nvSpPr>
-        <p:spPr>
-          <a:xfrm>
-            <a:off x="143554" y="3029865"/>
-            <a:ext cx="458115" cy="152705"/>
-          </a:xfrm>
-          <a:prstGeom prst="rightArrow">
-            <a:avLst/>
-          </a:prstGeom>
-        </p:spPr>
-        <p:style>
-          <a:lnRef idx="2">
-            <a:schemeClr val="accent1">
-              <a:shade val="50000"/>
-            </a:schemeClr>
-          </a:lnRef>
-          <a:fillRef idx="1">
-            <a:schemeClr val="accent1"/>
-          </a:fillRef>
-          <a:effectRef idx="0">
-            <a:schemeClr val="accent1"/>
-          </a:effectRef>
-          <a:fontRef idx="minor">
-            <a:schemeClr val="lt1"/>
-          </a:fontRef>
-        </p:style>
-        <p:txBody>
-          <a:bodyPr rtlCol="0" anchor="ctr"/>
-          <a:lstStyle/>
-          <a:p>
-            <a:pPr algn="ctr"/>
-            <a:endParaRPr lang="en-US"/>
-          </a:p>
-        </p:txBody>
-      </p:sp>
-      <p:sp>
-        <p:nvSpPr>
-          <p:cNvPr id="15" name="Right Arrow 14"/>
-          <p:cNvSpPr/>
-          <p:nvPr/>
-        </p:nvSpPr>
-        <p:spPr>
-          <a:xfrm>
-            <a:off x="143553" y="3793390"/>
-            <a:ext cx="458115" cy="152705"/>
-          </a:xfrm>
-          <a:prstGeom prst="rightArrow">
-            <a:avLst/>
-          </a:prstGeom>
-        </p:spPr>
-        <p:style>
-          <a:lnRef idx="2">
-            <a:schemeClr val="accent1">
-              <a:shade val="50000"/>
-            </a:schemeClr>
-          </a:lnRef>
-          <a:fillRef idx="1">
-            <a:schemeClr val="accent1"/>
-          </a:fillRef>
-          <a:effectRef idx="0">
-            <a:schemeClr val="accent1"/>
-          </a:effectRef>
-          <a:fontRef idx="minor">
-            <a:schemeClr val="lt1"/>
-          </a:fontRef>
-        </p:style>
-        <p:txBody>
-          <a:bodyPr rtlCol="0" anchor="ctr"/>
-          <a:lstStyle/>
-          <a:p>
-            <a:pPr algn="ctr"/>
-            <a:endParaRPr lang="en-US"/>
-          </a:p>
-        </p:txBody>
-      </p:sp>
-      <p:sp>
-        <p:nvSpPr>
-          <p:cNvPr id="16" name="Right Arrow 15"/>
-          <p:cNvSpPr/>
-          <p:nvPr/>
-        </p:nvSpPr>
-        <p:spPr>
-          <a:xfrm>
-            <a:off x="143553" y="4556915"/>
-            <a:ext cx="458115" cy="152705"/>
-          </a:xfrm>
-          <a:prstGeom prst="rightArrow">
-            <a:avLst/>
-          </a:prstGeom>
-        </p:spPr>
-        <p:style>
-          <a:lnRef idx="2">
-            <a:schemeClr val="accent1">
-              <a:shade val="50000"/>
-            </a:schemeClr>
-          </a:lnRef>
-          <a:fillRef idx="1">
-            <a:schemeClr val="accent1"/>
-          </a:fillRef>
-          <a:effectRef idx="0">
-            <a:schemeClr val="accent1"/>
-          </a:effectRef>
-          <a:fontRef idx="minor">
-            <a:schemeClr val="lt1"/>
-          </a:fontRef>
-        </p:style>
-        <p:txBody>
-          <a:bodyPr rtlCol="0" anchor="ctr"/>
-          <a:lstStyle/>
-          <a:p>
-            <a:pPr algn="ctr"/>
-            <a:endParaRPr lang="en-US"/>
-          </a:p>
-        </p:txBody>
-      </p:sp>
-      <p:sp>
-        <p:nvSpPr>
-          <p:cNvPr id="17" name="Rectangle 16"/>
-          <p:cNvSpPr/>
-          <p:nvPr/>
-        </p:nvSpPr>
-        <p:spPr>
-          <a:xfrm>
-            <a:off x="601670" y="4404210"/>
-            <a:ext cx="1832460" cy="610820"/>
-          </a:xfrm>
-          <a:prstGeom prst="rect">
-            <a:avLst/>
-          </a:prstGeom>
-        </p:spPr>
-        <p:style>
-          <a:lnRef idx="2">
-            <a:schemeClr val="accent1">
-              <a:shade val="50000"/>
-            </a:schemeClr>
-          </a:lnRef>
-          <a:fillRef idx="1">
-            <a:schemeClr val="accent1"/>
-          </a:fillRef>
-          <a:effectRef idx="0">
-            <a:schemeClr val="accent1"/>
-          </a:effectRef>
-          <a:fontRef idx="minor">
-            <a:schemeClr val="lt1"/>
-          </a:fontRef>
-        </p:style>
-        <p:txBody>
-          <a:bodyPr rtlCol="0" anchor="ctr"/>
-          <a:lstStyle/>
-          <a:p>
-            <a:pPr algn="ctr"/>
-            <a:r>
-              <a:rPr lang="en-US" dirty="0" smtClean="0"/>
+            <a:endParaRPr lang="en-US" sz="1800" dirty="0">
+              <a:solidFill>
+                <a:schemeClr val="bg1"/>
+              </a:solidFill>
+            </a:endParaRPr>
+          </a:p>
+          <a:p>
+            <a:pPr>
+              <a:spcBef>
+                <a:spcPts val="300"/>
+              </a:spcBef>
+              <a:spcAft>
+                <a:spcPts val="300"/>
+              </a:spcAft>
+            </a:pPr>
+            <a:r>
+              <a:rPr lang="en-US" sz="1800" dirty="0">
+                <a:solidFill>
+                  <a:schemeClr val="bg1"/>
+                </a:solidFill>
+                <a:hlinkClick r:id="rId7" action="ppaction://hlinksldjump">
+                  <a:extLst>
+                    <a:ext uri="{A12FA001-AC4F-418D-AE19-62706E023703}">
+                      <ahyp:hlinkClr xmlns:ahyp="http://schemas.microsoft.com/office/drawing/2018/hyperlinkcolor" val="tx"/>
+                    </a:ext>
+                  </a:extLst>
+                </a:hlinkClick>
+              </a:rPr>
               <a:t>Causes of Incident</a:t>
             </a:r>
-            <a:endParaRPr lang="en-US" dirty="0"/>
-          </a:p>
-        </p:txBody>
-      </p:sp>
-      <p:sp>
-        <p:nvSpPr>
-          <p:cNvPr id="18" name="Rectangle 17"/>
-          <p:cNvSpPr/>
-          <p:nvPr/>
-        </p:nvSpPr>
-        <p:spPr>
-          <a:xfrm>
-            <a:off x="4877410" y="1299025"/>
-            <a:ext cx="1832460" cy="610820"/>
-          </a:xfrm>
-          <a:prstGeom prst="rect">
-            <a:avLst/>
-          </a:prstGeom>
-        </p:spPr>
-        <p:style>
-          <a:lnRef idx="2">
-            <a:schemeClr val="accent1">
-              <a:shade val="50000"/>
-            </a:schemeClr>
-          </a:lnRef>
-          <a:fillRef idx="1">
-            <a:schemeClr val="accent1"/>
-          </a:fillRef>
-          <a:effectRef idx="0">
-            <a:schemeClr val="accent1"/>
-          </a:effectRef>
-          <a:fontRef idx="minor">
-            <a:schemeClr val="lt1"/>
-          </a:fontRef>
-        </p:style>
-        <p:txBody>
-          <a:bodyPr rtlCol="0" anchor="ctr"/>
-          <a:lstStyle/>
-          <a:p>
-            <a:pPr algn="ctr"/>
-            <a:r>
-              <a:rPr lang="en-US" dirty="0" smtClean="0"/>
+            <a:endParaRPr lang="en-US" sz="1800" dirty="0">
+              <a:solidFill>
+                <a:schemeClr val="bg1"/>
+              </a:solidFill>
+            </a:endParaRPr>
+          </a:p>
+          <a:p>
+            <a:pPr>
+              <a:spcBef>
+                <a:spcPts val="300"/>
+              </a:spcBef>
+              <a:spcAft>
+                <a:spcPts val="300"/>
+              </a:spcAft>
+            </a:pPr>
+            <a:r>
+              <a:rPr lang="en-US" sz="1800" dirty="0">
+                <a:solidFill>
+                  <a:schemeClr val="bg1"/>
+                </a:solidFill>
+                <a:hlinkClick r:id="rId8" action="ppaction://hlinksldjump">
+                  <a:extLst>
+                    <a:ext uri="{A12FA001-AC4F-418D-AE19-62706E023703}">
+                      <ahyp:hlinkClr xmlns:ahyp="http://schemas.microsoft.com/office/drawing/2018/hyperlinkcolor" val="tx"/>
+                    </a:ext>
+                  </a:extLst>
+                </a:hlinkClick>
+              </a:rPr>
               <a:t>Culprits</a:t>
             </a:r>
-            <a:endParaRPr lang="en-US" dirty="0"/>
-          </a:p>
-        </p:txBody>
-      </p:sp>
-      <p:sp>
-        <p:nvSpPr>
-          <p:cNvPr id="19" name="Right Arrow 18"/>
-          <p:cNvSpPr/>
-          <p:nvPr/>
-        </p:nvSpPr>
-        <p:spPr>
-          <a:xfrm>
-            <a:off x="4419295" y="1491903"/>
-            <a:ext cx="458115" cy="152705"/>
-          </a:xfrm>
-          <a:prstGeom prst="rightArrow">
-            <a:avLst/>
-          </a:prstGeom>
-        </p:spPr>
-        <p:style>
-          <a:lnRef idx="2">
-            <a:schemeClr val="accent1">
-              <a:shade val="50000"/>
-            </a:schemeClr>
-          </a:lnRef>
-          <a:fillRef idx="1">
-            <a:schemeClr val="accent1"/>
-          </a:fillRef>
-          <a:effectRef idx="0">
-            <a:schemeClr val="accent1"/>
-          </a:effectRef>
-          <a:fontRef idx="minor">
-            <a:schemeClr val="lt1"/>
-          </a:fontRef>
-        </p:style>
-        <p:txBody>
-          <a:bodyPr rtlCol="0" anchor="ctr"/>
-          <a:lstStyle/>
-          <a:p>
-            <a:pPr algn="ctr"/>
-            <a:endParaRPr lang="en-US"/>
-          </a:p>
-        </p:txBody>
-      </p:sp>
-      <p:sp>
-        <p:nvSpPr>
-          <p:cNvPr id="36" name="Rectangle 35"/>
-          <p:cNvSpPr/>
-          <p:nvPr/>
-        </p:nvSpPr>
-        <p:spPr>
-          <a:xfrm>
-            <a:off x="2512770" y="3042463"/>
-            <a:ext cx="1143000" cy="229059"/>
-          </a:xfrm>
-          <a:prstGeom prst="rect">
-            <a:avLst/>
-          </a:prstGeom>
-        </p:spPr>
-        <p:style>
-          <a:lnRef idx="2">
-            <a:schemeClr val="accent1">
-              <a:shade val="50000"/>
-            </a:schemeClr>
-          </a:lnRef>
-          <a:fillRef idx="1">
-            <a:schemeClr val="accent1"/>
-          </a:fillRef>
-          <a:effectRef idx="0">
-            <a:schemeClr val="accent1"/>
-          </a:effectRef>
-          <a:fontRef idx="minor">
-            <a:schemeClr val="lt1"/>
-          </a:fontRef>
-        </p:style>
-        <p:txBody>
-          <a:bodyPr rtlCol="0" anchor="ctr"/>
-          <a:lstStyle/>
-          <a:p>
-            <a:pPr algn="ctr"/>
-            <a:r>
-              <a:rPr lang="en-US" sz="1200" dirty="0" smtClean="0"/>
+            <a:endParaRPr lang="en-US" sz="1800" dirty="0">
+              <a:solidFill>
+                <a:schemeClr val="bg1"/>
+              </a:solidFill>
+            </a:endParaRPr>
+          </a:p>
+          <a:p>
+            <a:pPr lvl="1">
+              <a:spcBef>
+                <a:spcPts val="300"/>
+              </a:spcBef>
+              <a:spcAft>
+                <a:spcPts val="300"/>
+              </a:spcAft>
+            </a:pPr>
+            <a:r>
+              <a:rPr lang="en-US" sz="1400" dirty="0">
+                <a:solidFill>
+                  <a:schemeClr val="bg1"/>
+                </a:solidFill>
+                <a:hlinkClick r:id="rId9" action="ppaction://hlinksldjump">
+                  <a:extLst>
+                    <a:ext uri="{A12FA001-AC4F-418D-AE19-62706E023703}">
+                      <ahyp:hlinkClr xmlns:ahyp="http://schemas.microsoft.com/office/drawing/2018/hyperlinkcolor" val="tx"/>
+                    </a:ext>
+                  </a:extLst>
+                </a:hlinkClick>
+              </a:rPr>
               <a:t>Randy Samuels</a:t>
             </a:r>
-            <a:endParaRPr lang="en-US" sz="1200" dirty="0"/>
-          </a:p>
-        </p:txBody>
-      </p:sp>
-      <p:cxnSp>
-        <p:nvCxnSpPr>
-          <p:cNvPr id="46" name="Straight Arrow Connector 45"/>
-          <p:cNvCxnSpPr/>
-          <p:nvPr/>
-        </p:nvCxnSpPr>
-        <p:spPr>
-          <a:xfrm>
-            <a:off x="5793640" y="1929896"/>
-            <a:ext cx="0" cy="501746"/>
-          </a:xfrm>
-          <a:prstGeom prst="straightConnector1">
-            <a:avLst/>
-          </a:prstGeom>
-          <a:ln>
-            <a:tailEnd type="triangle"/>
-          </a:ln>
-        </p:spPr>
-        <p:style>
-          <a:lnRef idx="1">
-            <a:schemeClr val="accent1"/>
-          </a:lnRef>
-          <a:fillRef idx="0">
-            <a:schemeClr val="accent1"/>
-          </a:fillRef>
-          <a:effectRef idx="0">
-            <a:schemeClr val="accent1"/>
-          </a:effectRef>
-          <a:fontRef idx="minor">
-            <a:schemeClr val="tx1"/>
-          </a:fontRef>
-        </p:style>
-      </p:cxnSp>
-      <p:cxnSp>
-        <p:nvCxnSpPr>
-          <p:cNvPr id="60" name="Straight Connector 59"/>
-          <p:cNvCxnSpPr/>
-          <p:nvPr/>
-        </p:nvCxnSpPr>
-        <p:spPr>
-          <a:xfrm flipH="1">
-            <a:off x="3197655" y="2419045"/>
-            <a:ext cx="2901396" cy="0"/>
-          </a:xfrm>
-          <a:prstGeom prst="line">
-            <a:avLst/>
-          </a:prstGeom>
-        </p:spPr>
-        <p:style>
-          <a:lnRef idx="1">
-            <a:schemeClr val="accent1"/>
-          </a:lnRef>
-          <a:fillRef idx="0">
-            <a:schemeClr val="accent1"/>
-          </a:fillRef>
-          <a:effectRef idx="0">
-            <a:schemeClr val="accent1"/>
-          </a:effectRef>
-          <a:fontRef idx="minor">
-            <a:schemeClr val="tx1"/>
-          </a:fontRef>
-        </p:style>
-      </p:cxnSp>
-      <p:cxnSp>
-        <p:nvCxnSpPr>
-          <p:cNvPr id="61" name="Straight Connector 60"/>
-          <p:cNvCxnSpPr/>
-          <p:nvPr/>
-        </p:nvCxnSpPr>
-        <p:spPr>
-          <a:xfrm flipH="1">
-            <a:off x="6099052" y="2419045"/>
-            <a:ext cx="2482598" cy="0"/>
-          </a:xfrm>
-          <a:prstGeom prst="line">
-            <a:avLst/>
-          </a:prstGeom>
-        </p:spPr>
-        <p:style>
-          <a:lnRef idx="1">
-            <a:schemeClr val="accent1"/>
-          </a:lnRef>
-          <a:fillRef idx="0">
-            <a:schemeClr val="accent1"/>
-          </a:fillRef>
-          <a:effectRef idx="0">
-            <a:schemeClr val="accent1"/>
-          </a:effectRef>
-          <a:fontRef idx="minor">
-            <a:schemeClr val="tx1"/>
-          </a:fontRef>
-        </p:style>
-      </p:cxnSp>
-      <p:cxnSp>
-        <p:nvCxnSpPr>
-          <p:cNvPr id="63" name="Straight Arrow Connector 62"/>
-          <p:cNvCxnSpPr/>
-          <p:nvPr/>
-        </p:nvCxnSpPr>
-        <p:spPr>
-          <a:xfrm>
-            <a:off x="3197655" y="2419045"/>
-            <a:ext cx="0" cy="610820"/>
-          </a:xfrm>
-          <a:prstGeom prst="straightConnector1">
-            <a:avLst/>
-          </a:prstGeom>
-          <a:ln>
-            <a:tailEnd type="triangle"/>
-          </a:ln>
-        </p:spPr>
-        <p:style>
-          <a:lnRef idx="1">
-            <a:schemeClr val="accent1"/>
-          </a:lnRef>
-          <a:fillRef idx="0">
-            <a:schemeClr val="accent1"/>
-          </a:fillRef>
-          <a:effectRef idx="0">
-            <a:schemeClr val="accent1"/>
-          </a:effectRef>
-          <a:fontRef idx="minor">
-            <a:schemeClr val="tx1"/>
-          </a:fontRef>
-        </p:style>
-      </p:cxnSp>
-      <p:cxnSp>
-        <p:nvCxnSpPr>
-          <p:cNvPr id="64" name="Straight Arrow Connector 63"/>
-          <p:cNvCxnSpPr/>
-          <p:nvPr/>
-        </p:nvCxnSpPr>
-        <p:spPr>
-          <a:xfrm>
-            <a:off x="4227270" y="2431642"/>
-            <a:ext cx="0" cy="610820"/>
-          </a:xfrm>
-          <a:prstGeom prst="straightConnector1">
-            <a:avLst/>
-          </a:prstGeom>
-          <a:ln>
-            <a:tailEnd type="triangle"/>
-          </a:ln>
-        </p:spPr>
-        <p:style>
-          <a:lnRef idx="1">
-            <a:schemeClr val="accent1"/>
-          </a:lnRef>
-          <a:fillRef idx="0">
-            <a:schemeClr val="accent1"/>
-          </a:fillRef>
-          <a:effectRef idx="0">
-            <a:schemeClr val="accent1"/>
-          </a:effectRef>
-          <a:fontRef idx="minor">
-            <a:schemeClr val="tx1"/>
-          </a:fontRef>
-        </p:style>
-      </p:cxnSp>
-      <p:cxnSp>
-        <p:nvCxnSpPr>
-          <p:cNvPr id="65" name="Straight Arrow Connector 64"/>
-          <p:cNvCxnSpPr/>
-          <p:nvPr/>
-        </p:nvCxnSpPr>
-        <p:spPr>
-          <a:xfrm>
-            <a:off x="5296205" y="2419045"/>
-            <a:ext cx="0" cy="610820"/>
-          </a:xfrm>
-          <a:prstGeom prst="straightConnector1">
-            <a:avLst/>
-          </a:prstGeom>
-          <a:ln>
-            <a:tailEnd type="triangle"/>
-          </a:ln>
-        </p:spPr>
-        <p:style>
-          <a:lnRef idx="1">
-            <a:schemeClr val="accent1"/>
-          </a:lnRef>
-          <a:fillRef idx="0">
-            <a:schemeClr val="accent1"/>
-          </a:fillRef>
-          <a:effectRef idx="0">
-            <a:schemeClr val="accent1"/>
-          </a:effectRef>
-          <a:fontRef idx="minor">
-            <a:schemeClr val="tx1"/>
-          </a:fontRef>
-        </p:style>
-      </p:cxnSp>
-      <p:cxnSp>
-        <p:nvCxnSpPr>
-          <p:cNvPr id="66" name="Straight Arrow Connector 65"/>
-          <p:cNvCxnSpPr/>
-          <p:nvPr/>
-        </p:nvCxnSpPr>
-        <p:spPr>
-          <a:xfrm>
-            <a:off x="6353868" y="2431642"/>
-            <a:ext cx="0" cy="610820"/>
-          </a:xfrm>
-          <a:prstGeom prst="straightConnector1">
-            <a:avLst/>
-          </a:prstGeom>
-          <a:ln>
-            <a:tailEnd type="triangle"/>
-          </a:ln>
-        </p:spPr>
-        <p:style>
-          <a:lnRef idx="1">
-            <a:schemeClr val="accent1"/>
-          </a:lnRef>
-          <a:fillRef idx="0">
-            <a:schemeClr val="accent1"/>
-          </a:fillRef>
-          <a:effectRef idx="0">
-            <a:schemeClr val="accent1"/>
-          </a:effectRef>
-          <a:fontRef idx="minor">
-            <a:schemeClr val="tx1"/>
-          </a:fontRef>
-        </p:style>
-      </p:cxnSp>
-      <p:cxnSp>
-        <p:nvCxnSpPr>
-          <p:cNvPr id="67" name="Straight Arrow Connector 66"/>
-          <p:cNvCxnSpPr/>
-          <p:nvPr/>
-        </p:nvCxnSpPr>
-        <p:spPr>
-          <a:xfrm>
-            <a:off x="8578976" y="2419045"/>
-            <a:ext cx="0" cy="610820"/>
-          </a:xfrm>
-          <a:prstGeom prst="straightConnector1">
-            <a:avLst/>
-          </a:prstGeom>
-          <a:ln>
-            <a:tailEnd type="triangle"/>
-          </a:ln>
-        </p:spPr>
-        <p:style>
-          <a:lnRef idx="1">
-            <a:schemeClr val="accent1"/>
-          </a:lnRef>
-          <a:fillRef idx="0">
-            <a:schemeClr val="accent1"/>
-          </a:fillRef>
-          <a:effectRef idx="0">
-            <a:schemeClr val="accent1"/>
-          </a:effectRef>
-          <a:fontRef idx="minor">
-            <a:schemeClr val="tx1"/>
-          </a:fontRef>
-        </p:style>
-      </p:cxnSp>
-      <p:cxnSp>
-        <p:nvCxnSpPr>
-          <p:cNvPr id="68" name="Straight Arrow Connector 67"/>
-          <p:cNvCxnSpPr/>
-          <p:nvPr/>
-        </p:nvCxnSpPr>
-        <p:spPr>
-          <a:xfrm>
-            <a:off x="7413899" y="2431642"/>
-            <a:ext cx="0" cy="610820"/>
-          </a:xfrm>
-          <a:prstGeom prst="straightConnector1">
-            <a:avLst/>
-          </a:prstGeom>
-          <a:ln>
-            <a:tailEnd type="triangle"/>
-          </a:ln>
-        </p:spPr>
-        <p:style>
-          <a:lnRef idx="1">
-            <a:schemeClr val="accent1"/>
-          </a:lnRef>
-          <a:fillRef idx="0">
-            <a:schemeClr val="accent1"/>
-          </a:fillRef>
-          <a:effectRef idx="0">
-            <a:schemeClr val="accent1"/>
-          </a:effectRef>
-          <a:fontRef idx="minor">
-            <a:schemeClr val="tx1"/>
-          </a:fontRef>
-        </p:style>
-      </p:cxnSp>
-      <p:sp>
-        <p:nvSpPr>
-          <p:cNvPr id="70" name="Rectangle 69"/>
-          <p:cNvSpPr/>
-          <p:nvPr/>
-        </p:nvSpPr>
-        <p:spPr>
-          <a:xfrm>
-            <a:off x="3581705" y="3042463"/>
-            <a:ext cx="1143000" cy="229059"/>
-          </a:xfrm>
-          <a:prstGeom prst="rect">
-            <a:avLst/>
-          </a:prstGeom>
-        </p:spPr>
-        <p:style>
-          <a:lnRef idx="2">
-            <a:schemeClr val="accent1">
-              <a:shade val="50000"/>
-            </a:schemeClr>
-          </a:lnRef>
-          <a:fillRef idx="1">
-            <a:schemeClr val="accent1"/>
-          </a:fillRef>
-          <a:effectRef idx="0">
-            <a:schemeClr val="accent1"/>
-          </a:effectRef>
-          <a:fontRef idx="minor">
-            <a:schemeClr val="lt1"/>
-          </a:fontRef>
-        </p:style>
-        <p:txBody>
-          <a:bodyPr rtlCol="0" anchor="ctr"/>
-          <a:lstStyle/>
-          <a:p>
-            <a:pPr algn="ctr"/>
-            <a:r>
-              <a:rPr lang="en-US" sz="1200" dirty="0" smtClean="0"/>
+            <a:endParaRPr lang="en-US" sz="1400" dirty="0">
+              <a:solidFill>
+                <a:schemeClr val="bg1"/>
+              </a:solidFill>
+            </a:endParaRPr>
+          </a:p>
+          <a:p>
+            <a:pPr lvl="1">
+              <a:spcBef>
+                <a:spcPts val="300"/>
+              </a:spcBef>
+              <a:spcAft>
+                <a:spcPts val="300"/>
+              </a:spcAft>
+            </a:pPr>
+            <a:r>
+              <a:rPr lang="en-US" sz="1400" dirty="0">
+                <a:solidFill>
+                  <a:schemeClr val="bg1"/>
+                </a:solidFill>
+                <a:hlinkClick r:id="rId10" action="ppaction://hlinksldjump">
+                  <a:extLst>
+                    <a:ext uri="{A12FA001-AC4F-418D-AE19-62706E023703}">
+                      <ahyp:hlinkClr xmlns:ahyp="http://schemas.microsoft.com/office/drawing/2018/hyperlinkcolor" val="tx"/>
+                    </a:ext>
+                  </a:extLst>
+                </a:hlinkClick>
+              </a:rPr>
+              <a:t>Ray Johnson</a:t>
+            </a:r>
+            <a:endParaRPr lang="en-US" sz="1400" dirty="0">
+              <a:solidFill>
+                <a:schemeClr val="bg1"/>
+              </a:solidFill>
+            </a:endParaRPr>
+          </a:p>
+          <a:p>
+            <a:pPr lvl="1">
+              <a:spcBef>
+                <a:spcPts val="300"/>
+              </a:spcBef>
+              <a:spcAft>
+                <a:spcPts val="300"/>
+              </a:spcAft>
+            </a:pPr>
+            <a:r>
+              <a:rPr lang="en-US" sz="1400" dirty="0">
+                <a:solidFill>
+                  <a:schemeClr val="bg1"/>
+                </a:solidFill>
+                <a:hlinkClick r:id="rId11" action="ppaction://hlinksldjump">
+                  <a:extLst>
+                    <a:ext uri="{A12FA001-AC4F-418D-AE19-62706E023703}">
+                      <ahyp:hlinkClr xmlns:ahyp="http://schemas.microsoft.com/office/drawing/2018/hyperlinkcolor" val="tx"/>
+                    </a:ext>
+                  </a:extLst>
+                </a:hlinkClick>
+              </a:rPr>
               <a:t>Sam Reynolds</a:t>
             </a:r>
-            <a:endParaRPr lang="en-US" sz="1200" dirty="0"/>
-          </a:p>
-        </p:txBody>
-      </p:sp>
-      <p:sp>
-        <p:nvSpPr>
-          <p:cNvPr id="71" name="Rectangle 70"/>
-          <p:cNvSpPr/>
-          <p:nvPr/>
-        </p:nvSpPr>
-        <p:spPr>
-          <a:xfrm>
-            <a:off x="4650640" y="3042462"/>
-            <a:ext cx="1143000" cy="229059"/>
-          </a:xfrm>
-          <a:prstGeom prst="rect">
-            <a:avLst/>
-          </a:prstGeom>
-        </p:spPr>
-        <p:style>
-          <a:lnRef idx="2">
-            <a:schemeClr val="accent1">
-              <a:shade val="50000"/>
-            </a:schemeClr>
-          </a:lnRef>
-          <a:fillRef idx="1">
-            <a:schemeClr val="accent1"/>
-          </a:fillRef>
-          <a:effectRef idx="0">
-            <a:schemeClr val="accent1"/>
-          </a:effectRef>
-          <a:fontRef idx="minor">
-            <a:schemeClr val="lt1"/>
-          </a:fontRef>
-        </p:style>
-        <p:txBody>
-          <a:bodyPr rtlCol="0" anchor="ctr"/>
-          <a:lstStyle/>
-          <a:p>
-            <a:pPr algn="ctr"/>
-            <a:r>
-              <a:rPr lang="en-US" sz="1200" dirty="0" smtClean="0"/>
-              <a:t>Ray Johnson</a:t>
-            </a:r>
-            <a:endParaRPr lang="en-US" sz="1200" dirty="0"/>
-          </a:p>
-        </p:txBody>
-      </p:sp>
-      <p:sp>
-        <p:nvSpPr>
-          <p:cNvPr id="72" name="Rectangle 71"/>
-          <p:cNvSpPr/>
-          <p:nvPr/>
-        </p:nvSpPr>
-        <p:spPr>
-          <a:xfrm>
-            <a:off x="5719575" y="3042462"/>
-            <a:ext cx="1143000" cy="229059"/>
-          </a:xfrm>
-          <a:prstGeom prst="rect">
-            <a:avLst/>
-          </a:prstGeom>
-        </p:spPr>
-        <p:style>
-          <a:lnRef idx="2">
-            <a:schemeClr val="accent1">
-              <a:shade val="50000"/>
-            </a:schemeClr>
-          </a:lnRef>
-          <a:fillRef idx="1">
-            <a:schemeClr val="accent1"/>
-          </a:fillRef>
-          <a:effectRef idx="0">
-            <a:schemeClr val="accent1"/>
-          </a:effectRef>
-          <a:fontRef idx="minor">
-            <a:schemeClr val="lt1"/>
-          </a:fontRef>
-        </p:style>
-        <p:txBody>
-          <a:bodyPr rtlCol="0" anchor="ctr"/>
-          <a:lstStyle/>
-          <a:p>
-            <a:pPr algn="ctr"/>
-            <a:r>
-              <a:rPr lang="en-US" sz="1200" dirty="0" smtClean="0"/>
-              <a:t>Cindy Yardley</a:t>
-            </a:r>
-            <a:endParaRPr lang="en-US" sz="1200" dirty="0"/>
-          </a:p>
-        </p:txBody>
-      </p:sp>
-      <p:sp>
-        <p:nvSpPr>
-          <p:cNvPr id="73" name="Rectangle 72"/>
-          <p:cNvSpPr/>
-          <p:nvPr/>
-        </p:nvSpPr>
-        <p:spPr>
-          <a:xfrm>
-            <a:off x="6735630" y="3042461"/>
-            <a:ext cx="1374345" cy="229059"/>
-          </a:xfrm>
-          <a:prstGeom prst="rect">
-            <a:avLst/>
-          </a:prstGeom>
-        </p:spPr>
-        <p:style>
-          <a:lnRef idx="2">
-            <a:schemeClr val="accent1">
-              <a:shade val="50000"/>
-            </a:schemeClr>
-          </a:lnRef>
-          <a:fillRef idx="1">
-            <a:schemeClr val="accent1"/>
-          </a:fillRef>
-          <a:effectRef idx="0">
-            <a:schemeClr val="accent1"/>
-          </a:effectRef>
-          <a:fontRef idx="minor">
-            <a:schemeClr val="lt1"/>
-          </a:fontRef>
-        </p:style>
-        <p:txBody>
-          <a:bodyPr rtlCol="0" anchor="ctr"/>
-          <a:lstStyle/>
-          <a:p>
-            <a:pPr algn="ctr"/>
-            <a:r>
-              <a:rPr lang="en-US" sz="1200" dirty="0" smtClean="0"/>
-              <a:t>Michael Waterson</a:t>
-            </a:r>
-            <a:endParaRPr lang="en-US" sz="1200" dirty="0"/>
-          </a:p>
-        </p:txBody>
-      </p:sp>
-      <p:sp>
-        <p:nvSpPr>
-          <p:cNvPr id="74" name="Rectangle 73"/>
-          <p:cNvSpPr/>
-          <p:nvPr/>
-        </p:nvSpPr>
-        <p:spPr>
-          <a:xfrm>
-            <a:off x="8010150" y="3042462"/>
-            <a:ext cx="1143000" cy="229059"/>
-          </a:xfrm>
-          <a:prstGeom prst="rect">
-            <a:avLst/>
-          </a:prstGeom>
-        </p:spPr>
-        <p:style>
-          <a:lnRef idx="2">
-            <a:schemeClr val="accent1">
-              <a:shade val="50000"/>
-            </a:schemeClr>
-          </a:lnRef>
-          <a:fillRef idx="1">
-            <a:schemeClr val="accent1"/>
-          </a:fillRef>
-          <a:effectRef idx="0">
-            <a:schemeClr val="accent1"/>
-          </a:effectRef>
-          <a:fontRef idx="minor">
-            <a:schemeClr val="lt1"/>
-          </a:fontRef>
-        </p:style>
-        <p:txBody>
-          <a:bodyPr rtlCol="0" anchor="ctr"/>
-          <a:lstStyle/>
-          <a:p>
-            <a:pPr algn="ctr"/>
-            <a:r>
-              <a:rPr lang="en-US" sz="1200" dirty="0" smtClean="0"/>
-              <a:t>GUI Designer</a:t>
-            </a:r>
-            <a:endParaRPr lang="en-US" sz="1200" dirty="0"/>
-          </a:p>
-        </p:txBody>
-      </p:sp>
-      <p:sp>
-        <p:nvSpPr>
-          <p:cNvPr id="82" name="Right Arrow 81"/>
-          <p:cNvSpPr/>
-          <p:nvPr/>
-        </p:nvSpPr>
-        <p:spPr>
-          <a:xfrm>
-            <a:off x="4419295" y="4020840"/>
-            <a:ext cx="458115" cy="152705"/>
-          </a:xfrm>
-          <a:prstGeom prst="rightArrow">
-            <a:avLst/>
-          </a:prstGeom>
-        </p:spPr>
-        <p:style>
-          <a:lnRef idx="2">
-            <a:schemeClr val="accent1">
-              <a:shade val="50000"/>
-            </a:schemeClr>
-          </a:lnRef>
-          <a:fillRef idx="1">
-            <a:schemeClr val="accent1"/>
-          </a:fillRef>
-          <a:effectRef idx="0">
-            <a:schemeClr val="accent1"/>
-          </a:effectRef>
-          <a:fontRef idx="minor">
-            <a:schemeClr val="lt1"/>
-          </a:fontRef>
-        </p:style>
-        <p:txBody>
-          <a:bodyPr rtlCol="0" anchor="ctr"/>
-          <a:lstStyle/>
-          <a:p>
-            <a:pPr algn="ctr"/>
-            <a:endParaRPr lang="en-US"/>
-          </a:p>
-        </p:txBody>
-      </p:sp>
-      <p:sp>
-        <p:nvSpPr>
-          <p:cNvPr id="83" name="Rectangle 82"/>
-          <p:cNvSpPr/>
-          <p:nvPr/>
-        </p:nvSpPr>
-        <p:spPr>
-          <a:xfrm>
-            <a:off x="4877410" y="3791783"/>
-            <a:ext cx="1832460" cy="610820"/>
-          </a:xfrm>
-          <a:prstGeom prst="rect">
-            <a:avLst/>
-          </a:prstGeom>
-        </p:spPr>
-        <p:style>
-          <a:lnRef idx="2">
-            <a:schemeClr val="accent1">
-              <a:shade val="50000"/>
-            </a:schemeClr>
-          </a:lnRef>
-          <a:fillRef idx="1">
-            <a:schemeClr val="accent1"/>
-          </a:fillRef>
-          <a:effectRef idx="0">
-            <a:schemeClr val="accent1"/>
-          </a:effectRef>
-          <a:fontRef idx="minor">
-            <a:schemeClr val="lt1"/>
-          </a:fontRef>
-        </p:style>
-        <p:txBody>
-          <a:bodyPr rtlCol="0" anchor="ctr"/>
-          <a:lstStyle/>
-          <a:p>
-            <a:pPr algn="ctr"/>
-            <a:r>
-              <a:rPr lang="en-US" dirty="0" smtClean="0"/>
+            <a:endParaRPr lang="en-US" sz="1400" dirty="0">
+              <a:solidFill>
+                <a:schemeClr val="bg1"/>
+              </a:solidFill>
+            </a:endParaRPr>
+          </a:p>
+          <a:p>
+            <a:pPr>
+              <a:spcBef>
+                <a:spcPts val="300"/>
+              </a:spcBef>
+              <a:spcAft>
+                <a:spcPts val="300"/>
+              </a:spcAft>
+            </a:pPr>
+            <a:r>
+              <a:rPr lang="en-US" sz="1800" cap="none" dirty="0">
+                <a:solidFill>
+                  <a:schemeClr val="bg1"/>
+                </a:solidFill>
+                <a:hlinkClick r:id="rId12" action="ppaction://hlinksldjump">
+                  <a:extLst>
+                    <a:ext uri="{A12FA001-AC4F-418D-AE19-62706E023703}">
+                      <ahyp:hlinkClr xmlns:ahyp="http://schemas.microsoft.com/office/drawing/2018/hyperlinkcolor" val="tx"/>
+                    </a:ext>
+                  </a:extLst>
+                </a:hlinkClick>
+              </a:rPr>
               <a:t>Main Culprit</a:t>
             </a:r>
-            <a:endParaRPr lang="en-US" dirty="0"/>
-          </a:p>
-        </p:txBody>
-      </p:sp>
-      <p:cxnSp>
-        <p:nvCxnSpPr>
-          <p:cNvPr id="85" name="Straight Connector 84"/>
-          <p:cNvCxnSpPr>
-            <a:stCxn id="71" idx="2"/>
-          </p:cNvCxnSpPr>
-          <p:nvPr/>
-        </p:nvCxnSpPr>
-        <p:spPr>
-          <a:xfrm>
-            <a:off x="5222140" y="3271521"/>
-            <a:ext cx="0" cy="369164"/>
-          </a:xfrm>
-          <a:prstGeom prst="line">
-            <a:avLst/>
-          </a:prstGeom>
-        </p:spPr>
-        <p:style>
-          <a:lnRef idx="1">
-            <a:schemeClr val="accent1"/>
-          </a:lnRef>
-          <a:fillRef idx="0">
-            <a:schemeClr val="accent1"/>
-          </a:fillRef>
-          <a:effectRef idx="0">
-            <a:schemeClr val="accent1"/>
-          </a:effectRef>
-          <a:fontRef idx="minor">
-            <a:schemeClr val="tx1"/>
-          </a:fontRef>
-        </p:style>
-      </p:cxnSp>
-      <p:cxnSp>
-        <p:nvCxnSpPr>
-          <p:cNvPr id="87" name="Straight Connector 86"/>
-          <p:cNvCxnSpPr/>
-          <p:nvPr/>
-        </p:nvCxnSpPr>
-        <p:spPr>
-          <a:xfrm>
-            <a:off x="5222140" y="3640685"/>
-            <a:ext cx="497435" cy="0"/>
-          </a:xfrm>
-          <a:prstGeom prst="line">
-            <a:avLst/>
-          </a:prstGeom>
-        </p:spPr>
-        <p:style>
-          <a:lnRef idx="1">
-            <a:schemeClr val="accent1"/>
-          </a:lnRef>
-          <a:fillRef idx="0">
-            <a:schemeClr val="accent1"/>
-          </a:fillRef>
-          <a:effectRef idx="0">
-            <a:schemeClr val="accent1"/>
-          </a:effectRef>
-          <a:fontRef idx="minor">
-            <a:schemeClr val="tx1"/>
-          </a:fontRef>
-        </p:style>
-      </p:cxnSp>
-      <p:cxnSp>
-        <p:nvCxnSpPr>
-          <p:cNvPr id="91" name="Straight Arrow Connector 90"/>
-          <p:cNvCxnSpPr>
-            <a:endCxn id="83" idx="0"/>
-          </p:cNvCxnSpPr>
-          <p:nvPr/>
-        </p:nvCxnSpPr>
-        <p:spPr>
-          <a:xfrm>
-            <a:off x="5719575" y="3640685"/>
-            <a:ext cx="74065" cy="151098"/>
-          </a:xfrm>
-          <a:prstGeom prst="straightConnector1">
-            <a:avLst/>
-          </a:prstGeom>
-          <a:ln>
-            <a:tailEnd type="triangle"/>
-          </a:ln>
-        </p:spPr>
-        <p:style>
-          <a:lnRef idx="1">
-            <a:schemeClr val="accent1"/>
-          </a:lnRef>
-          <a:fillRef idx="0">
-            <a:schemeClr val="accent1"/>
-          </a:fillRef>
-          <a:effectRef idx="0">
-            <a:schemeClr val="accent1"/>
-          </a:effectRef>
-          <a:fontRef idx="minor">
-            <a:schemeClr val="tx1"/>
-          </a:fontRef>
-        </p:style>
-      </p:cxnSp>
+            <a:endParaRPr lang="en-US" sz="1800" cap="none" dirty="0">
+              <a:solidFill>
+                <a:schemeClr val="bg1"/>
+              </a:solidFill>
+            </a:endParaRPr>
+          </a:p>
+          <a:p>
+            <a:pPr>
+              <a:buFont typeface="+mj-lt"/>
+              <a:buAutoNum type="arabicPeriod"/>
+            </a:pPr>
+            <a:endParaRPr lang="en-US" sz="1600" dirty="0">
+              <a:solidFill>
+                <a:schemeClr val="bg1"/>
+              </a:solidFill>
+            </a:endParaRPr>
+          </a:p>
+        </p:txBody>
+      </p:sp>
     </p:spTree>
     <p:extLst>
       <p:ext uri="{BB962C8B-B14F-4D97-AF65-F5344CB8AC3E}">
-        <p14:creationId xmlns:p14="http://schemas.microsoft.com/office/powerpoint/2010/main" val="2841035013"/>
+        <p14:creationId xmlns:p14="http://schemas.microsoft.com/office/powerpoint/2010/main" val="2163173309"/>
       </p:ext>
     </p:extLst>
   </p:cSld>
@@ -11796,682 +9990,133 @@
       </p:grpSpPr>
       <p:sp>
         <p:nvSpPr>
-          <p:cNvPr id="2" name="Oval 1"/>
-          <p:cNvSpPr/>
-          <p:nvPr/>
+          <p:cNvPr id="2" name="Title 1"/>
+          <p:cNvSpPr>
+            <a:spLocks noGrp="1"/>
+          </p:cNvSpPr>
+          <p:nvPr>
+            <p:ph type="title"/>
+          </p:nvPr>
+        </p:nvSpPr>
+        <p:spPr/>
+        <p:txBody>
+          <a:bodyPr>
+            <a:noAutofit/>
+          </a:bodyPr>
+          <a:lstStyle/>
+          <a:p>
+            <a:r>
+              <a:rPr lang="en-GB" sz="4400" dirty="0"/>
+              <a:t>Outline</a:t>
+            </a:r>
+            <a:endParaRPr lang="en-US" sz="4400" dirty="0"/>
+          </a:p>
+        </p:txBody>
+      </p:sp>
+      <p:sp>
+        <p:nvSpPr>
+          <p:cNvPr id="3" name="Content Placeholder 2"/>
+          <p:cNvSpPr>
+            <a:spLocks noGrp="1"/>
+          </p:cNvSpPr>
+          <p:nvPr>
+            <p:ph idx="1"/>
+          </p:nvPr>
         </p:nvSpPr>
         <p:spPr>
           <a:xfrm>
-            <a:off x="3052715" y="1999389"/>
-            <a:ext cx="2743200" cy="2286000"/>
+            <a:off x="296259" y="1197405"/>
+            <a:ext cx="6566315" cy="3817625"/>
           </a:xfrm>
-          <a:prstGeom prst="ellipse">
-            <a:avLst/>
-          </a:prstGeom>
         </p:spPr>
-        <p:style>
-          <a:lnRef idx="2">
-            <a:schemeClr val="accent1">
-              <a:shade val="50000"/>
-            </a:schemeClr>
-          </a:lnRef>
-          <a:fillRef idx="1">
-            <a:schemeClr val="accent1"/>
-          </a:fillRef>
-          <a:effectRef idx="0">
-            <a:schemeClr val="accent1"/>
-          </a:effectRef>
-          <a:fontRef idx="minor">
-            <a:schemeClr val="lt1"/>
-          </a:fontRef>
-        </p:style>
-        <p:txBody>
-          <a:bodyPr rtlCol="0" anchor="ctr"/>
+        <p:txBody>
+          <a:bodyPr>
+            <a:normAutofit fontScale="92500" lnSpcReduction="20000"/>
+          </a:bodyPr>
           <a:lstStyle/>
           <a:p>
-            <a:pPr algn="ctr"/>
-            <a:r>
-              <a:rPr lang="en-US" sz="3600" dirty="0" smtClean="0"/>
-              <a:t>Table of Contents</a:t>
-            </a:r>
-            <a:endParaRPr lang="en-US" sz="3600" dirty="0"/>
-          </a:p>
-        </p:txBody>
-      </p:sp>
-      <p:cxnSp>
-        <p:nvCxnSpPr>
-          <p:cNvPr id="12" name="Straight Arrow Connector 11"/>
-          <p:cNvCxnSpPr/>
-          <p:nvPr/>
-        </p:nvCxnSpPr>
-        <p:spPr>
-          <a:xfrm flipH="1" flipV="1">
-            <a:off x="1823310" y="3029864"/>
-            <a:ext cx="1374345" cy="1"/>
-          </a:xfrm>
-          <a:prstGeom prst="straightConnector1">
-            <a:avLst/>
-          </a:prstGeom>
-          <a:ln>
-            <a:tailEnd type="triangle"/>
-          </a:ln>
-        </p:spPr>
-        <p:style>
-          <a:lnRef idx="1">
-            <a:schemeClr val="accent1"/>
-          </a:lnRef>
-          <a:fillRef idx="0">
-            <a:schemeClr val="accent1"/>
-          </a:fillRef>
-          <a:effectRef idx="0">
-            <a:schemeClr val="accent1"/>
-          </a:effectRef>
-          <a:fontRef idx="minor">
-            <a:schemeClr val="tx1"/>
-          </a:fontRef>
-        </p:style>
-      </p:cxnSp>
-      <p:cxnSp>
-        <p:nvCxnSpPr>
-          <p:cNvPr id="14" name="Straight Arrow Connector 13"/>
-          <p:cNvCxnSpPr>
-            <a:stCxn id="2" idx="3"/>
-          </p:cNvCxnSpPr>
-          <p:nvPr/>
-        </p:nvCxnSpPr>
-        <p:spPr>
-          <a:xfrm flipH="1">
-            <a:off x="2747307" y="3950612"/>
-            <a:ext cx="707140" cy="797466"/>
-          </a:xfrm>
-          <a:prstGeom prst="straightConnector1">
-            <a:avLst/>
-          </a:prstGeom>
-          <a:ln>
-            <a:tailEnd type="triangle"/>
-          </a:ln>
-        </p:spPr>
-        <p:style>
-          <a:lnRef idx="1">
-            <a:schemeClr val="accent1"/>
-          </a:lnRef>
-          <a:fillRef idx="0">
-            <a:schemeClr val="accent1"/>
-          </a:fillRef>
-          <a:effectRef idx="0">
-            <a:schemeClr val="accent1"/>
-          </a:effectRef>
-          <a:fontRef idx="minor">
-            <a:schemeClr val="tx1"/>
-          </a:fontRef>
-        </p:style>
-      </p:cxnSp>
-      <p:cxnSp>
-        <p:nvCxnSpPr>
-          <p:cNvPr id="16" name="Straight Arrow Connector 15"/>
-          <p:cNvCxnSpPr>
-            <a:stCxn id="2" idx="5"/>
-          </p:cNvCxnSpPr>
-          <p:nvPr/>
-        </p:nvCxnSpPr>
-        <p:spPr>
-          <a:xfrm>
-            <a:off x="5394183" y="3950612"/>
-            <a:ext cx="866549" cy="801759"/>
-          </a:xfrm>
-          <a:prstGeom prst="straightConnector1">
-            <a:avLst/>
-          </a:prstGeom>
-          <a:ln>
-            <a:tailEnd type="triangle"/>
-          </a:ln>
-        </p:spPr>
-        <p:style>
-          <a:lnRef idx="1">
-            <a:schemeClr val="accent1"/>
-          </a:lnRef>
-          <a:fillRef idx="0">
-            <a:schemeClr val="accent1"/>
-          </a:fillRef>
-          <a:effectRef idx="0">
-            <a:schemeClr val="accent1"/>
-          </a:effectRef>
-          <a:fontRef idx="minor">
-            <a:schemeClr val="tx1"/>
-          </a:fontRef>
-        </p:style>
-      </p:cxnSp>
-      <p:cxnSp>
-        <p:nvCxnSpPr>
-          <p:cNvPr id="20" name="Straight Arrow Connector 19"/>
-          <p:cNvCxnSpPr>
-            <a:stCxn id="2" idx="7"/>
-          </p:cNvCxnSpPr>
-          <p:nvPr/>
-        </p:nvCxnSpPr>
-        <p:spPr>
-          <a:xfrm flipV="1">
-            <a:off x="5394183" y="1846686"/>
-            <a:ext cx="1018043" cy="487480"/>
-          </a:xfrm>
-          <a:prstGeom prst="straightConnector1">
-            <a:avLst/>
-          </a:prstGeom>
-          <a:ln>
-            <a:tailEnd type="triangle"/>
-          </a:ln>
-        </p:spPr>
-        <p:style>
-          <a:lnRef idx="1">
-            <a:schemeClr val="accent1"/>
-          </a:lnRef>
-          <a:fillRef idx="0">
-            <a:schemeClr val="accent1"/>
-          </a:fillRef>
-          <a:effectRef idx="0">
-            <a:schemeClr val="accent1"/>
-          </a:effectRef>
-          <a:fontRef idx="minor">
-            <a:schemeClr val="tx1"/>
-          </a:fontRef>
-        </p:style>
-      </p:cxnSp>
-      <p:cxnSp>
-        <p:nvCxnSpPr>
-          <p:cNvPr id="22" name="Straight Arrow Connector 21"/>
-          <p:cNvCxnSpPr>
-            <a:stCxn id="2" idx="1"/>
-          </p:cNvCxnSpPr>
-          <p:nvPr/>
-        </p:nvCxnSpPr>
-        <p:spPr>
-          <a:xfrm flipH="1" flipV="1">
-            <a:off x="2747305" y="1846686"/>
-            <a:ext cx="707142" cy="487480"/>
-          </a:xfrm>
-          <a:prstGeom prst="straightConnector1">
-            <a:avLst/>
-          </a:prstGeom>
-          <a:ln>
-            <a:tailEnd type="triangle"/>
-          </a:ln>
-        </p:spPr>
-        <p:style>
-          <a:lnRef idx="1">
-            <a:schemeClr val="accent1"/>
-          </a:lnRef>
-          <a:fillRef idx="0">
-            <a:schemeClr val="accent1"/>
-          </a:fillRef>
-          <a:effectRef idx="0">
-            <a:schemeClr val="accent1"/>
-          </a:effectRef>
-          <a:fontRef idx="minor">
-            <a:schemeClr val="tx1"/>
-          </a:fontRef>
-        </p:style>
-      </p:cxnSp>
-      <p:sp>
-        <p:nvSpPr>
-          <p:cNvPr id="32" name="Rectangle 31"/>
-          <p:cNvSpPr/>
-          <p:nvPr/>
-        </p:nvSpPr>
-        <p:spPr>
-          <a:xfrm>
-            <a:off x="907080" y="1350110"/>
-            <a:ext cx="1832460" cy="610820"/>
-          </a:xfrm>
-          <a:prstGeom prst="rect">
-            <a:avLst/>
-          </a:prstGeom>
-        </p:spPr>
-        <p:style>
-          <a:lnRef idx="2">
-            <a:schemeClr val="accent1">
-              <a:shade val="50000"/>
-            </a:schemeClr>
-          </a:lnRef>
-          <a:fillRef idx="1">
-            <a:schemeClr val="accent1"/>
-          </a:fillRef>
-          <a:effectRef idx="0">
-            <a:schemeClr val="accent1"/>
-          </a:effectRef>
-          <a:fontRef idx="minor">
-            <a:schemeClr val="lt1"/>
-          </a:fontRef>
-        </p:style>
-        <p:txBody>
-          <a:bodyPr rtlCol="0" anchor="ctr"/>
-          <a:lstStyle/>
-          <a:p>
-            <a:pPr algn="ctr"/>
-            <a:r>
-              <a:rPr lang="en-US" dirty="0" smtClean="0"/>
-              <a:t>Case study of The Killer Robot</a:t>
-            </a:r>
-            <a:endParaRPr lang="en-US" dirty="0"/>
-          </a:p>
-        </p:txBody>
-      </p:sp>
-      <p:sp>
-        <p:nvSpPr>
-          <p:cNvPr id="33" name="Rectangle 32"/>
-          <p:cNvSpPr/>
-          <p:nvPr/>
-        </p:nvSpPr>
-        <p:spPr>
-          <a:xfrm>
-            <a:off x="-9150" y="2681985"/>
-            <a:ext cx="1832460" cy="576937"/>
-          </a:xfrm>
-          <a:prstGeom prst="rect">
-            <a:avLst/>
-          </a:prstGeom>
-        </p:spPr>
-        <p:style>
-          <a:lnRef idx="2">
-            <a:schemeClr val="accent1">
-              <a:shade val="50000"/>
-            </a:schemeClr>
-          </a:lnRef>
-          <a:fillRef idx="1">
-            <a:schemeClr val="accent1"/>
-          </a:fillRef>
-          <a:effectRef idx="0">
-            <a:schemeClr val="accent1"/>
-          </a:effectRef>
-          <a:fontRef idx="minor">
-            <a:schemeClr val="lt1"/>
-          </a:fontRef>
-        </p:style>
-        <p:txBody>
-          <a:bodyPr rtlCol="0" anchor="ctr"/>
-          <a:lstStyle/>
-          <a:p>
-            <a:pPr algn="ctr"/>
-            <a:r>
-              <a:rPr lang="en-US" dirty="0" smtClean="0"/>
-              <a:t>Table of Contents</a:t>
-            </a:r>
-            <a:endParaRPr lang="en-US" dirty="0"/>
-          </a:p>
-        </p:txBody>
-      </p:sp>
-      <p:sp>
-        <p:nvSpPr>
-          <p:cNvPr id="34" name="Rectangle 33"/>
-          <p:cNvSpPr/>
-          <p:nvPr/>
-        </p:nvSpPr>
-        <p:spPr>
-          <a:xfrm>
-            <a:off x="899052" y="4518305"/>
-            <a:ext cx="1832460" cy="534469"/>
-          </a:xfrm>
-          <a:prstGeom prst="rect">
-            <a:avLst/>
-          </a:prstGeom>
-        </p:spPr>
-        <p:style>
-          <a:lnRef idx="2">
-            <a:schemeClr val="accent1">
-              <a:shade val="50000"/>
-            </a:schemeClr>
-          </a:lnRef>
-          <a:fillRef idx="1">
-            <a:schemeClr val="accent1"/>
-          </a:fillRef>
-          <a:effectRef idx="0">
-            <a:schemeClr val="accent1"/>
-          </a:effectRef>
-          <a:fontRef idx="minor">
-            <a:schemeClr val="lt1"/>
-          </a:fontRef>
-        </p:style>
-        <p:txBody>
-          <a:bodyPr rtlCol="0" anchor="ctr"/>
-          <a:lstStyle/>
-          <a:p>
-            <a:pPr algn="ctr"/>
-            <a:r>
-              <a:rPr lang="en-US" dirty="0" smtClean="0"/>
-              <a:t>Outline</a:t>
-            </a:r>
-            <a:endParaRPr lang="en-US" dirty="0"/>
-          </a:p>
-        </p:txBody>
-      </p:sp>
-      <p:sp>
-        <p:nvSpPr>
-          <p:cNvPr id="35" name="Rectangle 34"/>
-          <p:cNvSpPr/>
-          <p:nvPr/>
-        </p:nvSpPr>
-        <p:spPr>
-          <a:xfrm>
-            <a:off x="6260732" y="4492719"/>
-            <a:ext cx="1832460" cy="576936"/>
-          </a:xfrm>
-          <a:prstGeom prst="rect">
-            <a:avLst/>
-          </a:prstGeom>
-        </p:spPr>
-        <p:style>
-          <a:lnRef idx="2">
-            <a:schemeClr val="accent1">
-              <a:shade val="50000"/>
-            </a:schemeClr>
-          </a:lnRef>
-          <a:fillRef idx="1">
-            <a:schemeClr val="accent1"/>
-          </a:fillRef>
-          <a:effectRef idx="0">
-            <a:schemeClr val="accent1"/>
-          </a:effectRef>
-          <a:fontRef idx="minor">
-            <a:schemeClr val="lt1"/>
-          </a:fontRef>
-        </p:style>
-        <p:txBody>
-          <a:bodyPr rtlCol="0" anchor="ctr"/>
-          <a:lstStyle/>
-          <a:p>
-            <a:pPr algn="ctr"/>
-            <a:r>
-              <a:rPr lang="en-US" dirty="0" smtClean="0"/>
-              <a:t>Cause of Incident</a:t>
-            </a:r>
-            <a:endParaRPr lang="en-US" dirty="0"/>
-          </a:p>
-        </p:txBody>
-      </p:sp>
-      <p:sp>
-        <p:nvSpPr>
-          <p:cNvPr id="36" name="Rectangle 35"/>
-          <p:cNvSpPr/>
-          <p:nvPr/>
-        </p:nvSpPr>
-        <p:spPr>
-          <a:xfrm>
-            <a:off x="7167515" y="2827479"/>
-            <a:ext cx="1973739" cy="502070"/>
-          </a:xfrm>
-          <a:prstGeom prst="rect">
-            <a:avLst/>
-          </a:prstGeom>
-        </p:spPr>
-        <p:style>
-          <a:lnRef idx="2">
-            <a:schemeClr val="accent1">
-              <a:shade val="50000"/>
-            </a:schemeClr>
-          </a:lnRef>
-          <a:fillRef idx="1">
-            <a:schemeClr val="accent1"/>
-          </a:fillRef>
-          <a:effectRef idx="0">
-            <a:schemeClr val="accent1"/>
-          </a:effectRef>
-          <a:fontRef idx="minor">
-            <a:schemeClr val="lt1"/>
-          </a:fontRef>
-        </p:style>
-        <p:txBody>
-          <a:bodyPr rtlCol="0" anchor="ctr"/>
-          <a:lstStyle/>
-          <a:p>
-            <a:pPr algn="ctr"/>
-            <a:r>
-              <a:rPr lang="en-US" dirty="0" smtClean="0"/>
-              <a:t>Summary</a:t>
-            </a:r>
-            <a:endParaRPr lang="en-US" dirty="0"/>
-          </a:p>
-        </p:txBody>
-      </p:sp>
-      <p:sp>
-        <p:nvSpPr>
-          <p:cNvPr id="37" name="Rectangle 36"/>
-          <p:cNvSpPr/>
-          <p:nvPr/>
-        </p:nvSpPr>
-        <p:spPr>
-          <a:xfrm>
-            <a:off x="6415924" y="1355316"/>
-            <a:ext cx="1823310" cy="546023"/>
-          </a:xfrm>
-          <a:prstGeom prst="rect">
-            <a:avLst/>
-          </a:prstGeom>
-        </p:spPr>
-        <p:style>
-          <a:lnRef idx="2">
-            <a:schemeClr val="accent1">
-              <a:shade val="50000"/>
-            </a:schemeClr>
-          </a:lnRef>
-          <a:fillRef idx="1">
-            <a:schemeClr val="accent1"/>
-          </a:fillRef>
-          <a:effectRef idx="0">
-            <a:schemeClr val="accent1"/>
-          </a:effectRef>
-          <a:fontRef idx="minor">
-            <a:schemeClr val="lt1"/>
-          </a:fontRef>
-        </p:style>
-        <p:txBody>
-          <a:bodyPr rtlCol="0" anchor="ctr"/>
-          <a:lstStyle/>
-          <a:p>
-            <a:pPr algn="ctr"/>
-            <a:r>
-              <a:rPr lang="en-US" dirty="0" smtClean="0"/>
-              <a:t>Cast of Characters</a:t>
-            </a:r>
-            <a:endParaRPr lang="en-US" dirty="0"/>
-          </a:p>
-        </p:txBody>
-      </p:sp>
-      <p:cxnSp>
-        <p:nvCxnSpPr>
-          <p:cNvPr id="39" name="Straight Arrow Connector 38"/>
-          <p:cNvCxnSpPr>
-            <a:stCxn id="2" idx="6"/>
-          </p:cNvCxnSpPr>
-          <p:nvPr/>
-        </p:nvCxnSpPr>
-        <p:spPr>
-          <a:xfrm>
-            <a:off x="5795915" y="3142389"/>
-            <a:ext cx="1371600" cy="0"/>
-          </a:xfrm>
-          <a:prstGeom prst="straightConnector1">
-            <a:avLst/>
-          </a:prstGeom>
-          <a:ln>
-            <a:tailEnd type="triangle"/>
-          </a:ln>
-        </p:spPr>
-        <p:style>
-          <a:lnRef idx="1">
-            <a:schemeClr val="accent1"/>
-          </a:lnRef>
-          <a:fillRef idx="0">
-            <a:schemeClr val="accent1"/>
-          </a:fillRef>
-          <a:effectRef idx="0">
-            <a:schemeClr val="accent1"/>
-          </a:effectRef>
-          <a:fontRef idx="minor">
-            <a:schemeClr val="tx1"/>
-          </a:fontRef>
-        </p:style>
-      </p:cxnSp>
-      <p:cxnSp>
-        <p:nvCxnSpPr>
-          <p:cNvPr id="41" name="Straight Arrow Connector 40"/>
-          <p:cNvCxnSpPr>
-            <a:endCxn id="49" idx="2"/>
-          </p:cNvCxnSpPr>
-          <p:nvPr/>
-        </p:nvCxnSpPr>
-        <p:spPr>
-          <a:xfrm flipH="1" flipV="1">
-            <a:off x="4424315" y="1781814"/>
-            <a:ext cx="1" cy="331822"/>
-          </a:xfrm>
-          <a:prstGeom prst="straightConnector1">
-            <a:avLst/>
-          </a:prstGeom>
-          <a:ln>
-            <a:tailEnd type="triangle"/>
-          </a:ln>
-        </p:spPr>
-        <p:style>
-          <a:lnRef idx="1">
-            <a:schemeClr val="accent1"/>
-          </a:lnRef>
-          <a:fillRef idx="0">
-            <a:schemeClr val="accent1"/>
-          </a:fillRef>
-          <a:effectRef idx="0">
-            <a:schemeClr val="accent1"/>
-          </a:effectRef>
-          <a:fontRef idx="minor">
-            <a:schemeClr val="tx1"/>
-          </a:fontRef>
-        </p:style>
-      </p:cxnSp>
-      <p:cxnSp>
-        <p:nvCxnSpPr>
-          <p:cNvPr id="47" name="Straight Arrow Connector 46"/>
-          <p:cNvCxnSpPr>
-            <a:endCxn id="48" idx="0"/>
-          </p:cNvCxnSpPr>
-          <p:nvPr/>
-        </p:nvCxnSpPr>
-        <p:spPr>
-          <a:xfrm>
-            <a:off x="4424316" y="4098800"/>
-            <a:ext cx="26622" cy="419505"/>
-          </a:xfrm>
-          <a:prstGeom prst="straightConnector1">
-            <a:avLst/>
-          </a:prstGeom>
-          <a:ln>
-            <a:tailEnd type="triangle"/>
-          </a:ln>
-        </p:spPr>
-        <p:style>
-          <a:lnRef idx="1">
-            <a:schemeClr val="accent1"/>
-          </a:lnRef>
-          <a:fillRef idx="0">
-            <a:schemeClr val="accent1"/>
-          </a:fillRef>
-          <a:effectRef idx="0">
-            <a:schemeClr val="accent1"/>
-          </a:effectRef>
-          <a:fontRef idx="minor">
-            <a:schemeClr val="tx1"/>
-          </a:fontRef>
-        </p:style>
-      </p:cxnSp>
-      <p:sp>
-        <p:nvSpPr>
-          <p:cNvPr id="48" name="Rectangle 47"/>
-          <p:cNvSpPr/>
-          <p:nvPr/>
-        </p:nvSpPr>
-        <p:spPr>
-          <a:xfrm>
-            <a:off x="3539283" y="4518305"/>
-            <a:ext cx="1823310" cy="625195"/>
-          </a:xfrm>
-          <a:prstGeom prst="rect">
-            <a:avLst/>
-          </a:prstGeom>
-        </p:spPr>
-        <p:style>
-          <a:lnRef idx="2">
-            <a:schemeClr val="accent1">
-              <a:shade val="50000"/>
-            </a:schemeClr>
-          </a:lnRef>
-          <a:fillRef idx="1">
-            <a:schemeClr val="accent1"/>
-          </a:fillRef>
-          <a:effectRef idx="0">
-            <a:schemeClr val="accent1"/>
-          </a:effectRef>
-          <a:fontRef idx="minor">
-            <a:schemeClr val="lt1"/>
-          </a:fontRef>
-        </p:style>
-        <p:txBody>
-          <a:bodyPr rtlCol="0" anchor="ctr"/>
-          <a:lstStyle/>
-          <a:p>
-            <a:pPr algn="ctr"/>
-            <a:r>
-              <a:rPr lang="en-US" dirty="0" smtClean="0"/>
-              <a:t>Main Culprit</a:t>
-            </a:r>
-            <a:endParaRPr lang="en-US" dirty="0"/>
-          </a:p>
-        </p:txBody>
-      </p:sp>
-      <p:sp>
-        <p:nvSpPr>
-          <p:cNvPr id="49" name="Rectangle 48"/>
-          <p:cNvSpPr/>
-          <p:nvPr/>
-        </p:nvSpPr>
-        <p:spPr>
-          <a:xfrm>
-            <a:off x="3512660" y="1156619"/>
-            <a:ext cx="1823310" cy="625195"/>
-          </a:xfrm>
-          <a:prstGeom prst="rect">
-            <a:avLst/>
-          </a:prstGeom>
-        </p:spPr>
-        <p:style>
-          <a:lnRef idx="2">
-            <a:schemeClr val="accent1">
-              <a:shade val="50000"/>
-            </a:schemeClr>
-          </a:lnRef>
-          <a:fillRef idx="1">
-            <a:schemeClr val="accent1"/>
-          </a:fillRef>
-          <a:effectRef idx="0">
-            <a:schemeClr val="accent1"/>
-          </a:effectRef>
-          <a:fontRef idx="minor">
-            <a:schemeClr val="lt1"/>
-          </a:fontRef>
-        </p:style>
-        <p:txBody>
-          <a:bodyPr rtlCol="0" anchor="ctr"/>
-          <a:lstStyle/>
-          <a:p>
-            <a:pPr algn="ctr"/>
-            <a:r>
-              <a:rPr lang="en-US" dirty="0" smtClean="0"/>
-              <a:t>Culprits</a:t>
-            </a:r>
-            <a:endParaRPr lang="en-US" dirty="0"/>
+            <a:pPr>
+              <a:lnSpc>
+                <a:spcPct val="150000"/>
+              </a:lnSpc>
+              <a:spcBef>
+                <a:spcPts val="125"/>
+              </a:spcBef>
+            </a:pPr>
+            <a:r>
+              <a:rPr lang="en-GB" sz="2400" dirty="0">
+                <a:solidFill>
+                  <a:schemeClr val="bg1"/>
+                </a:solidFill>
+              </a:rPr>
+              <a:t>Fictitious case written by Richard Epstein.</a:t>
+            </a:r>
+          </a:p>
+          <a:p>
+            <a:pPr>
+              <a:lnSpc>
+                <a:spcPct val="150000"/>
+              </a:lnSpc>
+              <a:spcBef>
+                <a:spcPts val="125"/>
+              </a:spcBef>
+            </a:pPr>
+            <a:r>
+              <a:rPr lang="en-GB" sz="2400" dirty="0">
+                <a:solidFill>
+                  <a:schemeClr val="bg1"/>
+                </a:solidFill>
+              </a:rPr>
+              <a:t>Presented as collection of news stories, reports, and interviews.</a:t>
+            </a:r>
+          </a:p>
+          <a:p>
+            <a:pPr>
+              <a:lnSpc>
+                <a:spcPct val="150000"/>
+              </a:lnSpc>
+              <a:spcBef>
+                <a:spcPts val="125"/>
+              </a:spcBef>
+            </a:pPr>
+            <a:r>
+              <a:rPr lang="en-GB" sz="2400" dirty="0">
+                <a:solidFill>
+                  <a:schemeClr val="bg1"/>
+                </a:solidFill>
+              </a:rPr>
+              <a:t>Case includes aspects of computer ethics and software engineering.</a:t>
+            </a:r>
+          </a:p>
+          <a:p>
+            <a:pPr>
+              <a:lnSpc>
+                <a:spcPct val="150000"/>
+              </a:lnSpc>
+              <a:spcBef>
+                <a:spcPts val="125"/>
+              </a:spcBef>
+            </a:pPr>
+            <a:r>
+              <a:rPr lang="en-GB" sz="2400" dirty="0">
+                <a:solidFill>
+                  <a:schemeClr val="bg1"/>
+                </a:solidFill>
+              </a:rPr>
+              <a:t>Talk about programmer psychology, teamwork, interfaces, software process models, and software testing.</a:t>
+            </a:r>
+            <a:endParaRPr lang="en-US" sz="2400" dirty="0">
+              <a:solidFill>
+                <a:schemeClr val="bg1"/>
+              </a:solidFill>
+            </a:endParaRPr>
           </a:p>
         </p:txBody>
       </p:sp>
     </p:spTree>
     <p:extLst>
       <p:ext uri="{BB962C8B-B14F-4D97-AF65-F5344CB8AC3E}">
-        <p14:creationId xmlns:p14="http://schemas.microsoft.com/office/powerpoint/2010/main" val="2993373775"/>
+        <p14:creationId xmlns:p14="http://schemas.microsoft.com/office/powerpoint/2010/main" val="2578380110"/>
       </p:ext>
     </p:extLst>
   </p:cSld>
@@ -12508,164 +10153,9 @@
             <p:ph type="title"/>
           </p:nvPr>
         </p:nvSpPr>
-        <p:spPr/>
-        <p:txBody>
-          <a:bodyPr>
-            <a:noAutofit/>
-          </a:bodyPr>
-          <a:lstStyle/>
-          <a:p>
-            <a:r>
-              <a:rPr lang="en-GB" sz="4400" dirty="0"/>
-              <a:t>Outline</a:t>
-            </a:r>
-            <a:endParaRPr lang="en-US" sz="4400" dirty="0"/>
-          </a:p>
-        </p:txBody>
-      </p:sp>
-      <p:sp>
-        <p:nvSpPr>
-          <p:cNvPr id="3" name="Content Placeholder 2"/>
-          <p:cNvSpPr>
-            <a:spLocks noGrp="1"/>
-          </p:cNvSpPr>
-          <p:nvPr>
-            <p:ph idx="1"/>
-          </p:nvPr>
-        </p:nvSpPr>
         <p:spPr>
           <a:xfrm>
-            <a:off x="296259" y="1197405"/>
-            <a:ext cx="6566315" cy="3817625"/>
-          </a:xfrm>
-        </p:spPr>
-        <p:txBody>
-          <a:bodyPr>
-            <a:normAutofit fontScale="92500" lnSpcReduction="20000"/>
-          </a:bodyPr>
-          <a:lstStyle/>
-          <a:p>
-            <a:pPr>
-              <a:lnSpc>
-                <a:spcPct val="150000"/>
-              </a:lnSpc>
-              <a:spcBef>
-                <a:spcPts val="125"/>
-              </a:spcBef>
-            </a:pPr>
-            <a:r>
-              <a:rPr lang="en-GB" sz="2400" dirty="0">
-                <a:solidFill>
-                  <a:schemeClr val="bg1"/>
-                </a:solidFill>
-              </a:rPr>
-              <a:t>Fictitious case written by Richard Epstein.</a:t>
-            </a:r>
-          </a:p>
-          <a:p>
-            <a:pPr>
-              <a:lnSpc>
-                <a:spcPct val="150000"/>
-              </a:lnSpc>
-              <a:spcBef>
-                <a:spcPts val="125"/>
-              </a:spcBef>
-            </a:pPr>
-            <a:r>
-              <a:rPr lang="en-GB" sz="2400" dirty="0">
-                <a:solidFill>
-                  <a:schemeClr val="bg1"/>
-                </a:solidFill>
-              </a:rPr>
-              <a:t>Presented as collection of news stories, reports, and interviews.</a:t>
-            </a:r>
-          </a:p>
-          <a:p>
-            <a:pPr>
-              <a:lnSpc>
-                <a:spcPct val="150000"/>
-              </a:lnSpc>
-              <a:spcBef>
-                <a:spcPts val="125"/>
-              </a:spcBef>
-            </a:pPr>
-            <a:r>
-              <a:rPr lang="en-GB" sz="2400" dirty="0">
-                <a:solidFill>
-                  <a:schemeClr val="bg1"/>
-                </a:solidFill>
-              </a:rPr>
-              <a:t>Case includes aspects of computer ethics and software engineering.</a:t>
-            </a:r>
-          </a:p>
-          <a:p>
-            <a:pPr>
-              <a:lnSpc>
-                <a:spcPct val="150000"/>
-              </a:lnSpc>
-              <a:spcBef>
-                <a:spcPts val="125"/>
-              </a:spcBef>
-            </a:pPr>
-            <a:r>
-              <a:rPr lang="en-GB" sz="2400" dirty="0">
-                <a:solidFill>
-                  <a:schemeClr val="bg1"/>
-                </a:solidFill>
-              </a:rPr>
-              <a:t>Talk about programmer psychology, teamwork, interfaces, software process models, and software testing.</a:t>
-            </a:r>
-            <a:endParaRPr lang="en-US" sz="2400" dirty="0">
-              <a:solidFill>
-                <a:schemeClr val="bg1"/>
-              </a:solidFill>
-            </a:endParaRPr>
-          </a:p>
-        </p:txBody>
-      </p:sp>
-    </p:spTree>
-    <p:extLst>
-      <p:ext uri="{BB962C8B-B14F-4D97-AF65-F5344CB8AC3E}">
-        <p14:creationId xmlns:p14="http://schemas.microsoft.com/office/powerpoint/2010/main" val="2578380110"/>
-      </p:ext>
-    </p:extLst>
-  </p:cSld>
-  <p:clrMapOvr>
-    <a:masterClrMapping/>
-  </p:clrMapOvr>
-</p:sld>
-</file>
-
-<file path=ppt/slides/slide5.xml><?xml version="1.0" encoding="utf-8"?>
-<p:sld xmlns:a="http://schemas.openxmlformats.org/drawingml/2006/main" xmlns:r="http://schemas.openxmlformats.org/officeDocument/2006/relationships" xmlns:p="http://schemas.openxmlformats.org/presentationml/2006/main">
-  <p:cSld>
-    <p:spTree>
-      <p:nvGrpSpPr>
-        <p:cNvPr id="1" name=""/>
-        <p:cNvGrpSpPr/>
-        <p:nvPr/>
-      </p:nvGrpSpPr>
-      <p:grpSpPr>
-        <a:xfrm>
-          <a:off x="0" y="0"/>
-          <a:ext cx="0" cy="0"/>
-          <a:chOff x="0" y="0"/>
-          <a:chExt cx="0" cy="0"/>
-        </a:xfrm>
-      </p:grpSpPr>
-      <p:sp>
-        <p:nvSpPr>
-          <p:cNvPr id="2" name="Title 1"/>
-          <p:cNvSpPr>
-            <a:spLocks noGrp="1"/>
-          </p:cNvSpPr>
-          <p:nvPr>
-            <p:ph type="title"/>
-          </p:nvPr>
-        </p:nvSpPr>
-        <p:spPr>
-          <a:xfrm>
-            <a:off x="448965" y="281175"/>
+            <a:off x="601670" y="224102"/>
             <a:ext cx="8246070" cy="763525"/>
           </a:xfrm>
         </p:spPr>
@@ -13983,6 +11473,151 @@
 </p:sld>
 </file>
 
+<file path=ppt/slides/slide5.xml><?xml version="1.0" encoding="utf-8"?>
+<p:sld xmlns:a="http://schemas.openxmlformats.org/drawingml/2006/main" xmlns:r="http://schemas.openxmlformats.org/officeDocument/2006/relationships" xmlns:p="http://schemas.openxmlformats.org/presentationml/2006/main">
+  <p:cSld>
+    <p:spTree>
+      <p:nvGrpSpPr>
+        <p:cNvPr id="1" name=""/>
+        <p:cNvGrpSpPr/>
+        <p:nvPr/>
+      </p:nvGrpSpPr>
+      <p:grpSpPr>
+        <a:xfrm>
+          <a:off x="0" y="0"/>
+          <a:ext cx="0" cy="0"/>
+          <a:chOff x="0" y="0"/>
+          <a:chExt cx="0" cy="0"/>
+        </a:xfrm>
+      </p:grpSpPr>
+      <p:sp>
+        <p:nvSpPr>
+          <p:cNvPr id="4" name="Title 3"/>
+          <p:cNvSpPr>
+            <a:spLocks noGrp="1"/>
+          </p:cNvSpPr>
+          <p:nvPr>
+            <p:ph type="title"/>
+          </p:nvPr>
+        </p:nvSpPr>
+        <p:spPr>
+          <a:xfrm>
+            <a:off x="296259" y="281175"/>
+            <a:ext cx="6566315" cy="725349"/>
+          </a:xfrm>
+        </p:spPr>
+        <p:txBody>
+          <a:bodyPr>
+            <a:noAutofit/>
+          </a:bodyPr>
+          <a:lstStyle/>
+          <a:p>
+            <a:r>
+              <a:rPr lang="en-US" sz="4400" dirty="0"/>
+              <a:t>Summary</a:t>
+            </a:r>
+          </a:p>
+        </p:txBody>
+      </p:sp>
+      <p:sp>
+        <p:nvSpPr>
+          <p:cNvPr id="5" name="Content Placeholder 4"/>
+          <p:cNvSpPr>
+            <a:spLocks noGrp="1"/>
+          </p:cNvSpPr>
+          <p:nvPr>
+            <p:ph idx="1"/>
+          </p:nvPr>
+        </p:nvSpPr>
+        <p:spPr/>
+        <p:txBody>
+          <a:bodyPr>
+            <a:normAutofit lnSpcReduction="10000"/>
+          </a:bodyPr>
+          <a:lstStyle/>
+          <a:p>
+            <a:r>
+              <a:rPr lang="en-GB" sz="2400" dirty="0">
+                <a:solidFill>
+                  <a:schemeClr val="bg1"/>
+                </a:solidFill>
+              </a:rPr>
+              <a:t>Robbie CX30 malfunction and killed B</a:t>
+            </a:r>
+            <a:r>
+              <a:rPr lang="en-US" sz="2400" dirty="0">
+                <a:solidFill>
+                  <a:schemeClr val="bg1"/>
+                </a:solidFill>
+              </a:rPr>
+              <a:t>art Matthews.</a:t>
+            </a:r>
+          </a:p>
+          <a:p>
+            <a:r>
+              <a:rPr lang="en-US" sz="2400" dirty="0">
+                <a:solidFill>
+                  <a:schemeClr val="bg1"/>
+                </a:solidFill>
+              </a:rPr>
+              <a:t>Randy Samuels wrote the false code.</a:t>
+            </a:r>
+          </a:p>
+          <a:p>
+            <a:r>
+              <a:rPr lang="en-US" sz="2400" dirty="0">
+                <a:solidFill>
+                  <a:schemeClr val="bg1"/>
+                </a:solidFill>
+              </a:rPr>
+              <a:t>Team of project Robbie CX30 were in tremendous pressure.</a:t>
+            </a:r>
+          </a:p>
+          <a:p>
+            <a:r>
+              <a:rPr lang="en-US" sz="2400" dirty="0">
+                <a:solidFill>
+                  <a:schemeClr val="bg1"/>
+                </a:solidFill>
+              </a:rPr>
+              <a:t>Silicon Techtronics were in a tight financial position.</a:t>
+            </a:r>
+          </a:p>
+          <a:p>
+            <a:r>
+              <a:rPr lang="en-US" sz="2400" dirty="0">
+                <a:solidFill>
+                  <a:schemeClr val="bg1"/>
+                </a:solidFill>
+              </a:rPr>
+              <a:t>Lack of cooperation between the team members.</a:t>
+            </a:r>
+          </a:p>
+          <a:p>
+            <a:endParaRPr lang="en-US" sz="2400" dirty="0">
+              <a:solidFill>
+                <a:schemeClr val="bg1"/>
+              </a:solidFill>
+            </a:endParaRPr>
+          </a:p>
+          <a:p>
+            <a:endParaRPr lang="en-US" sz="2400" dirty="0"/>
+          </a:p>
+        </p:txBody>
+      </p:sp>
+    </p:spTree>
+    <p:extLst>
+      <p:ext uri="{BB962C8B-B14F-4D97-AF65-F5344CB8AC3E}">
+        <p14:creationId xmlns:p14="http://schemas.microsoft.com/office/powerpoint/2010/main" val="1101633878"/>
+      </p:ext>
+    </p:extLst>
+  </p:cSld>
+  <p:clrMapOvr>
+    <a:masterClrMapping/>
+  </p:clrMapOvr>
+</p:sld>
+</file>
+
 <file path=ppt/slides/slide6.xml><?xml version="1.0" encoding="utf-8"?>
 <p:sld xmlns:a="http://schemas.openxmlformats.org/drawingml/2006/main" xmlns:r="http://schemas.openxmlformats.org/officeDocument/2006/relationships" xmlns:p="http://schemas.openxmlformats.org/presentationml/2006/main">
   <p:cSld>
@@ -14012,152 +11647,7 @@
         </p:nvSpPr>
         <p:spPr>
           <a:xfrm>
-            <a:off x="296260" y="433880"/>
-            <a:ext cx="6566315" cy="725349"/>
-          </a:xfrm>
-        </p:spPr>
-        <p:txBody>
-          <a:bodyPr>
-            <a:noAutofit/>
-          </a:bodyPr>
-          <a:lstStyle/>
-          <a:p>
-            <a:r>
-              <a:rPr lang="en-US" sz="4400" dirty="0"/>
-              <a:t>Summary</a:t>
-            </a:r>
-          </a:p>
-        </p:txBody>
-      </p:sp>
-      <p:sp>
-        <p:nvSpPr>
-          <p:cNvPr id="5" name="Content Placeholder 4"/>
-          <p:cNvSpPr>
-            <a:spLocks noGrp="1"/>
-          </p:cNvSpPr>
-          <p:nvPr>
-            <p:ph idx="1"/>
-          </p:nvPr>
-        </p:nvSpPr>
-        <p:spPr/>
-        <p:txBody>
-          <a:bodyPr>
-            <a:normAutofit lnSpcReduction="10000"/>
-          </a:bodyPr>
-          <a:lstStyle/>
-          <a:p>
-            <a:r>
-              <a:rPr lang="en-GB" sz="2400" dirty="0">
-                <a:solidFill>
-                  <a:schemeClr val="bg1"/>
-                </a:solidFill>
-              </a:rPr>
-              <a:t>Robbie CX30 malfunction and killed B</a:t>
-            </a:r>
-            <a:r>
-              <a:rPr lang="en-US" sz="2400" dirty="0">
-                <a:solidFill>
-                  <a:schemeClr val="bg1"/>
-                </a:solidFill>
-              </a:rPr>
-              <a:t>art Matthews.</a:t>
-            </a:r>
-          </a:p>
-          <a:p>
-            <a:r>
-              <a:rPr lang="en-US" sz="2400" dirty="0">
-                <a:solidFill>
-                  <a:schemeClr val="bg1"/>
-                </a:solidFill>
-              </a:rPr>
-              <a:t>Randy Samuels wrote the false code.</a:t>
-            </a:r>
-          </a:p>
-          <a:p>
-            <a:r>
-              <a:rPr lang="en-US" sz="2400" dirty="0">
-                <a:solidFill>
-                  <a:schemeClr val="bg1"/>
-                </a:solidFill>
-              </a:rPr>
-              <a:t>Team of project Robbie CX30 were in tremendous pressure.</a:t>
-            </a:r>
-          </a:p>
-          <a:p>
-            <a:r>
-              <a:rPr lang="en-US" sz="2400" dirty="0">
-                <a:solidFill>
-                  <a:schemeClr val="bg1"/>
-                </a:solidFill>
-              </a:rPr>
-              <a:t>Silicon Techtronics were in a tight financial position.</a:t>
-            </a:r>
-          </a:p>
-          <a:p>
-            <a:r>
-              <a:rPr lang="en-US" sz="2400" dirty="0">
-                <a:solidFill>
-                  <a:schemeClr val="bg1"/>
-                </a:solidFill>
-              </a:rPr>
-              <a:t>Lack of cooperation between the team members.</a:t>
-            </a:r>
-          </a:p>
-          <a:p>
-            <a:endParaRPr lang="en-US" sz="2400" dirty="0">
-              <a:solidFill>
-                <a:schemeClr val="bg1"/>
-              </a:solidFill>
-            </a:endParaRPr>
-          </a:p>
-          <a:p>
-            <a:endParaRPr lang="en-US" sz="2400" dirty="0"/>
-          </a:p>
-        </p:txBody>
-      </p:sp>
-    </p:spTree>
-    <p:extLst>
-      <p:ext uri="{BB962C8B-B14F-4D97-AF65-F5344CB8AC3E}">
-        <p14:creationId xmlns:p14="http://schemas.microsoft.com/office/powerpoint/2010/main" val="1101633878"/>
-      </p:ext>
-    </p:extLst>
-  </p:cSld>
-  <p:clrMapOvr>
-    <a:masterClrMapping/>
-  </p:clrMapOvr>
-</p:sld>
-</file>
-
-<file path=ppt/slides/slide7.xml><?xml version="1.0" encoding="utf-8"?>
-<p:sld xmlns:a="http://schemas.openxmlformats.org/drawingml/2006/main" xmlns:r="http://schemas.openxmlformats.org/officeDocument/2006/relationships" xmlns:p="http://schemas.openxmlformats.org/presentationml/2006/main">
-  <p:cSld>
-    <p:spTree>
-      <p:nvGrpSpPr>
-        <p:cNvPr id="1" name=""/>
-        <p:cNvGrpSpPr/>
-        <p:nvPr/>
-      </p:nvGrpSpPr>
-      <p:grpSpPr>
-        <a:xfrm>
-          <a:off x="0" y="0"/>
-          <a:ext cx="0" cy="0"/>
-          <a:chOff x="0" y="0"/>
-          <a:chExt cx="0" cy="0"/>
-        </a:xfrm>
-      </p:grpSpPr>
-      <p:sp>
-        <p:nvSpPr>
-          <p:cNvPr id="4" name="Title 3"/>
-          <p:cNvSpPr>
-            <a:spLocks noGrp="1"/>
-          </p:cNvSpPr>
-          <p:nvPr>
-            <p:ph type="title"/>
-          </p:nvPr>
-        </p:nvSpPr>
-        <p:spPr>
-          <a:xfrm>
-            <a:off x="754375" y="281175"/>
+            <a:off x="1059785" y="281175"/>
             <a:ext cx="7940660" cy="763525"/>
           </a:xfrm>
         </p:spPr>
@@ -14491,7 +11981,7 @@
 </p:sld>
 </file>
 
-<file path=ppt/slides/slide8.xml><?xml version="1.0" encoding="utf-8"?>
+<file path=ppt/slides/slide7.xml><?xml version="1.0" encoding="utf-8"?>
 <p:sld xmlns:a="http://schemas.openxmlformats.org/drawingml/2006/main" xmlns:r="http://schemas.openxmlformats.org/officeDocument/2006/relationships" xmlns:p="http://schemas.openxmlformats.org/presentationml/2006/main">
   <p:cSld>
     <p:spTree>
@@ -15067,7 +12557,7 @@
         </p:nvSpPr>
         <p:spPr>
           <a:xfrm>
-            <a:off x="601670" y="169272"/>
+            <a:off x="601670" y="216166"/>
             <a:ext cx="8229600" cy="857250"/>
           </a:xfrm>
         </p:spPr>
@@ -15100,7 +12590,7 @@
 </p:sld>
 </file>
 
-<file path=ppt/slides/slide9.xml><?xml version="1.0" encoding="utf-8"?>
+<file path=ppt/slides/slide8.xml><?xml version="1.0" encoding="utf-8"?>
 <p:sld xmlns:a="http://schemas.openxmlformats.org/drawingml/2006/main" xmlns:r="http://schemas.openxmlformats.org/officeDocument/2006/relationships" xmlns:p="http://schemas.openxmlformats.org/presentationml/2006/main" showMasterSp="0">
   <p:cSld>
     <p:spTree>
@@ -15829,11 +13319,13 @@
           </a:xfrm>
         </p:spPr>
         <p:txBody>
-          <a:bodyPr/>
+          <a:bodyPr>
+            <a:normAutofit/>
+          </a:bodyPr>
           <a:lstStyle/>
           <a:p>
             <a:r>
-              <a:rPr lang="en-US" dirty="0"/>
+              <a:rPr lang="en-US" sz="4400" dirty="0"/>
               <a:t>Randy Samuels</a:t>
             </a:r>
           </a:p>
@@ -15843,6 +13335,920 @@
     <p:extLst>
       <p:ext uri="{BB962C8B-B14F-4D97-AF65-F5344CB8AC3E}">
         <p14:creationId xmlns:p14="http://schemas.microsoft.com/office/powerpoint/2010/main" val="1639343029"/>
+      </p:ext>
+    </p:extLst>
+  </p:cSld>
+  <p:clrMapOvr>
+    <a:masterClrMapping/>
+  </p:clrMapOvr>
+</p:sld>
+</file>
+
+<file path=ppt/slides/slide9.xml><?xml version="1.0" encoding="utf-8"?>
+<p:sld xmlns:a="http://schemas.openxmlformats.org/drawingml/2006/main" xmlns:r="http://schemas.openxmlformats.org/officeDocument/2006/relationships" xmlns:p="http://schemas.openxmlformats.org/presentationml/2006/main">
+  <p:cSld>
+    <p:spTree>
+      <p:nvGrpSpPr>
+        <p:cNvPr id="1" name=""/>
+        <p:cNvGrpSpPr/>
+        <p:nvPr/>
+      </p:nvGrpSpPr>
+      <p:grpSpPr>
+        <a:xfrm>
+          <a:off x="0" y="0"/>
+          <a:ext cx="0" cy="0"/>
+          <a:chOff x="0" y="0"/>
+          <a:chExt cx="0" cy="0"/>
+        </a:xfrm>
+      </p:grpSpPr>
+      <p:sp>
+        <p:nvSpPr>
+          <p:cNvPr id="2" name="Content Placeholder 5"/>
+          <p:cNvSpPr txBox="1">
+            <a:spLocks/>
+          </p:cNvSpPr>
+          <p:nvPr/>
+        </p:nvSpPr>
+        <p:spPr>
+          <a:xfrm>
+            <a:off x="1" y="1197405"/>
+            <a:ext cx="6228364" cy="2137870"/>
+          </a:xfrm>
+          <a:prstGeom prst="rect">
+            <a:avLst/>
+          </a:prstGeom>
+          <a:blipFill dpi="0" rotWithShape="1">
+            <a:blip r:embed="rId3"/>
+            <a:srcRect/>
+            <a:tile tx="0" ty="0" sx="100000" sy="100000" flip="none" algn="tl"/>
+          </a:blipFill>
+          <a:ln>
+            <a:gradFill flip="none" rotWithShape="1">
+              <a:gsLst>
+                <a:gs pos="0">
+                  <a:schemeClr val="accent5">
+                    <a:lumMod val="89000"/>
+                  </a:schemeClr>
+                </a:gs>
+                <a:gs pos="23000">
+                  <a:schemeClr val="accent5">
+                    <a:lumMod val="89000"/>
+                  </a:schemeClr>
+                </a:gs>
+                <a:gs pos="69000">
+                  <a:schemeClr val="accent5">
+                    <a:lumMod val="75000"/>
+                  </a:schemeClr>
+                </a:gs>
+                <a:gs pos="97000">
+                  <a:schemeClr val="accent5">
+                    <a:lumMod val="70000"/>
+                  </a:schemeClr>
+                </a:gs>
+              </a:gsLst>
+              <a:path path="circle">
+                <a:fillToRect l="50000" t="50000" r="50000" b="50000"/>
+              </a:path>
+              <a:tileRect/>
+            </a:gradFill>
+          </a:ln>
+          <a:effectLst>
+            <a:glow rad="127000">
+              <a:srgbClr val="FFFF00"/>
+            </a:glow>
+            <a:innerShdw blurRad="63500" dist="50800" dir="13500000">
+              <a:prstClr val="black">
+                <a:alpha val="50000"/>
+              </a:prstClr>
+            </a:innerShdw>
+          </a:effectLst>
+        </p:spPr>
+        <p:txBody>
+          <a:bodyPr>
+            <a:noAutofit/>
+          </a:bodyPr>
+          <a:lstStyle>
+            <a:lvl1pPr marL="342900" indent="-342900" algn="l" defTabSz="914400" rtl="0" eaLnBrk="1" latinLnBrk="0" hangingPunct="1">
+              <a:spcBef>
+                <a:spcPct val="20000"/>
+              </a:spcBef>
+              <a:buFont typeface="Arial" pitchFamily="34" charset="0"/>
+              <a:buChar char="•"/>
+              <a:defRPr sz="3200" kern="1200">
+                <a:solidFill>
+                  <a:schemeClr val="tx1"/>
+                </a:solidFill>
+                <a:latin typeface="+mn-lt"/>
+                <a:ea typeface="+mn-ea"/>
+                <a:cs typeface="+mn-cs"/>
+              </a:defRPr>
+            </a:lvl1pPr>
+            <a:lvl2pPr marL="742950" indent="-285750" algn="l" defTabSz="914400" rtl="0" eaLnBrk="1" latinLnBrk="0" hangingPunct="1">
+              <a:spcBef>
+                <a:spcPct val="20000"/>
+              </a:spcBef>
+              <a:buFont typeface="Arial" pitchFamily="34" charset="0"/>
+              <a:buChar char="–"/>
+              <a:defRPr sz="2800" kern="1200">
+                <a:solidFill>
+                  <a:schemeClr val="tx1"/>
+                </a:solidFill>
+                <a:latin typeface="+mn-lt"/>
+                <a:ea typeface="+mn-ea"/>
+                <a:cs typeface="+mn-cs"/>
+              </a:defRPr>
+            </a:lvl2pPr>
+            <a:lvl3pPr marL="1143000" indent="-228600" algn="l" defTabSz="914400" rtl="0" eaLnBrk="1" latinLnBrk="0" hangingPunct="1">
+              <a:spcBef>
+                <a:spcPct val="20000"/>
+              </a:spcBef>
+              <a:buFont typeface="Arial" pitchFamily="34" charset="0"/>
+              <a:buChar char="•"/>
+              <a:defRPr sz="2400" kern="1200">
+                <a:solidFill>
+                  <a:schemeClr val="tx1"/>
+                </a:solidFill>
+                <a:latin typeface="+mn-lt"/>
+                <a:ea typeface="+mn-ea"/>
+                <a:cs typeface="+mn-cs"/>
+              </a:defRPr>
+            </a:lvl3pPr>
+            <a:lvl4pPr marL="1600200" indent="-228600" algn="l" defTabSz="914400" rtl="0" eaLnBrk="1" latinLnBrk="0" hangingPunct="1">
+              <a:spcBef>
+                <a:spcPct val="20000"/>
+              </a:spcBef>
+              <a:buFont typeface="Arial" pitchFamily="34" charset="0"/>
+              <a:buChar char="–"/>
+              <a:defRPr sz="2000" kern="1200">
+                <a:solidFill>
+                  <a:schemeClr val="tx1"/>
+                </a:solidFill>
+                <a:latin typeface="+mn-lt"/>
+                <a:ea typeface="+mn-ea"/>
+                <a:cs typeface="+mn-cs"/>
+              </a:defRPr>
+            </a:lvl4pPr>
+            <a:lvl5pPr marL="2057400" indent="-228600" algn="l" defTabSz="914400" rtl="0" eaLnBrk="1" latinLnBrk="0" hangingPunct="1">
+              <a:spcBef>
+                <a:spcPct val="20000"/>
+              </a:spcBef>
+              <a:buFont typeface="Arial" pitchFamily="34" charset="0"/>
+              <a:buChar char="»"/>
+              <a:defRPr sz="2000" kern="1200">
+                <a:solidFill>
+                  <a:schemeClr val="tx1"/>
+                </a:solidFill>
+                <a:latin typeface="+mn-lt"/>
+                <a:ea typeface="+mn-ea"/>
+                <a:cs typeface="+mn-cs"/>
+              </a:defRPr>
+            </a:lvl5pPr>
+            <a:lvl6pPr marL="2514600" indent="-228600" algn="l" defTabSz="914400" rtl="0" eaLnBrk="1" latinLnBrk="0" hangingPunct="1">
+              <a:spcBef>
+                <a:spcPct val="20000"/>
+              </a:spcBef>
+              <a:buFont typeface="Arial" pitchFamily="34" charset="0"/>
+              <a:buChar char="•"/>
+              <a:defRPr sz="2000" kern="1200">
+                <a:solidFill>
+                  <a:schemeClr val="tx1"/>
+                </a:solidFill>
+                <a:latin typeface="+mn-lt"/>
+                <a:ea typeface="+mn-ea"/>
+                <a:cs typeface="+mn-cs"/>
+              </a:defRPr>
+            </a:lvl6pPr>
+            <a:lvl7pPr marL="2971800" indent="-228600" algn="l" defTabSz="914400" rtl="0" eaLnBrk="1" latinLnBrk="0" hangingPunct="1">
+              <a:spcBef>
+                <a:spcPct val="20000"/>
+              </a:spcBef>
+              <a:buFont typeface="Arial" pitchFamily="34" charset="0"/>
+              <a:buChar char="•"/>
+              <a:defRPr sz="2000" kern="1200">
+                <a:solidFill>
+                  <a:schemeClr val="tx1"/>
+                </a:solidFill>
+                <a:latin typeface="+mn-lt"/>
+                <a:ea typeface="+mn-ea"/>
+                <a:cs typeface="+mn-cs"/>
+              </a:defRPr>
+            </a:lvl7pPr>
+            <a:lvl8pPr marL="3429000" indent="-228600" algn="l" defTabSz="914400" rtl="0" eaLnBrk="1" latinLnBrk="0" hangingPunct="1">
+              <a:spcBef>
+                <a:spcPct val="20000"/>
+              </a:spcBef>
+              <a:buFont typeface="Arial" pitchFamily="34" charset="0"/>
+              <a:buChar char="•"/>
+              <a:defRPr sz="2000" kern="1200">
+                <a:solidFill>
+                  <a:schemeClr val="tx1"/>
+                </a:solidFill>
+                <a:latin typeface="+mn-lt"/>
+                <a:ea typeface="+mn-ea"/>
+                <a:cs typeface="+mn-cs"/>
+              </a:defRPr>
+            </a:lvl8pPr>
+            <a:lvl9pPr marL="3886200" indent="-228600" algn="l" defTabSz="914400" rtl="0" eaLnBrk="1" latinLnBrk="0" hangingPunct="1">
+              <a:spcBef>
+                <a:spcPct val="20000"/>
+              </a:spcBef>
+              <a:buFont typeface="Arial" pitchFamily="34" charset="0"/>
+              <a:buChar char="•"/>
+              <a:defRPr sz="2000" kern="1200">
+                <a:solidFill>
+                  <a:schemeClr val="tx1"/>
+                </a:solidFill>
+                <a:latin typeface="+mn-lt"/>
+                <a:ea typeface="+mn-ea"/>
+                <a:cs typeface="+mn-cs"/>
+              </a:defRPr>
+            </a:lvl9pPr>
+          </a:lstStyle>
+          <a:p>
+            <a:pPr algn="just"/>
+            <a:r>
+              <a:rPr lang="en-US" sz="2400" dirty="0">
+                <a:solidFill>
+                  <a:schemeClr val="bg1"/>
+                </a:solidFill>
+              </a:rPr>
+              <a:t>Robotics Division chief at Silicon Techtronic</a:t>
+            </a:r>
+          </a:p>
+          <a:p>
+            <a:pPr algn="just"/>
+            <a:r>
+              <a:rPr lang="en-US" sz="2400" dirty="0">
+                <a:solidFill>
+                  <a:schemeClr val="bg1"/>
+                </a:solidFill>
+              </a:rPr>
+              <a:t>Bringing an emotional or personal conflict into a work setting (Sam Reynolds)</a:t>
+            </a:r>
+          </a:p>
+          <a:p>
+            <a:pPr algn="just"/>
+            <a:r>
+              <a:rPr lang="en-US" sz="2400" dirty="0">
+                <a:solidFill>
+                  <a:schemeClr val="bg1"/>
+                </a:solidFill>
+              </a:rPr>
+              <a:t>Placing a lot of pressure on the team</a:t>
+            </a:r>
+          </a:p>
+          <a:p>
+            <a:pPr algn="just"/>
+            <a:endParaRPr lang="en-US" sz="2400" dirty="0">
+              <a:solidFill>
+                <a:schemeClr val="bg1"/>
+              </a:solidFill>
+            </a:endParaRPr>
+          </a:p>
+          <a:p>
+            <a:pPr algn="just"/>
+            <a:endParaRPr lang="en-US" sz="2400" dirty="0">
+              <a:solidFill>
+                <a:schemeClr val="bg1"/>
+              </a:solidFill>
+            </a:endParaRPr>
+          </a:p>
+          <a:p>
+            <a:pPr algn="just"/>
+            <a:endParaRPr lang="en-US" sz="2400" dirty="0">
+              <a:solidFill>
+                <a:schemeClr val="bg1"/>
+              </a:solidFill>
+            </a:endParaRPr>
+          </a:p>
+        </p:txBody>
+      </p:sp>
+      <p:pic>
+        <p:nvPicPr>
+          <p:cNvPr id="5" name="Picture 4"/>
+          <p:cNvPicPr>
+            <a:picLocks noChangeAspect="1"/>
+          </p:cNvPicPr>
+          <p:nvPr/>
+        </p:nvPicPr>
+        <p:blipFill>
+          <a:blip r:embed="rId4">
+            <a:extLst>
+              <a:ext uri="{28A0092B-C50C-407E-A947-70E740481C1C}">
+                <a14:useLocalDpi xmlns:a14="http://schemas.microsoft.com/office/drawing/2010/main" val="0"/>
+              </a:ext>
+            </a:extLst>
+          </a:blip>
+          <a:stretch>
+            <a:fillRect/>
+          </a:stretch>
+        </p:blipFill>
+        <p:spPr>
+          <a:xfrm>
+            <a:off x="6228365" y="1197405"/>
+            <a:ext cx="2915635" cy="2137870"/>
+          </a:xfrm>
+          <a:prstGeom prst="rect">
+            <a:avLst/>
+          </a:prstGeom>
+          <a:effectLst>
+            <a:glow rad="139700">
+              <a:schemeClr val="accent1">
+                <a:satMod val="175000"/>
+                <a:alpha val="40000"/>
+              </a:schemeClr>
+            </a:glow>
+            <a:outerShdw blurRad="50800" dist="50800" dir="5400000" algn="ctr" rotWithShape="0">
+              <a:srgbClr val="000000">
+                <a:alpha val="98000"/>
+              </a:srgbClr>
+            </a:outerShdw>
+          </a:effectLst>
+        </p:spPr>
+      </p:pic>
+      <p:sp>
+        <p:nvSpPr>
+          <p:cNvPr id="8" name="Content Placeholder 5"/>
+          <p:cNvSpPr txBox="1">
+            <a:spLocks/>
+          </p:cNvSpPr>
+          <p:nvPr/>
+        </p:nvSpPr>
+        <p:spPr>
+          <a:xfrm>
+            <a:off x="4392387" y="3354606"/>
+            <a:ext cx="4751614" cy="1788894"/>
+          </a:xfrm>
+          <a:prstGeom prst="rect">
+            <a:avLst/>
+          </a:prstGeom>
+          <a:blipFill dpi="0" rotWithShape="1">
+            <a:blip r:embed="rId5">
+              <a:extLst>
+                <a:ext uri="{BEBA8EAE-BF5A-486C-A8C5-ECC9F3942E4B}">
+                  <a14:imgProps xmlns:a14="http://schemas.microsoft.com/office/drawing/2010/main">
+                    <a14:imgLayer r:embed="rId6">
+                      <a14:imgEffect>
+                        <a14:artisticBlur/>
+                      </a14:imgEffect>
+                      <a14:imgEffect>
+                        <a14:colorTemperature colorTemp="11200"/>
+                      </a14:imgEffect>
+                    </a14:imgLayer>
+                  </a14:imgProps>
+                </a:ext>
+              </a:extLst>
+            </a:blip>
+            <a:srcRect/>
+            <a:tile tx="0" ty="0" sx="100000" sy="100000" flip="none" algn="tl"/>
+          </a:blipFill>
+          <a:ln>
+            <a:gradFill flip="none" rotWithShape="1">
+              <a:gsLst>
+                <a:gs pos="0">
+                  <a:schemeClr val="accent5">
+                    <a:lumMod val="89000"/>
+                  </a:schemeClr>
+                </a:gs>
+                <a:gs pos="23000">
+                  <a:schemeClr val="accent5">
+                    <a:lumMod val="89000"/>
+                  </a:schemeClr>
+                </a:gs>
+                <a:gs pos="69000">
+                  <a:schemeClr val="accent5">
+                    <a:lumMod val="75000"/>
+                  </a:schemeClr>
+                </a:gs>
+                <a:gs pos="97000">
+                  <a:schemeClr val="accent5">
+                    <a:lumMod val="70000"/>
+                  </a:schemeClr>
+                </a:gs>
+              </a:gsLst>
+              <a:path path="circle">
+                <a:fillToRect l="50000" t="50000" r="50000" b="50000"/>
+              </a:path>
+              <a:tileRect/>
+            </a:gradFill>
+          </a:ln>
+          <a:effectLst>
+            <a:glow rad="127000">
+              <a:schemeClr val="accent6">
+                <a:lumMod val="60000"/>
+                <a:lumOff val="40000"/>
+              </a:schemeClr>
+            </a:glow>
+            <a:innerShdw blurRad="63500" dist="50800" dir="13500000">
+              <a:prstClr val="black">
+                <a:alpha val="50000"/>
+              </a:prstClr>
+            </a:innerShdw>
+          </a:effectLst>
+        </p:spPr>
+        <p:txBody>
+          <a:bodyPr vert="horz" lIns="91440" tIns="45720" rIns="91440" bIns="45720" rtlCol="0">
+            <a:noAutofit/>
+          </a:bodyPr>
+          <a:lstStyle>
+            <a:lvl1pPr marL="342900" indent="-342900" algn="l" defTabSz="914400" rtl="0" eaLnBrk="1" latinLnBrk="0" hangingPunct="1">
+              <a:spcBef>
+                <a:spcPct val="20000"/>
+              </a:spcBef>
+              <a:buFont typeface="Arial" pitchFamily="34" charset="0"/>
+              <a:buChar char="•"/>
+              <a:defRPr sz="2800" kern="1200">
+                <a:solidFill>
+                  <a:schemeClr val="accent1">
+                    <a:lumMod val="50000"/>
+                  </a:schemeClr>
+                </a:solidFill>
+                <a:latin typeface="+mn-lt"/>
+                <a:ea typeface="+mn-ea"/>
+                <a:cs typeface="+mn-cs"/>
+              </a:defRPr>
+            </a:lvl1pPr>
+            <a:lvl2pPr marL="742950" indent="-285750" algn="l" defTabSz="914400" rtl="0" eaLnBrk="1" latinLnBrk="0" hangingPunct="1">
+              <a:spcBef>
+                <a:spcPct val="20000"/>
+              </a:spcBef>
+              <a:buFont typeface="Arial" pitchFamily="34" charset="0"/>
+              <a:buChar char="–"/>
+              <a:defRPr sz="2800" kern="1200">
+                <a:solidFill>
+                  <a:schemeClr val="accent1">
+                    <a:lumMod val="50000"/>
+                  </a:schemeClr>
+                </a:solidFill>
+                <a:latin typeface="+mn-lt"/>
+                <a:ea typeface="+mn-ea"/>
+                <a:cs typeface="+mn-cs"/>
+              </a:defRPr>
+            </a:lvl2pPr>
+            <a:lvl3pPr marL="1143000" indent="-228600" algn="l" defTabSz="914400" rtl="0" eaLnBrk="1" latinLnBrk="0" hangingPunct="1">
+              <a:spcBef>
+                <a:spcPct val="20000"/>
+              </a:spcBef>
+              <a:buFont typeface="Arial" pitchFamily="34" charset="0"/>
+              <a:buChar char="•"/>
+              <a:defRPr sz="2400" kern="1200">
+                <a:solidFill>
+                  <a:schemeClr val="accent1">
+                    <a:lumMod val="50000"/>
+                  </a:schemeClr>
+                </a:solidFill>
+                <a:latin typeface="+mn-lt"/>
+                <a:ea typeface="+mn-ea"/>
+                <a:cs typeface="+mn-cs"/>
+              </a:defRPr>
+            </a:lvl3pPr>
+            <a:lvl4pPr marL="1600200" indent="-228600" algn="l" defTabSz="914400" rtl="0" eaLnBrk="1" latinLnBrk="0" hangingPunct="1">
+              <a:spcBef>
+                <a:spcPct val="20000"/>
+              </a:spcBef>
+              <a:buFont typeface="Arial" pitchFamily="34" charset="0"/>
+              <a:buChar char="–"/>
+              <a:defRPr sz="2000" kern="1200">
+                <a:solidFill>
+                  <a:schemeClr val="accent1">
+                    <a:lumMod val="50000"/>
+                  </a:schemeClr>
+                </a:solidFill>
+                <a:latin typeface="+mn-lt"/>
+                <a:ea typeface="+mn-ea"/>
+                <a:cs typeface="+mn-cs"/>
+              </a:defRPr>
+            </a:lvl4pPr>
+            <a:lvl5pPr marL="2057400" indent="-228600" algn="l" defTabSz="914400" rtl="0" eaLnBrk="1" latinLnBrk="0" hangingPunct="1">
+              <a:spcBef>
+                <a:spcPct val="20000"/>
+              </a:spcBef>
+              <a:buFont typeface="Arial" pitchFamily="34" charset="0"/>
+              <a:buChar char="»"/>
+              <a:defRPr sz="2000" kern="1200">
+                <a:solidFill>
+                  <a:schemeClr val="accent1">
+                    <a:lumMod val="50000"/>
+                  </a:schemeClr>
+                </a:solidFill>
+                <a:latin typeface="+mn-lt"/>
+                <a:ea typeface="+mn-ea"/>
+                <a:cs typeface="+mn-cs"/>
+              </a:defRPr>
+            </a:lvl5pPr>
+            <a:lvl6pPr marL="2514600" indent="-228600" algn="l" defTabSz="914400" rtl="0" eaLnBrk="1" latinLnBrk="0" hangingPunct="1">
+              <a:spcBef>
+                <a:spcPct val="20000"/>
+              </a:spcBef>
+              <a:buFont typeface="Arial" pitchFamily="34" charset="0"/>
+              <a:buChar char="•"/>
+              <a:defRPr sz="2000" kern="1200">
+                <a:solidFill>
+                  <a:schemeClr val="tx1"/>
+                </a:solidFill>
+                <a:latin typeface="+mn-lt"/>
+                <a:ea typeface="+mn-ea"/>
+                <a:cs typeface="+mn-cs"/>
+              </a:defRPr>
+            </a:lvl6pPr>
+            <a:lvl7pPr marL="2971800" indent="-228600" algn="l" defTabSz="914400" rtl="0" eaLnBrk="1" latinLnBrk="0" hangingPunct="1">
+              <a:spcBef>
+                <a:spcPct val="20000"/>
+              </a:spcBef>
+              <a:buFont typeface="Arial" pitchFamily="34" charset="0"/>
+              <a:buChar char="•"/>
+              <a:defRPr sz="2000" kern="1200">
+                <a:solidFill>
+                  <a:schemeClr val="tx1"/>
+                </a:solidFill>
+                <a:latin typeface="+mn-lt"/>
+                <a:ea typeface="+mn-ea"/>
+                <a:cs typeface="+mn-cs"/>
+              </a:defRPr>
+            </a:lvl7pPr>
+            <a:lvl8pPr marL="3429000" indent="-228600" algn="l" defTabSz="914400" rtl="0" eaLnBrk="1" latinLnBrk="0" hangingPunct="1">
+              <a:spcBef>
+                <a:spcPct val="20000"/>
+              </a:spcBef>
+              <a:buFont typeface="Arial" pitchFamily="34" charset="0"/>
+              <a:buChar char="•"/>
+              <a:defRPr sz="2000" kern="1200">
+                <a:solidFill>
+                  <a:schemeClr val="tx1"/>
+                </a:solidFill>
+                <a:latin typeface="+mn-lt"/>
+                <a:ea typeface="+mn-ea"/>
+                <a:cs typeface="+mn-cs"/>
+              </a:defRPr>
+            </a:lvl8pPr>
+            <a:lvl9pPr marL="3886200" indent="-228600" algn="l" defTabSz="914400" rtl="0" eaLnBrk="1" latinLnBrk="0" hangingPunct="1">
+              <a:spcBef>
+                <a:spcPct val="20000"/>
+              </a:spcBef>
+              <a:buFont typeface="Arial" pitchFamily="34" charset="0"/>
+              <a:buChar char="•"/>
+              <a:defRPr sz="2000" kern="1200">
+                <a:solidFill>
+                  <a:schemeClr val="tx1"/>
+                </a:solidFill>
+                <a:latin typeface="+mn-lt"/>
+                <a:ea typeface="+mn-ea"/>
+                <a:cs typeface="+mn-cs"/>
+              </a:defRPr>
+            </a:lvl9pPr>
+          </a:lstStyle>
+          <a:p>
+            <a:pPr marL="0" indent="0" algn="ctr">
+              <a:buNone/>
+            </a:pPr>
+            <a:r>
+              <a:rPr lang="en-US" sz="2400" dirty="0">
+                <a:solidFill>
+                  <a:schemeClr val="bg1"/>
+                </a:solidFill>
+              </a:rPr>
+              <a:t>Against BCS Code</a:t>
+            </a:r>
+          </a:p>
+          <a:p>
+            <a:r>
+              <a:rPr lang="en-US" sz="2400" dirty="0">
+                <a:solidFill>
+                  <a:schemeClr val="bg1"/>
+                </a:solidFill>
+              </a:rPr>
+              <a:t>1.a failed to consider public safety</a:t>
+            </a:r>
+          </a:p>
+          <a:p>
+            <a:r>
+              <a:rPr lang="en-US" sz="2400" dirty="0">
+                <a:solidFill>
+                  <a:schemeClr val="bg1"/>
+                </a:solidFill>
+              </a:rPr>
+              <a:t>3.e He falsely claimed that his product was error-free</a:t>
+            </a:r>
+          </a:p>
+        </p:txBody>
+      </p:sp>
+      <p:sp>
+        <p:nvSpPr>
+          <p:cNvPr id="9" name="Content Placeholder 5"/>
+          <p:cNvSpPr txBox="1">
+            <a:spLocks/>
+          </p:cNvSpPr>
+          <p:nvPr/>
+        </p:nvSpPr>
+        <p:spPr>
+          <a:xfrm>
+            <a:off x="0" y="3354606"/>
+            <a:ext cx="4401207" cy="1788894"/>
+          </a:xfrm>
+          <a:prstGeom prst="rect">
+            <a:avLst/>
+          </a:prstGeom>
+          <a:blipFill dpi="0" rotWithShape="1">
+            <a:blip r:embed="rId7">
+              <a:extLst>
+                <a:ext uri="{BEBA8EAE-BF5A-486C-A8C5-ECC9F3942E4B}">
+                  <a14:imgProps xmlns:a14="http://schemas.microsoft.com/office/drawing/2010/main">
+                    <a14:imgLayer r:embed="rId6">
+                      <a14:imgEffect>
+                        <a14:artisticCutout/>
+                      </a14:imgEffect>
+                      <a14:imgEffect>
+                        <a14:colorTemperature colorTemp="11200"/>
+                      </a14:imgEffect>
+                    </a14:imgLayer>
+                  </a14:imgProps>
+                </a:ext>
+              </a:extLst>
+            </a:blip>
+            <a:srcRect/>
+            <a:tile tx="0" ty="0" sx="100000" sy="100000" flip="none" algn="tl"/>
+          </a:blipFill>
+          <a:ln>
+            <a:gradFill flip="none" rotWithShape="1">
+              <a:gsLst>
+                <a:gs pos="0">
+                  <a:schemeClr val="accent5">
+                    <a:lumMod val="89000"/>
+                  </a:schemeClr>
+                </a:gs>
+                <a:gs pos="23000">
+                  <a:schemeClr val="accent5">
+                    <a:lumMod val="89000"/>
+                  </a:schemeClr>
+                </a:gs>
+                <a:gs pos="69000">
+                  <a:schemeClr val="accent5">
+                    <a:lumMod val="75000"/>
+                  </a:schemeClr>
+                </a:gs>
+                <a:gs pos="97000">
+                  <a:schemeClr val="accent5">
+                    <a:lumMod val="70000"/>
+                  </a:schemeClr>
+                </a:gs>
+              </a:gsLst>
+              <a:path path="circle">
+                <a:fillToRect l="50000" t="50000" r="50000" b="50000"/>
+              </a:path>
+              <a:tileRect/>
+            </a:gradFill>
+          </a:ln>
+          <a:effectLst>
+            <a:glow rad="127000">
+              <a:schemeClr val="bg1">
+                <a:lumMod val="75000"/>
+              </a:schemeClr>
+            </a:glow>
+            <a:innerShdw blurRad="1270000" dist="1104900" dir="13500000">
+              <a:srgbClr val="002060">
+                <a:alpha val="50000"/>
+              </a:srgbClr>
+            </a:innerShdw>
+            <a:reflection endPos="0" dist="50800" dir="5400000" sy="-100000" algn="bl" rotWithShape="0"/>
+          </a:effectLst>
+        </p:spPr>
+        <p:txBody>
+          <a:bodyPr vert="horz" lIns="91440" tIns="45720" rIns="91440" bIns="45720" rtlCol="0">
+            <a:noAutofit/>
+          </a:bodyPr>
+          <a:lstStyle>
+            <a:lvl1pPr marL="342900" indent="-342900" algn="l" defTabSz="914400" rtl="0" eaLnBrk="1" latinLnBrk="0" hangingPunct="1">
+              <a:spcBef>
+                <a:spcPct val="20000"/>
+              </a:spcBef>
+              <a:buFont typeface="Arial" pitchFamily="34" charset="0"/>
+              <a:buChar char="•"/>
+              <a:defRPr sz="2800" kern="1200">
+                <a:solidFill>
+                  <a:schemeClr val="accent1">
+                    <a:lumMod val="50000"/>
+                  </a:schemeClr>
+                </a:solidFill>
+                <a:latin typeface="+mn-lt"/>
+                <a:ea typeface="+mn-ea"/>
+                <a:cs typeface="+mn-cs"/>
+              </a:defRPr>
+            </a:lvl1pPr>
+            <a:lvl2pPr marL="742950" indent="-285750" algn="l" defTabSz="914400" rtl="0" eaLnBrk="1" latinLnBrk="0" hangingPunct="1">
+              <a:spcBef>
+                <a:spcPct val="20000"/>
+              </a:spcBef>
+              <a:buFont typeface="Arial" pitchFamily="34" charset="0"/>
+              <a:buChar char="–"/>
+              <a:defRPr sz="2800" kern="1200">
+                <a:solidFill>
+                  <a:schemeClr val="accent1">
+                    <a:lumMod val="50000"/>
+                  </a:schemeClr>
+                </a:solidFill>
+                <a:latin typeface="+mn-lt"/>
+                <a:ea typeface="+mn-ea"/>
+                <a:cs typeface="+mn-cs"/>
+              </a:defRPr>
+            </a:lvl2pPr>
+            <a:lvl3pPr marL="1143000" indent="-228600" algn="l" defTabSz="914400" rtl="0" eaLnBrk="1" latinLnBrk="0" hangingPunct="1">
+              <a:spcBef>
+                <a:spcPct val="20000"/>
+              </a:spcBef>
+              <a:buFont typeface="Arial" pitchFamily="34" charset="0"/>
+              <a:buChar char="•"/>
+              <a:defRPr sz="2400" kern="1200">
+                <a:solidFill>
+                  <a:schemeClr val="accent1">
+                    <a:lumMod val="50000"/>
+                  </a:schemeClr>
+                </a:solidFill>
+                <a:latin typeface="+mn-lt"/>
+                <a:ea typeface="+mn-ea"/>
+                <a:cs typeface="+mn-cs"/>
+              </a:defRPr>
+            </a:lvl3pPr>
+            <a:lvl4pPr marL="1600200" indent="-228600" algn="l" defTabSz="914400" rtl="0" eaLnBrk="1" latinLnBrk="0" hangingPunct="1">
+              <a:spcBef>
+                <a:spcPct val="20000"/>
+              </a:spcBef>
+              <a:buFont typeface="Arial" pitchFamily="34" charset="0"/>
+              <a:buChar char="–"/>
+              <a:defRPr sz="2000" kern="1200">
+                <a:solidFill>
+                  <a:schemeClr val="accent1">
+                    <a:lumMod val="50000"/>
+                  </a:schemeClr>
+                </a:solidFill>
+                <a:latin typeface="+mn-lt"/>
+                <a:ea typeface="+mn-ea"/>
+                <a:cs typeface="+mn-cs"/>
+              </a:defRPr>
+            </a:lvl4pPr>
+            <a:lvl5pPr marL="2057400" indent="-228600" algn="l" defTabSz="914400" rtl="0" eaLnBrk="1" latinLnBrk="0" hangingPunct="1">
+              <a:spcBef>
+                <a:spcPct val="20000"/>
+              </a:spcBef>
+              <a:buFont typeface="Arial" pitchFamily="34" charset="0"/>
+              <a:buChar char="»"/>
+              <a:defRPr sz="2000" kern="1200">
+                <a:solidFill>
+                  <a:schemeClr val="accent1">
+                    <a:lumMod val="50000"/>
+                  </a:schemeClr>
+                </a:solidFill>
+                <a:latin typeface="+mn-lt"/>
+                <a:ea typeface="+mn-ea"/>
+                <a:cs typeface="+mn-cs"/>
+              </a:defRPr>
+            </a:lvl5pPr>
+            <a:lvl6pPr marL="2514600" indent="-228600" algn="l" defTabSz="914400" rtl="0" eaLnBrk="1" latinLnBrk="0" hangingPunct="1">
+              <a:spcBef>
+                <a:spcPct val="20000"/>
+              </a:spcBef>
+              <a:buFont typeface="Arial" pitchFamily="34" charset="0"/>
+              <a:buChar char="•"/>
+              <a:defRPr sz="2000" kern="1200">
+                <a:solidFill>
+                  <a:schemeClr val="tx1"/>
+                </a:solidFill>
+                <a:latin typeface="+mn-lt"/>
+                <a:ea typeface="+mn-ea"/>
+                <a:cs typeface="+mn-cs"/>
+              </a:defRPr>
+            </a:lvl6pPr>
+            <a:lvl7pPr marL="2971800" indent="-228600" algn="l" defTabSz="914400" rtl="0" eaLnBrk="1" latinLnBrk="0" hangingPunct="1">
+              <a:spcBef>
+                <a:spcPct val="20000"/>
+              </a:spcBef>
+              <a:buFont typeface="Arial" pitchFamily="34" charset="0"/>
+              <a:buChar char="•"/>
+              <a:defRPr sz="2000" kern="1200">
+                <a:solidFill>
+                  <a:schemeClr val="tx1"/>
+                </a:solidFill>
+                <a:latin typeface="+mn-lt"/>
+                <a:ea typeface="+mn-ea"/>
+                <a:cs typeface="+mn-cs"/>
+              </a:defRPr>
+            </a:lvl7pPr>
+            <a:lvl8pPr marL="3429000" indent="-228600" algn="l" defTabSz="914400" rtl="0" eaLnBrk="1" latinLnBrk="0" hangingPunct="1">
+              <a:spcBef>
+                <a:spcPct val="20000"/>
+              </a:spcBef>
+              <a:buFont typeface="Arial" pitchFamily="34" charset="0"/>
+              <a:buChar char="•"/>
+              <a:defRPr sz="2000" kern="1200">
+                <a:solidFill>
+                  <a:schemeClr val="tx1"/>
+                </a:solidFill>
+                <a:latin typeface="+mn-lt"/>
+                <a:ea typeface="+mn-ea"/>
+                <a:cs typeface="+mn-cs"/>
+              </a:defRPr>
+            </a:lvl8pPr>
+            <a:lvl9pPr marL="3886200" indent="-228600" algn="l" defTabSz="914400" rtl="0" eaLnBrk="1" latinLnBrk="0" hangingPunct="1">
+              <a:spcBef>
+                <a:spcPct val="20000"/>
+              </a:spcBef>
+              <a:buFont typeface="Arial" pitchFamily="34" charset="0"/>
+              <a:buChar char="•"/>
+              <a:defRPr sz="2000" kern="1200">
+                <a:solidFill>
+                  <a:schemeClr val="tx1"/>
+                </a:solidFill>
+                <a:latin typeface="+mn-lt"/>
+                <a:ea typeface="+mn-ea"/>
+                <a:cs typeface="+mn-cs"/>
+              </a:defRPr>
+            </a:lvl9pPr>
+          </a:lstStyle>
+          <a:p>
+            <a:pPr marL="0" indent="0" algn="ctr">
+              <a:buNone/>
+            </a:pPr>
+            <a:r>
+              <a:rPr lang="en-US" sz="2400" dirty="0">
+                <a:solidFill>
+                  <a:schemeClr val="bg1"/>
+                </a:solidFill>
+              </a:rPr>
+              <a:t>Against ACM Code</a:t>
+            </a:r>
+          </a:p>
+          <a:p>
+            <a:r>
+              <a:rPr lang="en-US" sz="2400" dirty="0">
+                <a:solidFill>
+                  <a:schemeClr val="bg1"/>
+                </a:solidFill>
+              </a:rPr>
+              <a:t>2.1 Encouraged his subordinates to take shortcuts</a:t>
+            </a:r>
+          </a:p>
+          <a:p>
+            <a:r>
+              <a:rPr lang="en-US" sz="2400" dirty="0">
+                <a:solidFill>
+                  <a:schemeClr val="bg1"/>
+                </a:solidFill>
+              </a:rPr>
+              <a:t>2.5 Used risky solutions</a:t>
+            </a:r>
+          </a:p>
+          <a:p>
+            <a:endParaRPr lang="en-US" sz="2400" dirty="0">
+              <a:solidFill>
+                <a:schemeClr val="bg1"/>
+              </a:solidFill>
+            </a:endParaRPr>
+          </a:p>
+        </p:txBody>
+      </p:sp>
+      <p:sp>
+        <p:nvSpPr>
+          <p:cNvPr id="4" name="Title 3">
+            <a:extLst>
+              <a:ext uri="{FF2B5EF4-FFF2-40B4-BE49-F238E27FC236}">
+                <a16:creationId xmlns:a16="http://schemas.microsoft.com/office/drawing/2014/main" id="{49D11740-4329-610F-E850-676208676A32}"/>
+              </a:ext>
+            </a:extLst>
+          </p:cNvPr>
+          <p:cNvSpPr>
+            <a:spLocks noGrp="1"/>
+          </p:cNvSpPr>
+          <p:nvPr>
+            <p:ph type="title" idx="4294967295"/>
+          </p:nvPr>
+        </p:nvSpPr>
+        <p:spPr>
+          <a:xfrm>
+            <a:off x="754375" y="128470"/>
+            <a:ext cx="8229600" cy="857250"/>
+          </a:xfrm>
+        </p:spPr>
+        <p:txBody>
+          <a:bodyPr>
+            <a:normAutofit/>
+          </a:bodyPr>
+          <a:lstStyle/>
+          <a:p>
+            <a:pPr algn="r"/>
+            <a:r>
+              <a:rPr lang="en-US" dirty="0">
+                <a:solidFill>
+                  <a:srgbClr val="4BACC6"/>
+                </a:solidFill>
+              </a:rPr>
+              <a:t>Ray Johnson</a:t>
+            </a:r>
+          </a:p>
+        </p:txBody>
+      </p:sp>
+    </p:spTree>
+    <p:extLst>
+      <p:ext uri="{BB962C8B-B14F-4D97-AF65-F5344CB8AC3E}">
+        <p14:creationId xmlns:p14="http://schemas.microsoft.com/office/powerpoint/2010/main" val="2821120652"/>
       </p:ext>
     </p:extLst>
   </p:cSld>
